--- a/presentations/mid2_PP/Jacob.pptx
+++ b/presentations/mid2_PP/Jacob.pptx
@@ -5,23 +5,53 @@
     <p:sldMasterId id="2147483649" r:id="rId1"/>
   </p:sldMasterIdLst>
   <p:notesMasterIdLst>
-    <p:notesMasterId r:id="rId10"/>
+    <p:notesMasterId r:id="rId22"/>
   </p:notesMasterIdLst>
   <p:handoutMasterIdLst>
-    <p:handoutMasterId r:id="rId11"/>
+    <p:handoutMasterId r:id="rId23"/>
   </p:handoutMasterIdLst>
   <p:sldIdLst>
     <p:sldId id="576" r:id="rId2"/>
-    <p:sldId id="580" r:id="rId3"/>
-    <p:sldId id="581" r:id="rId4"/>
-    <p:sldId id="577" r:id="rId5"/>
-    <p:sldId id="582" r:id="rId6"/>
-    <p:sldId id="578" r:id="rId7"/>
-    <p:sldId id="583" r:id="rId8"/>
-    <p:sldId id="584" r:id="rId9"/>
+    <p:sldId id="586" r:id="rId3"/>
+    <p:sldId id="585" r:id="rId4"/>
+    <p:sldId id="587" r:id="rId5"/>
+    <p:sldId id="588" r:id="rId6"/>
+    <p:sldId id="580" r:id="rId7"/>
+    <p:sldId id="581" r:id="rId8"/>
+    <p:sldId id="577" r:id="rId9"/>
+    <p:sldId id="582" r:id="rId10"/>
+    <p:sldId id="578" r:id="rId11"/>
+    <p:sldId id="583" r:id="rId12"/>
+    <p:sldId id="584" r:id="rId13"/>
+    <p:sldId id="589" r:id="rId14"/>
+    <p:sldId id="590" r:id="rId15"/>
+    <p:sldId id="591" r:id="rId16"/>
+    <p:sldId id="592" r:id="rId17"/>
+    <p:sldId id="593" r:id="rId18"/>
+    <p:sldId id="594" r:id="rId19"/>
+    <p:sldId id="595" r:id="rId20"/>
+    <p:sldId id="596" r:id="rId21"/>
   </p:sldIdLst>
   <p:sldSz cx="9144000" cy="6858000" type="screen4x3"/>
   <p:notesSz cx="6950075" cy="9236075"/>
+  <p:embeddedFontLst>
+    <p:embeddedFont>
+      <p:font typeface="Verdana" panose="020B0604030504040204" pitchFamily="34" charset="0"/>
+      <p:regular r:id="rId24"/>
+      <p:bold r:id="rId25"/>
+      <p:italic r:id="rId26"/>
+      <p:boldItalic r:id="rId27"/>
+    </p:embeddedFont>
+    <p:embeddedFont>
+      <p:font typeface="Cambria Math" panose="02040503050406030204" pitchFamily="18" charset="0"/>
+      <p:regular r:id="rId28"/>
+    </p:embeddedFont>
+    <p:embeddedFont>
+      <p:font typeface="Tahoma" panose="020B0604030504040204" pitchFamily="34" charset="0"/>
+      <p:regular r:id="rId29"/>
+      <p:bold r:id="rId30"/>
+    </p:embeddedFont>
+  </p:embeddedFontLst>
   <p:defaultTextStyle>
     <a:defPPr>
       <a:defRPr lang="en-US"/>
@@ -149,7 +179,7 @@
   </p:defaultTextStyle>
   <p:extLst>
     <p:ext uri="{EFAFB233-063F-42B5-8137-9DF3F51BA10A}">
-      <p15:sldGuideLst xmlns="" xmlns:p15="http://schemas.microsoft.com/office/powerpoint/2012/main">
+      <p15:sldGuideLst xmlns:p15="http://schemas.microsoft.com/office/powerpoint/2012/main">
         <p15:guide id="1" orient="horz" pos="2160">
           <p15:clr>
             <a:srgbClr val="A4A3A4"/>
@@ -164,6 +194,1330 @@
     </p:ext>
   </p:extLst>
 </p:presentation>
+</file>
+
+<file path=ppt/charts/chart1.xml><?xml version="1.0" encoding="utf-8"?>
+<c:chartSpace xmlns:c="http://schemas.openxmlformats.org/drawingml/2006/chart" xmlns:a="http://schemas.openxmlformats.org/drawingml/2006/main" xmlns:r="http://schemas.openxmlformats.org/officeDocument/2006/relationships">
+  <c:date1904 val="0"/>
+  <c:lang val="en-US"/>
+  <c:roundedCorners val="0"/>
+  <mc:AlternateContent xmlns:mc="http://schemas.openxmlformats.org/markup-compatibility/2006">
+    <mc:Choice xmlns:c14="http://schemas.microsoft.com/office/drawing/2007/8/2/chart" Requires="c14">
+      <c14:style val="102"/>
+    </mc:Choice>
+    <mc:Fallback>
+      <c:style val="2"/>
+    </mc:Fallback>
+  </mc:AlternateContent>
+  <c:chart>
+    <c:autoTitleDeleted val="1"/>
+    <c:plotArea>
+      <c:layout/>
+      <c:scatterChart>
+        <c:scatterStyle val="lineMarker"/>
+        <c:varyColors val="0"/>
+        <c:ser>
+          <c:idx val="0"/>
+          <c:order val="0"/>
+          <c:tx>
+            <c:v>0 cm</c:v>
+          </c:tx>
+          <c:spPr>
+            <a:ln w="19050" cap="rnd">
+              <a:solidFill>
+                <a:schemeClr val="accent1"/>
+              </a:solidFill>
+              <a:round/>
+            </a:ln>
+            <a:effectLst/>
+          </c:spPr>
+          <c:marker>
+            <c:symbol val="circle"/>
+            <c:size val="5"/>
+            <c:spPr>
+              <a:solidFill>
+                <a:schemeClr val="accent1"/>
+              </a:solidFill>
+              <a:ln w="9525">
+                <a:solidFill>
+                  <a:schemeClr val="accent1"/>
+                </a:solidFill>
+              </a:ln>
+              <a:effectLst/>
+            </c:spPr>
+          </c:marker>
+          <c:xVal>
+            <c:numRef>
+              <c:f>'[Analytical temp.xlsx]slabs'!$W$11:$AA$11</c:f>
+              <c:numCache>
+                <c:formatCode>General</c:formatCode>
+                <c:ptCount val="5"/>
+                <c:pt idx="0">
+                  <c:v>0</c:v>
+                </c:pt>
+                <c:pt idx="1">
+                  <c:v>0.5</c:v>
+                </c:pt>
+                <c:pt idx="2" formatCode="0.00E+00">
+                  <c:v>0.503</c:v>
+                </c:pt>
+                <c:pt idx="3">
+                  <c:v>0.61</c:v>
+                </c:pt>
+                <c:pt idx="4">
+                  <c:v>0.78500000000000003</c:v>
+                </c:pt>
+              </c:numCache>
+            </c:numRef>
+          </c:xVal>
+          <c:yVal>
+            <c:numRef>
+              <c:f>'[Analytical temp.xlsx]slabs'!$W$16:$AA$16</c:f>
+              <c:numCache>
+                <c:formatCode>General</c:formatCode>
+                <c:ptCount val="5"/>
+                <c:pt idx="0">
+                  <c:v>925.85030597505886</c:v>
+                </c:pt>
+                <c:pt idx="1">
+                  <c:v>897.59565127764245</c:v>
+                </c:pt>
+                <c:pt idx="2">
+                  <c:v>887.71926737534011</c:v>
+                </c:pt>
+                <c:pt idx="3">
+                  <c:v>860.21926737534011</c:v>
+                </c:pt>
+                <c:pt idx="4">
+                  <c:v>851.04195583237379</c:v>
+                </c:pt>
+              </c:numCache>
+            </c:numRef>
+          </c:yVal>
+          <c:smooth val="0"/>
+          <c:extLst xmlns:c16r2="http://schemas.microsoft.com/office/drawing/2015/06/chart">
+            <c:ext xmlns:c16="http://schemas.microsoft.com/office/drawing/2014/chart" uri="{C3380CC4-5D6E-409C-BE32-E72D297353CC}">
+              <c16:uniqueId val="{00000000-55F7-4BAC-9ED7-0A0DBC995522}"/>
+            </c:ext>
+          </c:extLst>
+        </c:ser>
+        <c:ser>
+          <c:idx val="2"/>
+          <c:order val="2"/>
+          <c:tx>
+            <c:v>100 cm</c:v>
+          </c:tx>
+          <c:spPr>
+            <a:ln w="19050" cap="rnd">
+              <a:solidFill>
+                <a:schemeClr val="accent3"/>
+              </a:solidFill>
+              <a:round/>
+            </a:ln>
+            <a:effectLst/>
+          </c:spPr>
+          <c:marker>
+            <c:symbol val="circle"/>
+            <c:size val="5"/>
+            <c:spPr>
+              <a:solidFill>
+                <a:schemeClr val="accent3"/>
+              </a:solidFill>
+              <a:ln w="9525">
+                <a:solidFill>
+                  <a:schemeClr val="accent3"/>
+                </a:solidFill>
+              </a:ln>
+              <a:effectLst/>
+            </c:spPr>
+          </c:marker>
+          <c:xVal>
+            <c:numRef>
+              <c:f>'[Analytical temp.xlsx]slabs'!$W$11:$AA$11</c:f>
+              <c:numCache>
+                <c:formatCode>General</c:formatCode>
+                <c:ptCount val="5"/>
+                <c:pt idx="0">
+                  <c:v>0</c:v>
+                </c:pt>
+                <c:pt idx="1">
+                  <c:v>0.5</c:v>
+                </c:pt>
+                <c:pt idx="2" formatCode="0.00E+00">
+                  <c:v>0.503</c:v>
+                </c:pt>
+                <c:pt idx="3">
+                  <c:v>0.61</c:v>
+                </c:pt>
+                <c:pt idx="4">
+                  <c:v>0.78500000000000003</c:v>
+                </c:pt>
+              </c:numCache>
+            </c:numRef>
+          </c:xVal>
+          <c:yVal>
+            <c:numRef>
+              <c:f>'[Analytical temp.xlsx]slabs'!$W$117:$AA$117</c:f>
+              <c:numCache>
+                <c:formatCode>General</c:formatCode>
+                <c:ptCount val="5"/>
+                <c:pt idx="0">
+                  <c:v>1030.0635036686072</c:v>
+                </c:pt>
+                <c:pt idx="1">
+                  <c:v>1001.922119155358</c:v>
+                </c:pt>
+                <c:pt idx="2">
+                  <c:v>992.82149670133981</c:v>
+                </c:pt>
+                <c:pt idx="3">
+                  <c:v>965.32149670133981</c:v>
+                </c:pt>
+                <c:pt idx="4">
+                  <c:v>956.27949490212632</c:v>
+                </c:pt>
+              </c:numCache>
+            </c:numRef>
+          </c:yVal>
+          <c:smooth val="0"/>
+          <c:extLst xmlns:c16r2="http://schemas.microsoft.com/office/drawing/2015/06/chart">
+            <c:ext xmlns:c16="http://schemas.microsoft.com/office/drawing/2014/chart" uri="{C3380CC4-5D6E-409C-BE32-E72D297353CC}">
+              <c16:uniqueId val="{00000001-55F7-4BAC-9ED7-0A0DBC995522}"/>
+            </c:ext>
+          </c:extLst>
+        </c:ser>
+        <c:ser>
+          <c:idx val="3"/>
+          <c:order val="3"/>
+          <c:tx>
+            <c:v>200 cm</c:v>
+          </c:tx>
+          <c:spPr>
+            <a:ln w="19050" cap="rnd">
+              <a:solidFill>
+                <a:schemeClr val="accent4"/>
+              </a:solidFill>
+              <a:round/>
+            </a:ln>
+            <a:effectLst/>
+          </c:spPr>
+          <c:marker>
+            <c:symbol val="circle"/>
+            <c:size val="5"/>
+            <c:spPr>
+              <a:solidFill>
+                <a:schemeClr val="accent4"/>
+              </a:solidFill>
+              <a:ln w="9525">
+                <a:solidFill>
+                  <a:schemeClr val="accent4"/>
+                </a:solidFill>
+              </a:ln>
+              <a:effectLst/>
+            </c:spPr>
+          </c:marker>
+          <c:xVal>
+            <c:numRef>
+              <c:f>'[Analytical temp.xlsx]slabs'!$W$11:$AA$11</c:f>
+              <c:numCache>
+                <c:formatCode>General</c:formatCode>
+                <c:ptCount val="5"/>
+                <c:pt idx="0">
+                  <c:v>0</c:v>
+                </c:pt>
+                <c:pt idx="1">
+                  <c:v>0.5</c:v>
+                </c:pt>
+                <c:pt idx="2" formatCode="0.00E+00">
+                  <c:v>0.503</c:v>
+                </c:pt>
+                <c:pt idx="3">
+                  <c:v>0.61</c:v>
+                </c:pt>
+                <c:pt idx="4">
+                  <c:v>0.78500000000000003</c:v>
+                </c:pt>
+              </c:numCache>
+            </c:numRef>
+          </c:xVal>
+          <c:yVal>
+            <c:numRef>
+              <c:f>'[Analytical temp.xlsx]slabs'!$W$217:$AA$217</c:f>
+              <c:numCache>
+                <c:formatCode>General</c:formatCode>
+                <c:ptCount val="5"/>
+                <c:pt idx="0">
+                  <c:v>1133.373847968596</c:v>
+                </c:pt>
+                <c:pt idx="1">
+                  <c:v>1105.4462038044742</c:v>
+                </c:pt>
+                <c:pt idx="2">
+                  <c:v>1096.9359638316523</c:v>
+                </c:pt>
+                <c:pt idx="3">
+                  <c:v>1069.4359638316523</c:v>
+                </c:pt>
+                <c:pt idx="4">
+                  <c:v>1060.4750781395051</c:v>
+                </c:pt>
+              </c:numCache>
+            </c:numRef>
+          </c:yVal>
+          <c:smooth val="0"/>
+          <c:extLst xmlns:c16r2="http://schemas.microsoft.com/office/drawing/2015/06/chart">
+            <c:ext xmlns:c16="http://schemas.microsoft.com/office/drawing/2014/chart" uri="{C3380CC4-5D6E-409C-BE32-E72D297353CC}">
+              <c16:uniqueId val="{00000002-55F7-4BAC-9ED7-0A0DBC995522}"/>
+            </c:ext>
+          </c:extLst>
+        </c:ser>
+        <c:ser>
+          <c:idx val="4"/>
+          <c:order val="4"/>
+          <c:tx>
+            <c:v>300 cm</c:v>
+          </c:tx>
+          <c:spPr>
+            <a:ln w="19050" cap="rnd">
+              <a:solidFill>
+                <a:schemeClr val="accent5"/>
+              </a:solidFill>
+              <a:round/>
+            </a:ln>
+            <a:effectLst/>
+          </c:spPr>
+          <c:marker>
+            <c:symbol val="circle"/>
+            <c:size val="5"/>
+            <c:spPr>
+              <a:solidFill>
+                <a:schemeClr val="accent5"/>
+              </a:solidFill>
+              <a:ln w="9525">
+                <a:solidFill>
+                  <a:schemeClr val="accent5"/>
+                </a:solidFill>
+              </a:ln>
+              <a:effectLst/>
+            </c:spPr>
+          </c:marker>
+          <c:xVal>
+            <c:numRef>
+              <c:f>'[Analytical temp.xlsx]slabs'!$W$11:$AA$11</c:f>
+              <c:numCache>
+                <c:formatCode>General</c:formatCode>
+                <c:ptCount val="5"/>
+                <c:pt idx="0">
+                  <c:v>0</c:v>
+                </c:pt>
+                <c:pt idx="1">
+                  <c:v>0.5</c:v>
+                </c:pt>
+                <c:pt idx="2" formatCode="0.00E+00">
+                  <c:v>0.503</c:v>
+                </c:pt>
+                <c:pt idx="3">
+                  <c:v>0.61</c:v>
+                </c:pt>
+                <c:pt idx="4">
+                  <c:v>0.78500000000000003</c:v>
+                </c:pt>
+              </c:numCache>
+            </c:numRef>
+          </c:xVal>
+          <c:yVal>
+            <c:numRef>
+              <c:f>'[Analytical temp.xlsx]slabs'!$W$316:$AA$316</c:f>
+              <c:numCache>
+                <c:formatCode>General</c:formatCode>
+                <c:ptCount val="5"/>
+                <c:pt idx="0">
+                  <c:v>1235.5899799594788</c:v>
+                </c:pt>
+                <c:pt idx="1">
+                  <c:v>1207.9368772778607</c:v>
+                </c:pt>
+                <c:pt idx="2">
+                  <c:v>1199.9330056657691</c:v>
+                </c:pt>
+                <c:pt idx="3">
+                  <c:v>1172.4330056657691</c:v>
+                </c:pt>
+                <c:pt idx="4">
+                  <c:v>1163.62870554451</c:v>
+                </c:pt>
+              </c:numCache>
+            </c:numRef>
+          </c:yVal>
+          <c:smooth val="0"/>
+          <c:extLst xmlns:c16r2="http://schemas.microsoft.com/office/drawing/2015/06/chart">
+            <c:ext xmlns:c16="http://schemas.microsoft.com/office/drawing/2014/chart" uri="{C3380CC4-5D6E-409C-BE32-E72D297353CC}">
+              <c16:uniqueId val="{00000003-55F7-4BAC-9ED7-0A0DBC995522}"/>
+            </c:ext>
+          </c:extLst>
+        </c:ser>
+        <c:dLbls>
+          <c:showLegendKey val="0"/>
+          <c:showVal val="0"/>
+          <c:showCatName val="0"/>
+          <c:showSerName val="0"/>
+          <c:showPercent val="0"/>
+          <c:showBubbleSize val="0"/>
+        </c:dLbls>
+        <c:axId val="417165312"/>
+        <c:axId val="422502512"/>
+        <c:extLst xmlns:c16r2="http://schemas.microsoft.com/office/drawing/2015/06/chart">
+          <c:ext xmlns:c15="http://schemas.microsoft.com/office/drawing/2012/chart" uri="{02D57815-91ED-43cb-92C2-25804820EDAC}">
+            <c15:filteredScatterSeries>
+              <c15:ser>
+                <c:idx val="1"/>
+                <c:order val="1"/>
+                <c:tx>
+                  <c:v>50 cm</c:v>
+                </c:tx>
+                <c:spPr>
+                  <a:ln w="19050" cap="rnd">
+                    <a:solidFill>
+                      <a:schemeClr val="accent2"/>
+                    </a:solidFill>
+                    <a:round/>
+                  </a:ln>
+                  <a:effectLst/>
+                </c:spPr>
+                <c:marker>
+                  <c:symbol val="circle"/>
+                  <c:size val="5"/>
+                  <c:spPr>
+                    <a:solidFill>
+                      <a:schemeClr val="accent2"/>
+                    </a:solidFill>
+                    <a:ln w="9525">
+                      <a:solidFill>
+                        <a:schemeClr val="accent2"/>
+                      </a:solidFill>
+                    </a:ln>
+                    <a:effectLst/>
+                  </c:spPr>
+                </c:marker>
+                <c:xVal>
+                  <c:numRef>
+                    <c:extLst xmlns:c16r2="http://schemas.microsoft.com/office/drawing/2015/06/chart">
+                      <c:ext uri="{02D57815-91ED-43cb-92C2-25804820EDAC}">
+                        <c15:formulaRef>
+                          <c15:sqref>'[Analytical temp.xlsx]slabs'!$W$11:$AA$11</c15:sqref>
+                        </c15:formulaRef>
+                      </c:ext>
+                    </c:extLst>
+                    <c:numCache>
+                      <c:formatCode>General</c:formatCode>
+                      <c:ptCount val="5"/>
+                      <c:pt idx="0">
+                        <c:v>0</c:v>
+                      </c:pt>
+                      <c:pt idx="1">
+                        <c:v>0.5</c:v>
+                      </c:pt>
+                      <c:pt idx="2" formatCode="0.00E+00">
+                        <c:v>0.503</c:v>
+                      </c:pt>
+                      <c:pt idx="3">
+                        <c:v>0.61</c:v>
+                      </c:pt>
+                      <c:pt idx="4">
+                        <c:v>0.78500000000000003</c:v>
+                      </c:pt>
+                    </c:numCache>
+                  </c:numRef>
+                </c:xVal>
+                <c:yVal>
+                  <c:numRef>
+                    <c:extLst xmlns:c16r2="http://schemas.microsoft.com/office/drawing/2015/06/chart">
+                      <c:ext uri="{02D57815-91ED-43cb-92C2-25804820EDAC}">
+                        <c15:formulaRef>
+                          <c15:sqref>'[Analytical temp.xlsx]slabs'!$W$67:$AA$67</c15:sqref>
+                        </c15:formulaRef>
+                      </c:ext>
+                    </c:extLst>
+                    <c:numCache>
+                      <c:formatCode>General</c:formatCode>
+                      <c:ptCount val="5"/>
+                      <c:pt idx="0">
+                        <c:v>978.43470970353155</c:v>
+                      </c:pt>
+                      <c:pt idx="1">
+                        <c:v>950.22392641040949</c:v>
+                      </c:pt>
+                      <c:pt idx="2">
+                        <c:v>940.78921365772987</c:v>
+                      </c:pt>
+                      <c:pt idx="3">
+                        <c:v>913.28921365772987</c:v>
+                      </c:pt>
+                      <c:pt idx="4">
+                        <c:v>904.18170328343695</c:v>
+                      </c:pt>
+                    </c:numCache>
+                  </c:numRef>
+                </c:yVal>
+                <c:smooth val="0"/>
+                <c:extLst xmlns:c16r2="http://schemas.microsoft.com/office/drawing/2015/06/chart">
+                  <c:ext xmlns:c16="http://schemas.microsoft.com/office/drawing/2014/chart" uri="{C3380CC4-5D6E-409C-BE32-E72D297353CC}">
+                    <c16:uniqueId val="{00000004-55F7-4BAC-9ED7-0A0DBC995522}"/>
+                  </c:ext>
+                </c:extLst>
+              </c15:ser>
+            </c15:filteredScatterSeries>
+          </c:ext>
+        </c:extLst>
+      </c:scatterChart>
+      <c:valAx>
+        <c:axId val="417165312"/>
+        <c:scaling>
+          <c:orientation val="minMax"/>
+        </c:scaling>
+        <c:delete val="0"/>
+        <c:axPos val="b"/>
+        <c:majorGridlines>
+          <c:spPr>
+            <a:ln w="9525" cap="flat" cmpd="sng" algn="ctr">
+              <a:noFill/>
+              <a:round/>
+            </a:ln>
+            <a:effectLst/>
+          </c:spPr>
+        </c:majorGridlines>
+        <c:title>
+          <c:tx>
+            <c:rich>
+              <a:bodyPr rot="0" spcFirstLastPara="1" vertOverflow="ellipsis" vert="horz" wrap="square" anchor="ctr" anchorCtr="1"/>
+              <a:lstStyle/>
+              <a:p>
+                <a:pPr>
+                  <a:defRPr sz="1000" b="0" i="0" u="none" strike="noStrike" kern="1200" baseline="0">
+                    <a:solidFill>
+                      <a:schemeClr val="tx1">
+                        <a:lumMod val="65000"/>
+                        <a:lumOff val="35000"/>
+                      </a:schemeClr>
+                    </a:solidFill>
+                    <a:latin typeface="+mn-lt"/>
+                    <a:ea typeface="+mn-ea"/>
+                    <a:cs typeface="+mn-cs"/>
+                  </a:defRPr>
+                </a:pPr>
+                <a:r>
+                  <a:rPr lang="en-US" sz="1600" dirty="0"/>
+                  <a:t>Distance From Fuel Center (cm)</a:t>
+                </a:r>
+              </a:p>
+            </c:rich>
+          </c:tx>
+          <c:layout/>
+          <c:overlay val="0"/>
+          <c:spPr>
+            <a:noFill/>
+            <a:ln>
+              <a:noFill/>
+            </a:ln>
+            <a:effectLst/>
+          </c:spPr>
+          <c:txPr>
+            <a:bodyPr rot="0" spcFirstLastPara="1" vertOverflow="ellipsis" vert="horz" wrap="square" anchor="ctr" anchorCtr="1"/>
+            <a:lstStyle/>
+            <a:p>
+              <a:pPr>
+                <a:defRPr sz="1000" b="0" i="0" u="none" strike="noStrike" kern="1200" baseline="0">
+                  <a:solidFill>
+                    <a:schemeClr val="tx1">
+                      <a:lumMod val="65000"/>
+                      <a:lumOff val="35000"/>
+                    </a:schemeClr>
+                  </a:solidFill>
+                  <a:latin typeface="+mn-lt"/>
+                  <a:ea typeface="+mn-ea"/>
+                  <a:cs typeface="+mn-cs"/>
+                </a:defRPr>
+              </a:pPr>
+              <a:endParaRPr lang="en-US"/>
+            </a:p>
+          </c:txPr>
+        </c:title>
+        <c:numFmt formatCode="General" sourceLinked="1"/>
+        <c:majorTickMark val="none"/>
+        <c:minorTickMark val="none"/>
+        <c:tickLblPos val="nextTo"/>
+        <c:spPr>
+          <a:noFill/>
+          <a:ln w="9525" cap="flat" cmpd="sng" algn="ctr">
+            <a:solidFill>
+              <a:schemeClr val="tx1">
+                <a:lumMod val="25000"/>
+                <a:lumOff val="75000"/>
+              </a:schemeClr>
+            </a:solidFill>
+            <a:round/>
+          </a:ln>
+          <a:effectLst/>
+        </c:spPr>
+        <c:txPr>
+          <a:bodyPr rot="-60000000" spcFirstLastPara="1" vertOverflow="ellipsis" vert="horz" wrap="square" anchor="ctr" anchorCtr="1"/>
+          <a:lstStyle/>
+          <a:p>
+            <a:pPr>
+              <a:defRPr sz="900" b="0" i="0" u="none" strike="noStrike" kern="1200" baseline="0">
+                <a:solidFill>
+                  <a:schemeClr val="tx1">
+                    <a:lumMod val="65000"/>
+                    <a:lumOff val="35000"/>
+                  </a:schemeClr>
+                </a:solidFill>
+                <a:latin typeface="+mn-lt"/>
+                <a:ea typeface="+mn-ea"/>
+                <a:cs typeface="+mn-cs"/>
+              </a:defRPr>
+            </a:pPr>
+            <a:endParaRPr lang="en-US"/>
+          </a:p>
+        </c:txPr>
+        <c:crossAx val="422502512"/>
+        <c:crosses val="autoZero"/>
+        <c:crossBetween val="midCat"/>
+      </c:valAx>
+      <c:valAx>
+        <c:axId val="422502512"/>
+        <c:scaling>
+          <c:orientation val="minMax"/>
+          <c:min val="0"/>
+        </c:scaling>
+        <c:delete val="0"/>
+        <c:axPos val="l"/>
+        <c:majorGridlines>
+          <c:spPr>
+            <a:ln w="9525" cap="flat" cmpd="sng" algn="ctr">
+              <a:noFill/>
+              <a:round/>
+            </a:ln>
+            <a:effectLst/>
+          </c:spPr>
+        </c:majorGridlines>
+        <c:title>
+          <c:tx>
+            <c:rich>
+              <a:bodyPr rot="-5400000" spcFirstLastPara="1" vertOverflow="ellipsis" vert="horz" wrap="square" anchor="ctr" anchorCtr="1"/>
+              <a:lstStyle/>
+              <a:p>
+                <a:pPr>
+                  <a:defRPr sz="1000" b="0" i="0" u="none" strike="noStrike" kern="1200" baseline="0">
+                    <a:solidFill>
+                      <a:schemeClr val="tx1">
+                        <a:lumMod val="65000"/>
+                        <a:lumOff val="35000"/>
+                      </a:schemeClr>
+                    </a:solidFill>
+                    <a:latin typeface="+mn-lt"/>
+                    <a:ea typeface="+mn-ea"/>
+                    <a:cs typeface="+mn-cs"/>
+                  </a:defRPr>
+                </a:pPr>
+                <a:r>
+                  <a:rPr lang="en-US" sz="1600" dirty="0"/>
+                  <a:t>Temperature (K)</a:t>
+                </a:r>
+              </a:p>
+            </c:rich>
+          </c:tx>
+          <c:layout/>
+          <c:overlay val="0"/>
+          <c:spPr>
+            <a:noFill/>
+            <a:ln>
+              <a:noFill/>
+            </a:ln>
+            <a:effectLst/>
+          </c:spPr>
+          <c:txPr>
+            <a:bodyPr rot="-5400000" spcFirstLastPara="1" vertOverflow="ellipsis" vert="horz" wrap="square" anchor="ctr" anchorCtr="1"/>
+            <a:lstStyle/>
+            <a:p>
+              <a:pPr>
+                <a:defRPr sz="1000" b="0" i="0" u="none" strike="noStrike" kern="1200" baseline="0">
+                  <a:solidFill>
+                    <a:schemeClr val="tx1">
+                      <a:lumMod val="65000"/>
+                      <a:lumOff val="35000"/>
+                    </a:schemeClr>
+                  </a:solidFill>
+                  <a:latin typeface="+mn-lt"/>
+                  <a:ea typeface="+mn-ea"/>
+                  <a:cs typeface="+mn-cs"/>
+                </a:defRPr>
+              </a:pPr>
+              <a:endParaRPr lang="en-US"/>
+            </a:p>
+          </c:txPr>
+        </c:title>
+        <c:numFmt formatCode="General" sourceLinked="1"/>
+        <c:majorTickMark val="none"/>
+        <c:minorTickMark val="none"/>
+        <c:tickLblPos val="nextTo"/>
+        <c:spPr>
+          <a:noFill/>
+          <a:ln w="9525" cap="flat" cmpd="sng" algn="ctr">
+            <a:solidFill>
+              <a:schemeClr val="tx1">
+                <a:lumMod val="25000"/>
+                <a:lumOff val="75000"/>
+              </a:schemeClr>
+            </a:solidFill>
+            <a:round/>
+          </a:ln>
+          <a:effectLst/>
+        </c:spPr>
+        <c:txPr>
+          <a:bodyPr rot="-60000000" spcFirstLastPara="1" vertOverflow="ellipsis" vert="horz" wrap="square" anchor="ctr" anchorCtr="1"/>
+          <a:lstStyle/>
+          <a:p>
+            <a:pPr>
+              <a:defRPr sz="900" b="0" i="0" u="none" strike="noStrike" kern="1200" baseline="0">
+                <a:solidFill>
+                  <a:schemeClr val="tx1">
+                    <a:lumMod val="65000"/>
+                    <a:lumOff val="35000"/>
+                  </a:schemeClr>
+                </a:solidFill>
+                <a:latin typeface="+mn-lt"/>
+                <a:ea typeface="+mn-ea"/>
+                <a:cs typeface="+mn-cs"/>
+              </a:defRPr>
+            </a:pPr>
+            <a:endParaRPr lang="en-US"/>
+          </a:p>
+        </c:txPr>
+        <c:crossAx val="417165312"/>
+        <c:crosses val="autoZero"/>
+        <c:crossBetween val="midCat"/>
+      </c:valAx>
+      <c:spPr>
+        <a:noFill/>
+        <a:ln>
+          <a:noFill/>
+        </a:ln>
+        <a:effectLst/>
+      </c:spPr>
+    </c:plotArea>
+    <c:legend>
+      <c:legendPos val="r"/>
+      <c:layout/>
+      <c:overlay val="0"/>
+      <c:spPr>
+        <a:noFill/>
+        <a:ln>
+          <a:noFill/>
+        </a:ln>
+        <a:effectLst/>
+      </c:spPr>
+      <c:txPr>
+        <a:bodyPr rot="0" spcFirstLastPara="1" vertOverflow="ellipsis" vert="horz" wrap="square" anchor="ctr" anchorCtr="1"/>
+        <a:lstStyle/>
+        <a:p>
+          <a:pPr>
+            <a:defRPr sz="900" b="0" i="0" u="none" strike="noStrike" kern="1200" baseline="0">
+              <a:solidFill>
+                <a:schemeClr val="tx1">
+                  <a:lumMod val="65000"/>
+                  <a:lumOff val="35000"/>
+                </a:schemeClr>
+              </a:solidFill>
+              <a:latin typeface="+mn-lt"/>
+              <a:ea typeface="+mn-ea"/>
+              <a:cs typeface="+mn-cs"/>
+            </a:defRPr>
+          </a:pPr>
+          <a:endParaRPr lang="en-US"/>
+        </a:p>
+      </c:txPr>
+    </c:legend>
+    <c:plotVisOnly val="1"/>
+    <c:dispBlanksAs val="gap"/>
+    <c:showDLblsOverMax val="0"/>
+  </c:chart>
+  <c:spPr>
+    <a:noFill/>
+    <a:ln>
+      <a:noFill/>
+    </a:ln>
+    <a:effectLst/>
+  </c:spPr>
+  <c:txPr>
+    <a:bodyPr/>
+    <a:lstStyle/>
+    <a:p>
+      <a:pPr>
+        <a:defRPr/>
+      </a:pPr>
+      <a:endParaRPr lang="en-US"/>
+    </a:p>
+  </c:txPr>
+  <c:externalData r:id="rId3">
+    <c:autoUpdate val="0"/>
+  </c:externalData>
+</c:chartSpace>
+</file>
+
+<file path=ppt/charts/colors1.xml><?xml version="1.0" encoding="utf-8"?>
+<cs:colorStyle xmlns:cs="http://schemas.microsoft.com/office/drawing/2012/chartStyle" xmlns:a="http://schemas.openxmlformats.org/drawingml/2006/main" meth="cycle" id="10">
+  <a:schemeClr val="accent1"/>
+  <a:schemeClr val="accent2"/>
+  <a:schemeClr val="accent3"/>
+  <a:schemeClr val="accent4"/>
+  <a:schemeClr val="accent5"/>
+  <a:schemeClr val="accent6"/>
+  <cs:variation/>
+  <cs:variation>
+    <a:lumMod val="60000"/>
+  </cs:variation>
+  <cs:variation>
+    <a:lumMod val="80000"/>
+    <a:lumOff val="20000"/>
+  </cs:variation>
+  <cs:variation>
+    <a:lumMod val="80000"/>
+  </cs:variation>
+  <cs:variation>
+    <a:lumMod val="60000"/>
+    <a:lumOff val="40000"/>
+  </cs:variation>
+  <cs:variation>
+    <a:lumMod val="50000"/>
+  </cs:variation>
+  <cs:variation>
+    <a:lumMod val="70000"/>
+    <a:lumOff val="30000"/>
+  </cs:variation>
+  <cs:variation>
+    <a:lumMod val="70000"/>
+  </cs:variation>
+  <cs:variation>
+    <a:lumMod val="50000"/>
+    <a:lumOff val="50000"/>
+  </cs:variation>
+</cs:colorStyle>
+</file>
+
+<file path=ppt/charts/style1.xml><?xml version="1.0" encoding="utf-8"?>
+<cs:chartStyle xmlns:cs="http://schemas.microsoft.com/office/drawing/2012/chartStyle" xmlns:a="http://schemas.openxmlformats.org/drawingml/2006/main" id="240">
+  <cs:axisTitle>
+    <cs:lnRef idx="0"/>
+    <cs:fillRef idx="0"/>
+    <cs:effectRef idx="0"/>
+    <cs:fontRef idx="minor">
+      <a:schemeClr val="tx1">
+        <a:lumMod val="65000"/>
+        <a:lumOff val="35000"/>
+      </a:schemeClr>
+    </cs:fontRef>
+    <cs:defRPr sz="1000" kern="1200"/>
+  </cs:axisTitle>
+  <cs:categoryAxis>
+    <cs:lnRef idx="0"/>
+    <cs:fillRef idx="0"/>
+    <cs:effectRef idx="0"/>
+    <cs:fontRef idx="minor">
+      <a:schemeClr val="tx1">
+        <a:lumMod val="65000"/>
+        <a:lumOff val="35000"/>
+      </a:schemeClr>
+    </cs:fontRef>
+    <cs:spPr>
+      <a:ln w="9525" cap="flat" cmpd="sng" algn="ctr">
+        <a:solidFill>
+          <a:schemeClr val="tx1">
+            <a:lumMod val="25000"/>
+            <a:lumOff val="75000"/>
+          </a:schemeClr>
+        </a:solidFill>
+        <a:round/>
+      </a:ln>
+    </cs:spPr>
+    <cs:defRPr sz="900" kern="1200"/>
+  </cs:categoryAxis>
+  <cs:chartArea mods="allowNoFillOverride allowNoLineOverride">
+    <cs:lnRef idx="0"/>
+    <cs:fillRef idx="0"/>
+    <cs:effectRef idx="0"/>
+    <cs:fontRef idx="minor">
+      <a:schemeClr val="tx1"/>
+    </cs:fontRef>
+    <cs:spPr>
+      <a:solidFill>
+        <a:schemeClr val="bg1"/>
+      </a:solidFill>
+      <a:ln w="9525" cap="flat" cmpd="sng" algn="ctr">
+        <a:solidFill>
+          <a:schemeClr val="tx1">
+            <a:lumMod val="15000"/>
+            <a:lumOff val="85000"/>
+          </a:schemeClr>
+        </a:solidFill>
+        <a:round/>
+      </a:ln>
+    </cs:spPr>
+    <cs:defRPr sz="1000" kern="1200"/>
+  </cs:chartArea>
+  <cs:dataLabel>
+    <cs:lnRef idx="0"/>
+    <cs:fillRef idx="0"/>
+    <cs:effectRef idx="0"/>
+    <cs:fontRef idx="minor">
+      <a:schemeClr val="tx1">
+        <a:lumMod val="75000"/>
+        <a:lumOff val="25000"/>
+      </a:schemeClr>
+    </cs:fontRef>
+    <cs:defRPr sz="900" kern="1200"/>
+  </cs:dataLabel>
+  <cs:dataLabelCallout>
+    <cs:lnRef idx="0"/>
+    <cs:fillRef idx="0"/>
+    <cs:effectRef idx="0"/>
+    <cs:fontRef idx="minor">
+      <a:schemeClr val="dk1">
+        <a:lumMod val="65000"/>
+        <a:lumOff val="35000"/>
+      </a:schemeClr>
+    </cs:fontRef>
+    <cs:spPr>
+      <a:solidFill>
+        <a:schemeClr val="lt1"/>
+      </a:solidFill>
+      <a:ln>
+        <a:solidFill>
+          <a:schemeClr val="dk1">
+            <a:lumMod val="25000"/>
+            <a:lumOff val="75000"/>
+          </a:schemeClr>
+        </a:solidFill>
+      </a:ln>
+    </cs:spPr>
+    <cs:defRPr sz="900" kern="1200"/>
+    <cs:bodyPr rot="0" spcFirstLastPara="1" vertOverflow="clip" horzOverflow="clip" vert="horz" wrap="square" lIns="36576" tIns="18288" rIns="36576" bIns="18288" anchor="ctr" anchorCtr="1">
+      <a:spAutoFit/>
+    </cs:bodyPr>
+  </cs:dataLabelCallout>
+  <cs:dataPoint>
+    <cs:lnRef idx="0"/>
+    <cs:fillRef idx="1">
+      <cs:styleClr val="auto"/>
+    </cs:fillRef>
+    <cs:effectRef idx="0"/>
+    <cs:fontRef idx="minor">
+      <a:schemeClr val="tx1"/>
+    </cs:fontRef>
+  </cs:dataPoint>
+  <cs:dataPoint3D>
+    <cs:lnRef idx="0"/>
+    <cs:fillRef idx="1">
+      <cs:styleClr val="auto"/>
+    </cs:fillRef>
+    <cs:effectRef idx="0"/>
+    <cs:fontRef idx="minor">
+      <a:schemeClr val="tx1"/>
+    </cs:fontRef>
+  </cs:dataPoint3D>
+  <cs:dataPointLine>
+    <cs:lnRef idx="0">
+      <cs:styleClr val="auto"/>
+    </cs:lnRef>
+    <cs:fillRef idx="1"/>
+    <cs:effectRef idx="0"/>
+    <cs:fontRef idx="minor">
+      <a:schemeClr val="tx1"/>
+    </cs:fontRef>
+    <cs:spPr>
+      <a:ln w="19050" cap="rnd">
+        <a:solidFill>
+          <a:schemeClr val="phClr"/>
+        </a:solidFill>
+        <a:round/>
+      </a:ln>
+    </cs:spPr>
+  </cs:dataPointLine>
+  <cs:dataPointMarker>
+    <cs:lnRef idx="0">
+      <cs:styleClr val="auto"/>
+    </cs:lnRef>
+    <cs:fillRef idx="1">
+      <cs:styleClr val="auto"/>
+    </cs:fillRef>
+    <cs:effectRef idx="0"/>
+    <cs:fontRef idx="minor">
+      <a:schemeClr val="tx1"/>
+    </cs:fontRef>
+    <cs:spPr>
+      <a:ln w="9525">
+        <a:solidFill>
+          <a:schemeClr val="phClr"/>
+        </a:solidFill>
+      </a:ln>
+    </cs:spPr>
+  </cs:dataPointMarker>
+  <cs:dataPointMarkerLayout symbol="circle" size="5"/>
+  <cs:dataPointWireframe>
+    <cs:lnRef idx="0">
+      <cs:styleClr val="auto"/>
+    </cs:lnRef>
+    <cs:fillRef idx="0"/>
+    <cs:effectRef idx="0"/>
+    <cs:fontRef idx="minor">
+      <a:schemeClr val="dk1"/>
+    </cs:fontRef>
+    <cs:spPr>
+      <a:ln w="9525" cap="rnd">
+        <a:solidFill>
+          <a:schemeClr val="phClr"/>
+        </a:solidFill>
+        <a:round/>
+      </a:ln>
+    </cs:spPr>
+  </cs:dataPointWireframe>
+  <cs:dataTable>
+    <cs:lnRef idx="0"/>
+    <cs:fillRef idx="0"/>
+    <cs:effectRef idx="0"/>
+    <cs:fontRef idx="minor">
+      <a:schemeClr val="tx1">
+        <a:lumMod val="65000"/>
+        <a:lumOff val="35000"/>
+      </a:schemeClr>
+    </cs:fontRef>
+    <cs:spPr>
+      <a:noFill/>
+      <a:ln w="9525" cap="flat" cmpd="sng" algn="ctr">
+        <a:solidFill>
+          <a:schemeClr val="tx1">
+            <a:lumMod val="15000"/>
+            <a:lumOff val="85000"/>
+          </a:schemeClr>
+        </a:solidFill>
+        <a:round/>
+      </a:ln>
+    </cs:spPr>
+    <cs:defRPr sz="900" kern="1200"/>
+  </cs:dataTable>
+  <cs:downBar>
+    <cs:lnRef idx="0"/>
+    <cs:fillRef idx="0"/>
+    <cs:effectRef idx="0"/>
+    <cs:fontRef idx="minor">
+      <a:schemeClr val="tx1"/>
+    </cs:fontRef>
+    <cs:spPr>
+      <a:solidFill>
+        <a:schemeClr val="dk1">
+          <a:lumMod val="75000"/>
+          <a:lumOff val="25000"/>
+        </a:schemeClr>
+      </a:solidFill>
+      <a:ln w="9525" cap="flat" cmpd="sng" algn="ctr">
+        <a:solidFill>
+          <a:schemeClr val="tx1">
+            <a:lumMod val="65000"/>
+            <a:lumOff val="35000"/>
+          </a:schemeClr>
+        </a:solidFill>
+        <a:round/>
+      </a:ln>
+    </cs:spPr>
+  </cs:downBar>
+  <cs:dropLine>
+    <cs:lnRef idx="0"/>
+    <cs:fillRef idx="0"/>
+    <cs:effectRef idx="0"/>
+    <cs:fontRef idx="minor">
+      <a:schemeClr val="tx1"/>
+    </cs:fontRef>
+    <cs:spPr>
+      <a:ln w="9525" cap="flat" cmpd="sng" algn="ctr">
+        <a:solidFill>
+          <a:schemeClr val="tx1">
+            <a:lumMod val="35000"/>
+            <a:lumOff val="65000"/>
+          </a:schemeClr>
+        </a:solidFill>
+        <a:round/>
+      </a:ln>
+    </cs:spPr>
+  </cs:dropLine>
+  <cs:errorBar>
+    <cs:lnRef idx="0"/>
+    <cs:fillRef idx="0"/>
+    <cs:effectRef idx="0"/>
+    <cs:fontRef idx="minor">
+      <a:schemeClr val="tx1"/>
+    </cs:fontRef>
+    <cs:spPr>
+      <a:ln w="9525" cap="flat" cmpd="sng" algn="ctr">
+        <a:solidFill>
+          <a:schemeClr val="tx1">
+            <a:lumMod val="65000"/>
+            <a:lumOff val="35000"/>
+          </a:schemeClr>
+        </a:solidFill>
+        <a:round/>
+      </a:ln>
+    </cs:spPr>
+  </cs:errorBar>
+  <cs:floor>
+    <cs:lnRef idx="0"/>
+    <cs:fillRef idx="0"/>
+    <cs:effectRef idx="0"/>
+    <cs:fontRef idx="minor">
+      <a:schemeClr val="tx1"/>
+    </cs:fontRef>
+    <cs:spPr>
+      <a:noFill/>
+      <a:ln>
+        <a:noFill/>
+      </a:ln>
+    </cs:spPr>
+  </cs:floor>
+  <cs:gridlineMajor>
+    <cs:lnRef idx="0"/>
+    <cs:fillRef idx="0"/>
+    <cs:effectRef idx="0"/>
+    <cs:fontRef idx="minor">
+      <a:schemeClr val="tx1"/>
+    </cs:fontRef>
+    <cs:spPr>
+      <a:ln w="9525" cap="flat" cmpd="sng" algn="ctr">
+        <a:solidFill>
+          <a:schemeClr val="tx1">
+            <a:lumMod val="15000"/>
+            <a:lumOff val="85000"/>
+          </a:schemeClr>
+        </a:solidFill>
+        <a:round/>
+      </a:ln>
+    </cs:spPr>
+  </cs:gridlineMajor>
+  <cs:gridlineMinor>
+    <cs:lnRef idx="0"/>
+    <cs:fillRef idx="0"/>
+    <cs:effectRef idx="0"/>
+    <cs:fontRef idx="minor">
+      <a:schemeClr val="tx1"/>
+    </cs:fontRef>
+    <cs:spPr>
+      <a:ln w="9525" cap="flat" cmpd="sng" algn="ctr">
+        <a:solidFill>
+          <a:schemeClr val="tx1">
+            <a:lumMod val="5000"/>
+            <a:lumOff val="95000"/>
+          </a:schemeClr>
+        </a:solidFill>
+        <a:round/>
+      </a:ln>
+    </cs:spPr>
+  </cs:gridlineMinor>
+  <cs:hiLoLine>
+    <cs:lnRef idx="0"/>
+    <cs:fillRef idx="0"/>
+    <cs:effectRef idx="0"/>
+    <cs:fontRef idx="minor">
+      <a:schemeClr val="tx1"/>
+    </cs:fontRef>
+    <cs:spPr>
+      <a:ln w="9525" cap="flat" cmpd="sng" algn="ctr">
+        <a:solidFill>
+          <a:schemeClr val="tx1">
+            <a:lumMod val="50000"/>
+            <a:lumOff val="50000"/>
+          </a:schemeClr>
+        </a:solidFill>
+        <a:round/>
+      </a:ln>
+    </cs:spPr>
+  </cs:hiLoLine>
+  <cs:leaderLine>
+    <cs:lnRef idx="0"/>
+    <cs:fillRef idx="0"/>
+    <cs:effectRef idx="0"/>
+    <cs:fontRef idx="minor">
+      <a:schemeClr val="tx1"/>
+    </cs:fontRef>
+    <cs:spPr>
+      <a:ln w="9525" cap="flat" cmpd="sng" algn="ctr">
+        <a:solidFill>
+          <a:schemeClr val="tx1">
+            <a:lumMod val="35000"/>
+            <a:lumOff val="65000"/>
+          </a:schemeClr>
+        </a:solidFill>
+        <a:round/>
+      </a:ln>
+    </cs:spPr>
+  </cs:leaderLine>
+  <cs:legend>
+    <cs:lnRef idx="0"/>
+    <cs:fillRef idx="0"/>
+    <cs:effectRef idx="0"/>
+    <cs:fontRef idx="minor">
+      <a:schemeClr val="tx1">
+        <a:lumMod val="65000"/>
+        <a:lumOff val="35000"/>
+      </a:schemeClr>
+    </cs:fontRef>
+    <cs:defRPr sz="900" kern="1200"/>
+  </cs:legend>
+  <cs:plotArea mods="allowNoFillOverride allowNoLineOverride">
+    <cs:lnRef idx="0"/>
+    <cs:fillRef idx="0"/>
+    <cs:effectRef idx="0"/>
+    <cs:fontRef idx="minor">
+      <a:schemeClr val="tx1"/>
+    </cs:fontRef>
+  </cs:plotArea>
+  <cs:plotArea3D mods="allowNoFillOverride allowNoLineOverride">
+    <cs:lnRef idx="0"/>
+    <cs:fillRef idx="0"/>
+    <cs:effectRef idx="0"/>
+    <cs:fontRef idx="minor">
+      <a:schemeClr val="tx1"/>
+    </cs:fontRef>
+  </cs:plotArea3D>
+  <cs:seriesAxis>
+    <cs:lnRef idx="0"/>
+    <cs:fillRef idx="0"/>
+    <cs:effectRef idx="0"/>
+    <cs:fontRef idx="minor">
+      <a:schemeClr val="tx1">
+        <a:lumMod val="65000"/>
+        <a:lumOff val="35000"/>
+      </a:schemeClr>
+    </cs:fontRef>
+    <cs:defRPr sz="900" kern="1200"/>
+  </cs:seriesAxis>
+  <cs:seriesLine>
+    <cs:lnRef idx="0"/>
+    <cs:fillRef idx="0"/>
+    <cs:effectRef idx="0"/>
+    <cs:fontRef idx="minor">
+      <a:schemeClr val="tx1"/>
+    </cs:fontRef>
+    <cs:spPr>
+      <a:ln w="9525" cap="flat" cmpd="sng" algn="ctr">
+        <a:solidFill>
+          <a:schemeClr val="tx1">
+            <a:lumMod val="35000"/>
+            <a:lumOff val="65000"/>
+          </a:schemeClr>
+        </a:solidFill>
+        <a:round/>
+      </a:ln>
+    </cs:spPr>
+  </cs:seriesLine>
+  <cs:title>
+    <cs:lnRef idx="0"/>
+    <cs:fillRef idx="0"/>
+    <cs:effectRef idx="0"/>
+    <cs:fontRef idx="minor">
+      <a:schemeClr val="tx1">
+        <a:lumMod val="65000"/>
+        <a:lumOff val="35000"/>
+      </a:schemeClr>
+    </cs:fontRef>
+    <cs:defRPr sz="1400" b="0" kern="1200" spc="0" baseline="0"/>
+  </cs:title>
+  <cs:trendline>
+    <cs:lnRef idx="0">
+      <cs:styleClr val="auto"/>
+    </cs:lnRef>
+    <cs:fillRef idx="0"/>
+    <cs:effectRef idx="0"/>
+    <cs:fontRef idx="minor">
+      <a:schemeClr val="tx1"/>
+    </cs:fontRef>
+    <cs:spPr>
+      <a:ln w="19050" cap="rnd">
+        <a:solidFill>
+          <a:schemeClr val="phClr"/>
+        </a:solidFill>
+        <a:prstDash val="sysDot"/>
+      </a:ln>
+    </cs:spPr>
+  </cs:trendline>
+  <cs:trendlineLabel>
+    <cs:lnRef idx="0"/>
+    <cs:fillRef idx="0"/>
+    <cs:effectRef idx="0"/>
+    <cs:fontRef idx="minor">
+      <a:schemeClr val="tx1">
+        <a:lumMod val="65000"/>
+        <a:lumOff val="35000"/>
+      </a:schemeClr>
+    </cs:fontRef>
+    <cs:defRPr sz="900" kern="1200"/>
+  </cs:trendlineLabel>
+  <cs:upBar>
+    <cs:lnRef idx="0"/>
+    <cs:fillRef idx="0"/>
+    <cs:effectRef idx="0"/>
+    <cs:fontRef idx="minor">
+      <a:schemeClr val="tx1"/>
+    </cs:fontRef>
+    <cs:spPr>
+      <a:solidFill>
+        <a:schemeClr val="lt1"/>
+      </a:solidFill>
+      <a:ln w="9525" cap="flat" cmpd="sng" algn="ctr">
+        <a:solidFill>
+          <a:schemeClr val="tx1">
+            <a:lumMod val="65000"/>
+            <a:lumOff val="35000"/>
+          </a:schemeClr>
+        </a:solidFill>
+        <a:round/>
+      </a:ln>
+    </cs:spPr>
+  </cs:upBar>
+  <cs:valueAxis>
+    <cs:lnRef idx="0"/>
+    <cs:fillRef idx="0"/>
+    <cs:effectRef idx="0"/>
+    <cs:fontRef idx="minor">
+      <a:schemeClr val="tx1">
+        <a:lumMod val="65000"/>
+        <a:lumOff val="35000"/>
+      </a:schemeClr>
+    </cs:fontRef>
+    <cs:spPr>
+      <a:ln w="9525" cap="flat" cmpd="sng" algn="ctr">
+        <a:solidFill>
+          <a:schemeClr val="tx1">
+            <a:lumMod val="25000"/>
+            <a:lumOff val="75000"/>
+          </a:schemeClr>
+        </a:solidFill>
+        <a:round/>
+      </a:ln>
+    </cs:spPr>
+    <cs:defRPr sz="900" kern="1200"/>
+  </cs:valueAxis>
+  <cs:wall>
+    <cs:lnRef idx="0"/>
+    <cs:fillRef idx="0"/>
+    <cs:effectRef idx="0"/>
+    <cs:fontRef idx="minor">
+      <a:schemeClr val="tx1"/>
+    </cs:fontRef>
+    <cs:spPr>
+      <a:noFill/>
+      <a:ln>
+        <a:noFill/>
+      </a:ln>
+    </cs:spPr>
+  </cs:wall>
+</cs:chartStyle>
 </file>
 
 <file path=ppt/handoutMasters/handoutMaster1.xml><?xml version="1.0" encoding="utf-8"?>
@@ -249,7 +1603,7 @@
             <a:fld id="{3649C4A7-F7E0-4FB8-8F05-6ADADEF3AE08}" type="datetimeFigureOut">
               <a:rPr lang="en-US" smtClean="0"/>
               <a:pPr/>
-              <a:t>11/19/15</a:t>
+              <a:t>11/19/2015</a:t>
             </a:fld>
             <a:endParaRPr lang="en-US"/>
           </a:p>
@@ -2812,14 +4166,14 @@
           <a:effectLst/>
           <a:extLst>
             <a:ext uri="{909E8E84-426E-40dd-AFC4-6F175D3DCCD1}">
-              <a14:hiddenFill xmlns:a14="http://schemas.microsoft.com/office/drawing/2010/main">
+              <a14:hiddenFill xmlns:a14="http://schemas.microsoft.com/office/drawing/2010/main" xmlns="">
                 <a:solidFill>
                   <a:schemeClr val="accent1"/>
                 </a:solidFill>
               </a14:hiddenFill>
             </a:ext>
             <a:ext uri="{91240B29-F687-4f45-9708-019B960494DF}">
-              <a14:hiddenLine xmlns:a14="http://schemas.microsoft.com/office/drawing/2010/main" w="9525">
+              <a14:hiddenLine xmlns:a14="http://schemas.microsoft.com/office/drawing/2010/main" xmlns="" w="9525">
                 <a:solidFill>
                   <a:schemeClr val="tx1"/>
                 </a:solidFill>
@@ -2829,7 +4183,7 @@
               </a14:hiddenLine>
             </a:ext>
             <a:ext uri="{AF507438-7753-43e0-B8FC-AC1667EBCBE1}">
-              <a14:hiddenEffects xmlns:a14="http://schemas.microsoft.com/office/drawing/2010/main">
+              <a14:hiddenEffects xmlns:a14="http://schemas.microsoft.com/office/drawing/2010/main" xmlns="">
                 <a:effectLst>
                   <a:outerShdw dist="35921" dir="2700000" algn="ctr" rotWithShape="0">
                     <a:schemeClr val="bg2"/>
@@ -3475,7 +4829,7 @@
         <p:spPr>
           <a:xfrm>
             <a:off x="5257800" y="5875338"/>
-            <a:ext cx="3200400" cy="738664"/>
+            <a:ext cx="3429000" cy="738664"/>
           </a:xfrm>
           <a:prstGeom prst="rect">
             <a:avLst/>
@@ -3538,7 +4892,15 @@
                   <a:srgbClr val="FFFFFF"/>
                 </a:solidFill>
               </a:rPr>
-              <a:t>Mid-Semester Design Presentation</a:t>
+              <a:t>Mid-Semester Design </a:t>
+            </a:r>
+            <a:r>
+              <a:rPr lang="en-US" sz="1400" b="1" dirty="0" smtClean="0">
+                <a:solidFill>
+                  <a:srgbClr val="FFFFFF"/>
+                </a:solidFill>
+              </a:rPr>
+              <a:t>Presentation (2)</a:t>
             </a:r>
             <a:endParaRPr lang="en-US" sz="1200" dirty="0">
               <a:solidFill>
@@ -3735,7 +5097,7 @@
           <a:noFill/>
           <a:extLst>
             <a:ext uri="{909E8E84-426E-40dd-AFC4-6F175D3DCCD1}">
-              <a14:hiddenFill xmlns:a14="http://schemas.microsoft.com/office/drawing/2010/main">
+              <a14:hiddenFill xmlns:a14="http://schemas.microsoft.com/office/drawing/2010/main" xmlns="">
                 <a:solidFill>
                   <a:srgbClr val="FFFFFF"/>
                 </a:solidFill>
@@ -3752,14 +5114,14 @@
   <p:timing>
     <p:tnLst>
       <p:par>
-        <p:cTn xmlns:p14="http://schemas.microsoft.com/office/powerpoint/2010/main" id="1" dur="indefinite" restart="never" nodeType="tmRoot"/>
+        <p:cTn id="1" dur="indefinite" restart="never" nodeType="tmRoot"/>
       </p:par>
     </p:tnLst>
   </p:timing>
 </p:sld>
 </file>
 
-<file path=ppt/slides/slide2.xml><?xml version="1.0" encoding="utf-8"?>
+<file path=ppt/slides/slide10.xml><?xml version="1.0" encoding="utf-8"?>
 <p:sld xmlns:a="http://schemas.openxmlformats.org/drawingml/2006/main" xmlns:r="http://schemas.openxmlformats.org/officeDocument/2006/relationships" xmlns:p="http://schemas.openxmlformats.org/presentationml/2006/main">
   <p:cSld>
     <p:spTree>
@@ -3793,549 +5155,6 @@
           <a:p>
             <a:r>
               <a:rPr lang="en-US" dirty="0" smtClean="0"/>
-              <a:t>Core Criticality</a:t>
-            </a:r>
-            <a:endParaRPr lang="en-US" dirty="0"/>
-          </a:p>
-        </p:txBody>
-      </p:sp>
-      <p:pic>
-        <p:nvPicPr>
-          <p:cNvPr id="7" name="Content Placeholder 6" descr="version2.pdf"/>
-          <p:cNvPicPr>
-            <a:picLocks noGrp="1" noChangeAspect="1"/>
-          </p:cNvPicPr>
-          <p:nvPr>
-            <p:ph sz="half" idx="2"/>
-          </p:nvPr>
-        </p:nvPicPr>
-        <p:blipFill>
-          <a:blip r:embed="rId2">
-            <a:extLst>
-              <a:ext uri="{28A0092B-C50C-407E-A947-70E740481C1C}">
-                <a14:useLocalDpi xmlns:a14="http://schemas.microsoft.com/office/drawing/2010/main" val="0"/>
-              </a:ext>
-            </a:extLst>
-          </a:blip>
-          <a:srcRect t="-24712" b="-24712"/>
-          <a:stretch>
-            <a:fillRect/>
-          </a:stretch>
-        </p:blipFill>
-        <p:spPr/>
-      </p:pic>
-      <p:sp>
-        <p:nvSpPr>
-          <p:cNvPr id="4" name="Slide Number Placeholder 3"/>
-          <p:cNvSpPr>
-            <a:spLocks noGrp="1"/>
-          </p:cNvSpPr>
-          <p:nvPr>
-            <p:ph type="sldNum" sz="quarter" idx="12"/>
-          </p:nvPr>
-        </p:nvSpPr>
-        <p:spPr/>
-        <p:txBody>
-          <a:bodyPr/>
-          <a:lstStyle/>
-          <a:p>
-            <a:pPr>
-              <a:defRPr/>
-            </a:pPr>
-            <a:fld id="{639E97B8-4532-408E-A5F7-ACF05B64D361}" type="slidenum">
-              <a:rPr lang="en-US" smtClean="0"/>
-              <a:pPr>
-                <a:defRPr/>
-              </a:pPr>
-              <a:t>2</a:t>
-            </a:fld>
-            <a:endParaRPr lang="en-US" dirty="0"/>
-          </a:p>
-        </p:txBody>
-      </p:sp>
-      <p:pic>
-        <p:nvPicPr>
-          <p:cNvPr id="11" name="Content Placeholder 10" descr="criticality.pdf"/>
-          <p:cNvPicPr>
-            <a:picLocks noGrp="1" noChangeAspect="1"/>
-          </p:cNvPicPr>
-          <p:nvPr>
-            <p:ph sz="half" idx="1"/>
-          </p:nvPr>
-        </p:nvPicPr>
-        <p:blipFill>
-          <a:blip r:embed="rId3">
-            <a:extLst>
-              <a:ext uri="{28A0092B-C50C-407E-A947-70E740481C1C}">
-                <a14:useLocalDpi xmlns:a14="http://schemas.microsoft.com/office/drawing/2010/main" val="0"/>
-              </a:ext>
-            </a:extLst>
-          </a:blip>
-          <a:srcRect t="-24712" b="-24712"/>
-          <a:stretch>
-            <a:fillRect/>
-          </a:stretch>
-        </p:blipFill>
-        <p:spPr/>
-      </p:pic>
-    </p:spTree>
-    <p:extLst>
-      <p:ext uri="{BB962C8B-B14F-4D97-AF65-F5344CB8AC3E}">
-        <p14:creationId xmlns:p14="http://schemas.microsoft.com/office/powerpoint/2010/main" val="3231767014"/>
-      </p:ext>
-    </p:extLst>
-  </p:cSld>
-  <p:clrMapOvr>
-    <a:masterClrMapping/>
-  </p:clrMapOvr>
-</p:sld>
-</file>
-
-<file path=ppt/slides/slide3.xml><?xml version="1.0" encoding="utf-8"?>
-<p:sld xmlns:a="http://schemas.openxmlformats.org/drawingml/2006/main" xmlns:r="http://schemas.openxmlformats.org/officeDocument/2006/relationships" xmlns:p="http://schemas.openxmlformats.org/presentationml/2006/main">
-  <p:cSld>
-    <p:spTree>
-      <p:nvGrpSpPr>
-        <p:cNvPr id="1" name=""/>
-        <p:cNvGrpSpPr/>
-        <p:nvPr/>
-      </p:nvGrpSpPr>
-      <p:grpSpPr>
-        <a:xfrm>
-          <a:off x="0" y="0"/>
-          <a:ext cx="0" cy="0"/>
-          <a:chOff x="0" y="0"/>
-          <a:chExt cx="0" cy="0"/>
-        </a:xfrm>
-      </p:grpSpPr>
-      <p:sp>
-        <p:nvSpPr>
-          <p:cNvPr id="2" name="Title 1"/>
-          <p:cNvSpPr>
-            <a:spLocks noGrp="1"/>
-          </p:cNvSpPr>
-          <p:nvPr>
-            <p:ph type="title"/>
-          </p:nvPr>
-        </p:nvSpPr>
-        <p:spPr/>
-        <p:txBody>
-          <a:bodyPr/>
-          <a:lstStyle/>
-          <a:p>
-            <a:r>
-              <a:rPr lang="en-US" dirty="0" smtClean="0"/>
-              <a:t>IAEA Significant Quantities</a:t>
-            </a:r>
-            <a:endParaRPr lang="en-US" dirty="0"/>
-          </a:p>
-        </p:txBody>
-      </p:sp>
-      <p:pic>
-        <p:nvPicPr>
-          <p:cNvPr id="5" name="Content Placeholder 4" descr="Screen Shot 2015-11-18 at 3.17.28 PM.png"/>
-          <p:cNvPicPr>
-            <a:picLocks noGrp="1" noChangeAspect="1"/>
-          </p:cNvPicPr>
-          <p:nvPr>
-            <p:ph idx="1"/>
-          </p:nvPr>
-        </p:nvPicPr>
-        <p:blipFill>
-          <a:blip r:embed="rId2">
-            <a:extLst>
-              <a:ext uri="{28A0092B-C50C-407E-A947-70E740481C1C}">
-                <a14:useLocalDpi xmlns:a14="http://schemas.microsoft.com/office/drawing/2010/main" val="0"/>
-              </a:ext>
-            </a:extLst>
-          </a:blip>
-          <a:srcRect l="-24883" r="-24883"/>
-          <a:stretch>
-            <a:fillRect/>
-          </a:stretch>
-        </p:blipFill>
-        <p:spPr/>
-      </p:pic>
-      <p:sp>
-        <p:nvSpPr>
-          <p:cNvPr id="4" name="Slide Number Placeholder 3"/>
-          <p:cNvSpPr>
-            <a:spLocks noGrp="1"/>
-          </p:cNvSpPr>
-          <p:nvPr>
-            <p:ph type="sldNum" sz="quarter" idx="10"/>
-          </p:nvPr>
-        </p:nvSpPr>
-        <p:spPr/>
-        <p:txBody>
-          <a:bodyPr/>
-          <a:lstStyle/>
-          <a:p>
-            <a:pPr>
-              <a:defRPr/>
-            </a:pPr>
-            <a:fld id="{639E97B8-4532-408E-A5F7-ACF05B64D361}" type="slidenum">
-              <a:rPr lang="en-US" smtClean="0"/>
-              <a:pPr>
-                <a:defRPr/>
-              </a:pPr>
-              <a:t>3</a:t>
-            </a:fld>
-            <a:endParaRPr lang="en-US" dirty="0"/>
-          </a:p>
-        </p:txBody>
-      </p:sp>
-    </p:spTree>
-    <p:extLst>
-      <p:ext uri="{BB962C8B-B14F-4D97-AF65-F5344CB8AC3E}">
-        <p14:creationId xmlns:p14="http://schemas.microsoft.com/office/powerpoint/2010/main" val="2548716936"/>
-      </p:ext>
-    </p:extLst>
-  </p:cSld>
-  <p:clrMapOvr>
-    <a:masterClrMapping/>
-  </p:clrMapOvr>
-</p:sld>
-</file>
-
-<file path=ppt/slides/slide4.xml><?xml version="1.0" encoding="utf-8"?>
-<p:sld xmlns:a="http://schemas.openxmlformats.org/drawingml/2006/main" xmlns:r="http://schemas.openxmlformats.org/officeDocument/2006/relationships" xmlns:p="http://schemas.openxmlformats.org/presentationml/2006/main">
-  <p:cSld>
-    <p:spTree>
-      <p:nvGrpSpPr>
-        <p:cNvPr id="1" name=""/>
-        <p:cNvGrpSpPr/>
-        <p:nvPr/>
-      </p:nvGrpSpPr>
-      <p:grpSpPr>
-        <a:xfrm>
-          <a:off x="0" y="0"/>
-          <a:ext cx="0" cy="0"/>
-          <a:chOff x="0" y="0"/>
-          <a:chExt cx="0" cy="0"/>
-        </a:xfrm>
-      </p:grpSpPr>
-      <p:sp>
-        <p:nvSpPr>
-          <p:cNvPr id="5" name="Title 4"/>
-          <p:cNvSpPr>
-            <a:spLocks noGrp="1"/>
-          </p:cNvSpPr>
-          <p:nvPr>
-            <p:ph type="title"/>
-          </p:nvPr>
-        </p:nvSpPr>
-        <p:spPr/>
-        <p:txBody>
-          <a:bodyPr/>
-          <a:lstStyle/>
-          <a:p>
-            <a:r>
-              <a:rPr lang="en-US" dirty="0" smtClean="0"/>
-              <a:t>Plutonium Quantities</a:t>
-            </a:r>
-            <a:br>
-              <a:rPr lang="en-US" dirty="0" smtClean="0"/>
-            </a:br>
-            <a:r>
-              <a:rPr lang="en-US" dirty="0" smtClean="0"/>
-              <a:t> (depleted uranium)</a:t>
-            </a:r>
-            <a:endParaRPr lang="en-US" dirty="0"/>
-          </a:p>
-        </p:txBody>
-      </p:sp>
-      <p:sp>
-        <p:nvSpPr>
-          <p:cNvPr id="4" name="Slide Number Placeholder 3"/>
-          <p:cNvSpPr>
-            <a:spLocks noGrp="1"/>
-          </p:cNvSpPr>
-          <p:nvPr>
-            <p:ph type="sldNum" sz="quarter" idx="12"/>
-          </p:nvPr>
-        </p:nvSpPr>
-        <p:spPr/>
-        <p:txBody>
-          <a:bodyPr/>
-          <a:lstStyle/>
-          <a:p>
-            <a:pPr>
-              <a:defRPr/>
-            </a:pPr>
-            <a:fld id="{639E97B8-4532-408E-A5F7-ACF05B64D361}" type="slidenum">
-              <a:rPr lang="en-US" smtClean="0"/>
-              <a:pPr>
-                <a:defRPr/>
-              </a:pPr>
-              <a:t>4</a:t>
-            </a:fld>
-            <a:endParaRPr lang="en-US" dirty="0"/>
-          </a:p>
-        </p:txBody>
-      </p:sp>
-      <p:pic>
-        <p:nvPicPr>
-          <p:cNvPr id="11" name="Content Placeholder 10" descr="PuMass.pdf"/>
-          <p:cNvPicPr>
-            <a:picLocks noGrp="1" noChangeAspect="1"/>
-          </p:cNvPicPr>
-          <p:nvPr>
-            <p:ph sz="half" idx="1"/>
-          </p:nvPr>
-        </p:nvPicPr>
-        <p:blipFill>
-          <a:blip r:embed="rId2">
-            <a:extLst>
-              <a:ext uri="{28A0092B-C50C-407E-A947-70E740481C1C}">
-                <a14:useLocalDpi xmlns:a14="http://schemas.microsoft.com/office/drawing/2010/main" val="0"/>
-              </a:ext>
-            </a:extLst>
-          </a:blip>
-          <a:srcRect t="-24712" b="-24712"/>
-          <a:stretch>
-            <a:fillRect/>
-          </a:stretch>
-        </p:blipFill>
-        <p:spPr/>
-      </p:pic>
-      <p:pic>
-        <p:nvPicPr>
-          <p:cNvPr id="13" name="Content Placeholder 12" descr="PuMassFraction.pdf"/>
-          <p:cNvPicPr>
-            <a:picLocks noGrp="1" noChangeAspect="1"/>
-          </p:cNvPicPr>
-          <p:nvPr>
-            <p:ph sz="half" idx="2"/>
-          </p:nvPr>
-        </p:nvPicPr>
-        <p:blipFill>
-          <a:blip r:embed="rId3">
-            <a:extLst>
-              <a:ext uri="{28A0092B-C50C-407E-A947-70E740481C1C}">
-                <a14:useLocalDpi xmlns:a14="http://schemas.microsoft.com/office/drawing/2010/main" val="0"/>
-              </a:ext>
-            </a:extLst>
-          </a:blip>
-          <a:srcRect t="-24712" b="-24712"/>
-          <a:stretch>
-            <a:fillRect/>
-          </a:stretch>
-        </p:blipFill>
-        <p:spPr/>
-      </p:pic>
-    </p:spTree>
-    <p:extLst>
-      <p:ext uri="{BB962C8B-B14F-4D97-AF65-F5344CB8AC3E}">
-        <p14:creationId xmlns:p14="http://schemas.microsoft.com/office/powerpoint/2010/main" val="2014006241"/>
-      </p:ext>
-    </p:extLst>
-  </p:cSld>
-  <p:clrMapOvr>
-    <a:masterClrMapping/>
-  </p:clrMapOvr>
-</p:sld>
-</file>
-
-<file path=ppt/slides/slide5.xml><?xml version="1.0" encoding="utf-8"?>
-<p:sld xmlns:a="http://schemas.openxmlformats.org/drawingml/2006/main" xmlns:r="http://schemas.openxmlformats.org/officeDocument/2006/relationships" xmlns:p="http://schemas.openxmlformats.org/presentationml/2006/main">
-  <p:cSld>
-    <p:spTree>
-      <p:nvGrpSpPr>
-        <p:cNvPr id="1" name=""/>
-        <p:cNvGrpSpPr/>
-        <p:nvPr/>
-      </p:nvGrpSpPr>
-      <p:grpSpPr>
-        <a:xfrm>
-          <a:off x="0" y="0"/>
-          <a:ext cx="0" cy="0"/>
-          <a:chOff x="0" y="0"/>
-          <a:chExt cx="0" cy="0"/>
-        </a:xfrm>
-      </p:grpSpPr>
-      <p:sp>
-        <p:nvSpPr>
-          <p:cNvPr id="2" name="Title 1"/>
-          <p:cNvSpPr>
-            <a:spLocks noGrp="1"/>
-          </p:cNvSpPr>
-          <p:nvPr>
-            <p:ph type="title"/>
-          </p:nvPr>
-        </p:nvSpPr>
-        <p:spPr/>
-        <p:txBody>
-          <a:bodyPr/>
-          <a:lstStyle/>
-          <a:p>
-            <a:r>
-              <a:rPr lang="en-US" dirty="0" smtClean="0"/>
-              <a:t>Plutonium </a:t>
-            </a:r>
-            <a:r>
-              <a:rPr lang="en-US" dirty="0" smtClean="0"/>
-              <a:t>SQ’s are somewhat high </a:t>
-            </a:r>
-            <a:endParaRPr lang="en-US" dirty="0"/>
-          </a:p>
-        </p:txBody>
-      </p:sp>
-      <p:pic>
-        <p:nvPicPr>
-          <p:cNvPr id="6" name="Content Placeholder 5" descr="PuSqPerAssembly.pdf"/>
-          <p:cNvPicPr>
-            <a:picLocks noGrp="1" noChangeAspect="1"/>
-          </p:cNvPicPr>
-          <p:nvPr>
-            <p:ph sz="half" idx="1"/>
-          </p:nvPr>
-        </p:nvPicPr>
-        <p:blipFill>
-          <a:blip r:embed="rId2">
-            <a:extLst>
-              <a:ext uri="{28A0092B-C50C-407E-A947-70E740481C1C}">
-                <a14:useLocalDpi xmlns:a14="http://schemas.microsoft.com/office/drawing/2010/main" val="0"/>
-              </a:ext>
-            </a:extLst>
-          </a:blip>
-          <a:srcRect t="-24712" b="-24712"/>
-          <a:stretch>
-            <a:fillRect/>
-          </a:stretch>
-        </p:blipFill>
-        <p:spPr/>
-      </p:pic>
-      <p:sp>
-        <p:nvSpPr>
-          <p:cNvPr id="5" name="Slide Number Placeholder 4"/>
-          <p:cNvSpPr>
-            <a:spLocks noGrp="1"/>
-          </p:cNvSpPr>
-          <p:nvPr>
-            <p:ph type="sldNum" sz="quarter" idx="12"/>
-          </p:nvPr>
-        </p:nvSpPr>
-        <p:spPr/>
-        <p:txBody>
-          <a:bodyPr/>
-          <a:lstStyle/>
-          <a:p>
-            <a:pPr>
-              <a:defRPr/>
-            </a:pPr>
-            <a:fld id="{56039845-206E-4D43-9E5F-DD43C0647861}" type="slidenum">
-              <a:rPr lang="en-US" smtClean="0"/>
-              <a:pPr>
-                <a:defRPr/>
-              </a:pPr>
-              <a:t>5</a:t>
-            </a:fld>
-            <a:endParaRPr lang="en-US" dirty="0"/>
-          </a:p>
-        </p:txBody>
-      </p:sp>
-      <p:pic>
-        <p:nvPicPr>
-          <p:cNvPr id="13" name="Content Placeholder 12" descr="ElementsFor1Sq.pdf"/>
-          <p:cNvPicPr>
-            <a:picLocks noGrp="1" noChangeAspect="1"/>
-          </p:cNvPicPr>
-          <p:nvPr>
-            <p:ph sz="half" idx="2"/>
-          </p:nvPr>
-        </p:nvPicPr>
-        <p:blipFill>
-          <a:blip r:embed="rId3">
-            <a:extLst>
-              <a:ext uri="{28A0092B-C50C-407E-A947-70E740481C1C}">
-                <a14:useLocalDpi xmlns:a14="http://schemas.microsoft.com/office/drawing/2010/main" val="0"/>
-              </a:ext>
-            </a:extLst>
-          </a:blip>
-          <a:srcRect t="-24712" b="-24712"/>
-          <a:stretch>
-            <a:fillRect/>
-          </a:stretch>
-        </p:blipFill>
-        <p:spPr/>
-      </p:pic>
-      <p:sp>
-        <p:nvSpPr>
-          <p:cNvPr id="16" name="TextBox 15"/>
-          <p:cNvSpPr txBox="1"/>
-          <p:nvPr/>
-        </p:nvSpPr>
-        <p:spPr>
-          <a:xfrm>
-            <a:off x="5410200" y="1752600"/>
-            <a:ext cx="2599197" cy="646331"/>
-          </a:xfrm>
-          <a:prstGeom prst="rect">
-            <a:avLst/>
-          </a:prstGeom>
-          <a:noFill/>
-        </p:spPr>
-        <p:txBody>
-          <a:bodyPr wrap="square" rtlCol="0">
-            <a:spAutoFit/>
-          </a:bodyPr>
-          <a:lstStyle/>
-          <a:p>
-            <a:r>
-              <a:rPr lang="en-US" dirty="0" smtClean="0"/>
-              <a:t>How many elements do you need for 1 SQ?</a:t>
-            </a:r>
-          </a:p>
-        </p:txBody>
-      </p:sp>
-    </p:spTree>
-    <p:extLst>
-      <p:ext uri="{BB962C8B-B14F-4D97-AF65-F5344CB8AC3E}">
-        <p14:creationId xmlns:p14="http://schemas.microsoft.com/office/powerpoint/2010/main" val="2747288747"/>
-      </p:ext>
-    </p:extLst>
-  </p:cSld>
-  <p:clrMapOvr>
-    <a:masterClrMapping/>
-  </p:clrMapOvr>
-</p:sld>
-</file>
-
-<file path=ppt/slides/slide6.xml><?xml version="1.0" encoding="utf-8"?>
-<p:sld xmlns:a="http://schemas.openxmlformats.org/drawingml/2006/main" xmlns:r="http://schemas.openxmlformats.org/officeDocument/2006/relationships" xmlns:p="http://schemas.openxmlformats.org/presentationml/2006/main">
-  <p:cSld>
-    <p:spTree>
-      <p:nvGrpSpPr>
-        <p:cNvPr id="1" name=""/>
-        <p:cNvGrpSpPr/>
-        <p:nvPr/>
-      </p:nvGrpSpPr>
-      <p:grpSpPr>
-        <a:xfrm>
-          <a:off x="0" y="0"/>
-          <a:ext cx="0" cy="0"/>
-          <a:chOff x="0" y="0"/>
-          <a:chExt cx="0" cy="0"/>
-        </a:xfrm>
-      </p:grpSpPr>
-      <p:sp>
-        <p:nvSpPr>
-          <p:cNvPr id="2" name="Title 1"/>
-          <p:cNvSpPr>
-            <a:spLocks noGrp="1"/>
-          </p:cNvSpPr>
-          <p:nvPr>
-            <p:ph type="title"/>
-          </p:nvPr>
-        </p:nvSpPr>
-        <p:spPr/>
-        <p:txBody>
-          <a:bodyPr/>
-          <a:lstStyle/>
-          <a:p>
-            <a:r>
-              <a:rPr lang="en-US" dirty="0" smtClean="0"/>
               <a:t>Uranium Quantities</a:t>
             </a:r>
             <a:br>
@@ -4372,7 +5191,7 @@
               <a:pPr>
                 <a:defRPr/>
               </a:pPr>
-              <a:t>6</a:t>
+              <a:t>10</a:t>
             </a:fld>
             <a:endParaRPr lang="en-US" dirty="0"/>
           </a:p>
@@ -4441,7 +5260,7 @@
 </p:sld>
 </file>
 
-<file path=ppt/slides/slide7.xml><?xml version="1.0" encoding="utf-8"?>
+<file path=ppt/slides/slide11.xml><?xml version="1.0" encoding="utf-8"?>
 <p:sld xmlns:a="http://schemas.openxmlformats.org/drawingml/2006/main" xmlns:r="http://schemas.openxmlformats.org/officeDocument/2006/relationships" xmlns:p="http://schemas.openxmlformats.org/presentationml/2006/main">
   <p:cSld>
     <p:spTree>
@@ -4554,7 +5373,7 @@
               <a:pPr>
                 <a:defRPr/>
               </a:pPr>
-              <a:t>7</a:t>
+              <a:t>11</a:t>
             </a:fld>
             <a:endParaRPr lang="en-US" dirty="0"/>
           </a:p>
@@ -4573,7 +5392,7 @@
 </p:sld>
 </file>
 
-<file path=ppt/slides/slide8.xml><?xml version="1.0" encoding="utf-8"?>
+<file path=ppt/slides/slide12.xml><?xml version="1.0" encoding="utf-8"?>
 <p:sld xmlns:a="http://schemas.openxmlformats.org/drawingml/2006/main" xmlns:r="http://schemas.openxmlformats.org/officeDocument/2006/relationships" xmlns:p="http://schemas.openxmlformats.org/presentationml/2006/main">
   <p:cSld>
     <p:spTree>
@@ -4685,7 +5504,7 @@
               <a:pPr>
                 <a:defRPr/>
               </a:pPr>
-              <a:t>8</a:t>
+              <a:t>12</a:t>
             </a:fld>
             <a:endParaRPr lang="en-US" dirty="0"/>
           </a:p>
@@ -4695,6 +5514,6439 @@
     <p:extLst>
       <p:ext uri="{BB962C8B-B14F-4D97-AF65-F5344CB8AC3E}">
         <p14:creationId xmlns:p14="http://schemas.microsoft.com/office/powerpoint/2010/main" val="191885519"/>
+      </p:ext>
+    </p:extLst>
+  </p:cSld>
+  <p:clrMapOvr>
+    <a:masterClrMapping/>
+  </p:clrMapOvr>
+</p:sld>
+</file>
+
+<file path=ppt/slides/slide13.xml><?xml version="1.0" encoding="utf-8"?>
+<p:sld xmlns:a="http://schemas.openxmlformats.org/drawingml/2006/main" xmlns:r="http://schemas.openxmlformats.org/officeDocument/2006/relationships" xmlns:p="http://schemas.openxmlformats.org/presentationml/2006/main">
+  <p:cSld>
+    <p:spTree>
+      <p:nvGrpSpPr>
+        <p:cNvPr id="1" name=""/>
+        <p:cNvGrpSpPr/>
+        <p:nvPr/>
+      </p:nvGrpSpPr>
+      <p:grpSpPr>
+        <a:xfrm>
+          <a:off x="0" y="0"/>
+          <a:ext cx="0" cy="0"/>
+          <a:chOff x="0" y="0"/>
+          <a:chExt cx="0" cy="0"/>
+        </a:xfrm>
+      </p:grpSpPr>
+      <p:sp>
+        <p:nvSpPr>
+          <p:cNvPr id="2" name="Title 1"/>
+          <p:cNvSpPr>
+            <a:spLocks noGrp="1"/>
+          </p:cNvSpPr>
+          <p:nvPr>
+            <p:ph type="title"/>
+          </p:nvPr>
+        </p:nvSpPr>
+        <p:spPr/>
+        <p:txBody>
+          <a:bodyPr/>
+          <a:lstStyle/>
+          <a:p>
+            <a:r>
+              <a:rPr lang="en-US" dirty="0" smtClean="0"/>
+              <a:t>Core Geometry</a:t>
+            </a:r>
+            <a:endParaRPr lang="en-US" dirty="0"/>
+          </a:p>
+        </p:txBody>
+      </p:sp>
+      <p:sp>
+        <p:nvSpPr>
+          <p:cNvPr id="3" name="Content Placeholder 2"/>
+          <p:cNvSpPr>
+            <a:spLocks noGrp="1"/>
+          </p:cNvSpPr>
+          <p:nvPr>
+            <p:ph idx="1"/>
+          </p:nvPr>
+        </p:nvSpPr>
+        <p:spPr/>
+        <p:txBody>
+          <a:bodyPr/>
+          <a:lstStyle/>
+          <a:p>
+            <a:r>
+              <a:rPr lang="en-US" sz="2800" dirty="0" smtClean="0"/>
+              <a:t>Fuel Plates</a:t>
+            </a:r>
+          </a:p>
+          <a:p>
+            <a:pPr lvl="1"/>
+            <a:r>
+              <a:rPr lang="en-US" sz="2400" dirty="0" smtClean="0"/>
+              <a:t>Thermally Decouple </a:t>
+            </a:r>
+            <a:r>
+              <a:rPr lang="en-US" sz="2400" dirty="0" err="1"/>
+              <a:t>S</a:t>
+            </a:r>
+            <a:r>
+              <a:rPr lang="en-US" sz="2400" dirty="0" err="1" smtClean="0"/>
+              <a:t>ubchannels</a:t>
+            </a:r>
+            <a:endParaRPr lang="en-US" sz="2400" dirty="0" smtClean="0"/>
+          </a:p>
+          <a:p>
+            <a:pPr lvl="1"/>
+            <a:r>
+              <a:rPr lang="en-US" sz="2400" dirty="0" smtClean="0"/>
+              <a:t>Higher Accident Tolerance</a:t>
+            </a:r>
+          </a:p>
+          <a:p>
+            <a:pPr lvl="1"/>
+            <a:r>
+              <a:rPr lang="en-US" sz="2400" dirty="0" smtClean="0"/>
+              <a:t>Equal, Consistent Cooling</a:t>
+            </a:r>
+          </a:p>
+          <a:p>
+            <a:pPr lvl="1"/>
+            <a:r>
+              <a:rPr lang="en-US" sz="2400" dirty="0" smtClean="0"/>
+              <a:t>Higher Surface Area to Fuel Mass</a:t>
+            </a:r>
+          </a:p>
+          <a:p>
+            <a:pPr lvl="1"/>
+            <a:r>
+              <a:rPr lang="en-US" sz="2400" dirty="0" smtClean="0"/>
+              <a:t>Flat Temperature Gradients</a:t>
+            </a:r>
+          </a:p>
+          <a:p>
+            <a:r>
+              <a:rPr lang="en-US" sz="2800" dirty="0" smtClean="0"/>
+              <a:t>He Coolant</a:t>
+            </a:r>
+          </a:p>
+          <a:p>
+            <a:pPr lvl="1"/>
+            <a:r>
+              <a:rPr lang="en-US" sz="2400" dirty="0"/>
+              <a:t>Hot Channels Naturally Cool </a:t>
+            </a:r>
+            <a:r>
+              <a:rPr lang="en-US" sz="2400" dirty="0" smtClean="0"/>
+              <a:t>Better</a:t>
+            </a:r>
+          </a:p>
+          <a:p>
+            <a:pPr lvl="1"/>
+            <a:r>
+              <a:rPr lang="en-US" sz="2400" dirty="0" smtClean="0"/>
+              <a:t>Non-Corrosive</a:t>
+            </a:r>
+          </a:p>
+          <a:p>
+            <a:pPr lvl="1"/>
+            <a:endParaRPr lang="en-US" sz="2400" dirty="0"/>
+          </a:p>
+          <a:p>
+            <a:pPr lvl="1"/>
+            <a:endParaRPr lang="en-US" dirty="0"/>
+          </a:p>
+        </p:txBody>
+      </p:sp>
+      <p:sp>
+        <p:nvSpPr>
+          <p:cNvPr id="4" name="Slide Number Placeholder 3"/>
+          <p:cNvSpPr>
+            <a:spLocks noGrp="1"/>
+          </p:cNvSpPr>
+          <p:nvPr>
+            <p:ph type="sldNum" sz="quarter" idx="10"/>
+          </p:nvPr>
+        </p:nvSpPr>
+        <p:spPr/>
+        <p:txBody>
+          <a:bodyPr/>
+          <a:lstStyle/>
+          <a:p>
+            <a:pPr>
+              <a:defRPr/>
+            </a:pPr>
+            <a:fld id="{639E97B8-4532-408E-A5F7-ACF05B64D361}" type="slidenum">
+              <a:rPr lang="en-US" smtClean="0"/>
+              <a:pPr>
+                <a:defRPr/>
+              </a:pPr>
+              <a:t>13</a:t>
+            </a:fld>
+            <a:endParaRPr lang="en-US" dirty="0"/>
+          </a:p>
+        </p:txBody>
+      </p:sp>
+    </p:spTree>
+    <p:extLst>
+      <p:ext uri="{BB962C8B-B14F-4D97-AF65-F5344CB8AC3E}">
+        <p14:creationId xmlns:p14="http://schemas.microsoft.com/office/powerpoint/2010/main" val="181880007"/>
+      </p:ext>
+    </p:extLst>
+  </p:cSld>
+  <p:clrMapOvr>
+    <a:masterClrMapping/>
+  </p:clrMapOvr>
+</p:sld>
+</file>
+
+<file path=ppt/slides/slide14.xml><?xml version="1.0" encoding="utf-8"?>
+<p:sld xmlns:a="http://schemas.openxmlformats.org/drawingml/2006/main" xmlns:r="http://schemas.openxmlformats.org/officeDocument/2006/relationships" xmlns:p="http://schemas.openxmlformats.org/presentationml/2006/main">
+  <p:cSld>
+    <p:spTree>
+      <p:nvGrpSpPr>
+        <p:cNvPr id="1" name=""/>
+        <p:cNvGrpSpPr/>
+        <p:nvPr/>
+      </p:nvGrpSpPr>
+      <p:grpSpPr>
+        <a:xfrm>
+          <a:off x="0" y="0"/>
+          <a:ext cx="0" cy="0"/>
+          <a:chOff x="0" y="0"/>
+          <a:chExt cx="0" cy="0"/>
+        </a:xfrm>
+      </p:grpSpPr>
+      <p:sp>
+        <p:nvSpPr>
+          <p:cNvPr id="2" name="Title 1"/>
+          <p:cNvSpPr>
+            <a:spLocks noGrp="1"/>
+          </p:cNvSpPr>
+          <p:nvPr>
+            <p:ph type="title"/>
+          </p:nvPr>
+        </p:nvSpPr>
+        <p:spPr/>
+        <p:txBody>
+          <a:bodyPr/>
+          <a:lstStyle/>
+          <a:p>
+            <a:r>
+              <a:rPr lang="en-US" dirty="0" smtClean="0"/>
+              <a:t>Core TH Specs</a:t>
+            </a:r>
+            <a:endParaRPr lang="en-US" dirty="0"/>
+          </a:p>
+        </p:txBody>
+      </p:sp>
+      <p:sp>
+        <p:nvSpPr>
+          <p:cNvPr id="3" name="Content Placeholder 2"/>
+          <p:cNvSpPr>
+            <a:spLocks noGrp="1"/>
+          </p:cNvSpPr>
+          <p:nvPr>
+            <p:ph idx="1"/>
+          </p:nvPr>
+        </p:nvSpPr>
+        <p:spPr/>
+        <p:txBody>
+          <a:bodyPr/>
+          <a:lstStyle/>
+          <a:p>
+            <a:r>
+              <a:rPr lang="en-US" sz="2400" dirty="0" smtClean="0"/>
+              <a:t>Final Channel Dimensions</a:t>
+            </a:r>
+          </a:p>
+          <a:p>
+            <a:pPr lvl="1"/>
+            <a:r>
+              <a:rPr lang="en-US" sz="2000" dirty="0" smtClean="0"/>
+              <a:t>Fuel Width: 1 cm</a:t>
+            </a:r>
+          </a:p>
+          <a:p>
+            <a:pPr lvl="1"/>
+            <a:r>
+              <a:rPr lang="en-US" sz="2000" dirty="0" smtClean="0"/>
+              <a:t>Clad Thickness: 1.1 mm</a:t>
+            </a:r>
+          </a:p>
+          <a:p>
+            <a:pPr lvl="1"/>
+            <a:r>
+              <a:rPr lang="en-US" sz="2000" dirty="0" smtClean="0"/>
+              <a:t>Channel Thickness: 3.5 mm</a:t>
+            </a:r>
+          </a:p>
+          <a:p>
+            <a:pPr lvl="1"/>
+            <a:r>
+              <a:rPr lang="en-US" sz="2000" dirty="0" smtClean="0"/>
+              <a:t>Fuel/Coolant Ratio: 2.857</a:t>
+            </a:r>
+          </a:p>
+          <a:p>
+            <a:pPr lvl="1"/>
+            <a:endParaRPr lang="en-US" sz="2000" dirty="0"/>
+          </a:p>
+          <a:p>
+            <a:r>
+              <a:rPr lang="en-US" sz="2400" dirty="0" smtClean="0"/>
+              <a:t>Core Specs</a:t>
+            </a:r>
+          </a:p>
+          <a:p>
+            <a:pPr lvl="1"/>
+            <a:r>
+              <a:rPr lang="en-US" sz="2000" dirty="0" smtClean="0"/>
+              <a:t>Pressure: 15 MPa</a:t>
+            </a:r>
+          </a:p>
+          <a:p>
+            <a:pPr lvl="1"/>
+            <a:r>
+              <a:rPr lang="en-US" sz="2000" dirty="0" smtClean="0"/>
+              <a:t>Pressure Drop: ~1 MPa</a:t>
+            </a:r>
+          </a:p>
+          <a:p>
+            <a:pPr lvl="1"/>
+            <a:r>
+              <a:rPr lang="en-US" sz="2000" dirty="0" smtClean="0"/>
+              <a:t>Single Channel Mass Flow Rate: 0.2 kg/s</a:t>
+            </a:r>
+          </a:p>
+          <a:p>
+            <a:pPr lvl="1"/>
+            <a:r>
+              <a:rPr lang="en-US" sz="2000" dirty="0" smtClean="0"/>
+              <a:t>Power: 623 </a:t>
+            </a:r>
+            <a:r>
+              <a:rPr lang="en-US" sz="2000" dirty="0" err="1" smtClean="0"/>
+              <a:t>MWth</a:t>
+            </a:r>
+            <a:endParaRPr lang="en-US" sz="2000" dirty="0" smtClean="0"/>
+          </a:p>
+          <a:p>
+            <a:pPr lvl="1"/>
+            <a:endParaRPr lang="en-US" dirty="0" smtClean="0"/>
+          </a:p>
+        </p:txBody>
+      </p:sp>
+      <p:sp>
+        <p:nvSpPr>
+          <p:cNvPr id="4" name="Slide Number Placeholder 3"/>
+          <p:cNvSpPr>
+            <a:spLocks noGrp="1"/>
+          </p:cNvSpPr>
+          <p:nvPr>
+            <p:ph type="sldNum" sz="quarter" idx="10"/>
+          </p:nvPr>
+        </p:nvSpPr>
+        <p:spPr/>
+        <p:txBody>
+          <a:bodyPr/>
+          <a:lstStyle/>
+          <a:p>
+            <a:pPr>
+              <a:defRPr/>
+            </a:pPr>
+            <a:fld id="{639E97B8-4532-408E-A5F7-ACF05B64D361}" type="slidenum">
+              <a:rPr lang="en-US" smtClean="0"/>
+              <a:pPr>
+                <a:defRPr/>
+              </a:pPr>
+              <a:t>14</a:t>
+            </a:fld>
+            <a:endParaRPr lang="en-US" dirty="0"/>
+          </a:p>
+        </p:txBody>
+      </p:sp>
+      <p:graphicFrame>
+        <p:nvGraphicFramePr>
+          <p:cNvPr id="5" name="Chart 4">
+            <a:extLst>
+              <a:ext uri="{FF2B5EF4-FFF2-40B4-BE49-F238E27FC236}">
+                <a16:creationId xmlns="" xmlns:xdr="http://schemas.openxmlformats.org/drawingml/2006/spreadsheetDrawing" xmlns:a16="http://schemas.microsoft.com/office/drawing/2014/main" xmlns:lc="http://schemas.openxmlformats.org/drawingml/2006/lockedCanvas" id="{00000000-0008-0000-0100-000003000000}"/>
+              </a:ext>
+            </a:extLst>
+          </p:cNvPr>
+          <p:cNvGraphicFramePr>
+            <a:graphicFrameLocks/>
+          </p:cNvGraphicFramePr>
+          <p:nvPr>
+            <p:extLst/>
+          </p:nvPr>
+        </p:nvGraphicFramePr>
+        <p:xfrm>
+          <a:off x="4495800" y="1596292"/>
+          <a:ext cx="4267200" cy="2680677"/>
+        </p:xfrm>
+        <a:graphic>
+          <a:graphicData uri="http://schemas.openxmlformats.org/drawingml/2006/chart">
+            <c:chart xmlns:c="http://schemas.openxmlformats.org/drawingml/2006/chart" xmlns:r="http://schemas.openxmlformats.org/officeDocument/2006/relationships" r:id="rId2"/>
+          </a:graphicData>
+        </a:graphic>
+      </p:graphicFrame>
+      <p:sp>
+        <p:nvSpPr>
+          <p:cNvPr id="7" name="TextBox 6"/>
+          <p:cNvSpPr txBox="1"/>
+          <p:nvPr/>
+        </p:nvSpPr>
+        <p:spPr>
+          <a:xfrm>
+            <a:off x="5446591" y="1596292"/>
+            <a:ext cx="685800" cy="307777"/>
+          </a:xfrm>
+          <a:prstGeom prst="rect">
+            <a:avLst/>
+          </a:prstGeom>
+          <a:noFill/>
+        </p:spPr>
+        <p:txBody>
+          <a:bodyPr wrap="square" rtlCol="0">
+            <a:spAutoFit/>
+          </a:bodyPr>
+          <a:lstStyle/>
+          <a:p>
+            <a:r>
+              <a:rPr lang="en-US" sz="1400" dirty="0" smtClean="0"/>
+              <a:t>Fuel</a:t>
+            </a:r>
+          </a:p>
+        </p:txBody>
+      </p:sp>
+      <p:sp>
+        <p:nvSpPr>
+          <p:cNvPr id="8" name="TextBox 7"/>
+          <p:cNvSpPr txBox="1"/>
+          <p:nvPr/>
+        </p:nvSpPr>
+        <p:spPr>
+          <a:xfrm>
+            <a:off x="6324966" y="1604535"/>
+            <a:ext cx="685800" cy="307777"/>
+          </a:xfrm>
+          <a:prstGeom prst="rect">
+            <a:avLst/>
+          </a:prstGeom>
+          <a:noFill/>
+        </p:spPr>
+        <p:txBody>
+          <a:bodyPr wrap="square" rtlCol="0">
+            <a:spAutoFit/>
+          </a:bodyPr>
+          <a:lstStyle/>
+          <a:p>
+            <a:r>
+              <a:rPr lang="en-US" sz="1400" dirty="0" smtClean="0"/>
+              <a:t>Clad</a:t>
+            </a:r>
+          </a:p>
+        </p:txBody>
+      </p:sp>
+      <p:sp>
+        <p:nvSpPr>
+          <p:cNvPr id="9" name="TextBox 8"/>
+          <p:cNvSpPr txBox="1"/>
+          <p:nvPr/>
+        </p:nvSpPr>
+        <p:spPr>
+          <a:xfrm>
+            <a:off x="6934565" y="1604535"/>
+            <a:ext cx="685800" cy="307777"/>
+          </a:xfrm>
+          <a:prstGeom prst="rect">
+            <a:avLst/>
+          </a:prstGeom>
+          <a:noFill/>
+        </p:spPr>
+        <p:txBody>
+          <a:bodyPr wrap="square" rtlCol="0">
+            <a:spAutoFit/>
+          </a:bodyPr>
+          <a:lstStyle/>
+          <a:p>
+            <a:r>
+              <a:rPr lang="en-US" sz="1400" dirty="0" smtClean="0"/>
+              <a:t>He</a:t>
+            </a:r>
+          </a:p>
+        </p:txBody>
+      </p:sp>
+      <p:cxnSp>
+        <p:nvCxnSpPr>
+          <p:cNvPr id="11" name="Straight Connector 10"/>
+          <p:cNvCxnSpPr/>
+          <p:nvPr/>
+        </p:nvCxnSpPr>
+        <p:spPr>
+          <a:xfrm flipV="1">
+            <a:off x="6508260" y="1918174"/>
+            <a:ext cx="0" cy="1729230"/>
+          </a:xfrm>
+          <a:prstGeom prst="line">
+            <a:avLst/>
+          </a:prstGeom>
+        </p:spPr>
+        <p:style>
+          <a:lnRef idx="1">
+            <a:schemeClr val="accent1"/>
+          </a:lnRef>
+          <a:fillRef idx="0">
+            <a:schemeClr val="accent1"/>
+          </a:fillRef>
+          <a:effectRef idx="0">
+            <a:schemeClr val="accent1"/>
+          </a:effectRef>
+          <a:fontRef idx="minor">
+            <a:schemeClr val="tx1"/>
+          </a:fontRef>
+        </p:style>
+      </p:cxnSp>
+      <p:cxnSp>
+        <p:nvCxnSpPr>
+          <p:cNvPr id="14" name="Straight Connector 13"/>
+          <p:cNvCxnSpPr/>
+          <p:nvPr/>
+        </p:nvCxnSpPr>
+        <p:spPr>
+          <a:xfrm flipV="1">
+            <a:off x="6781800" y="1918174"/>
+            <a:ext cx="0" cy="1729230"/>
+          </a:xfrm>
+          <a:prstGeom prst="line">
+            <a:avLst/>
+          </a:prstGeom>
+        </p:spPr>
+        <p:style>
+          <a:lnRef idx="1">
+            <a:schemeClr val="accent1"/>
+          </a:lnRef>
+          <a:fillRef idx="0">
+            <a:schemeClr val="accent1"/>
+          </a:fillRef>
+          <a:effectRef idx="0">
+            <a:schemeClr val="accent1"/>
+          </a:effectRef>
+          <a:fontRef idx="minor">
+            <a:schemeClr val="tx1"/>
+          </a:fontRef>
+        </p:style>
+      </p:cxnSp>
+    </p:spTree>
+    <p:extLst>
+      <p:ext uri="{BB962C8B-B14F-4D97-AF65-F5344CB8AC3E}">
+        <p14:creationId xmlns:p14="http://schemas.microsoft.com/office/powerpoint/2010/main" val="108137852"/>
+      </p:ext>
+    </p:extLst>
+  </p:cSld>
+  <p:clrMapOvr>
+    <a:masterClrMapping/>
+  </p:clrMapOvr>
+</p:sld>
+</file>
+
+<file path=ppt/slides/slide15.xml><?xml version="1.0" encoding="utf-8"?>
+<p:sld xmlns:a="http://schemas.openxmlformats.org/drawingml/2006/main" xmlns:r="http://schemas.openxmlformats.org/officeDocument/2006/relationships" xmlns:p="http://schemas.openxmlformats.org/presentationml/2006/main">
+  <p:cSld>
+    <p:spTree>
+      <p:nvGrpSpPr>
+        <p:cNvPr id="1" name=""/>
+        <p:cNvGrpSpPr/>
+        <p:nvPr/>
+      </p:nvGrpSpPr>
+      <p:grpSpPr>
+        <a:xfrm>
+          <a:off x="0" y="0"/>
+          <a:ext cx="0" cy="0"/>
+          <a:chOff x="0" y="0"/>
+          <a:chExt cx="0" cy="0"/>
+        </a:xfrm>
+      </p:grpSpPr>
+      <p:sp>
+        <p:nvSpPr>
+          <p:cNvPr id="2" name="Title 1"/>
+          <p:cNvSpPr>
+            <a:spLocks noGrp="1"/>
+          </p:cNvSpPr>
+          <p:nvPr>
+            <p:ph type="title"/>
+          </p:nvPr>
+        </p:nvSpPr>
+        <p:spPr/>
+        <p:txBody>
+          <a:bodyPr/>
+          <a:lstStyle/>
+          <a:p>
+            <a:r>
+              <a:rPr lang="en-US" dirty="0" smtClean="0"/>
+              <a:t>Plate Surface</a:t>
+            </a:r>
+            <a:endParaRPr lang="en-US" dirty="0"/>
+          </a:p>
+        </p:txBody>
+      </p:sp>
+      <p:sp>
+        <p:nvSpPr>
+          <p:cNvPr id="3" name="Content Placeholder 2"/>
+          <p:cNvSpPr>
+            <a:spLocks noGrp="1"/>
+          </p:cNvSpPr>
+          <p:nvPr>
+            <p:ph idx="1"/>
+          </p:nvPr>
+        </p:nvSpPr>
+        <p:spPr>
+          <a:xfrm>
+            <a:off x="457200" y="1261092"/>
+            <a:ext cx="8229600" cy="4525963"/>
+          </a:xfrm>
+        </p:spPr>
+        <p:txBody>
+          <a:bodyPr/>
+          <a:lstStyle/>
+          <a:p>
+            <a:r>
+              <a:rPr lang="en-US" dirty="0" smtClean="0"/>
+              <a:t>Surface Design Impacts Coolant Mixing</a:t>
+            </a:r>
+            <a:endParaRPr lang="en-US" dirty="0"/>
+          </a:p>
+        </p:txBody>
+      </p:sp>
+      <p:sp>
+        <p:nvSpPr>
+          <p:cNvPr id="4" name="Slide Number Placeholder 3"/>
+          <p:cNvSpPr>
+            <a:spLocks noGrp="1"/>
+          </p:cNvSpPr>
+          <p:nvPr>
+            <p:ph type="sldNum" sz="quarter" idx="10"/>
+          </p:nvPr>
+        </p:nvSpPr>
+        <p:spPr/>
+        <p:txBody>
+          <a:bodyPr/>
+          <a:lstStyle/>
+          <a:p>
+            <a:pPr>
+              <a:defRPr/>
+            </a:pPr>
+            <a:fld id="{639E97B8-4532-408E-A5F7-ACF05B64D361}" type="slidenum">
+              <a:rPr lang="en-US" smtClean="0"/>
+              <a:pPr>
+                <a:defRPr/>
+              </a:pPr>
+              <a:t>15</a:t>
+            </a:fld>
+            <a:endParaRPr lang="en-US" dirty="0"/>
+          </a:p>
+        </p:txBody>
+      </p:sp>
+      <p:pic>
+        <p:nvPicPr>
+          <p:cNvPr id="5" name="Picture 4"/>
+          <p:cNvPicPr>
+            <a:picLocks noChangeAspect="1"/>
+          </p:cNvPicPr>
+          <p:nvPr/>
+        </p:nvPicPr>
+        <p:blipFill>
+          <a:blip r:embed="rId2"/>
+          <a:stretch>
+            <a:fillRect/>
+          </a:stretch>
+        </p:blipFill>
+        <p:spPr>
+          <a:xfrm>
+            <a:off x="2184670" y="1992875"/>
+            <a:ext cx="4724400" cy="769570"/>
+          </a:xfrm>
+          <a:prstGeom prst="rect">
+            <a:avLst/>
+          </a:prstGeom>
+        </p:spPr>
+      </p:pic>
+      <p:pic>
+        <p:nvPicPr>
+          <p:cNvPr id="6" name="Picture 5"/>
+          <p:cNvPicPr>
+            <a:picLocks noChangeAspect="1"/>
+          </p:cNvPicPr>
+          <p:nvPr/>
+        </p:nvPicPr>
+        <p:blipFill>
+          <a:blip r:embed="rId3"/>
+          <a:stretch>
+            <a:fillRect/>
+          </a:stretch>
+        </p:blipFill>
+        <p:spPr>
+          <a:xfrm>
+            <a:off x="2167209" y="3067524"/>
+            <a:ext cx="4671295" cy="691195"/>
+          </a:xfrm>
+          <a:prstGeom prst="rect">
+            <a:avLst/>
+          </a:prstGeom>
+        </p:spPr>
+      </p:pic>
+      <p:pic>
+        <p:nvPicPr>
+          <p:cNvPr id="7" name="Picture 6"/>
+          <p:cNvPicPr>
+            <a:picLocks noChangeAspect="1"/>
+          </p:cNvPicPr>
+          <p:nvPr/>
+        </p:nvPicPr>
+        <p:blipFill>
+          <a:blip r:embed="rId4"/>
+          <a:stretch>
+            <a:fillRect/>
+          </a:stretch>
+        </p:blipFill>
+        <p:spPr>
+          <a:xfrm>
+            <a:off x="2178320" y="4123122"/>
+            <a:ext cx="4649072" cy="638370"/>
+          </a:xfrm>
+          <a:prstGeom prst="rect">
+            <a:avLst/>
+          </a:prstGeom>
+        </p:spPr>
+      </p:pic>
+      <p:pic>
+        <p:nvPicPr>
+          <p:cNvPr id="8" name="Picture 7"/>
+          <p:cNvPicPr>
+            <a:picLocks noChangeAspect="1"/>
+          </p:cNvPicPr>
+          <p:nvPr/>
+        </p:nvPicPr>
+        <p:blipFill>
+          <a:blip r:embed="rId5"/>
+          <a:stretch>
+            <a:fillRect/>
+          </a:stretch>
+        </p:blipFill>
+        <p:spPr>
+          <a:xfrm>
+            <a:off x="2173558" y="5024947"/>
+            <a:ext cx="4658596" cy="667035"/>
+          </a:xfrm>
+          <a:prstGeom prst="rect">
+            <a:avLst/>
+          </a:prstGeom>
+        </p:spPr>
+      </p:pic>
+      <p:sp>
+        <p:nvSpPr>
+          <p:cNvPr id="12" name="Content Placeholder 2"/>
+          <p:cNvSpPr txBox="1">
+            <a:spLocks/>
+          </p:cNvSpPr>
+          <p:nvPr/>
+        </p:nvSpPr>
+        <p:spPr bwMode="auto">
+          <a:xfrm>
+            <a:off x="4114800" y="1705760"/>
+            <a:ext cx="622299" cy="366200"/>
+          </a:xfrm>
+          <a:prstGeom prst="rect">
+            <a:avLst/>
+          </a:prstGeom>
+          <a:noFill/>
+          <a:ln w="9525">
+            <a:noFill/>
+            <a:miter lim="800000"/>
+            <a:headEnd/>
+            <a:tailEnd/>
+          </a:ln>
+        </p:spPr>
+        <p:txBody>
+          <a:bodyPr vert="horz" wrap="square" lIns="91440" tIns="45720" rIns="91440" bIns="45720" numCol="1" anchor="t" anchorCtr="0" compatLnSpc="1">
+            <a:prstTxWarp prst="textNoShape">
+              <a:avLst/>
+            </a:prstTxWarp>
+          </a:bodyPr>
+          <a:lstStyle>
+            <a:lvl1pPr marL="342900" indent="-342900" algn="l" rtl="0" eaLnBrk="0" fontAlgn="base" hangingPunct="0">
+              <a:spcBef>
+                <a:spcPct val="20000"/>
+              </a:spcBef>
+              <a:spcAft>
+                <a:spcPct val="0"/>
+              </a:spcAft>
+              <a:buChar char="•"/>
+              <a:defRPr sz="3200">
+                <a:solidFill>
+                  <a:schemeClr val="tx1"/>
+                </a:solidFill>
+                <a:latin typeface="+mn-lt"/>
+                <a:ea typeface="+mn-ea"/>
+                <a:cs typeface="+mn-cs"/>
+              </a:defRPr>
+            </a:lvl1pPr>
+            <a:lvl2pPr marL="742950" indent="-285750" algn="l" rtl="0" eaLnBrk="0" fontAlgn="base" hangingPunct="0">
+              <a:spcBef>
+                <a:spcPct val="20000"/>
+              </a:spcBef>
+              <a:spcAft>
+                <a:spcPct val="0"/>
+              </a:spcAft>
+              <a:buChar char="–"/>
+              <a:defRPr sz="2800">
+                <a:solidFill>
+                  <a:schemeClr val="tx1"/>
+                </a:solidFill>
+                <a:latin typeface="+mn-lt"/>
+                <a:cs typeface="+mn-cs"/>
+              </a:defRPr>
+            </a:lvl2pPr>
+            <a:lvl3pPr marL="1143000" indent="-228600" algn="l" rtl="0" eaLnBrk="0" fontAlgn="base" hangingPunct="0">
+              <a:spcBef>
+                <a:spcPct val="20000"/>
+              </a:spcBef>
+              <a:spcAft>
+                <a:spcPct val="0"/>
+              </a:spcAft>
+              <a:buChar char="•"/>
+              <a:defRPr sz="2400">
+                <a:solidFill>
+                  <a:schemeClr val="tx1"/>
+                </a:solidFill>
+                <a:latin typeface="+mn-lt"/>
+                <a:cs typeface="+mn-cs"/>
+              </a:defRPr>
+            </a:lvl3pPr>
+            <a:lvl4pPr marL="1600200" indent="-228600" algn="l" rtl="0" eaLnBrk="0" fontAlgn="base" hangingPunct="0">
+              <a:spcBef>
+                <a:spcPct val="20000"/>
+              </a:spcBef>
+              <a:spcAft>
+                <a:spcPct val="0"/>
+              </a:spcAft>
+              <a:buChar char="–"/>
+              <a:defRPr sz="2000">
+                <a:solidFill>
+                  <a:schemeClr val="tx1"/>
+                </a:solidFill>
+                <a:latin typeface="+mn-lt"/>
+                <a:cs typeface="+mn-cs"/>
+              </a:defRPr>
+            </a:lvl4pPr>
+            <a:lvl5pPr marL="2057400" indent="-228600" algn="l" rtl="0" eaLnBrk="0" fontAlgn="base" hangingPunct="0">
+              <a:spcBef>
+                <a:spcPct val="20000"/>
+              </a:spcBef>
+              <a:spcAft>
+                <a:spcPct val="0"/>
+              </a:spcAft>
+              <a:buChar char="»"/>
+              <a:defRPr sz="2000">
+                <a:solidFill>
+                  <a:schemeClr val="tx1"/>
+                </a:solidFill>
+                <a:latin typeface="+mn-lt"/>
+                <a:cs typeface="+mn-cs"/>
+              </a:defRPr>
+            </a:lvl5pPr>
+            <a:lvl6pPr marL="2514600" indent="-228600" algn="l" rtl="0" eaLnBrk="1" fontAlgn="base" hangingPunct="1">
+              <a:spcBef>
+                <a:spcPct val="20000"/>
+              </a:spcBef>
+              <a:spcAft>
+                <a:spcPct val="0"/>
+              </a:spcAft>
+              <a:buChar char="»"/>
+              <a:defRPr sz="2000">
+                <a:solidFill>
+                  <a:schemeClr val="tx1"/>
+                </a:solidFill>
+                <a:latin typeface="+mn-lt"/>
+                <a:cs typeface="+mn-cs"/>
+              </a:defRPr>
+            </a:lvl6pPr>
+            <a:lvl7pPr marL="2971800" indent="-228600" algn="l" rtl="0" eaLnBrk="1" fontAlgn="base" hangingPunct="1">
+              <a:spcBef>
+                <a:spcPct val="20000"/>
+              </a:spcBef>
+              <a:spcAft>
+                <a:spcPct val="0"/>
+              </a:spcAft>
+              <a:buChar char="»"/>
+              <a:defRPr sz="2000">
+                <a:solidFill>
+                  <a:schemeClr val="tx1"/>
+                </a:solidFill>
+                <a:latin typeface="+mn-lt"/>
+                <a:cs typeface="+mn-cs"/>
+              </a:defRPr>
+            </a:lvl7pPr>
+            <a:lvl8pPr marL="3429000" indent="-228600" algn="l" rtl="0" eaLnBrk="1" fontAlgn="base" hangingPunct="1">
+              <a:spcBef>
+                <a:spcPct val="20000"/>
+              </a:spcBef>
+              <a:spcAft>
+                <a:spcPct val="0"/>
+              </a:spcAft>
+              <a:buChar char="»"/>
+              <a:defRPr sz="2000">
+                <a:solidFill>
+                  <a:schemeClr val="tx1"/>
+                </a:solidFill>
+                <a:latin typeface="+mn-lt"/>
+                <a:cs typeface="+mn-cs"/>
+              </a:defRPr>
+            </a:lvl8pPr>
+            <a:lvl9pPr marL="3886200" indent="-228600" algn="l" rtl="0" eaLnBrk="1" fontAlgn="base" hangingPunct="1">
+              <a:spcBef>
+                <a:spcPct val="20000"/>
+              </a:spcBef>
+              <a:spcAft>
+                <a:spcPct val="0"/>
+              </a:spcAft>
+              <a:buChar char="»"/>
+              <a:defRPr sz="2000">
+                <a:solidFill>
+                  <a:schemeClr val="tx1"/>
+                </a:solidFill>
+                <a:latin typeface="+mn-lt"/>
+                <a:cs typeface="+mn-cs"/>
+              </a:defRPr>
+            </a:lvl9pPr>
+          </a:lstStyle>
+          <a:p>
+            <a:pPr marL="0" indent="0">
+              <a:buNone/>
+            </a:pPr>
+            <a:r>
+              <a:rPr lang="en-US" sz="1800" kern="0" dirty="0" smtClean="0"/>
+              <a:t>Flat</a:t>
+            </a:r>
+            <a:endParaRPr lang="en-US" sz="1600" kern="0" dirty="0" smtClean="0"/>
+          </a:p>
+          <a:p>
+            <a:pPr marL="0" indent="0">
+              <a:buNone/>
+            </a:pPr>
+            <a:endParaRPr lang="en-US" sz="1600" kern="0" dirty="0"/>
+          </a:p>
+          <a:p>
+            <a:pPr marL="0" indent="0">
+              <a:buNone/>
+            </a:pPr>
+            <a:endParaRPr lang="en-US" sz="1600" kern="0" dirty="0" smtClean="0"/>
+          </a:p>
+          <a:p>
+            <a:pPr marL="0" indent="0">
+              <a:buNone/>
+            </a:pPr>
+            <a:endParaRPr lang="en-US" sz="1600" kern="0" dirty="0" smtClean="0"/>
+          </a:p>
+          <a:p>
+            <a:pPr marL="0" indent="0">
+              <a:buNone/>
+            </a:pPr>
+            <a:endParaRPr lang="en-US" sz="1600" kern="0" dirty="0" smtClean="0"/>
+          </a:p>
+          <a:p>
+            <a:pPr marL="0" indent="0">
+              <a:buNone/>
+            </a:pPr>
+            <a:endParaRPr lang="en-US" sz="1600" kern="0" dirty="0" smtClean="0"/>
+          </a:p>
+        </p:txBody>
+      </p:sp>
+      <p:sp>
+        <p:nvSpPr>
+          <p:cNvPr id="13" name="Content Placeholder 2"/>
+          <p:cNvSpPr txBox="1">
+            <a:spLocks/>
+          </p:cNvSpPr>
+          <p:nvPr/>
+        </p:nvSpPr>
+        <p:spPr bwMode="auto">
+          <a:xfrm>
+            <a:off x="3653543" y="2795599"/>
+            <a:ext cx="1720850" cy="366200"/>
+          </a:xfrm>
+          <a:prstGeom prst="rect">
+            <a:avLst/>
+          </a:prstGeom>
+          <a:noFill/>
+          <a:ln w="9525">
+            <a:noFill/>
+            <a:miter lim="800000"/>
+            <a:headEnd/>
+            <a:tailEnd/>
+          </a:ln>
+        </p:spPr>
+        <p:txBody>
+          <a:bodyPr vert="horz" wrap="square" lIns="91440" tIns="45720" rIns="91440" bIns="45720" numCol="1" anchor="t" anchorCtr="0" compatLnSpc="1">
+            <a:prstTxWarp prst="textNoShape">
+              <a:avLst/>
+            </a:prstTxWarp>
+          </a:bodyPr>
+          <a:lstStyle>
+            <a:lvl1pPr marL="342900" indent="-342900" algn="l" rtl="0" eaLnBrk="0" fontAlgn="base" hangingPunct="0">
+              <a:spcBef>
+                <a:spcPct val="20000"/>
+              </a:spcBef>
+              <a:spcAft>
+                <a:spcPct val="0"/>
+              </a:spcAft>
+              <a:buChar char="•"/>
+              <a:defRPr sz="3200">
+                <a:solidFill>
+                  <a:schemeClr val="tx1"/>
+                </a:solidFill>
+                <a:latin typeface="+mn-lt"/>
+                <a:ea typeface="+mn-ea"/>
+                <a:cs typeface="+mn-cs"/>
+              </a:defRPr>
+            </a:lvl1pPr>
+            <a:lvl2pPr marL="742950" indent="-285750" algn="l" rtl="0" eaLnBrk="0" fontAlgn="base" hangingPunct="0">
+              <a:spcBef>
+                <a:spcPct val="20000"/>
+              </a:spcBef>
+              <a:spcAft>
+                <a:spcPct val="0"/>
+              </a:spcAft>
+              <a:buChar char="–"/>
+              <a:defRPr sz="2800">
+                <a:solidFill>
+                  <a:schemeClr val="tx1"/>
+                </a:solidFill>
+                <a:latin typeface="+mn-lt"/>
+                <a:cs typeface="+mn-cs"/>
+              </a:defRPr>
+            </a:lvl2pPr>
+            <a:lvl3pPr marL="1143000" indent="-228600" algn="l" rtl="0" eaLnBrk="0" fontAlgn="base" hangingPunct="0">
+              <a:spcBef>
+                <a:spcPct val="20000"/>
+              </a:spcBef>
+              <a:spcAft>
+                <a:spcPct val="0"/>
+              </a:spcAft>
+              <a:buChar char="•"/>
+              <a:defRPr sz="2400">
+                <a:solidFill>
+                  <a:schemeClr val="tx1"/>
+                </a:solidFill>
+                <a:latin typeface="+mn-lt"/>
+                <a:cs typeface="+mn-cs"/>
+              </a:defRPr>
+            </a:lvl3pPr>
+            <a:lvl4pPr marL="1600200" indent="-228600" algn="l" rtl="0" eaLnBrk="0" fontAlgn="base" hangingPunct="0">
+              <a:spcBef>
+                <a:spcPct val="20000"/>
+              </a:spcBef>
+              <a:spcAft>
+                <a:spcPct val="0"/>
+              </a:spcAft>
+              <a:buChar char="–"/>
+              <a:defRPr sz="2000">
+                <a:solidFill>
+                  <a:schemeClr val="tx1"/>
+                </a:solidFill>
+                <a:latin typeface="+mn-lt"/>
+                <a:cs typeface="+mn-cs"/>
+              </a:defRPr>
+            </a:lvl4pPr>
+            <a:lvl5pPr marL="2057400" indent="-228600" algn="l" rtl="0" eaLnBrk="0" fontAlgn="base" hangingPunct="0">
+              <a:spcBef>
+                <a:spcPct val="20000"/>
+              </a:spcBef>
+              <a:spcAft>
+                <a:spcPct val="0"/>
+              </a:spcAft>
+              <a:buChar char="»"/>
+              <a:defRPr sz="2000">
+                <a:solidFill>
+                  <a:schemeClr val="tx1"/>
+                </a:solidFill>
+                <a:latin typeface="+mn-lt"/>
+                <a:cs typeface="+mn-cs"/>
+              </a:defRPr>
+            </a:lvl5pPr>
+            <a:lvl6pPr marL="2514600" indent="-228600" algn="l" rtl="0" eaLnBrk="1" fontAlgn="base" hangingPunct="1">
+              <a:spcBef>
+                <a:spcPct val="20000"/>
+              </a:spcBef>
+              <a:spcAft>
+                <a:spcPct val="0"/>
+              </a:spcAft>
+              <a:buChar char="»"/>
+              <a:defRPr sz="2000">
+                <a:solidFill>
+                  <a:schemeClr val="tx1"/>
+                </a:solidFill>
+                <a:latin typeface="+mn-lt"/>
+                <a:cs typeface="+mn-cs"/>
+              </a:defRPr>
+            </a:lvl6pPr>
+            <a:lvl7pPr marL="2971800" indent="-228600" algn="l" rtl="0" eaLnBrk="1" fontAlgn="base" hangingPunct="1">
+              <a:spcBef>
+                <a:spcPct val="20000"/>
+              </a:spcBef>
+              <a:spcAft>
+                <a:spcPct val="0"/>
+              </a:spcAft>
+              <a:buChar char="»"/>
+              <a:defRPr sz="2000">
+                <a:solidFill>
+                  <a:schemeClr val="tx1"/>
+                </a:solidFill>
+                <a:latin typeface="+mn-lt"/>
+                <a:cs typeface="+mn-cs"/>
+              </a:defRPr>
+            </a:lvl7pPr>
+            <a:lvl8pPr marL="3429000" indent="-228600" algn="l" rtl="0" eaLnBrk="1" fontAlgn="base" hangingPunct="1">
+              <a:spcBef>
+                <a:spcPct val="20000"/>
+              </a:spcBef>
+              <a:spcAft>
+                <a:spcPct val="0"/>
+              </a:spcAft>
+              <a:buChar char="»"/>
+              <a:defRPr sz="2000">
+                <a:solidFill>
+                  <a:schemeClr val="tx1"/>
+                </a:solidFill>
+                <a:latin typeface="+mn-lt"/>
+                <a:cs typeface="+mn-cs"/>
+              </a:defRPr>
+            </a:lvl8pPr>
+            <a:lvl9pPr marL="3886200" indent="-228600" algn="l" rtl="0" eaLnBrk="1" fontAlgn="base" hangingPunct="1">
+              <a:spcBef>
+                <a:spcPct val="20000"/>
+              </a:spcBef>
+              <a:spcAft>
+                <a:spcPct val="0"/>
+              </a:spcAft>
+              <a:buChar char="»"/>
+              <a:defRPr sz="2000">
+                <a:solidFill>
+                  <a:schemeClr val="tx1"/>
+                </a:solidFill>
+                <a:latin typeface="+mn-lt"/>
+                <a:cs typeface="+mn-cs"/>
+              </a:defRPr>
+            </a:lvl9pPr>
+          </a:lstStyle>
+          <a:p>
+            <a:pPr marL="0" indent="0">
+              <a:buNone/>
+            </a:pPr>
+            <a:r>
+              <a:rPr lang="en-US" sz="1800" kern="0" dirty="0" smtClean="0"/>
+              <a:t>Ribbed (1mm)</a:t>
+            </a:r>
+            <a:endParaRPr lang="en-US" sz="1600" kern="0" dirty="0" smtClean="0"/>
+          </a:p>
+          <a:p>
+            <a:pPr marL="0" indent="0">
+              <a:buNone/>
+            </a:pPr>
+            <a:endParaRPr lang="en-US" sz="1600" kern="0" dirty="0"/>
+          </a:p>
+          <a:p>
+            <a:pPr marL="0" indent="0">
+              <a:buNone/>
+            </a:pPr>
+            <a:endParaRPr lang="en-US" sz="1600" kern="0" dirty="0" smtClean="0"/>
+          </a:p>
+          <a:p>
+            <a:pPr marL="0" indent="0">
+              <a:buNone/>
+            </a:pPr>
+            <a:endParaRPr lang="en-US" sz="1600" kern="0" dirty="0" smtClean="0"/>
+          </a:p>
+          <a:p>
+            <a:pPr marL="0" indent="0">
+              <a:buNone/>
+            </a:pPr>
+            <a:endParaRPr lang="en-US" sz="1600" kern="0" dirty="0" smtClean="0"/>
+          </a:p>
+          <a:p>
+            <a:pPr marL="0" indent="0">
+              <a:buNone/>
+            </a:pPr>
+            <a:endParaRPr lang="en-US" sz="1600" kern="0" dirty="0" smtClean="0"/>
+          </a:p>
+        </p:txBody>
+      </p:sp>
+      <p:sp>
+        <p:nvSpPr>
+          <p:cNvPr id="14" name="Content Placeholder 2"/>
+          <p:cNvSpPr txBox="1">
+            <a:spLocks/>
+          </p:cNvSpPr>
+          <p:nvPr/>
+        </p:nvSpPr>
+        <p:spPr bwMode="auto">
+          <a:xfrm>
+            <a:off x="3595327" y="3790647"/>
+            <a:ext cx="1862138" cy="366200"/>
+          </a:xfrm>
+          <a:prstGeom prst="rect">
+            <a:avLst/>
+          </a:prstGeom>
+          <a:noFill/>
+          <a:ln w="9525">
+            <a:noFill/>
+            <a:miter lim="800000"/>
+            <a:headEnd/>
+            <a:tailEnd/>
+          </a:ln>
+        </p:spPr>
+        <p:txBody>
+          <a:bodyPr vert="horz" wrap="square" lIns="91440" tIns="45720" rIns="91440" bIns="45720" numCol="1" anchor="t" anchorCtr="0" compatLnSpc="1">
+            <a:prstTxWarp prst="textNoShape">
+              <a:avLst/>
+            </a:prstTxWarp>
+          </a:bodyPr>
+          <a:lstStyle>
+            <a:lvl1pPr marL="342900" indent="-342900" algn="l" rtl="0" eaLnBrk="0" fontAlgn="base" hangingPunct="0">
+              <a:spcBef>
+                <a:spcPct val="20000"/>
+              </a:spcBef>
+              <a:spcAft>
+                <a:spcPct val="0"/>
+              </a:spcAft>
+              <a:buChar char="•"/>
+              <a:defRPr sz="3200">
+                <a:solidFill>
+                  <a:schemeClr val="tx1"/>
+                </a:solidFill>
+                <a:latin typeface="+mn-lt"/>
+                <a:ea typeface="+mn-ea"/>
+                <a:cs typeface="+mn-cs"/>
+              </a:defRPr>
+            </a:lvl1pPr>
+            <a:lvl2pPr marL="742950" indent="-285750" algn="l" rtl="0" eaLnBrk="0" fontAlgn="base" hangingPunct="0">
+              <a:spcBef>
+                <a:spcPct val="20000"/>
+              </a:spcBef>
+              <a:spcAft>
+                <a:spcPct val="0"/>
+              </a:spcAft>
+              <a:buChar char="–"/>
+              <a:defRPr sz="2800">
+                <a:solidFill>
+                  <a:schemeClr val="tx1"/>
+                </a:solidFill>
+                <a:latin typeface="+mn-lt"/>
+                <a:cs typeface="+mn-cs"/>
+              </a:defRPr>
+            </a:lvl2pPr>
+            <a:lvl3pPr marL="1143000" indent="-228600" algn="l" rtl="0" eaLnBrk="0" fontAlgn="base" hangingPunct="0">
+              <a:spcBef>
+                <a:spcPct val="20000"/>
+              </a:spcBef>
+              <a:spcAft>
+                <a:spcPct val="0"/>
+              </a:spcAft>
+              <a:buChar char="•"/>
+              <a:defRPr sz="2400">
+                <a:solidFill>
+                  <a:schemeClr val="tx1"/>
+                </a:solidFill>
+                <a:latin typeface="+mn-lt"/>
+                <a:cs typeface="+mn-cs"/>
+              </a:defRPr>
+            </a:lvl3pPr>
+            <a:lvl4pPr marL="1600200" indent="-228600" algn="l" rtl="0" eaLnBrk="0" fontAlgn="base" hangingPunct="0">
+              <a:spcBef>
+                <a:spcPct val="20000"/>
+              </a:spcBef>
+              <a:spcAft>
+                <a:spcPct val="0"/>
+              </a:spcAft>
+              <a:buChar char="–"/>
+              <a:defRPr sz="2000">
+                <a:solidFill>
+                  <a:schemeClr val="tx1"/>
+                </a:solidFill>
+                <a:latin typeface="+mn-lt"/>
+                <a:cs typeface="+mn-cs"/>
+              </a:defRPr>
+            </a:lvl4pPr>
+            <a:lvl5pPr marL="2057400" indent="-228600" algn="l" rtl="0" eaLnBrk="0" fontAlgn="base" hangingPunct="0">
+              <a:spcBef>
+                <a:spcPct val="20000"/>
+              </a:spcBef>
+              <a:spcAft>
+                <a:spcPct val="0"/>
+              </a:spcAft>
+              <a:buChar char="»"/>
+              <a:defRPr sz="2000">
+                <a:solidFill>
+                  <a:schemeClr val="tx1"/>
+                </a:solidFill>
+                <a:latin typeface="+mn-lt"/>
+                <a:cs typeface="+mn-cs"/>
+              </a:defRPr>
+            </a:lvl5pPr>
+            <a:lvl6pPr marL="2514600" indent="-228600" algn="l" rtl="0" eaLnBrk="1" fontAlgn="base" hangingPunct="1">
+              <a:spcBef>
+                <a:spcPct val="20000"/>
+              </a:spcBef>
+              <a:spcAft>
+                <a:spcPct val="0"/>
+              </a:spcAft>
+              <a:buChar char="»"/>
+              <a:defRPr sz="2000">
+                <a:solidFill>
+                  <a:schemeClr val="tx1"/>
+                </a:solidFill>
+                <a:latin typeface="+mn-lt"/>
+                <a:cs typeface="+mn-cs"/>
+              </a:defRPr>
+            </a:lvl6pPr>
+            <a:lvl7pPr marL="2971800" indent="-228600" algn="l" rtl="0" eaLnBrk="1" fontAlgn="base" hangingPunct="1">
+              <a:spcBef>
+                <a:spcPct val="20000"/>
+              </a:spcBef>
+              <a:spcAft>
+                <a:spcPct val="0"/>
+              </a:spcAft>
+              <a:buChar char="»"/>
+              <a:defRPr sz="2000">
+                <a:solidFill>
+                  <a:schemeClr val="tx1"/>
+                </a:solidFill>
+                <a:latin typeface="+mn-lt"/>
+                <a:cs typeface="+mn-cs"/>
+              </a:defRPr>
+            </a:lvl7pPr>
+            <a:lvl8pPr marL="3429000" indent="-228600" algn="l" rtl="0" eaLnBrk="1" fontAlgn="base" hangingPunct="1">
+              <a:spcBef>
+                <a:spcPct val="20000"/>
+              </a:spcBef>
+              <a:spcAft>
+                <a:spcPct val="0"/>
+              </a:spcAft>
+              <a:buChar char="»"/>
+              <a:defRPr sz="2000">
+                <a:solidFill>
+                  <a:schemeClr val="tx1"/>
+                </a:solidFill>
+                <a:latin typeface="+mn-lt"/>
+                <a:cs typeface="+mn-cs"/>
+              </a:defRPr>
+            </a:lvl8pPr>
+            <a:lvl9pPr marL="3886200" indent="-228600" algn="l" rtl="0" eaLnBrk="1" fontAlgn="base" hangingPunct="1">
+              <a:spcBef>
+                <a:spcPct val="20000"/>
+              </a:spcBef>
+              <a:spcAft>
+                <a:spcPct val="0"/>
+              </a:spcAft>
+              <a:buChar char="»"/>
+              <a:defRPr sz="2000">
+                <a:solidFill>
+                  <a:schemeClr val="tx1"/>
+                </a:solidFill>
+                <a:latin typeface="+mn-lt"/>
+                <a:cs typeface="+mn-cs"/>
+              </a:defRPr>
+            </a:lvl9pPr>
+          </a:lstStyle>
+          <a:p>
+            <a:pPr marL="0" indent="0">
+              <a:buNone/>
+            </a:pPr>
+            <a:r>
+              <a:rPr lang="en-US" sz="1800" kern="0" dirty="0" smtClean="0"/>
+              <a:t>Ribbed (0.5mm)</a:t>
+            </a:r>
+            <a:endParaRPr lang="en-US" sz="1600" kern="0" dirty="0" smtClean="0"/>
+          </a:p>
+          <a:p>
+            <a:pPr marL="0" indent="0">
+              <a:buNone/>
+            </a:pPr>
+            <a:endParaRPr lang="en-US" sz="1600" kern="0" dirty="0"/>
+          </a:p>
+          <a:p>
+            <a:pPr marL="0" indent="0">
+              <a:buNone/>
+            </a:pPr>
+            <a:endParaRPr lang="en-US" sz="1600" kern="0" dirty="0" smtClean="0"/>
+          </a:p>
+          <a:p>
+            <a:pPr marL="0" indent="0">
+              <a:buNone/>
+            </a:pPr>
+            <a:endParaRPr lang="en-US" sz="1600" kern="0" dirty="0" smtClean="0"/>
+          </a:p>
+          <a:p>
+            <a:pPr marL="0" indent="0">
+              <a:buNone/>
+            </a:pPr>
+            <a:endParaRPr lang="en-US" sz="1600" kern="0" dirty="0" smtClean="0"/>
+          </a:p>
+          <a:p>
+            <a:pPr marL="0" indent="0">
+              <a:buNone/>
+            </a:pPr>
+            <a:endParaRPr lang="en-US" sz="1600" kern="0" dirty="0" smtClean="0"/>
+          </a:p>
+        </p:txBody>
+      </p:sp>
+      <p:sp>
+        <p:nvSpPr>
+          <p:cNvPr id="15" name="Content Placeholder 2"/>
+          <p:cNvSpPr txBox="1">
+            <a:spLocks/>
+          </p:cNvSpPr>
+          <p:nvPr/>
+        </p:nvSpPr>
+        <p:spPr bwMode="auto">
+          <a:xfrm>
+            <a:off x="3614649" y="4753820"/>
+            <a:ext cx="1798637" cy="366200"/>
+          </a:xfrm>
+          <a:prstGeom prst="rect">
+            <a:avLst/>
+          </a:prstGeom>
+          <a:noFill/>
+          <a:ln w="9525">
+            <a:noFill/>
+            <a:miter lim="800000"/>
+            <a:headEnd/>
+            <a:tailEnd/>
+          </a:ln>
+        </p:spPr>
+        <p:txBody>
+          <a:bodyPr vert="horz" wrap="square" lIns="91440" tIns="45720" rIns="91440" bIns="45720" numCol="1" anchor="t" anchorCtr="0" compatLnSpc="1">
+            <a:prstTxWarp prst="textNoShape">
+              <a:avLst/>
+            </a:prstTxWarp>
+          </a:bodyPr>
+          <a:lstStyle>
+            <a:lvl1pPr marL="342900" indent="-342900" algn="l" rtl="0" eaLnBrk="0" fontAlgn="base" hangingPunct="0">
+              <a:spcBef>
+                <a:spcPct val="20000"/>
+              </a:spcBef>
+              <a:spcAft>
+                <a:spcPct val="0"/>
+              </a:spcAft>
+              <a:buChar char="•"/>
+              <a:defRPr sz="3200">
+                <a:solidFill>
+                  <a:schemeClr val="tx1"/>
+                </a:solidFill>
+                <a:latin typeface="+mn-lt"/>
+                <a:ea typeface="+mn-ea"/>
+                <a:cs typeface="+mn-cs"/>
+              </a:defRPr>
+            </a:lvl1pPr>
+            <a:lvl2pPr marL="742950" indent="-285750" algn="l" rtl="0" eaLnBrk="0" fontAlgn="base" hangingPunct="0">
+              <a:spcBef>
+                <a:spcPct val="20000"/>
+              </a:spcBef>
+              <a:spcAft>
+                <a:spcPct val="0"/>
+              </a:spcAft>
+              <a:buChar char="–"/>
+              <a:defRPr sz="2800">
+                <a:solidFill>
+                  <a:schemeClr val="tx1"/>
+                </a:solidFill>
+                <a:latin typeface="+mn-lt"/>
+                <a:cs typeface="+mn-cs"/>
+              </a:defRPr>
+            </a:lvl2pPr>
+            <a:lvl3pPr marL="1143000" indent="-228600" algn="l" rtl="0" eaLnBrk="0" fontAlgn="base" hangingPunct="0">
+              <a:spcBef>
+                <a:spcPct val="20000"/>
+              </a:spcBef>
+              <a:spcAft>
+                <a:spcPct val="0"/>
+              </a:spcAft>
+              <a:buChar char="•"/>
+              <a:defRPr sz="2400">
+                <a:solidFill>
+                  <a:schemeClr val="tx1"/>
+                </a:solidFill>
+                <a:latin typeface="+mn-lt"/>
+                <a:cs typeface="+mn-cs"/>
+              </a:defRPr>
+            </a:lvl3pPr>
+            <a:lvl4pPr marL="1600200" indent="-228600" algn="l" rtl="0" eaLnBrk="0" fontAlgn="base" hangingPunct="0">
+              <a:spcBef>
+                <a:spcPct val="20000"/>
+              </a:spcBef>
+              <a:spcAft>
+                <a:spcPct val="0"/>
+              </a:spcAft>
+              <a:buChar char="–"/>
+              <a:defRPr sz="2000">
+                <a:solidFill>
+                  <a:schemeClr val="tx1"/>
+                </a:solidFill>
+                <a:latin typeface="+mn-lt"/>
+                <a:cs typeface="+mn-cs"/>
+              </a:defRPr>
+            </a:lvl4pPr>
+            <a:lvl5pPr marL="2057400" indent="-228600" algn="l" rtl="0" eaLnBrk="0" fontAlgn="base" hangingPunct="0">
+              <a:spcBef>
+                <a:spcPct val="20000"/>
+              </a:spcBef>
+              <a:spcAft>
+                <a:spcPct val="0"/>
+              </a:spcAft>
+              <a:buChar char="»"/>
+              <a:defRPr sz="2000">
+                <a:solidFill>
+                  <a:schemeClr val="tx1"/>
+                </a:solidFill>
+                <a:latin typeface="+mn-lt"/>
+                <a:cs typeface="+mn-cs"/>
+              </a:defRPr>
+            </a:lvl5pPr>
+            <a:lvl6pPr marL="2514600" indent="-228600" algn="l" rtl="0" eaLnBrk="1" fontAlgn="base" hangingPunct="1">
+              <a:spcBef>
+                <a:spcPct val="20000"/>
+              </a:spcBef>
+              <a:spcAft>
+                <a:spcPct val="0"/>
+              </a:spcAft>
+              <a:buChar char="»"/>
+              <a:defRPr sz="2000">
+                <a:solidFill>
+                  <a:schemeClr val="tx1"/>
+                </a:solidFill>
+                <a:latin typeface="+mn-lt"/>
+                <a:cs typeface="+mn-cs"/>
+              </a:defRPr>
+            </a:lvl6pPr>
+            <a:lvl7pPr marL="2971800" indent="-228600" algn="l" rtl="0" eaLnBrk="1" fontAlgn="base" hangingPunct="1">
+              <a:spcBef>
+                <a:spcPct val="20000"/>
+              </a:spcBef>
+              <a:spcAft>
+                <a:spcPct val="0"/>
+              </a:spcAft>
+              <a:buChar char="»"/>
+              <a:defRPr sz="2000">
+                <a:solidFill>
+                  <a:schemeClr val="tx1"/>
+                </a:solidFill>
+                <a:latin typeface="+mn-lt"/>
+                <a:cs typeface="+mn-cs"/>
+              </a:defRPr>
+            </a:lvl7pPr>
+            <a:lvl8pPr marL="3429000" indent="-228600" algn="l" rtl="0" eaLnBrk="1" fontAlgn="base" hangingPunct="1">
+              <a:spcBef>
+                <a:spcPct val="20000"/>
+              </a:spcBef>
+              <a:spcAft>
+                <a:spcPct val="0"/>
+              </a:spcAft>
+              <a:buChar char="»"/>
+              <a:defRPr sz="2000">
+                <a:solidFill>
+                  <a:schemeClr val="tx1"/>
+                </a:solidFill>
+                <a:latin typeface="+mn-lt"/>
+                <a:cs typeface="+mn-cs"/>
+              </a:defRPr>
+            </a:lvl8pPr>
+            <a:lvl9pPr marL="3886200" indent="-228600" algn="l" rtl="0" eaLnBrk="1" fontAlgn="base" hangingPunct="1">
+              <a:spcBef>
+                <a:spcPct val="20000"/>
+              </a:spcBef>
+              <a:spcAft>
+                <a:spcPct val="0"/>
+              </a:spcAft>
+              <a:buChar char="»"/>
+              <a:defRPr sz="2000">
+                <a:solidFill>
+                  <a:schemeClr val="tx1"/>
+                </a:solidFill>
+                <a:latin typeface="+mn-lt"/>
+                <a:cs typeface="+mn-cs"/>
+              </a:defRPr>
+            </a:lvl9pPr>
+          </a:lstStyle>
+          <a:p>
+            <a:pPr marL="0" indent="0">
+              <a:buNone/>
+            </a:pPr>
+            <a:r>
+              <a:rPr lang="en-US" sz="1600" kern="0" dirty="0" smtClean="0"/>
+              <a:t>Dimpled (0.5mm)</a:t>
+            </a:r>
+          </a:p>
+          <a:p>
+            <a:pPr marL="0" indent="0">
+              <a:buNone/>
+            </a:pPr>
+            <a:endParaRPr lang="en-US" sz="1600" kern="0" dirty="0"/>
+          </a:p>
+          <a:p>
+            <a:pPr marL="0" indent="0">
+              <a:buNone/>
+            </a:pPr>
+            <a:endParaRPr lang="en-US" sz="1600" kern="0" dirty="0" smtClean="0"/>
+          </a:p>
+          <a:p>
+            <a:pPr marL="0" indent="0">
+              <a:buNone/>
+            </a:pPr>
+            <a:endParaRPr lang="en-US" sz="1600" kern="0" dirty="0" smtClean="0"/>
+          </a:p>
+          <a:p>
+            <a:pPr marL="0" indent="0">
+              <a:buNone/>
+            </a:pPr>
+            <a:endParaRPr lang="en-US" sz="1600" kern="0" dirty="0" smtClean="0"/>
+          </a:p>
+          <a:p>
+            <a:pPr marL="0" indent="0">
+              <a:buNone/>
+            </a:pPr>
+            <a:endParaRPr lang="en-US" sz="1600" kern="0" dirty="0" smtClean="0"/>
+          </a:p>
+        </p:txBody>
+      </p:sp>
+      <p:pic>
+        <p:nvPicPr>
+          <p:cNvPr id="17" name="Picture 16"/>
+          <p:cNvPicPr>
+            <a:picLocks noChangeAspect="1"/>
+          </p:cNvPicPr>
+          <p:nvPr/>
+        </p:nvPicPr>
+        <p:blipFill>
+          <a:blip r:embed="rId6"/>
+          <a:stretch>
+            <a:fillRect/>
+          </a:stretch>
+        </p:blipFill>
+        <p:spPr>
+          <a:xfrm>
+            <a:off x="169621" y="2575068"/>
+            <a:ext cx="1809303" cy="1529171"/>
+          </a:xfrm>
+          <a:prstGeom prst="rect">
+            <a:avLst/>
+          </a:prstGeom>
+        </p:spPr>
+      </p:pic>
+      <p:pic>
+        <p:nvPicPr>
+          <p:cNvPr id="19" name="Picture 18"/>
+          <p:cNvPicPr>
+            <a:picLocks noChangeAspect="1"/>
+          </p:cNvPicPr>
+          <p:nvPr/>
+        </p:nvPicPr>
+        <p:blipFill>
+          <a:blip r:embed="rId7"/>
+          <a:stretch>
+            <a:fillRect/>
+          </a:stretch>
+        </p:blipFill>
+        <p:spPr>
+          <a:xfrm>
+            <a:off x="7049011" y="3643092"/>
+            <a:ext cx="1867878" cy="1598429"/>
+          </a:xfrm>
+          <a:prstGeom prst="rect">
+            <a:avLst/>
+          </a:prstGeom>
+        </p:spPr>
+      </p:pic>
+      <p:pic>
+        <p:nvPicPr>
+          <p:cNvPr id="22" name="Picture 21"/>
+          <p:cNvPicPr>
+            <a:picLocks noChangeAspect="1"/>
+          </p:cNvPicPr>
+          <p:nvPr/>
+        </p:nvPicPr>
+        <p:blipFill>
+          <a:blip r:embed="rId8"/>
+          <a:stretch>
+            <a:fillRect/>
+          </a:stretch>
+        </p:blipFill>
+        <p:spPr>
+          <a:xfrm>
+            <a:off x="328437" y="4598035"/>
+            <a:ext cx="1578980" cy="1520858"/>
+          </a:xfrm>
+          <a:prstGeom prst="rect">
+            <a:avLst/>
+          </a:prstGeom>
+        </p:spPr>
+      </p:pic>
+      <p:pic>
+        <p:nvPicPr>
+          <p:cNvPr id="23" name="Picture 22"/>
+          <p:cNvPicPr>
+            <a:picLocks noChangeAspect="1"/>
+          </p:cNvPicPr>
+          <p:nvPr/>
+        </p:nvPicPr>
+        <p:blipFill>
+          <a:blip r:embed="rId9"/>
+          <a:stretch>
+            <a:fillRect/>
+          </a:stretch>
+        </p:blipFill>
+        <p:spPr>
+          <a:xfrm>
+            <a:off x="1761347" y="5753892"/>
+            <a:ext cx="5505239" cy="575788"/>
+          </a:xfrm>
+          <a:prstGeom prst="rect">
+            <a:avLst/>
+          </a:prstGeom>
+        </p:spPr>
+      </p:pic>
+    </p:spTree>
+    <p:extLst>
+      <p:ext uri="{BB962C8B-B14F-4D97-AF65-F5344CB8AC3E}">
+        <p14:creationId xmlns:p14="http://schemas.microsoft.com/office/powerpoint/2010/main" val="1428288596"/>
+      </p:ext>
+    </p:extLst>
+  </p:cSld>
+  <p:clrMapOvr>
+    <a:masterClrMapping/>
+  </p:clrMapOvr>
+</p:sld>
+</file>
+
+<file path=ppt/slides/slide16.xml><?xml version="1.0" encoding="utf-8"?>
+<p:sld xmlns:a="http://schemas.openxmlformats.org/drawingml/2006/main" xmlns:r="http://schemas.openxmlformats.org/officeDocument/2006/relationships" xmlns:p="http://schemas.openxmlformats.org/presentationml/2006/main">
+  <p:cSld>
+    <p:spTree>
+      <p:nvGrpSpPr>
+        <p:cNvPr id="1" name=""/>
+        <p:cNvGrpSpPr/>
+        <p:nvPr/>
+      </p:nvGrpSpPr>
+      <p:grpSpPr>
+        <a:xfrm>
+          <a:off x="0" y="0"/>
+          <a:ext cx="0" cy="0"/>
+          <a:chOff x="0" y="0"/>
+          <a:chExt cx="0" cy="0"/>
+        </a:xfrm>
+      </p:grpSpPr>
+      <p:sp>
+        <p:nvSpPr>
+          <p:cNvPr id="2" name="Title 1"/>
+          <p:cNvSpPr>
+            <a:spLocks noGrp="1"/>
+          </p:cNvSpPr>
+          <p:nvPr>
+            <p:ph type="title"/>
+          </p:nvPr>
+        </p:nvSpPr>
+        <p:spPr/>
+        <p:txBody>
+          <a:bodyPr/>
+          <a:lstStyle/>
+          <a:p>
+            <a:r>
+              <a:rPr lang="en-US" dirty="0"/>
+              <a:t>Thermodynamic Analysis </a:t>
+            </a:r>
+          </a:p>
+        </p:txBody>
+      </p:sp>
+      <p:sp>
+        <p:nvSpPr>
+          <p:cNvPr id="3" name="Content Placeholder 2"/>
+          <p:cNvSpPr>
+            <a:spLocks noGrp="1"/>
+          </p:cNvSpPr>
+          <p:nvPr>
+            <p:ph sz="half" idx="1"/>
+          </p:nvPr>
+        </p:nvSpPr>
+        <p:spPr/>
+        <p:txBody>
+          <a:bodyPr/>
+          <a:lstStyle/>
+          <a:p>
+            <a:r>
+              <a:rPr lang="en-US" sz="2400" dirty="0" smtClean="0"/>
+              <a:t>3 loops</a:t>
+            </a:r>
+          </a:p>
+          <a:p>
+            <a:r>
+              <a:rPr lang="en-US" sz="2400" dirty="0" smtClean="0"/>
+              <a:t>Loop 1 radioactive</a:t>
+            </a:r>
+          </a:p>
+          <a:p>
+            <a:r>
+              <a:rPr lang="en-US" sz="2400" dirty="0" smtClean="0"/>
+              <a:t>Loop 2,3 non-radioactive</a:t>
+            </a:r>
+          </a:p>
+          <a:p>
+            <a:r>
+              <a:rPr lang="en-US" sz="2400" dirty="0" smtClean="0"/>
+              <a:t>Industrial applications and steam turbine on the </a:t>
+            </a:r>
+            <a:r>
+              <a:rPr lang="en-US" sz="2400" dirty="0"/>
+              <a:t>ground (maintenance and </a:t>
+            </a:r>
+            <a:r>
+              <a:rPr lang="en-US" sz="2400" dirty="0" smtClean="0"/>
+              <a:t>access). </a:t>
+            </a:r>
+          </a:p>
+          <a:p>
+            <a:r>
+              <a:rPr lang="en-US" sz="2400" dirty="0" smtClean="0"/>
+              <a:t>Limit the access for the underground (loop 1) </a:t>
+            </a:r>
+          </a:p>
+          <a:p>
+            <a:endParaRPr lang="en-US" sz="2400" dirty="0"/>
+          </a:p>
+        </p:txBody>
+      </p:sp>
+      <p:pic>
+        <p:nvPicPr>
+          <p:cNvPr id="6" name="Content Placeholder 5"/>
+          <p:cNvPicPr>
+            <a:picLocks noGrp="1" noChangeAspect="1"/>
+          </p:cNvPicPr>
+          <p:nvPr>
+            <p:ph sz="half" idx="2"/>
+          </p:nvPr>
+        </p:nvPicPr>
+        <p:blipFill>
+          <a:blip r:embed="rId2">
+            <a:extLst>
+              <a:ext uri="{28A0092B-C50C-407E-A947-70E740481C1C}">
+                <a14:useLocalDpi xmlns:a14="http://schemas.microsoft.com/office/drawing/2010/main" val="0"/>
+              </a:ext>
+            </a:extLst>
+          </a:blip>
+          <a:stretch>
+            <a:fillRect/>
+          </a:stretch>
+        </p:blipFill>
+        <p:spPr>
+          <a:xfrm>
+            <a:off x="4648200" y="1979693"/>
+            <a:ext cx="4038600" cy="3766977"/>
+          </a:xfrm>
+        </p:spPr>
+      </p:pic>
+      <p:sp>
+        <p:nvSpPr>
+          <p:cNvPr id="5" name="Slide Number Placeholder 4"/>
+          <p:cNvSpPr>
+            <a:spLocks noGrp="1"/>
+          </p:cNvSpPr>
+          <p:nvPr>
+            <p:ph type="sldNum" sz="quarter" idx="12"/>
+          </p:nvPr>
+        </p:nvSpPr>
+        <p:spPr/>
+        <p:txBody>
+          <a:bodyPr/>
+          <a:lstStyle/>
+          <a:p>
+            <a:pPr>
+              <a:defRPr/>
+            </a:pPr>
+            <a:fld id="{56039845-206E-4D43-9E5F-DD43C0647861}" type="slidenum">
+              <a:rPr lang="en-US" smtClean="0"/>
+              <a:pPr>
+                <a:defRPr/>
+              </a:pPr>
+              <a:t>16</a:t>
+            </a:fld>
+            <a:endParaRPr lang="en-US" dirty="0"/>
+          </a:p>
+        </p:txBody>
+      </p:sp>
+      <p:sp>
+        <p:nvSpPr>
+          <p:cNvPr id="7" name="TextBox 6"/>
+          <p:cNvSpPr txBox="1"/>
+          <p:nvPr/>
+        </p:nvSpPr>
+        <p:spPr>
+          <a:xfrm>
+            <a:off x="5715000" y="3863181"/>
+            <a:ext cx="304800" cy="381000"/>
+          </a:xfrm>
+          <a:prstGeom prst="rect">
+            <a:avLst/>
+          </a:prstGeom>
+          <a:noFill/>
+        </p:spPr>
+        <p:txBody>
+          <a:bodyPr wrap="square" rtlCol="0">
+            <a:spAutoFit/>
+          </a:bodyPr>
+          <a:lstStyle/>
+          <a:p>
+            <a:r>
+              <a:rPr lang="en-US" dirty="0" smtClean="0"/>
+              <a:t>1</a:t>
+            </a:r>
+            <a:endParaRPr lang="en-US" dirty="0"/>
+          </a:p>
+        </p:txBody>
+      </p:sp>
+      <p:sp>
+        <p:nvSpPr>
+          <p:cNvPr id="8" name="TextBox 7"/>
+          <p:cNvSpPr txBox="1"/>
+          <p:nvPr/>
+        </p:nvSpPr>
+        <p:spPr>
+          <a:xfrm>
+            <a:off x="7391400" y="4419600"/>
+            <a:ext cx="533400" cy="369332"/>
+          </a:xfrm>
+          <a:prstGeom prst="rect">
+            <a:avLst/>
+          </a:prstGeom>
+          <a:noFill/>
+        </p:spPr>
+        <p:txBody>
+          <a:bodyPr wrap="square" rtlCol="0">
+            <a:spAutoFit/>
+          </a:bodyPr>
+          <a:lstStyle/>
+          <a:p>
+            <a:r>
+              <a:rPr lang="en-US" dirty="0" smtClean="0"/>
+              <a:t>2</a:t>
+            </a:r>
+            <a:endParaRPr lang="en-US" dirty="0"/>
+          </a:p>
+        </p:txBody>
+      </p:sp>
+      <p:sp>
+        <p:nvSpPr>
+          <p:cNvPr id="9" name="TextBox 8"/>
+          <p:cNvSpPr txBox="1"/>
+          <p:nvPr/>
+        </p:nvSpPr>
+        <p:spPr>
+          <a:xfrm>
+            <a:off x="5715000" y="2569288"/>
+            <a:ext cx="304800" cy="381000"/>
+          </a:xfrm>
+          <a:prstGeom prst="rect">
+            <a:avLst/>
+          </a:prstGeom>
+          <a:noFill/>
+        </p:spPr>
+        <p:txBody>
+          <a:bodyPr wrap="square" rtlCol="0">
+            <a:spAutoFit/>
+          </a:bodyPr>
+          <a:lstStyle/>
+          <a:p>
+            <a:r>
+              <a:rPr lang="en-US" dirty="0" smtClean="0"/>
+              <a:t>3</a:t>
+            </a:r>
+            <a:endParaRPr lang="en-US" dirty="0"/>
+          </a:p>
+        </p:txBody>
+      </p:sp>
+      <p:cxnSp>
+        <p:nvCxnSpPr>
+          <p:cNvPr id="11" name="Straight Connector 10"/>
+          <p:cNvCxnSpPr/>
+          <p:nvPr/>
+        </p:nvCxnSpPr>
+        <p:spPr>
+          <a:xfrm>
+            <a:off x="4572000" y="2942772"/>
+            <a:ext cx="4191000" cy="0"/>
+          </a:xfrm>
+          <a:prstGeom prst="line">
+            <a:avLst/>
+          </a:prstGeom>
+          <a:ln w="25400" cap="sq">
+            <a:prstDash val="solid"/>
+          </a:ln>
+        </p:spPr>
+        <p:style>
+          <a:lnRef idx="1">
+            <a:schemeClr val="dk1"/>
+          </a:lnRef>
+          <a:fillRef idx="0">
+            <a:schemeClr val="dk1"/>
+          </a:fillRef>
+          <a:effectRef idx="0">
+            <a:schemeClr val="dk1"/>
+          </a:effectRef>
+          <a:fontRef idx="minor">
+            <a:schemeClr val="tx1"/>
+          </a:fontRef>
+        </p:style>
+      </p:cxnSp>
+      <p:sp>
+        <p:nvSpPr>
+          <p:cNvPr id="14" name="TextBox 13"/>
+          <p:cNvSpPr txBox="1"/>
+          <p:nvPr/>
+        </p:nvSpPr>
+        <p:spPr>
+          <a:xfrm>
+            <a:off x="8077200" y="2950288"/>
+            <a:ext cx="974958" cy="400110"/>
+          </a:xfrm>
+          <a:prstGeom prst="rect">
+            <a:avLst/>
+          </a:prstGeom>
+          <a:noFill/>
+        </p:spPr>
+        <p:txBody>
+          <a:bodyPr wrap="square" rtlCol="0">
+            <a:spAutoFit/>
+          </a:bodyPr>
+          <a:lstStyle/>
+          <a:p>
+            <a:pPr algn="ctr"/>
+            <a:r>
+              <a:rPr lang="en-US" sz="1000" dirty="0"/>
+              <a:t>underground </a:t>
+            </a:r>
+            <a:r>
+              <a:rPr lang="en-US" sz="1000" dirty="0" smtClean="0"/>
+              <a:t>container line</a:t>
+            </a:r>
+            <a:endParaRPr lang="en-US" sz="1000" dirty="0"/>
+          </a:p>
+        </p:txBody>
+      </p:sp>
+    </p:spTree>
+    <p:extLst>
+      <p:ext uri="{BB962C8B-B14F-4D97-AF65-F5344CB8AC3E}">
+        <p14:creationId xmlns:p14="http://schemas.microsoft.com/office/powerpoint/2010/main" val="408936182"/>
+      </p:ext>
+    </p:extLst>
+  </p:cSld>
+  <p:clrMapOvr>
+    <a:masterClrMapping/>
+  </p:clrMapOvr>
+  <p:timing>
+    <p:tnLst>
+      <p:par>
+        <p:cTn id="1" dur="indefinite" restart="never" nodeType="tmRoot"/>
+      </p:par>
+    </p:tnLst>
+  </p:timing>
+</p:sld>
+</file>
+
+<file path=ppt/slides/slide17.xml><?xml version="1.0" encoding="utf-8"?>
+<p:sld xmlns:a="http://schemas.openxmlformats.org/drawingml/2006/main" xmlns:r="http://schemas.openxmlformats.org/officeDocument/2006/relationships" xmlns:p="http://schemas.openxmlformats.org/presentationml/2006/main">
+  <p:cSld>
+    <p:spTree>
+      <p:nvGrpSpPr>
+        <p:cNvPr id="1" name=""/>
+        <p:cNvGrpSpPr/>
+        <p:nvPr/>
+      </p:nvGrpSpPr>
+      <p:grpSpPr>
+        <a:xfrm>
+          <a:off x="0" y="0"/>
+          <a:ext cx="0" cy="0"/>
+          <a:chOff x="0" y="0"/>
+          <a:chExt cx="0" cy="0"/>
+        </a:xfrm>
+      </p:grpSpPr>
+      <p:sp>
+        <p:nvSpPr>
+          <p:cNvPr id="2" name="Title 1"/>
+          <p:cNvSpPr>
+            <a:spLocks noGrp="1"/>
+          </p:cNvSpPr>
+          <p:nvPr>
+            <p:ph type="title"/>
+          </p:nvPr>
+        </p:nvSpPr>
+        <p:spPr/>
+        <p:txBody>
+          <a:bodyPr/>
+          <a:lstStyle/>
+          <a:p>
+            <a:r>
+              <a:rPr lang="en-US" dirty="0" smtClean="0"/>
+              <a:t>Gas Cycle</a:t>
+            </a:r>
+            <a:endParaRPr lang="en-US" dirty="0"/>
+          </a:p>
+        </p:txBody>
+      </p:sp>
+      <mc:AlternateContent xmlns:mc="http://schemas.openxmlformats.org/markup-compatibility/2006" xmlns:a14="http://schemas.microsoft.com/office/drawing/2010/main">
+        <mc:Choice Requires="a14">
+          <p:sp>
+            <p:nvSpPr>
+              <p:cNvPr id="3" name="Content Placeholder 2"/>
+              <p:cNvSpPr>
+                <a:spLocks noGrp="1"/>
+              </p:cNvSpPr>
+              <p:nvPr>
+                <p:ph sz="half" idx="1"/>
+              </p:nvPr>
+            </p:nvSpPr>
+            <p:spPr>
+              <a:xfrm>
+                <a:off x="457200" y="1219200"/>
+                <a:ext cx="4038600" cy="4906963"/>
+              </a:xfrm>
+            </p:spPr>
+            <p:txBody>
+              <a:bodyPr/>
+              <a:lstStyle/>
+              <a:p>
+                <a:r>
+                  <a:rPr lang="en-US" sz="2500" dirty="0" smtClean="0"/>
+                  <a:t>What </a:t>
+                </a:r>
+                <a:r>
+                  <a:rPr lang="en-US" sz="2500" dirty="0" err="1" smtClean="0"/>
+                  <a:t>wwe</a:t>
+                </a:r>
+                <a:r>
+                  <a:rPr lang="en-US" sz="2500" dirty="0" smtClean="0"/>
+                  <a:t> known?</a:t>
+                </a:r>
+              </a:p>
+              <a:p>
+                <a:r>
+                  <a:rPr lang="en-US" sz="2500" dirty="0" smtClean="0"/>
+                  <a:t>Efficiency </a:t>
+                </a:r>
+                <a14:m>
+                  <m:oMath xmlns:m="http://schemas.openxmlformats.org/officeDocument/2006/math">
+                    <m:r>
+                      <m:rPr>
+                        <m:sty m:val="p"/>
+                      </m:rPr>
+                      <a:rPr lang="el-GR" sz="2500" b="0" i="1" smtClean="0">
+                        <a:latin typeface="Cambria Math" panose="02040503050406030204" pitchFamily="18" charset="0"/>
+                        <a:ea typeface="Cambria Math" panose="02040503050406030204" pitchFamily="18" charset="0"/>
+                      </a:rPr>
+                      <m:t>η</m:t>
+                    </m:r>
+                    <m:r>
+                      <a:rPr lang="en-US" sz="2500" b="0" i="1" smtClean="0">
+                        <a:latin typeface="Cambria Math" panose="02040503050406030204" pitchFamily="18" charset="0"/>
+                        <a:ea typeface="Cambria Math" panose="02040503050406030204" pitchFamily="18" charset="0"/>
+                      </a:rPr>
+                      <m:t>=30%</m:t>
+                    </m:r>
+                  </m:oMath>
+                </a14:m>
+                <a:endParaRPr lang="en-US" sz="2500" dirty="0" smtClean="0"/>
+              </a:p>
+              <a:p>
+                <a:pPr marL="0" indent="0">
+                  <a:buNone/>
+                </a:pPr>
+                <a:endParaRPr lang="en-US" sz="2500" dirty="0" smtClean="0"/>
+              </a:p>
+              <a:p>
+                <a:pPr marL="0" indent="0">
+                  <a:buNone/>
+                </a:pPr>
+                <a14:m>
+                  <m:oMathPara xmlns:m="http://schemas.openxmlformats.org/officeDocument/2006/math">
+                    <m:oMathParaPr>
+                      <m:jc m:val="centerGroup"/>
+                    </m:oMathParaPr>
+                    <m:oMath xmlns:m="http://schemas.openxmlformats.org/officeDocument/2006/math">
+                      <m:r>
+                        <m:rPr>
+                          <m:sty m:val="p"/>
+                        </m:rPr>
+                        <a:rPr lang="el-GR" sz="1800" i="1" smtClean="0">
+                          <a:latin typeface="Cambria Math" panose="02040503050406030204" pitchFamily="18" charset="0"/>
+                          <a:ea typeface="Cambria Math" panose="02040503050406030204" pitchFamily="18" charset="0"/>
+                        </a:rPr>
+                        <m:t>η</m:t>
+                      </m:r>
+                      <m:r>
+                        <a:rPr lang="en-US" sz="1800" b="0" i="1" smtClean="0">
+                          <a:latin typeface="Cambria Math" panose="02040503050406030204" pitchFamily="18" charset="0"/>
+                          <a:ea typeface="Cambria Math" panose="02040503050406030204" pitchFamily="18" charset="0"/>
+                        </a:rPr>
+                        <m:t>=</m:t>
+                      </m:r>
+                      <m:d>
+                        <m:dPr>
+                          <m:begChr m:val="["/>
+                          <m:endChr m:val="]"/>
+                          <m:ctrlPr>
+                            <a:rPr lang="en-US" sz="1800" b="0" i="1" smtClean="0">
+                              <a:latin typeface="Cambria Math" panose="02040503050406030204" pitchFamily="18" charset="0"/>
+                              <a:ea typeface="Cambria Math" panose="02040503050406030204" pitchFamily="18" charset="0"/>
+                            </a:rPr>
+                          </m:ctrlPr>
+                        </m:dPr>
+                        <m:e>
+                          <m:r>
+                            <a:rPr lang="en-US" sz="1800" b="0" i="1" smtClean="0">
+                              <a:latin typeface="Cambria Math" panose="02040503050406030204" pitchFamily="18" charset="0"/>
+                              <a:ea typeface="Cambria Math" panose="02040503050406030204" pitchFamily="18" charset="0"/>
+                            </a:rPr>
+                            <m:t>1−</m:t>
+                          </m:r>
+                          <m:f>
+                            <m:fPr>
+                              <m:ctrlPr>
+                                <a:rPr lang="en-US" sz="1800" b="0" i="1" smtClean="0">
+                                  <a:latin typeface="Cambria Math" panose="02040503050406030204" pitchFamily="18" charset="0"/>
+                                  <a:ea typeface="Cambria Math" panose="02040503050406030204" pitchFamily="18" charset="0"/>
+                                </a:rPr>
+                              </m:ctrlPr>
+                            </m:fPr>
+                            <m:num>
+                              <m:r>
+                                <a:rPr lang="en-US" sz="1800" b="0" i="1" smtClean="0">
+                                  <a:latin typeface="Cambria Math" panose="02040503050406030204" pitchFamily="18" charset="0"/>
+                                  <a:ea typeface="Cambria Math" panose="02040503050406030204" pitchFamily="18" charset="0"/>
+                                </a:rPr>
+                                <m:t>1</m:t>
+                              </m:r>
+                            </m:num>
+                            <m:den>
+                              <m:sSup>
+                                <m:sSupPr>
+                                  <m:ctrlPr>
+                                    <a:rPr lang="en-US" sz="1800" b="0" i="1" smtClean="0">
+                                      <a:latin typeface="Cambria Math" panose="02040503050406030204" pitchFamily="18" charset="0"/>
+                                      <a:ea typeface="Cambria Math" panose="02040503050406030204" pitchFamily="18" charset="0"/>
+                                    </a:rPr>
+                                  </m:ctrlPr>
+                                </m:sSupPr>
+                                <m:e>
+                                  <m:d>
+                                    <m:dPr>
+                                      <m:ctrlPr>
+                                        <a:rPr lang="en-US" sz="1800" b="0" i="1" smtClean="0">
+                                          <a:latin typeface="Cambria Math" panose="02040503050406030204" pitchFamily="18" charset="0"/>
+                                          <a:ea typeface="Cambria Math" panose="02040503050406030204" pitchFamily="18" charset="0"/>
+                                        </a:rPr>
+                                      </m:ctrlPr>
+                                    </m:dPr>
+                                    <m:e>
+                                      <m:sSub>
+                                        <m:sSubPr>
+                                          <m:ctrlPr>
+                                            <a:rPr lang="en-US" sz="1800" b="0" i="1" smtClean="0">
+                                              <a:latin typeface="Cambria Math" panose="02040503050406030204" pitchFamily="18" charset="0"/>
+                                              <a:ea typeface="Cambria Math" panose="02040503050406030204" pitchFamily="18" charset="0"/>
+                                            </a:rPr>
+                                          </m:ctrlPr>
+                                        </m:sSubPr>
+                                        <m:e>
+                                          <m:r>
+                                            <a:rPr lang="en-US" sz="1800" b="0" i="1" smtClean="0">
+                                              <a:latin typeface="Cambria Math" panose="02040503050406030204" pitchFamily="18" charset="0"/>
+                                              <a:ea typeface="Cambria Math" panose="02040503050406030204" pitchFamily="18" charset="0"/>
+                                            </a:rPr>
+                                            <m:t>𝑟</m:t>
+                                          </m:r>
+                                        </m:e>
+                                        <m:sub>
+                                          <m:r>
+                                            <a:rPr lang="en-US" sz="1800" b="0" i="1" smtClean="0">
+                                              <a:latin typeface="Cambria Math" panose="02040503050406030204" pitchFamily="18" charset="0"/>
+                                              <a:ea typeface="Cambria Math" panose="02040503050406030204" pitchFamily="18" charset="0"/>
+                                            </a:rPr>
+                                            <m:t>𝑝</m:t>
+                                          </m:r>
+                                        </m:sub>
+                                      </m:sSub>
+                                    </m:e>
+                                  </m:d>
+                                </m:e>
+                                <m:sup>
+                                  <m:r>
+                                    <a:rPr lang="en-US" sz="1800" b="0" i="1" smtClean="0">
+                                      <a:latin typeface="Cambria Math" panose="02040503050406030204" pitchFamily="18" charset="0"/>
+                                      <a:ea typeface="Cambria Math" panose="02040503050406030204" pitchFamily="18" charset="0"/>
+                                    </a:rPr>
+                                    <m:t>𝛾</m:t>
+                                  </m:r>
+                                  <m:r>
+                                    <a:rPr lang="en-US" sz="1800" b="0" i="1" smtClean="0">
+                                      <a:latin typeface="Cambria Math" panose="02040503050406030204" pitchFamily="18" charset="0"/>
+                                      <a:ea typeface="Cambria Math" panose="02040503050406030204" pitchFamily="18" charset="0"/>
+                                    </a:rPr>
+                                    <m:t>−</m:t>
+                                  </m:r>
+                                  <m:f>
+                                    <m:fPr>
+                                      <m:ctrlPr>
+                                        <a:rPr lang="en-US" sz="1800" b="0" i="1" smtClean="0">
+                                          <a:latin typeface="Cambria Math" panose="02040503050406030204" pitchFamily="18" charset="0"/>
+                                          <a:ea typeface="Cambria Math" panose="02040503050406030204" pitchFamily="18" charset="0"/>
+                                        </a:rPr>
+                                      </m:ctrlPr>
+                                    </m:fPr>
+                                    <m:num>
+                                      <m:r>
+                                        <a:rPr lang="en-US" sz="1800" b="0" i="1" smtClean="0">
+                                          <a:latin typeface="Cambria Math" panose="02040503050406030204" pitchFamily="18" charset="0"/>
+                                          <a:ea typeface="Cambria Math" panose="02040503050406030204" pitchFamily="18" charset="0"/>
+                                        </a:rPr>
+                                        <m:t>1</m:t>
+                                      </m:r>
+                                    </m:num>
+                                    <m:den>
+                                      <m:r>
+                                        <a:rPr lang="en-US" sz="1800" b="0" i="1" smtClean="0">
+                                          <a:latin typeface="Cambria Math" panose="02040503050406030204" pitchFamily="18" charset="0"/>
+                                          <a:ea typeface="Cambria Math" panose="02040503050406030204" pitchFamily="18" charset="0"/>
+                                        </a:rPr>
+                                        <m:t>𝛾</m:t>
+                                      </m:r>
+                                    </m:den>
+                                  </m:f>
+                                </m:sup>
+                              </m:sSup>
+                            </m:den>
+                          </m:f>
+                        </m:e>
+                      </m:d>
+                      <m:r>
+                        <a:rPr lang="en-US" sz="1800" i="1">
+                          <a:latin typeface="Cambria Math" panose="02040503050406030204" pitchFamily="18" charset="0"/>
+                          <a:ea typeface="Cambria Math" panose="02040503050406030204" pitchFamily="18" charset="0"/>
+                        </a:rPr>
+                        <m:t>=</m:t>
+                      </m:r>
+                      <m:f>
+                        <m:fPr>
+                          <m:ctrlPr>
+                            <a:rPr lang="en-US" sz="1800" i="1">
+                              <a:latin typeface="Cambria Math" panose="02040503050406030204" pitchFamily="18" charset="0"/>
+                              <a:ea typeface="Cambria Math" panose="02040503050406030204" pitchFamily="18" charset="0"/>
+                            </a:rPr>
+                          </m:ctrlPr>
+                        </m:fPr>
+                        <m:num>
+                          <m:sSub>
+                            <m:sSubPr>
+                              <m:ctrlPr>
+                                <a:rPr lang="en-US" sz="1800" i="1" smtClean="0">
+                                  <a:latin typeface="Cambria Math" panose="02040503050406030204" pitchFamily="18" charset="0"/>
+                                  <a:ea typeface="Cambria Math" panose="02040503050406030204" pitchFamily="18" charset="0"/>
+                                </a:rPr>
+                              </m:ctrlPr>
+                            </m:sSubPr>
+                            <m:e>
+                              <m:acc>
+                                <m:accPr>
+                                  <m:chr m:val="̇"/>
+                                  <m:ctrlPr>
+                                    <a:rPr lang="en-US" sz="1800" i="1" smtClean="0">
+                                      <a:latin typeface="Cambria Math" panose="02040503050406030204" pitchFamily="18" charset="0"/>
+                                      <a:ea typeface="Cambria Math" panose="02040503050406030204" pitchFamily="18" charset="0"/>
+                                    </a:rPr>
+                                  </m:ctrlPr>
+                                </m:accPr>
+                                <m:e>
+                                  <m:r>
+                                    <a:rPr lang="en-US" sz="1800" b="0" i="1" smtClean="0">
+                                      <a:latin typeface="Cambria Math" panose="02040503050406030204" pitchFamily="18" charset="0"/>
+                                      <a:ea typeface="Cambria Math" panose="02040503050406030204" pitchFamily="18" charset="0"/>
+                                    </a:rPr>
+                                    <m:t>𝑊</m:t>
+                                  </m:r>
+                                </m:e>
+                              </m:acc>
+                            </m:e>
+                            <m:sub>
+                              <m:r>
+                                <a:rPr lang="en-US" sz="1800" b="0" i="1" smtClean="0">
+                                  <a:latin typeface="Cambria Math" panose="02040503050406030204" pitchFamily="18" charset="0"/>
+                                  <a:ea typeface="Cambria Math" panose="02040503050406030204" pitchFamily="18" charset="0"/>
+                                </a:rPr>
+                                <m:t>𝑇</m:t>
+                              </m:r>
+                            </m:sub>
+                          </m:sSub>
+                          <m:r>
+                            <a:rPr lang="en-US" sz="1800" b="0" i="1" smtClean="0">
+                              <a:latin typeface="Cambria Math" panose="02040503050406030204" pitchFamily="18" charset="0"/>
+                              <a:ea typeface="Cambria Math" panose="02040503050406030204" pitchFamily="18" charset="0"/>
+                            </a:rPr>
+                            <m:t>−</m:t>
+                          </m:r>
+                          <m:sSub>
+                            <m:sSubPr>
+                              <m:ctrlPr>
+                                <a:rPr lang="en-US" sz="1800" i="1">
+                                  <a:latin typeface="Cambria Math" panose="02040503050406030204" pitchFamily="18" charset="0"/>
+                                  <a:ea typeface="Cambria Math" panose="02040503050406030204" pitchFamily="18" charset="0"/>
+                                </a:rPr>
+                              </m:ctrlPr>
+                            </m:sSubPr>
+                            <m:e>
+                              <m:acc>
+                                <m:accPr>
+                                  <m:chr m:val="̇"/>
+                                  <m:ctrlPr>
+                                    <a:rPr lang="en-US" sz="1800" i="1">
+                                      <a:latin typeface="Cambria Math" panose="02040503050406030204" pitchFamily="18" charset="0"/>
+                                      <a:ea typeface="Cambria Math" panose="02040503050406030204" pitchFamily="18" charset="0"/>
+                                    </a:rPr>
+                                  </m:ctrlPr>
+                                </m:accPr>
+                                <m:e>
+                                  <m:r>
+                                    <a:rPr lang="en-US" sz="1800" i="1">
+                                      <a:latin typeface="Cambria Math" panose="02040503050406030204" pitchFamily="18" charset="0"/>
+                                      <a:ea typeface="Cambria Math" panose="02040503050406030204" pitchFamily="18" charset="0"/>
+                                    </a:rPr>
+                                    <m:t>𝑊</m:t>
+                                  </m:r>
+                                </m:e>
+                              </m:acc>
+                            </m:e>
+                            <m:sub>
+                              <m:r>
+                                <a:rPr lang="en-US" sz="1800" b="0" i="1" smtClean="0">
+                                  <a:latin typeface="Cambria Math" panose="02040503050406030204" pitchFamily="18" charset="0"/>
+                                  <a:ea typeface="Cambria Math" panose="02040503050406030204" pitchFamily="18" charset="0"/>
+                                </a:rPr>
+                                <m:t>𝐶</m:t>
+                              </m:r>
+                            </m:sub>
+                          </m:sSub>
+                        </m:num>
+                        <m:den>
+                          <m:sSub>
+                            <m:sSubPr>
+                              <m:ctrlPr>
+                                <a:rPr lang="en-US" sz="1800" i="1">
+                                  <a:latin typeface="Cambria Math" panose="02040503050406030204" pitchFamily="18" charset="0"/>
+                                  <a:ea typeface="Cambria Math" panose="02040503050406030204" pitchFamily="18" charset="0"/>
+                                </a:rPr>
+                              </m:ctrlPr>
+                            </m:sSubPr>
+                            <m:e>
+                              <m:r>
+                                <a:rPr lang="en-US" sz="1800" i="1">
+                                  <a:latin typeface="Cambria Math" panose="02040503050406030204" pitchFamily="18" charset="0"/>
+                                  <a:ea typeface="Cambria Math" panose="02040503050406030204" pitchFamily="18" charset="0"/>
+                                </a:rPr>
+                                <m:t>𝑄</m:t>
+                              </m:r>
+                            </m:e>
+                            <m:sub>
+                              <m:r>
+                                <a:rPr lang="en-US" sz="1800" i="1">
+                                  <a:latin typeface="Cambria Math" panose="02040503050406030204" pitchFamily="18" charset="0"/>
+                                  <a:ea typeface="Cambria Math" panose="02040503050406030204" pitchFamily="18" charset="0"/>
+                                </a:rPr>
+                                <m:t>𝑜𝑢𝑡</m:t>
+                              </m:r>
+                            </m:sub>
+                          </m:sSub>
+                        </m:den>
+                      </m:f>
+                    </m:oMath>
+                  </m:oMathPara>
+                </a14:m>
+                <a:endParaRPr lang="en-US" sz="1800" b="0" dirty="0" smtClean="0">
+                  <a:ea typeface="Cambria Math" panose="02040503050406030204" pitchFamily="18" charset="0"/>
+                </a:endParaRPr>
+              </a:p>
+              <a:p>
+                <a:pPr marL="0" indent="0">
+                  <a:buNone/>
+                </a:pPr>
+                <a14:m>
+                  <m:oMathPara xmlns:m="http://schemas.openxmlformats.org/officeDocument/2006/math">
+                    <m:oMathParaPr>
+                      <m:jc m:val="center"/>
+                    </m:oMathParaPr>
+                    <m:oMath xmlns:m="http://schemas.openxmlformats.org/officeDocument/2006/math">
+                      <m:sSub>
+                        <m:sSubPr>
+                          <m:ctrlPr>
+                            <a:rPr lang="en-US" sz="1800" b="0" i="1" smtClean="0">
+                              <a:latin typeface="Cambria Math" panose="02040503050406030204" pitchFamily="18" charset="0"/>
+                              <a:ea typeface="Cambria Math" panose="02040503050406030204" pitchFamily="18" charset="0"/>
+                            </a:rPr>
+                          </m:ctrlPr>
+                        </m:sSubPr>
+                        <m:e>
+                          <m:r>
+                            <a:rPr lang="en-US" sz="1800" b="0" i="1" smtClean="0">
+                              <a:latin typeface="Cambria Math" panose="02040503050406030204" pitchFamily="18" charset="0"/>
+                              <a:ea typeface="Cambria Math" panose="02040503050406030204" pitchFamily="18" charset="0"/>
+                            </a:rPr>
+                            <m:t>𝑟</m:t>
+                          </m:r>
+                        </m:e>
+                        <m:sub>
+                          <m:r>
+                            <a:rPr lang="en-US" sz="1800" b="0" i="1" smtClean="0">
+                              <a:latin typeface="Cambria Math" panose="02040503050406030204" pitchFamily="18" charset="0"/>
+                              <a:ea typeface="Cambria Math" panose="02040503050406030204" pitchFamily="18" charset="0"/>
+                            </a:rPr>
+                            <m:t>𝑝</m:t>
+                          </m:r>
+                          <m:r>
+                            <a:rPr lang="en-US" sz="1800" b="0" i="1" smtClean="0">
+                              <a:latin typeface="Cambria Math" panose="02040503050406030204" pitchFamily="18" charset="0"/>
+                              <a:ea typeface="Cambria Math" panose="02040503050406030204" pitchFamily="18" charset="0"/>
+                            </a:rPr>
+                            <m:t>=</m:t>
+                          </m:r>
+                          <m:f>
+                            <m:fPr>
+                              <m:ctrlPr>
+                                <a:rPr lang="en-US" sz="1800" b="0" i="1" smtClean="0">
+                                  <a:latin typeface="Cambria Math" panose="02040503050406030204" pitchFamily="18" charset="0"/>
+                                  <a:ea typeface="Cambria Math" panose="02040503050406030204" pitchFamily="18" charset="0"/>
+                                </a:rPr>
+                              </m:ctrlPr>
+                            </m:fPr>
+                            <m:num>
+                              <m:sSub>
+                                <m:sSubPr>
+                                  <m:ctrlPr>
+                                    <a:rPr lang="en-US" sz="1800" b="0" i="1" smtClean="0">
+                                      <a:latin typeface="Cambria Math" panose="02040503050406030204" pitchFamily="18" charset="0"/>
+                                      <a:ea typeface="Cambria Math" panose="02040503050406030204" pitchFamily="18" charset="0"/>
+                                    </a:rPr>
+                                  </m:ctrlPr>
+                                </m:sSubPr>
+                                <m:e>
+                                  <m:r>
+                                    <a:rPr lang="en-US" sz="1800" b="0" i="1" smtClean="0">
+                                      <a:latin typeface="Cambria Math" panose="02040503050406030204" pitchFamily="18" charset="0"/>
+                                      <a:ea typeface="Cambria Math" panose="02040503050406030204" pitchFamily="18" charset="0"/>
+                                    </a:rPr>
+                                    <m:t>𝑝</m:t>
+                                  </m:r>
+                                </m:e>
+                                <m:sub>
+                                  <m:r>
+                                    <a:rPr lang="en-US" sz="1800" b="0" i="1" smtClean="0">
+                                      <a:latin typeface="Cambria Math" panose="02040503050406030204" pitchFamily="18" charset="0"/>
+                                      <a:ea typeface="Cambria Math" panose="02040503050406030204" pitchFamily="18" charset="0"/>
+                                    </a:rPr>
+                                    <m:t>3</m:t>
+                                  </m:r>
+                                </m:sub>
+                              </m:sSub>
+                            </m:num>
+                            <m:den>
+                              <m:sSub>
+                                <m:sSubPr>
+                                  <m:ctrlPr>
+                                    <a:rPr lang="en-US" sz="1800" b="0" i="1" smtClean="0">
+                                      <a:latin typeface="Cambria Math" panose="02040503050406030204" pitchFamily="18" charset="0"/>
+                                      <a:ea typeface="Cambria Math" panose="02040503050406030204" pitchFamily="18" charset="0"/>
+                                    </a:rPr>
+                                  </m:ctrlPr>
+                                </m:sSubPr>
+                                <m:e>
+                                  <m:r>
+                                    <a:rPr lang="en-US" sz="1800" b="0" i="1" smtClean="0">
+                                      <a:latin typeface="Cambria Math" panose="02040503050406030204" pitchFamily="18" charset="0"/>
+                                      <a:ea typeface="Cambria Math" panose="02040503050406030204" pitchFamily="18" charset="0"/>
+                                    </a:rPr>
+                                    <m:t>𝑝</m:t>
+                                  </m:r>
+                                </m:e>
+                                <m:sub>
+                                  <m:r>
+                                    <a:rPr lang="en-US" sz="1800" b="0" i="1" smtClean="0">
+                                      <a:latin typeface="Cambria Math" panose="02040503050406030204" pitchFamily="18" charset="0"/>
+                                      <a:ea typeface="Cambria Math" panose="02040503050406030204" pitchFamily="18" charset="0"/>
+                                    </a:rPr>
+                                    <m:t>4</m:t>
+                                  </m:r>
+                                </m:sub>
+                              </m:sSub>
+                            </m:den>
+                          </m:f>
+                          <m:r>
+                            <a:rPr lang="en-US" sz="1800" b="0" i="1" smtClean="0">
+                              <a:latin typeface="Cambria Math" panose="02040503050406030204" pitchFamily="18" charset="0"/>
+                              <a:ea typeface="Cambria Math" panose="02040503050406030204" pitchFamily="18" charset="0"/>
+                            </a:rPr>
+                            <m:t>=</m:t>
+                          </m:r>
+                          <m:f>
+                            <m:fPr>
+                              <m:ctrlPr>
+                                <a:rPr lang="en-US" sz="1800" i="1">
+                                  <a:latin typeface="Cambria Math" panose="02040503050406030204" pitchFamily="18" charset="0"/>
+                                  <a:ea typeface="Cambria Math" panose="02040503050406030204" pitchFamily="18" charset="0"/>
+                                </a:rPr>
+                              </m:ctrlPr>
+                            </m:fPr>
+                            <m:num>
+                              <m:sSub>
+                                <m:sSubPr>
+                                  <m:ctrlPr>
+                                    <a:rPr lang="en-US" sz="1800" i="1">
+                                      <a:latin typeface="Cambria Math" panose="02040503050406030204" pitchFamily="18" charset="0"/>
+                                      <a:ea typeface="Cambria Math" panose="02040503050406030204" pitchFamily="18" charset="0"/>
+                                    </a:rPr>
+                                  </m:ctrlPr>
+                                </m:sSubPr>
+                                <m:e>
+                                  <m:r>
+                                    <a:rPr lang="en-US" sz="1800" i="1">
+                                      <a:latin typeface="Cambria Math" panose="02040503050406030204" pitchFamily="18" charset="0"/>
+                                      <a:ea typeface="Cambria Math" panose="02040503050406030204" pitchFamily="18" charset="0"/>
+                                    </a:rPr>
+                                    <m:t>𝑝</m:t>
+                                  </m:r>
+                                </m:e>
+                                <m:sub>
+                                  <m:r>
+                                    <a:rPr lang="en-US" sz="1800" b="0" i="1" smtClean="0">
+                                      <a:latin typeface="Cambria Math" panose="02040503050406030204" pitchFamily="18" charset="0"/>
+                                      <a:ea typeface="Cambria Math" panose="02040503050406030204" pitchFamily="18" charset="0"/>
+                                    </a:rPr>
+                                    <m:t>2</m:t>
+                                  </m:r>
+                                </m:sub>
+                              </m:sSub>
+                            </m:num>
+                            <m:den>
+                              <m:sSub>
+                                <m:sSubPr>
+                                  <m:ctrlPr>
+                                    <a:rPr lang="en-US" sz="1800" i="1">
+                                      <a:latin typeface="Cambria Math" panose="02040503050406030204" pitchFamily="18" charset="0"/>
+                                      <a:ea typeface="Cambria Math" panose="02040503050406030204" pitchFamily="18" charset="0"/>
+                                    </a:rPr>
+                                  </m:ctrlPr>
+                                </m:sSubPr>
+                                <m:e>
+                                  <m:r>
+                                    <a:rPr lang="en-US" sz="1800" i="1">
+                                      <a:latin typeface="Cambria Math" panose="02040503050406030204" pitchFamily="18" charset="0"/>
+                                      <a:ea typeface="Cambria Math" panose="02040503050406030204" pitchFamily="18" charset="0"/>
+                                    </a:rPr>
+                                    <m:t>𝑝</m:t>
+                                  </m:r>
+                                </m:e>
+                                <m:sub>
+                                  <m:r>
+                                    <a:rPr lang="en-US" sz="1800" b="0" i="1" smtClean="0">
+                                      <a:latin typeface="Cambria Math" panose="02040503050406030204" pitchFamily="18" charset="0"/>
+                                      <a:ea typeface="Cambria Math" panose="02040503050406030204" pitchFamily="18" charset="0"/>
+                                    </a:rPr>
+                                    <m:t>1</m:t>
+                                  </m:r>
+                                </m:sub>
+                              </m:sSub>
+                            </m:den>
+                          </m:f>
+                          <m:r>
+                            <a:rPr lang="en-US" sz="1800" b="0" i="1" smtClean="0">
+                              <a:latin typeface="Cambria Math" panose="02040503050406030204" pitchFamily="18" charset="0"/>
+                              <a:ea typeface="Cambria Math" panose="02040503050406030204" pitchFamily="18" charset="0"/>
+                            </a:rPr>
+                            <m:t>; </m:t>
+                          </m:r>
+                          <m:r>
+                            <a:rPr lang="en-US" sz="1800" b="0" i="1" smtClean="0">
+                              <a:latin typeface="Cambria Math" panose="02040503050406030204" pitchFamily="18" charset="0"/>
+                              <a:ea typeface="Cambria Math" panose="02040503050406030204" pitchFamily="18" charset="0"/>
+                            </a:rPr>
+                            <m:t>𝛾</m:t>
+                          </m:r>
+                          <m:r>
+                            <a:rPr lang="en-US" sz="1800" b="0" i="1" smtClean="0">
+                              <a:latin typeface="Cambria Math" panose="02040503050406030204" pitchFamily="18" charset="0"/>
+                              <a:ea typeface="Cambria Math" panose="02040503050406030204" pitchFamily="18" charset="0"/>
+                            </a:rPr>
+                            <m:t>=</m:t>
+                          </m:r>
+                          <m:f>
+                            <m:fPr>
+                              <m:ctrlPr>
+                                <a:rPr lang="en-US" sz="1800" i="1">
+                                  <a:latin typeface="Cambria Math" panose="02040503050406030204" pitchFamily="18" charset="0"/>
+                                  <a:ea typeface="Cambria Math" panose="02040503050406030204" pitchFamily="18" charset="0"/>
+                                </a:rPr>
+                              </m:ctrlPr>
+                            </m:fPr>
+                            <m:num>
+                              <m:sSub>
+                                <m:sSubPr>
+                                  <m:ctrlPr>
+                                    <a:rPr lang="en-US" sz="1800" i="1">
+                                      <a:latin typeface="Cambria Math" panose="02040503050406030204" pitchFamily="18" charset="0"/>
+                                      <a:ea typeface="Cambria Math" panose="02040503050406030204" pitchFamily="18" charset="0"/>
+                                    </a:rPr>
+                                  </m:ctrlPr>
+                                </m:sSubPr>
+                                <m:e>
+                                  <m:r>
+                                    <a:rPr lang="en-US" sz="1800" b="0" i="1" smtClean="0">
+                                      <a:latin typeface="Cambria Math" panose="02040503050406030204" pitchFamily="18" charset="0"/>
+                                      <a:ea typeface="Cambria Math" panose="02040503050406030204" pitchFamily="18" charset="0"/>
+                                    </a:rPr>
+                                    <m:t>𝑐</m:t>
+                                  </m:r>
+                                </m:e>
+                                <m:sub>
+                                  <m:r>
+                                    <a:rPr lang="en-US" sz="1800" b="0" i="1" smtClean="0">
+                                      <a:latin typeface="Cambria Math" panose="02040503050406030204" pitchFamily="18" charset="0"/>
+                                      <a:ea typeface="Cambria Math" panose="02040503050406030204" pitchFamily="18" charset="0"/>
+                                    </a:rPr>
+                                    <m:t>𝑝</m:t>
+                                  </m:r>
+                                </m:sub>
+                              </m:sSub>
+                            </m:num>
+                            <m:den>
+                              <m:sSub>
+                                <m:sSubPr>
+                                  <m:ctrlPr>
+                                    <a:rPr lang="en-US" sz="1800" i="1">
+                                      <a:latin typeface="Cambria Math" panose="02040503050406030204" pitchFamily="18" charset="0"/>
+                                      <a:ea typeface="Cambria Math" panose="02040503050406030204" pitchFamily="18" charset="0"/>
+                                    </a:rPr>
+                                  </m:ctrlPr>
+                                </m:sSubPr>
+                                <m:e>
+                                  <m:r>
+                                    <a:rPr lang="en-US" sz="1800" b="0" i="1" smtClean="0">
+                                      <a:latin typeface="Cambria Math" panose="02040503050406030204" pitchFamily="18" charset="0"/>
+                                      <a:ea typeface="Cambria Math" panose="02040503050406030204" pitchFamily="18" charset="0"/>
+                                    </a:rPr>
+                                    <m:t>𝑐</m:t>
+                                  </m:r>
+                                </m:e>
+                                <m:sub>
+                                  <m:r>
+                                    <a:rPr lang="en-US" sz="1800" b="0" i="1" smtClean="0">
+                                      <a:latin typeface="Cambria Math" panose="02040503050406030204" pitchFamily="18" charset="0"/>
+                                      <a:ea typeface="Cambria Math" panose="02040503050406030204" pitchFamily="18" charset="0"/>
+                                    </a:rPr>
+                                    <m:t>𝑣</m:t>
+                                  </m:r>
+                                </m:sub>
+                              </m:sSub>
+                            </m:den>
+                          </m:f>
+                        </m:sub>
+                      </m:sSub>
+                    </m:oMath>
+                  </m:oMathPara>
+                </a14:m>
+                <a:endParaRPr lang="en-US" sz="1800" b="0" dirty="0" smtClean="0">
+                  <a:ea typeface="Cambria Math" panose="02040503050406030204" pitchFamily="18" charset="0"/>
+                </a:endParaRPr>
+              </a:p>
+              <a:p>
+                <a:pPr marL="0" indent="0">
+                  <a:buNone/>
+                </a:pPr>
+                <a:endParaRPr lang="en-US" sz="1800" dirty="0" smtClean="0">
+                  <a:ea typeface="Cambria Math" panose="02040503050406030204" pitchFamily="18" charset="0"/>
+                </a:endParaRPr>
+              </a:p>
+              <a:p>
+                <a:pPr marL="0" indent="0">
+                  <a:buNone/>
+                </a:pPr>
+                <a14:m>
+                  <m:oMathPara xmlns:m="http://schemas.openxmlformats.org/officeDocument/2006/math">
+                    <m:oMathParaPr>
+                      <m:jc m:val="centerGroup"/>
+                    </m:oMathParaPr>
+                    <m:oMath xmlns:m="http://schemas.openxmlformats.org/officeDocument/2006/math">
+                      <m:sSub>
+                        <m:sSubPr>
+                          <m:ctrlPr>
+                            <a:rPr lang="en-US" sz="1800" i="1">
+                              <a:latin typeface="Cambria Math" panose="02040503050406030204" pitchFamily="18" charset="0"/>
+                              <a:ea typeface="Cambria Math" panose="02040503050406030204" pitchFamily="18" charset="0"/>
+                            </a:rPr>
+                          </m:ctrlPr>
+                        </m:sSubPr>
+                        <m:e>
+                          <m:acc>
+                            <m:accPr>
+                              <m:chr m:val="̇"/>
+                              <m:ctrlPr>
+                                <a:rPr lang="en-US" sz="1800" i="1">
+                                  <a:latin typeface="Cambria Math" panose="02040503050406030204" pitchFamily="18" charset="0"/>
+                                  <a:ea typeface="Cambria Math" panose="02040503050406030204" pitchFamily="18" charset="0"/>
+                                </a:rPr>
+                              </m:ctrlPr>
+                            </m:accPr>
+                            <m:e>
+                              <m:r>
+                                <a:rPr lang="en-US" sz="1800" i="1">
+                                  <a:latin typeface="Cambria Math" panose="02040503050406030204" pitchFamily="18" charset="0"/>
+                                  <a:ea typeface="Cambria Math" panose="02040503050406030204" pitchFamily="18" charset="0"/>
+                                </a:rPr>
+                                <m:t>𝑊</m:t>
+                              </m:r>
+                            </m:e>
+                          </m:acc>
+                        </m:e>
+                        <m:sub>
+                          <m:r>
+                            <a:rPr lang="en-US" sz="1800" i="1">
+                              <a:latin typeface="Cambria Math" panose="02040503050406030204" pitchFamily="18" charset="0"/>
+                              <a:ea typeface="Cambria Math" panose="02040503050406030204" pitchFamily="18" charset="0"/>
+                            </a:rPr>
+                            <m:t>𝑇</m:t>
+                          </m:r>
+                        </m:sub>
+                      </m:sSub>
+                      <m:r>
+                        <a:rPr lang="en-US" sz="1800" i="1">
+                          <a:latin typeface="Cambria Math" panose="02040503050406030204" pitchFamily="18" charset="0"/>
+                          <a:ea typeface="Cambria Math" panose="02040503050406030204" pitchFamily="18" charset="0"/>
+                        </a:rPr>
+                        <m:t>=</m:t>
+                      </m:r>
+                      <m:acc>
+                        <m:accPr>
+                          <m:chr m:val="̇"/>
+                          <m:ctrlPr>
+                            <a:rPr lang="en-US" sz="1800" i="1">
+                              <a:latin typeface="Cambria Math" panose="02040503050406030204" pitchFamily="18" charset="0"/>
+                              <a:ea typeface="Cambria Math" panose="02040503050406030204" pitchFamily="18" charset="0"/>
+                            </a:rPr>
+                          </m:ctrlPr>
+                        </m:accPr>
+                        <m:e>
+                          <m:r>
+                            <a:rPr lang="en-US" sz="1800" i="1">
+                              <a:latin typeface="Cambria Math" panose="02040503050406030204" pitchFamily="18" charset="0"/>
+                              <a:ea typeface="Cambria Math" panose="02040503050406030204" pitchFamily="18" charset="0"/>
+                            </a:rPr>
+                            <m:t>𝑚</m:t>
+                          </m:r>
+                        </m:e>
+                      </m:acc>
+                      <m:sSub>
+                        <m:sSubPr>
+                          <m:ctrlPr>
+                            <a:rPr lang="en-US" sz="1800" i="1">
+                              <a:latin typeface="Cambria Math" panose="02040503050406030204" pitchFamily="18" charset="0"/>
+                              <a:ea typeface="Cambria Math" panose="02040503050406030204" pitchFamily="18" charset="0"/>
+                            </a:rPr>
+                          </m:ctrlPr>
+                        </m:sSubPr>
+                        <m:e>
+                          <m:r>
+                            <a:rPr lang="en-US" sz="1800" i="1">
+                              <a:latin typeface="Cambria Math" panose="02040503050406030204" pitchFamily="18" charset="0"/>
+                              <a:ea typeface="Cambria Math" panose="02040503050406030204" pitchFamily="18" charset="0"/>
+                            </a:rPr>
+                            <m:t>𝑐</m:t>
+                          </m:r>
+                        </m:e>
+                        <m:sub>
+                          <m:r>
+                            <a:rPr lang="en-US" sz="1800" i="1">
+                              <a:latin typeface="Cambria Math" panose="02040503050406030204" pitchFamily="18" charset="0"/>
+                              <a:ea typeface="Cambria Math" panose="02040503050406030204" pitchFamily="18" charset="0"/>
+                            </a:rPr>
+                            <m:t>𝑝</m:t>
+                          </m:r>
+                        </m:sub>
+                      </m:sSub>
+                      <m:sSub>
+                        <m:sSubPr>
+                          <m:ctrlPr>
+                            <a:rPr lang="en-US" sz="1800" i="1">
+                              <a:latin typeface="Cambria Math" panose="02040503050406030204" pitchFamily="18" charset="0"/>
+                              <a:ea typeface="Cambria Math" panose="02040503050406030204" pitchFamily="18" charset="0"/>
+                            </a:rPr>
+                          </m:ctrlPr>
+                        </m:sSubPr>
+                        <m:e>
+                          <m:r>
+                            <a:rPr lang="en-US" sz="1800" i="1">
+                              <a:latin typeface="Cambria Math" panose="02040503050406030204" pitchFamily="18" charset="0"/>
+                              <a:ea typeface="Cambria Math" panose="02040503050406030204" pitchFamily="18" charset="0"/>
+                            </a:rPr>
+                            <m:t>𝑇</m:t>
+                          </m:r>
+                        </m:e>
+                        <m:sub>
+                          <m:r>
+                            <a:rPr lang="en-US" sz="1800" i="1">
+                              <a:latin typeface="Cambria Math" panose="02040503050406030204" pitchFamily="18" charset="0"/>
+                              <a:ea typeface="Cambria Math" panose="02040503050406030204" pitchFamily="18" charset="0"/>
+                            </a:rPr>
+                            <m:t>3</m:t>
+                          </m:r>
+                        </m:sub>
+                      </m:sSub>
+                      <m:r>
+                        <a:rPr lang="en-US" sz="1800" i="1">
+                          <a:latin typeface="Cambria Math" panose="02040503050406030204" pitchFamily="18" charset="0"/>
+                          <a:ea typeface="Cambria Math" panose="02040503050406030204" pitchFamily="18" charset="0"/>
+                        </a:rPr>
+                        <m:t>𝜂</m:t>
+                      </m:r>
+                    </m:oMath>
+                  </m:oMathPara>
+                </a14:m>
+                <a:endParaRPr lang="en-US" sz="1800" dirty="0">
+                  <a:ea typeface="Cambria Math" panose="02040503050406030204" pitchFamily="18" charset="0"/>
+                </a:endParaRPr>
+              </a:p>
+              <a:p>
+                <a:pPr marL="0" indent="0">
+                  <a:buNone/>
+                </a:pPr>
+                <a:endParaRPr lang="en-US" sz="1800" dirty="0" smtClean="0">
+                  <a:ea typeface="Cambria Math" panose="02040503050406030204" pitchFamily="18" charset="0"/>
+                </a:endParaRPr>
+              </a:p>
+              <a:p>
+                <a:pPr marL="0" indent="0">
+                  <a:buNone/>
+                </a:pPr>
+                <a:endParaRPr lang="en-US" sz="1800" dirty="0" smtClean="0">
+                  <a:ea typeface="Cambria Math" panose="02040503050406030204" pitchFamily="18" charset="0"/>
+                </a:endParaRPr>
+              </a:p>
+              <a:p>
+                <a:pPr marL="0" indent="0">
+                  <a:buNone/>
+                </a:pPr>
+                <a14:m>
+                  <m:oMathPara xmlns:m="http://schemas.openxmlformats.org/officeDocument/2006/math">
+                    <m:oMathParaPr>
+                      <m:jc m:val="centerGroup"/>
+                    </m:oMathParaPr>
+                    <m:oMath xmlns:m="http://schemas.openxmlformats.org/officeDocument/2006/math">
+                      <m:acc>
+                        <m:accPr>
+                          <m:chr m:val="̇"/>
+                          <m:ctrlPr>
+                            <a:rPr lang="en-US" sz="1800" b="0" i="1" smtClean="0">
+                              <a:latin typeface="Cambria Math" panose="02040503050406030204" pitchFamily="18" charset="0"/>
+                              <a:ea typeface="Cambria Math" panose="02040503050406030204" pitchFamily="18" charset="0"/>
+                            </a:rPr>
+                          </m:ctrlPr>
+                        </m:accPr>
+                        <m:e>
+                          <m:r>
+                            <a:rPr lang="en-US" sz="1800" b="0" i="1" smtClean="0">
+                              <a:latin typeface="Cambria Math" panose="02040503050406030204" pitchFamily="18" charset="0"/>
+                              <a:ea typeface="Cambria Math" panose="02040503050406030204" pitchFamily="18" charset="0"/>
+                            </a:rPr>
+                            <m:t>𝑊</m:t>
+                          </m:r>
+                        </m:e>
+                      </m:acc>
+                      <m:r>
+                        <a:rPr lang="en-US" sz="1800" b="0" i="1" smtClean="0">
+                          <a:latin typeface="Cambria Math" panose="02040503050406030204" pitchFamily="18" charset="0"/>
+                          <a:ea typeface="Cambria Math" panose="02040503050406030204" pitchFamily="18" charset="0"/>
+                        </a:rPr>
+                        <m:t>=</m:t>
+                      </m:r>
+                      <m:acc>
+                        <m:accPr>
+                          <m:chr m:val="̇"/>
+                          <m:ctrlPr>
+                            <a:rPr lang="en-US" sz="1800" b="0" i="1" smtClean="0">
+                              <a:latin typeface="Cambria Math" panose="02040503050406030204" pitchFamily="18" charset="0"/>
+                              <a:ea typeface="Cambria Math" panose="02040503050406030204" pitchFamily="18" charset="0"/>
+                            </a:rPr>
+                          </m:ctrlPr>
+                        </m:accPr>
+                        <m:e>
+                          <m:r>
+                            <a:rPr lang="en-US" sz="1800" b="0" i="1" smtClean="0">
+                              <a:latin typeface="Cambria Math" panose="02040503050406030204" pitchFamily="18" charset="0"/>
+                              <a:ea typeface="Cambria Math" panose="02040503050406030204" pitchFamily="18" charset="0"/>
+                            </a:rPr>
+                            <m:t>𝑚</m:t>
+                          </m:r>
+                        </m:e>
+                      </m:acc>
+                      <m:sSub>
+                        <m:sSubPr>
+                          <m:ctrlPr>
+                            <a:rPr lang="en-US" sz="1800" i="1" smtClean="0">
+                              <a:latin typeface="Cambria Math" panose="02040503050406030204" pitchFamily="18" charset="0"/>
+                              <a:ea typeface="Cambria Math" panose="02040503050406030204" pitchFamily="18" charset="0"/>
+                            </a:rPr>
+                          </m:ctrlPr>
+                        </m:sSubPr>
+                        <m:e>
+                          <m:r>
+                            <a:rPr lang="en-US" sz="1800" b="0" i="1" smtClean="0">
+                              <a:latin typeface="Cambria Math" panose="02040503050406030204" pitchFamily="18" charset="0"/>
+                              <a:ea typeface="Cambria Math" panose="02040503050406030204" pitchFamily="18" charset="0"/>
+                            </a:rPr>
+                            <m:t>𝑐</m:t>
+                          </m:r>
+                        </m:e>
+                        <m:sub>
+                          <m:r>
+                            <a:rPr lang="en-US" sz="1800" b="0" i="1" smtClean="0">
+                              <a:latin typeface="Cambria Math" panose="02040503050406030204" pitchFamily="18" charset="0"/>
+                              <a:ea typeface="Cambria Math" panose="02040503050406030204" pitchFamily="18" charset="0"/>
+                            </a:rPr>
+                            <m:t>𝑝</m:t>
+                          </m:r>
+                        </m:sub>
+                      </m:sSub>
+                      <m:d>
+                        <m:dPr>
+                          <m:ctrlPr>
+                            <a:rPr lang="en-US" sz="1800" b="0" i="1" smtClean="0">
+                              <a:latin typeface="Cambria Math" panose="02040503050406030204" pitchFamily="18" charset="0"/>
+                              <a:ea typeface="Cambria Math" panose="02040503050406030204" pitchFamily="18" charset="0"/>
+                            </a:rPr>
+                          </m:ctrlPr>
+                        </m:dPr>
+                        <m:e>
+                          <m:r>
+                            <a:rPr lang="en-US" sz="1800" b="0" i="1" smtClean="0">
+                              <a:latin typeface="Cambria Math" panose="02040503050406030204" pitchFamily="18" charset="0"/>
+                              <a:ea typeface="Cambria Math" panose="02040503050406030204" pitchFamily="18" charset="0"/>
+                            </a:rPr>
+                            <m:t>∆</m:t>
+                          </m:r>
+                          <m:r>
+                            <a:rPr lang="en-US" sz="1800" b="0" i="1" smtClean="0">
+                              <a:latin typeface="Cambria Math" panose="02040503050406030204" pitchFamily="18" charset="0"/>
+                              <a:ea typeface="Cambria Math" panose="02040503050406030204" pitchFamily="18" charset="0"/>
+                            </a:rPr>
+                            <m:t>𝑇</m:t>
+                          </m:r>
+                        </m:e>
+                      </m:d>
+                    </m:oMath>
+                  </m:oMathPara>
+                </a14:m>
+                <a:endParaRPr lang="en-US" sz="1800" b="0" dirty="0" smtClean="0">
+                  <a:ea typeface="Cambria Math" panose="02040503050406030204" pitchFamily="18" charset="0"/>
+                </a:endParaRPr>
+              </a:p>
+              <a:p>
+                <a:pPr marL="0" indent="0">
+                  <a:buNone/>
+                </a:pPr>
+                <a:endParaRPr lang="en-US" sz="1800" b="0" dirty="0" smtClean="0">
+                  <a:ea typeface="Cambria Math" panose="02040503050406030204" pitchFamily="18" charset="0"/>
+                </a:endParaRPr>
+              </a:p>
+              <a:p>
+                <a:pPr marL="0" indent="0">
+                  <a:buNone/>
+                </a:pPr>
+                <a:endParaRPr lang="en-US" sz="1800" dirty="0" smtClean="0">
+                  <a:ea typeface="Cambria Math" panose="02040503050406030204" pitchFamily="18" charset="0"/>
+                </a:endParaRPr>
+              </a:p>
+              <a:p>
+                <a:pPr marL="0" indent="0">
+                  <a:buNone/>
+                </a:pPr>
+                <a:endParaRPr lang="en-US" dirty="0"/>
+              </a:p>
+            </p:txBody>
+          </p:sp>
+        </mc:Choice>
+        <mc:Fallback xmlns="">
+          <p:sp>
+            <p:nvSpPr>
+              <p:cNvPr id="3" name="Content Placeholder 2"/>
+              <p:cNvSpPr>
+                <a:spLocks noGrp="1" noRot="1" noChangeAspect="1" noMove="1" noResize="1" noEditPoints="1" noAdjustHandles="1" noChangeArrowheads="1" noChangeShapeType="1" noTextEdit="1"/>
+              </p:cNvSpPr>
+              <p:nvPr>
+                <p:ph sz="half" idx="1"/>
+              </p:nvPr>
+            </p:nvSpPr>
+            <p:spPr>
+              <a:xfrm>
+                <a:off x="457200" y="1219200"/>
+                <a:ext cx="4038600" cy="4906963"/>
+              </a:xfrm>
+              <a:blipFill rotWithShape="0">
+                <a:blip r:embed="rId2"/>
+                <a:stretch>
+                  <a:fillRect l="-2112" t="-870"/>
+                </a:stretch>
+              </a:blipFill>
+            </p:spPr>
+            <p:txBody>
+              <a:bodyPr/>
+              <a:lstStyle/>
+              <a:p>
+                <a:r>
+                  <a:rPr lang="en-US">
+                    <a:noFill/>
+                  </a:rPr>
+                  <a:t> </a:t>
+                </a:r>
+              </a:p>
+            </p:txBody>
+          </p:sp>
+        </mc:Fallback>
+      </mc:AlternateContent>
+      <p:pic>
+        <p:nvPicPr>
+          <p:cNvPr id="6" name="Content Placeholder 5"/>
+          <p:cNvPicPr>
+            <a:picLocks noGrp="1" noChangeAspect="1"/>
+          </p:cNvPicPr>
+          <p:nvPr>
+            <p:ph sz="half" idx="2"/>
+          </p:nvPr>
+        </p:nvPicPr>
+        <p:blipFill>
+          <a:blip r:embed="rId3">
+            <a:extLst>
+              <a:ext uri="{28A0092B-C50C-407E-A947-70E740481C1C}">
+                <a14:useLocalDpi xmlns:a14="http://schemas.microsoft.com/office/drawing/2010/main" val="0"/>
+              </a:ext>
+            </a:extLst>
+          </a:blip>
+          <a:stretch>
+            <a:fillRect/>
+          </a:stretch>
+        </p:blipFill>
+        <p:spPr>
+          <a:xfrm>
+            <a:off x="5062537" y="1939131"/>
+            <a:ext cx="3209925" cy="3848100"/>
+          </a:xfrm>
+        </p:spPr>
+      </p:pic>
+      <p:sp>
+        <p:nvSpPr>
+          <p:cNvPr id="5" name="Slide Number Placeholder 4"/>
+          <p:cNvSpPr>
+            <a:spLocks noGrp="1"/>
+          </p:cNvSpPr>
+          <p:nvPr>
+            <p:ph type="sldNum" sz="quarter" idx="12"/>
+          </p:nvPr>
+        </p:nvSpPr>
+        <p:spPr/>
+        <p:txBody>
+          <a:bodyPr/>
+          <a:lstStyle/>
+          <a:p>
+            <a:pPr>
+              <a:defRPr/>
+            </a:pPr>
+            <a:fld id="{56039845-206E-4D43-9E5F-DD43C0647861}" type="slidenum">
+              <a:rPr lang="en-US" smtClean="0"/>
+              <a:pPr>
+                <a:defRPr/>
+              </a:pPr>
+              <a:t>17</a:t>
+            </a:fld>
+            <a:endParaRPr lang="en-US" dirty="0"/>
+          </a:p>
+        </p:txBody>
+      </p:sp>
+      <mc:AlternateContent xmlns:mc="http://schemas.openxmlformats.org/markup-compatibility/2006" xmlns:a14="http://schemas.microsoft.com/office/drawing/2010/main">
+        <mc:Choice Requires="a14">
+          <p:sp>
+            <p:nvSpPr>
+              <p:cNvPr id="7" name="TextBox 6"/>
+              <p:cNvSpPr txBox="1"/>
+              <p:nvPr/>
+            </p:nvSpPr>
+            <p:spPr>
+              <a:xfrm>
+                <a:off x="4741069" y="1676400"/>
+                <a:ext cx="1676400" cy="646331"/>
+              </a:xfrm>
+              <a:prstGeom prst="rect">
+                <a:avLst/>
+              </a:prstGeom>
+              <a:noFill/>
+            </p:spPr>
+            <p:txBody>
+              <a:bodyPr wrap="square" rtlCol="0">
+                <a:spAutoFit/>
+              </a:bodyPr>
+              <a:lstStyle/>
+              <a:p>
+                <a:pPr/>
+                <a14:m>
+                  <m:oMathPara xmlns:m="http://schemas.openxmlformats.org/officeDocument/2006/math">
+                    <m:oMathParaPr>
+                      <m:jc m:val="left"/>
+                    </m:oMathParaPr>
+                    <m:oMath xmlns:m="http://schemas.openxmlformats.org/officeDocument/2006/math">
+                      <m:sSub>
+                        <m:sSubPr>
+                          <m:ctrlPr>
+                            <a:rPr lang="en-US" sz="1200" i="1" smtClean="0">
+                              <a:latin typeface="Cambria Math" panose="02040503050406030204" pitchFamily="18" charset="0"/>
+                            </a:rPr>
+                          </m:ctrlPr>
+                        </m:sSubPr>
+                        <m:e>
+                          <m:r>
+                            <a:rPr lang="en-US" sz="1200" b="0" i="1" smtClean="0">
+                              <a:latin typeface="Cambria Math" panose="02040503050406030204" pitchFamily="18" charset="0"/>
+                            </a:rPr>
+                            <m:t>𝑇</m:t>
+                          </m:r>
+                        </m:e>
+                        <m:sub>
+                          <m:r>
+                            <a:rPr lang="en-US" sz="1200" b="0" i="1" smtClean="0">
+                              <a:latin typeface="Cambria Math" panose="02040503050406030204" pitchFamily="18" charset="0"/>
+                            </a:rPr>
+                            <m:t>𝑜𝑢𝑡</m:t>
+                          </m:r>
+                        </m:sub>
+                      </m:sSub>
+                      <m:r>
+                        <a:rPr lang="en-US" sz="1200" b="0" i="1" smtClean="0">
+                          <a:latin typeface="Cambria Math" panose="02040503050406030204" pitchFamily="18" charset="0"/>
+                        </a:rPr>
+                        <m:t>=877</m:t>
+                      </m:r>
+                      <m:sSup>
+                        <m:sSupPr>
+                          <m:ctrlPr>
+                            <a:rPr lang="en-US" sz="1200" b="0" i="1" smtClean="0">
+                              <a:latin typeface="Cambria Math" panose="02040503050406030204" pitchFamily="18" charset="0"/>
+                            </a:rPr>
+                          </m:ctrlPr>
+                        </m:sSupPr>
+                        <m:e>
+                          <m:r>
+                            <a:rPr lang="en-US" sz="1200" b="0" i="1" smtClean="0">
+                              <a:latin typeface="Cambria Math" panose="02040503050406030204" pitchFamily="18" charset="0"/>
+                            </a:rPr>
+                            <m:t>𝐶</m:t>
+                          </m:r>
+                        </m:e>
+                        <m:sup>
+                          <m:r>
+                            <a:rPr lang="en-US" sz="1200" b="0" i="1" smtClean="0">
+                              <a:latin typeface="Cambria Math" panose="02040503050406030204" pitchFamily="18" charset="0"/>
+                            </a:rPr>
+                            <m:t>𝑜</m:t>
+                          </m:r>
+                        </m:sup>
+                      </m:sSup>
+                    </m:oMath>
+                  </m:oMathPara>
+                </a14:m>
+                <a:endParaRPr lang="en-US" sz="1200" b="0" dirty="0" smtClean="0"/>
+              </a:p>
+              <a:p>
+                <a:pPr/>
+                <a14:m>
+                  <m:oMathPara xmlns:m="http://schemas.openxmlformats.org/officeDocument/2006/math">
+                    <m:oMathParaPr>
+                      <m:jc m:val="left"/>
+                    </m:oMathParaPr>
+                    <m:oMath xmlns:m="http://schemas.openxmlformats.org/officeDocument/2006/math">
+                      <m:acc>
+                        <m:accPr>
+                          <m:chr m:val="̇"/>
+                          <m:ctrlPr>
+                            <a:rPr lang="en-US" sz="1200" i="1" smtClean="0">
+                              <a:latin typeface="Cambria Math" panose="02040503050406030204" pitchFamily="18" charset="0"/>
+                            </a:rPr>
+                          </m:ctrlPr>
+                        </m:accPr>
+                        <m:e>
+                          <m:r>
+                            <a:rPr lang="en-US" sz="1200" b="0" i="1" smtClean="0">
+                              <a:latin typeface="Cambria Math" panose="02040503050406030204" pitchFamily="18" charset="0"/>
+                            </a:rPr>
+                            <m:t>𝑚</m:t>
+                          </m:r>
+                        </m:e>
+                      </m:acc>
+                      <m:r>
+                        <a:rPr lang="en-US" sz="1200" b="0" i="1" smtClean="0">
+                          <a:latin typeface="Cambria Math" panose="02040503050406030204" pitchFamily="18" charset="0"/>
+                        </a:rPr>
+                        <m:t>=</m:t>
+                      </m:r>
+                      <m:r>
+                        <a:rPr lang="en-US" sz="1200" i="1">
+                          <a:latin typeface="Cambria Math" panose="02040503050406030204" pitchFamily="18" charset="0"/>
+                        </a:rPr>
+                        <m:t>424</m:t>
+                      </m:r>
+                      <m:r>
+                        <a:rPr lang="en-US" sz="1200" i="1">
+                          <a:latin typeface="Cambria Math" panose="02040503050406030204" pitchFamily="18" charset="0"/>
+                        </a:rPr>
+                        <m:t>𝑘𝑔</m:t>
+                      </m:r>
+                      <m:r>
+                        <a:rPr lang="en-US" sz="1200" i="1">
+                          <a:latin typeface="Cambria Math" panose="02040503050406030204" pitchFamily="18" charset="0"/>
+                        </a:rPr>
+                        <m:t>/</m:t>
+                      </m:r>
+                      <m:r>
+                        <a:rPr lang="en-US" sz="1200" i="1">
+                          <a:latin typeface="Cambria Math" panose="02040503050406030204" pitchFamily="18" charset="0"/>
+                        </a:rPr>
+                        <m:t>𝑠𝑒𝑐</m:t>
+                      </m:r>
+                    </m:oMath>
+                  </m:oMathPara>
+                </a14:m>
+                <a:endParaRPr lang="en-US" sz="1200" b="0" dirty="0" smtClean="0"/>
+              </a:p>
+              <a:p>
+                <a:pPr/>
+                <a14:m>
+                  <m:oMathPara xmlns:m="http://schemas.openxmlformats.org/officeDocument/2006/math">
+                    <m:oMathParaPr>
+                      <m:jc m:val="left"/>
+                    </m:oMathParaPr>
+                    <m:oMath xmlns:m="http://schemas.openxmlformats.org/officeDocument/2006/math">
+                      <m:sSub>
+                        <m:sSubPr>
+                          <m:ctrlPr>
+                            <a:rPr lang="en-US" sz="1200" i="1" smtClean="0">
+                              <a:latin typeface="Cambria Math" panose="02040503050406030204" pitchFamily="18" charset="0"/>
+                            </a:rPr>
+                          </m:ctrlPr>
+                        </m:sSubPr>
+                        <m:e>
+                          <m:r>
+                            <a:rPr lang="en-US" sz="1200" b="0" i="1" smtClean="0">
+                              <a:latin typeface="Cambria Math" panose="02040503050406030204" pitchFamily="18" charset="0"/>
+                            </a:rPr>
+                            <m:t>𝑄</m:t>
+                          </m:r>
+                        </m:e>
+                        <m:sub>
+                          <m:r>
+                            <a:rPr lang="en-US" sz="1200" b="0" i="1" smtClean="0">
+                              <a:latin typeface="Cambria Math" panose="02040503050406030204" pitchFamily="18" charset="0"/>
+                            </a:rPr>
+                            <m:t>𝑜𝑢𝑡</m:t>
+                          </m:r>
+                        </m:sub>
+                      </m:sSub>
+                      <m:r>
+                        <a:rPr lang="en-US" sz="1200" b="0" i="1" smtClean="0">
+                          <a:latin typeface="Cambria Math" panose="02040503050406030204" pitchFamily="18" charset="0"/>
+                        </a:rPr>
+                        <m:t>=623.4</m:t>
+                      </m:r>
+                      <m:r>
+                        <a:rPr lang="en-US" sz="1200" b="0" i="1" smtClean="0">
+                          <a:latin typeface="Cambria Math" panose="02040503050406030204" pitchFamily="18" charset="0"/>
+                        </a:rPr>
+                        <m:t>𝑀𝑊</m:t>
+                      </m:r>
+                    </m:oMath>
+                  </m:oMathPara>
+                </a14:m>
+                <a:endParaRPr lang="en-US" sz="1200" dirty="0"/>
+              </a:p>
+            </p:txBody>
+          </p:sp>
+        </mc:Choice>
+        <mc:Fallback xmlns="">
+          <p:sp>
+            <p:nvSpPr>
+              <p:cNvPr id="7" name="TextBox 6"/>
+              <p:cNvSpPr txBox="1">
+                <a:spLocks noRot="1" noChangeAspect="1" noMove="1" noResize="1" noEditPoints="1" noAdjustHandles="1" noChangeArrowheads="1" noChangeShapeType="1" noTextEdit="1"/>
+              </p:cNvSpPr>
+              <p:nvPr/>
+            </p:nvSpPr>
+            <p:spPr>
+              <a:xfrm>
+                <a:off x="4741069" y="1676400"/>
+                <a:ext cx="1676400" cy="646331"/>
+              </a:xfrm>
+              <a:prstGeom prst="rect">
+                <a:avLst/>
+              </a:prstGeom>
+              <a:blipFill rotWithShape="0">
+                <a:blip r:embed="rId4"/>
+                <a:stretch>
+                  <a:fillRect/>
+                </a:stretch>
+              </a:blipFill>
+            </p:spPr>
+            <p:txBody>
+              <a:bodyPr/>
+              <a:lstStyle/>
+              <a:p>
+                <a:r>
+                  <a:rPr lang="en-US">
+                    <a:noFill/>
+                  </a:rPr>
+                  <a:t> </a:t>
+                </a:r>
+              </a:p>
+            </p:txBody>
+          </p:sp>
+        </mc:Fallback>
+      </mc:AlternateContent>
+      <mc:AlternateContent xmlns:mc="http://schemas.openxmlformats.org/markup-compatibility/2006" xmlns:a14="http://schemas.microsoft.com/office/drawing/2010/main">
+        <mc:Choice Requires="a14">
+          <p:sp>
+            <p:nvSpPr>
+              <p:cNvPr id="8" name="Rectangle 7"/>
+              <p:cNvSpPr/>
+              <p:nvPr/>
+            </p:nvSpPr>
+            <p:spPr>
+              <a:xfrm>
+                <a:off x="4283869" y="4648200"/>
+                <a:ext cx="1295400" cy="646331"/>
+              </a:xfrm>
+              <a:prstGeom prst="rect">
+                <a:avLst/>
+              </a:prstGeom>
+            </p:spPr>
+            <p:txBody>
+              <a:bodyPr wrap="square">
+                <a:spAutoFit/>
+              </a:bodyPr>
+              <a:lstStyle/>
+              <a:p>
+                <a:pPr/>
+                <a14:m>
+                  <m:oMathPara xmlns:m="http://schemas.openxmlformats.org/officeDocument/2006/math">
+                    <m:oMathParaPr>
+                      <m:jc m:val="left"/>
+                    </m:oMathParaPr>
+                    <m:oMath xmlns:m="http://schemas.openxmlformats.org/officeDocument/2006/math">
+                      <m:sSub>
+                        <m:sSubPr>
+                          <m:ctrlPr>
+                            <a:rPr lang="en-US" sz="1200" i="1" smtClean="0">
+                              <a:latin typeface="Cambria Math" panose="02040503050406030204" pitchFamily="18" charset="0"/>
+                            </a:rPr>
+                          </m:ctrlPr>
+                        </m:sSubPr>
+                        <m:e>
+                          <m:r>
+                            <a:rPr lang="en-US" sz="1200" i="1">
+                              <a:latin typeface="Cambria Math" panose="02040503050406030204" pitchFamily="18" charset="0"/>
+                            </a:rPr>
+                            <m:t>𝑇</m:t>
+                          </m:r>
+                        </m:e>
+                        <m:sub>
+                          <m:r>
+                            <a:rPr lang="en-US" sz="1200" b="0" i="1" smtClean="0">
+                              <a:latin typeface="Cambria Math" panose="02040503050406030204" pitchFamily="18" charset="0"/>
+                            </a:rPr>
+                            <m:t>𝑖𝑛</m:t>
+                          </m:r>
+                        </m:sub>
+                      </m:sSub>
+                      <m:r>
+                        <a:rPr lang="en-US" sz="1200" i="1">
+                          <a:latin typeface="Cambria Math" panose="02040503050406030204" pitchFamily="18" charset="0"/>
+                        </a:rPr>
+                        <m:t>=</m:t>
+                      </m:r>
+                      <m:r>
+                        <a:rPr lang="en-US" sz="1200" b="0" i="1" smtClean="0">
+                          <a:latin typeface="Cambria Math" panose="02040503050406030204" pitchFamily="18" charset="0"/>
+                        </a:rPr>
+                        <m:t>550</m:t>
+                      </m:r>
+                      <m:sSup>
+                        <m:sSupPr>
+                          <m:ctrlPr>
+                            <a:rPr lang="en-US" sz="1200" i="1">
+                              <a:latin typeface="Cambria Math" panose="02040503050406030204" pitchFamily="18" charset="0"/>
+                            </a:rPr>
+                          </m:ctrlPr>
+                        </m:sSupPr>
+                        <m:e>
+                          <m:r>
+                            <a:rPr lang="en-US" sz="1200" i="1">
+                              <a:latin typeface="Cambria Math" panose="02040503050406030204" pitchFamily="18" charset="0"/>
+                            </a:rPr>
+                            <m:t>𝐶</m:t>
+                          </m:r>
+                        </m:e>
+                        <m:sup>
+                          <m:r>
+                            <a:rPr lang="en-US" sz="1200" i="1">
+                              <a:latin typeface="Cambria Math" panose="02040503050406030204" pitchFamily="18" charset="0"/>
+                            </a:rPr>
+                            <m:t>𝑜</m:t>
+                          </m:r>
+                        </m:sup>
+                      </m:sSup>
+                    </m:oMath>
+                  </m:oMathPara>
+                </a14:m>
+                <a:endParaRPr lang="en-US" sz="1200" dirty="0"/>
+              </a:p>
+              <a:p>
+                <a:pPr/>
+                <a14:m>
+                  <m:oMathPara xmlns:m="http://schemas.openxmlformats.org/officeDocument/2006/math">
+                    <m:oMathParaPr>
+                      <m:jc m:val="left"/>
+                    </m:oMathParaPr>
+                    <m:oMath xmlns:m="http://schemas.openxmlformats.org/officeDocument/2006/math">
+                      <m:sSub>
+                        <m:sSubPr>
+                          <m:ctrlPr>
+                            <a:rPr lang="en-US" sz="1200" i="1">
+                              <a:latin typeface="Cambria Math" panose="02040503050406030204" pitchFamily="18" charset="0"/>
+                            </a:rPr>
+                          </m:ctrlPr>
+                        </m:sSubPr>
+                        <m:e>
+                          <m:r>
+                            <a:rPr lang="en-US" sz="1200" i="1">
+                              <a:latin typeface="Cambria Math" panose="02040503050406030204" pitchFamily="18" charset="0"/>
+                            </a:rPr>
+                            <m:t>𝑃</m:t>
+                          </m:r>
+                        </m:e>
+                        <m:sub>
+                          <m:r>
+                            <a:rPr lang="en-US" sz="1200" i="1">
+                              <a:latin typeface="Cambria Math" panose="02040503050406030204" pitchFamily="18" charset="0"/>
+                            </a:rPr>
+                            <m:t>𝑜𝑢𝑡</m:t>
+                          </m:r>
+                        </m:sub>
+                      </m:sSub>
+                      <m:r>
+                        <a:rPr lang="en-US" sz="1200" i="1">
+                          <a:latin typeface="Cambria Math" panose="02040503050406030204" pitchFamily="18" charset="0"/>
+                        </a:rPr>
+                        <m:t>=</m:t>
+                      </m:r>
+                      <m:r>
+                        <a:rPr lang="en-US" sz="1200" b="0" i="1" smtClean="0">
+                          <a:latin typeface="Cambria Math" panose="02040503050406030204" pitchFamily="18" charset="0"/>
+                        </a:rPr>
+                        <m:t>15</m:t>
+                      </m:r>
+                      <m:r>
+                        <a:rPr lang="en-US" sz="1200" i="1">
+                          <a:latin typeface="Cambria Math" panose="02040503050406030204" pitchFamily="18" charset="0"/>
+                        </a:rPr>
+                        <m:t> </m:t>
+                      </m:r>
+                      <m:r>
+                        <a:rPr lang="en-US" sz="1200" i="1">
+                          <a:latin typeface="Cambria Math" panose="02040503050406030204" pitchFamily="18" charset="0"/>
+                        </a:rPr>
+                        <m:t>𝑀𝑃𝑎</m:t>
+                      </m:r>
+                    </m:oMath>
+                  </m:oMathPara>
+                </a14:m>
+                <a:endParaRPr lang="en-US" sz="1200" dirty="0"/>
+              </a:p>
+              <a:p>
+                <a:pPr/>
+                <a14:m>
+                  <m:oMathPara xmlns:m="http://schemas.openxmlformats.org/officeDocument/2006/math">
+                    <m:oMathParaPr>
+                      <m:jc m:val="left"/>
+                    </m:oMathParaPr>
+                    <m:oMath xmlns:m="http://schemas.openxmlformats.org/officeDocument/2006/math">
+                      <m:acc>
+                        <m:accPr>
+                          <m:chr m:val="̇"/>
+                          <m:ctrlPr>
+                            <a:rPr lang="en-US" sz="1200" i="1">
+                              <a:latin typeface="Cambria Math" panose="02040503050406030204" pitchFamily="18" charset="0"/>
+                            </a:rPr>
+                          </m:ctrlPr>
+                        </m:accPr>
+                        <m:e>
+                          <m:r>
+                            <a:rPr lang="en-US" sz="1200" i="1">
+                              <a:latin typeface="Cambria Math" panose="02040503050406030204" pitchFamily="18" charset="0"/>
+                            </a:rPr>
+                            <m:t>𝑚</m:t>
+                          </m:r>
+                        </m:e>
+                      </m:acc>
+                      <m:r>
+                        <a:rPr lang="en-US" sz="1200" i="1">
+                          <a:latin typeface="Cambria Math" panose="02040503050406030204" pitchFamily="18" charset="0"/>
+                        </a:rPr>
+                        <m:t>=</m:t>
+                      </m:r>
+                      <m:r>
+                        <a:rPr lang="en-US" sz="1200" b="0" i="1" smtClean="0">
+                          <a:latin typeface="Cambria Math" panose="02040503050406030204" pitchFamily="18" charset="0"/>
+                        </a:rPr>
+                        <m:t>424</m:t>
+                      </m:r>
+                      <m:r>
+                        <a:rPr lang="en-US" sz="1200" i="1">
+                          <a:latin typeface="Cambria Math" panose="02040503050406030204" pitchFamily="18" charset="0"/>
+                        </a:rPr>
+                        <m:t>𝑘𝑔</m:t>
+                      </m:r>
+                      <m:r>
+                        <a:rPr lang="en-US" sz="1200" i="1">
+                          <a:latin typeface="Cambria Math" panose="02040503050406030204" pitchFamily="18" charset="0"/>
+                        </a:rPr>
+                        <m:t>/</m:t>
+                      </m:r>
+                      <m:r>
+                        <a:rPr lang="en-US" sz="1200" i="1">
+                          <a:latin typeface="Cambria Math" panose="02040503050406030204" pitchFamily="18" charset="0"/>
+                        </a:rPr>
+                        <m:t>𝑠𝑒𝑐</m:t>
+                      </m:r>
+                    </m:oMath>
+                  </m:oMathPara>
+                </a14:m>
+                <a:endParaRPr lang="en-US" sz="1200" dirty="0"/>
+              </a:p>
+            </p:txBody>
+          </p:sp>
+        </mc:Choice>
+        <mc:Fallback xmlns="">
+          <p:sp>
+            <p:nvSpPr>
+              <p:cNvPr id="8" name="Rectangle 7"/>
+              <p:cNvSpPr>
+                <a:spLocks noRot="1" noChangeAspect="1" noMove="1" noResize="1" noEditPoints="1" noAdjustHandles="1" noChangeArrowheads="1" noChangeShapeType="1" noTextEdit="1"/>
+              </p:cNvSpPr>
+              <p:nvPr/>
+            </p:nvSpPr>
+            <p:spPr>
+              <a:xfrm>
+                <a:off x="4283869" y="4648200"/>
+                <a:ext cx="1295400" cy="646331"/>
+              </a:xfrm>
+              <a:prstGeom prst="rect">
+                <a:avLst/>
+              </a:prstGeom>
+              <a:blipFill rotWithShape="0">
+                <a:blip r:embed="rId5"/>
+                <a:stretch>
+                  <a:fillRect b="-1887"/>
+                </a:stretch>
+              </a:blipFill>
+            </p:spPr>
+            <p:txBody>
+              <a:bodyPr/>
+              <a:lstStyle/>
+              <a:p>
+                <a:r>
+                  <a:rPr lang="en-US">
+                    <a:noFill/>
+                  </a:rPr>
+                  <a:t> </a:t>
+                </a:r>
+              </a:p>
+            </p:txBody>
+          </p:sp>
+        </mc:Fallback>
+      </mc:AlternateContent>
+    </p:spTree>
+    <p:extLst>
+      <p:ext uri="{BB962C8B-B14F-4D97-AF65-F5344CB8AC3E}">
+        <p14:creationId xmlns:p14="http://schemas.microsoft.com/office/powerpoint/2010/main" val="4075854943"/>
+      </p:ext>
+    </p:extLst>
+  </p:cSld>
+  <p:clrMapOvr>
+    <a:masterClrMapping/>
+  </p:clrMapOvr>
+  <p:timing>
+    <p:tnLst>
+      <p:par>
+        <p:cTn id="1" dur="indefinite" restart="never" nodeType="tmRoot"/>
+      </p:par>
+    </p:tnLst>
+  </p:timing>
+</p:sld>
+</file>
+
+<file path=ppt/slides/slide18.xml><?xml version="1.0" encoding="utf-8"?>
+<p:sld xmlns:a="http://schemas.openxmlformats.org/drawingml/2006/main" xmlns:r="http://schemas.openxmlformats.org/officeDocument/2006/relationships" xmlns:p="http://schemas.openxmlformats.org/presentationml/2006/main">
+  <p:cSld>
+    <p:spTree>
+      <p:nvGrpSpPr>
+        <p:cNvPr id="1" name=""/>
+        <p:cNvGrpSpPr/>
+        <p:nvPr/>
+      </p:nvGrpSpPr>
+      <p:grpSpPr>
+        <a:xfrm>
+          <a:off x="0" y="0"/>
+          <a:ext cx="0" cy="0"/>
+          <a:chOff x="0" y="0"/>
+          <a:chExt cx="0" cy="0"/>
+        </a:xfrm>
+      </p:grpSpPr>
+      <p:sp>
+        <p:nvSpPr>
+          <p:cNvPr id="6" name="Title 5"/>
+          <p:cNvSpPr>
+            <a:spLocks noGrp="1"/>
+          </p:cNvSpPr>
+          <p:nvPr>
+            <p:ph type="title"/>
+          </p:nvPr>
+        </p:nvSpPr>
+        <p:spPr/>
+        <p:txBody>
+          <a:bodyPr/>
+          <a:lstStyle/>
+          <a:p>
+            <a:r>
+              <a:rPr lang="en-US" dirty="0"/>
+              <a:t>Gas Cycle</a:t>
+            </a:r>
+          </a:p>
+        </p:txBody>
+      </p:sp>
+      <p:sp>
+        <p:nvSpPr>
+          <p:cNvPr id="5" name="Slide Number Placeholder 4"/>
+          <p:cNvSpPr>
+            <a:spLocks noGrp="1"/>
+          </p:cNvSpPr>
+          <p:nvPr>
+            <p:ph type="sldNum" sz="quarter" idx="10"/>
+          </p:nvPr>
+        </p:nvSpPr>
+        <p:spPr/>
+        <p:txBody>
+          <a:bodyPr/>
+          <a:lstStyle/>
+          <a:p>
+            <a:pPr>
+              <a:defRPr/>
+            </a:pPr>
+            <a:fld id="{56039845-206E-4D43-9E5F-DD43C0647861}" type="slidenum">
+              <a:rPr lang="en-US" smtClean="0"/>
+              <a:pPr>
+                <a:defRPr/>
+              </a:pPr>
+              <a:t>18</a:t>
+            </a:fld>
+            <a:endParaRPr lang="en-US" dirty="0"/>
+          </a:p>
+        </p:txBody>
+      </p:sp>
+      <p:pic>
+        <p:nvPicPr>
+          <p:cNvPr id="3" name="Picture 2"/>
+          <p:cNvPicPr>
+            <a:picLocks noChangeAspect="1"/>
+          </p:cNvPicPr>
+          <p:nvPr/>
+        </p:nvPicPr>
+        <p:blipFill>
+          <a:blip r:embed="rId2" cstate="print">
+            <a:extLst>
+              <a:ext uri="{28A0092B-C50C-407E-A947-70E740481C1C}">
+                <a14:useLocalDpi xmlns:a14="http://schemas.microsoft.com/office/drawing/2010/main" val="0"/>
+              </a:ext>
+            </a:extLst>
+          </a:blip>
+          <a:stretch>
+            <a:fillRect/>
+          </a:stretch>
+        </p:blipFill>
+        <p:spPr>
+          <a:xfrm>
+            <a:off x="3200400" y="1524000"/>
+            <a:ext cx="5257800" cy="4098127"/>
+          </a:xfrm>
+          <a:prstGeom prst="rect">
+            <a:avLst/>
+          </a:prstGeom>
+        </p:spPr>
+      </p:pic>
+      <p:sp>
+        <p:nvSpPr>
+          <p:cNvPr id="12" name="Content Placeholder 2"/>
+          <p:cNvSpPr>
+            <a:spLocks noGrp="1"/>
+          </p:cNvSpPr>
+          <p:nvPr>
+            <p:ph sz="half" idx="1"/>
+          </p:nvPr>
+        </p:nvSpPr>
+        <p:spPr>
+          <a:xfrm>
+            <a:off x="457200" y="1219200"/>
+            <a:ext cx="2895600" cy="4906963"/>
+          </a:xfrm>
+        </p:spPr>
+        <p:txBody>
+          <a:bodyPr/>
+          <a:lstStyle/>
+          <a:p>
+            <a:r>
+              <a:rPr lang="en-US" sz="2000" dirty="0" err="1" smtClean="0"/>
+              <a:t>Recuperator</a:t>
+            </a:r>
+            <a:r>
+              <a:rPr lang="en-US" sz="2000" dirty="0" smtClean="0"/>
+              <a:t> </a:t>
+            </a:r>
+            <a:r>
+              <a:rPr lang="en-US" sz="2000" dirty="0"/>
+              <a:t>to </a:t>
+            </a:r>
+            <a:r>
+              <a:rPr lang="en-US" sz="2000" dirty="0" smtClean="0"/>
+              <a:t>recover </a:t>
+            </a:r>
+            <a:r>
+              <a:rPr lang="en-US" sz="2000" dirty="0"/>
+              <a:t>the waste </a:t>
+            </a:r>
+            <a:r>
+              <a:rPr lang="en-US" sz="2000" dirty="0" smtClean="0"/>
+              <a:t>heat</a:t>
+            </a:r>
+          </a:p>
+          <a:p>
+            <a:r>
+              <a:rPr lang="en-US" sz="2000" dirty="0" err="1" smtClean="0"/>
+              <a:t>Precooler</a:t>
+            </a:r>
+            <a:r>
+              <a:rPr lang="en-US" sz="2000" dirty="0" smtClean="0"/>
+              <a:t> to be connected to the SG</a:t>
+            </a:r>
+          </a:p>
+          <a:p>
+            <a:r>
+              <a:rPr lang="en-US" sz="2000" dirty="0" smtClean="0"/>
+              <a:t>Pressures: P1=15MPa and P4=6.15MPa</a:t>
+            </a:r>
+          </a:p>
+          <a:p>
+            <a:r>
+              <a:rPr lang="en-US" sz="2000" b="0" dirty="0" smtClean="0">
+                <a:ea typeface="Cambria Math" panose="02040503050406030204" pitchFamily="18" charset="0"/>
+              </a:rPr>
+              <a:t>Temperatures</a:t>
+            </a:r>
+          </a:p>
+          <a:p>
+            <a:r>
+              <a:rPr lang="en-US" sz="2000" dirty="0" smtClean="0">
+                <a:ea typeface="Cambria Math" panose="02040503050406030204" pitchFamily="18" charset="0"/>
+              </a:rPr>
+              <a:t>Mass flow</a:t>
+            </a:r>
+          </a:p>
+          <a:p>
+            <a:r>
+              <a:rPr lang="en-US" sz="2000" b="0" dirty="0" smtClean="0">
+                <a:ea typeface="Cambria Math" panose="02040503050406030204" pitchFamily="18" charset="0"/>
+              </a:rPr>
+              <a:t>Efficiency of GT and Compressor </a:t>
+            </a:r>
+            <a:r>
+              <a:rPr lang="en-US" sz="2000" dirty="0"/>
+              <a:t> </a:t>
+            </a:r>
+            <a:r>
+              <a:rPr lang="en-US" sz="2000" dirty="0" smtClean="0"/>
+              <a:t>~ .9%</a:t>
+            </a:r>
+            <a:endParaRPr lang="en-US" sz="2000" b="0" dirty="0" smtClean="0">
+              <a:ea typeface="Cambria Math" panose="02040503050406030204" pitchFamily="18" charset="0"/>
+            </a:endParaRPr>
+          </a:p>
+          <a:p>
+            <a:endParaRPr lang="en-US" sz="2000" b="0" dirty="0" smtClean="0">
+              <a:ea typeface="Cambria Math" panose="02040503050406030204" pitchFamily="18" charset="0"/>
+            </a:endParaRPr>
+          </a:p>
+          <a:p>
+            <a:pPr marL="0" indent="0">
+              <a:buNone/>
+            </a:pPr>
+            <a:endParaRPr lang="en-US" sz="2000" b="0" dirty="0" smtClean="0">
+              <a:ea typeface="Cambria Math" panose="02040503050406030204" pitchFamily="18" charset="0"/>
+            </a:endParaRPr>
+          </a:p>
+          <a:p>
+            <a:pPr marL="0" indent="0">
+              <a:buNone/>
+            </a:pPr>
+            <a:endParaRPr lang="en-US" sz="1800" b="0" dirty="0" smtClean="0">
+              <a:ea typeface="Cambria Math" panose="02040503050406030204" pitchFamily="18" charset="0"/>
+            </a:endParaRPr>
+          </a:p>
+          <a:p>
+            <a:pPr marL="0" indent="0">
+              <a:buNone/>
+            </a:pPr>
+            <a:endParaRPr lang="en-US" sz="1800" dirty="0" smtClean="0">
+              <a:ea typeface="Cambria Math" panose="02040503050406030204" pitchFamily="18" charset="0"/>
+            </a:endParaRPr>
+          </a:p>
+          <a:p>
+            <a:pPr marL="0" indent="0">
+              <a:buNone/>
+            </a:pPr>
+            <a:endParaRPr lang="en-US" dirty="0"/>
+          </a:p>
+        </p:txBody>
+      </p:sp>
+      <mc:AlternateContent xmlns:mc="http://schemas.openxmlformats.org/markup-compatibility/2006" xmlns:a14="http://schemas.microsoft.com/office/drawing/2010/main">
+        <mc:Choice Requires="a14">
+          <p:sp>
+            <p:nvSpPr>
+              <p:cNvPr id="14" name="TextBox 13"/>
+              <p:cNvSpPr txBox="1"/>
+              <p:nvPr/>
+            </p:nvSpPr>
+            <p:spPr>
+              <a:xfrm>
+                <a:off x="3810000" y="4876800"/>
+                <a:ext cx="1143000" cy="276999"/>
+              </a:xfrm>
+              <a:prstGeom prst="rect">
+                <a:avLst/>
+              </a:prstGeom>
+              <a:noFill/>
+            </p:spPr>
+            <p:txBody>
+              <a:bodyPr wrap="square" rtlCol="0">
+                <a:spAutoFit/>
+              </a:bodyPr>
+              <a:lstStyle/>
+              <a:p>
+                <a:pPr/>
+                <a14:m>
+                  <m:oMathPara xmlns:m="http://schemas.openxmlformats.org/officeDocument/2006/math">
+                    <m:oMathParaPr>
+                      <m:jc m:val="left"/>
+                    </m:oMathParaPr>
+                    <m:oMath xmlns:m="http://schemas.openxmlformats.org/officeDocument/2006/math">
+                      <m:sSub>
+                        <m:sSubPr>
+                          <m:ctrlPr>
+                            <a:rPr lang="en-US" sz="1200" i="1" smtClean="0">
+                              <a:latin typeface="Cambria Math" panose="02040503050406030204" pitchFamily="18" charset="0"/>
+                            </a:rPr>
+                          </m:ctrlPr>
+                        </m:sSubPr>
+                        <m:e>
+                          <m:r>
+                            <a:rPr lang="en-US" sz="1200" b="0" i="1" smtClean="0">
+                              <a:latin typeface="Cambria Math" panose="02040503050406030204" pitchFamily="18" charset="0"/>
+                            </a:rPr>
+                            <m:t>𝑇</m:t>
+                          </m:r>
+                        </m:e>
+                        <m:sub>
+                          <m:r>
+                            <a:rPr lang="en-US" sz="1200" b="0" i="1" smtClean="0">
+                              <a:latin typeface="Cambria Math" panose="02040503050406030204" pitchFamily="18" charset="0"/>
+                            </a:rPr>
+                            <m:t>𝑖𝑛</m:t>
+                          </m:r>
+                        </m:sub>
+                      </m:sSub>
+                      <m:r>
+                        <a:rPr lang="en-US" sz="1200" b="0" i="1" smtClean="0">
+                          <a:latin typeface="Cambria Math" panose="02040503050406030204" pitchFamily="18" charset="0"/>
+                        </a:rPr>
+                        <m:t>=550</m:t>
+                      </m:r>
+                      <m:sSup>
+                        <m:sSupPr>
+                          <m:ctrlPr>
+                            <a:rPr lang="en-US" sz="1200" b="0" i="1" smtClean="0">
+                              <a:latin typeface="Cambria Math" panose="02040503050406030204" pitchFamily="18" charset="0"/>
+                            </a:rPr>
+                          </m:ctrlPr>
+                        </m:sSupPr>
+                        <m:e>
+                          <m:r>
+                            <a:rPr lang="en-US" sz="1200" b="0" i="1" smtClean="0">
+                              <a:latin typeface="Cambria Math" panose="02040503050406030204" pitchFamily="18" charset="0"/>
+                            </a:rPr>
+                            <m:t>𝐶</m:t>
+                          </m:r>
+                        </m:e>
+                        <m:sup>
+                          <m:r>
+                            <a:rPr lang="en-US" sz="1200" b="0" i="1" smtClean="0">
+                              <a:latin typeface="Cambria Math" panose="02040503050406030204" pitchFamily="18" charset="0"/>
+                            </a:rPr>
+                            <m:t>𝑜</m:t>
+                          </m:r>
+                        </m:sup>
+                      </m:sSup>
+                    </m:oMath>
+                  </m:oMathPara>
+                </a14:m>
+                <a:endParaRPr lang="en-US" sz="1200" b="0" dirty="0" smtClean="0"/>
+              </a:p>
+            </p:txBody>
+          </p:sp>
+        </mc:Choice>
+        <mc:Fallback xmlns="">
+          <p:sp>
+            <p:nvSpPr>
+              <p:cNvPr id="14" name="TextBox 13"/>
+              <p:cNvSpPr txBox="1">
+                <a:spLocks noRot="1" noChangeAspect="1" noMove="1" noResize="1" noEditPoints="1" noAdjustHandles="1" noChangeArrowheads="1" noChangeShapeType="1" noTextEdit="1"/>
+              </p:cNvSpPr>
+              <p:nvPr/>
+            </p:nvSpPr>
+            <p:spPr>
+              <a:xfrm>
+                <a:off x="3810000" y="4876800"/>
+                <a:ext cx="1143000" cy="276999"/>
+              </a:xfrm>
+              <a:prstGeom prst="rect">
+                <a:avLst/>
+              </a:prstGeom>
+              <a:blipFill rotWithShape="0">
+                <a:blip r:embed="rId3"/>
+                <a:stretch>
+                  <a:fillRect/>
+                </a:stretch>
+              </a:blipFill>
+            </p:spPr>
+            <p:txBody>
+              <a:bodyPr/>
+              <a:lstStyle/>
+              <a:p>
+                <a:r>
+                  <a:rPr lang="en-US">
+                    <a:noFill/>
+                  </a:rPr>
+                  <a:t> </a:t>
+                </a:r>
+              </a:p>
+            </p:txBody>
+          </p:sp>
+        </mc:Fallback>
+      </mc:AlternateContent>
+      <mc:AlternateContent xmlns:mc="http://schemas.openxmlformats.org/markup-compatibility/2006" xmlns:a14="http://schemas.microsoft.com/office/drawing/2010/main">
+        <mc:Choice Requires="a14">
+          <p:sp>
+            <p:nvSpPr>
+              <p:cNvPr id="15" name="TextBox 14"/>
+              <p:cNvSpPr txBox="1"/>
+              <p:nvPr/>
+            </p:nvSpPr>
+            <p:spPr>
+              <a:xfrm>
+                <a:off x="5859780" y="2071300"/>
+                <a:ext cx="1143000" cy="276999"/>
+              </a:xfrm>
+              <a:prstGeom prst="rect">
+                <a:avLst/>
+              </a:prstGeom>
+              <a:noFill/>
+            </p:spPr>
+            <p:txBody>
+              <a:bodyPr wrap="square" rtlCol="0">
+                <a:spAutoFit/>
+              </a:bodyPr>
+              <a:lstStyle/>
+              <a:p>
+                <a:pPr/>
+                <a14:m>
+                  <m:oMathPara xmlns:m="http://schemas.openxmlformats.org/officeDocument/2006/math">
+                    <m:oMathParaPr>
+                      <m:jc m:val="left"/>
+                    </m:oMathParaPr>
+                    <m:oMath xmlns:m="http://schemas.openxmlformats.org/officeDocument/2006/math">
+                      <m:sSub>
+                        <m:sSubPr>
+                          <m:ctrlPr>
+                            <a:rPr lang="en-US" sz="1200" i="1" smtClean="0">
+                              <a:latin typeface="Cambria Math" panose="02040503050406030204" pitchFamily="18" charset="0"/>
+                            </a:rPr>
+                          </m:ctrlPr>
+                        </m:sSubPr>
+                        <m:e>
+                          <m:r>
+                            <a:rPr lang="en-US" sz="1200" b="0" i="1" smtClean="0">
+                              <a:latin typeface="Cambria Math" panose="02040503050406030204" pitchFamily="18" charset="0"/>
+                            </a:rPr>
+                            <m:t>𝑇</m:t>
+                          </m:r>
+                        </m:e>
+                        <m:sub>
+                          <m:r>
+                            <a:rPr lang="en-US" sz="1200" b="0" i="1" smtClean="0">
+                              <a:latin typeface="Cambria Math" panose="02040503050406030204" pitchFamily="18" charset="0"/>
+                            </a:rPr>
+                            <m:t>2</m:t>
+                          </m:r>
+                        </m:sub>
+                      </m:sSub>
+                      <m:r>
+                        <a:rPr lang="en-US" sz="1200" b="0" i="1" smtClean="0">
+                          <a:latin typeface="Cambria Math" panose="02040503050406030204" pitchFamily="18" charset="0"/>
+                        </a:rPr>
+                        <m:t>=532</m:t>
+                      </m:r>
+                      <m:sSup>
+                        <m:sSupPr>
+                          <m:ctrlPr>
+                            <a:rPr lang="en-US" sz="1200" b="0" i="1" smtClean="0">
+                              <a:latin typeface="Cambria Math" panose="02040503050406030204" pitchFamily="18" charset="0"/>
+                            </a:rPr>
+                          </m:ctrlPr>
+                        </m:sSupPr>
+                        <m:e>
+                          <m:r>
+                            <a:rPr lang="en-US" sz="1200" b="0" i="1" smtClean="0">
+                              <a:latin typeface="Cambria Math" panose="02040503050406030204" pitchFamily="18" charset="0"/>
+                            </a:rPr>
+                            <m:t>𝐶</m:t>
+                          </m:r>
+                        </m:e>
+                        <m:sup>
+                          <m:r>
+                            <a:rPr lang="en-US" sz="1200" b="0" i="1" smtClean="0">
+                              <a:latin typeface="Cambria Math" panose="02040503050406030204" pitchFamily="18" charset="0"/>
+                            </a:rPr>
+                            <m:t>𝑜</m:t>
+                          </m:r>
+                        </m:sup>
+                      </m:sSup>
+                    </m:oMath>
+                  </m:oMathPara>
+                </a14:m>
+                <a:endParaRPr lang="en-US" sz="1200" b="0" dirty="0" smtClean="0"/>
+              </a:p>
+            </p:txBody>
+          </p:sp>
+        </mc:Choice>
+        <mc:Fallback xmlns="">
+          <p:sp>
+            <p:nvSpPr>
+              <p:cNvPr id="15" name="TextBox 14"/>
+              <p:cNvSpPr txBox="1">
+                <a:spLocks noRot="1" noChangeAspect="1" noMove="1" noResize="1" noEditPoints="1" noAdjustHandles="1" noChangeArrowheads="1" noChangeShapeType="1" noTextEdit="1"/>
+              </p:cNvSpPr>
+              <p:nvPr/>
+            </p:nvSpPr>
+            <p:spPr>
+              <a:xfrm>
+                <a:off x="5859780" y="2071300"/>
+                <a:ext cx="1143000" cy="276999"/>
+              </a:xfrm>
+              <a:prstGeom prst="rect">
+                <a:avLst/>
+              </a:prstGeom>
+              <a:blipFill rotWithShape="0">
+                <a:blip r:embed="rId4"/>
+                <a:stretch>
+                  <a:fillRect/>
+                </a:stretch>
+              </a:blipFill>
+            </p:spPr>
+            <p:txBody>
+              <a:bodyPr/>
+              <a:lstStyle/>
+              <a:p>
+                <a:r>
+                  <a:rPr lang="en-US">
+                    <a:noFill/>
+                  </a:rPr>
+                  <a:t> </a:t>
+                </a:r>
+              </a:p>
+            </p:txBody>
+          </p:sp>
+        </mc:Fallback>
+      </mc:AlternateContent>
+      <mc:AlternateContent xmlns:mc="http://schemas.openxmlformats.org/markup-compatibility/2006" xmlns:a14="http://schemas.microsoft.com/office/drawing/2010/main">
+        <mc:Choice Requires="a14">
+          <p:sp>
+            <p:nvSpPr>
+              <p:cNvPr id="16" name="TextBox 15"/>
+              <p:cNvSpPr txBox="1"/>
+              <p:nvPr/>
+            </p:nvSpPr>
+            <p:spPr>
+              <a:xfrm>
+                <a:off x="3581400" y="2209800"/>
+                <a:ext cx="1143000" cy="276999"/>
+              </a:xfrm>
+              <a:prstGeom prst="rect">
+                <a:avLst/>
+              </a:prstGeom>
+              <a:noFill/>
+            </p:spPr>
+            <p:txBody>
+              <a:bodyPr wrap="square" rtlCol="0">
+                <a:spAutoFit/>
+              </a:bodyPr>
+              <a:lstStyle/>
+              <a:p>
+                <a:pPr/>
+                <a14:m>
+                  <m:oMathPara xmlns:m="http://schemas.openxmlformats.org/officeDocument/2006/math">
+                    <m:oMathParaPr>
+                      <m:jc m:val="left"/>
+                    </m:oMathParaPr>
+                    <m:oMath xmlns:m="http://schemas.openxmlformats.org/officeDocument/2006/math">
+                      <m:sSub>
+                        <m:sSubPr>
+                          <m:ctrlPr>
+                            <a:rPr lang="en-US" sz="1200" i="1" smtClean="0">
+                              <a:latin typeface="Cambria Math" panose="02040503050406030204" pitchFamily="18" charset="0"/>
+                            </a:rPr>
+                          </m:ctrlPr>
+                        </m:sSubPr>
+                        <m:e>
+                          <m:r>
+                            <a:rPr lang="en-US" sz="1200" b="0" i="1" smtClean="0">
+                              <a:latin typeface="Cambria Math" panose="02040503050406030204" pitchFamily="18" charset="0"/>
+                            </a:rPr>
+                            <m:t>𝑇</m:t>
+                          </m:r>
+                        </m:e>
+                        <m:sub>
+                          <m:r>
+                            <a:rPr lang="en-US" sz="1200" b="0" i="1" smtClean="0">
+                              <a:latin typeface="Cambria Math" panose="02040503050406030204" pitchFamily="18" charset="0"/>
+                            </a:rPr>
+                            <m:t>𝑜𝑢𝑡</m:t>
+                          </m:r>
+                        </m:sub>
+                      </m:sSub>
+                      <m:r>
+                        <a:rPr lang="en-US" sz="1200" b="0" i="1" smtClean="0">
+                          <a:latin typeface="Cambria Math" panose="02040503050406030204" pitchFamily="18" charset="0"/>
+                        </a:rPr>
+                        <m:t>=877</m:t>
+                      </m:r>
+                      <m:sSup>
+                        <m:sSupPr>
+                          <m:ctrlPr>
+                            <a:rPr lang="en-US" sz="1200" b="0" i="1" smtClean="0">
+                              <a:latin typeface="Cambria Math" panose="02040503050406030204" pitchFamily="18" charset="0"/>
+                            </a:rPr>
+                          </m:ctrlPr>
+                        </m:sSupPr>
+                        <m:e>
+                          <m:r>
+                            <a:rPr lang="en-US" sz="1200" b="0" i="1" smtClean="0">
+                              <a:latin typeface="Cambria Math" panose="02040503050406030204" pitchFamily="18" charset="0"/>
+                            </a:rPr>
+                            <m:t>𝐶</m:t>
+                          </m:r>
+                        </m:e>
+                        <m:sup>
+                          <m:r>
+                            <a:rPr lang="en-US" sz="1200" b="0" i="1" smtClean="0">
+                              <a:latin typeface="Cambria Math" panose="02040503050406030204" pitchFamily="18" charset="0"/>
+                            </a:rPr>
+                            <m:t>𝑜</m:t>
+                          </m:r>
+                        </m:sup>
+                      </m:sSup>
+                    </m:oMath>
+                  </m:oMathPara>
+                </a14:m>
+                <a:endParaRPr lang="en-US" sz="1200" b="0" dirty="0" smtClean="0"/>
+              </a:p>
+            </p:txBody>
+          </p:sp>
+        </mc:Choice>
+        <mc:Fallback xmlns="">
+          <p:sp>
+            <p:nvSpPr>
+              <p:cNvPr id="16" name="TextBox 15"/>
+              <p:cNvSpPr txBox="1">
+                <a:spLocks noRot="1" noChangeAspect="1" noMove="1" noResize="1" noEditPoints="1" noAdjustHandles="1" noChangeArrowheads="1" noChangeShapeType="1" noTextEdit="1"/>
+              </p:cNvSpPr>
+              <p:nvPr/>
+            </p:nvSpPr>
+            <p:spPr>
+              <a:xfrm>
+                <a:off x="3581400" y="2209800"/>
+                <a:ext cx="1143000" cy="276999"/>
+              </a:xfrm>
+              <a:prstGeom prst="rect">
+                <a:avLst/>
+              </a:prstGeom>
+              <a:blipFill rotWithShape="0">
+                <a:blip r:embed="rId5"/>
+                <a:stretch>
+                  <a:fillRect/>
+                </a:stretch>
+              </a:blipFill>
+            </p:spPr>
+            <p:txBody>
+              <a:bodyPr/>
+              <a:lstStyle/>
+              <a:p>
+                <a:r>
+                  <a:rPr lang="en-US">
+                    <a:noFill/>
+                  </a:rPr>
+                  <a:t> </a:t>
+                </a:r>
+              </a:p>
+            </p:txBody>
+          </p:sp>
+        </mc:Fallback>
+      </mc:AlternateContent>
+      <mc:AlternateContent xmlns:mc="http://schemas.openxmlformats.org/markup-compatibility/2006" xmlns:a14="http://schemas.microsoft.com/office/drawing/2010/main">
+        <mc:Choice Requires="a14">
+          <p:sp>
+            <p:nvSpPr>
+              <p:cNvPr id="17" name="TextBox 16"/>
+              <p:cNvSpPr txBox="1"/>
+              <p:nvPr/>
+            </p:nvSpPr>
+            <p:spPr>
+              <a:xfrm>
+                <a:off x="6504432" y="5153799"/>
+                <a:ext cx="1143000" cy="276999"/>
+              </a:xfrm>
+              <a:prstGeom prst="rect">
+                <a:avLst/>
+              </a:prstGeom>
+              <a:noFill/>
+            </p:spPr>
+            <p:txBody>
+              <a:bodyPr wrap="square" rtlCol="0">
+                <a:spAutoFit/>
+              </a:bodyPr>
+              <a:lstStyle/>
+              <a:p>
+                <a:pPr/>
+                <a14:m>
+                  <m:oMathPara xmlns:m="http://schemas.openxmlformats.org/officeDocument/2006/math">
+                    <m:oMathParaPr>
+                      <m:jc m:val="left"/>
+                    </m:oMathParaPr>
+                    <m:oMath xmlns:m="http://schemas.openxmlformats.org/officeDocument/2006/math">
+                      <m:sSub>
+                        <m:sSubPr>
+                          <m:ctrlPr>
+                            <a:rPr lang="en-US" sz="1200" i="1" smtClean="0">
+                              <a:latin typeface="Cambria Math" panose="02040503050406030204" pitchFamily="18" charset="0"/>
+                            </a:rPr>
+                          </m:ctrlPr>
+                        </m:sSubPr>
+                        <m:e>
+                          <m:r>
+                            <a:rPr lang="en-US" sz="1200" b="0" i="1" smtClean="0">
+                              <a:latin typeface="Cambria Math" panose="02040503050406030204" pitchFamily="18" charset="0"/>
+                            </a:rPr>
+                            <m:t>𝑇</m:t>
+                          </m:r>
+                        </m:e>
+                        <m:sub>
+                          <m:r>
+                            <a:rPr lang="en-US" sz="1200" b="0" i="1" smtClean="0">
+                              <a:latin typeface="Cambria Math" panose="02040503050406030204" pitchFamily="18" charset="0"/>
+                            </a:rPr>
+                            <m:t>4</m:t>
+                          </m:r>
+                        </m:sub>
+                      </m:sSub>
+                      <m:r>
+                        <a:rPr lang="en-US" sz="1200" b="0" i="1" smtClean="0">
+                          <a:latin typeface="Cambria Math" panose="02040503050406030204" pitchFamily="18" charset="0"/>
+                        </a:rPr>
+                        <m:t>=290</m:t>
+                      </m:r>
+                      <m:sSup>
+                        <m:sSupPr>
+                          <m:ctrlPr>
+                            <a:rPr lang="en-US" sz="1200" b="0" i="1" smtClean="0">
+                              <a:latin typeface="Cambria Math" panose="02040503050406030204" pitchFamily="18" charset="0"/>
+                            </a:rPr>
+                          </m:ctrlPr>
+                        </m:sSupPr>
+                        <m:e>
+                          <m:r>
+                            <a:rPr lang="en-US" sz="1200" b="0" i="1" smtClean="0">
+                              <a:latin typeface="Cambria Math" panose="02040503050406030204" pitchFamily="18" charset="0"/>
+                            </a:rPr>
+                            <m:t>𝐶</m:t>
+                          </m:r>
+                        </m:e>
+                        <m:sup>
+                          <m:r>
+                            <a:rPr lang="en-US" sz="1200" b="0" i="1" smtClean="0">
+                              <a:latin typeface="Cambria Math" panose="02040503050406030204" pitchFamily="18" charset="0"/>
+                            </a:rPr>
+                            <m:t>𝑜</m:t>
+                          </m:r>
+                        </m:sup>
+                      </m:sSup>
+                    </m:oMath>
+                  </m:oMathPara>
+                </a14:m>
+                <a:endParaRPr lang="en-US" sz="1200" b="0" dirty="0" smtClean="0"/>
+              </a:p>
+            </p:txBody>
+          </p:sp>
+        </mc:Choice>
+        <mc:Fallback xmlns="">
+          <p:sp>
+            <p:nvSpPr>
+              <p:cNvPr id="17" name="TextBox 16"/>
+              <p:cNvSpPr txBox="1">
+                <a:spLocks noRot="1" noChangeAspect="1" noMove="1" noResize="1" noEditPoints="1" noAdjustHandles="1" noChangeArrowheads="1" noChangeShapeType="1" noTextEdit="1"/>
+              </p:cNvSpPr>
+              <p:nvPr/>
+            </p:nvSpPr>
+            <p:spPr>
+              <a:xfrm>
+                <a:off x="6504432" y="5153799"/>
+                <a:ext cx="1143000" cy="276999"/>
+              </a:xfrm>
+              <a:prstGeom prst="rect">
+                <a:avLst/>
+              </a:prstGeom>
+              <a:blipFill rotWithShape="0">
+                <a:blip r:embed="rId6"/>
+                <a:stretch>
+                  <a:fillRect/>
+                </a:stretch>
+              </a:blipFill>
+            </p:spPr>
+            <p:txBody>
+              <a:bodyPr/>
+              <a:lstStyle/>
+              <a:p>
+                <a:r>
+                  <a:rPr lang="en-US">
+                    <a:noFill/>
+                  </a:rPr>
+                  <a:t> </a:t>
+                </a:r>
+              </a:p>
+            </p:txBody>
+          </p:sp>
+        </mc:Fallback>
+      </mc:AlternateContent>
+    </p:spTree>
+    <p:extLst>
+      <p:ext uri="{BB962C8B-B14F-4D97-AF65-F5344CB8AC3E}">
+        <p14:creationId xmlns:p14="http://schemas.microsoft.com/office/powerpoint/2010/main" val="2908567861"/>
+      </p:ext>
+    </p:extLst>
+  </p:cSld>
+  <p:clrMapOvr>
+    <a:masterClrMapping/>
+  </p:clrMapOvr>
+</p:sld>
+</file>
+
+<file path=ppt/slides/slide19.xml><?xml version="1.0" encoding="utf-8"?>
+<p:sld xmlns:a="http://schemas.openxmlformats.org/drawingml/2006/main" xmlns:r="http://schemas.openxmlformats.org/officeDocument/2006/relationships" xmlns:p="http://schemas.openxmlformats.org/presentationml/2006/main">
+  <p:cSld>
+    <p:spTree>
+      <p:nvGrpSpPr>
+        <p:cNvPr id="1" name=""/>
+        <p:cNvGrpSpPr/>
+        <p:nvPr/>
+      </p:nvGrpSpPr>
+      <p:grpSpPr>
+        <a:xfrm>
+          <a:off x="0" y="0"/>
+          <a:ext cx="0" cy="0"/>
+          <a:chOff x="0" y="0"/>
+          <a:chExt cx="0" cy="0"/>
+        </a:xfrm>
+      </p:grpSpPr>
+      <p:sp>
+        <p:nvSpPr>
+          <p:cNvPr id="2" name="Title 1"/>
+          <p:cNvSpPr>
+            <a:spLocks noGrp="1"/>
+          </p:cNvSpPr>
+          <p:nvPr>
+            <p:ph type="title"/>
+          </p:nvPr>
+        </p:nvSpPr>
+        <p:spPr/>
+        <p:txBody>
+          <a:bodyPr/>
+          <a:lstStyle/>
+          <a:p>
+            <a:r>
+              <a:rPr lang="en-US" dirty="0" smtClean="0"/>
+              <a:t>Why this reactor?</a:t>
+            </a:r>
+            <a:endParaRPr lang="en-US" dirty="0"/>
+          </a:p>
+        </p:txBody>
+      </p:sp>
+      <p:sp>
+        <p:nvSpPr>
+          <p:cNvPr id="3" name="Content Placeholder 2"/>
+          <p:cNvSpPr>
+            <a:spLocks noGrp="1"/>
+          </p:cNvSpPr>
+          <p:nvPr>
+            <p:ph idx="1"/>
+          </p:nvPr>
+        </p:nvSpPr>
+        <p:spPr>
+          <a:xfrm>
+            <a:off x="457200" y="1600200"/>
+            <a:ext cx="4267200" cy="4525963"/>
+          </a:xfrm>
+        </p:spPr>
+        <p:txBody>
+          <a:bodyPr/>
+          <a:lstStyle/>
+          <a:p>
+            <a:r>
+              <a:rPr lang="en-US" sz="2500" dirty="0" smtClean="0"/>
+              <a:t>Secure ( the number of people who access underground ‘core area’ are limited).</a:t>
+            </a:r>
+          </a:p>
+          <a:p>
+            <a:r>
+              <a:rPr lang="en-US" sz="2500" dirty="0" smtClean="0"/>
+              <a:t>Easy for maintenance while the reactor is working.</a:t>
+            </a:r>
+          </a:p>
+          <a:p>
+            <a:r>
+              <a:rPr lang="en-US" sz="2500" dirty="0" smtClean="0"/>
+              <a:t>Not just the power! </a:t>
+            </a:r>
+          </a:p>
+          <a:p>
+            <a:endParaRPr lang="en-US" sz="2500" dirty="0" smtClean="0"/>
+          </a:p>
+          <a:p>
+            <a:endParaRPr lang="en-US" sz="2500" dirty="0" smtClean="0"/>
+          </a:p>
+        </p:txBody>
+      </p:sp>
+      <p:sp>
+        <p:nvSpPr>
+          <p:cNvPr id="4" name="Slide Number Placeholder 3"/>
+          <p:cNvSpPr>
+            <a:spLocks noGrp="1"/>
+          </p:cNvSpPr>
+          <p:nvPr>
+            <p:ph type="sldNum" sz="quarter" idx="10"/>
+          </p:nvPr>
+        </p:nvSpPr>
+        <p:spPr/>
+        <p:txBody>
+          <a:bodyPr/>
+          <a:lstStyle/>
+          <a:p>
+            <a:pPr>
+              <a:defRPr/>
+            </a:pPr>
+            <a:fld id="{639E97B8-4532-408E-A5F7-ACF05B64D361}" type="slidenum">
+              <a:rPr lang="en-US" smtClean="0"/>
+              <a:pPr>
+                <a:defRPr/>
+              </a:pPr>
+              <a:t>19</a:t>
+            </a:fld>
+            <a:endParaRPr lang="en-US" dirty="0"/>
+          </a:p>
+        </p:txBody>
+      </p:sp>
+      <p:pic>
+        <p:nvPicPr>
+          <p:cNvPr id="5" name="Content Placeholder 5"/>
+          <p:cNvPicPr>
+            <a:picLocks noChangeAspect="1"/>
+          </p:cNvPicPr>
+          <p:nvPr/>
+        </p:nvPicPr>
+        <p:blipFill>
+          <a:blip r:embed="rId2">
+            <a:extLst>
+              <a:ext uri="{28A0092B-C50C-407E-A947-70E740481C1C}">
+                <a14:useLocalDpi xmlns:a14="http://schemas.microsoft.com/office/drawing/2010/main" val="0"/>
+              </a:ext>
+            </a:extLst>
+          </a:blip>
+          <a:stretch>
+            <a:fillRect/>
+          </a:stretch>
+        </p:blipFill>
+        <p:spPr>
+          <a:xfrm>
+            <a:off x="4648200" y="1979693"/>
+            <a:ext cx="4038600" cy="3766977"/>
+          </a:xfrm>
+          <a:prstGeom prst="rect">
+            <a:avLst/>
+          </a:prstGeom>
+        </p:spPr>
+      </p:pic>
+      <p:sp>
+        <p:nvSpPr>
+          <p:cNvPr id="6" name="TextBox 5"/>
+          <p:cNvSpPr txBox="1"/>
+          <p:nvPr/>
+        </p:nvSpPr>
+        <p:spPr>
+          <a:xfrm>
+            <a:off x="5715000" y="3863181"/>
+            <a:ext cx="304800" cy="381000"/>
+          </a:xfrm>
+          <a:prstGeom prst="rect">
+            <a:avLst/>
+          </a:prstGeom>
+          <a:noFill/>
+        </p:spPr>
+        <p:txBody>
+          <a:bodyPr wrap="square" rtlCol="0">
+            <a:spAutoFit/>
+          </a:bodyPr>
+          <a:lstStyle/>
+          <a:p>
+            <a:r>
+              <a:rPr lang="en-US" dirty="0" smtClean="0"/>
+              <a:t>1</a:t>
+            </a:r>
+            <a:endParaRPr lang="en-US" dirty="0"/>
+          </a:p>
+        </p:txBody>
+      </p:sp>
+      <p:sp>
+        <p:nvSpPr>
+          <p:cNvPr id="7" name="TextBox 6"/>
+          <p:cNvSpPr txBox="1"/>
+          <p:nvPr/>
+        </p:nvSpPr>
+        <p:spPr>
+          <a:xfrm>
+            <a:off x="7391400" y="4419600"/>
+            <a:ext cx="533400" cy="369332"/>
+          </a:xfrm>
+          <a:prstGeom prst="rect">
+            <a:avLst/>
+          </a:prstGeom>
+          <a:noFill/>
+        </p:spPr>
+        <p:txBody>
+          <a:bodyPr wrap="square" rtlCol="0">
+            <a:spAutoFit/>
+          </a:bodyPr>
+          <a:lstStyle/>
+          <a:p>
+            <a:r>
+              <a:rPr lang="en-US" dirty="0" smtClean="0"/>
+              <a:t>2</a:t>
+            </a:r>
+            <a:endParaRPr lang="en-US" dirty="0"/>
+          </a:p>
+        </p:txBody>
+      </p:sp>
+      <p:sp>
+        <p:nvSpPr>
+          <p:cNvPr id="8" name="TextBox 7"/>
+          <p:cNvSpPr txBox="1"/>
+          <p:nvPr/>
+        </p:nvSpPr>
+        <p:spPr>
+          <a:xfrm>
+            <a:off x="5715000" y="2569288"/>
+            <a:ext cx="304800" cy="381000"/>
+          </a:xfrm>
+          <a:prstGeom prst="rect">
+            <a:avLst/>
+          </a:prstGeom>
+          <a:noFill/>
+        </p:spPr>
+        <p:txBody>
+          <a:bodyPr wrap="square" rtlCol="0">
+            <a:spAutoFit/>
+          </a:bodyPr>
+          <a:lstStyle/>
+          <a:p>
+            <a:r>
+              <a:rPr lang="en-US" dirty="0" smtClean="0"/>
+              <a:t>3</a:t>
+            </a:r>
+            <a:endParaRPr lang="en-US" dirty="0"/>
+          </a:p>
+        </p:txBody>
+      </p:sp>
+      <p:cxnSp>
+        <p:nvCxnSpPr>
+          <p:cNvPr id="9" name="Straight Connector 8"/>
+          <p:cNvCxnSpPr/>
+          <p:nvPr/>
+        </p:nvCxnSpPr>
+        <p:spPr>
+          <a:xfrm>
+            <a:off x="4572000" y="2942772"/>
+            <a:ext cx="4191000" cy="0"/>
+          </a:xfrm>
+          <a:prstGeom prst="line">
+            <a:avLst/>
+          </a:prstGeom>
+          <a:ln w="25400" cap="sq">
+            <a:prstDash val="solid"/>
+          </a:ln>
+        </p:spPr>
+        <p:style>
+          <a:lnRef idx="1">
+            <a:schemeClr val="dk1"/>
+          </a:lnRef>
+          <a:fillRef idx="0">
+            <a:schemeClr val="dk1"/>
+          </a:fillRef>
+          <a:effectRef idx="0">
+            <a:schemeClr val="dk1"/>
+          </a:effectRef>
+          <a:fontRef idx="minor">
+            <a:schemeClr val="tx1"/>
+          </a:fontRef>
+        </p:style>
+      </p:cxnSp>
+      <p:sp>
+        <p:nvSpPr>
+          <p:cNvPr id="10" name="TextBox 9"/>
+          <p:cNvSpPr txBox="1"/>
+          <p:nvPr/>
+        </p:nvSpPr>
+        <p:spPr>
+          <a:xfrm>
+            <a:off x="8077200" y="2950288"/>
+            <a:ext cx="974958" cy="400110"/>
+          </a:xfrm>
+          <a:prstGeom prst="rect">
+            <a:avLst/>
+          </a:prstGeom>
+          <a:noFill/>
+        </p:spPr>
+        <p:txBody>
+          <a:bodyPr wrap="square" rtlCol="0">
+            <a:spAutoFit/>
+          </a:bodyPr>
+          <a:lstStyle/>
+          <a:p>
+            <a:pPr algn="ctr"/>
+            <a:r>
+              <a:rPr lang="en-US" sz="1000" dirty="0"/>
+              <a:t>underground </a:t>
+            </a:r>
+            <a:r>
+              <a:rPr lang="en-US" sz="1000" dirty="0" smtClean="0"/>
+              <a:t>container line</a:t>
+            </a:r>
+            <a:endParaRPr lang="en-US" sz="1000" dirty="0"/>
+          </a:p>
+        </p:txBody>
+      </p:sp>
+    </p:spTree>
+    <p:extLst>
+      <p:ext uri="{BB962C8B-B14F-4D97-AF65-F5344CB8AC3E}">
+        <p14:creationId xmlns:p14="http://schemas.microsoft.com/office/powerpoint/2010/main" val="3752331653"/>
+      </p:ext>
+    </p:extLst>
+  </p:cSld>
+  <p:clrMapOvr>
+    <a:masterClrMapping/>
+  </p:clrMapOvr>
+</p:sld>
+</file>
+
+<file path=ppt/slides/slide2.xml><?xml version="1.0" encoding="utf-8"?>
+<p:sld xmlns:a="http://schemas.openxmlformats.org/drawingml/2006/main" xmlns:r="http://schemas.openxmlformats.org/officeDocument/2006/relationships" xmlns:p="http://schemas.openxmlformats.org/presentationml/2006/main">
+  <p:cSld>
+    <p:spTree>
+      <p:nvGrpSpPr>
+        <p:cNvPr id="1" name=""/>
+        <p:cNvGrpSpPr/>
+        <p:nvPr/>
+      </p:nvGrpSpPr>
+      <p:grpSpPr>
+        <a:xfrm>
+          <a:off x="0" y="0"/>
+          <a:ext cx="0" cy="0"/>
+          <a:chOff x="0" y="0"/>
+          <a:chExt cx="0" cy="0"/>
+        </a:xfrm>
+      </p:grpSpPr>
+      <p:sp>
+        <p:nvSpPr>
+          <p:cNvPr id="6" name="Title 5"/>
+          <p:cNvSpPr>
+            <a:spLocks noGrp="1"/>
+          </p:cNvSpPr>
+          <p:nvPr>
+            <p:ph type="title"/>
+          </p:nvPr>
+        </p:nvSpPr>
+        <p:spPr/>
+        <p:txBody>
+          <a:bodyPr/>
+          <a:lstStyle/>
+          <a:p>
+            <a:r>
+              <a:rPr lang="en-US" dirty="0" smtClean="0"/>
+              <a:t>Core Versions</a:t>
+            </a:r>
+            <a:endParaRPr lang="en-US" dirty="0"/>
+          </a:p>
+        </p:txBody>
+      </p:sp>
+      <p:graphicFrame>
+        <p:nvGraphicFramePr>
+          <p:cNvPr id="8" name="Content Placeholder 7"/>
+          <p:cNvGraphicFramePr>
+            <a:graphicFrameLocks noGrp="1"/>
+          </p:cNvGraphicFramePr>
+          <p:nvPr>
+            <p:ph idx="1"/>
+            <p:extLst>
+              <p:ext uri="{D42A27DB-BD31-4B8C-83A1-F6EECF244321}">
+                <p14:modId xmlns:p14="http://schemas.microsoft.com/office/powerpoint/2010/main" val="287575875"/>
+              </p:ext>
+            </p:extLst>
+          </p:nvPr>
+        </p:nvGraphicFramePr>
+        <p:xfrm>
+          <a:off x="762000" y="1752600"/>
+          <a:ext cx="7620000" cy="3266960"/>
+        </p:xfrm>
+        <a:graphic>
+          <a:graphicData uri="http://schemas.openxmlformats.org/drawingml/2006/table">
+            <a:tbl>
+              <a:tblPr firstRow="1" bandRow="1">
+                <a:tableStyleId>{073A0DAA-6AF3-43AB-8588-CEC1D06C72B9}</a:tableStyleId>
+              </a:tblPr>
+              <a:tblGrid>
+                <a:gridCol w="1524000"/>
+                <a:gridCol w="1524000"/>
+                <a:gridCol w="1524000"/>
+                <a:gridCol w="1524000"/>
+                <a:gridCol w="1524000"/>
+              </a:tblGrid>
+              <a:tr h="990600">
+                <a:tc>
+                  <a:txBody>
+                    <a:bodyPr/>
+                    <a:lstStyle/>
+                    <a:p>
+                      <a:pPr algn="ctr"/>
+                      <a:r>
+                        <a:rPr lang="en-US" dirty="0" smtClean="0"/>
+                        <a:t>Version</a:t>
+                      </a:r>
+                      <a:endParaRPr lang="en-US" dirty="0"/>
+                    </a:p>
+                  </a:txBody>
+                  <a:tcPr/>
+                </a:tc>
+                <a:tc>
+                  <a:txBody>
+                    <a:bodyPr/>
+                    <a:lstStyle/>
+                    <a:p>
+                      <a:pPr algn="ctr"/>
+                      <a:r>
+                        <a:rPr lang="en-US" dirty="0" smtClean="0"/>
+                        <a:t>Axial Layers</a:t>
+                      </a:r>
+                      <a:endParaRPr lang="en-US" dirty="0"/>
+                    </a:p>
+                  </a:txBody>
+                  <a:tcPr/>
+                </a:tc>
+                <a:tc>
+                  <a:txBody>
+                    <a:bodyPr/>
+                    <a:lstStyle/>
+                    <a:p>
+                      <a:pPr algn="ctr"/>
+                      <a:r>
+                        <a:rPr lang="en-US" dirty="0" smtClean="0"/>
+                        <a:t>Depleted</a:t>
+                      </a:r>
+                      <a:r>
+                        <a:rPr lang="en-US" baseline="0" dirty="0" smtClean="0"/>
+                        <a:t> Uranium Assemblies</a:t>
+                      </a:r>
+                      <a:endParaRPr lang="en-US" dirty="0"/>
+                    </a:p>
+                  </a:txBody>
+                  <a:tcPr/>
+                </a:tc>
+                <a:tc>
+                  <a:txBody>
+                    <a:bodyPr/>
+                    <a:lstStyle/>
+                    <a:p>
+                      <a:pPr algn="ctr"/>
+                      <a:r>
+                        <a:rPr lang="en-US" dirty="0" smtClean="0"/>
+                        <a:t>LEU Assemblies</a:t>
+                      </a:r>
+                      <a:endParaRPr lang="en-US" dirty="0"/>
+                    </a:p>
+                  </a:txBody>
+                  <a:tcPr/>
+                </a:tc>
+                <a:tc>
+                  <a:txBody>
+                    <a:bodyPr/>
+                    <a:lstStyle/>
+                    <a:p>
+                      <a:pPr algn="ctr"/>
+                      <a:r>
+                        <a:rPr lang="en-US" dirty="0" smtClean="0"/>
+                        <a:t>LEU Enrichment (%)</a:t>
+                      </a:r>
+                      <a:endParaRPr lang="en-US" dirty="0"/>
+                    </a:p>
+                  </a:txBody>
+                  <a:tcPr/>
+                </a:tc>
+              </a:tr>
+              <a:tr h="455272">
+                <a:tc>
+                  <a:txBody>
+                    <a:bodyPr/>
+                    <a:lstStyle/>
+                    <a:p>
+                      <a:pPr algn="ctr"/>
+                      <a:r>
+                        <a:rPr lang="en-US" dirty="0" smtClean="0"/>
+                        <a:t>1</a:t>
+                      </a:r>
+                      <a:endParaRPr lang="en-US" dirty="0"/>
+                    </a:p>
+                  </a:txBody>
+                  <a:tcPr/>
+                </a:tc>
+                <a:tc>
+                  <a:txBody>
+                    <a:bodyPr/>
+                    <a:lstStyle/>
+                    <a:p>
+                      <a:pPr algn="ctr"/>
+                      <a:r>
+                        <a:rPr lang="en-US" dirty="0" smtClean="0"/>
+                        <a:t>5</a:t>
+                      </a:r>
+                      <a:endParaRPr lang="en-US" dirty="0"/>
+                    </a:p>
+                  </a:txBody>
+                  <a:tcPr/>
+                </a:tc>
+                <a:tc>
+                  <a:txBody>
+                    <a:bodyPr/>
+                    <a:lstStyle/>
+                    <a:p>
+                      <a:pPr algn="ctr"/>
+                      <a:r>
+                        <a:rPr lang="en-US" dirty="0" smtClean="0"/>
+                        <a:t>231</a:t>
+                      </a:r>
+                      <a:endParaRPr lang="en-US" dirty="0"/>
+                    </a:p>
+                  </a:txBody>
+                  <a:tcPr/>
+                </a:tc>
+                <a:tc>
+                  <a:txBody>
+                    <a:bodyPr/>
+                    <a:lstStyle/>
+                    <a:p>
+                      <a:pPr algn="ctr"/>
+                      <a:r>
+                        <a:rPr lang="en-US" dirty="0" smtClean="0"/>
+                        <a:t>42</a:t>
+                      </a:r>
+                      <a:endParaRPr lang="en-US" dirty="0"/>
+                    </a:p>
+                  </a:txBody>
+                  <a:tcPr/>
+                </a:tc>
+                <a:tc>
+                  <a:txBody>
+                    <a:bodyPr/>
+                    <a:lstStyle/>
+                    <a:p>
+                      <a:pPr algn="ctr"/>
+                      <a:r>
+                        <a:rPr lang="en-US" dirty="0" smtClean="0"/>
+                        <a:t>13</a:t>
+                      </a:r>
+                      <a:endParaRPr lang="en-US" dirty="0"/>
+                    </a:p>
+                  </a:txBody>
+                  <a:tcPr/>
+                </a:tc>
+              </a:tr>
+              <a:tr h="455272">
+                <a:tc>
+                  <a:txBody>
+                    <a:bodyPr/>
+                    <a:lstStyle/>
+                    <a:p>
+                      <a:pPr algn="ctr"/>
+                      <a:r>
+                        <a:rPr lang="en-US" dirty="0" smtClean="0"/>
+                        <a:t>2</a:t>
+                      </a:r>
+                    </a:p>
+                  </a:txBody>
+                  <a:tcPr/>
+                </a:tc>
+                <a:tc>
+                  <a:txBody>
+                    <a:bodyPr/>
+                    <a:lstStyle/>
+                    <a:p>
+                      <a:pPr algn="ctr"/>
+                      <a:r>
+                        <a:rPr lang="en-US" dirty="0" smtClean="0"/>
+                        <a:t>7</a:t>
+                      </a:r>
+                      <a:endParaRPr lang="en-US" dirty="0"/>
+                    </a:p>
+                  </a:txBody>
+                  <a:tcPr/>
+                </a:tc>
+                <a:tc>
+                  <a:txBody>
+                    <a:bodyPr/>
+                    <a:lstStyle/>
+                    <a:p>
+                      <a:pPr algn="ctr"/>
+                      <a:r>
+                        <a:rPr lang="en-US" dirty="0" smtClean="0"/>
+                        <a:t>215</a:t>
+                      </a:r>
+                      <a:endParaRPr lang="en-US" dirty="0"/>
+                    </a:p>
+                  </a:txBody>
+                  <a:tcPr/>
+                </a:tc>
+                <a:tc>
+                  <a:txBody>
+                    <a:bodyPr/>
+                    <a:lstStyle/>
+                    <a:p>
+                      <a:pPr algn="ctr"/>
+                      <a:r>
+                        <a:rPr lang="en-US" dirty="0" smtClean="0"/>
+                        <a:t>58</a:t>
+                      </a:r>
+                      <a:endParaRPr lang="en-US" dirty="0"/>
+                    </a:p>
+                  </a:txBody>
+                  <a:tcPr/>
+                </a:tc>
+                <a:tc>
+                  <a:txBody>
+                    <a:bodyPr/>
+                    <a:lstStyle/>
+                    <a:p>
+                      <a:pPr algn="ctr"/>
+                      <a:r>
+                        <a:rPr lang="en-US" dirty="0" smtClean="0"/>
+                        <a:t>13</a:t>
+                      </a:r>
+                      <a:endParaRPr lang="en-US" dirty="0"/>
+                    </a:p>
+                  </a:txBody>
+                  <a:tcPr/>
+                </a:tc>
+              </a:tr>
+              <a:tr h="455272">
+                <a:tc>
+                  <a:txBody>
+                    <a:bodyPr/>
+                    <a:lstStyle/>
+                    <a:p>
+                      <a:pPr algn="ctr"/>
+                      <a:r>
+                        <a:rPr lang="en-US" dirty="0" smtClean="0"/>
+                        <a:t>3</a:t>
+                      </a:r>
+                      <a:endParaRPr lang="en-US" dirty="0"/>
+                    </a:p>
+                  </a:txBody>
+                  <a:tcPr/>
+                </a:tc>
+                <a:tc>
+                  <a:txBody>
+                    <a:bodyPr/>
+                    <a:lstStyle/>
+                    <a:p>
+                      <a:pPr algn="ctr"/>
+                      <a:r>
+                        <a:rPr lang="en-US" dirty="0" smtClean="0"/>
+                        <a:t>5</a:t>
+                      </a:r>
+                      <a:endParaRPr lang="en-US" dirty="0"/>
+                    </a:p>
+                  </a:txBody>
+                  <a:tcPr/>
+                </a:tc>
+                <a:tc>
+                  <a:txBody>
+                    <a:bodyPr/>
+                    <a:lstStyle/>
+                    <a:p>
+                      <a:pPr algn="ctr"/>
+                      <a:r>
+                        <a:rPr lang="en-US" dirty="0" smtClean="0"/>
+                        <a:t>231</a:t>
+                      </a:r>
+                      <a:endParaRPr lang="en-US" dirty="0"/>
+                    </a:p>
+                  </a:txBody>
+                  <a:tcPr/>
+                </a:tc>
+                <a:tc>
+                  <a:txBody>
+                    <a:bodyPr/>
+                    <a:lstStyle/>
+                    <a:p>
+                      <a:pPr algn="ctr"/>
+                      <a:r>
+                        <a:rPr lang="en-US" dirty="0" smtClean="0"/>
+                        <a:t>42</a:t>
+                      </a:r>
+                      <a:endParaRPr lang="en-US" dirty="0"/>
+                    </a:p>
+                  </a:txBody>
+                  <a:tcPr/>
+                </a:tc>
+                <a:tc>
+                  <a:txBody>
+                    <a:bodyPr/>
+                    <a:lstStyle/>
+                    <a:p>
+                      <a:pPr algn="ctr"/>
+                      <a:r>
+                        <a:rPr lang="en-US" dirty="0" smtClean="0"/>
+                        <a:t>20</a:t>
+                      </a:r>
+                      <a:endParaRPr lang="en-US" dirty="0"/>
+                    </a:p>
+                  </a:txBody>
+                  <a:tcPr/>
+                </a:tc>
+              </a:tr>
+              <a:tr h="455272">
+                <a:tc>
+                  <a:txBody>
+                    <a:bodyPr/>
+                    <a:lstStyle/>
+                    <a:p>
+                      <a:pPr algn="ctr"/>
+                      <a:r>
+                        <a:rPr lang="en-US" dirty="0" smtClean="0"/>
+                        <a:t>4</a:t>
+                      </a:r>
+                      <a:endParaRPr lang="en-US" dirty="0"/>
+                    </a:p>
+                  </a:txBody>
+                  <a:tcPr/>
+                </a:tc>
+                <a:tc>
+                  <a:txBody>
+                    <a:bodyPr/>
+                    <a:lstStyle/>
+                    <a:p>
+                      <a:pPr algn="ctr"/>
+                      <a:r>
+                        <a:rPr lang="en-US" dirty="0" smtClean="0"/>
+                        <a:t>3</a:t>
+                      </a:r>
+                      <a:endParaRPr lang="en-US" dirty="0"/>
+                    </a:p>
+                  </a:txBody>
+                  <a:tcPr/>
+                </a:tc>
+                <a:tc>
+                  <a:txBody>
+                    <a:bodyPr/>
+                    <a:lstStyle/>
+                    <a:p>
+                      <a:pPr algn="ctr"/>
+                      <a:r>
+                        <a:rPr lang="en-US" dirty="0" smtClean="0"/>
+                        <a:t>239</a:t>
+                      </a:r>
+                      <a:endParaRPr lang="en-US" dirty="0"/>
+                    </a:p>
+                  </a:txBody>
+                  <a:tcPr/>
+                </a:tc>
+                <a:tc>
+                  <a:txBody>
+                    <a:bodyPr/>
+                    <a:lstStyle/>
+                    <a:p>
+                      <a:pPr algn="ctr"/>
+                      <a:r>
+                        <a:rPr lang="en-US" dirty="0" smtClean="0"/>
+                        <a:t>34</a:t>
+                      </a:r>
+                      <a:endParaRPr lang="en-US" dirty="0"/>
+                    </a:p>
+                  </a:txBody>
+                  <a:tcPr/>
+                </a:tc>
+                <a:tc>
+                  <a:txBody>
+                    <a:bodyPr/>
+                    <a:lstStyle/>
+                    <a:p>
+                      <a:pPr algn="ctr"/>
+                      <a:r>
+                        <a:rPr lang="en-US" dirty="0" smtClean="0"/>
+                        <a:t>20</a:t>
+                      </a:r>
+                      <a:endParaRPr lang="en-US" dirty="0"/>
+                    </a:p>
+                  </a:txBody>
+                  <a:tcPr/>
+                </a:tc>
+              </a:tr>
+              <a:tr h="455272">
+                <a:tc>
+                  <a:txBody>
+                    <a:bodyPr/>
+                    <a:lstStyle/>
+                    <a:p>
+                      <a:pPr algn="ctr"/>
+                      <a:r>
+                        <a:rPr lang="en-US" dirty="0" smtClean="0"/>
+                        <a:t>6</a:t>
+                      </a:r>
+                      <a:endParaRPr lang="en-US" dirty="0"/>
+                    </a:p>
+                  </a:txBody>
+                  <a:tcPr/>
+                </a:tc>
+                <a:tc>
+                  <a:txBody>
+                    <a:bodyPr/>
+                    <a:lstStyle/>
+                    <a:p>
+                      <a:pPr algn="ctr"/>
+                      <a:r>
+                        <a:rPr lang="en-US" dirty="0" smtClean="0"/>
+                        <a:t>7</a:t>
+                      </a:r>
+                      <a:endParaRPr lang="en-US" dirty="0"/>
+                    </a:p>
+                  </a:txBody>
+                  <a:tcPr/>
+                </a:tc>
+                <a:tc>
+                  <a:txBody>
+                    <a:bodyPr/>
+                    <a:lstStyle/>
+                    <a:p>
+                      <a:pPr algn="ctr"/>
+                      <a:r>
+                        <a:rPr lang="en-US" dirty="0" smtClean="0"/>
+                        <a:t>215</a:t>
+                      </a:r>
+                      <a:endParaRPr lang="en-US" dirty="0"/>
+                    </a:p>
+                  </a:txBody>
+                  <a:tcPr/>
+                </a:tc>
+                <a:tc>
+                  <a:txBody>
+                    <a:bodyPr/>
+                    <a:lstStyle/>
+                    <a:p>
+                      <a:pPr algn="ctr"/>
+                      <a:r>
+                        <a:rPr lang="en-US" dirty="0" smtClean="0"/>
+                        <a:t>58</a:t>
+                      </a:r>
+                      <a:endParaRPr lang="en-US" dirty="0"/>
+                    </a:p>
+                  </a:txBody>
+                  <a:tcPr/>
+                </a:tc>
+                <a:tc>
+                  <a:txBody>
+                    <a:bodyPr/>
+                    <a:lstStyle/>
+                    <a:p>
+                      <a:pPr algn="ctr"/>
+                      <a:r>
+                        <a:rPr lang="en-US" dirty="0" smtClean="0"/>
+                        <a:t>13</a:t>
+                      </a:r>
+                      <a:endParaRPr lang="en-US" dirty="0"/>
+                    </a:p>
+                  </a:txBody>
+                  <a:tcPr/>
+                </a:tc>
+              </a:tr>
+            </a:tbl>
+          </a:graphicData>
+        </a:graphic>
+      </p:graphicFrame>
+      <p:sp>
+        <p:nvSpPr>
+          <p:cNvPr id="5" name="Slide Number Placeholder 4"/>
+          <p:cNvSpPr>
+            <a:spLocks noGrp="1"/>
+          </p:cNvSpPr>
+          <p:nvPr>
+            <p:ph type="sldNum" sz="quarter" idx="10"/>
+          </p:nvPr>
+        </p:nvSpPr>
+        <p:spPr/>
+        <p:txBody>
+          <a:bodyPr/>
+          <a:lstStyle/>
+          <a:p>
+            <a:pPr>
+              <a:defRPr/>
+            </a:pPr>
+            <a:fld id="{56039845-206E-4D43-9E5F-DD43C0647861}" type="slidenum">
+              <a:rPr lang="en-US" smtClean="0"/>
+              <a:pPr>
+                <a:defRPr/>
+              </a:pPr>
+              <a:t>2</a:t>
+            </a:fld>
+            <a:endParaRPr lang="en-US" dirty="0"/>
+          </a:p>
+        </p:txBody>
+      </p:sp>
+    </p:spTree>
+    <p:extLst>
+      <p:ext uri="{BB962C8B-B14F-4D97-AF65-F5344CB8AC3E}">
+        <p14:creationId xmlns:p14="http://schemas.microsoft.com/office/powerpoint/2010/main" val="3739850775"/>
+      </p:ext>
+    </p:extLst>
+  </p:cSld>
+  <p:clrMapOvr>
+    <a:masterClrMapping/>
+  </p:clrMapOvr>
+</p:sld>
+</file>
+
+<file path=ppt/slides/slide20.xml><?xml version="1.0" encoding="utf-8"?>
+<p:sld xmlns:a="http://schemas.openxmlformats.org/drawingml/2006/main" xmlns:r="http://schemas.openxmlformats.org/officeDocument/2006/relationships" xmlns:p="http://schemas.openxmlformats.org/presentationml/2006/main">
+  <p:cSld>
+    <p:spTree>
+      <p:nvGrpSpPr>
+        <p:cNvPr id="1" name=""/>
+        <p:cNvGrpSpPr/>
+        <p:nvPr/>
+      </p:nvGrpSpPr>
+      <p:grpSpPr>
+        <a:xfrm>
+          <a:off x="0" y="0"/>
+          <a:ext cx="0" cy="0"/>
+          <a:chOff x="0" y="0"/>
+          <a:chExt cx="0" cy="0"/>
+        </a:xfrm>
+      </p:grpSpPr>
+      <p:sp>
+        <p:nvSpPr>
+          <p:cNvPr id="2" name="Title 1"/>
+          <p:cNvSpPr>
+            <a:spLocks noGrp="1"/>
+          </p:cNvSpPr>
+          <p:nvPr>
+            <p:ph type="title"/>
+          </p:nvPr>
+        </p:nvSpPr>
+        <p:spPr/>
+        <p:txBody>
+          <a:bodyPr/>
+          <a:lstStyle/>
+          <a:p>
+            <a:r>
+              <a:rPr lang="en-US" dirty="0" smtClean="0"/>
+              <a:t>What is next?</a:t>
+            </a:r>
+            <a:endParaRPr lang="en-US" dirty="0"/>
+          </a:p>
+        </p:txBody>
+      </p:sp>
+      <p:sp>
+        <p:nvSpPr>
+          <p:cNvPr id="3" name="Content Placeholder 2"/>
+          <p:cNvSpPr>
+            <a:spLocks noGrp="1"/>
+          </p:cNvSpPr>
+          <p:nvPr>
+            <p:ph idx="1"/>
+          </p:nvPr>
+        </p:nvSpPr>
+        <p:spPr/>
+        <p:txBody>
+          <a:bodyPr/>
+          <a:lstStyle/>
+          <a:p>
+            <a:r>
+              <a:rPr lang="en-US" dirty="0" smtClean="0"/>
+              <a:t>Design and calculate the SG</a:t>
+            </a:r>
+          </a:p>
+          <a:p>
+            <a:r>
+              <a:rPr lang="en-US" dirty="0" smtClean="0"/>
+              <a:t>Choses the industrial applications</a:t>
+            </a:r>
+          </a:p>
+          <a:p>
+            <a:r>
+              <a:rPr lang="en-US" dirty="0" smtClean="0"/>
+              <a:t>Combine </a:t>
+            </a:r>
+            <a:r>
+              <a:rPr lang="en-US" dirty="0"/>
+              <a:t>all </a:t>
+            </a:r>
+            <a:r>
+              <a:rPr lang="en-US" dirty="0" smtClean="0"/>
+              <a:t>the cycles</a:t>
+            </a:r>
+          </a:p>
+          <a:p>
+            <a:endParaRPr lang="en-US" dirty="0"/>
+          </a:p>
+        </p:txBody>
+      </p:sp>
+      <p:sp>
+        <p:nvSpPr>
+          <p:cNvPr id="4" name="Slide Number Placeholder 3"/>
+          <p:cNvSpPr>
+            <a:spLocks noGrp="1"/>
+          </p:cNvSpPr>
+          <p:nvPr>
+            <p:ph type="sldNum" sz="quarter" idx="10"/>
+          </p:nvPr>
+        </p:nvSpPr>
+        <p:spPr/>
+        <p:txBody>
+          <a:bodyPr/>
+          <a:lstStyle/>
+          <a:p>
+            <a:pPr>
+              <a:defRPr/>
+            </a:pPr>
+            <a:fld id="{639E97B8-4532-408E-A5F7-ACF05B64D361}" type="slidenum">
+              <a:rPr lang="en-US" smtClean="0"/>
+              <a:pPr>
+                <a:defRPr/>
+              </a:pPr>
+              <a:t>20</a:t>
+            </a:fld>
+            <a:endParaRPr lang="en-US" dirty="0"/>
+          </a:p>
+        </p:txBody>
+      </p:sp>
+    </p:spTree>
+    <p:extLst>
+      <p:ext uri="{BB962C8B-B14F-4D97-AF65-F5344CB8AC3E}">
+        <p14:creationId xmlns:p14="http://schemas.microsoft.com/office/powerpoint/2010/main" val="402151939"/>
+      </p:ext>
+    </p:extLst>
+  </p:cSld>
+  <p:clrMapOvr>
+    <a:masterClrMapping/>
+  </p:clrMapOvr>
+</p:sld>
+</file>
+
+<file path=ppt/slides/slide3.xml><?xml version="1.0" encoding="utf-8"?>
+<p:sld xmlns:a="http://schemas.openxmlformats.org/drawingml/2006/main" xmlns:r="http://schemas.openxmlformats.org/officeDocument/2006/relationships" xmlns:p="http://schemas.openxmlformats.org/presentationml/2006/main">
+  <p:cSld>
+    <p:spTree>
+      <p:nvGrpSpPr>
+        <p:cNvPr id="1" name=""/>
+        <p:cNvGrpSpPr/>
+        <p:nvPr/>
+      </p:nvGrpSpPr>
+      <p:grpSpPr>
+        <a:xfrm>
+          <a:off x="0" y="0"/>
+          <a:ext cx="0" cy="0"/>
+          <a:chOff x="0" y="0"/>
+          <a:chExt cx="0" cy="0"/>
+        </a:xfrm>
+      </p:grpSpPr>
+      <p:sp>
+        <p:nvSpPr>
+          <p:cNvPr id="5" name="Title 4"/>
+          <p:cNvSpPr>
+            <a:spLocks noGrp="1"/>
+          </p:cNvSpPr>
+          <p:nvPr>
+            <p:ph type="title"/>
+          </p:nvPr>
+        </p:nvSpPr>
+        <p:spPr/>
+        <p:txBody>
+          <a:bodyPr/>
+          <a:lstStyle/>
+          <a:p>
+            <a:r>
+              <a:rPr lang="en-US" dirty="0" smtClean="0"/>
+              <a:t>Version 1 Core</a:t>
+            </a:r>
+            <a:endParaRPr lang="en-US" dirty="0"/>
+          </a:p>
+        </p:txBody>
+      </p:sp>
+      <p:pic>
+        <p:nvPicPr>
+          <p:cNvPr id="10" name="Content Placeholder 9"/>
+          <p:cNvPicPr>
+            <a:picLocks noGrp="1" noChangeAspect="1"/>
+          </p:cNvPicPr>
+          <p:nvPr>
+            <p:ph sz="half" idx="2"/>
+          </p:nvPr>
+        </p:nvPicPr>
+        <p:blipFill rotWithShape="1">
+          <a:blip r:embed="rId2"/>
+          <a:srcRect l="1887" r="1887" b="4091"/>
+          <a:stretch/>
+        </p:blipFill>
+        <p:spPr>
+          <a:xfrm>
+            <a:off x="4724400" y="1846317"/>
+            <a:ext cx="3886200" cy="3868683"/>
+          </a:xfrm>
+          <a:prstGeom prst="rect">
+            <a:avLst/>
+          </a:prstGeom>
+        </p:spPr>
+      </p:pic>
+      <p:sp>
+        <p:nvSpPr>
+          <p:cNvPr id="4" name="Slide Number Placeholder 3"/>
+          <p:cNvSpPr>
+            <a:spLocks noGrp="1"/>
+          </p:cNvSpPr>
+          <p:nvPr>
+            <p:ph type="sldNum" sz="quarter" idx="12"/>
+          </p:nvPr>
+        </p:nvSpPr>
+        <p:spPr/>
+        <p:txBody>
+          <a:bodyPr/>
+          <a:lstStyle/>
+          <a:p>
+            <a:pPr>
+              <a:defRPr/>
+            </a:pPr>
+            <a:fld id="{639E97B8-4532-408E-A5F7-ACF05B64D361}" type="slidenum">
+              <a:rPr lang="en-US" smtClean="0"/>
+              <a:pPr>
+                <a:defRPr/>
+              </a:pPr>
+              <a:t>3</a:t>
+            </a:fld>
+            <a:endParaRPr lang="en-US" dirty="0"/>
+          </a:p>
+        </p:txBody>
+      </p:sp>
+      <p:pic>
+        <p:nvPicPr>
+          <p:cNvPr id="12" name="Content Placeholder 11"/>
+          <p:cNvPicPr>
+            <a:picLocks noGrp="1" noChangeAspect="1"/>
+          </p:cNvPicPr>
+          <p:nvPr>
+            <p:ph sz="half" idx="1"/>
+          </p:nvPr>
+        </p:nvPicPr>
+        <p:blipFill>
+          <a:blip r:embed="rId3"/>
+          <a:stretch>
+            <a:fillRect/>
+          </a:stretch>
+        </p:blipFill>
+        <p:spPr>
+          <a:xfrm>
+            <a:off x="457200" y="1834043"/>
+            <a:ext cx="4038600" cy="4058276"/>
+          </a:xfrm>
+          <a:prstGeom prst="rect">
+            <a:avLst/>
+          </a:prstGeom>
+        </p:spPr>
+      </p:pic>
+    </p:spTree>
+    <p:extLst>
+      <p:ext uri="{BB962C8B-B14F-4D97-AF65-F5344CB8AC3E}">
+        <p14:creationId xmlns:p14="http://schemas.microsoft.com/office/powerpoint/2010/main" val="2013006621"/>
+      </p:ext>
+    </p:extLst>
+  </p:cSld>
+  <p:clrMapOvr>
+    <a:masterClrMapping/>
+  </p:clrMapOvr>
+</p:sld>
+</file>
+
+<file path=ppt/slides/slide4.xml><?xml version="1.0" encoding="utf-8"?>
+<p:sld xmlns:a="http://schemas.openxmlformats.org/drawingml/2006/main" xmlns:r="http://schemas.openxmlformats.org/officeDocument/2006/relationships" xmlns:p="http://schemas.openxmlformats.org/presentationml/2006/main">
+  <p:cSld>
+    <p:spTree>
+      <p:nvGrpSpPr>
+        <p:cNvPr id="1" name=""/>
+        <p:cNvGrpSpPr/>
+        <p:nvPr/>
+      </p:nvGrpSpPr>
+      <p:grpSpPr>
+        <a:xfrm>
+          <a:off x="0" y="0"/>
+          <a:ext cx="0" cy="0"/>
+          <a:chOff x="0" y="0"/>
+          <a:chExt cx="0" cy="0"/>
+        </a:xfrm>
+      </p:grpSpPr>
+      <p:sp>
+        <p:nvSpPr>
+          <p:cNvPr id="2" name="Title 1"/>
+          <p:cNvSpPr>
+            <a:spLocks noGrp="1"/>
+          </p:cNvSpPr>
+          <p:nvPr>
+            <p:ph type="title"/>
+          </p:nvPr>
+        </p:nvSpPr>
+        <p:spPr/>
+        <p:txBody>
+          <a:bodyPr/>
+          <a:lstStyle/>
+          <a:p>
+            <a:r>
+              <a:rPr lang="en-US" dirty="0" smtClean="0"/>
+              <a:t>Version 2 / Version 3</a:t>
+            </a:r>
+            <a:endParaRPr lang="en-US" dirty="0"/>
+          </a:p>
+        </p:txBody>
+      </p:sp>
+      <p:pic>
+        <p:nvPicPr>
+          <p:cNvPr id="6" name="Content Placeholder 5"/>
+          <p:cNvPicPr>
+            <a:picLocks noGrp="1" noChangeAspect="1"/>
+          </p:cNvPicPr>
+          <p:nvPr>
+            <p:ph sz="half" idx="1"/>
+          </p:nvPr>
+        </p:nvPicPr>
+        <p:blipFill>
+          <a:blip r:embed="rId2"/>
+          <a:stretch>
+            <a:fillRect/>
+          </a:stretch>
+        </p:blipFill>
+        <p:spPr>
+          <a:xfrm>
+            <a:off x="550820" y="1841429"/>
+            <a:ext cx="3944979" cy="3949772"/>
+          </a:xfrm>
+          <a:prstGeom prst="rect">
+            <a:avLst/>
+          </a:prstGeom>
+        </p:spPr>
+      </p:pic>
+      <p:pic>
+        <p:nvPicPr>
+          <p:cNvPr id="7" name="Content Placeholder 6"/>
+          <p:cNvPicPr>
+            <a:picLocks noGrp="1" noChangeAspect="1"/>
+          </p:cNvPicPr>
+          <p:nvPr>
+            <p:ph sz="half" idx="2"/>
+          </p:nvPr>
+        </p:nvPicPr>
+        <p:blipFill>
+          <a:blip r:embed="rId3"/>
+          <a:stretch>
+            <a:fillRect/>
+          </a:stretch>
+        </p:blipFill>
+        <p:spPr>
+          <a:xfrm>
+            <a:off x="4741820" y="1841429"/>
+            <a:ext cx="3944979" cy="3949772"/>
+          </a:xfrm>
+          <a:prstGeom prst="rect">
+            <a:avLst/>
+          </a:prstGeom>
+        </p:spPr>
+      </p:pic>
+      <p:sp>
+        <p:nvSpPr>
+          <p:cNvPr id="5" name="Slide Number Placeholder 4"/>
+          <p:cNvSpPr>
+            <a:spLocks noGrp="1"/>
+          </p:cNvSpPr>
+          <p:nvPr>
+            <p:ph type="sldNum" sz="quarter" idx="12"/>
+          </p:nvPr>
+        </p:nvSpPr>
+        <p:spPr/>
+        <p:txBody>
+          <a:bodyPr/>
+          <a:lstStyle/>
+          <a:p>
+            <a:pPr>
+              <a:defRPr/>
+            </a:pPr>
+            <a:fld id="{56039845-206E-4D43-9E5F-DD43C0647861}" type="slidenum">
+              <a:rPr lang="en-US" smtClean="0"/>
+              <a:pPr>
+                <a:defRPr/>
+              </a:pPr>
+              <a:t>4</a:t>
+            </a:fld>
+            <a:endParaRPr lang="en-US" dirty="0"/>
+          </a:p>
+        </p:txBody>
+      </p:sp>
+    </p:spTree>
+    <p:extLst>
+      <p:ext uri="{BB962C8B-B14F-4D97-AF65-F5344CB8AC3E}">
+        <p14:creationId xmlns:p14="http://schemas.microsoft.com/office/powerpoint/2010/main" val="1784982789"/>
+      </p:ext>
+    </p:extLst>
+  </p:cSld>
+  <p:clrMapOvr>
+    <a:masterClrMapping/>
+  </p:clrMapOvr>
+</p:sld>
+</file>
+
+<file path=ppt/slides/slide5.xml><?xml version="1.0" encoding="utf-8"?>
+<p:sld xmlns:a="http://schemas.openxmlformats.org/drawingml/2006/main" xmlns:r="http://schemas.openxmlformats.org/officeDocument/2006/relationships" xmlns:p="http://schemas.openxmlformats.org/presentationml/2006/main">
+  <p:cSld>
+    <p:spTree>
+      <p:nvGrpSpPr>
+        <p:cNvPr id="1" name=""/>
+        <p:cNvGrpSpPr/>
+        <p:nvPr/>
+      </p:nvGrpSpPr>
+      <p:grpSpPr>
+        <a:xfrm>
+          <a:off x="0" y="0"/>
+          <a:ext cx="0" cy="0"/>
+          <a:chOff x="0" y="0"/>
+          <a:chExt cx="0" cy="0"/>
+        </a:xfrm>
+      </p:grpSpPr>
+      <p:sp>
+        <p:nvSpPr>
+          <p:cNvPr id="2" name="Title 1"/>
+          <p:cNvSpPr>
+            <a:spLocks noGrp="1"/>
+          </p:cNvSpPr>
+          <p:nvPr>
+            <p:ph type="title"/>
+          </p:nvPr>
+        </p:nvSpPr>
+        <p:spPr/>
+        <p:txBody>
+          <a:bodyPr/>
+          <a:lstStyle/>
+          <a:p>
+            <a:r>
+              <a:rPr lang="en-US" dirty="0" smtClean="0"/>
+              <a:t>Version 4 / Version 6</a:t>
+            </a:r>
+            <a:endParaRPr lang="en-US" dirty="0"/>
+          </a:p>
+        </p:txBody>
+      </p:sp>
+      <p:pic>
+        <p:nvPicPr>
+          <p:cNvPr id="6" name="Content Placeholder 5"/>
+          <p:cNvPicPr>
+            <a:picLocks noGrp="1" noChangeAspect="1"/>
+          </p:cNvPicPr>
+          <p:nvPr>
+            <p:ph sz="half" idx="1"/>
+          </p:nvPr>
+        </p:nvPicPr>
+        <p:blipFill>
+          <a:blip r:embed="rId2"/>
+          <a:stretch>
+            <a:fillRect/>
+          </a:stretch>
+        </p:blipFill>
+        <p:spPr>
+          <a:xfrm>
+            <a:off x="533400" y="1826601"/>
+            <a:ext cx="3962400" cy="3996308"/>
+          </a:xfrm>
+          <a:prstGeom prst="rect">
+            <a:avLst/>
+          </a:prstGeom>
+        </p:spPr>
+      </p:pic>
+      <p:sp>
+        <p:nvSpPr>
+          <p:cNvPr id="5" name="Slide Number Placeholder 4"/>
+          <p:cNvSpPr>
+            <a:spLocks noGrp="1"/>
+          </p:cNvSpPr>
+          <p:nvPr>
+            <p:ph type="sldNum" sz="quarter" idx="12"/>
+          </p:nvPr>
+        </p:nvSpPr>
+        <p:spPr/>
+        <p:txBody>
+          <a:bodyPr/>
+          <a:lstStyle/>
+          <a:p>
+            <a:pPr>
+              <a:defRPr/>
+            </a:pPr>
+            <a:fld id="{56039845-206E-4D43-9E5F-DD43C0647861}" type="slidenum">
+              <a:rPr lang="en-US" smtClean="0"/>
+              <a:pPr>
+                <a:defRPr/>
+              </a:pPr>
+              <a:t>5</a:t>
+            </a:fld>
+            <a:endParaRPr lang="en-US" dirty="0"/>
+          </a:p>
+        </p:txBody>
+      </p:sp>
+      <p:pic>
+        <p:nvPicPr>
+          <p:cNvPr id="7" name="Content Placeholder 5"/>
+          <p:cNvPicPr>
+            <a:picLocks noGrp="1" noChangeAspect="1"/>
+          </p:cNvPicPr>
+          <p:nvPr>
+            <p:ph sz="half" idx="2"/>
+          </p:nvPr>
+        </p:nvPicPr>
+        <p:blipFill>
+          <a:blip r:embed="rId3"/>
+          <a:stretch>
+            <a:fillRect/>
+          </a:stretch>
+        </p:blipFill>
+        <p:spPr>
+          <a:xfrm>
+            <a:off x="4724400" y="1841429"/>
+            <a:ext cx="3962400" cy="3967214"/>
+          </a:xfrm>
+          <a:prstGeom prst="rect">
+            <a:avLst/>
+          </a:prstGeom>
+        </p:spPr>
+      </p:pic>
+    </p:spTree>
+    <p:extLst>
+      <p:ext uri="{BB962C8B-B14F-4D97-AF65-F5344CB8AC3E}">
+        <p14:creationId xmlns:p14="http://schemas.microsoft.com/office/powerpoint/2010/main" val="3533853214"/>
+      </p:ext>
+    </p:extLst>
+  </p:cSld>
+  <p:clrMapOvr>
+    <a:masterClrMapping/>
+  </p:clrMapOvr>
+</p:sld>
+</file>
+
+<file path=ppt/slides/slide6.xml><?xml version="1.0" encoding="utf-8"?>
+<p:sld xmlns:a="http://schemas.openxmlformats.org/drawingml/2006/main" xmlns:r="http://schemas.openxmlformats.org/officeDocument/2006/relationships" xmlns:p="http://schemas.openxmlformats.org/presentationml/2006/main">
+  <p:cSld>
+    <p:spTree>
+      <p:nvGrpSpPr>
+        <p:cNvPr id="1" name=""/>
+        <p:cNvGrpSpPr/>
+        <p:nvPr/>
+      </p:nvGrpSpPr>
+      <p:grpSpPr>
+        <a:xfrm>
+          <a:off x="0" y="0"/>
+          <a:ext cx="0" cy="0"/>
+          <a:chOff x="0" y="0"/>
+          <a:chExt cx="0" cy="0"/>
+        </a:xfrm>
+      </p:grpSpPr>
+      <p:sp>
+        <p:nvSpPr>
+          <p:cNvPr id="2" name="Title 1"/>
+          <p:cNvSpPr>
+            <a:spLocks noGrp="1"/>
+          </p:cNvSpPr>
+          <p:nvPr>
+            <p:ph type="title"/>
+          </p:nvPr>
+        </p:nvSpPr>
+        <p:spPr/>
+        <p:txBody>
+          <a:bodyPr/>
+          <a:lstStyle/>
+          <a:p>
+            <a:r>
+              <a:rPr lang="en-US" dirty="0" smtClean="0"/>
+              <a:t>Core Criticality</a:t>
+            </a:r>
+            <a:endParaRPr lang="en-US" dirty="0"/>
+          </a:p>
+        </p:txBody>
+      </p:sp>
+      <p:pic>
+        <p:nvPicPr>
+          <p:cNvPr id="7" name="Content Placeholder 6" descr="version2.pdf"/>
+          <p:cNvPicPr>
+            <a:picLocks noGrp="1" noChangeAspect="1"/>
+          </p:cNvPicPr>
+          <p:nvPr>
+            <p:ph sz="half" idx="2"/>
+          </p:nvPr>
+        </p:nvPicPr>
+        <p:blipFill>
+          <a:blip r:embed="rId2">
+            <a:extLst>
+              <a:ext uri="{28A0092B-C50C-407E-A947-70E740481C1C}">
+                <a14:useLocalDpi xmlns:a14="http://schemas.microsoft.com/office/drawing/2010/main" val="0"/>
+              </a:ext>
+            </a:extLst>
+          </a:blip>
+          <a:srcRect t="-24712" b="-24712"/>
+          <a:stretch>
+            <a:fillRect/>
+          </a:stretch>
+        </p:blipFill>
+        <p:spPr/>
+      </p:pic>
+      <p:sp>
+        <p:nvSpPr>
+          <p:cNvPr id="4" name="Slide Number Placeholder 3"/>
+          <p:cNvSpPr>
+            <a:spLocks noGrp="1"/>
+          </p:cNvSpPr>
+          <p:nvPr>
+            <p:ph type="sldNum" sz="quarter" idx="12"/>
+          </p:nvPr>
+        </p:nvSpPr>
+        <p:spPr/>
+        <p:txBody>
+          <a:bodyPr/>
+          <a:lstStyle/>
+          <a:p>
+            <a:pPr>
+              <a:defRPr/>
+            </a:pPr>
+            <a:fld id="{639E97B8-4532-408E-A5F7-ACF05B64D361}" type="slidenum">
+              <a:rPr lang="en-US" smtClean="0"/>
+              <a:pPr>
+                <a:defRPr/>
+              </a:pPr>
+              <a:t>6</a:t>
+            </a:fld>
+            <a:endParaRPr lang="en-US" dirty="0"/>
+          </a:p>
+        </p:txBody>
+      </p:sp>
+      <p:pic>
+        <p:nvPicPr>
+          <p:cNvPr id="11" name="Content Placeholder 10" descr="criticality.pdf"/>
+          <p:cNvPicPr>
+            <a:picLocks noGrp="1" noChangeAspect="1"/>
+          </p:cNvPicPr>
+          <p:nvPr>
+            <p:ph sz="half" idx="1"/>
+          </p:nvPr>
+        </p:nvPicPr>
+        <p:blipFill>
+          <a:blip r:embed="rId3">
+            <a:extLst>
+              <a:ext uri="{28A0092B-C50C-407E-A947-70E740481C1C}">
+                <a14:useLocalDpi xmlns:a14="http://schemas.microsoft.com/office/drawing/2010/main" val="0"/>
+              </a:ext>
+            </a:extLst>
+          </a:blip>
+          <a:srcRect t="-24712" b="-24712"/>
+          <a:stretch>
+            <a:fillRect/>
+          </a:stretch>
+        </p:blipFill>
+        <p:spPr/>
+      </p:pic>
+    </p:spTree>
+    <p:extLst>
+      <p:ext uri="{BB962C8B-B14F-4D97-AF65-F5344CB8AC3E}">
+        <p14:creationId xmlns:p14="http://schemas.microsoft.com/office/powerpoint/2010/main" val="3231767014"/>
+      </p:ext>
+    </p:extLst>
+  </p:cSld>
+  <p:clrMapOvr>
+    <a:masterClrMapping/>
+  </p:clrMapOvr>
+</p:sld>
+</file>
+
+<file path=ppt/slides/slide7.xml><?xml version="1.0" encoding="utf-8"?>
+<p:sld xmlns:a="http://schemas.openxmlformats.org/drawingml/2006/main" xmlns:r="http://schemas.openxmlformats.org/officeDocument/2006/relationships" xmlns:p="http://schemas.openxmlformats.org/presentationml/2006/main">
+  <p:cSld>
+    <p:spTree>
+      <p:nvGrpSpPr>
+        <p:cNvPr id="1" name=""/>
+        <p:cNvGrpSpPr/>
+        <p:nvPr/>
+      </p:nvGrpSpPr>
+      <p:grpSpPr>
+        <a:xfrm>
+          <a:off x="0" y="0"/>
+          <a:ext cx="0" cy="0"/>
+          <a:chOff x="0" y="0"/>
+          <a:chExt cx="0" cy="0"/>
+        </a:xfrm>
+      </p:grpSpPr>
+      <p:sp>
+        <p:nvSpPr>
+          <p:cNvPr id="2" name="Title 1"/>
+          <p:cNvSpPr>
+            <a:spLocks noGrp="1"/>
+          </p:cNvSpPr>
+          <p:nvPr>
+            <p:ph type="title"/>
+          </p:nvPr>
+        </p:nvSpPr>
+        <p:spPr/>
+        <p:txBody>
+          <a:bodyPr/>
+          <a:lstStyle/>
+          <a:p>
+            <a:r>
+              <a:rPr lang="en-US" dirty="0" smtClean="0"/>
+              <a:t>IAEA Significant Quantities</a:t>
+            </a:r>
+            <a:endParaRPr lang="en-US" dirty="0"/>
+          </a:p>
+        </p:txBody>
+      </p:sp>
+      <p:pic>
+        <p:nvPicPr>
+          <p:cNvPr id="5" name="Content Placeholder 4" descr="Screen Shot 2015-11-18 at 3.17.28 PM.png"/>
+          <p:cNvPicPr>
+            <a:picLocks noGrp="1" noChangeAspect="1"/>
+          </p:cNvPicPr>
+          <p:nvPr>
+            <p:ph idx="1"/>
+          </p:nvPr>
+        </p:nvPicPr>
+        <p:blipFill>
+          <a:blip r:embed="rId2">
+            <a:extLst>
+              <a:ext uri="{28A0092B-C50C-407E-A947-70E740481C1C}">
+                <a14:useLocalDpi xmlns:a14="http://schemas.microsoft.com/office/drawing/2010/main" val="0"/>
+              </a:ext>
+            </a:extLst>
+          </a:blip>
+          <a:srcRect l="-24883" r="-24883"/>
+          <a:stretch>
+            <a:fillRect/>
+          </a:stretch>
+        </p:blipFill>
+        <p:spPr/>
+      </p:pic>
+      <p:sp>
+        <p:nvSpPr>
+          <p:cNvPr id="4" name="Slide Number Placeholder 3"/>
+          <p:cNvSpPr>
+            <a:spLocks noGrp="1"/>
+          </p:cNvSpPr>
+          <p:nvPr>
+            <p:ph type="sldNum" sz="quarter" idx="10"/>
+          </p:nvPr>
+        </p:nvSpPr>
+        <p:spPr/>
+        <p:txBody>
+          <a:bodyPr/>
+          <a:lstStyle/>
+          <a:p>
+            <a:pPr>
+              <a:defRPr/>
+            </a:pPr>
+            <a:fld id="{639E97B8-4532-408E-A5F7-ACF05B64D361}" type="slidenum">
+              <a:rPr lang="en-US" smtClean="0"/>
+              <a:pPr>
+                <a:defRPr/>
+              </a:pPr>
+              <a:t>7</a:t>
+            </a:fld>
+            <a:endParaRPr lang="en-US" dirty="0"/>
+          </a:p>
+        </p:txBody>
+      </p:sp>
+    </p:spTree>
+    <p:extLst>
+      <p:ext uri="{BB962C8B-B14F-4D97-AF65-F5344CB8AC3E}">
+        <p14:creationId xmlns:p14="http://schemas.microsoft.com/office/powerpoint/2010/main" val="2548716936"/>
+      </p:ext>
+    </p:extLst>
+  </p:cSld>
+  <p:clrMapOvr>
+    <a:masterClrMapping/>
+  </p:clrMapOvr>
+</p:sld>
+</file>
+
+<file path=ppt/slides/slide8.xml><?xml version="1.0" encoding="utf-8"?>
+<p:sld xmlns:a="http://schemas.openxmlformats.org/drawingml/2006/main" xmlns:r="http://schemas.openxmlformats.org/officeDocument/2006/relationships" xmlns:p="http://schemas.openxmlformats.org/presentationml/2006/main">
+  <p:cSld>
+    <p:spTree>
+      <p:nvGrpSpPr>
+        <p:cNvPr id="1" name=""/>
+        <p:cNvGrpSpPr/>
+        <p:nvPr/>
+      </p:nvGrpSpPr>
+      <p:grpSpPr>
+        <a:xfrm>
+          <a:off x="0" y="0"/>
+          <a:ext cx="0" cy="0"/>
+          <a:chOff x="0" y="0"/>
+          <a:chExt cx="0" cy="0"/>
+        </a:xfrm>
+      </p:grpSpPr>
+      <p:sp>
+        <p:nvSpPr>
+          <p:cNvPr id="5" name="Title 4"/>
+          <p:cNvSpPr>
+            <a:spLocks noGrp="1"/>
+          </p:cNvSpPr>
+          <p:nvPr>
+            <p:ph type="title"/>
+          </p:nvPr>
+        </p:nvSpPr>
+        <p:spPr/>
+        <p:txBody>
+          <a:bodyPr/>
+          <a:lstStyle/>
+          <a:p>
+            <a:r>
+              <a:rPr lang="en-US" dirty="0" smtClean="0"/>
+              <a:t>Plutonium Quantities</a:t>
+            </a:r>
+            <a:br>
+              <a:rPr lang="en-US" dirty="0" smtClean="0"/>
+            </a:br>
+            <a:r>
+              <a:rPr lang="en-US" dirty="0" smtClean="0"/>
+              <a:t> (depleted uranium)</a:t>
+            </a:r>
+            <a:endParaRPr lang="en-US" dirty="0"/>
+          </a:p>
+        </p:txBody>
+      </p:sp>
+      <p:sp>
+        <p:nvSpPr>
+          <p:cNvPr id="4" name="Slide Number Placeholder 3"/>
+          <p:cNvSpPr>
+            <a:spLocks noGrp="1"/>
+          </p:cNvSpPr>
+          <p:nvPr>
+            <p:ph type="sldNum" sz="quarter" idx="12"/>
+          </p:nvPr>
+        </p:nvSpPr>
+        <p:spPr/>
+        <p:txBody>
+          <a:bodyPr/>
+          <a:lstStyle/>
+          <a:p>
+            <a:pPr>
+              <a:defRPr/>
+            </a:pPr>
+            <a:fld id="{639E97B8-4532-408E-A5F7-ACF05B64D361}" type="slidenum">
+              <a:rPr lang="en-US" smtClean="0"/>
+              <a:pPr>
+                <a:defRPr/>
+              </a:pPr>
+              <a:t>8</a:t>
+            </a:fld>
+            <a:endParaRPr lang="en-US" dirty="0"/>
+          </a:p>
+        </p:txBody>
+      </p:sp>
+      <p:pic>
+        <p:nvPicPr>
+          <p:cNvPr id="11" name="Content Placeholder 10" descr="PuMass.pdf"/>
+          <p:cNvPicPr>
+            <a:picLocks noGrp="1" noChangeAspect="1"/>
+          </p:cNvPicPr>
+          <p:nvPr>
+            <p:ph sz="half" idx="1"/>
+          </p:nvPr>
+        </p:nvPicPr>
+        <p:blipFill>
+          <a:blip r:embed="rId2">
+            <a:extLst>
+              <a:ext uri="{28A0092B-C50C-407E-A947-70E740481C1C}">
+                <a14:useLocalDpi xmlns:a14="http://schemas.microsoft.com/office/drawing/2010/main" val="0"/>
+              </a:ext>
+            </a:extLst>
+          </a:blip>
+          <a:srcRect t="-24712" b="-24712"/>
+          <a:stretch>
+            <a:fillRect/>
+          </a:stretch>
+        </p:blipFill>
+        <p:spPr/>
+      </p:pic>
+      <p:pic>
+        <p:nvPicPr>
+          <p:cNvPr id="13" name="Content Placeholder 12" descr="PuMassFraction.pdf"/>
+          <p:cNvPicPr>
+            <a:picLocks noGrp="1" noChangeAspect="1"/>
+          </p:cNvPicPr>
+          <p:nvPr>
+            <p:ph sz="half" idx="2"/>
+          </p:nvPr>
+        </p:nvPicPr>
+        <p:blipFill>
+          <a:blip r:embed="rId3">
+            <a:extLst>
+              <a:ext uri="{28A0092B-C50C-407E-A947-70E740481C1C}">
+                <a14:useLocalDpi xmlns:a14="http://schemas.microsoft.com/office/drawing/2010/main" val="0"/>
+              </a:ext>
+            </a:extLst>
+          </a:blip>
+          <a:srcRect t="-24712" b="-24712"/>
+          <a:stretch>
+            <a:fillRect/>
+          </a:stretch>
+        </p:blipFill>
+        <p:spPr/>
+      </p:pic>
+    </p:spTree>
+    <p:extLst>
+      <p:ext uri="{BB962C8B-B14F-4D97-AF65-F5344CB8AC3E}">
+        <p14:creationId xmlns:p14="http://schemas.microsoft.com/office/powerpoint/2010/main" val="2014006241"/>
+      </p:ext>
+    </p:extLst>
+  </p:cSld>
+  <p:clrMapOvr>
+    <a:masterClrMapping/>
+  </p:clrMapOvr>
+</p:sld>
+</file>
+
+<file path=ppt/slides/slide9.xml><?xml version="1.0" encoding="utf-8"?>
+<p:sld xmlns:a="http://schemas.openxmlformats.org/drawingml/2006/main" xmlns:r="http://schemas.openxmlformats.org/officeDocument/2006/relationships" xmlns:p="http://schemas.openxmlformats.org/presentationml/2006/main">
+  <p:cSld>
+    <p:spTree>
+      <p:nvGrpSpPr>
+        <p:cNvPr id="1" name=""/>
+        <p:cNvGrpSpPr/>
+        <p:nvPr/>
+      </p:nvGrpSpPr>
+      <p:grpSpPr>
+        <a:xfrm>
+          <a:off x="0" y="0"/>
+          <a:ext cx="0" cy="0"/>
+          <a:chOff x="0" y="0"/>
+          <a:chExt cx="0" cy="0"/>
+        </a:xfrm>
+      </p:grpSpPr>
+      <p:sp>
+        <p:nvSpPr>
+          <p:cNvPr id="2" name="Title 1"/>
+          <p:cNvSpPr>
+            <a:spLocks noGrp="1"/>
+          </p:cNvSpPr>
+          <p:nvPr>
+            <p:ph type="title"/>
+          </p:nvPr>
+        </p:nvSpPr>
+        <p:spPr/>
+        <p:txBody>
+          <a:bodyPr/>
+          <a:lstStyle/>
+          <a:p>
+            <a:r>
+              <a:rPr lang="en-US" dirty="0" smtClean="0"/>
+              <a:t>Plutonium SQ’s are somewhat high </a:t>
+            </a:r>
+            <a:endParaRPr lang="en-US" dirty="0"/>
+          </a:p>
+        </p:txBody>
+      </p:sp>
+      <p:pic>
+        <p:nvPicPr>
+          <p:cNvPr id="6" name="Content Placeholder 5" descr="PuSqPerAssembly.pdf"/>
+          <p:cNvPicPr>
+            <a:picLocks noGrp="1" noChangeAspect="1"/>
+          </p:cNvPicPr>
+          <p:nvPr>
+            <p:ph sz="half" idx="1"/>
+          </p:nvPr>
+        </p:nvPicPr>
+        <p:blipFill>
+          <a:blip r:embed="rId2">
+            <a:extLst>
+              <a:ext uri="{28A0092B-C50C-407E-A947-70E740481C1C}">
+                <a14:useLocalDpi xmlns:a14="http://schemas.microsoft.com/office/drawing/2010/main" val="0"/>
+              </a:ext>
+            </a:extLst>
+          </a:blip>
+          <a:srcRect t="-24712" b="-24712"/>
+          <a:stretch>
+            <a:fillRect/>
+          </a:stretch>
+        </p:blipFill>
+        <p:spPr/>
+      </p:pic>
+      <p:sp>
+        <p:nvSpPr>
+          <p:cNvPr id="5" name="Slide Number Placeholder 4"/>
+          <p:cNvSpPr>
+            <a:spLocks noGrp="1"/>
+          </p:cNvSpPr>
+          <p:nvPr>
+            <p:ph type="sldNum" sz="quarter" idx="12"/>
+          </p:nvPr>
+        </p:nvSpPr>
+        <p:spPr/>
+        <p:txBody>
+          <a:bodyPr/>
+          <a:lstStyle/>
+          <a:p>
+            <a:pPr>
+              <a:defRPr/>
+            </a:pPr>
+            <a:fld id="{56039845-206E-4D43-9E5F-DD43C0647861}" type="slidenum">
+              <a:rPr lang="en-US" smtClean="0"/>
+              <a:pPr>
+                <a:defRPr/>
+              </a:pPr>
+              <a:t>9</a:t>
+            </a:fld>
+            <a:endParaRPr lang="en-US" dirty="0"/>
+          </a:p>
+        </p:txBody>
+      </p:sp>
+      <p:pic>
+        <p:nvPicPr>
+          <p:cNvPr id="13" name="Content Placeholder 12" descr="ElementsFor1Sq.pdf"/>
+          <p:cNvPicPr>
+            <a:picLocks noGrp="1" noChangeAspect="1"/>
+          </p:cNvPicPr>
+          <p:nvPr>
+            <p:ph sz="half" idx="2"/>
+          </p:nvPr>
+        </p:nvPicPr>
+        <p:blipFill>
+          <a:blip r:embed="rId3">
+            <a:extLst>
+              <a:ext uri="{28A0092B-C50C-407E-A947-70E740481C1C}">
+                <a14:useLocalDpi xmlns:a14="http://schemas.microsoft.com/office/drawing/2010/main" val="0"/>
+              </a:ext>
+            </a:extLst>
+          </a:blip>
+          <a:srcRect t="-24712" b="-24712"/>
+          <a:stretch>
+            <a:fillRect/>
+          </a:stretch>
+        </p:blipFill>
+        <p:spPr/>
+      </p:pic>
+      <p:sp>
+        <p:nvSpPr>
+          <p:cNvPr id="16" name="TextBox 15"/>
+          <p:cNvSpPr txBox="1"/>
+          <p:nvPr/>
+        </p:nvSpPr>
+        <p:spPr>
+          <a:xfrm>
+            <a:off x="5410200" y="1752600"/>
+            <a:ext cx="2599197" cy="646331"/>
+          </a:xfrm>
+          <a:prstGeom prst="rect">
+            <a:avLst/>
+          </a:prstGeom>
+          <a:noFill/>
+        </p:spPr>
+        <p:txBody>
+          <a:bodyPr wrap="square" rtlCol="0">
+            <a:spAutoFit/>
+          </a:bodyPr>
+          <a:lstStyle/>
+          <a:p>
+            <a:r>
+              <a:rPr lang="en-US" dirty="0" smtClean="0"/>
+              <a:t>How many elements do you need for 1 SQ?</a:t>
+            </a:r>
+          </a:p>
+        </p:txBody>
+      </p:sp>
+    </p:spTree>
+    <p:extLst>
+      <p:ext uri="{BB962C8B-B14F-4D97-AF65-F5344CB8AC3E}">
+        <p14:creationId xmlns:p14="http://schemas.microsoft.com/office/powerpoint/2010/main" val="2747288747"/>
       </p:ext>
     </p:extLst>
   </p:cSld>

--- a/presentations/mid2_PP/Jacob.pptx
+++ b/presentations/mid2_PP/Jacob.pptx
@@ -5,51 +5,52 @@
     <p:sldMasterId id="2147483649" r:id="rId1"/>
   </p:sldMasterIdLst>
   <p:notesMasterIdLst>
-    <p:notesMasterId r:id="rId22"/>
+    <p:notesMasterId r:id="rId23"/>
   </p:notesMasterIdLst>
   <p:handoutMasterIdLst>
-    <p:handoutMasterId r:id="rId23"/>
+    <p:handoutMasterId r:id="rId24"/>
   </p:handoutMasterIdLst>
   <p:sldIdLst>
     <p:sldId id="576" r:id="rId2"/>
-    <p:sldId id="586" r:id="rId3"/>
-    <p:sldId id="585" r:id="rId4"/>
+    <p:sldId id="585" r:id="rId3"/>
+    <p:sldId id="586" r:id="rId4"/>
     <p:sldId id="587" r:id="rId5"/>
     <p:sldId id="588" r:id="rId6"/>
-    <p:sldId id="580" r:id="rId7"/>
-    <p:sldId id="581" r:id="rId8"/>
-    <p:sldId id="577" r:id="rId9"/>
-    <p:sldId id="582" r:id="rId10"/>
-    <p:sldId id="578" r:id="rId11"/>
-    <p:sldId id="583" r:id="rId12"/>
-    <p:sldId id="584" r:id="rId13"/>
-    <p:sldId id="589" r:id="rId14"/>
-    <p:sldId id="590" r:id="rId15"/>
-    <p:sldId id="591" r:id="rId16"/>
-    <p:sldId id="592" r:id="rId17"/>
-    <p:sldId id="593" r:id="rId18"/>
-    <p:sldId id="594" r:id="rId19"/>
-    <p:sldId id="595" r:id="rId20"/>
-    <p:sldId id="596" r:id="rId21"/>
+    <p:sldId id="597" r:id="rId7"/>
+    <p:sldId id="580" r:id="rId8"/>
+    <p:sldId id="581" r:id="rId9"/>
+    <p:sldId id="577" r:id="rId10"/>
+    <p:sldId id="582" r:id="rId11"/>
+    <p:sldId id="578" r:id="rId12"/>
+    <p:sldId id="583" r:id="rId13"/>
+    <p:sldId id="584" r:id="rId14"/>
+    <p:sldId id="589" r:id="rId15"/>
+    <p:sldId id="590" r:id="rId16"/>
+    <p:sldId id="591" r:id="rId17"/>
+    <p:sldId id="592" r:id="rId18"/>
+    <p:sldId id="593" r:id="rId19"/>
+    <p:sldId id="594" r:id="rId20"/>
+    <p:sldId id="595" r:id="rId21"/>
+    <p:sldId id="596" r:id="rId22"/>
   </p:sldIdLst>
   <p:sldSz cx="9144000" cy="6858000" type="screen4x3"/>
   <p:notesSz cx="6950075" cy="9236075"/>
   <p:embeddedFontLst>
     <p:embeddedFont>
+      <p:font typeface="Tahoma" panose="020B0604030504040204" pitchFamily="34" charset="0"/>
+      <p:regular r:id="rId25"/>
+      <p:bold r:id="rId26"/>
+    </p:embeddedFont>
+    <p:embeddedFont>
       <p:font typeface="Verdana" panose="020B0604030504040204" pitchFamily="34" charset="0"/>
-      <p:regular r:id="rId24"/>
-      <p:bold r:id="rId25"/>
-      <p:italic r:id="rId26"/>
-      <p:boldItalic r:id="rId27"/>
+      <p:regular r:id="rId27"/>
+      <p:bold r:id="rId28"/>
+      <p:italic r:id="rId29"/>
+      <p:boldItalic r:id="rId30"/>
     </p:embeddedFont>
     <p:embeddedFont>
       <p:font typeface="Cambria Math" panose="02040503050406030204" pitchFamily="18" charset="0"/>
-      <p:regular r:id="rId28"/>
-    </p:embeddedFont>
-    <p:embeddedFont>
-      <p:font typeface="Tahoma" panose="020B0604030504040204" pitchFamily="34" charset="0"/>
-      <p:regular r:id="rId29"/>
-      <p:bold r:id="rId30"/>
+      <p:regular r:id="rId31"/>
     </p:embeddedFont>
   </p:embeddedFontLst>
   <p:defaultTextStyle>
@@ -197,7 +198,3709 @@
 </file>
 
 <file path=ppt/charts/chart1.xml><?xml version="1.0" encoding="utf-8"?>
-<c:chartSpace xmlns:c="http://schemas.openxmlformats.org/drawingml/2006/chart" xmlns:a="http://schemas.openxmlformats.org/drawingml/2006/main" xmlns:r="http://schemas.openxmlformats.org/officeDocument/2006/relationships">
+<c:chartSpace xmlns:c="http://schemas.openxmlformats.org/drawingml/2006/chart" xmlns:a="http://schemas.openxmlformats.org/drawingml/2006/main" xmlns:r="http://schemas.openxmlformats.org/officeDocument/2006/relationships" xmlns:c16r2="http://schemas.microsoft.com/office/drawing/2015/06/chart">
+  <c:date1904 val="0"/>
+  <c:lang val="en-US"/>
+  <c:roundedCorners val="0"/>
+  <mc:AlternateContent xmlns:mc="http://schemas.openxmlformats.org/markup-compatibility/2006">
+    <mc:Choice xmlns:c14="http://schemas.microsoft.com/office/drawing/2007/8/2/chart" Requires="c14">
+      <c14:style val="102"/>
+    </mc:Choice>
+    <mc:Fallback>
+      <c:style val="2"/>
+    </mc:Fallback>
+  </mc:AlternateContent>
+  <c:chart>
+    <c:autoTitleDeleted val="1"/>
+    <c:plotArea>
+      <c:layout/>
+      <c:scatterChart>
+        <c:scatterStyle val="smoothMarker"/>
+        <c:varyColors val="0"/>
+        <c:ser>
+          <c:idx val="0"/>
+          <c:order val="0"/>
+          <c:tx>
+            <c:strRef>
+              <c:f>'Plate Carbide v6 - 27'!$C$1:$D$1</c:f>
+              <c:strCache>
+                <c:ptCount val="1"/>
+                <c:pt idx="0">
+                  <c:v>Depleted (0, 0, 0)</c:v>
+                </c:pt>
+              </c:strCache>
+            </c:strRef>
+          </c:tx>
+          <c:spPr>
+            <a:ln w="19050" cap="rnd">
+              <a:solidFill>
+                <a:schemeClr val="accent1"/>
+              </a:solidFill>
+              <a:round/>
+            </a:ln>
+            <a:effectLst/>
+          </c:spPr>
+          <c:marker>
+            <c:symbol val="none"/>
+          </c:marker>
+          <c:errBars>
+            <c:errDir val="y"/>
+            <c:errBarType val="both"/>
+            <c:errValType val="cust"/>
+            <c:noEndCap val="0"/>
+            <c:plus>
+              <c:numRef>
+                <c:f>'Plate Carbide v6 - 27'!$G$3:$G$42</c:f>
+                <c:numCache>
+                  <c:formatCode>General</c:formatCode>
+                  <c:ptCount val="40"/>
+                  <c:pt idx="0">
+                    <c:v>0</c:v>
+                  </c:pt>
+                  <c:pt idx="1">
+                    <c:v>0</c:v>
+                  </c:pt>
+                  <c:pt idx="2">
+                    <c:v>0</c:v>
+                  </c:pt>
+                  <c:pt idx="3">
+                    <c:v>0</c:v>
+                  </c:pt>
+                  <c:pt idx="4">
+                    <c:v>0</c:v>
+                  </c:pt>
+                  <c:pt idx="5">
+                    <c:v>0</c:v>
+                  </c:pt>
+                  <c:pt idx="6">
+                    <c:v>0</c:v>
+                  </c:pt>
+                  <c:pt idx="7">
+                    <c:v>0</c:v>
+                  </c:pt>
+                  <c:pt idx="8">
+                    <c:v>0</c:v>
+                  </c:pt>
+                  <c:pt idx="9">
+                    <c:v>0</c:v>
+                  </c:pt>
+                  <c:pt idx="10">
+                    <c:v>0</c:v>
+                  </c:pt>
+                  <c:pt idx="11">
+                    <c:v>0</c:v>
+                  </c:pt>
+                  <c:pt idx="12">
+                    <c:v>0</c:v>
+                  </c:pt>
+                  <c:pt idx="13">
+                    <c:v>0</c:v>
+                  </c:pt>
+                  <c:pt idx="14">
+                    <c:v>0</c:v>
+                  </c:pt>
+                  <c:pt idx="15">
+                    <c:v>0</c:v>
+                  </c:pt>
+                  <c:pt idx="16">
+                    <c:v>2.6031329635200002E-8</c:v>
+                  </c:pt>
+                  <c:pt idx="17">
+                    <c:v>2.9195187448799998E-8</c:v>
+                  </c:pt>
+                  <c:pt idx="18">
+                    <c:v>5.2973383164200004E-8</c:v>
+                  </c:pt>
+                  <c:pt idx="19">
+                    <c:v>6.2732708932399994E-8</c:v>
+                  </c:pt>
+                  <c:pt idx="20">
+                    <c:v>7.8708789695199998E-8</c:v>
+                  </c:pt>
+                  <c:pt idx="21">
+                    <c:v>1.0070548407309999E-7</c:v>
+                  </c:pt>
+                  <c:pt idx="22">
+                    <c:v>1.164004880659E-7</c:v>
+                  </c:pt>
+                  <c:pt idx="23">
+                    <c:v>1.3559202006099998E-7</c:v>
+                  </c:pt>
+                  <c:pt idx="24">
+                    <c:v>1.847423760546E-7</c:v>
+                  </c:pt>
+                  <c:pt idx="25">
+                    <c:v>2.081595780594E-7</c:v>
+                  </c:pt>
+                  <c:pt idx="26">
+                    <c:v>2.166804270639E-7</c:v>
+                  </c:pt>
+                  <c:pt idx="27">
+                    <c:v>1.9185164307729998E-7</c:v>
+                  </c:pt>
+                  <c:pt idx="28">
+                    <c:v>1.6545060009E-7</c:v>
+                  </c:pt>
+                  <c:pt idx="29">
+                    <c:v>1.4087319611459997E-7</c:v>
+                  </c:pt>
+                  <c:pt idx="30">
+                    <c:v>6.6860722732500001E-8</c:v>
+                  </c:pt>
+                  <c:pt idx="31">
+                    <c:v>5.2165972541699999E-8</c:v>
+                  </c:pt>
+                  <c:pt idx="32">
+                    <c:v>1.9954578429199999E-8</c:v>
+                  </c:pt>
+                  <c:pt idx="33">
+                    <c:v>2.4056727542099995E-8</c:v>
+                  </c:pt>
+                  <c:pt idx="34">
+                    <c:v>2.1076701000000001E-8</c:v>
+                  </c:pt>
+                  <c:pt idx="35">
+                    <c:v>0</c:v>
+                  </c:pt>
+                  <c:pt idx="36">
+                    <c:v>0</c:v>
+                  </c:pt>
+                  <c:pt idx="37">
+                    <c:v>0</c:v>
+                  </c:pt>
+                  <c:pt idx="38">
+                    <c:v>0</c:v>
+                  </c:pt>
+                  <c:pt idx="39">
+                    <c:v>0</c:v>
+                  </c:pt>
+                </c:numCache>
+              </c:numRef>
+            </c:plus>
+            <c:minus>
+              <c:numRef>
+                <c:f>'Plate Carbide v6 - 27'!$G$3:$G$42</c:f>
+                <c:numCache>
+                  <c:formatCode>General</c:formatCode>
+                  <c:ptCount val="40"/>
+                  <c:pt idx="0">
+                    <c:v>0</c:v>
+                  </c:pt>
+                  <c:pt idx="1">
+                    <c:v>0</c:v>
+                  </c:pt>
+                  <c:pt idx="2">
+                    <c:v>0</c:v>
+                  </c:pt>
+                  <c:pt idx="3">
+                    <c:v>0</c:v>
+                  </c:pt>
+                  <c:pt idx="4">
+                    <c:v>0</c:v>
+                  </c:pt>
+                  <c:pt idx="5">
+                    <c:v>0</c:v>
+                  </c:pt>
+                  <c:pt idx="6">
+                    <c:v>0</c:v>
+                  </c:pt>
+                  <c:pt idx="7">
+                    <c:v>0</c:v>
+                  </c:pt>
+                  <c:pt idx="8">
+                    <c:v>0</c:v>
+                  </c:pt>
+                  <c:pt idx="9">
+                    <c:v>0</c:v>
+                  </c:pt>
+                  <c:pt idx="10">
+                    <c:v>0</c:v>
+                  </c:pt>
+                  <c:pt idx="11">
+                    <c:v>0</c:v>
+                  </c:pt>
+                  <c:pt idx="12">
+                    <c:v>0</c:v>
+                  </c:pt>
+                  <c:pt idx="13">
+                    <c:v>0</c:v>
+                  </c:pt>
+                  <c:pt idx="14">
+                    <c:v>0</c:v>
+                  </c:pt>
+                  <c:pt idx="15">
+                    <c:v>0</c:v>
+                  </c:pt>
+                  <c:pt idx="16">
+                    <c:v>2.6031329635200002E-8</c:v>
+                  </c:pt>
+                  <c:pt idx="17">
+                    <c:v>2.9195187448799998E-8</c:v>
+                  </c:pt>
+                  <c:pt idx="18">
+                    <c:v>5.2973383164200004E-8</c:v>
+                  </c:pt>
+                  <c:pt idx="19">
+                    <c:v>6.2732708932399994E-8</c:v>
+                  </c:pt>
+                  <c:pt idx="20">
+                    <c:v>7.8708789695199998E-8</c:v>
+                  </c:pt>
+                  <c:pt idx="21">
+                    <c:v>1.0070548407309999E-7</c:v>
+                  </c:pt>
+                  <c:pt idx="22">
+                    <c:v>1.164004880659E-7</c:v>
+                  </c:pt>
+                  <c:pt idx="23">
+                    <c:v>1.3559202006099998E-7</c:v>
+                  </c:pt>
+                  <c:pt idx="24">
+                    <c:v>1.847423760546E-7</c:v>
+                  </c:pt>
+                  <c:pt idx="25">
+                    <c:v>2.081595780594E-7</c:v>
+                  </c:pt>
+                  <c:pt idx="26">
+                    <c:v>2.166804270639E-7</c:v>
+                  </c:pt>
+                  <c:pt idx="27">
+                    <c:v>1.9185164307729998E-7</c:v>
+                  </c:pt>
+                  <c:pt idx="28">
+                    <c:v>1.6545060009E-7</c:v>
+                  </c:pt>
+                  <c:pt idx="29">
+                    <c:v>1.4087319611459997E-7</c:v>
+                  </c:pt>
+                  <c:pt idx="30">
+                    <c:v>6.6860722732500001E-8</c:v>
+                  </c:pt>
+                  <c:pt idx="31">
+                    <c:v>5.2165972541699999E-8</c:v>
+                  </c:pt>
+                  <c:pt idx="32">
+                    <c:v>1.9954578429199999E-8</c:v>
+                  </c:pt>
+                  <c:pt idx="33">
+                    <c:v>2.4056727542099995E-8</c:v>
+                  </c:pt>
+                  <c:pt idx="34">
+                    <c:v>2.1076701000000001E-8</c:v>
+                  </c:pt>
+                  <c:pt idx="35">
+                    <c:v>0</c:v>
+                  </c:pt>
+                  <c:pt idx="36">
+                    <c:v>0</c:v>
+                  </c:pt>
+                  <c:pt idx="37">
+                    <c:v>0</c:v>
+                  </c:pt>
+                  <c:pt idx="38">
+                    <c:v>0</c:v>
+                  </c:pt>
+                  <c:pt idx="39">
+                    <c:v>0</c:v>
+                  </c:pt>
+                </c:numCache>
+              </c:numRef>
+            </c:minus>
+            <c:spPr>
+              <a:noFill/>
+              <a:ln w="9525" cap="flat" cmpd="sng" algn="ctr">
+                <a:solidFill>
+                  <a:schemeClr val="tx1">
+                    <a:lumMod val="65000"/>
+                    <a:lumOff val="35000"/>
+                  </a:schemeClr>
+                </a:solidFill>
+                <a:round/>
+              </a:ln>
+              <a:effectLst/>
+            </c:spPr>
+          </c:errBars>
+          <c:xVal>
+            <c:numRef>
+              <c:f>'Plate Carbide v6 - 27'!$C$3:$C$42</c:f>
+              <c:numCache>
+                <c:formatCode>0.00E+00</c:formatCode>
+                <c:ptCount val="40"/>
+                <c:pt idx="0">
+                  <c:v>8.4599999999999997E-10</c:v>
+                </c:pt>
+                <c:pt idx="1">
+                  <c:v>2.5494999999999999E-9</c:v>
+                </c:pt>
+                <c:pt idx="2">
+                  <c:v>5.1339999999999998E-9</c:v>
+                </c:pt>
+                <c:pt idx="3">
+                  <c:v>1.0340500000000001E-8</c:v>
+                </c:pt>
+                <c:pt idx="4">
+                  <c:v>2.082E-8</c:v>
+                </c:pt>
+                <c:pt idx="5">
+                  <c:v>4.1925E-8</c:v>
+                </c:pt>
+                <c:pt idx="6">
+                  <c:v>8.4415000000000005E-8</c:v>
+                </c:pt>
+                <c:pt idx="7">
+                  <c:v>1.7000000000000001E-7</c:v>
+                </c:pt>
+                <c:pt idx="8">
+                  <c:v>3.4234999999999999E-7</c:v>
+                </c:pt>
+                <c:pt idx="9">
+                  <c:v>6.8945000000000002E-7</c:v>
+                </c:pt>
+                <c:pt idx="10">
+                  <c:v>1.3882000000000001E-6</c:v>
+                </c:pt>
+                <c:pt idx="11">
+                  <c:v>2.7954999999999997E-6</c:v>
+                </c:pt>
+                <c:pt idx="12">
+                  <c:v>5.6300000000000003E-6</c:v>
+                </c:pt>
+                <c:pt idx="13">
+                  <c:v>1.1337E-5</c:v>
+                </c:pt>
+                <c:pt idx="14">
+                  <c:v>2.283E-5</c:v>
+                </c:pt>
+                <c:pt idx="15">
+                  <c:v>4.5974999999999999E-5</c:v>
+                </c:pt>
+                <c:pt idx="16">
+                  <c:v>9.256999999999999E-5</c:v>
+                </c:pt>
+                <c:pt idx="17">
+                  <c:v>1.8645000000000001E-4</c:v>
+                </c:pt>
+                <c:pt idx="18">
+                  <c:v>3.7544999999999999E-4</c:v>
+                </c:pt>
+                <c:pt idx="19">
+                  <c:v>7.5584999999999997E-4</c:v>
+                </c:pt>
+                <c:pt idx="20">
+                  <c:v>1.5225E-3</c:v>
+                </c:pt>
+                <c:pt idx="21">
+                  <c:v>3.0660000000000001E-3</c:v>
+                </c:pt>
+                <c:pt idx="22">
+                  <c:v>6.1739999999999998E-3</c:v>
+                </c:pt>
+                <c:pt idx="23">
+                  <c:v>1.2435499999999999E-2</c:v>
+                </c:pt>
+                <c:pt idx="24">
+                  <c:v>2.504E-2</c:v>
+                </c:pt>
+                <c:pt idx="25">
+                  <c:v>5.0419999999999993E-2</c:v>
+                </c:pt>
+                <c:pt idx="26">
+                  <c:v>0.10153999999999999</c:v>
+                </c:pt>
+                <c:pt idx="27">
+                  <c:v>0.20444999999999999</c:v>
+                </c:pt>
+                <c:pt idx="28">
+                  <c:v>0.41170000000000001</c:v>
+                </c:pt>
+                <c:pt idx="29">
+                  <c:v>0.82910000000000006</c:v>
+                </c:pt>
+                <c:pt idx="30">
+                  <c:v>1.6695</c:v>
+                </c:pt>
+                <c:pt idx="31">
+                  <c:v>2.8650000000000002</c:v>
+                </c:pt>
+                <c:pt idx="32">
+                  <c:v>4.2575000000000003</c:v>
+                </c:pt>
+                <c:pt idx="33">
+                  <c:v>5.9965000000000002</c:v>
+                </c:pt>
+                <c:pt idx="34">
+                  <c:v>8.4885000000000002</c:v>
+                </c:pt>
+                <c:pt idx="35">
+                  <c:v>11</c:v>
+                </c:pt>
+                <c:pt idx="36">
+                  <c:v>13</c:v>
+                </c:pt>
+                <c:pt idx="37">
+                  <c:v>15</c:v>
+                </c:pt>
+                <c:pt idx="38">
+                  <c:v>17</c:v>
+                </c:pt>
+                <c:pt idx="39">
+                  <c:v>19</c:v>
+                </c:pt>
+              </c:numCache>
+            </c:numRef>
+          </c:xVal>
+          <c:yVal>
+            <c:numRef>
+              <c:f>'Plate Carbide v6 - 27'!$E$3:$E$42</c:f>
+              <c:numCache>
+                <c:formatCode>0.00E+00</c:formatCode>
+                <c:ptCount val="40"/>
+                <c:pt idx="0">
+                  <c:v>1.0000000000000001E-15</c:v>
+                </c:pt>
+                <c:pt idx="1">
+                  <c:v>1.0000000000000001E-15</c:v>
+                </c:pt>
+                <c:pt idx="2">
+                  <c:v>1.0000000000000001E-15</c:v>
+                </c:pt>
+                <c:pt idx="3">
+                  <c:v>1.0000000000000001E-15</c:v>
+                </c:pt>
+                <c:pt idx="4">
+                  <c:v>1.0000000000000001E-15</c:v>
+                </c:pt>
+                <c:pt idx="5">
+                  <c:v>1.0000000000000001E-15</c:v>
+                </c:pt>
+                <c:pt idx="6">
+                  <c:v>1.0000000000000001E-15</c:v>
+                </c:pt>
+                <c:pt idx="7">
+                  <c:v>1.0000000000000001E-15</c:v>
+                </c:pt>
+                <c:pt idx="8">
+                  <c:v>1.0000000000000001E-15</c:v>
+                </c:pt>
+                <c:pt idx="9">
+                  <c:v>1.0000000000000001E-15</c:v>
+                </c:pt>
+                <c:pt idx="10">
+                  <c:v>1.0000000000000001E-15</c:v>
+                </c:pt>
+                <c:pt idx="11">
+                  <c:v>1.0000000000000001E-15</c:v>
+                </c:pt>
+                <c:pt idx="12">
+                  <c:v>1.0000000000000001E-15</c:v>
+                </c:pt>
+                <c:pt idx="13">
+                  <c:v>1.0000000000000001E-15</c:v>
+                </c:pt>
+                <c:pt idx="14">
+                  <c:v>1.0000000000000001E-15</c:v>
+                </c:pt>
+                <c:pt idx="15">
+                  <c:v>1.0000000000000001E-15</c:v>
+                </c:pt>
+                <c:pt idx="16">
+                  <c:v>7.3286400999999997E-8</c:v>
+                </c:pt>
+                <c:pt idx="17">
+                  <c:v>1.17344001E-7</c:v>
+                </c:pt>
+                <c:pt idx="18">
+                  <c:v>3.2261500099999998E-7</c:v>
+                </c:pt>
+                <c:pt idx="19">
+                  <c:v>4.7381200099999998E-7</c:v>
+                </c:pt>
+                <c:pt idx="20">
+                  <c:v>8.2677300099999997E-7</c:v>
+                </c:pt>
+                <c:pt idx="21">
+                  <c:v>1.3776400009999999E-6</c:v>
+                </c:pt>
+                <c:pt idx="22">
+                  <c:v>1.766320001E-6</c:v>
+                </c:pt>
+                <c:pt idx="23">
+                  <c:v>2.2228200009999997E-6</c:v>
+                </c:pt>
+                <c:pt idx="24">
+                  <c:v>3.3835600009999997E-6</c:v>
+                </c:pt>
+                <c:pt idx="25">
+                  <c:v>3.5043700009999998E-6</c:v>
+                </c:pt>
+                <c:pt idx="26">
+                  <c:v>3.3909300009999999E-6</c:v>
+                </c:pt>
+                <c:pt idx="27">
+                  <c:v>2.4819100010000001E-6</c:v>
+                </c:pt>
+                <c:pt idx="28">
+                  <c:v>1.838340001E-6</c:v>
+                </c:pt>
+                <c:pt idx="29">
+                  <c:v>1.2292600009999999E-6</c:v>
+                </c:pt>
+                <c:pt idx="30">
+                  <c:v>2.8757300100000001E-7</c:v>
+                </c:pt>
+                <c:pt idx="31">
+                  <c:v>1.52666001E-7</c:v>
+                </c:pt>
+                <c:pt idx="32">
+                  <c:v>3.6333900999999998E-8</c:v>
+                </c:pt>
+                <c:pt idx="33">
+                  <c:v>4.0629500999999997E-8</c:v>
+                </c:pt>
+                <c:pt idx="34">
+                  <c:v>2.1076701000000001E-8</c:v>
+                </c:pt>
+                <c:pt idx="35">
+                  <c:v>1.0000000000000001E-15</c:v>
+                </c:pt>
+                <c:pt idx="36">
+                  <c:v>1.0000000000000001E-15</c:v>
+                </c:pt>
+                <c:pt idx="37">
+                  <c:v>1.0000000000000001E-15</c:v>
+                </c:pt>
+                <c:pt idx="38">
+                  <c:v>1.0000000000000001E-15</c:v>
+                </c:pt>
+                <c:pt idx="39">
+                  <c:v>1.0000000000000001E-15</c:v>
+                </c:pt>
+              </c:numCache>
+            </c:numRef>
+          </c:yVal>
+          <c:smooth val="1"/>
+          <c:extLst>
+            <c:ext xmlns:c16="http://schemas.microsoft.com/office/drawing/2014/chart" uri="{C3380CC4-5D6E-409C-BE32-E72D297353CC}">
+              <c16:uniqueId val="{00000000-E1FC-442D-BB36-A82069E72567}"/>
+            </c:ext>
+          </c:extLst>
+        </c:ser>
+        <c:ser>
+          <c:idx val="1"/>
+          <c:order val="1"/>
+          <c:tx>
+            <c:strRef>
+              <c:f>'Plate Carbide v6 - 27'!$C$45:$D$45</c:f>
+              <c:strCache>
+                <c:ptCount val="1"/>
+                <c:pt idx="0">
+                  <c:v>Depleted (42.4, 0, 0)</c:v>
+                </c:pt>
+              </c:strCache>
+            </c:strRef>
+          </c:tx>
+          <c:spPr>
+            <a:ln w="19050" cap="rnd">
+              <a:solidFill>
+                <a:schemeClr val="accent2"/>
+              </a:solidFill>
+              <a:round/>
+            </a:ln>
+            <a:effectLst/>
+          </c:spPr>
+          <c:marker>
+            <c:symbol val="none"/>
+          </c:marker>
+          <c:errBars>
+            <c:errDir val="y"/>
+            <c:errBarType val="both"/>
+            <c:errValType val="cust"/>
+            <c:noEndCap val="0"/>
+            <c:plus>
+              <c:numRef>
+                <c:f>'Plate Carbide v6 - 27'!$G$47:$G$86</c:f>
+                <c:numCache>
+                  <c:formatCode>General</c:formatCode>
+                  <c:ptCount val="40"/>
+                  <c:pt idx="0">
+                    <c:v>0</c:v>
+                  </c:pt>
+                  <c:pt idx="1">
+                    <c:v>0</c:v>
+                  </c:pt>
+                  <c:pt idx="2">
+                    <c:v>0</c:v>
+                  </c:pt>
+                  <c:pt idx="3">
+                    <c:v>0</c:v>
+                  </c:pt>
+                  <c:pt idx="4">
+                    <c:v>0</c:v>
+                  </c:pt>
+                  <c:pt idx="5">
+                    <c:v>0</c:v>
+                  </c:pt>
+                  <c:pt idx="6">
+                    <c:v>0</c:v>
+                  </c:pt>
+                  <c:pt idx="7">
+                    <c:v>0</c:v>
+                  </c:pt>
+                  <c:pt idx="8">
+                    <c:v>0</c:v>
+                  </c:pt>
+                  <c:pt idx="9">
+                    <c:v>0</c:v>
+                  </c:pt>
+                  <c:pt idx="10">
+                    <c:v>0</c:v>
+                  </c:pt>
+                  <c:pt idx="11">
+                    <c:v>0</c:v>
+                  </c:pt>
+                  <c:pt idx="12">
+                    <c:v>0</c:v>
+                  </c:pt>
+                  <c:pt idx="13">
+                    <c:v>0</c:v>
+                  </c:pt>
+                  <c:pt idx="14">
+                    <c:v>0</c:v>
+                  </c:pt>
+                  <c:pt idx="15">
+                    <c:v>0</c:v>
+                  </c:pt>
+                  <c:pt idx="16">
+                    <c:v>0</c:v>
+                  </c:pt>
+                  <c:pt idx="17">
+                    <c:v>0</c:v>
+                  </c:pt>
+                  <c:pt idx="18">
+                    <c:v>3.4230609999999999E-9</c:v>
+                  </c:pt>
+                  <c:pt idx="19">
+                    <c:v>2.2911585005100002E-8</c:v>
+                  </c:pt>
+                  <c:pt idx="20">
+                    <c:v>5.5243702554400004E-8</c:v>
+                  </c:pt>
+                  <c:pt idx="21">
+                    <c:v>7.5445050309100012E-8</c:v>
+                  </c:pt>
+                  <c:pt idx="22">
+                    <c:v>1.110256000736E-7</c:v>
+                  </c:pt>
+                  <c:pt idx="23">
+                    <c:v>1.4852916405529998E-7</c:v>
+                  </c:pt>
+                  <c:pt idx="24">
+                    <c:v>2.025039250445E-7</c:v>
+                  </c:pt>
+                  <c:pt idx="25">
+                    <c:v>2.6468907504150001E-7</c:v>
+                  </c:pt>
+                  <c:pt idx="26">
+                    <c:v>3.2146991103989999E-7</c:v>
+                  </c:pt>
+                  <c:pt idx="27">
+                    <c:v>3.6073148404019998E-7</c:v>
+                  </c:pt>
+                  <c:pt idx="28">
+                    <c:v>3.6274727504250004E-7</c:v>
+                  </c:pt>
+                  <c:pt idx="29">
+                    <c:v>3.324475660506E-7</c:v>
+                  </c:pt>
+                  <c:pt idx="30">
+                    <c:v>2.5700440006560001E-7</c:v>
+                  </c:pt>
+                  <c:pt idx="31">
+                    <c:v>1.7758959009849999E-7</c:v>
+                  </c:pt>
+                  <c:pt idx="32">
+                    <c:v>1.224672913416E-7</c:v>
+                  </c:pt>
+                  <c:pt idx="33">
+                    <c:v>9.432914780780001E-8</c:v>
+                  </c:pt>
+                  <c:pt idx="34">
+                    <c:v>4.2174033142700003E-8</c:v>
+                  </c:pt>
+                  <c:pt idx="35">
+                    <c:v>5.0658009999999999E-9</c:v>
+                  </c:pt>
+                  <c:pt idx="36">
+                    <c:v>0</c:v>
+                  </c:pt>
+                  <c:pt idx="37">
+                    <c:v>0</c:v>
+                  </c:pt>
+                  <c:pt idx="38">
+                    <c:v>0</c:v>
+                  </c:pt>
+                  <c:pt idx="39">
+                    <c:v>0</c:v>
+                  </c:pt>
+                </c:numCache>
+              </c:numRef>
+            </c:plus>
+            <c:minus>
+              <c:numRef>
+                <c:f>'Plate Carbide v6 - 27'!$G$47:$G$86</c:f>
+                <c:numCache>
+                  <c:formatCode>General</c:formatCode>
+                  <c:ptCount val="40"/>
+                  <c:pt idx="0">
+                    <c:v>0</c:v>
+                  </c:pt>
+                  <c:pt idx="1">
+                    <c:v>0</c:v>
+                  </c:pt>
+                  <c:pt idx="2">
+                    <c:v>0</c:v>
+                  </c:pt>
+                  <c:pt idx="3">
+                    <c:v>0</c:v>
+                  </c:pt>
+                  <c:pt idx="4">
+                    <c:v>0</c:v>
+                  </c:pt>
+                  <c:pt idx="5">
+                    <c:v>0</c:v>
+                  </c:pt>
+                  <c:pt idx="6">
+                    <c:v>0</c:v>
+                  </c:pt>
+                  <c:pt idx="7">
+                    <c:v>0</c:v>
+                  </c:pt>
+                  <c:pt idx="8">
+                    <c:v>0</c:v>
+                  </c:pt>
+                  <c:pt idx="9">
+                    <c:v>0</c:v>
+                  </c:pt>
+                  <c:pt idx="10">
+                    <c:v>0</c:v>
+                  </c:pt>
+                  <c:pt idx="11">
+                    <c:v>0</c:v>
+                  </c:pt>
+                  <c:pt idx="12">
+                    <c:v>0</c:v>
+                  </c:pt>
+                  <c:pt idx="13">
+                    <c:v>0</c:v>
+                  </c:pt>
+                  <c:pt idx="14">
+                    <c:v>0</c:v>
+                  </c:pt>
+                  <c:pt idx="15">
+                    <c:v>0</c:v>
+                  </c:pt>
+                  <c:pt idx="16">
+                    <c:v>0</c:v>
+                  </c:pt>
+                  <c:pt idx="17">
+                    <c:v>0</c:v>
+                  </c:pt>
+                  <c:pt idx="18">
+                    <c:v>3.4230609999999999E-9</c:v>
+                  </c:pt>
+                  <c:pt idx="19">
+                    <c:v>2.2911585005100002E-8</c:v>
+                  </c:pt>
+                  <c:pt idx="20">
+                    <c:v>5.5243702554400004E-8</c:v>
+                  </c:pt>
+                  <c:pt idx="21">
+                    <c:v>7.5445050309100012E-8</c:v>
+                  </c:pt>
+                  <c:pt idx="22">
+                    <c:v>1.110256000736E-7</c:v>
+                  </c:pt>
+                  <c:pt idx="23">
+                    <c:v>1.4852916405529998E-7</c:v>
+                  </c:pt>
+                  <c:pt idx="24">
+                    <c:v>2.025039250445E-7</c:v>
+                  </c:pt>
+                  <c:pt idx="25">
+                    <c:v>2.6468907504150001E-7</c:v>
+                  </c:pt>
+                  <c:pt idx="26">
+                    <c:v>3.2146991103989999E-7</c:v>
+                  </c:pt>
+                  <c:pt idx="27">
+                    <c:v>3.6073148404019998E-7</c:v>
+                  </c:pt>
+                  <c:pt idx="28">
+                    <c:v>3.6274727504250004E-7</c:v>
+                  </c:pt>
+                  <c:pt idx="29">
+                    <c:v>3.324475660506E-7</c:v>
+                  </c:pt>
+                  <c:pt idx="30">
+                    <c:v>2.5700440006560001E-7</c:v>
+                  </c:pt>
+                  <c:pt idx="31">
+                    <c:v>1.7758959009849999E-7</c:v>
+                  </c:pt>
+                  <c:pt idx="32">
+                    <c:v>1.224672913416E-7</c:v>
+                  </c:pt>
+                  <c:pt idx="33">
+                    <c:v>9.432914780780001E-8</c:v>
+                  </c:pt>
+                  <c:pt idx="34">
+                    <c:v>4.2174033142700003E-8</c:v>
+                  </c:pt>
+                  <c:pt idx="35">
+                    <c:v>5.0658009999999999E-9</c:v>
+                  </c:pt>
+                  <c:pt idx="36">
+                    <c:v>0</c:v>
+                  </c:pt>
+                  <c:pt idx="37">
+                    <c:v>0</c:v>
+                  </c:pt>
+                  <c:pt idx="38">
+                    <c:v>0</c:v>
+                  </c:pt>
+                  <c:pt idx="39">
+                    <c:v>0</c:v>
+                  </c:pt>
+                </c:numCache>
+              </c:numRef>
+            </c:minus>
+            <c:spPr>
+              <a:noFill/>
+              <a:ln w="9525" cap="flat" cmpd="sng" algn="ctr">
+                <a:solidFill>
+                  <a:schemeClr val="tx1">
+                    <a:lumMod val="65000"/>
+                    <a:lumOff val="35000"/>
+                  </a:schemeClr>
+                </a:solidFill>
+                <a:round/>
+              </a:ln>
+              <a:effectLst/>
+            </c:spPr>
+          </c:errBars>
+          <c:xVal>
+            <c:numRef>
+              <c:f>'Plate Carbide v6 - 27'!$C$47:$C$86</c:f>
+              <c:numCache>
+                <c:formatCode>0.00E+00</c:formatCode>
+                <c:ptCount val="40"/>
+                <c:pt idx="0">
+                  <c:v>8.4599999999999997E-10</c:v>
+                </c:pt>
+                <c:pt idx="1">
+                  <c:v>2.5494999999999999E-9</c:v>
+                </c:pt>
+                <c:pt idx="2">
+                  <c:v>5.1339999999999998E-9</c:v>
+                </c:pt>
+                <c:pt idx="3">
+                  <c:v>1.0340500000000001E-8</c:v>
+                </c:pt>
+                <c:pt idx="4">
+                  <c:v>2.082E-8</c:v>
+                </c:pt>
+                <c:pt idx="5">
+                  <c:v>4.1925E-8</c:v>
+                </c:pt>
+                <c:pt idx="6">
+                  <c:v>8.4415000000000005E-8</c:v>
+                </c:pt>
+                <c:pt idx="7">
+                  <c:v>1.7000000000000001E-7</c:v>
+                </c:pt>
+                <c:pt idx="8">
+                  <c:v>3.4234999999999999E-7</c:v>
+                </c:pt>
+                <c:pt idx="9">
+                  <c:v>6.8945000000000002E-7</c:v>
+                </c:pt>
+                <c:pt idx="10">
+                  <c:v>1.3882000000000001E-6</c:v>
+                </c:pt>
+                <c:pt idx="11">
+                  <c:v>2.7954999999999997E-6</c:v>
+                </c:pt>
+                <c:pt idx="12">
+                  <c:v>5.6300000000000003E-6</c:v>
+                </c:pt>
+                <c:pt idx="13">
+                  <c:v>1.1337E-5</c:v>
+                </c:pt>
+                <c:pt idx="14">
+                  <c:v>2.283E-5</c:v>
+                </c:pt>
+                <c:pt idx="15">
+                  <c:v>4.5974999999999999E-5</c:v>
+                </c:pt>
+                <c:pt idx="16">
+                  <c:v>9.256999999999999E-5</c:v>
+                </c:pt>
+                <c:pt idx="17">
+                  <c:v>1.8645000000000001E-4</c:v>
+                </c:pt>
+                <c:pt idx="18">
+                  <c:v>3.7544999999999999E-4</c:v>
+                </c:pt>
+                <c:pt idx="19">
+                  <c:v>7.5584999999999997E-4</c:v>
+                </c:pt>
+                <c:pt idx="20">
+                  <c:v>1.5225E-3</c:v>
+                </c:pt>
+                <c:pt idx="21">
+                  <c:v>3.0660000000000001E-3</c:v>
+                </c:pt>
+                <c:pt idx="22">
+                  <c:v>6.1739999999999998E-3</c:v>
+                </c:pt>
+                <c:pt idx="23">
+                  <c:v>1.2435499999999999E-2</c:v>
+                </c:pt>
+                <c:pt idx="24">
+                  <c:v>2.504E-2</c:v>
+                </c:pt>
+                <c:pt idx="25">
+                  <c:v>5.0419999999999993E-2</c:v>
+                </c:pt>
+                <c:pt idx="26">
+                  <c:v>0.10153999999999999</c:v>
+                </c:pt>
+                <c:pt idx="27">
+                  <c:v>0.20444999999999999</c:v>
+                </c:pt>
+                <c:pt idx="28">
+                  <c:v>0.41170000000000001</c:v>
+                </c:pt>
+                <c:pt idx="29">
+                  <c:v>0.82910000000000006</c:v>
+                </c:pt>
+                <c:pt idx="30">
+                  <c:v>1.6695</c:v>
+                </c:pt>
+                <c:pt idx="31">
+                  <c:v>2.8650000000000002</c:v>
+                </c:pt>
+                <c:pt idx="32">
+                  <c:v>4.2575000000000003</c:v>
+                </c:pt>
+                <c:pt idx="33">
+                  <c:v>5.9965000000000002</c:v>
+                </c:pt>
+                <c:pt idx="34">
+                  <c:v>8.4885000000000002</c:v>
+                </c:pt>
+                <c:pt idx="35">
+                  <c:v>11</c:v>
+                </c:pt>
+                <c:pt idx="36">
+                  <c:v>13</c:v>
+                </c:pt>
+                <c:pt idx="37">
+                  <c:v>15</c:v>
+                </c:pt>
+                <c:pt idx="38">
+                  <c:v>17</c:v>
+                </c:pt>
+                <c:pt idx="39">
+                  <c:v>19</c:v>
+                </c:pt>
+              </c:numCache>
+            </c:numRef>
+          </c:xVal>
+          <c:yVal>
+            <c:numRef>
+              <c:f>'Plate Carbide v6 - 27'!$E$47:$E$86</c:f>
+              <c:numCache>
+                <c:formatCode>0.00E+00</c:formatCode>
+                <c:ptCount val="40"/>
+                <c:pt idx="0">
+                  <c:v>1.0000000000000001E-15</c:v>
+                </c:pt>
+                <c:pt idx="1">
+                  <c:v>1.0000000000000001E-15</c:v>
+                </c:pt>
+                <c:pt idx="2">
+                  <c:v>1.0000000000000001E-15</c:v>
+                </c:pt>
+                <c:pt idx="3">
+                  <c:v>1.0000000000000001E-15</c:v>
+                </c:pt>
+                <c:pt idx="4">
+                  <c:v>1.0000000000000001E-15</c:v>
+                </c:pt>
+                <c:pt idx="5">
+                  <c:v>1.0000000000000001E-15</c:v>
+                </c:pt>
+                <c:pt idx="6">
+                  <c:v>1.0000000000000001E-15</c:v>
+                </c:pt>
+                <c:pt idx="7">
+                  <c:v>1.0000000000000001E-15</c:v>
+                </c:pt>
+                <c:pt idx="8">
+                  <c:v>1.0000000000000001E-15</c:v>
+                </c:pt>
+                <c:pt idx="9">
+                  <c:v>1.0000000000000001E-15</c:v>
+                </c:pt>
+                <c:pt idx="10">
+                  <c:v>1.0000000000000001E-15</c:v>
+                </c:pt>
+                <c:pt idx="11">
+                  <c:v>1.0000000000000001E-15</c:v>
+                </c:pt>
+                <c:pt idx="12">
+                  <c:v>1.0000000000000001E-15</c:v>
+                </c:pt>
+                <c:pt idx="13">
+                  <c:v>1.0000000000000001E-15</c:v>
+                </c:pt>
+                <c:pt idx="14">
+                  <c:v>1.0000000000000001E-15</c:v>
+                </c:pt>
+                <c:pt idx="15">
+                  <c:v>1.0000000000000001E-15</c:v>
+                </c:pt>
+                <c:pt idx="16">
+                  <c:v>1.0000000000000001E-15</c:v>
+                </c:pt>
+                <c:pt idx="17">
+                  <c:v>1.0000000000000001E-15</c:v>
+                </c:pt>
+                <c:pt idx="18">
+                  <c:v>3.4230609999999999E-9</c:v>
+                </c:pt>
+                <c:pt idx="19">
+                  <c:v>6.4521501000000003E-8</c:v>
+                </c:pt>
+                <c:pt idx="20">
+                  <c:v>3.5779600099999999E-7</c:v>
+                </c:pt>
+                <c:pt idx="21">
+                  <c:v>6.9152200100000005E-7</c:v>
+                </c:pt>
+                <c:pt idx="22">
+                  <c:v>1.5085000009999999E-6</c:v>
+                </c:pt>
+                <c:pt idx="23">
+                  <c:v>2.6858800009999998E-6</c:v>
+                </c:pt>
+                <c:pt idx="24">
+                  <c:v>4.5506500010000005E-6</c:v>
+                </c:pt>
+                <c:pt idx="25">
+                  <c:v>6.3780500010000002E-6</c:v>
+                </c:pt>
+                <c:pt idx="26">
+                  <c:v>8.0568900010000004E-6</c:v>
+                </c:pt>
+                <c:pt idx="27">
+                  <c:v>8.9734200009999995E-6</c:v>
+                </c:pt>
+                <c:pt idx="28">
+                  <c:v>8.5352300009999999E-6</c:v>
+                </c:pt>
+                <c:pt idx="29">
+                  <c:v>6.5701100010000002E-6</c:v>
+                </c:pt>
+                <c:pt idx="30">
+                  <c:v>3.9177500010000002E-6</c:v>
+                </c:pt>
+                <c:pt idx="31">
+                  <c:v>1.8029400009999999E-6</c:v>
+                </c:pt>
+                <c:pt idx="32">
+                  <c:v>8.6488200100000001E-7</c:v>
+                </c:pt>
+                <c:pt idx="33">
+                  <c:v>4.5394200100000001E-7</c:v>
+                </c:pt>
+                <c:pt idx="34">
+                  <c:v>1.23064001E-7</c:v>
+                </c:pt>
+                <c:pt idx="35">
+                  <c:v>5.0658009999999999E-9</c:v>
+                </c:pt>
+                <c:pt idx="36">
+                  <c:v>1.0000000000000001E-15</c:v>
+                </c:pt>
+                <c:pt idx="37">
+                  <c:v>1.0000000000000001E-15</c:v>
+                </c:pt>
+                <c:pt idx="38">
+                  <c:v>1.0000000000000001E-15</c:v>
+                </c:pt>
+                <c:pt idx="39">
+                  <c:v>1.0000000000000001E-15</c:v>
+                </c:pt>
+              </c:numCache>
+            </c:numRef>
+          </c:yVal>
+          <c:smooth val="1"/>
+          <c:extLst>
+            <c:ext xmlns:c16="http://schemas.microsoft.com/office/drawing/2014/chart" uri="{C3380CC4-5D6E-409C-BE32-E72D297353CC}">
+              <c16:uniqueId val="{00000001-E1FC-442D-BB36-A82069E72567}"/>
+            </c:ext>
+          </c:extLst>
+        </c:ser>
+        <c:ser>
+          <c:idx val="2"/>
+          <c:order val="2"/>
+          <c:tx>
+            <c:strRef>
+              <c:f>'Plate Carbide v6 - 27'!$C$89:$D$89</c:f>
+              <c:strCache>
+                <c:ptCount val="1"/>
+                <c:pt idx="0">
+                  <c:v>Depleted (84.4, 0, 0)</c:v>
+                </c:pt>
+              </c:strCache>
+            </c:strRef>
+          </c:tx>
+          <c:spPr>
+            <a:ln w="19050" cap="rnd">
+              <a:solidFill>
+                <a:schemeClr val="accent3"/>
+              </a:solidFill>
+              <a:round/>
+            </a:ln>
+            <a:effectLst/>
+          </c:spPr>
+          <c:marker>
+            <c:symbol val="none"/>
+          </c:marker>
+          <c:errBars>
+            <c:errDir val="y"/>
+            <c:errBarType val="both"/>
+            <c:errValType val="cust"/>
+            <c:noEndCap val="0"/>
+            <c:plus>
+              <c:numRef>
+                <c:f>'Plate Carbide v6 - 27'!$G$91:$G$130</c:f>
+                <c:numCache>
+                  <c:formatCode>General</c:formatCode>
+                  <c:ptCount val="40"/>
+                  <c:pt idx="0">
+                    <c:v>0</c:v>
+                  </c:pt>
+                  <c:pt idx="1">
+                    <c:v>0</c:v>
+                  </c:pt>
+                  <c:pt idx="2">
+                    <c:v>0</c:v>
+                  </c:pt>
+                  <c:pt idx="3">
+                    <c:v>0</c:v>
+                  </c:pt>
+                  <c:pt idx="4">
+                    <c:v>0</c:v>
+                  </c:pt>
+                  <c:pt idx="5">
+                    <c:v>0</c:v>
+                  </c:pt>
+                  <c:pt idx="6">
+                    <c:v>0</c:v>
+                  </c:pt>
+                  <c:pt idx="7">
+                    <c:v>0</c:v>
+                  </c:pt>
+                  <c:pt idx="8">
+                    <c:v>0</c:v>
+                  </c:pt>
+                  <c:pt idx="9">
+                    <c:v>0</c:v>
+                  </c:pt>
+                  <c:pt idx="10">
+                    <c:v>0</c:v>
+                  </c:pt>
+                  <c:pt idx="11">
+                    <c:v>0</c:v>
+                  </c:pt>
+                  <c:pt idx="12">
+                    <c:v>0</c:v>
+                  </c:pt>
+                  <c:pt idx="13">
+                    <c:v>0</c:v>
+                  </c:pt>
+                  <c:pt idx="14">
+                    <c:v>6.9853510000000004E-9</c:v>
+                  </c:pt>
+                  <c:pt idx="15">
+                    <c:v>0</c:v>
+                  </c:pt>
+                  <c:pt idx="16">
+                    <c:v>7.7721380542000015E-9</c:v>
+                  </c:pt>
+                  <c:pt idx="17">
+                    <c:v>2.1668797300999999E-8</c:v>
+                  </c:pt>
+                  <c:pt idx="18">
+                    <c:v>2.1188567880599999E-8</c:v>
+                  </c:pt>
+                  <c:pt idx="19">
+                    <c:v>2.8114009290499997E-8</c:v>
+                  </c:pt>
+                  <c:pt idx="20">
+                    <c:v>3.5977390396200002E-8</c:v>
+                  </c:pt>
+                  <c:pt idx="21">
+                    <c:v>5.3864399750699999E-8</c:v>
+                  </c:pt>
+                  <c:pt idx="22">
+                    <c:v>6.6122289422899997E-8</c:v>
+                  </c:pt>
+                  <c:pt idx="23">
+                    <c:v>7.5739817216699999E-8</c:v>
+                  </c:pt>
+                  <c:pt idx="24">
+                    <c:v>7.7351670120999991E-8</c:v>
+                  </c:pt>
+                  <c:pt idx="25">
+                    <c:v>9.542578511700001E-8</c:v>
+                  </c:pt>
+                  <c:pt idx="26">
+                    <c:v>1.1493088453479999E-7</c:v>
+                  </c:pt>
+                  <c:pt idx="27">
+                    <c:v>8.1196317156599987E-8</c:v>
+                  </c:pt>
+                  <c:pt idx="28">
+                    <c:v>8.8025958974800009E-8</c:v>
+                  </c:pt>
+                  <c:pt idx="29">
+                    <c:v>5.0203895804700008E-8</c:v>
+                  </c:pt>
+                  <c:pt idx="30">
+                    <c:v>2.3980966162799998E-8</c:v>
+                  </c:pt>
+                  <c:pt idx="31">
+                    <c:v>3.6026890946199998E-8</c:v>
+                  </c:pt>
+                  <c:pt idx="32">
+                    <c:v>2.01085226257E-8</c:v>
+                  </c:pt>
+                  <c:pt idx="33">
+                    <c:v>2.587121E-9</c:v>
+                  </c:pt>
+                  <c:pt idx="34">
+                    <c:v>0</c:v>
+                  </c:pt>
+                  <c:pt idx="35">
+                    <c:v>0</c:v>
+                  </c:pt>
+                  <c:pt idx="36">
+                    <c:v>0</c:v>
+                  </c:pt>
+                  <c:pt idx="37">
+                    <c:v>0</c:v>
+                  </c:pt>
+                  <c:pt idx="38">
+                    <c:v>0</c:v>
+                  </c:pt>
+                  <c:pt idx="39">
+                    <c:v>0</c:v>
+                  </c:pt>
+                </c:numCache>
+              </c:numRef>
+            </c:plus>
+            <c:minus>
+              <c:numRef>
+                <c:f>'Plate Carbide v6 - 27'!$G$91:$G$130</c:f>
+                <c:numCache>
+                  <c:formatCode>General</c:formatCode>
+                  <c:ptCount val="40"/>
+                  <c:pt idx="0">
+                    <c:v>0</c:v>
+                  </c:pt>
+                  <c:pt idx="1">
+                    <c:v>0</c:v>
+                  </c:pt>
+                  <c:pt idx="2">
+                    <c:v>0</c:v>
+                  </c:pt>
+                  <c:pt idx="3">
+                    <c:v>0</c:v>
+                  </c:pt>
+                  <c:pt idx="4">
+                    <c:v>0</c:v>
+                  </c:pt>
+                  <c:pt idx="5">
+                    <c:v>0</c:v>
+                  </c:pt>
+                  <c:pt idx="6">
+                    <c:v>0</c:v>
+                  </c:pt>
+                  <c:pt idx="7">
+                    <c:v>0</c:v>
+                  </c:pt>
+                  <c:pt idx="8">
+                    <c:v>0</c:v>
+                  </c:pt>
+                  <c:pt idx="9">
+                    <c:v>0</c:v>
+                  </c:pt>
+                  <c:pt idx="10">
+                    <c:v>0</c:v>
+                  </c:pt>
+                  <c:pt idx="11">
+                    <c:v>0</c:v>
+                  </c:pt>
+                  <c:pt idx="12">
+                    <c:v>0</c:v>
+                  </c:pt>
+                  <c:pt idx="13">
+                    <c:v>0</c:v>
+                  </c:pt>
+                  <c:pt idx="14">
+                    <c:v>6.9853510000000004E-9</c:v>
+                  </c:pt>
+                  <c:pt idx="15">
+                    <c:v>0</c:v>
+                  </c:pt>
+                  <c:pt idx="16">
+                    <c:v>7.7721380542000015E-9</c:v>
+                  </c:pt>
+                  <c:pt idx="17">
+                    <c:v>2.1668797300999999E-8</c:v>
+                  </c:pt>
+                  <c:pt idx="18">
+                    <c:v>2.1188567880599999E-8</c:v>
+                  </c:pt>
+                  <c:pt idx="19">
+                    <c:v>2.8114009290499997E-8</c:v>
+                  </c:pt>
+                  <c:pt idx="20">
+                    <c:v>3.5977390396200002E-8</c:v>
+                  </c:pt>
+                  <c:pt idx="21">
+                    <c:v>5.3864399750699999E-8</c:v>
+                  </c:pt>
+                  <c:pt idx="22">
+                    <c:v>6.6122289422899997E-8</c:v>
+                  </c:pt>
+                  <c:pt idx="23">
+                    <c:v>7.5739817216699999E-8</c:v>
+                  </c:pt>
+                  <c:pt idx="24">
+                    <c:v>7.7351670120999991E-8</c:v>
+                  </c:pt>
+                  <c:pt idx="25">
+                    <c:v>9.542578511700001E-8</c:v>
+                  </c:pt>
+                  <c:pt idx="26">
+                    <c:v>1.1493088453479999E-7</c:v>
+                  </c:pt>
+                  <c:pt idx="27">
+                    <c:v>8.1196317156599987E-8</c:v>
+                  </c:pt>
+                  <c:pt idx="28">
+                    <c:v>8.8025958974800009E-8</c:v>
+                  </c:pt>
+                  <c:pt idx="29">
+                    <c:v>5.0203895804700008E-8</c:v>
+                  </c:pt>
+                  <c:pt idx="30">
+                    <c:v>2.3980966162799998E-8</c:v>
+                  </c:pt>
+                  <c:pt idx="31">
+                    <c:v>3.6026890946199998E-8</c:v>
+                  </c:pt>
+                  <c:pt idx="32">
+                    <c:v>2.01085226257E-8</c:v>
+                  </c:pt>
+                  <c:pt idx="33">
+                    <c:v>2.587121E-9</c:v>
+                  </c:pt>
+                  <c:pt idx="34">
+                    <c:v>0</c:v>
+                  </c:pt>
+                  <c:pt idx="35">
+                    <c:v>0</c:v>
+                  </c:pt>
+                  <c:pt idx="36">
+                    <c:v>0</c:v>
+                  </c:pt>
+                  <c:pt idx="37">
+                    <c:v>0</c:v>
+                  </c:pt>
+                  <c:pt idx="38">
+                    <c:v>0</c:v>
+                  </c:pt>
+                  <c:pt idx="39">
+                    <c:v>0</c:v>
+                  </c:pt>
+                </c:numCache>
+              </c:numRef>
+            </c:minus>
+            <c:spPr>
+              <a:noFill/>
+              <a:ln w="9525" cap="flat" cmpd="sng" algn="ctr">
+                <a:solidFill>
+                  <a:schemeClr val="tx1">
+                    <a:lumMod val="65000"/>
+                    <a:lumOff val="35000"/>
+                  </a:schemeClr>
+                </a:solidFill>
+                <a:round/>
+              </a:ln>
+              <a:effectLst/>
+            </c:spPr>
+          </c:errBars>
+          <c:xVal>
+            <c:numRef>
+              <c:f>'Plate Carbide v6 - 27'!$C$91:$C$130</c:f>
+              <c:numCache>
+                <c:formatCode>0.00E+00</c:formatCode>
+                <c:ptCount val="40"/>
+                <c:pt idx="0">
+                  <c:v>8.4599999999999997E-10</c:v>
+                </c:pt>
+                <c:pt idx="1">
+                  <c:v>2.5494999999999999E-9</c:v>
+                </c:pt>
+                <c:pt idx="2">
+                  <c:v>5.1339999999999998E-9</c:v>
+                </c:pt>
+                <c:pt idx="3">
+                  <c:v>1.0340500000000001E-8</c:v>
+                </c:pt>
+                <c:pt idx="4">
+                  <c:v>2.082E-8</c:v>
+                </c:pt>
+                <c:pt idx="5">
+                  <c:v>4.1925E-8</c:v>
+                </c:pt>
+                <c:pt idx="6">
+                  <c:v>8.4415000000000005E-8</c:v>
+                </c:pt>
+                <c:pt idx="7">
+                  <c:v>1.7000000000000001E-7</c:v>
+                </c:pt>
+                <c:pt idx="8">
+                  <c:v>3.4234999999999999E-7</c:v>
+                </c:pt>
+                <c:pt idx="9">
+                  <c:v>6.8945000000000002E-7</c:v>
+                </c:pt>
+                <c:pt idx="10">
+                  <c:v>1.3882000000000001E-6</c:v>
+                </c:pt>
+                <c:pt idx="11">
+                  <c:v>2.7954999999999997E-6</c:v>
+                </c:pt>
+                <c:pt idx="12">
+                  <c:v>5.6300000000000003E-6</c:v>
+                </c:pt>
+                <c:pt idx="13">
+                  <c:v>1.1337E-5</c:v>
+                </c:pt>
+                <c:pt idx="14">
+                  <c:v>2.283E-5</c:v>
+                </c:pt>
+                <c:pt idx="15">
+                  <c:v>4.5974999999999999E-5</c:v>
+                </c:pt>
+                <c:pt idx="16">
+                  <c:v>9.256999999999999E-5</c:v>
+                </c:pt>
+                <c:pt idx="17">
+                  <c:v>1.8645000000000001E-4</c:v>
+                </c:pt>
+                <c:pt idx="18">
+                  <c:v>3.7544999999999999E-4</c:v>
+                </c:pt>
+                <c:pt idx="19">
+                  <c:v>7.5584999999999997E-4</c:v>
+                </c:pt>
+                <c:pt idx="20">
+                  <c:v>1.5225E-3</c:v>
+                </c:pt>
+                <c:pt idx="21">
+                  <c:v>3.0660000000000001E-3</c:v>
+                </c:pt>
+                <c:pt idx="22">
+                  <c:v>6.1739999999999998E-3</c:v>
+                </c:pt>
+                <c:pt idx="23">
+                  <c:v>1.2435499999999999E-2</c:v>
+                </c:pt>
+                <c:pt idx="24">
+                  <c:v>2.504E-2</c:v>
+                </c:pt>
+                <c:pt idx="25">
+                  <c:v>5.0419999999999993E-2</c:v>
+                </c:pt>
+                <c:pt idx="26">
+                  <c:v>0.10153999999999999</c:v>
+                </c:pt>
+                <c:pt idx="27">
+                  <c:v>0.20444999999999999</c:v>
+                </c:pt>
+                <c:pt idx="28">
+                  <c:v>0.41170000000000001</c:v>
+                </c:pt>
+                <c:pt idx="29">
+                  <c:v>0.82910000000000006</c:v>
+                </c:pt>
+                <c:pt idx="30">
+                  <c:v>1.6695</c:v>
+                </c:pt>
+                <c:pt idx="31">
+                  <c:v>2.8650000000000002</c:v>
+                </c:pt>
+                <c:pt idx="32">
+                  <c:v>4.2575000000000003</c:v>
+                </c:pt>
+                <c:pt idx="33">
+                  <c:v>5.9965000000000002</c:v>
+                </c:pt>
+                <c:pt idx="34">
+                  <c:v>8.4885000000000002</c:v>
+                </c:pt>
+                <c:pt idx="35">
+                  <c:v>11</c:v>
+                </c:pt>
+                <c:pt idx="36">
+                  <c:v>13</c:v>
+                </c:pt>
+                <c:pt idx="37">
+                  <c:v>15</c:v>
+                </c:pt>
+                <c:pt idx="38">
+                  <c:v>17</c:v>
+                </c:pt>
+                <c:pt idx="39">
+                  <c:v>19</c:v>
+                </c:pt>
+              </c:numCache>
+            </c:numRef>
+          </c:xVal>
+          <c:yVal>
+            <c:numRef>
+              <c:f>'Plate Carbide v6 - 27'!$E$91:$E$130</c:f>
+              <c:numCache>
+                <c:formatCode>0.00E+00</c:formatCode>
+                <c:ptCount val="40"/>
+                <c:pt idx="0">
+                  <c:v>1.0000000000000001E-15</c:v>
+                </c:pt>
+                <c:pt idx="1">
+                  <c:v>1.0000000000000001E-15</c:v>
+                </c:pt>
+                <c:pt idx="2">
+                  <c:v>1.0000000000000001E-15</c:v>
+                </c:pt>
+                <c:pt idx="3">
+                  <c:v>1.0000000000000001E-15</c:v>
+                </c:pt>
+                <c:pt idx="4">
+                  <c:v>1.0000000000000001E-15</c:v>
+                </c:pt>
+                <c:pt idx="5">
+                  <c:v>1.0000000000000001E-15</c:v>
+                </c:pt>
+                <c:pt idx="6">
+                  <c:v>1.0000000000000001E-15</c:v>
+                </c:pt>
+                <c:pt idx="7">
+                  <c:v>1.0000000000000001E-15</c:v>
+                </c:pt>
+                <c:pt idx="8">
+                  <c:v>1.0000000000000001E-15</c:v>
+                </c:pt>
+                <c:pt idx="9">
+                  <c:v>1.0000000000000001E-15</c:v>
+                </c:pt>
+                <c:pt idx="10">
+                  <c:v>1.0000000000000001E-15</c:v>
+                </c:pt>
+                <c:pt idx="11">
+                  <c:v>1.0000000000000001E-15</c:v>
+                </c:pt>
+                <c:pt idx="12">
+                  <c:v>1.0000000000000001E-15</c:v>
+                </c:pt>
+                <c:pt idx="13">
+                  <c:v>1.0000000000000001E-15</c:v>
+                </c:pt>
+                <c:pt idx="14">
+                  <c:v>6.9853510000000004E-9</c:v>
+                </c:pt>
+                <c:pt idx="15">
+                  <c:v>1.0000000000000001E-15</c:v>
+                </c:pt>
+                <c:pt idx="16">
+                  <c:v>9.7370810000000008E-9</c:v>
+                </c:pt>
+                <c:pt idx="17">
+                  <c:v>5.4036900999999994E-8</c:v>
+                </c:pt>
+                <c:pt idx="18">
+                  <c:v>5.8759200999999998E-8</c:v>
+                </c:pt>
+                <c:pt idx="19">
+                  <c:v>9.6778000999999998E-8</c:v>
+                </c:pt>
+                <c:pt idx="20">
+                  <c:v>1.8337100100000001E-7</c:v>
+                </c:pt>
+                <c:pt idx="21">
+                  <c:v>3.5742800099999999E-7</c:v>
+                </c:pt>
+                <c:pt idx="22">
+                  <c:v>5.3801700100000002E-7</c:v>
+                </c:pt>
+                <c:pt idx="23">
+                  <c:v>6.4901300099999999E-7</c:v>
+                </c:pt>
+                <c:pt idx="24">
+                  <c:v>6.3927000099999998E-7</c:v>
+                </c:pt>
+                <c:pt idx="25">
+                  <c:v>8.1560500100000001E-7</c:v>
+                </c:pt>
+                <c:pt idx="26">
+                  <c:v>8.5260300099999998E-7</c:v>
+                </c:pt>
+                <c:pt idx="27">
+                  <c:v>5.1849500099999996E-7</c:v>
+                </c:pt>
+                <c:pt idx="28">
+                  <c:v>5.0358100100000004E-7</c:v>
+                </c:pt>
+                <c:pt idx="29">
+                  <c:v>1.6476500100000001E-7</c:v>
+                </c:pt>
+                <c:pt idx="30">
+                  <c:v>4.9670600999999997E-8</c:v>
+                </c:pt>
+                <c:pt idx="31">
+                  <c:v>5.9430700999999999E-8</c:v>
+                </c:pt>
+                <c:pt idx="32">
+                  <c:v>2.8096300999999999E-8</c:v>
+                </c:pt>
+                <c:pt idx="33">
+                  <c:v>2.587121E-9</c:v>
+                </c:pt>
+                <c:pt idx="34">
+                  <c:v>1.0000000000000001E-15</c:v>
+                </c:pt>
+                <c:pt idx="35">
+                  <c:v>1.0000000000000001E-15</c:v>
+                </c:pt>
+                <c:pt idx="36">
+                  <c:v>1.0000000000000001E-15</c:v>
+                </c:pt>
+                <c:pt idx="37">
+                  <c:v>1.0000000000000001E-15</c:v>
+                </c:pt>
+                <c:pt idx="38">
+                  <c:v>1.0000000000000001E-15</c:v>
+                </c:pt>
+                <c:pt idx="39">
+                  <c:v>1.0000000000000001E-15</c:v>
+                </c:pt>
+              </c:numCache>
+            </c:numRef>
+          </c:yVal>
+          <c:smooth val="1"/>
+          <c:extLst>
+            <c:ext xmlns:c16="http://schemas.microsoft.com/office/drawing/2014/chart" uri="{C3380CC4-5D6E-409C-BE32-E72D297353CC}">
+              <c16:uniqueId val="{00000002-E1FC-442D-BB36-A82069E72567}"/>
+            </c:ext>
+          </c:extLst>
+        </c:ser>
+        <c:ser>
+          <c:idx val="5"/>
+          <c:order val="3"/>
+          <c:tx>
+            <c:strRef>
+              <c:f>'Plate Carbide v6 - 27'!$C$221:$D$221</c:f>
+              <c:strCache>
+                <c:ptCount val="1"/>
+                <c:pt idx="0">
+                  <c:v>Enriched (0, 0, 40.0)</c:v>
+                </c:pt>
+              </c:strCache>
+            </c:strRef>
+          </c:tx>
+          <c:spPr>
+            <a:ln w="19050" cap="rnd">
+              <a:solidFill>
+                <a:schemeClr val="accent6"/>
+              </a:solidFill>
+              <a:round/>
+            </a:ln>
+            <a:effectLst/>
+          </c:spPr>
+          <c:marker>
+            <c:symbol val="none"/>
+          </c:marker>
+          <c:errBars>
+            <c:errDir val="y"/>
+            <c:errBarType val="both"/>
+            <c:errValType val="cust"/>
+            <c:noEndCap val="0"/>
+            <c:plus>
+              <c:numRef>
+                <c:f>'Plate Carbide v6 - 27'!$G$223:$G$262</c:f>
+                <c:numCache>
+                  <c:formatCode>General</c:formatCode>
+                  <c:ptCount val="40"/>
+                  <c:pt idx="0">
+                    <c:v>0</c:v>
+                  </c:pt>
+                  <c:pt idx="1">
+                    <c:v>0</c:v>
+                  </c:pt>
+                  <c:pt idx="2">
+                    <c:v>0</c:v>
+                  </c:pt>
+                  <c:pt idx="3">
+                    <c:v>0</c:v>
+                  </c:pt>
+                  <c:pt idx="4">
+                    <c:v>0</c:v>
+                  </c:pt>
+                  <c:pt idx="5">
+                    <c:v>0</c:v>
+                  </c:pt>
+                  <c:pt idx="6">
+                    <c:v>0</c:v>
+                  </c:pt>
+                  <c:pt idx="7">
+                    <c:v>0</c:v>
+                  </c:pt>
+                  <c:pt idx="8">
+                    <c:v>0</c:v>
+                  </c:pt>
+                  <c:pt idx="9">
+                    <c:v>0</c:v>
+                  </c:pt>
+                  <c:pt idx="10">
+                    <c:v>0</c:v>
+                  </c:pt>
+                  <c:pt idx="11">
+                    <c:v>0</c:v>
+                  </c:pt>
+                  <c:pt idx="12">
+                    <c:v>0</c:v>
+                  </c:pt>
+                  <c:pt idx="13">
+                    <c:v>0</c:v>
+                  </c:pt>
+                  <c:pt idx="14">
+                    <c:v>2.310171E-9</c:v>
+                  </c:pt>
+                  <c:pt idx="15">
+                    <c:v>0</c:v>
+                  </c:pt>
+                  <c:pt idx="16">
+                    <c:v>1.3596194385800001E-8</c:v>
+                  </c:pt>
+                  <c:pt idx="17">
+                    <c:v>2.5082569952000002E-8</c:v>
+                  </c:pt>
+                  <c:pt idx="18">
+                    <c:v>3.5031898614100005E-8</c:v>
+                  </c:pt>
+                  <c:pt idx="19">
+                    <c:v>4.3836504959099997E-8</c:v>
+                  </c:pt>
+                  <c:pt idx="20">
+                    <c:v>7.16778865206E-8</c:v>
+                  </c:pt>
+                  <c:pt idx="21">
+                    <c:v>9.6535054080299989E-8</c:v>
+                  </c:pt>
+                  <c:pt idx="22">
+                    <c:v>1.205029740678E-7</c:v>
+                  </c:pt>
+                  <c:pt idx="23">
+                    <c:v>1.3658874406279998E-7</c:v>
+                  </c:pt>
+                  <c:pt idx="24">
+                    <c:v>1.7574542005539998E-7</c:v>
+                  </c:pt>
+                  <c:pt idx="25">
+                    <c:v>1.9639336506090001E-7</c:v>
+                  </c:pt>
+                  <c:pt idx="26">
+                    <c:v>2.2268887406169998E-7</c:v>
+                  </c:pt>
+                  <c:pt idx="27">
+                    <c:v>2.082063580718E-7</c:v>
+                  </c:pt>
+                  <c:pt idx="28">
+                    <c:v>1.8530348808079998E-7</c:v>
+                  </c:pt>
+                  <c:pt idx="29">
+                    <c:v>1.4346087010849999E-7</c:v>
+                  </c:pt>
+                  <c:pt idx="30">
+                    <c:v>9.5715123468899999E-8</c:v>
+                  </c:pt>
+                  <c:pt idx="31">
+                    <c:v>4.7965148621700002E-8</c:v>
+                  </c:pt>
+                  <c:pt idx="32">
+                    <c:v>3.9323779559200002E-8</c:v>
+                  </c:pt>
+                  <c:pt idx="33">
+                    <c:v>2.2278227914800002E-8</c:v>
+                  </c:pt>
+                  <c:pt idx="34">
+                    <c:v>5.8165310000000003E-9</c:v>
+                  </c:pt>
+                  <c:pt idx="35">
+                    <c:v>9.4293110000000011E-9</c:v>
+                  </c:pt>
+                  <c:pt idx="36">
+                    <c:v>0</c:v>
+                  </c:pt>
+                  <c:pt idx="37">
+                    <c:v>0</c:v>
+                  </c:pt>
+                  <c:pt idx="38">
+                    <c:v>0</c:v>
+                  </c:pt>
+                  <c:pt idx="39">
+                    <c:v>0</c:v>
+                  </c:pt>
+                </c:numCache>
+              </c:numRef>
+            </c:plus>
+            <c:minus>
+              <c:numRef>
+                <c:f>'Plate Carbide v6 - 27'!$G$223:$G$262</c:f>
+                <c:numCache>
+                  <c:formatCode>General</c:formatCode>
+                  <c:ptCount val="40"/>
+                  <c:pt idx="0">
+                    <c:v>0</c:v>
+                  </c:pt>
+                  <c:pt idx="1">
+                    <c:v>0</c:v>
+                  </c:pt>
+                  <c:pt idx="2">
+                    <c:v>0</c:v>
+                  </c:pt>
+                  <c:pt idx="3">
+                    <c:v>0</c:v>
+                  </c:pt>
+                  <c:pt idx="4">
+                    <c:v>0</c:v>
+                  </c:pt>
+                  <c:pt idx="5">
+                    <c:v>0</c:v>
+                  </c:pt>
+                  <c:pt idx="6">
+                    <c:v>0</c:v>
+                  </c:pt>
+                  <c:pt idx="7">
+                    <c:v>0</c:v>
+                  </c:pt>
+                  <c:pt idx="8">
+                    <c:v>0</c:v>
+                  </c:pt>
+                  <c:pt idx="9">
+                    <c:v>0</c:v>
+                  </c:pt>
+                  <c:pt idx="10">
+                    <c:v>0</c:v>
+                  </c:pt>
+                  <c:pt idx="11">
+                    <c:v>0</c:v>
+                  </c:pt>
+                  <c:pt idx="12">
+                    <c:v>0</c:v>
+                  </c:pt>
+                  <c:pt idx="13">
+                    <c:v>0</c:v>
+                  </c:pt>
+                  <c:pt idx="14">
+                    <c:v>2.310171E-9</c:v>
+                  </c:pt>
+                  <c:pt idx="15">
+                    <c:v>0</c:v>
+                  </c:pt>
+                  <c:pt idx="16">
+                    <c:v>1.3596194385800001E-8</c:v>
+                  </c:pt>
+                  <c:pt idx="17">
+                    <c:v>2.5082569952000002E-8</c:v>
+                  </c:pt>
+                  <c:pt idx="18">
+                    <c:v>3.5031898614100005E-8</c:v>
+                  </c:pt>
+                  <c:pt idx="19">
+                    <c:v>4.3836504959099997E-8</c:v>
+                  </c:pt>
+                  <c:pt idx="20">
+                    <c:v>7.16778865206E-8</c:v>
+                  </c:pt>
+                  <c:pt idx="21">
+                    <c:v>9.6535054080299989E-8</c:v>
+                  </c:pt>
+                  <c:pt idx="22">
+                    <c:v>1.205029740678E-7</c:v>
+                  </c:pt>
+                  <c:pt idx="23">
+                    <c:v>1.3658874406279998E-7</c:v>
+                  </c:pt>
+                  <c:pt idx="24">
+                    <c:v>1.7574542005539998E-7</c:v>
+                  </c:pt>
+                  <c:pt idx="25">
+                    <c:v>1.9639336506090001E-7</c:v>
+                  </c:pt>
+                  <c:pt idx="26">
+                    <c:v>2.2268887406169998E-7</c:v>
+                  </c:pt>
+                  <c:pt idx="27">
+                    <c:v>2.082063580718E-7</c:v>
+                  </c:pt>
+                  <c:pt idx="28">
+                    <c:v>1.8530348808079998E-7</c:v>
+                  </c:pt>
+                  <c:pt idx="29">
+                    <c:v>1.4346087010849999E-7</c:v>
+                  </c:pt>
+                  <c:pt idx="30">
+                    <c:v>9.5715123468899999E-8</c:v>
+                  </c:pt>
+                  <c:pt idx="31">
+                    <c:v>4.7965148621700002E-8</c:v>
+                  </c:pt>
+                  <c:pt idx="32">
+                    <c:v>3.9323779559200002E-8</c:v>
+                  </c:pt>
+                  <c:pt idx="33">
+                    <c:v>2.2278227914800002E-8</c:v>
+                  </c:pt>
+                  <c:pt idx="34">
+                    <c:v>5.8165310000000003E-9</c:v>
+                  </c:pt>
+                  <c:pt idx="35">
+                    <c:v>9.4293110000000011E-9</c:v>
+                  </c:pt>
+                  <c:pt idx="36">
+                    <c:v>0</c:v>
+                  </c:pt>
+                  <c:pt idx="37">
+                    <c:v>0</c:v>
+                  </c:pt>
+                  <c:pt idx="38">
+                    <c:v>0</c:v>
+                  </c:pt>
+                  <c:pt idx="39">
+                    <c:v>0</c:v>
+                  </c:pt>
+                </c:numCache>
+              </c:numRef>
+            </c:minus>
+            <c:spPr>
+              <a:noFill/>
+              <a:ln w="9525" cap="flat" cmpd="sng" algn="ctr">
+                <a:solidFill>
+                  <a:schemeClr val="tx1">
+                    <a:lumMod val="65000"/>
+                    <a:lumOff val="35000"/>
+                  </a:schemeClr>
+                </a:solidFill>
+                <a:round/>
+              </a:ln>
+              <a:effectLst/>
+            </c:spPr>
+          </c:errBars>
+          <c:xVal>
+            <c:numRef>
+              <c:f>'Plate Carbide v6 - 27'!$C$223:$C$262</c:f>
+              <c:numCache>
+                <c:formatCode>0.00E+00</c:formatCode>
+                <c:ptCount val="40"/>
+                <c:pt idx="0">
+                  <c:v>8.4599999999999997E-10</c:v>
+                </c:pt>
+                <c:pt idx="1">
+                  <c:v>2.5494999999999999E-9</c:v>
+                </c:pt>
+                <c:pt idx="2">
+                  <c:v>5.1339999999999998E-9</c:v>
+                </c:pt>
+                <c:pt idx="3">
+                  <c:v>1.0340500000000001E-8</c:v>
+                </c:pt>
+                <c:pt idx="4">
+                  <c:v>2.082E-8</c:v>
+                </c:pt>
+                <c:pt idx="5">
+                  <c:v>4.1925E-8</c:v>
+                </c:pt>
+                <c:pt idx="6">
+                  <c:v>8.4415000000000005E-8</c:v>
+                </c:pt>
+                <c:pt idx="7">
+                  <c:v>1.7000000000000001E-7</c:v>
+                </c:pt>
+                <c:pt idx="8">
+                  <c:v>3.4234999999999999E-7</c:v>
+                </c:pt>
+                <c:pt idx="9">
+                  <c:v>6.8945000000000002E-7</c:v>
+                </c:pt>
+                <c:pt idx="10">
+                  <c:v>1.3882000000000001E-6</c:v>
+                </c:pt>
+                <c:pt idx="11">
+                  <c:v>2.7954999999999997E-6</c:v>
+                </c:pt>
+                <c:pt idx="12">
+                  <c:v>5.6300000000000003E-6</c:v>
+                </c:pt>
+                <c:pt idx="13">
+                  <c:v>1.1337E-5</c:v>
+                </c:pt>
+                <c:pt idx="14">
+                  <c:v>2.283E-5</c:v>
+                </c:pt>
+                <c:pt idx="15">
+                  <c:v>4.5974999999999999E-5</c:v>
+                </c:pt>
+                <c:pt idx="16">
+                  <c:v>9.256999999999999E-5</c:v>
+                </c:pt>
+                <c:pt idx="17">
+                  <c:v>1.8645000000000001E-4</c:v>
+                </c:pt>
+                <c:pt idx="18">
+                  <c:v>3.7544999999999999E-4</c:v>
+                </c:pt>
+                <c:pt idx="19">
+                  <c:v>7.5584999999999997E-4</c:v>
+                </c:pt>
+                <c:pt idx="20">
+                  <c:v>1.5225E-3</c:v>
+                </c:pt>
+                <c:pt idx="21">
+                  <c:v>3.0660000000000001E-3</c:v>
+                </c:pt>
+                <c:pt idx="22">
+                  <c:v>6.1739999999999998E-3</c:v>
+                </c:pt>
+                <c:pt idx="23">
+                  <c:v>1.2435499999999999E-2</c:v>
+                </c:pt>
+                <c:pt idx="24">
+                  <c:v>2.504E-2</c:v>
+                </c:pt>
+                <c:pt idx="25">
+                  <c:v>5.0419999999999993E-2</c:v>
+                </c:pt>
+                <c:pt idx="26">
+                  <c:v>0.10153999999999999</c:v>
+                </c:pt>
+                <c:pt idx="27">
+                  <c:v>0.20444999999999999</c:v>
+                </c:pt>
+                <c:pt idx="28">
+                  <c:v>0.41170000000000001</c:v>
+                </c:pt>
+                <c:pt idx="29">
+                  <c:v>0.82910000000000006</c:v>
+                </c:pt>
+                <c:pt idx="30">
+                  <c:v>1.6695</c:v>
+                </c:pt>
+                <c:pt idx="31">
+                  <c:v>2.8650000000000002</c:v>
+                </c:pt>
+                <c:pt idx="32">
+                  <c:v>4.2575000000000003</c:v>
+                </c:pt>
+                <c:pt idx="33">
+                  <c:v>5.9965000000000002</c:v>
+                </c:pt>
+                <c:pt idx="34">
+                  <c:v>8.4885000000000002</c:v>
+                </c:pt>
+                <c:pt idx="35">
+                  <c:v>11</c:v>
+                </c:pt>
+                <c:pt idx="36">
+                  <c:v>13</c:v>
+                </c:pt>
+                <c:pt idx="37">
+                  <c:v>15</c:v>
+                </c:pt>
+                <c:pt idx="38">
+                  <c:v>17</c:v>
+                </c:pt>
+                <c:pt idx="39">
+                  <c:v>19</c:v>
+                </c:pt>
+              </c:numCache>
+            </c:numRef>
+          </c:xVal>
+          <c:yVal>
+            <c:numRef>
+              <c:f>'Plate Carbide v6 - 27'!$E$223:$E$262</c:f>
+              <c:numCache>
+                <c:formatCode>0.00E+00</c:formatCode>
+                <c:ptCount val="40"/>
+                <c:pt idx="0">
+                  <c:v>1.0000000000000001E-15</c:v>
+                </c:pt>
+                <c:pt idx="1">
+                  <c:v>1.0000000000000001E-15</c:v>
+                </c:pt>
+                <c:pt idx="2">
+                  <c:v>1.0000000000000001E-15</c:v>
+                </c:pt>
+                <c:pt idx="3">
+                  <c:v>1.0000000000000001E-15</c:v>
+                </c:pt>
+                <c:pt idx="4">
+                  <c:v>1.0000000000000001E-15</c:v>
+                </c:pt>
+                <c:pt idx="5">
+                  <c:v>1.0000000000000001E-15</c:v>
+                </c:pt>
+                <c:pt idx="6">
+                  <c:v>1.0000000000000001E-15</c:v>
+                </c:pt>
+                <c:pt idx="7">
+                  <c:v>1.0000000000000001E-15</c:v>
+                </c:pt>
+                <c:pt idx="8">
+                  <c:v>1.0000000000000001E-15</c:v>
+                </c:pt>
+                <c:pt idx="9">
+                  <c:v>1.0000000000000001E-15</c:v>
+                </c:pt>
+                <c:pt idx="10">
+                  <c:v>1.0000000000000001E-15</c:v>
+                </c:pt>
+                <c:pt idx="11">
+                  <c:v>1.0000000000000001E-15</c:v>
+                </c:pt>
+                <c:pt idx="12">
+                  <c:v>1.0000000000000001E-15</c:v>
+                </c:pt>
+                <c:pt idx="13">
+                  <c:v>1.0000000000000001E-15</c:v>
+                </c:pt>
+                <c:pt idx="14">
+                  <c:v>2.310171E-9</c:v>
+                </c:pt>
+                <c:pt idx="15">
+                  <c:v>1.0000000000000001E-15</c:v>
+                </c:pt>
+                <c:pt idx="16">
+                  <c:v>1.8732701E-8</c:v>
+                </c:pt>
+                <c:pt idx="17">
+                  <c:v>7.1257301000000007E-8</c:v>
+                </c:pt>
+                <c:pt idx="18">
+                  <c:v>1.6362400100000001E-7</c:v>
+                </c:pt>
+                <c:pt idx="19">
+                  <c:v>2.7552800099999998E-7</c:v>
+                </c:pt>
+                <c:pt idx="20">
+                  <c:v>5.9434400100000002E-7</c:v>
+                </c:pt>
+                <c:pt idx="21">
+                  <c:v>1.2021800009999999E-6</c:v>
+                </c:pt>
+                <c:pt idx="22">
+                  <c:v>1.777330001E-6</c:v>
+                </c:pt>
+                <c:pt idx="23">
+                  <c:v>2.1749800009999997E-6</c:v>
+                </c:pt>
+                <c:pt idx="24">
+                  <c:v>3.172300001E-6</c:v>
+                </c:pt>
+                <c:pt idx="25">
+                  <c:v>3.224850001E-6</c:v>
+                </c:pt>
+                <c:pt idx="26">
+                  <c:v>3.6092200009999997E-6</c:v>
+                </c:pt>
+                <c:pt idx="27">
+                  <c:v>2.8998100009999999E-6</c:v>
+                </c:pt>
+                <c:pt idx="28">
+                  <c:v>2.293360001E-6</c:v>
+                </c:pt>
+                <c:pt idx="29">
+                  <c:v>1.3222200009999998E-6</c:v>
+                </c:pt>
+                <c:pt idx="30">
+                  <c:v>5.6669700100000004E-7</c:v>
+                </c:pt>
+                <c:pt idx="31">
+                  <c:v>1.4909900100000001E-7</c:v>
+                </c:pt>
+                <c:pt idx="32">
+                  <c:v>1.09476001E-7</c:v>
+                </c:pt>
+                <c:pt idx="33">
+                  <c:v>4.3275501E-8</c:v>
+                </c:pt>
+                <c:pt idx="34">
+                  <c:v>5.8165310000000003E-9</c:v>
+                </c:pt>
+                <c:pt idx="35">
+                  <c:v>9.4293110000000011E-9</c:v>
+                </c:pt>
+                <c:pt idx="36">
+                  <c:v>1.0000000000000001E-15</c:v>
+                </c:pt>
+                <c:pt idx="37">
+                  <c:v>1.0000000000000001E-15</c:v>
+                </c:pt>
+                <c:pt idx="38">
+                  <c:v>1.0000000000000001E-15</c:v>
+                </c:pt>
+                <c:pt idx="39">
+                  <c:v>1.0000000000000001E-15</c:v>
+                </c:pt>
+              </c:numCache>
+            </c:numRef>
+          </c:yVal>
+          <c:smooth val="1"/>
+          <c:extLst>
+            <c:ext xmlns:c16="http://schemas.microsoft.com/office/drawing/2014/chart" uri="{C3380CC4-5D6E-409C-BE32-E72D297353CC}">
+              <c16:uniqueId val="{00000003-E1FC-442D-BB36-A82069E72567}"/>
+            </c:ext>
+          </c:extLst>
+        </c:ser>
+        <c:ser>
+          <c:idx val="6"/>
+          <c:order val="4"/>
+          <c:tx>
+            <c:strRef>
+              <c:f>'Plate Carbide v6 - 27'!$C$265:$D$265</c:f>
+              <c:strCache>
+                <c:ptCount val="1"/>
+                <c:pt idx="0">
+                  <c:v>Depleted (0, 0, 80.0)</c:v>
+                </c:pt>
+              </c:strCache>
+            </c:strRef>
+          </c:tx>
+          <c:spPr>
+            <a:ln w="19050" cap="rnd">
+              <a:solidFill>
+                <a:schemeClr val="accent1">
+                  <a:lumMod val="60000"/>
+                </a:schemeClr>
+              </a:solidFill>
+              <a:round/>
+            </a:ln>
+            <a:effectLst/>
+          </c:spPr>
+          <c:marker>
+            <c:symbol val="none"/>
+          </c:marker>
+          <c:errBars>
+            <c:errDir val="y"/>
+            <c:errBarType val="both"/>
+            <c:errValType val="cust"/>
+            <c:noEndCap val="0"/>
+            <c:plus>
+              <c:numRef>
+                <c:f>'Plate Carbide v6 - 27'!$G$267:$G$306</c:f>
+                <c:numCache>
+                  <c:formatCode>General</c:formatCode>
+                  <c:ptCount val="40"/>
+                  <c:pt idx="0">
+                    <c:v>0</c:v>
+                  </c:pt>
+                  <c:pt idx="1">
+                    <c:v>0</c:v>
+                  </c:pt>
+                  <c:pt idx="2">
+                    <c:v>0</c:v>
+                  </c:pt>
+                  <c:pt idx="3">
+                    <c:v>0</c:v>
+                  </c:pt>
+                  <c:pt idx="4">
+                    <c:v>0</c:v>
+                  </c:pt>
+                  <c:pt idx="5">
+                    <c:v>0</c:v>
+                  </c:pt>
+                  <c:pt idx="6">
+                    <c:v>0</c:v>
+                  </c:pt>
+                  <c:pt idx="7">
+                    <c:v>0</c:v>
+                  </c:pt>
+                  <c:pt idx="8">
+                    <c:v>0</c:v>
+                  </c:pt>
+                  <c:pt idx="9">
+                    <c:v>0</c:v>
+                  </c:pt>
+                  <c:pt idx="10">
+                    <c:v>0</c:v>
+                  </c:pt>
+                  <c:pt idx="11">
+                    <c:v>0</c:v>
+                  </c:pt>
+                  <c:pt idx="12">
+                    <c:v>0</c:v>
+                  </c:pt>
+                  <c:pt idx="13">
+                    <c:v>0</c:v>
+                  </c:pt>
+                  <c:pt idx="14">
+                    <c:v>0</c:v>
+                  </c:pt>
+                  <c:pt idx="15">
+                    <c:v>0</c:v>
+                  </c:pt>
+                  <c:pt idx="16">
+                    <c:v>1.4982417794800001E-8</c:v>
+                  </c:pt>
+                  <c:pt idx="17">
+                    <c:v>1.3539903804900001E-8</c:v>
+                  </c:pt>
+                  <c:pt idx="18">
+                    <c:v>1.4854367587099999E-8</c:v>
+                  </c:pt>
+                  <c:pt idx="19">
+                    <c:v>2.2838215254800002E-8</c:v>
+                  </c:pt>
+                  <c:pt idx="20">
+                    <c:v>3.75603230002E-8</c:v>
+                  </c:pt>
+                  <c:pt idx="21">
+                    <c:v>5.3983263759599998E-8</c:v>
+                  </c:pt>
+                  <c:pt idx="22">
+                    <c:v>6.6870529120999996E-8</c:v>
+                  </c:pt>
+                  <c:pt idx="23">
+                    <c:v>8.0265861303600005E-8</c:v>
+                  </c:pt>
+                  <c:pt idx="24">
+                    <c:v>9.7846927601899987E-8</c:v>
+                  </c:pt>
+                  <c:pt idx="25">
+                    <c:v>1.213290990981E-7</c:v>
+                  </c:pt>
+                  <c:pt idx="26">
+                    <c:v>1.3118667510249999E-7</c:v>
+                  </c:pt>
+                  <c:pt idx="27">
+                    <c:v>1.1909287332659999E-7</c:v>
+                  </c:pt>
+                  <c:pt idx="28">
+                    <c:v>1.1908009092540001E-7</c:v>
+                  </c:pt>
+                  <c:pt idx="29">
+                    <c:v>8.4802812174499985E-8</c:v>
+                  </c:pt>
+                  <c:pt idx="30">
+                    <c:v>6.8179323051599988E-8</c:v>
+                  </c:pt>
+                  <c:pt idx="31">
+                    <c:v>4.30364542883E-8</c:v>
+                  </c:pt>
+                  <c:pt idx="32">
+                    <c:v>3.1857301505299998E-8</c:v>
+                  </c:pt>
+                  <c:pt idx="33">
+                    <c:v>2.9353394919000001E-8</c:v>
+                  </c:pt>
+                  <c:pt idx="34">
+                    <c:v>3.183631E-9</c:v>
+                  </c:pt>
+                  <c:pt idx="35">
+                    <c:v>0</c:v>
+                  </c:pt>
+                  <c:pt idx="36">
+                    <c:v>0</c:v>
+                  </c:pt>
+                  <c:pt idx="37">
+                    <c:v>0</c:v>
+                  </c:pt>
+                  <c:pt idx="38">
+                    <c:v>0</c:v>
+                  </c:pt>
+                  <c:pt idx="39">
+                    <c:v>0</c:v>
+                  </c:pt>
+                </c:numCache>
+              </c:numRef>
+            </c:plus>
+            <c:minus>
+              <c:numRef>
+                <c:f>'Plate Carbide v6 - 27'!$G$267:$G$306</c:f>
+                <c:numCache>
+                  <c:formatCode>General</c:formatCode>
+                  <c:ptCount val="40"/>
+                  <c:pt idx="0">
+                    <c:v>0</c:v>
+                  </c:pt>
+                  <c:pt idx="1">
+                    <c:v>0</c:v>
+                  </c:pt>
+                  <c:pt idx="2">
+                    <c:v>0</c:v>
+                  </c:pt>
+                  <c:pt idx="3">
+                    <c:v>0</c:v>
+                  </c:pt>
+                  <c:pt idx="4">
+                    <c:v>0</c:v>
+                  </c:pt>
+                  <c:pt idx="5">
+                    <c:v>0</c:v>
+                  </c:pt>
+                  <c:pt idx="6">
+                    <c:v>0</c:v>
+                  </c:pt>
+                  <c:pt idx="7">
+                    <c:v>0</c:v>
+                  </c:pt>
+                  <c:pt idx="8">
+                    <c:v>0</c:v>
+                  </c:pt>
+                  <c:pt idx="9">
+                    <c:v>0</c:v>
+                  </c:pt>
+                  <c:pt idx="10">
+                    <c:v>0</c:v>
+                  </c:pt>
+                  <c:pt idx="11">
+                    <c:v>0</c:v>
+                  </c:pt>
+                  <c:pt idx="12">
+                    <c:v>0</c:v>
+                  </c:pt>
+                  <c:pt idx="13">
+                    <c:v>0</c:v>
+                  </c:pt>
+                  <c:pt idx="14">
+                    <c:v>0</c:v>
+                  </c:pt>
+                  <c:pt idx="15">
+                    <c:v>0</c:v>
+                  </c:pt>
+                  <c:pt idx="16">
+                    <c:v>1.4982417794800001E-8</c:v>
+                  </c:pt>
+                  <c:pt idx="17">
+                    <c:v>1.3539903804900001E-8</c:v>
+                  </c:pt>
+                  <c:pt idx="18">
+                    <c:v>1.4854367587099999E-8</c:v>
+                  </c:pt>
+                  <c:pt idx="19">
+                    <c:v>2.2838215254800002E-8</c:v>
+                  </c:pt>
+                  <c:pt idx="20">
+                    <c:v>3.75603230002E-8</c:v>
+                  </c:pt>
+                  <c:pt idx="21">
+                    <c:v>5.3983263759599998E-8</c:v>
+                  </c:pt>
+                  <c:pt idx="22">
+                    <c:v>6.6870529120999996E-8</c:v>
+                  </c:pt>
+                  <c:pt idx="23">
+                    <c:v>8.0265861303600005E-8</c:v>
+                  </c:pt>
+                  <c:pt idx="24">
+                    <c:v>9.7846927601899987E-8</c:v>
+                  </c:pt>
+                  <c:pt idx="25">
+                    <c:v>1.213290990981E-7</c:v>
+                  </c:pt>
+                  <c:pt idx="26">
+                    <c:v>1.3118667510249999E-7</c:v>
+                  </c:pt>
+                  <c:pt idx="27">
+                    <c:v>1.1909287332659999E-7</c:v>
+                  </c:pt>
+                  <c:pt idx="28">
+                    <c:v>1.1908009092540001E-7</c:v>
+                  </c:pt>
+                  <c:pt idx="29">
+                    <c:v>8.4802812174499985E-8</c:v>
+                  </c:pt>
+                  <c:pt idx="30">
+                    <c:v>6.8179323051599988E-8</c:v>
+                  </c:pt>
+                  <c:pt idx="31">
+                    <c:v>4.30364542883E-8</c:v>
+                  </c:pt>
+                  <c:pt idx="32">
+                    <c:v>3.1857301505299998E-8</c:v>
+                  </c:pt>
+                  <c:pt idx="33">
+                    <c:v>2.9353394919000001E-8</c:v>
+                  </c:pt>
+                  <c:pt idx="34">
+                    <c:v>3.183631E-9</c:v>
+                  </c:pt>
+                  <c:pt idx="35">
+                    <c:v>0</c:v>
+                  </c:pt>
+                  <c:pt idx="36">
+                    <c:v>0</c:v>
+                  </c:pt>
+                  <c:pt idx="37">
+                    <c:v>0</c:v>
+                  </c:pt>
+                  <c:pt idx="38">
+                    <c:v>0</c:v>
+                  </c:pt>
+                  <c:pt idx="39">
+                    <c:v>0</c:v>
+                  </c:pt>
+                </c:numCache>
+              </c:numRef>
+            </c:minus>
+            <c:spPr>
+              <a:noFill/>
+              <a:ln w="9525" cap="flat" cmpd="sng" algn="ctr">
+                <a:solidFill>
+                  <a:schemeClr val="tx1">
+                    <a:lumMod val="65000"/>
+                    <a:lumOff val="35000"/>
+                  </a:schemeClr>
+                </a:solidFill>
+                <a:round/>
+              </a:ln>
+              <a:effectLst/>
+            </c:spPr>
+          </c:errBars>
+          <c:xVal>
+            <c:numRef>
+              <c:f>'Plate Carbide v6 - 27'!$C$267:$C$306</c:f>
+              <c:numCache>
+                <c:formatCode>0.00E+00</c:formatCode>
+                <c:ptCount val="40"/>
+                <c:pt idx="0">
+                  <c:v>8.4599999999999997E-10</c:v>
+                </c:pt>
+                <c:pt idx="1">
+                  <c:v>2.5494999999999999E-9</c:v>
+                </c:pt>
+                <c:pt idx="2">
+                  <c:v>5.1339999999999998E-9</c:v>
+                </c:pt>
+                <c:pt idx="3">
+                  <c:v>1.0340500000000001E-8</c:v>
+                </c:pt>
+                <c:pt idx="4">
+                  <c:v>2.082E-8</c:v>
+                </c:pt>
+                <c:pt idx="5">
+                  <c:v>4.1925E-8</c:v>
+                </c:pt>
+                <c:pt idx="6">
+                  <c:v>8.4415000000000005E-8</c:v>
+                </c:pt>
+                <c:pt idx="7">
+                  <c:v>1.7000000000000001E-7</c:v>
+                </c:pt>
+                <c:pt idx="8">
+                  <c:v>3.4234999999999999E-7</c:v>
+                </c:pt>
+                <c:pt idx="9">
+                  <c:v>6.8945000000000002E-7</c:v>
+                </c:pt>
+                <c:pt idx="10">
+                  <c:v>1.3882000000000001E-6</c:v>
+                </c:pt>
+                <c:pt idx="11">
+                  <c:v>2.7954999999999997E-6</c:v>
+                </c:pt>
+                <c:pt idx="12">
+                  <c:v>5.6300000000000003E-6</c:v>
+                </c:pt>
+                <c:pt idx="13">
+                  <c:v>1.1337E-5</c:v>
+                </c:pt>
+                <c:pt idx="14">
+                  <c:v>2.283E-5</c:v>
+                </c:pt>
+                <c:pt idx="15">
+                  <c:v>4.5974999999999999E-5</c:v>
+                </c:pt>
+                <c:pt idx="16">
+                  <c:v>9.256999999999999E-5</c:v>
+                </c:pt>
+                <c:pt idx="17">
+                  <c:v>1.8645000000000001E-4</c:v>
+                </c:pt>
+                <c:pt idx="18">
+                  <c:v>3.7544999999999999E-4</c:v>
+                </c:pt>
+                <c:pt idx="19">
+                  <c:v>7.5584999999999997E-4</c:v>
+                </c:pt>
+                <c:pt idx="20">
+                  <c:v>1.5225E-3</c:v>
+                </c:pt>
+                <c:pt idx="21">
+                  <c:v>3.0660000000000001E-3</c:v>
+                </c:pt>
+                <c:pt idx="22">
+                  <c:v>6.1739999999999998E-3</c:v>
+                </c:pt>
+                <c:pt idx="23">
+                  <c:v>1.2435499999999999E-2</c:v>
+                </c:pt>
+                <c:pt idx="24">
+                  <c:v>2.504E-2</c:v>
+                </c:pt>
+                <c:pt idx="25">
+                  <c:v>5.0419999999999993E-2</c:v>
+                </c:pt>
+                <c:pt idx="26">
+                  <c:v>0.10153999999999999</c:v>
+                </c:pt>
+                <c:pt idx="27">
+                  <c:v>0.20444999999999999</c:v>
+                </c:pt>
+                <c:pt idx="28">
+                  <c:v>0.41170000000000001</c:v>
+                </c:pt>
+                <c:pt idx="29">
+                  <c:v>0.82910000000000006</c:v>
+                </c:pt>
+                <c:pt idx="30">
+                  <c:v>1.6695</c:v>
+                </c:pt>
+                <c:pt idx="31">
+                  <c:v>2.8650000000000002</c:v>
+                </c:pt>
+                <c:pt idx="32">
+                  <c:v>4.2575000000000003</c:v>
+                </c:pt>
+                <c:pt idx="33">
+                  <c:v>5.9965000000000002</c:v>
+                </c:pt>
+                <c:pt idx="34">
+                  <c:v>8.4885000000000002</c:v>
+                </c:pt>
+                <c:pt idx="35">
+                  <c:v>11</c:v>
+                </c:pt>
+                <c:pt idx="36">
+                  <c:v>13</c:v>
+                </c:pt>
+                <c:pt idx="37">
+                  <c:v>15</c:v>
+                </c:pt>
+                <c:pt idx="38">
+                  <c:v>17</c:v>
+                </c:pt>
+                <c:pt idx="39">
+                  <c:v>19</c:v>
+                </c:pt>
+              </c:numCache>
+            </c:numRef>
+          </c:xVal>
+          <c:yVal>
+            <c:numRef>
+              <c:f>'Plate Carbide v6 - 27'!$E$267:$E$306</c:f>
+              <c:numCache>
+                <c:formatCode>0.00E+00</c:formatCode>
+                <c:ptCount val="40"/>
+                <c:pt idx="0">
+                  <c:v>1.0000000000000001E-15</c:v>
+                </c:pt>
+                <c:pt idx="1">
+                  <c:v>1.0000000000000001E-15</c:v>
+                </c:pt>
+                <c:pt idx="2">
+                  <c:v>1.0000000000000001E-15</c:v>
+                </c:pt>
+                <c:pt idx="3">
+                  <c:v>1.0000000000000001E-15</c:v>
+                </c:pt>
+                <c:pt idx="4">
+                  <c:v>1.0000000000000001E-15</c:v>
+                </c:pt>
+                <c:pt idx="5">
+                  <c:v>1.0000000000000001E-15</c:v>
+                </c:pt>
+                <c:pt idx="6">
+                  <c:v>1.0000000000000001E-15</c:v>
+                </c:pt>
+                <c:pt idx="7">
+                  <c:v>1.0000000000000001E-15</c:v>
+                </c:pt>
+                <c:pt idx="8">
+                  <c:v>1.0000000000000001E-15</c:v>
+                </c:pt>
+                <c:pt idx="9">
+                  <c:v>1.0000000000000001E-15</c:v>
+                </c:pt>
+                <c:pt idx="10">
+                  <c:v>1.0000000000000001E-15</c:v>
+                </c:pt>
+                <c:pt idx="11">
+                  <c:v>1.0000000000000001E-15</c:v>
+                </c:pt>
+                <c:pt idx="12">
+                  <c:v>1.0000000000000001E-15</c:v>
+                </c:pt>
+                <c:pt idx="13">
+                  <c:v>1.0000000000000001E-15</c:v>
+                </c:pt>
+                <c:pt idx="14">
+                  <c:v>1.0000000000000001E-15</c:v>
+                </c:pt>
+                <c:pt idx="15">
+                  <c:v>1.0000000000000001E-15</c:v>
+                </c:pt>
+                <c:pt idx="16">
+                  <c:v>2.5189001000000002E-8</c:v>
+                </c:pt>
+                <c:pt idx="17">
+                  <c:v>2.6817001000000001E-8</c:v>
+                </c:pt>
+                <c:pt idx="18">
+                  <c:v>3.4779601E-8</c:v>
+                </c:pt>
+                <c:pt idx="19">
+                  <c:v>7.7470201000000006E-8</c:v>
+                </c:pt>
+                <c:pt idx="20">
+                  <c:v>1.8761400100000001E-7</c:v>
+                </c:pt>
+                <c:pt idx="21">
+                  <c:v>3.3824100100000002E-7</c:v>
+                </c:pt>
+                <c:pt idx="22">
+                  <c:v>5.5264900099999999E-7</c:v>
+                </c:pt>
+                <c:pt idx="23">
+                  <c:v>7.7476700100000002E-7</c:v>
+                </c:pt>
+                <c:pt idx="24">
+                  <c:v>9.6022500099999988E-7</c:v>
+                </c:pt>
+                <c:pt idx="25">
+                  <c:v>1.236790001E-6</c:v>
+                </c:pt>
+                <c:pt idx="26">
+                  <c:v>1.2798700009999999E-6</c:v>
+                </c:pt>
+                <c:pt idx="27">
+                  <c:v>9.4070200100000001E-7</c:v>
+                </c:pt>
+                <c:pt idx="28">
+                  <c:v>9.4960200100000004E-7</c:v>
+                </c:pt>
+                <c:pt idx="29">
+                  <c:v>4.8597600099999996E-7</c:v>
+                </c:pt>
+                <c:pt idx="30">
+                  <c:v>2.7098300099999999E-7</c:v>
+                </c:pt>
+                <c:pt idx="31">
+                  <c:v>1.10833001E-7</c:v>
+                </c:pt>
+                <c:pt idx="32">
+                  <c:v>5.3514700999999994E-8</c:v>
+                </c:pt>
+                <c:pt idx="33">
+                  <c:v>5.6557600999999998E-8</c:v>
+                </c:pt>
+                <c:pt idx="34">
+                  <c:v>3.183631E-9</c:v>
+                </c:pt>
+                <c:pt idx="35">
+                  <c:v>1.0000000000000001E-15</c:v>
+                </c:pt>
+                <c:pt idx="36">
+                  <c:v>1.0000000000000001E-15</c:v>
+                </c:pt>
+                <c:pt idx="37">
+                  <c:v>1.0000000000000001E-15</c:v>
+                </c:pt>
+                <c:pt idx="38">
+                  <c:v>1.0000000000000001E-15</c:v>
+                </c:pt>
+                <c:pt idx="39">
+                  <c:v>1.0000000000000001E-15</c:v>
+                </c:pt>
+              </c:numCache>
+            </c:numRef>
+          </c:yVal>
+          <c:smooth val="1"/>
+          <c:extLst>
+            <c:ext xmlns:c16="http://schemas.microsoft.com/office/drawing/2014/chart" uri="{C3380CC4-5D6E-409C-BE32-E72D297353CC}">
+              <c16:uniqueId val="{00000004-E1FC-442D-BB36-A82069E72567}"/>
+            </c:ext>
+          </c:extLst>
+        </c:ser>
+        <c:ser>
+          <c:idx val="3"/>
+          <c:order val="5"/>
+          <c:tx>
+            <c:strRef>
+              <c:f>'Plate Carbide v6 - 27'!$C$398:$D$398</c:f>
+              <c:strCache>
+                <c:ptCount val="1"/>
+                <c:pt idx="0">
+                  <c:v>Depleted (0, 0, 120.0)</c:v>
+                </c:pt>
+              </c:strCache>
+            </c:strRef>
+          </c:tx>
+          <c:spPr>
+            <a:ln w="19050" cap="rnd">
+              <a:solidFill>
+                <a:schemeClr val="accent4"/>
+              </a:solidFill>
+              <a:round/>
+            </a:ln>
+            <a:effectLst/>
+          </c:spPr>
+          <c:marker>
+            <c:symbol val="none"/>
+          </c:marker>
+          <c:errBars>
+            <c:errDir val="y"/>
+            <c:errBarType val="both"/>
+            <c:errValType val="cust"/>
+            <c:noEndCap val="0"/>
+            <c:plus>
+              <c:numRef>
+                <c:f>'Plate Carbide v6 - 27'!$G$400:$G$439</c:f>
+                <c:numCache>
+                  <c:formatCode>General</c:formatCode>
+                  <c:ptCount val="40"/>
+                  <c:pt idx="0">
+                    <c:v>0</c:v>
+                  </c:pt>
+                  <c:pt idx="1">
+                    <c:v>0</c:v>
+                  </c:pt>
+                  <c:pt idx="2">
+                    <c:v>0</c:v>
+                  </c:pt>
+                  <c:pt idx="3">
+                    <c:v>0</c:v>
+                  </c:pt>
+                  <c:pt idx="4">
+                    <c:v>0</c:v>
+                  </c:pt>
+                  <c:pt idx="5">
+                    <c:v>0</c:v>
+                  </c:pt>
+                  <c:pt idx="6">
+                    <c:v>9.2657310000000003E-9</c:v>
+                  </c:pt>
+                  <c:pt idx="7">
+                    <c:v>0</c:v>
+                  </c:pt>
+                  <c:pt idx="8">
+                    <c:v>0</c:v>
+                  </c:pt>
+                  <c:pt idx="9">
+                    <c:v>0</c:v>
+                  </c:pt>
+                  <c:pt idx="10">
+                    <c:v>0</c:v>
+                  </c:pt>
+                  <c:pt idx="11">
+                    <c:v>0</c:v>
+                  </c:pt>
+                  <c:pt idx="12">
+                    <c:v>0</c:v>
+                  </c:pt>
+                  <c:pt idx="13">
+                    <c:v>5.9197210000000006E-9</c:v>
+                  </c:pt>
+                  <c:pt idx="14">
+                    <c:v>0</c:v>
+                  </c:pt>
+                  <c:pt idx="15">
+                    <c:v>4.5343410000000006E-9</c:v>
+                  </c:pt>
+                  <c:pt idx="16">
+                    <c:v>0</c:v>
+                  </c:pt>
+                  <c:pt idx="17">
+                    <c:v>0</c:v>
+                  </c:pt>
+                  <c:pt idx="18">
+                    <c:v>7.9657210000000004E-9</c:v>
+                  </c:pt>
+                  <c:pt idx="19">
+                    <c:v>6.6108921632000009E-9</c:v>
+                  </c:pt>
+                  <c:pt idx="20">
+                    <c:v>1.1955451788E-8</c:v>
+                  </c:pt>
+                  <c:pt idx="21">
+                    <c:v>1.40918418784E-8</c:v>
+                  </c:pt>
+                  <c:pt idx="22">
+                    <c:v>1.2730746691000001E-8</c:v>
+                  </c:pt>
+                  <c:pt idx="23">
+                    <c:v>1.7765555673900001E-8</c:v>
+                  </c:pt>
+                  <c:pt idx="24">
+                    <c:v>2.06618296698E-8</c:v>
+                  </c:pt>
+                  <c:pt idx="25">
+                    <c:v>5.8550610000000006E-9</c:v>
+                  </c:pt>
+                  <c:pt idx="26">
+                    <c:v>1.5399413878700002E-8</c:v>
+                  </c:pt>
+                  <c:pt idx="27">
+                    <c:v>1.01122693711E-8</c:v>
+                  </c:pt>
+                  <c:pt idx="28">
+                    <c:v>2.1758701E-8</c:v>
+                  </c:pt>
+                  <c:pt idx="29">
+                    <c:v>1.0967501000000001E-8</c:v>
+                  </c:pt>
+                  <c:pt idx="30">
+                    <c:v>0</c:v>
+                  </c:pt>
+                  <c:pt idx="31">
+                    <c:v>0</c:v>
+                  </c:pt>
+                  <c:pt idx="32">
+                    <c:v>0</c:v>
+                  </c:pt>
+                  <c:pt idx="33">
+                    <c:v>0</c:v>
+                  </c:pt>
+                  <c:pt idx="34">
+                    <c:v>0</c:v>
+                  </c:pt>
+                  <c:pt idx="35">
+                    <c:v>0</c:v>
+                  </c:pt>
+                  <c:pt idx="36">
+                    <c:v>0</c:v>
+                  </c:pt>
+                  <c:pt idx="37">
+                    <c:v>0</c:v>
+                  </c:pt>
+                  <c:pt idx="38">
+                    <c:v>0</c:v>
+                  </c:pt>
+                  <c:pt idx="39">
+                    <c:v>0</c:v>
+                  </c:pt>
+                </c:numCache>
+              </c:numRef>
+            </c:plus>
+            <c:minus>
+              <c:numRef>
+                <c:f>'Plate Carbide v6 - 27'!$G$400:$G$439</c:f>
+                <c:numCache>
+                  <c:formatCode>General</c:formatCode>
+                  <c:ptCount val="40"/>
+                  <c:pt idx="0">
+                    <c:v>0</c:v>
+                  </c:pt>
+                  <c:pt idx="1">
+                    <c:v>0</c:v>
+                  </c:pt>
+                  <c:pt idx="2">
+                    <c:v>0</c:v>
+                  </c:pt>
+                  <c:pt idx="3">
+                    <c:v>0</c:v>
+                  </c:pt>
+                  <c:pt idx="4">
+                    <c:v>0</c:v>
+                  </c:pt>
+                  <c:pt idx="5">
+                    <c:v>0</c:v>
+                  </c:pt>
+                  <c:pt idx="6">
+                    <c:v>9.2657310000000003E-9</c:v>
+                  </c:pt>
+                  <c:pt idx="7">
+                    <c:v>0</c:v>
+                  </c:pt>
+                  <c:pt idx="8">
+                    <c:v>0</c:v>
+                  </c:pt>
+                  <c:pt idx="9">
+                    <c:v>0</c:v>
+                  </c:pt>
+                  <c:pt idx="10">
+                    <c:v>0</c:v>
+                  </c:pt>
+                  <c:pt idx="11">
+                    <c:v>0</c:v>
+                  </c:pt>
+                  <c:pt idx="12">
+                    <c:v>0</c:v>
+                  </c:pt>
+                  <c:pt idx="13">
+                    <c:v>5.9197210000000006E-9</c:v>
+                  </c:pt>
+                  <c:pt idx="14">
+                    <c:v>0</c:v>
+                  </c:pt>
+                  <c:pt idx="15">
+                    <c:v>4.5343410000000006E-9</c:v>
+                  </c:pt>
+                  <c:pt idx="16">
+                    <c:v>0</c:v>
+                  </c:pt>
+                  <c:pt idx="17">
+                    <c:v>0</c:v>
+                  </c:pt>
+                  <c:pt idx="18">
+                    <c:v>7.9657210000000004E-9</c:v>
+                  </c:pt>
+                  <c:pt idx="19">
+                    <c:v>6.6108921632000009E-9</c:v>
+                  </c:pt>
+                  <c:pt idx="20">
+                    <c:v>1.1955451788E-8</c:v>
+                  </c:pt>
+                  <c:pt idx="21">
+                    <c:v>1.40918418784E-8</c:v>
+                  </c:pt>
+                  <c:pt idx="22">
+                    <c:v>1.2730746691000001E-8</c:v>
+                  </c:pt>
+                  <c:pt idx="23">
+                    <c:v>1.7765555673900001E-8</c:v>
+                  </c:pt>
+                  <c:pt idx="24">
+                    <c:v>2.06618296698E-8</c:v>
+                  </c:pt>
+                  <c:pt idx="25">
+                    <c:v>5.8550610000000006E-9</c:v>
+                  </c:pt>
+                  <c:pt idx="26">
+                    <c:v>1.5399413878700002E-8</c:v>
+                  </c:pt>
+                  <c:pt idx="27">
+                    <c:v>1.01122693711E-8</c:v>
+                  </c:pt>
+                  <c:pt idx="28">
+                    <c:v>2.1758701E-8</c:v>
+                  </c:pt>
+                  <c:pt idx="29">
+                    <c:v>1.0967501000000001E-8</c:v>
+                  </c:pt>
+                  <c:pt idx="30">
+                    <c:v>0</c:v>
+                  </c:pt>
+                  <c:pt idx="31">
+                    <c:v>0</c:v>
+                  </c:pt>
+                  <c:pt idx="32">
+                    <c:v>0</c:v>
+                  </c:pt>
+                  <c:pt idx="33">
+                    <c:v>0</c:v>
+                  </c:pt>
+                  <c:pt idx="34">
+                    <c:v>0</c:v>
+                  </c:pt>
+                  <c:pt idx="35">
+                    <c:v>0</c:v>
+                  </c:pt>
+                  <c:pt idx="36">
+                    <c:v>0</c:v>
+                  </c:pt>
+                  <c:pt idx="37">
+                    <c:v>0</c:v>
+                  </c:pt>
+                  <c:pt idx="38">
+                    <c:v>0</c:v>
+                  </c:pt>
+                  <c:pt idx="39">
+                    <c:v>0</c:v>
+                  </c:pt>
+                </c:numCache>
+              </c:numRef>
+            </c:minus>
+            <c:spPr>
+              <a:noFill/>
+              <a:ln w="9525" cap="flat" cmpd="sng" algn="ctr">
+                <a:solidFill>
+                  <a:schemeClr val="tx1">
+                    <a:lumMod val="65000"/>
+                    <a:lumOff val="35000"/>
+                  </a:schemeClr>
+                </a:solidFill>
+                <a:round/>
+              </a:ln>
+              <a:effectLst/>
+            </c:spPr>
+          </c:errBars>
+          <c:xVal>
+            <c:numRef>
+              <c:f>'Plate Carbide v6 - 27'!$C$400:$C$439</c:f>
+              <c:numCache>
+                <c:formatCode>0.00E+00</c:formatCode>
+                <c:ptCount val="40"/>
+                <c:pt idx="0">
+                  <c:v>8.4599999999999997E-10</c:v>
+                </c:pt>
+                <c:pt idx="1">
+                  <c:v>2.5494999999999999E-9</c:v>
+                </c:pt>
+                <c:pt idx="2">
+                  <c:v>5.1339999999999998E-9</c:v>
+                </c:pt>
+                <c:pt idx="3">
+                  <c:v>1.0340500000000001E-8</c:v>
+                </c:pt>
+                <c:pt idx="4">
+                  <c:v>2.082E-8</c:v>
+                </c:pt>
+                <c:pt idx="5">
+                  <c:v>4.1925E-8</c:v>
+                </c:pt>
+                <c:pt idx="6">
+                  <c:v>8.4415000000000005E-8</c:v>
+                </c:pt>
+                <c:pt idx="7">
+                  <c:v>1.7000000000000001E-7</c:v>
+                </c:pt>
+                <c:pt idx="8">
+                  <c:v>3.4234999999999999E-7</c:v>
+                </c:pt>
+                <c:pt idx="9">
+                  <c:v>6.8945000000000002E-7</c:v>
+                </c:pt>
+                <c:pt idx="10">
+                  <c:v>1.3882000000000001E-6</c:v>
+                </c:pt>
+                <c:pt idx="11">
+                  <c:v>2.7954999999999997E-6</c:v>
+                </c:pt>
+                <c:pt idx="12">
+                  <c:v>5.6300000000000003E-6</c:v>
+                </c:pt>
+                <c:pt idx="13">
+                  <c:v>1.1337E-5</c:v>
+                </c:pt>
+                <c:pt idx="14">
+                  <c:v>2.283E-5</c:v>
+                </c:pt>
+                <c:pt idx="15">
+                  <c:v>4.5974999999999999E-5</c:v>
+                </c:pt>
+                <c:pt idx="16">
+                  <c:v>9.256999999999999E-5</c:v>
+                </c:pt>
+                <c:pt idx="17">
+                  <c:v>1.8645000000000001E-4</c:v>
+                </c:pt>
+                <c:pt idx="18">
+                  <c:v>3.7544999999999999E-4</c:v>
+                </c:pt>
+                <c:pt idx="19">
+                  <c:v>7.5584999999999997E-4</c:v>
+                </c:pt>
+                <c:pt idx="20">
+                  <c:v>1.5225E-3</c:v>
+                </c:pt>
+                <c:pt idx="21">
+                  <c:v>3.0660000000000001E-3</c:v>
+                </c:pt>
+                <c:pt idx="22">
+                  <c:v>6.1739999999999998E-3</c:v>
+                </c:pt>
+                <c:pt idx="23">
+                  <c:v>1.2435499999999999E-2</c:v>
+                </c:pt>
+                <c:pt idx="24">
+                  <c:v>2.504E-2</c:v>
+                </c:pt>
+                <c:pt idx="25">
+                  <c:v>5.0419999999999993E-2</c:v>
+                </c:pt>
+                <c:pt idx="26">
+                  <c:v>0.10153999999999999</c:v>
+                </c:pt>
+                <c:pt idx="27">
+                  <c:v>0.20444999999999999</c:v>
+                </c:pt>
+                <c:pt idx="28">
+                  <c:v>0.41170000000000001</c:v>
+                </c:pt>
+                <c:pt idx="29">
+                  <c:v>0.82910000000000006</c:v>
+                </c:pt>
+                <c:pt idx="30">
+                  <c:v>1.6695</c:v>
+                </c:pt>
+                <c:pt idx="31">
+                  <c:v>2.8650000000000002</c:v>
+                </c:pt>
+                <c:pt idx="32">
+                  <c:v>4.2575000000000003</c:v>
+                </c:pt>
+                <c:pt idx="33">
+                  <c:v>5.9965000000000002</c:v>
+                </c:pt>
+                <c:pt idx="34">
+                  <c:v>8.4885000000000002</c:v>
+                </c:pt>
+                <c:pt idx="35">
+                  <c:v>11</c:v>
+                </c:pt>
+                <c:pt idx="36">
+                  <c:v>13</c:v>
+                </c:pt>
+                <c:pt idx="37">
+                  <c:v>15</c:v>
+                </c:pt>
+                <c:pt idx="38">
+                  <c:v>17</c:v>
+                </c:pt>
+                <c:pt idx="39">
+                  <c:v>19</c:v>
+                </c:pt>
+              </c:numCache>
+            </c:numRef>
+          </c:xVal>
+          <c:yVal>
+            <c:numRef>
+              <c:f>'Plate Carbide v6 - 27'!$E$400:$E$439</c:f>
+              <c:numCache>
+                <c:formatCode>0.00E+00</c:formatCode>
+                <c:ptCount val="40"/>
+                <c:pt idx="0">
+                  <c:v>1.0000000000000001E-15</c:v>
+                </c:pt>
+                <c:pt idx="1">
+                  <c:v>1.0000000000000001E-15</c:v>
+                </c:pt>
+                <c:pt idx="2">
+                  <c:v>1.0000000000000001E-15</c:v>
+                </c:pt>
+                <c:pt idx="3">
+                  <c:v>1.0000000000000001E-15</c:v>
+                </c:pt>
+                <c:pt idx="4">
+                  <c:v>1.0000000000000001E-15</c:v>
+                </c:pt>
+                <c:pt idx="5">
+                  <c:v>1.0000000000000001E-15</c:v>
+                </c:pt>
+                <c:pt idx="6">
+                  <c:v>9.2657310000000003E-9</c:v>
+                </c:pt>
+                <c:pt idx="7">
+                  <c:v>1.0000000000000001E-15</c:v>
+                </c:pt>
+                <c:pt idx="8">
+                  <c:v>1.0000000000000001E-15</c:v>
+                </c:pt>
+                <c:pt idx="9">
+                  <c:v>1.0000000000000001E-15</c:v>
+                </c:pt>
+                <c:pt idx="10">
+                  <c:v>1.0000000000000001E-15</c:v>
+                </c:pt>
+                <c:pt idx="11">
+                  <c:v>1.0000000000000001E-15</c:v>
+                </c:pt>
+                <c:pt idx="12">
+                  <c:v>1.0000000000000001E-15</c:v>
+                </c:pt>
+                <c:pt idx="13">
+                  <c:v>5.9197210000000006E-9</c:v>
+                </c:pt>
+                <c:pt idx="14">
+                  <c:v>1.0000000000000001E-15</c:v>
+                </c:pt>
+                <c:pt idx="15">
+                  <c:v>4.5343410000000006E-9</c:v>
+                </c:pt>
+                <c:pt idx="16">
+                  <c:v>1.0000000000000001E-15</c:v>
+                </c:pt>
+                <c:pt idx="17">
+                  <c:v>1.0000000000000001E-15</c:v>
+                </c:pt>
+                <c:pt idx="18">
+                  <c:v>7.9657210000000004E-9</c:v>
+                </c:pt>
+                <c:pt idx="19">
+                  <c:v>9.347981000000001E-9</c:v>
+                </c:pt>
+                <c:pt idx="20">
+                  <c:v>2.0332401000000002E-8</c:v>
+                </c:pt>
+                <c:pt idx="21">
+                  <c:v>2.3549200999999999E-8</c:v>
+                </c:pt>
+                <c:pt idx="22">
+                  <c:v>2.5928201E-8</c:v>
+                </c:pt>
+                <c:pt idx="23">
+                  <c:v>3.9139800999999998E-8</c:v>
+                </c:pt>
+                <c:pt idx="24">
+                  <c:v>3.8999300999999997E-8</c:v>
+                </c:pt>
+                <c:pt idx="25">
+                  <c:v>5.8550610000000006E-9</c:v>
+                </c:pt>
+                <c:pt idx="26">
+                  <c:v>2.1729101000000001E-8</c:v>
+                </c:pt>
+                <c:pt idx="27">
+                  <c:v>1.4220601000000001E-8</c:v>
+                </c:pt>
+                <c:pt idx="28">
+                  <c:v>2.1758701E-8</c:v>
+                </c:pt>
+                <c:pt idx="29">
+                  <c:v>1.0967501000000001E-8</c:v>
+                </c:pt>
+                <c:pt idx="30">
+                  <c:v>1.0000000000000001E-15</c:v>
+                </c:pt>
+                <c:pt idx="31">
+                  <c:v>1.0000000000000001E-15</c:v>
+                </c:pt>
+                <c:pt idx="32">
+                  <c:v>1.0000000000000001E-15</c:v>
+                </c:pt>
+                <c:pt idx="33">
+                  <c:v>1.0000000000000001E-15</c:v>
+                </c:pt>
+                <c:pt idx="34">
+                  <c:v>1.0000000000000001E-15</c:v>
+                </c:pt>
+                <c:pt idx="35">
+                  <c:v>1.0000000000000001E-15</c:v>
+                </c:pt>
+                <c:pt idx="36">
+                  <c:v>1.0000000000000001E-15</c:v>
+                </c:pt>
+                <c:pt idx="37">
+                  <c:v>1.0000000000000001E-15</c:v>
+                </c:pt>
+                <c:pt idx="38">
+                  <c:v>1.0000000000000001E-15</c:v>
+                </c:pt>
+                <c:pt idx="39">
+                  <c:v>1.0000000000000001E-15</c:v>
+                </c:pt>
+              </c:numCache>
+            </c:numRef>
+          </c:yVal>
+          <c:smooth val="1"/>
+          <c:extLst>
+            <c:ext xmlns:c16="http://schemas.microsoft.com/office/drawing/2014/chart" uri="{C3380CC4-5D6E-409C-BE32-E72D297353CC}">
+              <c16:uniqueId val="{00000005-E1FC-442D-BB36-A82069E72567}"/>
+            </c:ext>
+          </c:extLst>
+        </c:ser>
+        <c:dLbls>
+          <c:showLegendKey val="0"/>
+          <c:showVal val="0"/>
+          <c:showCatName val="0"/>
+          <c:showSerName val="0"/>
+          <c:showPercent val="0"/>
+          <c:showBubbleSize val="0"/>
+        </c:dLbls>
+        <c:axId val="311060368"/>
+        <c:axId val="311060928"/>
+      </c:scatterChart>
+      <c:valAx>
+        <c:axId val="311060368"/>
+        <c:scaling>
+          <c:logBase val="10"/>
+          <c:orientation val="minMax"/>
+        </c:scaling>
+        <c:delete val="0"/>
+        <c:axPos val="b"/>
+        <c:majorGridlines>
+          <c:spPr>
+            <a:ln w="9525" cap="flat" cmpd="sng" algn="ctr">
+              <a:solidFill>
+                <a:schemeClr val="tx1">
+                  <a:lumMod val="15000"/>
+                  <a:lumOff val="85000"/>
+                </a:schemeClr>
+              </a:solidFill>
+              <a:round/>
+            </a:ln>
+            <a:effectLst/>
+          </c:spPr>
+        </c:majorGridlines>
+        <c:title>
+          <c:tx>
+            <c:rich>
+              <a:bodyPr rot="0" spcFirstLastPara="1" vertOverflow="ellipsis" vert="horz" wrap="square" anchor="ctr" anchorCtr="1"/>
+              <a:lstStyle/>
+              <a:p>
+                <a:pPr>
+                  <a:defRPr sz="1000" b="0" i="0" u="none" strike="noStrike" kern="1200" baseline="0">
+                    <a:solidFill>
+                      <a:schemeClr val="tx1">
+                        <a:lumMod val="65000"/>
+                        <a:lumOff val="35000"/>
+                      </a:schemeClr>
+                    </a:solidFill>
+                    <a:latin typeface="+mn-lt"/>
+                    <a:ea typeface="+mn-ea"/>
+                    <a:cs typeface="+mn-cs"/>
+                  </a:defRPr>
+                </a:pPr>
+                <a:r>
+                  <a:rPr lang="en-US" dirty="0" smtClean="0"/>
+                  <a:t>Energy (MeV)</a:t>
+                </a:r>
+                <a:endParaRPr lang="en-US" dirty="0"/>
+              </a:p>
+            </c:rich>
+          </c:tx>
+          <c:layout/>
+          <c:overlay val="0"/>
+          <c:spPr>
+            <a:noFill/>
+            <a:ln>
+              <a:noFill/>
+            </a:ln>
+            <a:effectLst/>
+          </c:spPr>
+          <c:txPr>
+            <a:bodyPr rot="0" spcFirstLastPara="1" vertOverflow="ellipsis" vert="horz" wrap="square" anchor="ctr" anchorCtr="1"/>
+            <a:lstStyle/>
+            <a:p>
+              <a:pPr>
+                <a:defRPr sz="1000" b="0" i="0" u="none" strike="noStrike" kern="1200" baseline="0">
+                  <a:solidFill>
+                    <a:schemeClr val="tx1">
+                      <a:lumMod val="65000"/>
+                      <a:lumOff val="35000"/>
+                    </a:schemeClr>
+                  </a:solidFill>
+                  <a:latin typeface="+mn-lt"/>
+                  <a:ea typeface="+mn-ea"/>
+                  <a:cs typeface="+mn-cs"/>
+                </a:defRPr>
+              </a:pPr>
+              <a:endParaRPr lang="en-US"/>
+            </a:p>
+          </c:txPr>
+        </c:title>
+        <c:numFmt formatCode="0.E+0" sourceLinked="0"/>
+        <c:majorTickMark val="none"/>
+        <c:minorTickMark val="none"/>
+        <c:tickLblPos val="low"/>
+        <c:spPr>
+          <a:noFill/>
+          <a:ln w="9525" cap="flat" cmpd="sng" algn="ctr">
+            <a:solidFill>
+              <a:schemeClr val="tx1">
+                <a:lumMod val="25000"/>
+                <a:lumOff val="75000"/>
+              </a:schemeClr>
+            </a:solidFill>
+            <a:round/>
+          </a:ln>
+          <a:effectLst/>
+        </c:spPr>
+        <c:txPr>
+          <a:bodyPr rot="-60000000" spcFirstLastPara="1" vertOverflow="ellipsis" vert="horz" wrap="square" anchor="ctr" anchorCtr="1"/>
+          <a:lstStyle/>
+          <a:p>
+            <a:pPr>
+              <a:defRPr sz="900" b="0" i="0" u="none" strike="noStrike" kern="1200" baseline="0">
+                <a:solidFill>
+                  <a:schemeClr val="tx1">
+                    <a:lumMod val="65000"/>
+                    <a:lumOff val="35000"/>
+                  </a:schemeClr>
+                </a:solidFill>
+                <a:latin typeface="+mn-lt"/>
+                <a:ea typeface="+mn-ea"/>
+                <a:cs typeface="+mn-cs"/>
+              </a:defRPr>
+            </a:pPr>
+            <a:endParaRPr lang="en-US"/>
+          </a:p>
+        </c:txPr>
+        <c:crossAx val="311060928"/>
+        <c:crosses val="autoZero"/>
+        <c:crossBetween val="midCat"/>
+      </c:valAx>
+      <c:valAx>
+        <c:axId val="311060928"/>
+        <c:scaling>
+          <c:logBase val="10"/>
+          <c:orientation val="minMax"/>
+          <c:max val="1.0000000000000003E-4"/>
+          <c:min val="1.0000000000000006E-10"/>
+        </c:scaling>
+        <c:delete val="0"/>
+        <c:axPos val="l"/>
+        <c:majorGridlines>
+          <c:spPr>
+            <a:ln w="9525" cap="flat" cmpd="sng" algn="ctr">
+              <a:solidFill>
+                <a:schemeClr val="tx1">
+                  <a:lumMod val="15000"/>
+                  <a:lumOff val="85000"/>
+                </a:schemeClr>
+              </a:solidFill>
+              <a:round/>
+            </a:ln>
+            <a:effectLst/>
+          </c:spPr>
+        </c:majorGridlines>
+        <c:numFmt formatCode="0.00E+00" sourceLinked="1"/>
+        <c:majorTickMark val="none"/>
+        <c:minorTickMark val="none"/>
+        <c:tickLblPos val="low"/>
+        <c:spPr>
+          <a:noFill/>
+          <a:ln w="9525" cap="flat" cmpd="sng" algn="ctr">
+            <a:solidFill>
+              <a:schemeClr val="tx1">
+                <a:lumMod val="25000"/>
+                <a:lumOff val="75000"/>
+              </a:schemeClr>
+            </a:solidFill>
+            <a:round/>
+          </a:ln>
+          <a:effectLst/>
+        </c:spPr>
+        <c:txPr>
+          <a:bodyPr rot="-60000000" spcFirstLastPara="1" vertOverflow="ellipsis" vert="horz" wrap="square" anchor="ctr" anchorCtr="1"/>
+          <a:lstStyle/>
+          <a:p>
+            <a:pPr>
+              <a:defRPr sz="900" b="0" i="0" u="none" strike="noStrike" kern="1200" baseline="0">
+                <a:solidFill>
+                  <a:schemeClr val="tx1">
+                    <a:lumMod val="65000"/>
+                    <a:lumOff val="35000"/>
+                  </a:schemeClr>
+                </a:solidFill>
+                <a:latin typeface="+mn-lt"/>
+                <a:ea typeface="+mn-ea"/>
+                <a:cs typeface="+mn-cs"/>
+              </a:defRPr>
+            </a:pPr>
+            <a:endParaRPr lang="en-US"/>
+          </a:p>
+        </c:txPr>
+        <c:crossAx val="311060368"/>
+        <c:crosses val="autoZero"/>
+        <c:crossBetween val="midCat"/>
+      </c:valAx>
+      <c:spPr>
+        <a:noFill/>
+        <a:ln>
+          <a:noFill/>
+        </a:ln>
+        <a:effectLst/>
+      </c:spPr>
+    </c:plotArea>
+    <c:legend>
+      <c:legendPos val="l"/>
+      <c:layout>
+        <c:manualLayout>
+          <c:xMode val="edge"/>
+          <c:yMode val="edge"/>
+          <c:x val="9.5469255663430425E-2"/>
+          <c:y val="4.9804379921259814E-2"/>
+          <c:w val="0.20863342974985269"/>
+          <c:h val="0.26367372047244092"/>
+        </c:manualLayout>
+      </c:layout>
+      <c:overlay val="1"/>
+      <c:spPr>
+        <a:noFill/>
+        <a:ln>
+          <a:noFill/>
+        </a:ln>
+        <a:effectLst/>
+      </c:spPr>
+      <c:txPr>
+        <a:bodyPr rot="0" spcFirstLastPara="1" vertOverflow="ellipsis" vert="horz" wrap="square" anchor="ctr" anchorCtr="1"/>
+        <a:lstStyle/>
+        <a:p>
+          <a:pPr>
+            <a:defRPr sz="900" b="0" i="0" u="none" strike="noStrike" kern="1200" baseline="0">
+              <a:solidFill>
+                <a:schemeClr val="tx1">
+                  <a:lumMod val="65000"/>
+                  <a:lumOff val="35000"/>
+                </a:schemeClr>
+              </a:solidFill>
+              <a:latin typeface="+mn-lt"/>
+              <a:ea typeface="+mn-ea"/>
+              <a:cs typeface="+mn-cs"/>
+            </a:defRPr>
+          </a:pPr>
+          <a:endParaRPr lang="en-US"/>
+        </a:p>
+      </c:txPr>
+    </c:legend>
+    <c:plotVisOnly val="1"/>
+    <c:dispBlanksAs val="gap"/>
+    <c:showDLblsOverMax val="0"/>
+  </c:chart>
+  <c:spPr>
+    <a:noFill/>
+    <a:ln>
+      <a:noFill/>
+    </a:ln>
+    <a:effectLst/>
+  </c:spPr>
+  <c:txPr>
+    <a:bodyPr/>
+    <a:lstStyle/>
+    <a:p>
+      <a:pPr>
+        <a:defRPr/>
+      </a:pPr>
+      <a:endParaRPr lang="en-US"/>
+    </a:p>
+  </c:txPr>
+  <c:externalData r:id="rId3">
+    <c:autoUpdate val="0"/>
+  </c:externalData>
+</c:chartSpace>
+</file>
+
+<file path=ppt/charts/chart2.xml><?xml version="1.0" encoding="utf-8"?>
+<c:chartSpace xmlns:c="http://schemas.openxmlformats.org/drawingml/2006/chart" xmlns:a="http://schemas.openxmlformats.org/drawingml/2006/main" xmlns:r="http://schemas.openxmlformats.org/officeDocument/2006/relationships" xmlns:c16r2="http://schemas.microsoft.com/office/drawing/2015/06/chart">
   <c:date1904 val="0"/>
   <c:lang val="en-US"/>
   <c:roundedCorners val="0"/>
@@ -295,7 +3998,7 @@
             </c:numRef>
           </c:yVal>
           <c:smooth val="0"/>
-          <c:extLst xmlns:c16r2="http://schemas.microsoft.com/office/drawing/2015/06/chart">
+          <c:extLst>
             <c:ext xmlns:c16="http://schemas.microsoft.com/office/drawing/2014/chart" uri="{C3380CC4-5D6E-409C-BE32-E72D297353CC}">
               <c16:uniqueId val="{00000000-55F7-4BAC-9ED7-0A0DBC995522}"/>
             </c:ext>
@@ -380,7 +4083,7 @@
             </c:numRef>
           </c:yVal>
           <c:smooth val="0"/>
-          <c:extLst xmlns:c16r2="http://schemas.microsoft.com/office/drawing/2015/06/chart">
+          <c:extLst>
             <c:ext xmlns:c16="http://schemas.microsoft.com/office/drawing/2014/chart" uri="{C3380CC4-5D6E-409C-BE32-E72D297353CC}">
               <c16:uniqueId val="{00000001-55F7-4BAC-9ED7-0A0DBC995522}"/>
             </c:ext>
@@ -465,7 +4168,7 @@
             </c:numRef>
           </c:yVal>
           <c:smooth val="0"/>
-          <c:extLst xmlns:c16r2="http://schemas.microsoft.com/office/drawing/2015/06/chart">
+          <c:extLst>
             <c:ext xmlns:c16="http://schemas.microsoft.com/office/drawing/2014/chart" uri="{C3380CC4-5D6E-409C-BE32-E72D297353CC}">
               <c16:uniqueId val="{00000002-55F7-4BAC-9ED7-0A0DBC995522}"/>
             </c:ext>
@@ -550,7 +4253,7 @@
             </c:numRef>
           </c:yVal>
           <c:smooth val="0"/>
-          <c:extLst xmlns:c16r2="http://schemas.microsoft.com/office/drawing/2015/06/chart">
+          <c:extLst>
             <c:ext xmlns:c16="http://schemas.microsoft.com/office/drawing/2014/chart" uri="{C3380CC4-5D6E-409C-BE32-E72D297353CC}">
               <c16:uniqueId val="{00000003-55F7-4BAC-9ED7-0A0DBC995522}"/>
             </c:ext>
@@ -566,7 +4269,7 @@
         </c:dLbls>
         <c:axId val="417165312"/>
         <c:axId val="422502512"/>
-        <c:extLst xmlns:c16r2="http://schemas.microsoft.com/office/drawing/2015/06/chart">
+        <c:extLst>
           <c:ext xmlns:c15="http://schemas.microsoft.com/office/drawing/2012/chart" uri="{02D57815-91ED-43cb-92C2-25804820EDAC}">
             <c15:filteredScatterSeries>
               <c15:ser>
@@ -601,7 +4304,7 @@
                 </c:marker>
                 <c:xVal>
                   <c:numRef>
-                    <c:extLst xmlns:c16r2="http://schemas.microsoft.com/office/drawing/2015/06/chart">
+                    <c:extLst>
                       <c:ext uri="{02D57815-91ED-43cb-92C2-25804820EDAC}">
                         <c15:formulaRef>
                           <c15:sqref>'[Analytical temp.xlsx]slabs'!$W$11:$AA$11</c15:sqref>
@@ -631,7 +4334,7 @@
                 </c:xVal>
                 <c:yVal>
                   <c:numRef>
-                    <c:extLst xmlns:c16r2="http://schemas.microsoft.com/office/drawing/2015/06/chart">
+                    <c:extLst>
                       <c:ext uri="{02D57815-91ED-43cb-92C2-25804820EDAC}">
                         <c15:formulaRef>
                           <c15:sqref>'[Analytical temp.xlsx]slabs'!$W$67:$AA$67</c15:sqref>
@@ -660,7 +4363,7 @@
                   </c:numRef>
                 </c:yVal>
                 <c:smooth val="0"/>
-                <c:extLst xmlns:c16r2="http://schemas.microsoft.com/office/drawing/2015/06/chart">
+                <c:extLst>
                   <c:ext xmlns:c16="http://schemas.microsoft.com/office/drawing/2014/chart" uri="{C3380CC4-5D6E-409C-BE32-E72D297353CC}">
                     <c16:uniqueId val="{00000004-55F7-4BAC-9ED7-0A0DBC995522}"/>
                   </c:ext>
@@ -712,7 +4415,6 @@
               </a:p>
             </c:rich>
           </c:tx>
-          <c:layout/>
           <c:overlay val="0"/>
           <c:spPr>
             <a:noFill/>
@@ -826,7 +4528,6 @@
               </a:p>
             </c:rich>
           </c:tx>
-          <c:layout/>
           <c:overlay val="0"/>
           <c:spPr>
             <a:noFill/>
@@ -907,7 +4608,6 @@
     </c:plotArea>
     <c:legend>
       <c:legendPos val="r"/>
-      <c:layout/>
       <c:overlay val="0"/>
       <c:spPr>
         <a:noFill/>
@@ -1004,7 +4704,563 @@
 </cs:colorStyle>
 </file>
 
+<file path=ppt/charts/colors2.xml><?xml version="1.0" encoding="utf-8"?>
+<cs:colorStyle xmlns:cs="http://schemas.microsoft.com/office/drawing/2012/chartStyle" xmlns:a="http://schemas.openxmlformats.org/drawingml/2006/main" meth="cycle" id="10">
+  <a:schemeClr val="accent1"/>
+  <a:schemeClr val="accent2"/>
+  <a:schemeClr val="accent3"/>
+  <a:schemeClr val="accent4"/>
+  <a:schemeClr val="accent5"/>
+  <a:schemeClr val="accent6"/>
+  <cs:variation/>
+  <cs:variation>
+    <a:lumMod val="60000"/>
+  </cs:variation>
+  <cs:variation>
+    <a:lumMod val="80000"/>
+    <a:lumOff val="20000"/>
+  </cs:variation>
+  <cs:variation>
+    <a:lumMod val="80000"/>
+  </cs:variation>
+  <cs:variation>
+    <a:lumMod val="60000"/>
+    <a:lumOff val="40000"/>
+  </cs:variation>
+  <cs:variation>
+    <a:lumMod val="50000"/>
+  </cs:variation>
+  <cs:variation>
+    <a:lumMod val="70000"/>
+    <a:lumOff val="30000"/>
+  </cs:variation>
+  <cs:variation>
+    <a:lumMod val="70000"/>
+  </cs:variation>
+  <cs:variation>
+    <a:lumMod val="50000"/>
+    <a:lumOff val="50000"/>
+  </cs:variation>
+</cs:colorStyle>
+</file>
+
 <file path=ppt/charts/style1.xml><?xml version="1.0" encoding="utf-8"?>
+<cs:chartStyle xmlns:cs="http://schemas.microsoft.com/office/drawing/2012/chartStyle" xmlns:a="http://schemas.openxmlformats.org/drawingml/2006/main" id="240">
+  <cs:axisTitle>
+    <cs:lnRef idx="0"/>
+    <cs:fillRef idx="0"/>
+    <cs:effectRef idx="0"/>
+    <cs:fontRef idx="minor">
+      <a:schemeClr val="tx1">
+        <a:lumMod val="65000"/>
+        <a:lumOff val="35000"/>
+      </a:schemeClr>
+    </cs:fontRef>
+    <cs:defRPr sz="1000" kern="1200"/>
+  </cs:axisTitle>
+  <cs:categoryAxis>
+    <cs:lnRef idx="0"/>
+    <cs:fillRef idx="0"/>
+    <cs:effectRef idx="0"/>
+    <cs:fontRef idx="minor">
+      <a:schemeClr val="tx1">
+        <a:lumMod val="65000"/>
+        <a:lumOff val="35000"/>
+      </a:schemeClr>
+    </cs:fontRef>
+    <cs:spPr>
+      <a:ln w="9525" cap="flat" cmpd="sng" algn="ctr">
+        <a:solidFill>
+          <a:schemeClr val="tx1">
+            <a:lumMod val="25000"/>
+            <a:lumOff val="75000"/>
+          </a:schemeClr>
+        </a:solidFill>
+        <a:round/>
+      </a:ln>
+    </cs:spPr>
+    <cs:defRPr sz="900" kern="1200"/>
+  </cs:categoryAxis>
+  <cs:chartArea mods="allowNoFillOverride allowNoLineOverride">
+    <cs:lnRef idx="0"/>
+    <cs:fillRef idx="0"/>
+    <cs:effectRef idx="0"/>
+    <cs:fontRef idx="minor">
+      <a:schemeClr val="tx1"/>
+    </cs:fontRef>
+    <cs:spPr>
+      <a:solidFill>
+        <a:schemeClr val="bg1"/>
+      </a:solidFill>
+      <a:ln w="9525" cap="flat" cmpd="sng" algn="ctr">
+        <a:solidFill>
+          <a:schemeClr val="tx1">
+            <a:lumMod val="15000"/>
+            <a:lumOff val="85000"/>
+          </a:schemeClr>
+        </a:solidFill>
+        <a:round/>
+      </a:ln>
+    </cs:spPr>
+    <cs:defRPr sz="1000" kern="1200"/>
+  </cs:chartArea>
+  <cs:dataLabel>
+    <cs:lnRef idx="0"/>
+    <cs:fillRef idx="0"/>
+    <cs:effectRef idx="0"/>
+    <cs:fontRef idx="minor">
+      <a:schemeClr val="tx1">
+        <a:lumMod val="75000"/>
+        <a:lumOff val="25000"/>
+      </a:schemeClr>
+    </cs:fontRef>
+    <cs:defRPr sz="900" kern="1200"/>
+  </cs:dataLabel>
+  <cs:dataLabelCallout>
+    <cs:lnRef idx="0"/>
+    <cs:fillRef idx="0"/>
+    <cs:effectRef idx="0"/>
+    <cs:fontRef idx="minor">
+      <a:schemeClr val="dk1">
+        <a:lumMod val="65000"/>
+        <a:lumOff val="35000"/>
+      </a:schemeClr>
+    </cs:fontRef>
+    <cs:spPr>
+      <a:solidFill>
+        <a:schemeClr val="lt1"/>
+      </a:solidFill>
+      <a:ln>
+        <a:solidFill>
+          <a:schemeClr val="dk1">
+            <a:lumMod val="25000"/>
+            <a:lumOff val="75000"/>
+          </a:schemeClr>
+        </a:solidFill>
+      </a:ln>
+    </cs:spPr>
+    <cs:defRPr sz="900" kern="1200"/>
+    <cs:bodyPr rot="0" spcFirstLastPara="1" vertOverflow="clip" horzOverflow="clip" vert="horz" wrap="square" lIns="36576" tIns="18288" rIns="36576" bIns="18288" anchor="ctr" anchorCtr="1">
+      <a:spAutoFit/>
+    </cs:bodyPr>
+  </cs:dataLabelCallout>
+  <cs:dataPoint>
+    <cs:lnRef idx="0"/>
+    <cs:fillRef idx="1">
+      <cs:styleClr val="auto"/>
+    </cs:fillRef>
+    <cs:effectRef idx="0"/>
+    <cs:fontRef idx="minor">
+      <a:schemeClr val="tx1"/>
+    </cs:fontRef>
+  </cs:dataPoint>
+  <cs:dataPoint3D>
+    <cs:lnRef idx="0"/>
+    <cs:fillRef idx="1">
+      <cs:styleClr val="auto"/>
+    </cs:fillRef>
+    <cs:effectRef idx="0"/>
+    <cs:fontRef idx="minor">
+      <a:schemeClr val="tx1"/>
+    </cs:fontRef>
+  </cs:dataPoint3D>
+  <cs:dataPointLine>
+    <cs:lnRef idx="0">
+      <cs:styleClr val="auto"/>
+    </cs:lnRef>
+    <cs:fillRef idx="1"/>
+    <cs:effectRef idx="0"/>
+    <cs:fontRef idx="minor">
+      <a:schemeClr val="tx1"/>
+    </cs:fontRef>
+    <cs:spPr>
+      <a:ln w="19050" cap="rnd">
+        <a:solidFill>
+          <a:schemeClr val="phClr"/>
+        </a:solidFill>
+        <a:round/>
+      </a:ln>
+    </cs:spPr>
+  </cs:dataPointLine>
+  <cs:dataPointMarker>
+    <cs:lnRef idx="0">
+      <cs:styleClr val="auto"/>
+    </cs:lnRef>
+    <cs:fillRef idx="1">
+      <cs:styleClr val="auto"/>
+    </cs:fillRef>
+    <cs:effectRef idx="0"/>
+    <cs:fontRef idx="minor">
+      <a:schemeClr val="tx1"/>
+    </cs:fontRef>
+    <cs:spPr>
+      <a:ln w="9525">
+        <a:solidFill>
+          <a:schemeClr val="phClr"/>
+        </a:solidFill>
+      </a:ln>
+    </cs:spPr>
+  </cs:dataPointMarker>
+  <cs:dataPointMarkerLayout symbol="circle" size="5"/>
+  <cs:dataPointWireframe>
+    <cs:lnRef idx="0">
+      <cs:styleClr val="auto"/>
+    </cs:lnRef>
+    <cs:fillRef idx="0"/>
+    <cs:effectRef idx="0"/>
+    <cs:fontRef idx="minor">
+      <a:schemeClr val="dk1"/>
+    </cs:fontRef>
+    <cs:spPr>
+      <a:ln w="9525" cap="rnd">
+        <a:solidFill>
+          <a:schemeClr val="phClr"/>
+        </a:solidFill>
+        <a:round/>
+      </a:ln>
+    </cs:spPr>
+  </cs:dataPointWireframe>
+  <cs:dataTable>
+    <cs:lnRef idx="0"/>
+    <cs:fillRef idx="0"/>
+    <cs:effectRef idx="0"/>
+    <cs:fontRef idx="minor">
+      <a:schemeClr val="tx1">
+        <a:lumMod val="65000"/>
+        <a:lumOff val="35000"/>
+      </a:schemeClr>
+    </cs:fontRef>
+    <cs:spPr>
+      <a:noFill/>
+      <a:ln w="9525" cap="flat" cmpd="sng" algn="ctr">
+        <a:solidFill>
+          <a:schemeClr val="tx1">
+            <a:lumMod val="15000"/>
+            <a:lumOff val="85000"/>
+          </a:schemeClr>
+        </a:solidFill>
+        <a:round/>
+      </a:ln>
+    </cs:spPr>
+    <cs:defRPr sz="900" kern="1200"/>
+  </cs:dataTable>
+  <cs:downBar>
+    <cs:lnRef idx="0"/>
+    <cs:fillRef idx="0"/>
+    <cs:effectRef idx="0"/>
+    <cs:fontRef idx="minor">
+      <a:schemeClr val="tx1"/>
+    </cs:fontRef>
+    <cs:spPr>
+      <a:solidFill>
+        <a:schemeClr val="dk1">
+          <a:lumMod val="75000"/>
+          <a:lumOff val="25000"/>
+        </a:schemeClr>
+      </a:solidFill>
+      <a:ln w="9525" cap="flat" cmpd="sng" algn="ctr">
+        <a:solidFill>
+          <a:schemeClr val="tx1">
+            <a:lumMod val="65000"/>
+            <a:lumOff val="35000"/>
+          </a:schemeClr>
+        </a:solidFill>
+        <a:round/>
+      </a:ln>
+    </cs:spPr>
+  </cs:downBar>
+  <cs:dropLine>
+    <cs:lnRef idx="0"/>
+    <cs:fillRef idx="0"/>
+    <cs:effectRef idx="0"/>
+    <cs:fontRef idx="minor">
+      <a:schemeClr val="tx1"/>
+    </cs:fontRef>
+    <cs:spPr>
+      <a:ln w="9525" cap="flat" cmpd="sng" algn="ctr">
+        <a:solidFill>
+          <a:schemeClr val="tx1">
+            <a:lumMod val="35000"/>
+            <a:lumOff val="65000"/>
+          </a:schemeClr>
+        </a:solidFill>
+        <a:round/>
+      </a:ln>
+    </cs:spPr>
+  </cs:dropLine>
+  <cs:errorBar>
+    <cs:lnRef idx="0"/>
+    <cs:fillRef idx="0"/>
+    <cs:effectRef idx="0"/>
+    <cs:fontRef idx="minor">
+      <a:schemeClr val="tx1"/>
+    </cs:fontRef>
+    <cs:spPr>
+      <a:ln w="9525" cap="flat" cmpd="sng" algn="ctr">
+        <a:solidFill>
+          <a:schemeClr val="tx1">
+            <a:lumMod val="65000"/>
+            <a:lumOff val="35000"/>
+          </a:schemeClr>
+        </a:solidFill>
+        <a:round/>
+      </a:ln>
+    </cs:spPr>
+  </cs:errorBar>
+  <cs:floor>
+    <cs:lnRef idx="0"/>
+    <cs:fillRef idx="0"/>
+    <cs:effectRef idx="0"/>
+    <cs:fontRef idx="minor">
+      <a:schemeClr val="tx1"/>
+    </cs:fontRef>
+    <cs:spPr>
+      <a:noFill/>
+      <a:ln>
+        <a:noFill/>
+      </a:ln>
+    </cs:spPr>
+  </cs:floor>
+  <cs:gridlineMajor>
+    <cs:lnRef idx="0"/>
+    <cs:fillRef idx="0"/>
+    <cs:effectRef idx="0"/>
+    <cs:fontRef idx="minor">
+      <a:schemeClr val="tx1"/>
+    </cs:fontRef>
+    <cs:spPr>
+      <a:ln w="9525" cap="flat" cmpd="sng" algn="ctr">
+        <a:solidFill>
+          <a:schemeClr val="tx1">
+            <a:lumMod val="15000"/>
+            <a:lumOff val="85000"/>
+          </a:schemeClr>
+        </a:solidFill>
+        <a:round/>
+      </a:ln>
+    </cs:spPr>
+  </cs:gridlineMajor>
+  <cs:gridlineMinor>
+    <cs:lnRef idx="0"/>
+    <cs:fillRef idx="0"/>
+    <cs:effectRef idx="0"/>
+    <cs:fontRef idx="minor">
+      <a:schemeClr val="tx1"/>
+    </cs:fontRef>
+    <cs:spPr>
+      <a:ln w="9525" cap="flat" cmpd="sng" algn="ctr">
+        <a:solidFill>
+          <a:schemeClr val="tx1">
+            <a:lumMod val="5000"/>
+            <a:lumOff val="95000"/>
+          </a:schemeClr>
+        </a:solidFill>
+        <a:round/>
+      </a:ln>
+    </cs:spPr>
+  </cs:gridlineMinor>
+  <cs:hiLoLine>
+    <cs:lnRef idx="0"/>
+    <cs:fillRef idx="0"/>
+    <cs:effectRef idx="0"/>
+    <cs:fontRef idx="minor">
+      <a:schemeClr val="tx1"/>
+    </cs:fontRef>
+    <cs:spPr>
+      <a:ln w="9525" cap="flat" cmpd="sng" algn="ctr">
+        <a:solidFill>
+          <a:schemeClr val="tx1">
+            <a:lumMod val="50000"/>
+            <a:lumOff val="50000"/>
+          </a:schemeClr>
+        </a:solidFill>
+        <a:round/>
+      </a:ln>
+    </cs:spPr>
+  </cs:hiLoLine>
+  <cs:leaderLine>
+    <cs:lnRef idx="0"/>
+    <cs:fillRef idx="0"/>
+    <cs:effectRef idx="0"/>
+    <cs:fontRef idx="minor">
+      <a:schemeClr val="tx1"/>
+    </cs:fontRef>
+    <cs:spPr>
+      <a:ln w="9525" cap="flat" cmpd="sng" algn="ctr">
+        <a:solidFill>
+          <a:schemeClr val="tx1">
+            <a:lumMod val="35000"/>
+            <a:lumOff val="65000"/>
+          </a:schemeClr>
+        </a:solidFill>
+        <a:round/>
+      </a:ln>
+    </cs:spPr>
+  </cs:leaderLine>
+  <cs:legend>
+    <cs:lnRef idx="0"/>
+    <cs:fillRef idx="0"/>
+    <cs:effectRef idx="0"/>
+    <cs:fontRef idx="minor">
+      <a:schemeClr val="tx1">
+        <a:lumMod val="65000"/>
+        <a:lumOff val="35000"/>
+      </a:schemeClr>
+    </cs:fontRef>
+    <cs:defRPr sz="900" kern="1200"/>
+  </cs:legend>
+  <cs:plotArea mods="allowNoFillOverride allowNoLineOverride">
+    <cs:lnRef idx="0"/>
+    <cs:fillRef idx="0"/>
+    <cs:effectRef idx="0"/>
+    <cs:fontRef idx="minor">
+      <a:schemeClr val="tx1"/>
+    </cs:fontRef>
+  </cs:plotArea>
+  <cs:plotArea3D mods="allowNoFillOverride allowNoLineOverride">
+    <cs:lnRef idx="0"/>
+    <cs:fillRef idx="0"/>
+    <cs:effectRef idx="0"/>
+    <cs:fontRef idx="minor">
+      <a:schemeClr val="tx1"/>
+    </cs:fontRef>
+  </cs:plotArea3D>
+  <cs:seriesAxis>
+    <cs:lnRef idx="0"/>
+    <cs:fillRef idx="0"/>
+    <cs:effectRef idx="0"/>
+    <cs:fontRef idx="minor">
+      <a:schemeClr val="tx1">
+        <a:lumMod val="65000"/>
+        <a:lumOff val="35000"/>
+      </a:schemeClr>
+    </cs:fontRef>
+    <cs:defRPr sz="900" kern="1200"/>
+  </cs:seriesAxis>
+  <cs:seriesLine>
+    <cs:lnRef idx="0"/>
+    <cs:fillRef idx="0"/>
+    <cs:effectRef idx="0"/>
+    <cs:fontRef idx="minor">
+      <a:schemeClr val="tx1"/>
+    </cs:fontRef>
+    <cs:spPr>
+      <a:ln w="9525" cap="flat" cmpd="sng" algn="ctr">
+        <a:solidFill>
+          <a:schemeClr val="tx1">
+            <a:lumMod val="35000"/>
+            <a:lumOff val="65000"/>
+          </a:schemeClr>
+        </a:solidFill>
+        <a:round/>
+      </a:ln>
+    </cs:spPr>
+  </cs:seriesLine>
+  <cs:title>
+    <cs:lnRef idx="0"/>
+    <cs:fillRef idx="0"/>
+    <cs:effectRef idx="0"/>
+    <cs:fontRef idx="minor">
+      <a:schemeClr val="tx1">
+        <a:lumMod val="65000"/>
+        <a:lumOff val="35000"/>
+      </a:schemeClr>
+    </cs:fontRef>
+    <cs:defRPr sz="1400" b="0" kern="1200" spc="0" baseline="0"/>
+  </cs:title>
+  <cs:trendline>
+    <cs:lnRef idx="0">
+      <cs:styleClr val="auto"/>
+    </cs:lnRef>
+    <cs:fillRef idx="0"/>
+    <cs:effectRef idx="0"/>
+    <cs:fontRef idx="minor">
+      <a:schemeClr val="tx1"/>
+    </cs:fontRef>
+    <cs:spPr>
+      <a:ln w="19050" cap="rnd">
+        <a:solidFill>
+          <a:schemeClr val="phClr"/>
+        </a:solidFill>
+        <a:prstDash val="sysDot"/>
+      </a:ln>
+    </cs:spPr>
+  </cs:trendline>
+  <cs:trendlineLabel>
+    <cs:lnRef idx="0"/>
+    <cs:fillRef idx="0"/>
+    <cs:effectRef idx="0"/>
+    <cs:fontRef idx="minor">
+      <a:schemeClr val="tx1">
+        <a:lumMod val="65000"/>
+        <a:lumOff val="35000"/>
+      </a:schemeClr>
+    </cs:fontRef>
+    <cs:defRPr sz="900" kern="1200"/>
+  </cs:trendlineLabel>
+  <cs:upBar>
+    <cs:lnRef idx="0"/>
+    <cs:fillRef idx="0"/>
+    <cs:effectRef idx="0"/>
+    <cs:fontRef idx="minor">
+      <a:schemeClr val="tx1"/>
+    </cs:fontRef>
+    <cs:spPr>
+      <a:solidFill>
+        <a:schemeClr val="lt1"/>
+      </a:solidFill>
+      <a:ln w="9525" cap="flat" cmpd="sng" algn="ctr">
+        <a:solidFill>
+          <a:schemeClr val="tx1">
+            <a:lumMod val="65000"/>
+            <a:lumOff val="35000"/>
+          </a:schemeClr>
+        </a:solidFill>
+        <a:round/>
+      </a:ln>
+    </cs:spPr>
+  </cs:upBar>
+  <cs:valueAxis>
+    <cs:lnRef idx="0"/>
+    <cs:fillRef idx="0"/>
+    <cs:effectRef idx="0"/>
+    <cs:fontRef idx="minor">
+      <a:schemeClr val="tx1">
+        <a:lumMod val="65000"/>
+        <a:lumOff val="35000"/>
+      </a:schemeClr>
+    </cs:fontRef>
+    <cs:spPr>
+      <a:ln w="9525" cap="flat" cmpd="sng" algn="ctr">
+        <a:solidFill>
+          <a:schemeClr val="tx1">
+            <a:lumMod val="25000"/>
+            <a:lumOff val="75000"/>
+          </a:schemeClr>
+        </a:solidFill>
+        <a:round/>
+      </a:ln>
+    </cs:spPr>
+    <cs:defRPr sz="900" kern="1200"/>
+  </cs:valueAxis>
+  <cs:wall>
+    <cs:lnRef idx="0"/>
+    <cs:fillRef idx="0"/>
+    <cs:effectRef idx="0"/>
+    <cs:fontRef idx="minor">
+      <a:schemeClr val="tx1"/>
+    </cs:fontRef>
+    <cs:spPr>
+      <a:noFill/>
+      <a:ln>
+        <a:noFill/>
+      </a:ln>
+    </cs:spPr>
+  </cs:wall>
+</cs:chartStyle>
+</file>
+
+<file path=ppt/charts/style2.xml><?xml version="1.0" encoding="utf-8"?>
 <cs:chartStyle xmlns:cs="http://schemas.microsoft.com/office/drawing/2012/chartStyle" xmlns:a="http://schemas.openxmlformats.org/drawingml/2006/main" id="240">
   <cs:axisTitle>
     <cs:lnRef idx="0"/>
@@ -4166,14 +8422,14 @@
           <a:effectLst/>
           <a:extLst>
             <a:ext uri="{909E8E84-426E-40dd-AFC4-6F175D3DCCD1}">
-              <a14:hiddenFill xmlns:a14="http://schemas.microsoft.com/office/drawing/2010/main" xmlns="">
+              <a14:hiddenFill xmlns="" xmlns:a14="http://schemas.microsoft.com/office/drawing/2010/main">
                 <a:solidFill>
                   <a:schemeClr val="accent1"/>
                 </a:solidFill>
               </a14:hiddenFill>
             </a:ext>
             <a:ext uri="{91240B29-F687-4f45-9708-019B960494DF}">
-              <a14:hiddenLine xmlns:a14="http://schemas.microsoft.com/office/drawing/2010/main" xmlns="" w="9525">
+              <a14:hiddenLine xmlns="" xmlns:a14="http://schemas.microsoft.com/office/drawing/2010/main" w="9525">
                 <a:solidFill>
                   <a:schemeClr val="tx1"/>
                 </a:solidFill>
@@ -4183,7 +8439,7 @@
               </a14:hiddenLine>
             </a:ext>
             <a:ext uri="{AF507438-7753-43e0-B8FC-AC1667EBCBE1}">
-              <a14:hiddenEffects xmlns:a14="http://schemas.microsoft.com/office/drawing/2010/main" xmlns="">
+              <a14:hiddenEffects xmlns="" xmlns:a14="http://schemas.microsoft.com/office/drawing/2010/main">
                 <a:effectLst>
                   <a:outerShdw dist="35921" dir="2700000" algn="ctr" rotWithShape="0">
                     <a:schemeClr val="bg2"/>
@@ -4892,15 +9148,7 @@
                   <a:srgbClr val="FFFFFF"/>
                 </a:solidFill>
               </a:rPr>
-              <a:t>Mid-Semester Design </a:t>
-            </a:r>
-            <a:r>
-              <a:rPr lang="en-US" sz="1400" b="1" dirty="0" smtClean="0">
-                <a:solidFill>
-                  <a:srgbClr val="FFFFFF"/>
-                </a:solidFill>
-              </a:rPr>
-              <a:t>Presentation (2)</a:t>
+              <a:t>Mid-Semester Design Presentation (2)</a:t>
             </a:r>
             <a:endParaRPr lang="en-US" sz="1200" dirty="0">
               <a:solidFill>
@@ -5097,7 +9345,7 @@
           <a:noFill/>
           <a:extLst>
             <a:ext uri="{909E8E84-426E-40dd-AFC4-6F175D3DCCD1}">
-              <a14:hiddenFill xmlns:a14="http://schemas.microsoft.com/office/drawing/2010/main" xmlns="">
+              <a14:hiddenFill xmlns="" xmlns:a14="http://schemas.microsoft.com/office/drawing/2010/main">
                 <a:solidFill>
                   <a:srgbClr val="FFFFFF"/>
                 </a:solidFill>
@@ -5155,6 +9403,167 @@
           <a:p>
             <a:r>
               <a:rPr lang="en-US" dirty="0" smtClean="0"/>
+              <a:t>Plutonium SQ’s are somewhat high </a:t>
+            </a:r>
+            <a:endParaRPr lang="en-US" dirty="0"/>
+          </a:p>
+        </p:txBody>
+      </p:sp>
+      <p:pic>
+        <p:nvPicPr>
+          <p:cNvPr id="6" name="Content Placeholder 5" descr="PuSqPerAssembly.pdf"/>
+          <p:cNvPicPr>
+            <a:picLocks noGrp="1" noChangeAspect="1"/>
+          </p:cNvPicPr>
+          <p:nvPr>
+            <p:ph sz="half" idx="1"/>
+          </p:nvPr>
+        </p:nvPicPr>
+        <p:blipFill>
+          <a:blip r:embed="rId2">
+            <a:extLst>
+              <a:ext uri="{28A0092B-C50C-407E-A947-70E740481C1C}">
+                <a14:useLocalDpi xmlns:a14="http://schemas.microsoft.com/office/drawing/2010/main" val="0"/>
+              </a:ext>
+            </a:extLst>
+          </a:blip>
+          <a:srcRect t="-24712" b="-24712"/>
+          <a:stretch>
+            <a:fillRect/>
+          </a:stretch>
+        </p:blipFill>
+        <p:spPr/>
+      </p:pic>
+      <p:sp>
+        <p:nvSpPr>
+          <p:cNvPr id="5" name="Slide Number Placeholder 4"/>
+          <p:cNvSpPr>
+            <a:spLocks noGrp="1"/>
+          </p:cNvSpPr>
+          <p:nvPr>
+            <p:ph type="sldNum" sz="quarter" idx="12"/>
+          </p:nvPr>
+        </p:nvSpPr>
+        <p:spPr/>
+        <p:txBody>
+          <a:bodyPr/>
+          <a:lstStyle/>
+          <a:p>
+            <a:pPr>
+              <a:defRPr/>
+            </a:pPr>
+            <a:fld id="{56039845-206E-4D43-9E5F-DD43C0647861}" type="slidenum">
+              <a:rPr lang="en-US" smtClean="0"/>
+              <a:pPr>
+                <a:defRPr/>
+              </a:pPr>
+              <a:t>10</a:t>
+            </a:fld>
+            <a:endParaRPr lang="en-US" dirty="0"/>
+          </a:p>
+        </p:txBody>
+      </p:sp>
+      <p:pic>
+        <p:nvPicPr>
+          <p:cNvPr id="13" name="Content Placeholder 12" descr="ElementsFor1Sq.pdf"/>
+          <p:cNvPicPr>
+            <a:picLocks noGrp="1" noChangeAspect="1"/>
+          </p:cNvPicPr>
+          <p:nvPr>
+            <p:ph sz="half" idx="2"/>
+          </p:nvPr>
+        </p:nvPicPr>
+        <p:blipFill>
+          <a:blip r:embed="rId3">
+            <a:extLst>
+              <a:ext uri="{28A0092B-C50C-407E-A947-70E740481C1C}">
+                <a14:useLocalDpi xmlns:a14="http://schemas.microsoft.com/office/drawing/2010/main" val="0"/>
+              </a:ext>
+            </a:extLst>
+          </a:blip>
+          <a:srcRect t="-24712" b="-24712"/>
+          <a:stretch>
+            <a:fillRect/>
+          </a:stretch>
+        </p:blipFill>
+        <p:spPr/>
+      </p:pic>
+      <p:sp>
+        <p:nvSpPr>
+          <p:cNvPr id="16" name="TextBox 15"/>
+          <p:cNvSpPr txBox="1"/>
+          <p:nvPr/>
+        </p:nvSpPr>
+        <p:spPr>
+          <a:xfrm>
+            <a:off x="5410200" y="1752600"/>
+            <a:ext cx="2599197" cy="646331"/>
+          </a:xfrm>
+          <a:prstGeom prst="rect">
+            <a:avLst/>
+          </a:prstGeom>
+          <a:noFill/>
+        </p:spPr>
+        <p:txBody>
+          <a:bodyPr wrap="square" rtlCol="0">
+            <a:spAutoFit/>
+          </a:bodyPr>
+          <a:lstStyle/>
+          <a:p>
+            <a:r>
+              <a:rPr lang="en-US" dirty="0" smtClean="0"/>
+              <a:t>How many elements do you need for 1 SQ?</a:t>
+            </a:r>
+          </a:p>
+        </p:txBody>
+      </p:sp>
+    </p:spTree>
+    <p:extLst>
+      <p:ext uri="{BB962C8B-B14F-4D97-AF65-F5344CB8AC3E}">
+        <p14:creationId xmlns:p14="http://schemas.microsoft.com/office/powerpoint/2010/main" val="2747288747"/>
+      </p:ext>
+    </p:extLst>
+  </p:cSld>
+  <p:clrMapOvr>
+    <a:masterClrMapping/>
+  </p:clrMapOvr>
+</p:sld>
+</file>
+
+<file path=ppt/slides/slide11.xml><?xml version="1.0" encoding="utf-8"?>
+<p:sld xmlns:a="http://schemas.openxmlformats.org/drawingml/2006/main" xmlns:r="http://schemas.openxmlformats.org/officeDocument/2006/relationships" xmlns:p="http://schemas.openxmlformats.org/presentationml/2006/main">
+  <p:cSld>
+    <p:spTree>
+      <p:nvGrpSpPr>
+        <p:cNvPr id="1" name=""/>
+        <p:cNvGrpSpPr/>
+        <p:nvPr/>
+      </p:nvGrpSpPr>
+      <p:grpSpPr>
+        <a:xfrm>
+          <a:off x="0" y="0"/>
+          <a:ext cx="0" cy="0"/>
+          <a:chOff x="0" y="0"/>
+          <a:chExt cx="0" cy="0"/>
+        </a:xfrm>
+      </p:grpSpPr>
+      <p:sp>
+        <p:nvSpPr>
+          <p:cNvPr id="2" name="Title 1"/>
+          <p:cNvSpPr>
+            <a:spLocks noGrp="1"/>
+          </p:cNvSpPr>
+          <p:nvPr>
+            <p:ph type="title"/>
+          </p:nvPr>
+        </p:nvSpPr>
+        <p:spPr/>
+        <p:txBody>
+          <a:bodyPr/>
+          <a:lstStyle/>
+          <a:p>
+            <a:r>
+              <a:rPr lang="en-US" dirty="0" smtClean="0"/>
               <a:t>Uranium Quantities</a:t>
             </a:r>
             <a:br>
@@ -5191,7 +9600,7 @@
               <a:pPr>
                 <a:defRPr/>
               </a:pPr>
-              <a:t>10</a:t>
+              <a:t>11</a:t>
             </a:fld>
             <a:endParaRPr lang="en-US" dirty="0"/>
           </a:p>
@@ -5260,7 +9669,7 @@
 </p:sld>
 </file>
 
-<file path=ppt/slides/slide11.xml><?xml version="1.0" encoding="utf-8"?>
+<file path=ppt/slides/slide12.xml><?xml version="1.0" encoding="utf-8"?>
 <p:sld xmlns:a="http://schemas.openxmlformats.org/drawingml/2006/main" xmlns:r="http://schemas.openxmlformats.org/officeDocument/2006/relationships" xmlns:p="http://schemas.openxmlformats.org/presentationml/2006/main">
   <p:cSld>
     <p:spTree>
@@ -5373,7 +9782,7 @@
               <a:pPr>
                 <a:defRPr/>
               </a:pPr>
-              <a:t>11</a:t>
+              <a:t>12</a:t>
             </a:fld>
             <a:endParaRPr lang="en-US" dirty="0"/>
           </a:p>
@@ -5383,137 +9792,6 @@
     <p:extLst>
       <p:ext uri="{BB962C8B-B14F-4D97-AF65-F5344CB8AC3E}">
         <p14:creationId xmlns:p14="http://schemas.microsoft.com/office/powerpoint/2010/main" val="388618283"/>
-      </p:ext>
-    </p:extLst>
-  </p:cSld>
-  <p:clrMapOvr>
-    <a:masterClrMapping/>
-  </p:clrMapOvr>
-</p:sld>
-</file>
-
-<file path=ppt/slides/slide12.xml><?xml version="1.0" encoding="utf-8"?>
-<p:sld xmlns:a="http://schemas.openxmlformats.org/drawingml/2006/main" xmlns:r="http://schemas.openxmlformats.org/officeDocument/2006/relationships" xmlns:p="http://schemas.openxmlformats.org/presentationml/2006/main">
-  <p:cSld>
-    <p:spTree>
-      <p:nvGrpSpPr>
-        <p:cNvPr id="1" name=""/>
-        <p:cNvGrpSpPr/>
-        <p:nvPr/>
-      </p:nvGrpSpPr>
-      <p:grpSpPr>
-        <a:xfrm>
-          <a:off x="0" y="0"/>
-          <a:ext cx="0" cy="0"/>
-          <a:chOff x="0" y="0"/>
-          <a:chExt cx="0" cy="0"/>
-        </a:xfrm>
-      </p:grpSpPr>
-      <p:sp>
-        <p:nvSpPr>
-          <p:cNvPr id="2" name="Title 1"/>
-          <p:cNvSpPr>
-            <a:spLocks noGrp="1"/>
-          </p:cNvSpPr>
-          <p:nvPr>
-            <p:ph type="title"/>
-          </p:nvPr>
-        </p:nvSpPr>
-        <p:spPr/>
-        <p:txBody>
-          <a:bodyPr/>
-          <a:lstStyle/>
-          <a:p>
-            <a:r>
-              <a:rPr lang="en-US" dirty="0" smtClean="0"/>
-              <a:t>What’s next?</a:t>
-            </a:r>
-            <a:endParaRPr lang="en-US" dirty="0"/>
-          </a:p>
-        </p:txBody>
-      </p:sp>
-      <p:sp>
-        <p:nvSpPr>
-          <p:cNvPr id="6" name="Content Placeholder 5"/>
-          <p:cNvSpPr>
-            <a:spLocks noGrp="1"/>
-          </p:cNvSpPr>
-          <p:nvPr>
-            <p:ph idx="1"/>
-          </p:nvPr>
-        </p:nvSpPr>
-        <p:spPr/>
-        <p:txBody>
-          <a:bodyPr/>
-          <a:lstStyle/>
-          <a:p>
-            <a:r>
-              <a:rPr lang="en-US" dirty="0" smtClean="0"/>
-              <a:t>Perform analysis on version 6 of our core</a:t>
-            </a:r>
-          </a:p>
-          <a:p>
-            <a:pPr lvl="1"/>
-            <a:r>
-              <a:rPr lang="en-US" dirty="0" smtClean="0"/>
-              <a:t>Currently running a depletion simulation on cluster</a:t>
-            </a:r>
-          </a:p>
-          <a:p>
-            <a:r>
-              <a:rPr lang="en-US" dirty="0" smtClean="0"/>
-              <a:t>Run a depletion simulation using smaller time intervals</a:t>
-            </a:r>
-          </a:p>
-          <a:p>
-            <a:pPr lvl="1"/>
-            <a:r>
-              <a:rPr lang="en-US" dirty="0" smtClean="0"/>
-              <a:t>Currently using 1 year intervals, which is pretty large</a:t>
-            </a:r>
-            <a:endParaRPr lang="en-US" dirty="0"/>
-          </a:p>
-          <a:p>
-            <a:r>
-              <a:rPr lang="en-US" dirty="0" smtClean="0"/>
-              <a:t>Possibly look into the activities of the burned fuel</a:t>
-            </a:r>
-          </a:p>
-        </p:txBody>
-      </p:sp>
-      <p:sp>
-        <p:nvSpPr>
-          <p:cNvPr id="5" name="Slide Number Placeholder 4"/>
-          <p:cNvSpPr>
-            <a:spLocks noGrp="1"/>
-          </p:cNvSpPr>
-          <p:nvPr>
-            <p:ph type="sldNum" sz="quarter" idx="10"/>
-          </p:nvPr>
-        </p:nvSpPr>
-        <p:spPr/>
-        <p:txBody>
-          <a:bodyPr/>
-          <a:lstStyle/>
-          <a:p>
-            <a:pPr>
-              <a:defRPr/>
-            </a:pPr>
-            <a:fld id="{56039845-206E-4D43-9E5F-DD43C0647861}" type="slidenum">
-              <a:rPr lang="en-US" smtClean="0"/>
-              <a:pPr>
-                <a:defRPr/>
-              </a:pPr>
-              <a:t>12</a:t>
-            </a:fld>
-            <a:endParaRPr lang="en-US" dirty="0"/>
-          </a:p>
-        </p:txBody>
-      </p:sp>
-    </p:spTree>
-    <p:extLst>
-      <p:ext uri="{BB962C8B-B14F-4D97-AF65-F5344CB8AC3E}">
-        <p14:creationId xmlns:p14="http://schemas.microsoft.com/office/powerpoint/2010/main" val="191885519"/>
       </p:ext>
     </p:extLst>
   </p:cSld>
@@ -5557,7 +9835,7 @@
           <a:p>
             <a:r>
               <a:rPr lang="en-US" dirty="0" smtClean="0"/>
-              <a:t>Core Geometry</a:t>
+              <a:t>What’s next?</a:t>
             </a:r>
             <a:endParaRPr lang="en-US" dirty="0"/>
           </a:p>
@@ -5565,7 +9843,7 @@
       </p:sp>
       <p:sp>
         <p:nvSpPr>
-          <p:cNvPr id="3" name="Content Placeholder 2"/>
+          <p:cNvPr id="6" name="Content Placeholder 5"/>
           <p:cNvSpPr>
             <a:spLocks noGrp="1"/>
           </p:cNvSpPr>
@@ -5579,91 +9857,42 @@
           <a:lstStyle/>
           <a:p>
             <a:r>
-              <a:rPr lang="en-US" sz="2800" dirty="0" smtClean="0"/>
-              <a:t>Fuel Plates</a:t>
+              <a:rPr lang="en-US" dirty="0" smtClean="0"/>
+              <a:t>Perform analysis on version 6 of our core</a:t>
             </a:r>
           </a:p>
           <a:p>
             <a:pPr lvl="1"/>
             <a:r>
-              <a:rPr lang="en-US" sz="2400" dirty="0" smtClean="0"/>
-              <a:t>Thermally Decouple </a:t>
+              <a:rPr lang="en-US" dirty="0" smtClean="0"/>
+              <a:t>Currently running a depletion simulation on cluster</a:t>
             </a:r>
+          </a:p>
+          <a:p>
             <a:r>
-              <a:rPr lang="en-US" sz="2400" dirty="0" err="1"/>
-              <a:t>S</a:t>
+              <a:rPr lang="en-US" dirty="0" smtClean="0"/>
+              <a:t>Run a depletion simulation using smaller time intervals</a:t>
             </a:r>
-            <a:r>
-              <a:rPr lang="en-US" sz="2400" dirty="0" err="1" smtClean="0"/>
-              <a:t>ubchannels</a:t>
-            </a:r>
-            <a:endParaRPr lang="en-US" sz="2400" dirty="0" smtClean="0"/>
           </a:p>
           <a:p>
             <a:pPr lvl="1"/>
             <a:r>
-              <a:rPr lang="en-US" sz="2400" dirty="0" smtClean="0"/>
-              <a:t>Higher Accident Tolerance</a:t>
+              <a:rPr lang="en-US" dirty="0" smtClean="0"/>
+              <a:t>Currently using 1 year intervals, which is pretty large</a:t>
             </a:r>
-          </a:p>
-          <a:p>
-            <a:pPr lvl="1"/>
+            <a:endParaRPr lang="en-US" dirty="0"/>
+          </a:p>
+          <a:p>
             <a:r>
-              <a:rPr lang="en-US" sz="2400" dirty="0" smtClean="0"/>
-              <a:t>Equal, Consistent Cooling</a:t>
+              <a:rPr lang="en-US" dirty="0" smtClean="0"/>
+              <a:t>Possibly look into the activities of the burned fuel</a:t>
             </a:r>
-          </a:p>
-          <a:p>
-            <a:pPr lvl="1"/>
-            <a:r>
-              <a:rPr lang="en-US" sz="2400" dirty="0" smtClean="0"/>
-              <a:t>Higher Surface Area to Fuel Mass</a:t>
-            </a:r>
-          </a:p>
-          <a:p>
-            <a:pPr lvl="1"/>
-            <a:r>
-              <a:rPr lang="en-US" sz="2400" dirty="0" smtClean="0"/>
-              <a:t>Flat Temperature Gradients</a:t>
-            </a:r>
-          </a:p>
-          <a:p>
-            <a:r>
-              <a:rPr lang="en-US" sz="2800" dirty="0" smtClean="0"/>
-              <a:t>He Coolant</a:t>
-            </a:r>
-          </a:p>
-          <a:p>
-            <a:pPr lvl="1"/>
-            <a:r>
-              <a:rPr lang="en-US" sz="2400" dirty="0"/>
-              <a:t>Hot Channels Naturally Cool </a:t>
-            </a:r>
-            <a:r>
-              <a:rPr lang="en-US" sz="2400" dirty="0" smtClean="0"/>
-              <a:t>Better</a:t>
-            </a:r>
-          </a:p>
-          <a:p>
-            <a:pPr lvl="1"/>
-            <a:r>
-              <a:rPr lang="en-US" sz="2400" dirty="0" smtClean="0"/>
-              <a:t>Non-Corrosive</a:t>
-            </a:r>
-          </a:p>
-          <a:p>
-            <a:pPr lvl="1"/>
-            <a:endParaRPr lang="en-US" sz="2400" dirty="0"/>
-          </a:p>
-          <a:p>
-            <a:pPr lvl="1"/>
-            <a:endParaRPr lang="en-US" dirty="0"/>
           </a:p>
         </p:txBody>
       </p:sp>
       <p:sp>
         <p:nvSpPr>
-          <p:cNvPr id="4" name="Slide Number Placeholder 3"/>
+          <p:cNvPr id="5" name="Slide Number Placeholder 4"/>
           <p:cNvSpPr>
             <a:spLocks noGrp="1"/>
           </p:cNvSpPr>
@@ -5679,7 +9908,7 @@
             <a:pPr>
               <a:defRPr/>
             </a:pPr>
-            <a:fld id="{639E97B8-4532-408E-A5F7-ACF05B64D361}" type="slidenum">
+            <a:fld id="{56039845-206E-4D43-9E5F-DD43C0647861}" type="slidenum">
               <a:rPr lang="en-US" smtClean="0"/>
               <a:pPr>
                 <a:defRPr/>
@@ -5693,7 +9922,7 @@
     </p:spTree>
     <p:extLst>
       <p:ext uri="{BB962C8B-B14F-4D97-AF65-F5344CB8AC3E}">
-        <p14:creationId xmlns:p14="http://schemas.microsoft.com/office/powerpoint/2010/main" val="181880007"/>
+        <p14:creationId xmlns:p14="http://schemas.microsoft.com/office/powerpoint/2010/main" val="191885519"/>
       </p:ext>
     </p:extLst>
   </p:cSld>
@@ -5737,7 +9966,7 @@
           <a:p>
             <a:r>
               <a:rPr lang="en-US" dirty="0" smtClean="0"/>
-              <a:t>Core TH Specs</a:t>
+              <a:t>Core Geometry</a:t>
             </a:r>
             <a:endParaRPr lang="en-US" dirty="0"/>
           </a:p>
@@ -5759,84 +9988,85 @@
           <a:lstStyle/>
           <a:p>
             <a:r>
-              <a:rPr lang="en-US" sz="2400" dirty="0" smtClean="0"/>
-              <a:t>Final Channel Dimensions</a:t>
+              <a:rPr lang="en-US" sz="2800" dirty="0" smtClean="0"/>
+              <a:t>Fuel Plates</a:t>
             </a:r>
           </a:p>
           <a:p>
             <a:pPr lvl="1"/>
             <a:r>
-              <a:rPr lang="en-US" sz="2000" dirty="0" smtClean="0"/>
-              <a:t>Fuel Width: 1 cm</a:t>
+              <a:rPr lang="en-US" sz="2400" dirty="0" smtClean="0"/>
+              <a:t>Thermally Decouple </a:t>
             </a:r>
+            <a:r>
+              <a:rPr lang="en-US" sz="2400" dirty="0" err="1"/>
+              <a:t>S</a:t>
+            </a:r>
+            <a:r>
+              <a:rPr lang="en-US" sz="2400" dirty="0" err="1" smtClean="0"/>
+              <a:t>ubchannels</a:t>
+            </a:r>
+            <a:endParaRPr lang="en-US" sz="2400" dirty="0" smtClean="0"/>
           </a:p>
           <a:p>
             <a:pPr lvl="1"/>
             <a:r>
-              <a:rPr lang="en-US" sz="2000" dirty="0" smtClean="0"/>
-              <a:t>Clad Thickness: 1.1 mm</a:t>
+              <a:rPr lang="en-US" sz="2400" dirty="0" smtClean="0"/>
+              <a:t>Higher Accident Tolerance</a:t>
             </a:r>
           </a:p>
           <a:p>
             <a:pPr lvl="1"/>
             <a:r>
-              <a:rPr lang="en-US" sz="2000" dirty="0" smtClean="0"/>
-              <a:t>Channel Thickness: 3.5 mm</a:t>
+              <a:rPr lang="en-US" sz="2400" dirty="0" smtClean="0"/>
+              <a:t>Equal, Consistent Cooling</a:t>
             </a:r>
           </a:p>
           <a:p>
             <a:pPr lvl="1"/>
             <a:r>
-              <a:rPr lang="en-US" sz="2000" dirty="0" smtClean="0"/>
-              <a:t>Fuel/Coolant Ratio: 2.857</a:t>
+              <a:rPr lang="en-US" sz="2400" dirty="0" smtClean="0"/>
+              <a:t>Higher Surface Area to Fuel Mass</a:t>
             </a:r>
           </a:p>
           <a:p>
             <a:pPr lvl="1"/>
-            <a:endParaRPr lang="en-US" sz="2000" dirty="0"/>
-          </a:p>
-          <a:p>
             <a:r>
               <a:rPr lang="en-US" sz="2400" dirty="0" smtClean="0"/>
-              <a:t>Core Specs</a:t>
+              <a:t>Flat Temperature Gradients</a:t>
+            </a:r>
+          </a:p>
+          <a:p>
+            <a:r>
+              <a:rPr lang="en-US" sz="2800" dirty="0" smtClean="0"/>
+              <a:t>He Coolant</a:t>
             </a:r>
           </a:p>
           <a:p>
             <a:pPr lvl="1"/>
             <a:r>
-              <a:rPr lang="en-US" sz="2000" dirty="0" smtClean="0"/>
-              <a:t>Pressure: 15 MPa</a:t>
+              <a:rPr lang="en-US" sz="2400" dirty="0"/>
+              <a:t>Hot Channels Naturally Cool </a:t>
+            </a:r>
+            <a:r>
+              <a:rPr lang="en-US" sz="2400" dirty="0" smtClean="0"/>
+              <a:t>Better</a:t>
             </a:r>
           </a:p>
           <a:p>
             <a:pPr lvl="1"/>
             <a:r>
-              <a:rPr lang="en-US" sz="2000" dirty="0" smtClean="0"/>
-              <a:t>Pressure Drop: ~1 MPa</a:t>
+              <a:rPr lang="en-US" sz="2400" dirty="0" smtClean="0"/>
+              <a:t>Non-Corrosive</a:t>
             </a:r>
           </a:p>
           <a:p>
             <a:pPr lvl="1"/>
-            <a:r>
-              <a:rPr lang="en-US" sz="2000" dirty="0" smtClean="0"/>
-              <a:t>Single Channel Mass Flow Rate: 0.2 kg/s</a:t>
-            </a:r>
+            <a:endParaRPr lang="en-US" sz="2400" dirty="0"/>
           </a:p>
           <a:p>
             <a:pPr lvl="1"/>
-            <a:r>
-              <a:rPr lang="en-US" sz="2000" dirty="0" smtClean="0"/>
-              <a:t>Power: 623 </a:t>
-            </a:r>
-            <a:r>
-              <a:rPr lang="en-US" sz="2000" dirty="0" err="1" smtClean="0"/>
-              <a:t>MWth</a:t>
-            </a:r>
-            <a:endParaRPr lang="en-US" sz="2000" dirty="0" smtClean="0"/>
-          </a:p>
-          <a:p>
-            <a:pPr lvl="1"/>
-            <a:endParaRPr lang="en-US" dirty="0" smtClean="0"/>
+            <a:endParaRPr lang="en-US" dirty="0"/>
           </a:p>
         </p:txBody>
       </p:sp>
@@ -5869,12 +10099,191 @@
           </a:p>
         </p:txBody>
       </p:sp>
+    </p:spTree>
+    <p:extLst>
+      <p:ext uri="{BB962C8B-B14F-4D97-AF65-F5344CB8AC3E}">
+        <p14:creationId xmlns:p14="http://schemas.microsoft.com/office/powerpoint/2010/main" val="181880007"/>
+      </p:ext>
+    </p:extLst>
+  </p:cSld>
+  <p:clrMapOvr>
+    <a:masterClrMapping/>
+  </p:clrMapOvr>
+</p:sld>
+</file>
+
+<file path=ppt/slides/slide15.xml><?xml version="1.0" encoding="utf-8"?>
+<p:sld xmlns:a="http://schemas.openxmlformats.org/drawingml/2006/main" xmlns:r="http://schemas.openxmlformats.org/officeDocument/2006/relationships" xmlns:p="http://schemas.openxmlformats.org/presentationml/2006/main">
+  <p:cSld>
+    <p:spTree>
+      <p:nvGrpSpPr>
+        <p:cNvPr id="1" name=""/>
+        <p:cNvGrpSpPr/>
+        <p:nvPr/>
+      </p:nvGrpSpPr>
+      <p:grpSpPr>
+        <a:xfrm>
+          <a:off x="0" y="0"/>
+          <a:ext cx="0" cy="0"/>
+          <a:chOff x="0" y="0"/>
+          <a:chExt cx="0" cy="0"/>
+        </a:xfrm>
+      </p:grpSpPr>
+      <p:sp>
+        <p:nvSpPr>
+          <p:cNvPr id="2" name="Title 1"/>
+          <p:cNvSpPr>
+            <a:spLocks noGrp="1"/>
+          </p:cNvSpPr>
+          <p:nvPr>
+            <p:ph type="title"/>
+          </p:nvPr>
+        </p:nvSpPr>
+        <p:spPr/>
+        <p:txBody>
+          <a:bodyPr/>
+          <a:lstStyle/>
+          <a:p>
+            <a:r>
+              <a:rPr lang="en-US" dirty="0" smtClean="0"/>
+              <a:t>Core TH Specs</a:t>
+            </a:r>
+            <a:endParaRPr lang="en-US" dirty="0"/>
+          </a:p>
+        </p:txBody>
+      </p:sp>
+      <p:sp>
+        <p:nvSpPr>
+          <p:cNvPr id="3" name="Content Placeholder 2"/>
+          <p:cNvSpPr>
+            <a:spLocks noGrp="1"/>
+          </p:cNvSpPr>
+          <p:nvPr>
+            <p:ph idx="1"/>
+          </p:nvPr>
+        </p:nvSpPr>
+        <p:spPr/>
+        <p:txBody>
+          <a:bodyPr/>
+          <a:lstStyle/>
+          <a:p>
+            <a:r>
+              <a:rPr lang="en-US" sz="2400" dirty="0" smtClean="0"/>
+              <a:t>Final Channel Dimensions</a:t>
+            </a:r>
+          </a:p>
+          <a:p>
+            <a:pPr lvl="1"/>
+            <a:r>
+              <a:rPr lang="en-US" sz="2000" dirty="0" smtClean="0"/>
+              <a:t>Fuel Width: 1 cm</a:t>
+            </a:r>
+          </a:p>
+          <a:p>
+            <a:pPr lvl="1"/>
+            <a:r>
+              <a:rPr lang="en-US" sz="2000" dirty="0" smtClean="0"/>
+              <a:t>Clad Thickness: 1.1 mm</a:t>
+            </a:r>
+          </a:p>
+          <a:p>
+            <a:pPr lvl="1"/>
+            <a:r>
+              <a:rPr lang="en-US" sz="2000" dirty="0" smtClean="0"/>
+              <a:t>Channel Thickness: 3.5 mm</a:t>
+            </a:r>
+          </a:p>
+          <a:p>
+            <a:pPr lvl="1"/>
+            <a:r>
+              <a:rPr lang="en-US" sz="2000" dirty="0" smtClean="0"/>
+              <a:t>Fuel/Coolant Ratio: 2.857</a:t>
+            </a:r>
+          </a:p>
+          <a:p>
+            <a:pPr lvl="1"/>
+            <a:endParaRPr lang="en-US" sz="2000" dirty="0"/>
+          </a:p>
+          <a:p>
+            <a:r>
+              <a:rPr lang="en-US" sz="2400" dirty="0" smtClean="0"/>
+              <a:t>Core Specs</a:t>
+            </a:r>
+          </a:p>
+          <a:p>
+            <a:pPr lvl="1"/>
+            <a:r>
+              <a:rPr lang="en-US" sz="2000" dirty="0" smtClean="0"/>
+              <a:t>Pressure: 15 MPa</a:t>
+            </a:r>
+          </a:p>
+          <a:p>
+            <a:pPr lvl="1"/>
+            <a:r>
+              <a:rPr lang="en-US" sz="2000" dirty="0" smtClean="0"/>
+              <a:t>Pressure Drop: ~1 MPa</a:t>
+            </a:r>
+          </a:p>
+          <a:p>
+            <a:pPr lvl="1"/>
+            <a:r>
+              <a:rPr lang="en-US" sz="2000" dirty="0" smtClean="0"/>
+              <a:t>Single Channel Mass Flow Rate: 0.2 kg/s</a:t>
+            </a:r>
+          </a:p>
+          <a:p>
+            <a:pPr lvl="1"/>
+            <a:r>
+              <a:rPr lang="en-US" sz="2000" dirty="0" smtClean="0"/>
+              <a:t>Power: 623 </a:t>
+            </a:r>
+            <a:r>
+              <a:rPr lang="en-US" sz="2000" dirty="0" err="1" smtClean="0"/>
+              <a:t>MWth</a:t>
+            </a:r>
+            <a:endParaRPr lang="en-US" sz="2000" dirty="0" smtClean="0"/>
+          </a:p>
+          <a:p>
+            <a:pPr lvl="1"/>
+            <a:endParaRPr lang="en-US" dirty="0" smtClean="0"/>
+          </a:p>
+        </p:txBody>
+      </p:sp>
+      <p:sp>
+        <p:nvSpPr>
+          <p:cNvPr id="4" name="Slide Number Placeholder 3"/>
+          <p:cNvSpPr>
+            <a:spLocks noGrp="1"/>
+          </p:cNvSpPr>
+          <p:nvPr>
+            <p:ph type="sldNum" sz="quarter" idx="10"/>
+          </p:nvPr>
+        </p:nvSpPr>
+        <p:spPr/>
+        <p:txBody>
+          <a:bodyPr/>
+          <a:lstStyle/>
+          <a:p>
+            <a:pPr>
+              <a:defRPr/>
+            </a:pPr>
+            <a:fld id="{639E97B8-4532-408E-A5F7-ACF05B64D361}" type="slidenum">
+              <a:rPr lang="en-US" smtClean="0"/>
+              <a:pPr>
+                <a:defRPr/>
+              </a:pPr>
+              <a:t>15</a:t>
+            </a:fld>
+            <a:endParaRPr lang="en-US" dirty="0"/>
+          </a:p>
+        </p:txBody>
+      </p:sp>
       <p:graphicFrame>
         <p:nvGraphicFramePr>
           <p:cNvPr id="5" name="Chart 4">
             <a:extLst>
               <a:ext uri="{FF2B5EF4-FFF2-40B4-BE49-F238E27FC236}">
-                <a16:creationId xmlns="" xmlns:xdr="http://schemas.openxmlformats.org/drawingml/2006/spreadsheetDrawing" xmlns:a16="http://schemas.microsoft.com/office/drawing/2014/main" xmlns:lc="http://schemas.openxmlformats.org/drawingml/2006/lockedCanvas" id="{00000000-0008-0000-0100-000003000000}"/>
+                <a16:creationId xmlns:a16="http://schemas.microsoft.com/office/drawing/2014/main" id="{00000000-0008-0000-0100-000003000000}"/>
               </a:ext>
             </a:extLst>
           </p:cNvPr>
@@ -6055,7 +10464,7 @@
 </p:sld>
 </file>
 
-<file path=ppt/slides/slide15.xml><?xml version="1.0" encoding="utf-8"?>
+<file path=ppt/slides/slide16.xml><?xml version="1.0" encoding="utf-8"?>
 <p:sld xmlns:a="http://schemas.openxmlformats.org/drawingml/2006/main" xmlns:r="http://schemas.openxmlformats.org/officeDocument/2006/relationships" xmlns:p="http://schemas.openxmlformats.org/presentationml/2006/main">
   <p:cSld>
     <p:spTree>
@@ -6146,7 +10555,7 @@
               <a:pPr>
                 <a:defRPr/>
               </a:pPr>
-              <a:t>15</a:t>
+              <a:t>16</a:t>
             </a:fld>
             <a:endParaRPr lang="en-US" dirty="0"/>
           </a:p>
@@ -7232,7 +11641,7 @@
 </p:sld>
 </file>
 
-<file path=ppt/slides/slide16.xml><?xml version="1.0" encoding="utf-8"?>
+<file path=ppt/slides/slide17.xml><?xml version="1.0" encoding="utf-8"?>
 <p:sld xmlns:a="http://schemas.openxmlformats.org/drawingml/2006/main" xmlns:r="http://schemas.openxmlformats.org/officeDocument/2006/relationships" xmlns:p="http://schemas.openxmlformats.org/presentationml/2006/main">
   <p:cSld>
     <p:spTree>
@@ -7380,7 +11789,7 @@
               <a:pPr>
                 <a:defRPr/>
               </a:pPr>
-              <a:t>16</a:t>
+              <a:t>17</a:t>
             </a:fld>
             <a:endParaRPr lang="en-US" dirty="0"/>
           </a:p>
@@ -7564,7 +11973,7 @@
 </p:sld>
 </file>
 
-<file path=ppt/slides/slide17.xml><?xml version="1.0" encoding="utf-8"?>
+<file path=ppt/slides/slide18.xml><?xml version="1.0" encoding="utf-8"?>
 <p:sld xmlns:a="http://schemas.openxmlformats.org/drawingml/2006/main" xmlns:r="http://schemas.openxmlformats.org/officeDocument/2006/relationships" xmlns:p="http://schemas.openxmlformats.org/presentationml/2006/main">
   <p:cSld>
     <p:spTree>
@@ -8678,7 +13087,7 @@
               <a:pPr>
                 <a:defRPr/>
               </a:pPr>
-              <a:t>17</a:t>
+              <a:t>18</a:t>
             </a:fld>
             <a:endParaRPr lang="en-US" dirty="0"/>
           </a:p>
@@ -9211,7 +13620,7 @@
 </p:sld>
 </file>
 
-<file path=ppt/slides/slide18.xml><?xml version="1.0" encoding="utf-8"?>
+<file path=ppt/slides/slide19.xml><?xml version="1.0" encoding="utf-8"?>
 <p:sld xmlns:a="http://schemas.openxmlformats.org/drawingml/2006/main" xmlns:r="http://schemas.openxmlformats.org/officeDocument/2006/relationships" xmlns:p="http://schemas.openxmlformats.org/presentationml/2006/main">
   <p:cSld>
     <p:spTree>
@@ -9273,7 +13682,7 @@
               <a:pPr>
                 <a:defRPr/>
               </a:pPr>
-              <a:t>18</a:t>
+              <a:t>19</a:t>
             </a:fld>
             <a:endParaRPr lang="en-US" dirty="0"/>
           </a:p>
@@ -9991,7 +14400,140 @@
 </p:sld>
 </file>
 
-<file path=ppt/slides/slide19.xml><?xml version="1.0" encoding="utf-8"?>
+<file path=ppt/slides/slide2.xml><?xml version="1.0" encoding="utf-8"?>
+<p:sld xmlns:a="http://schemas.openxmlformats.org/drawingml/2006/main" xmlns:r="http://schemas.openxmlformats.org/officeDocument/2006/relationships" xmlns:p="http://schemas.openxmlformats.org/presentationml/2006/main">
+  <p:cSld>
+    <p:spTree>
+      <p:nvGrpSpPr>
+        <p:cNvPr id="1" name=""/>
+        <p:cNvGrpSpPr/>
+        <p:nvPr/>
+      </p:nvGrpSpPr>
+      <p:grpSpPr>
+        <a:xfrm>
+          <a:off x="0" y="0"/>
+          <a:ext cx="0" cy="0"/>
+          <a:chOff x="0" y="0"/>
+          <a:chExt cx="0" cy="0"/>
+        </a:xfrm>
+      </p:grpSpPr>
+      <p:sp>
+        <p:nvSpPr>
+          <p:cNvPr id="5" name="Title 4"/>
+          <p:cNvSpPr>
+            <a:spLocks noGrp="1"/>
+          </p:cNvSpPr>
+          <p:nvPr>
+            <p:ph type="title"/>
+          </p:nvPr>
+        </p:nvSpPr>
+        <p:spPr/>
+        <p:txBody>
+          <a:bodyPr/>
+          <a:lstStyle/>
+          <a:p>
+            <a:r>
+              <a:rPr lang="en-US" dirty="0" smtClean="0"/>
+              <a:t>Version 1 Core</a:t>
+            </a:r>
+            <a:endParaRPr lang="en-US" dirty="0"/>
+          </a:p>
+        </p:txBody>
+      </p:sp>
+      <p:pic>
+        <p:nvPicPr>
+          <p:cNvPr id="10" name="Content Placeholder 9"/>
+          <p:cNvPicPr>
+            <a:picLocks noGrp="1" noChangeAspect="1"/>
+          </p:cNvPicPr>
+          <p:nvPr>
+            <p:ph sz="half" idx="2"/>
+          </p:nvPr>
+        </p:nvPicPr>
+        <p:blipFill rotWithShape="1">
+          <a:blip r:embed="rId2"/>
+          <a:srcRect l="1887" r="1887" b="4091"/>
+          <a:stretch/>
+        </p:blipFill>
+        <p:spPr>
+          <a:xfrm>
+            <a:off x="4724400" y="1846317"/>
+            <a:ext cx="3886200" cy="3868683"/>
+          </a:xfrm>
+          <a:prstGeom prst="rect">
+            <a:avLst/>
+          </a:prstGeom>
+        </p:spPr>
+      </p:pic>
+      <p:sp>
+        <p:nvSpPr>
+          <p:cNvPr id="4" name="Slide Number Placeholder 3"/>
+          <p:cNvSpPr>
+            <a:spLocks noGrp="1"/>
+          </p:cNvSpPr>
+          <p:nvPr>
+            <p:ph type="sldNum" sz="quarter" idx="12"/>
+          </p:nvPr>
+        </p:nvSpPr>
+        <p:spPr/>
+        <p:txBody>
+          <a:bodyPr/>
+          <a:lstStyle/>
+          <a:p>
+            <a:pPr>
+              <a:defRPr/>
+            </a:pPr>
+            <a:fld id="{639E97B8-4532-408E-A5F7-ACF05B64D361}" type="slidenum">
+              <a:rPr lang="en-US" smtClean="0"/>
+              <a:pPr>
+                <a:defRPr/>
+              </a:pPr>
+              <a:t>2</a:t>
+            </a:fld>
+            <a:endParaRPr lang="en-US" dirty="0"/>
+          </a:p>
+        </p:txBody>
+      </p:sp>
+      <p:pic>
+        <p:nvPicPr>
+          <p:cNvPr id="12" name="Content Placeholder 11"/>
+          <p:cNvPicPr>
+            <a:picLocks noGrp="1" noChangeAspect="1"/>
+          </p:cNvPicPr>
+          <p:nvPr>
+            <p:ph sz="half" idx="1"/>
+          </p:nvPr>
+        </p:nvPicPr>
+        <p:blipFill>
+          <a:blip r:embed="rId3"/>
+          <a:stretch>
+            <a:fillRect/>
+          </a:stretch>
+        </p:blipFill>
+        <p:spPr>
+          <a:xfrm>
+            <a:off x="457200" y="1834043"/>
+            <a:ext cx="4038600" cy="4058276"/>
+          </a:xfrm>
+          <a:prstGeom prst="rect">
+            <a:avLst/>
+          </a:prstGeom>
+        </p:spPr>
+      </p:pic>
+    </p:spTree>
+    <p:extLst>
+      <p:ext uri="{BB962C8B-B14F-4D97-AF65-F5344CB8AC3E}">
+        <p14:creationId xmlns:p14="http://schemas.microsoft.com/office/powerpoint/2010/main" val="2013006621"/>
+      </p:ext>
+    </p:extLst>
+  </p:cSld>
+  <p:clrMapOvr>
+    <a:masterClrMapping/>
+  </p:clrMapOvr>
+</p:sld>
+</file>
+
+<file path=ppt/slides/slide20.xml><?xml version="1.0" encoding="utf-8"?>
 <p:sld xmlns:a="http://schemas.openxmlformats.org/drawingml/2006/main" xmlns:r="http://schemas.openxmlformats.org/officeDocument/2006/relationships" xmlns:p="http://schemas.openxmlformats.org/presentationml/2006/main">
   <p:cSld>
     <p:spTree>
@@ -10099,7 +14641,7 @@
               <a:pPr>
                 <a:defRPr/>
               </a:pPr>
-              <a:t>19</a:t>
+              <a:t>20</a:t>
             </a:fld>
             <a:endParaRPr lang="en-US" dirty="0"/>
           </a:p>
@@ -10306,7 +14848,134 @@
 </p:sld>
 </file>
 
-<file path=ppt/slides/slide2.xml><?xml version="1.0" encoding="utf-8"?>
+<file path=ppt/slides/slide21.xml><?xml version="1.0" encoding="utf-8"?>
+<p:sld xmlns:a="http://schemas.openxmlformats.org/drawingml/2006/main" xmlns:r="http://schemas.openxmlformats.org/officeDocument/2006/relationships" xmlns:p="http://schemas.openxmlformats.org/presentationml/2006/main">
+  <p:cSld>
+    <p:spTree>
+      <p:nvGrpSpPr>
+        <p:cNvPr id="1" name=""/>
+        <p:cNvGrpSpPr/>
+        <p:nvPr/>
+      </p:nvGrpSpPr>
+      <p:grpSpPr>
+        <a:xfrm>
+          <a:off x="0" y="0"/>
+          <a:ext cx="0" cy="0"/>
+          <a:chOff x="0" y="0"/>
+          <a:chExt cx="0" cy="0"/>
+        </a:xfrm>
+      </p:grpSpPr>
+      <p:sp>
+        <p:nvSpPr>
+          <p:cNvPr id="2" name="Title 1"/>
+          <p:cNvSpPr>
+            <a:spLocks noGrp="1"/>
+          </p:cNvSpPr>
+          <p:nvPr>
+            <p:ph type="title"/>
+          </p:nvPr>
+        </p:nvSpPr>
+        <p:spPr/>
+        <p:txBody>
+          <a:bodyPr/>
+          <a:lstStyle/>
+          <a:p>
+            <a:r>
+              <a:rPr lang="en-US" dirty="0" smtClean="0"/>
+              <a:t>What is next?</a:t>
+            </a:r>
+            <a:endParaRPr lang="en-US" dirty="0"/>
+          </a:p>
+        </p:txBody>
+      </p:sp>
+      <p:sp>
+        <p:nvSpPr>
+          <p:cNvPr id="3" name="Content Placeholder 2"/>
+          <p:cNvSpPr>
+            <a:spLocks noGrp="1"/>
+          </p:cNvSpPr>
+          <p:nvPr>
+            <p:ph idx="1"/>
+          </p:nvPr>
+        </p:nvSpPr>
+        <p:spPr/>
+        <p:txBody>
+          <a:bodyPr/>
+          <a:lstStyle/>
+          <a:p>
+            <a:r>
+              <a:rPr lang="en-US" dirty="0" smtClean="0"/>
+              <a:t>Design and calculate the SG</a:t>
+            </a:r>
+          </a:p>
+          <a:p>
+            <a:r>
+              <a:rPr lang="en-US" dirty="0" smtClean="0"/>
+              <a:t>Choses the industrial applications</a:t>
+            </a:r>
+          </a:p>
+          <a:p>
+            <a:r>
+              <a:rPr lang="en-US" dirty="0" smtClean="0"/>
+              <a:t>Combine </a:t>
+            </a:r>
+            <a:r>
+              <a:rPr lang="en-US" dirty="0"/>
+              <a:t>all </a:t>
+            </a:r>
+            <a:r>
+              <a:rPr lang="en-US" dirty="0" smtClean="0"/>
+              <a:t>the cycles</a:t>
+            </a:r>
+          </a:p>
+          <a:p>
+            <a:endParaRPr lang="en-US" dirty="0"/>
+          </a:p>
+        </p:txBody>
+      </p:sp>
+      <p:sp>
+        <p:nvSpPr>
+          <p:cNvPr id="4" name="Slide Number Placeholder 3"/>
+          <p:cNvSpPr>
+            <a:spLocks noGrp="1"/>
+          </p:cNvSpPr>
+          <p:nvPr>
+            <p:ph type="sldNum" sz="quarter" idx="10"/>
+          </p:nvPr>
+        </p:nvSpPr>
+        <p:spPr/>
+        <p:txBody>
+          <a:bodyPr/>
+          <a:lstStyle/>
+          <a:p>
+            <a:pPr>
+              <a:defRPr/>
+            </a:pPr>
+            <a:fld id="{639E97B8-4532-408E-A5F7-ACF05B64D361}" type="slidenum">
+              <a:rPr lang="en-US" smtClean="0"/>
+              <a:pPr>
+                <a:defRPr/>
+              </a:pPr>
+              <a:t>21</a:t>
+            </a:fld>
+            <a:endParaRPr lang="en-US" dirty="0"/>
+          </a:p>
+        </p:txBody>
+      </p:sp>
+    </p:spTree>
+    <p:extLst>
+      <p:ext uri="{BB962C8B-B14F-4D97-AF65-F5344CB8AC3E}">
+        <p14:creationId xmlns:p14="http://schemas.microsoft.com/office/powerpoint/2010/main" val="402151939"/>
+      </p:ext>
+    </p:extLst>
+  </p:cSld>
+  <p:clrMapOvr>
+    <a:masterClrMapping/>
+  </p:clrMapOvr>
+</p:sld>
+</file>
+
+<file path=ppt/slides/slide3.xml><?xml version="1.0" encoding="utf-8"?>
 <p:sld xmlns:a="http://schemas.openxmlformats.org/drawingml/2006/main" xmlns:r="http://schemas.openxmlformats.org/officeDocument/2006/relationships" xmlns:p="http://schemas.openxmlformats.org/presentationml/2006/main">
   <p:cSld>
     <p:spTree>
@@ -10356,14 +15025,14 @@
             <p:ph idx="1"/>
             <p:extLst>
               <p:ext uri="{D42A27DB-BD31-4B8C-83A1-F6EECF244321}">
-                <p14:modId xmlns:p14="http://schemas.microsoft.com/office/powerpoint/2010/main" val="287575875"/>
+                <p14:modId xmlns:p14="http://schemas.microsoft.com/office/powerpoint/2010/main" val="3164903055"/>
               </p:ext>
             </p:extLst>
           </p:nvPr>
         </p:nvGraphicFramePr>
         <p:xfrm>
-          <a:off x="762000" y="1752600"/>
-          <a:ext cx="7620000" cy="3266960"/>
+          <a:off x="152400" y="1752600"/>
+          <a:ext cx="8839200" cy="3266960"/>
         </p:xfrm>
         <a:graphic>
           <a:graphicData uri="http://schemas.openxmlformats.org/drawingml/2006/table">
@@ -10372,11 +15041,48 @@
                 <a:tableStyleId>{073A0DAA-6AF3-43AB-8588-CEC1D06C72B9}</a:tableStyleId>
               </a:tblPr>
               <a:tblGrid>
-                <a:gridCol w="1524000"/>
-                <a:gridCol w="1524000"/>
-                <a:gridCol w="1524000"/>
-                <a:gridCol w="1524000"/>
-                <a:gridCol w="1524000"/>
+                <a:gridCol w="1252220">
+                  <a:extLst>
+                    <a:ext uri="{9D8B030D-6E8A-4147-A177-3AD203B41FA5}">
+                      <a16:colId xmlns:a16="http://schemas.microsoft.com/office/drawing/2014/main" val="20000"/>
+                    </a:ext>
+                  </a:extLst>
+                </a:gridCol>
+                <a:gridCol w="1694180">
+                  <a:extLst>
+                    <a:ext uri="{9D8B030D-6E8A-4147-A177-3AD203B41FA5}">
+                      <a16:colId xmlns:a16="http://schemas.microsoft.com/office/drawing/2014/main" val="20001"/>
+                    </a:ext>
+                  </a:extLst>
+                </a:gridCol>
+                <a:gridCol w="1473200">
+                  <a:extLst>
+                    <a:ext uri="{9D8B030D-6E8A-4147-A177-3AD203B41FA5}">
+                      <a16:colId xmlns:a16="http://schemas.microsoft.com/office/drawing/2014/main" val="20002"/>
+                    </a:ext>
+                  </a:extLst>
+                </a:gridCol>
+                <a:gridCol w="1473200">
+                  <a:extLst>
+                    <a:ext uri="{9D8B030D-6E8A-4147-A177-3AD203B41FA5}">
+                      <a16:colId xmlns:a16="http://schemas.microsoft.com/office/drawing/2014/main" val="20003"/>
+                    </a:ext>
+                  </a:extLst>
+                </a:gridCol>
+                <a:gridCol w="1473200">
+                  <a:extLst>
+                    <a:ext uri="{9D8B030D-6E8A-4147-A177-3AD203B41FA5}">
+                      <a16:colId xmlns:a16="http://schemas.microsoft.com/office/drawing/2014/main" val="20004"/>
+                    </a:ext>
+                  </a:extLst>
+                </a:gridCol>
+                <a:gridCol w="1473200">
+                  <a:extLst>
+                    <a:ext uri="{9D8B030D-6E8A-4147-A177-3AD203B41FA5}">
+                      <a16:colId xmlns:a16="http://schemas.microsoft.com/office/drawing/2014/main" val="1357031864"/>
+                    </a:ext>
+                  </a:extLst>
+                </a:gridCol>
               </a:tblGrid>
               <a:tr h="990600">
                 <a:tc>
@@ -10402,7 +15108,11 @@
                       <a:pPr algn="ctr"/>
                       <a:r>
                         <a:rPr lang="en-US" dirty="0" smtClean="0"/>
-                        <a:t>Axial Layers</a:t>
+                        <a:t>Axial </a:t>
+                      </a:r>
+                      <a:r>
+                        <a:rPr lang="en-US" dirty="0" smtClean="0"/>
+                        <a:t>Layers between LEU</a:t>
                       </a:r>
                       <a:endParaRPr lang="en-US" dirty="0"/>
                     </a:p>
@@ -10458,6 +15168,26 @@
                   </a:txBody>
                   <a:tcPr/>
                 </a:tc>
+                <a:tc>
+                  <a:txBody>
+                    <a:bodyPr/>
+                    <a:lstStyle/>
+                    <a:p>
+                      <a:pPr algn="ctr"/>
+                      <a:r>
+                        <a:rPr lang="en-US" dirty="0" smtClean="0"/>
+                        <a:t>Plates per Assembly</a:t>
+                      </a:r>
+                      <a:endParaRPr lang="en-US" dirty="0"/>
+                    </a:p>
+                  </a:txBody>
+                  <a:tcPr/>
+                </a:tc>
+                <a:extLst>
+                  <a:ext uri="{0D108BD9-81ED-4DB2-BD59-A6C34878D82A}">
+                    <a16:rowId xmlns:a16="http://schemas.microsoft.com/office/drawing/2014/main" val="10000"/>
+                  </a:ext>
+                </a:extLst>
               </a:tr>
               <a:tr h="455272">
                 <a:tc>
@@ -10535,6 +15265,25 @@
                   </a:txBody>
                   <a:tcPr/>
                 </a:tc>
+                <a:tc>
+                  <a:txBody>
+                    <a:bodyPr/>
+                    <a:lstStyle/>
+                    <a:p>
+                      <a:pPr algn="ctr"/>
+                      <a:r>
+                        <a:rPr lang="en-US" dirty="0" smtClean="0"/>
+                        <a:t>29</a:t>
+                      </a:r>
+                    </a:p>
+                  </a:txBody>
+                  <a:tcPr/>
+                </a:tc>
+                <a:extLst>
+                  <a:ext uri="{0D108BD9-81ED-4DB2-BD59-A6C34878D82A}">
+                    <a16:rowId xmlns:a16="http://schemas.microsoft.com/office/drawing/2014/main" val="10001"/>
+                  </a:ext>
+                </a:extLst>
               </a:tr>
               <a:tr h="455272">
                 <a:tc>
@@ -10611,6 +15360,26 @@
                   </a:txBody>
                   <a:tcPr/>
                 </a:tc>
+                <a:tc>
+                  <a:txBody>
+                    <a:bodyPr/>
+                    <a:lstStyle/>
+                    <a:p>
+                      <a:pPr algn="ctr"/>
+                      <a:r>
+                        <a:rPr lang="en-US" dirty="0" smtClean="0"/>
+                        <a:t>29</a:t>
+                      </a:r>
+                      <a:endParaRPr lang="en-US" dirty="0"/>
+                    </a:p>
+                  </a:txBody>
+                  <a:tcPr/>
+                </a:tc>
+                <a:extLst>
+                  <a:ext uri="{0D108BD9-81ED-4DB2-BD59-A6C34878D82A}">
+                    <a16:rowId xmlns:a16="http://schemas.microsoft.com/office/drawing/2014/main" val="10002"/>
+                  </a:ext>
+                </a:extLst>
               </a:tr>
               <a:tr h="455272">
                 <a:tc>
@@ -10688,6 +15457,26 @@
                   </a:txBody>
                   <a:tcPr/>
                 </a:tc>
+                <a:tc>
+                  <a:txBody>
+                    <a:bodyPr/>
+                    <a:lstStyle/>
+                    <a:p>
+                      <a:pPr algn="ctr"/>
+                      <a:r>
+                        <a:rPr lang="en-US" dirty="0" smtClean="0"/>
+                        <a:t>29</a:t>
+                      </a:r>
+                      <a:endParaRPr lang="en-US" dirty="0"/>
+                    </a:p>
+                  </a:txBody>
+                  <a:tcPr/>
+                </a:tc>
+                <a:extLst>
+                  <a:ext uri="{0D108BD9-81ED-4DB2-BD59-A6C34878D82A}">
+                    <a16:rowId xmlns:a16="http://schemas.microsoft.com/office/drawing/2014/main" val="10003"/>
+                  </a:ext>
+                </a:extLst>
               </a:tr>
               <a:tr h="455272">
                 <a:tc>
@@ -10765,6 +15554,26 @@
                   </a:txBody>
                   <a:tcPr/>
                 </a:tc>
+                <a:tc>
+                  <a:txBody>
+                    <a:bodyPr/>
+                    <a:lstStyle/>
+                    <a:p>
+                      <a:pPr algn="ctr"/>
+                      <a:r>
+                        <a:rPr lang="en-US" dirty="0" smtClean="0"/>
+                        <a:t>29</a:t>
+                      </a:r>
+                      <a:endParaRPr lang="en-US" dirty="0"/>
+                    </a:p>
+                  </a:txBody>
+                  <a:tcPr/>
+                </a:tc>
+                <a:extLst>
+                  <a:ext uri="{0D108BD9-81ED-4DB2-BD59-A6C34878D82A}">
+                    <a16:rowId xmlns:a16="http://schemas.microsoft.com/office/drawing/2014/main" val="10004"/>
+                  </a:ext>
+                </a:extLst>
               </a:tr>
               <a:tr h="455272">
                 <a:tc>
@@ -10842,6 +15651,26 @@
                   </a:txBody>
                   <a:tcPr/>
                 </a:tc>
+                <a:tc>
+                  <a:txBody>
+                    <a:bodyPr/>
+                    <a:lstStyle/>
+                    <a:p>
+                      <a:pPr algn="ctr"/>
+                      <a:r>
+                        <a:rPr lang="en-US" dirty="0" smtClean="0"/>
+                        <a:t>27</a:t>
+                      </a:r>
+                      <a:endParaRPr lang="en-US" dirty="0"/>
+                    </a:p>
+                  </a:txBody>
+                  <a:tcPr/>
+                </a:tc>
+                <a:extLst>
+                  <a:ext uri="{0D108BD9-81ED-4DB2-BD59-A6C34878D82A}">
+                    <a16:rowId xmlns:a16="http://schemas.microsoft.com/office/drawing/2014/main" val="10005"/>
+                  </a:ext>
+                </a:extLst>
               </a:tr>
             </a:tbl>
           </a:graphicData>
@@ -10870,7 +15699,7 @@
               <a:pPr>
                 <a:defRPr/>
               </a:pPr>
-              <a:t>2</a:t>
+              <a:t>3</a:t>
             </a:fld>
             <a:endParaRPr lang="en-US" dirty="0"/>
           </a:p>
@@ -10880,266 +15709,6 @@
     <p:extLst>
       <p:ext uri="{BB962C8B-B14F-4D97-AF65-F5344CB8AC3E}">
         <p14:creationId xmlns:p14="http://schemas.microsoft.com/office/powerpoint/2010/main" val="3739850775"/>
-      </p:ext>
-    </p:extLst>
-  </p:cSld>
-  <p:clrMapOvr>
-    <a:masterClrMapping/>
-  </p:clrMapOvr>
-</p:sld>
-</file>
-
-<file path=ppt/slides/slide20.xml><?xml version="1.0" encoding="utf-8"?>
-<p:sld xmlns:a="http://schemas.openxmlformats.org/drawingml/2006/main" xmlns:r="http://schemas.openxmlformats.org/officeDocument/2006/relationships" xmlns:p="http://schemas.openxmlformats.org/presentationml/2006/main">
-  <p:cSld>
-    <p:spTree>
-      <p:nvGrpSpPr>
-        <p:cNvPr id="1" name=""/>
-        <p:cNvGrpSpPr/>
-        <p:nvPr/>
-      </p:nvGrpSpPr>
-      <p:grpSpPr>
-        <a:xfrm>
-          <a:off x="0" y="0"/>
-          <a:ext cx="0" cy="0"/>
-          <a:chOff x="0" y="0"/>
-          <a:chExt cx="0" cy="0"/>
-        </a:xfrm>
-      </p:grpSpPr>
-      <p:sp>
-        <p:nvSpPr>
-          <p:cNvPr id="2" name="Title 1"/>
-          <p:cNvSpPr>
-            <a:spLocks noGrp="1"/>
-          </p:cNvSpPr>
-          <p:nvPr>
-            <p:ph type="title"/>
-          </p:nvPr>
-        </p:nvSpPr>
-        <p:spPr/>
-        <p:txBody>
-          <a:bodyPr/>
-          <a:lstStyle/>
-          <a:p>
-            <a:r>
-              <a:rPr lang="en-US" dirty="0" smtClean="0"/>
-              <a:t>What is next?</a:t>
-            </a:r>
-            <a:endParaRPr lang="en-US" dirty="0"/>
-          </a:p>
-        </p:txBody>
-      </p:sp>
-      <p:sp>
-        <p:nvSpPr>
-          <p:cNvPr id="3" name="Content Placeholder 2"/>
-          <p:cNvSpPr>
-            <a:spLocks noGrp="1"/>
-          </p:cNvSpPr>
-          <p:nvPr>
-            <p:ph idx="1"/>
-          </p:nvPr>
-        </p:nvSpPr>
-        <p:spPr/>
-        <p:txBody>
-          <a:bodyPr/>
-          <a:lstStyle/>
-          <a:p>
-            <a:r>
-              <a:rPr lang="en-US" dirty="0" smtClean="0"/>
-              <a:t>Design and calculate the SG</a:t>
-            </a:r>
-          </a:p>
-          <a:p>
-            <a:r>
-              <a:rPr lang="en-US" dirty="0" smtClean="0"/>
-              <a:t>Choses the industrial applications</a:t>
-            </a:r>
-          </a:p>
-          <a:p>
-            <a:r>
-              <a:rPr lang="en-US" dirty="0" smtClean="0"/>
-              <a:t>Combine </a:t>
-            </a:r>
-            <a:r>
-              <a:rPr lang="en-US" dirty="0"/>
-              <a:t>all </a:t>
-            </a:r>
-            <a:r>
-              <a:rPr lang="en-US" dirty="0" smtClean="0"/>
-              <a:t>the cycles</a:t>
-            </a:r>
-          </a:p>
-          <a:p>
-            <a:endParaRPr lang="en-US" dirty="0"/>
-          </a:p>
-        </p:txBody>
-      </p:sp>
-      <p:sp>
-        <p:nvSpPr>
-          <p:cNvPr id="4" name="Slide Number Placeholder 3"/>
-          <p:cNvSpPr>
-            <a:spLocks noGrp="1"/>
-          </p:cNvSpPr>
-          <p:nvPr>
-            <p:ph type="sldNum" sz="quarter" idx="10"/>
-          </p:nvPr>
-        </p:nvSpPr>
-        <p:spPr/>
-        <p:txBody>
-          <a:bodyPr/>
-          <a:lstStyle/>
-          <a:p>
-            <a:pPr>
-              <a:defRPr/>
-            </a:pPr>
-            <a:fld id="{639E97B8-4532-408E-A5F7-ACF05B64D361}" type="slidenum">
-              <a:rPr lang="en-US" smtClean="0"/>
-              <a:pPr>
-                <a:defRPr/>
-              </a:pPr>
-              <a:t>20</a:t>
-            </a:fld>
-            <a:endParaRPr lang="en-US" dirty="0"/>
-          </a:p>
-        </p:txBody>
-      </p:sp>
-    </p:spTree>
-    <p:extLst>
-      <p:ext uri="{BB962C8B-B14F-4D97-AF65-F5344CB8AC3E}">
-        <p14:creationId xmlns:p14="http://schemas.microsoft.com/office/powerpoint/2010/main" val="402151939"/>
-      </p:ext>
-    </p:extLst>
-  </p:cSld>
-  <p:clrMapOvr>
-    <a:masterClrMapping/>
-  </p:clrMapOvr>
-</p:sld>
-</file>
-
-<file path=ppt/slides/slide3.xml><?xml version="1.0" encoding="utf-8"?>
-<p:sld xmlns:a="http://schemas.openxmlformats.org/drawingml/2006/main" xmlns:r="http://schemas.openxmlformats.org/officeDocument/2006/relationships" xmlns:p="http://schemas.openxmlformats.org/presentationml/2006/main">
-  <p:cSld>
-    <p:spTree>
-      <p:nvGrpSpPr>
-        <p:cNvPr id="1" name=""/>
-        <p:cNvGrpSpPr/>
-        <p:nvPr/>
-      </p:nvGrpSpPr>
-      <p:grpSpPr>
-        <a:xfrm>
-          <a:off x="0" y="0"/>
-          <a:ext cx="0" cy="0"/>
-          <a:chOff x="0" y="0"/>
-          <a:chExt cx="0" cy="0"/>
-        </a:xfrm>
-      </p:grpSpPr>
-      <p:sp>
-        <p:nvSpPr>
-          <p:cNvPr id="5" name="Title 4"/>
-          <p:cNvSpPr>
-            <a:spLocks noGrp="1"/>
-          </p:cNvSpPr>
-          <p:nvPr>
-            <p:ph type="title"/>
-          </p:nvPr>
-        </p:nvSpPr>
-        <p:spPr/>
-        <p:txBody>
-          <a:bodyPr/>
-          <a:lstStyle/>
-          <a:p>
-            <a:r>
-              <a:rPr lang="en-US" dirty="0" smtClean="0"/>
-              <a:t>Version 1 Core</a:t>
-            </a:r>
-            <a:endParaRPr lang="en-US" dirty="0"/>
-          </a:p>
-        </p:txBody>
-      </p:sp>
-      <p:pic>
-        <p:nvPicPr>
-          <p:cNvPr id="10" name="Content Placeholder 9"/>
-          <p:cNvPicPr>
-            <a:picLocks noGrp="1" noChangeAspect="1"/>
-          </p:cNvPicPr>
-          <p:nvPr>
-            <p:ph sz="half" idx="2"/>
-          </p:nvPr>
-        </p:nvPicPr>
-        <p:blipFill rotWithShape="1">
-          <a:blip r:embed="rId2"/>
-          <a:srcRect l="1887" r="1887" b="4091"/>
-          <a:stretch/>
-        </p:blipFill>
-        <p:spPr>
-          <a:xfrm>
-            <a:off x="4724400" y="1846317"/>
-            <a:ext cx="3886200" cy="3868683"/>
-          </a:xfrm>
-          <a:prstGeom prst="rect">
-            <a:avLst/>
-          </a:prstGeom>
-        </p:spPr>
-      </p:pic>
-      <p:sp>
-        <p:nvSpPr>
-          <p:cNvPr id="4" name="Slide Number Placeholder 3"/>
-          <p:cNvSpPr>
-            <a:spLocks noGrp="1"/>
-          </p:cNvSpPr>
-          <p:nvPr>
-            <p:ph type="sldNum" sz="quarter" idx="12"/>
-          </p:nvPr>
-        </p:nvSpPr>
-        <p:spPr/>
-        <p:txBody>
-          <a:bodyPr/>
-          <a:lstStyle/>
-          <a:p>
-            <a:pPr>
-              <a:defRPr/>
-            </a:pPr>
-            <a:fld id="{639E97B8-4532-408E-A5F7-ACF05B64D361}" type="slidenum">
-              <a:rPr lang="en-US" smtClean="0"/>
-              <a:pPr>
-                <a:defRPr/>
-              </a:pPr>
-              <a:t>3</a:t>
-            </a:fld>
-            <a:endParaRPr lang="en-US" dirty="0"/>
-          </a:p>
-        </p:txBody>
-      </p:sp>
-      <p:pic>
-        <p:nvPicPr>
-          <p:cNvPr id="12" name="Content Placeholder 11"/>
-          <p:cNvPicPr>
-            <a:picLocks noGrp="1" noChangeAspect="1"/>
-          </p:cNvPicPr>
-          <p:nvPr>
-            <p:ph sz="half" idx="1"/>
-          </p:nvPr>
-        </p:nvPicPr>
-        <p:blipFill>
-          <a:blip r:embed="rId3"/>
-          <a:stretch>
-            <a:fillRect/>
-          </a:stretch>
-        </p:blipFill>
-        <p:spPr>
-          <a:xfrm>
-            <a:off x="457200" y="1834043"/>
-            <a:ext cx="4038600" cy="4058276"/>
-          </a:xfrm>
-          <a:prstGeom prst="rect">
-            <a:avLst/>
-          </a:prstGeom>
-        </p:spPr>
-      </p:pic>
-    </p:spTree>
-    <p:extLst>
-      <p:ext uri="{BB962C8B-B14F-4D97-AF65-F5344CB8AC3E}">
-        <p14:creationId xmlns:p14="http://schemas.microsoft.com/office/powerpoint/2010/main" val="2013006621"/>
       </p:ext>
     </p:extLst>
   </p:cSld>
@@ -11270,6 +15839,66 @@
           </a:p>
         </p:txBody>
       </p:sp>
+      <p:sp>
+        <p:nvSpPr>
+          <p:cNvPr id="3" name="TextBox 2"/>
+          <p:cNvSpPr txBox="1"/>
+          <p:nvPr/>
+        </p:nvSpPr>
+        <p:spPr>
+          <a:xfrm>
+            <a:off x="1058805" y="6012418"/>
+            <a:ext cx="2929007" cy="369332"/>
+          </a:xfrm>
+          <a:prstGeom prst="rect">
+            <a:avLst/>
+          </a:prstGeom>
+          <a:noFill/>
+        </p:spPr>
+        <p:txBody>
+          <a:bodyPr wrap="none" rtlCol="0">
+            <a:spAutoFit/>
+          </a:bodyPr>
+          <a:lstStyle/>
+          <a:p>
+            <a:r>
+              <a:rPr lang="en-US" dirty="0" smtClean="0"/>
+              <a:t>Additional LEU assemblies</a:t>
+            </a:r>
+            <a:endParaRPr lang="en-US" dirty="0"/>
+          </a:p>
+        </p:txBody>
+      </p:sp>
+      <p:sp>
+        <p:nvSpPr>
+          <p:cNvPr id="8" name="TextBox 7"/>
+          <p:cNvSpPr txBox="1"/>
+          <p:nvPr/>
+        </p:nvSpPr>
+        <p:spPr>
+          <a:xfrm>
+            <a:off x="5538346" y="6012418"/>
+            <a:ext cx="2351926" cy="369332"/>
+          </a:xfrm>
+          <a:prstGeom prst="rect">
+            <a:avLst/>
+          </a:prstGeom>
+          <a:noFill/>
+        </p:spPr>
+        <p:txBody>
+          <a:bodyPr wrap="none" rtlCol="0">
+            <a:spAutoFit/>
+          </a:bodyPr>
+          <a:lstStyle/>
+          <a:p>
+            <a:r>
+              <a:rPr lang="en-US" dirty="0" smtClean="0"/>
+              <a:t>Higher Enriched LEU</a:t>
+            </a:r>
+            <a:endParaRPr lang="en-US" dirty="0"/>
+          </a:p>
+        </p:txBody>
+      </p:sp>
     </p:spTree>
     <p:extLst>
       <p:ext uri="{BB962C8B-B14F-4D97-AF65-F5344CB8AC3E}">
@@ -11404,6 +16033,76 @@
           </a:prstGeom>
         </p:spPr>
       </p:pic>
+      <p:sp>
+        <p:nvSpPr>
+          <p:cNvPr id="8" name="TextBox 7"/>
+          <p:cNvSpPr txBox="1"/>
+          <p:nvPr/>
+        </p:nvSpPr>
+        <p:spPr>
+          <a:xfrm>
+            <a:off x="1210397" y="6012418"/>
+            <a:ext cx="2608406" cy="369332"/>
+          </a:xfrm>
+          <a:prstGeom prst="rect">
+            <a:avLst/>
+          </a:prstGeom>
+          <a:noFill/>
+        </p:spPr>
+        <p:txBody>
+          <a:bodyPr wrap="none" rtlCol="0">
+            <a:spAutoFit/>
+          </a:bodyPr>
+          <a:lstStyle/>
+          <a:p>
+            <a:r>
+              <a:rPr lang="en-US" dirty="0" smtClean="0"/>
+              <a:t>Moved LEU assemblies</a:t>
+            </a:r>
+            <a:endParaRPr lang="en-US" dirty="0"/>
+          </a:p>
+        </p:txBody>
+      </p:sp>
+      <p:sp>
+        <p:nvSpPr>
+          <p:cNvPr id="9" name="TextBox 8"/>
+          <p:cNvSpPr txBox="1"/>
+          <p:nvPr/>
+        </p:nvSpPr>
+        <p:spPr>
+          <a:xfrm>
+            <a:off x="5334000" y="5735419"/>
+            <a:ext cx="2552943" cy="646331"/>
+          </a:xfrm>
+          <a:prstGeom prst="rect">
+            <a:avLst/>
+          </a:prstGeom>
+          <a:noFill/>
+        </p:spPr>
+        <p:txBody>
+          <a:bodyPr wrap="none" rtlCol="0">
+            <a:spAutoFit/>
+          </a:bodyPr>
+          <a:lstStyle/>
+          <a:p>
+            <a:r>
+              <a:rPr lang="en-US" dirty="0" smtClean="0"/>
+              <a:t>Altered Clad Thickness</a:t>
+            </a:r>
+          </a:p>
+          <a:p>
+            <a:r>
+              <a:rPr lang="en-US" dirty="0" smtClean="0"/>
+              <a:t>27 plate/</a:t>
+            </a:r>
+            <a:r>
+              <a:rPr lang="en-US" dirty="0" err="1" smtClean="0"/>
+              <a:t>assm</a:t>
+            </a:r>
+            <a:endParaRPr lang="en-US" dirty="0"/>
+          </a:p>
+        </p:txBody>
+      </p:sp>
     </p:spTree>
     <p:extLst>
       <p:ext uri="{BB962C8B-B14F-4D97-AF65-F5344CB8AC3E}">
@@ -11418,6 +16117,170 @@
 </file>
 
 <file path=ppt/slides/slide6.xml><?xml version="1.0" encoding="utf-8"?>
+<p:sld xmlns:a="http://schemas.openxmlformats.org/drawingml/2006/main" xmlns:r="http://schemas.openxmlformats.org/officeDocument/2006/relationships" xmlns:p="http://schemas.openxmlformats.org/presentationml/2006/main">
+  <p:cSld>
+    <p:spTree>
+      <p:nvGrpSpPr>
+        <p:cNvPr id="1" name=""/>
+        <p:cNvGrpSpPr/>
+        <p:nvPr/>
+      </p:nvGrpSpPr>
+      <p:grpSpPr>
+        <a:xfrm>
+          <a:off x="0" y="0"/>
+          <a:ext cx="0" cy="0"/>
+          <a:chOff x="0" y="0"/>
+          <a:chExt cx="0" cy="0"/>
+        </a:xfrm>
+      </p:grpSpPr>
+      <p:sp>
+        <p:nvSpPr>
+          <p:cNvPr id="6" name="Title 5"/>
+          <p:cNvSpPr>
+            <a:spLocks noGrp="1"/>
+          </p:cNvSpPr>
+          <p:nvPr>
+            <p:ph type="title"/>
+          </p:nvPr>
+        </p:nvSpPr>
+        <p:spPr/>
+        <p:txBody>
+          <a:bodyPr/>
+          <a:lstStyle/>
+          <a:p>
+            <a:r>
+              <a:rPr lang="en-US" dirty="0" smtClean="0"/>
+              <a:t>Version 6</a:t>
+            </a:r>
+            <a:br>
+              <a:rPr lang="en-US" dirty="0" smtClean="0"/>
+            </a:br>
+            <a:r>
+              <a:rPr lang="en-US" sz="2400" dirty="0" err="1" smtClean="0"/>
+              <a:t>k</a:t>
+            </a:r>
+            <a:r>
+              <a:rPr lang="en-US" sz="2400" baseline="-25000" dirty="0" err="1" smtClean="0"/>
+              <a:t>eff</a:t>
+            </a:r>
+            <a:r>
+              <a:rPr lang="en-US" sz="2400" dirty="0" smtClean="0"/>
+              <a:t> = 1.04127 ± 0.00007</a:t>
+            </a:r>
+            <a:endParaRPr lang="en-US" dirty="0"/>
+          </a:p>
+        </p:txBody>
+      </p:sp>
+      <p:sp>
+        <p:nvSpPr>
+          <p:cNvPr id="5" name="Slide Number Placeholder 4"/>
+          <p:cNvSpPr>
+            <a:spLocks noGrp="1"/>
+          </p:cNvSpPr>
+          <p:nvPr>
+            <p:ph type="sldNum" sz="quarter" idx="10"/>
+          </p:nvPr>
+        </p:nvSpPr>
+        <p:spPr/>
+        <p:txBody>
+          <a:bodyPr/>
+          <a:lstStyle/>
+          <a:p>
+            <a:pPr>
+              <a:defRPr/>
+            </a:pPr>
+            <a:fld id="{56039845-206E-4D43-9E5F-DD43C0647861}" type="slidenum">
+              <a:rPr lang="en-US" smtClean="0"/>
+              <a:pPr>
+                <a:defRPr/>
+              </a:pPr>
+              <a:t>6</a:t>
+            </a:fld>
+            <a:endParaRPr lang="en-US" dirty="0"/>
+          </a:p>
+        </p:txBody>
+      </p:sp>
+      <p:graphicFrame>
+        <p:nvGraphicFramePr>
+          <p:cNvPr id="7" name="Content Placeholder 6"/>
+          <p:cNvGraphicFramePr>
+            <a:graphicFrameLocks noGrp="1"/>
+          </p:cNvGraphicFramePr>
+          <p:nvPr>
+            <p:ph idx="1"/>
+            <p:extLst>
+              <p:ext uri="{D42A27DB-BD31-4B8C-83A1-F6EECF244321}">
+                <p14:modId xmlns:p14="http://schemas.microsoft.com/office/powerpoint/2010/main" val="1095337215"/>
+              </p:ext>
+            </p:extLst>
+          </p:nvPr>
+        </p:nvGraphicFramePr>
+        <p:xfrm>
+          <a:off x="990600" y="2105799"/>
+          <a:ext cx="7182362" cy="3990201"/>
+        </p:xfrm>
+        <a:graphic>
+          <a:graphicData uri="http://schemas.openxmlformats.org/drawingml/2006/chart">
+            <c:chart xmlns:c="http://schemas.openxmlformats.org/drawingml/2006/chart" xmlns:r="http://schemas.openxmlformats.org/officeDocument/2006/relationships" r:id="rId2"/>
+          </a:graphicData>
+        </a:graphic>
+      </p:graphicFrame>
+      <p:sp>
+        <p:nvSpPr>
+          <p:cNvPr id="3" name="TextBox 2"/>
+          <p:cNvSpPr txBox="1"/>
+          <p:nvPr/>
+        </p:nvSpPr>
+        <p:spPr>
+          <a:xfrm>
+            <a:off x="1610292" y="1263134"/>
+            <a:ext cx="5923416" cy="646331"/>
+          </a:xfrm>
+          <a:prstGeom prst="rect">
+            <a:avLst/>
+          </a:prstGeom>
+          <a:noFill/>
+        </p:spPr>
+        <p:txBody>
+          <a:bodyPr wrap="none" rtlCol="0">
+            <a:spAutoFit/>
+          </a:bodyPr>
+          <a:lstStyle/>
+          <a:p>
+            <a:pPr algn="ctr"/>
+            <a:r>
+              <a:rPr lang="da-DK" dirty="0" smtClean="0"/>
+              <a:t>Fission Fractions</a:t>
+            </a:r>
+          </a:p>
+          <a:p>
+            <a:pPr algn="ctr"/>
+            <a:r>
+              <a:rPr lang="da-DK" dirty="0" smtClean="0"/>
+              <a:t>(</a:t>
+            </a:r>
+            <a:r>
+              <a:rPr lang="da-DK" dirty="0"/>
+              <a:t>0.625 ev - 100 kev):  43.01%          (&gt;100 kev):  56.42%</a:t>
+            </a:r>
+            <a:endParaRPr lang="en-US" dirty="0"/>
+          </a:p>
+        </p:txBody>
+      </p:sp>
+    </p:spTree>
+    <p:extLst>
+      <p:ext uri="{BB962C8B-B14F-4D97-AF65-F5344CB8AC3E}">
+        <p14:creationId xmlns:p14="http://schemas.microsoft.com/office/powerpoint/2010/main" val="2428984335"/>
+      </p:ext>
+    </p:extLst>
+  </p:cSld>
+  <p:clrMapOvr>
+    <a:masterClrMapping/>
+  </p:clrMapOvr>
+</p:sld>
+</file>
+
+<file path=ppt/slides/slide7.xml><?xml version="1.0" encoding="utf-8"?>
 <p:sld xmlns:a="http://schemas.openxmlformats.org/drawingml/2006/main" xmlns:r="http://schemas.openxmlformats.org/officeDocument/2006/relationships" xmlns:p="http://schemas.openxmlformats.org/presentationml/2006/main">
   <p:cSld>
     <p:spTree>
@@ -11505,7 +16368,7 @@
               <a:pPr>
                 <a:defRPr/>
               </a:pPr>
-              <a:t>6</a:t>
+              <a:t>7</a:t>
             </a:fld>
             <a:endParaRPr lang="en-US" dirty="0"/>
           </a:p>
@@ -11549,7 +16412,7 @@
 </p:sld>
 </file>
 
-<file path=ppt/slides/slide7.xml><?xml version="1.0" encoding="utf-8"?>
+<file path=ppt/slides/slide8.xml><?xml version="1.0" encoding="utf-8"?>
 <p:sld xmlns:a="http://schemas.openxmlformats.org/drawingml/2006/main" xmlns:r="http://schemas.openxmlformats.org/officeDocument/2006/relationships" xmlns:p="http://schemas.openxmlformats.org/presentationml/2006/main">
   <p:cSld>
     <p:spTree>
@@ -11637,7 +16500,7 @@
               <a:pPr>
                 <a:defRPr/>
               </a:pPr>
-              <a:t>7</a:t>
+              <a:t>8</a:t>
             </a:fld>
             <a:endParaRPr lang="en-US" dirty="0"/>
           </a:p>
@@ -11656,7 +16519,7 @@
 </p:sld>
 </file>
 
-<file path=ppt/slides/slide8.xml><?xml version="1.0" encoding="utf-8"?>
+<file path=ppt/slides/slide9.xml><?xml version="1.0" encoding="utf-8"?>
 <p:sld xmlns:a="http://schemas.openxmlformats.org/drawingml/2006/main" xmlns:r="http://schemas.openxmlformats.org/officeDocument/2006/relationships" xmlns:p="http://schemas.openxmlformats.org/presentationml/2006/main">
   <p:cSld>
     <p:spTree>
@@ -11726,7 +16589,7 @@
               <a:pPr>
                 <a:defRPr/>
               </a:pPr>
-              <a:t>8</a:t>
+              <a:t>9</a:t>
             </a:fld>
             <a:endParaRPr lang="en-US" dirty="0"/>
           </a:p>
@@ -11786,167 +16649,6 @@
     <p:extLst>
       <p:ext uri="{BB962C8B-B14F-4D97-AF65-F5344CB8AC3E}">
         <p14:creationId xmlns:p14="http://schemas.microsoft.com/office/powerpoint/2010/main" val="2014006241"/>
-      </p:ext>
-    </p:extLst>
-  </p:cSld>
-  <p:clrMapOvr>
-    <a:masterClrMapping/>
-  </p:clrMapOvr>
-</p:sld>
-</file>
-
-<file path=ppt/slides/slide9.xml><?xml version="1.0" encoding="utf-8"?>
-<p:sld xmlns:a="http://schemas.openxmlformats.org/drawingml/2006/main" xmlns:r="http://schemas.openxmlformats.org/officeDocument/2006/relationships" xmlns:p="http://schemas.openxmlformats.org/presentationml/2006/main">
-  <p:cSld>
-    <p:spTree>
-      <p:nvGrpSpPr>
-        <p:cNvPr id="1" name=""/>
-        <p:cNvGrpSpPr/>
-        <p:nvPr/>
-      </p:nvGrpSpPr>
-      <p:grpSpPr>
-        <a:xfrm>
-          <a:off x="0" y="0"/>
-          <a:ext cx="0" cy="0"/>
-          <a:chOff x="0" y="0"/>
-          <a:chExt cx="0" cy="0"/>
-        </a:xfrm>
-      </p:grpSpPr>
-      <p:sp>
-        <p:nvSpPr>
-          <p:cNvPr id="2" name="Title 1"/>
-          <p:cNvSpPr>
-            <a:spLocks noGrp="1"/>
-          </p:cNvSpPr>
-          <p:nvPr>
-            <p:ph type="title"/>
-          </p:nvPr>
-        </p:nvSpPr>
-        <p:spPr/>
-        <p:txBody>
-          <a:bodyPr/>
-          <a:lstStyle/>
-          <a:p>
-            <a:r>
-              <a:rPr lang="en-US" dirty="0" smtClean="0"/>
-              <a:t>Plutonium SQ’s are somewhat high </a:t>
-            </a:r>
-            <a:endParaRPr lang="en-US" dirty="0"/>
-          </a:p>
-        </p:txBody>
-      </p:sp>
-      <p:pic>
-        <p:nvPicPr>
-          <p:cNvPr id="6" name="Content Placeholder 5" descr="PuSqPerAssembly.pdf"/>
-          <p:cNvPicPr>
-            <a:picLocks noGrp="1" noChangeAspect="1"/>
-          </p:cNvPicPr>
-          <p:nvPr>
-            <p:ph sz="half" idx="1"/>
-          </p:nvPr>
-        </p:nvPicPr>
-        <p:blipFill>
-          <a:blip r:embed="rId2">
-            <a:extLst>
-              <a:ext uri="{28A0092B-C50C-407E-A947-70E740481C1C}">
-                <a14:useLocalDpi xmlns:a14="http://schemas.microsoft.com/office/drawing/2010/main" val="0"/>
-              </a:ext>
-            </a:extLst>
-          </a:blip>
-          <a:srcRect t="-24712" b="-24712"/>
-          <a:stretch>
-            <a:fillRect/>
-          </a:stretch>
-        </p:blipFill>
-        <p:spPr/>
-      </p:pic>
-      <p:sp>
-        <p:nvSpPr>
-          <p:cNvPr id="5" name="Slide Number Placeholder 4"/>
-          <p:cNvSpPr>
-            <a:spLocks noGrp="1"/>
-          </p:cNvSpPr>
-          <p:nvPr>
-            <p:ph type="sldNum" sz="quarter" idx="12"/>
-          </p:nvPr>
-        </p:nvSpPr>
-        <p:spPr/>
-        <p:txBody>
-          <a:bodyPr/>
-          <a:lstStyle/>
-          <a:p>
-            <a:pPr>
-              <a:defRPr/>
-            </a:pPr>
-            <a:fld id="{56039845-206E-4D43-9E5F-DD43C0647861}" type="slidenum">
-              <a:rPr lang="en-US" smtClean="0"/>
-              <a:pPr>
-                <a:defRPr/>
-              </a:pPr>
-              <a:t>9</a:t>
-            </a:fld>
-            <a:endParaRPr lang="en-US" dirty="0"/>
-          </a:p>
-        </p:txBody>
-      </p:sp>
-      <p:pic>
-        <p:nvPicPr>
-          <p:cNvPr id="13" name="Content Placeholder 12" descr="ElementsFor1Sq.pdf"/>
-          <p:cNvPicPr>
-            <a:picLocks noGrp="1" noChangeAspect="1"/>
-          </p:cNvPicPr>
-          <p:nvPr>
-            <p:ph sz="half" idx="2"/>
-          </p:nvPr>
-        </p:nvPicPr>
-        <p:blipFill>
-          <a:blip r:embed="rId3">
-            <a:extLst>
-              <a:ext uri="{28A0092B-C50C-407E-A947-70E740481C1C}">
-                <a14:useLocalDpi xmlns:a14="http://schemas.microsoft.com/office/drawing/2010/main" val="0"/>
-              </a:ext>
-            </a:extLst>
-          </a:blip>
-          <a:srcRect t="-24712" b="-24712"/>
-          <a:stretch>
-            <a:fillRect/>
-          </a:stretch>
-        </p:blipFill>
-        <p:spPr/>
-      </p:pic>
-      <p:sp>
-        <p:nvSpPr>
-          <p:cNvPr id="16" name="TextBox 15"/>
-          <p:cNvSpPr txBox="1"/>
-          <p:nvPr/>
-        </p:nvSpPr>
-        <p:spPr>
-          <a:xfrm>
-            <a:off x="5410200" y="1752600"/>
-            <a:ext cx="2599197" cy="646331"/>
-          </a:xfrm>
-          <a:prstGeom prst="rect">
-            <a:avLst/>
-          </a:prstGeom>
-          <a:noFill/>
-        </p:spPr>
-        <p:txBody>
-          <a:bodyPr wrap="square" rtlCol="0">
-            <a:spAutoFit/>
-          </a:bodyPr>
-          <a:lstStyle/>
-          <a:p>
-            <a:r>
-              <a:rPr lang="en-US" dirty="0" smtClean="0"/>
-              <a:t>How many elements do you need for 1 SQ?</a:t>
-            </a:r>
-          </a:p>
-        </p:txBody>
-      </p:sp>
-    </p:spTree>
-    <p:extLst>
-      <p:ext uri="{BB962C8B-B14F-4D97-AF65-F5344CB8AC3E}">
-        <p14:creationId xmlns:p14="http://schemas.microsoft.com/office/powerpoint/2010/main" val="2747288747"/>
       </p:ext>
     </p:extLst>
   </p:cSld>

--- a/presentations/mid2_PP/Jacob.pptx
+++ b/presentations/mid2_PP/Jacob.pptx
@@ -5,10 +5,10 @@
     <p:sldMasterId id="2147483649" r:id="rId1"/>
   </p:sldMasterIdLst>
   <p:notesMasterIdLst>
-    <p:notesMasterId r:id="rId23"/>
+    <p:notesMasterId r:id="rId27"/>
   </p:notesMasterIdLst>
   <p:handoutMasterIdLst>
-    <p:handoutMasterId r:id="rId24"/>
+    <p:handoutMasterId r:id="rId28"/>
   </p:handoutMasterIdLst>
   <p:sldIdLst>
     <p:sldId id="576" r:id="rId2"/>
@@ -32,25 +32,43 @@
     <p:sldId id="594" r:id="rId20"/>
     <p:sldId id="595" r:id="rId21"/>
     <p:sldId id="596" r:id="rId22"/>
+    <p:sldId id="598" r:id="rId23"/>
+    <p:sldId id="599" r:id="rId24"/>
+    <p:sldId id="600" r:id="rId25"/>
+    <p:sldId id="601" r:id="rId26"/>
   </p:sldIdLst>
   <p:sldSz cx="9144000" cy="6858000" type="screen4x3"/>
   <p:notesSz cx="6950075" cy="9236075"/>
   <p:embeddedFontLst>
     <p:embeddedFont>
       <p:font typeface="Tahoma" panose="020B0604030504040204" pitchFamily="34" charset="0"/>
-      <p:regular r:id="rId25"/>
-      <p:bold r:id="rId26"/>
+      <p:regular r:id="rId29"/>
+      <p:bold r:id="rId30"/>
+    </p:embeddedFont>
+    <p:embeddedFont>
+      <p:font typeface="Calibri" panose="020F0502020204030204" pitchFamily="34" charset="0"/>
+      <p:regular r:id="rId31"/>
+      <p:bold r:id="rId32"/>
+      <p:italic r:id="rId33"/>
+      <p:boldItalic r:id="rId34"/>
     </p:embeddedFont>
     <p:embeddedFont>
       <p:font typeface="Verdana" panose="020B0604030504040204" pitchFamily="34" charset="0"/>
-      <p:regular r:id="rId27"/>
-      <p:bold r:id="rId28"/>
-      <p:italic r:id="rId29"/>
-      <p:boldItalic r:id="rId30"/>
+      <p:regular r:id="rId35"/>
+      <p:bold r:id="rId36"/>
+      <p:italic r:id="rId37"/>
+      <p:boldItalic r:id="rId38"/>
+    </p:embeddedFont>
+    <p:embeddedFont>
+      <p:font typeface="Book Antiqua" panose="02040602050305030304" pitchFamily="18" charset="0"/>
+      <p:regular r:id="rId39"/>
+      <p:bold r:id="rId40"/>
+      <p:italic r:id="rId41"/>
+      <p:boldItalic r:id="rId42"/>
     </p:embeddedFont>
     <p:embeddedFont>
       <p:font typeface="Cambria Math" panose="02040503050406030204" pitchFamily="18" charset="0"/>
-      <p:regular r:id="rId31"/>
+      <p:regular r:id="rId43"/>
     </p:embeddedFont>
   </p:embeddedFontLst>
   <p:defaultTextStyle>
@@ -198,7 +216,7 @@
 </file>
 
 <file path=ppt/charts/chart1.xml><?xml version="1.0" encoding="utf-8"?>
-<c:chartSpace xmlns:c="http://schemas.openxmlformats.org/drawingml/2006/chart" xmlns:a="http://schemas.openxmlformats.org/drawingml/2006/main" xmlns:r="http://schemas.openxmlformats.org/officeDocument/2006/relationships" xmlns:c16r2="http://schemas.microsoft.com/office/drawing/2015/06/chart">
+<c:chartSpace xmlns:c="http://schemas.openxmlformats.org/drawingml/2006/chart" xmlns:a="http://schemas.openxmlformats.org/drawingml/2006/main" xmlns:r="http://schemas.openxmlformats.org/officeDocument/2006/relationships">
   <c:date1904 val="0"/>
   <c:lang val="en-US"/>
   <c:roundedCorners val="0"/>
@@ -779,7 +797,7 @@
             </c:numRef>
           </c:yVal>
           <c:smooth val="1"/>
-          <c:extLst>
+          <c:extLst xmlns:c16r2="http://schemas.microsoft.com/office/drawing/2015/06/chart">
             <c:ext xmlns:c16="http://schemas.microsoft.com/office/drawing/2014/chart" uri="{C3380CC4-5D6E-409C-BE32-E72D297353CC}">
               <c16:uniqueId val="{00000000-E1FC-442D-BB36-A82069E72567}"/>
             </c:ext>
@@ -1347,7 +1365,7 @@
             </c:numRef>
           </c:yVal>
           <c:smooth val="1"/>
-          <c:extLst>
+          <c:extLst xmlns:c16r2="http://schemas.microsoft.com/office/drawing/2015/06/chart">
             <c:ext xmlns:c16="http://schemas.microsoft.com/office/drawing/2014/chart" uri="{C3380CC4-5D6E-409C-BE32-E72D297353CC}">
               <c16:uniqueId val="{00000001-E1FC-442D-BB36-A82069E72567}"/>
             </c:ext>
@@ -1915,7 +1933,7 @@
             </c:numRef>
           </c:yVal>
           <c:smooth val="1"/>
-          <c:extLst>
+          <c:extLst xmlns:c16r2="http://schemas.microsoft.com/office/drawing/2015/06/chart">
             <c:ext xmlns:c16="http://schemas.microsoft.com/office/drawing/2014/chart" uri="{C3380CC4-5D6E-409C-BE32-E72D297353CC}">
               <c16:uniqueId val="{00000002-E1FC-442D-BB36-A82069E72567}"/>
             </c:ext>
@@ -2483,7 +2501,7 @@
             </c:numRef>
           </c:yVal>
           <c:smooth val="1"/>
-          <c:extLst>
+          <c:extLst xmlns:c16r2="http://schemas.microsoft.com/office/drawing/2015/06/chart">
             <c:ext xmlns:c16="http://schemas.microsoft.com/office/drawing/2014/chart" uri="{C3380CC4-5D6E-409C-BE32-E72D297353CC}">
               <c16:uniqueId val="{00000003-E1FC-442D-BB36-A82069E72567}"/>
             </c:ext>
@@ -3053,7 +3071,7 @@
             </c:numRef>
           </c:yVal>
           <c:smooth val="1"/>
-          <c:extLst>
+          <c:extLst xmlns:c16r2="http://schemas.microsoft.com/office/drawing/2015/06/chart">
             <c:ext xmlns:c16="http://schemas.microsoft.com/office/drawing/2014/chart" uri="{C3380CC4-5D6E-409C-BE32-E72D297353CC}">
               <c16:uniqueId val="{00000004-E1FC-442D-BB36-A82069E72567}"/>
             </c:ext>
@@ -3621,7 +3639,7 @@
             </c:numRef>
           </c:yVal>
           <c:smooth val="1"/>
-          <c:extLst>
+          <c:extLst xmlns:c16r2="http://schemas.microsoft.com/office/drawing/2015/06/chart">
             <c:ext xmlns:c16="http://schemas.microsoft.com/office/drawing/2014/chart" uri="{C3380CC4-5D6E-409C-BE32-E72D297353CC}">
               <c16:uniqueId val="{00000005-E1FC-442D-BB36-A82069E72567}"/>
             </c:ext>
@@ -3635,11 +3653,11 @@
           <c:showPercent val="0"/>
           <c:showBubbleSize val="0"/>
         </c:dLbls>
-        <c:axId val="311060368"/>
-        <c:axId val="311060928"/>
+        <c:axId val="347093456"/>
+        <c:axId val="347094016"/>
       </c:scatterChart>
       <c:valAx>
-        <c:axId val="311060368"/>
+        <c:axId val="347093456"/>
         <c:scaling>
           <c:logBase val="10"/>
           <c:orientation val="minMax"/>
@@ -3754,12 +3772,12 @@
             <a:endParaRPr lang="en-US"/>
           </a:p>
         </c:txPr>
-        <c:crossAx val="311060928"/>
+        <c:crossAx val="347094016"/>
         <c:crosses val="autoZero"/>
         <c:crossBetween val="midCat"/>
       </c:valAx>
       <c:valAx>
-        <c:axId val="311060928"/>
+        <c:axId val="347094016"/>
         <c:scaling>
           <c:logBase val="10"/>
           <c:orientation val="minMax"/>
@@ -3819,7 +3837,7 @@
             <a:endParaRPr lang="en-US"/>
           </a:p>
         </c:txPr>
-        <c:crossAx val="311060368"/>
+        <c:crossAx val="347093456"/>
         <c:crosses val="autoZero"/>
         <c:crossBetween val="midCat"/>
       </c:valAx>
@@ -3900,7 +3918,7 @@
 </file>
 
 <file path=ppt/charts/chart2.xml><?xml version="1.0" encoding="utf-8"?>
-<c:chartSpace xmlns:c="http://schemas.openxmlformats.org/drawingml/2006/chart" xmlns:a="http://schemas.openxmlformats.org/drawingml/2006/main" xmlns:r="http://schemas.openxmlformats.org/officeDocument/2006/relationships" xmlns:c16r2="http://schemas.microsoft.com/office/drawing/2015/06/chart">
+<c:chartSpace xmlns:c="http://schemas.openxmlformats.org/drawingml/2006/chart" xmlns:a="http://schemas.openxmlformats.org/drawingml/2006/main" xmlns:r="http://schemas.openxmlformats.org/officeDocument/2006/relationships">
   <c:date1904 val="0"/>
   <c:lang val="en-US"/>
   <c:roundedCorners val="0"/>
@@ -3998,7 +4016,7 @@
             </c:numRef>
           </c:yVal>
           <c:smooth val="0"/>
-          <c:extLst>
+          <c:extLst xmlns:c16r2="http://schemas.microsoft.com/office/drawing/2015/06/chart">
             <c:ext xmlns:c16="http://schemas.microsoft.com/office/drawing/2014/chart" uri="{C3380CC4-5D6E-409C-BE32-E72D297353CC}">
               <c16:uniqueId val="{00000000-55F7-4BAC-9ED7-0A0DBC995522}"/>
             </c:ext>
@@ -4083,7 +4101,7 @@
             </c:numRef>
           </c:yVal>
           <c:smooth val="0"/>
-          <c:extLst>
+          <c:extLst xmlns:c16r2="http://schemas.microsoft.com/office/drawing/2015/06/chart">
             <c:ext xmlns:c16="http://schemas.microsoft.com/office/drawing/2014/chart" uri="{C3380CC4-5D6E-409C-BE32-E72D297353CC}">
               <c16:uniqueId val="{00000001-55F7-4BAC-9ED7-0A0DBC995522}"/>
             </c:ext>
@@ -4168,7 +4186,7 @@
             </c:numRef>
           </c:yVal>
           <c:smooth val="0"/>
-          <c:extLst>
+          <c:extLst xmlns:c16r2="http://schemas.microsoft.com/office/drawing/2015/06/chart">
             <c:ext xmlns:c16="http://schemas.microsoft.com/office/drawing/2014/chart" uri="{C3380CC4-5D6E-409C-BE32-E72D297353CC}">
               <c16:uniqueId val="{00000002-55F7-4BAC-9ED7-0A0DBC995522}"/>
             </c:ext>
@@ -4253,7 +4271,7 @@
             </c:numRef>
           </c:yVal>
           <c:smooth val="0"/>
-          <c:extLst>
+          <c:extLst xmlns:c16r2="http://schemas.microsoft.com/office/drawing/2015/06/chart">
             <c:ext xmlns:c16="http://schemas.microsoft.com/office/drawing/2014/chart" uri="{C3380CC4-5D6E-409C-BE32-E72D297353CC}">
               <c16:uniqueId val="{00000003-55F7-4BAC-9ED7-0A0DBC995522}"/>
             </c:ext>
@@ -4267,9 +4285,9 @@
           <c:showPercent val="0"/>
           <c:showBubbleSize val="0"/>
         </c:dLbls>
-        <c:axId val="417165312"/>
-        <c:axId val="422502512"/>
-        <c:extLst>
+        <c:axId val="215215568"/>
+        <c:axId val="215216128"/>
+        <c:extLst xmlns:c16r2="http://schemas.microsoft.com/office/drawing/2015/06/chart">
           <c:ext xmlns:c15="http://schemas.microsoft.com/office/drawing/2012/chart" uri="{02D57815-91ED-43cb-92C2-25804820EDAC}">
             <c15:filteredScatterSeries>
               <c15:ser>
@@ -4304,7 +4322,7 @@
                 </c:marker>
                 <c:xVal>
                   <c:numRef>
-                    <c:extLst>
+                    <c:extLst xmlns:c16r2="http://schemas.microsoft.com/office/drawing/2015/06/chart">
                       <c:ext uri="{02D57815-91ED-43cb-92C2-25804820EDAC}">
                         <c15:formulaRef>
                           <c15:sqref>'[Analytical temp.xlsx]slabs'!$W$11:$AA$11</c15:sqref>
@@ -4334,7 +4352,7 @@
                 </c:xVal>
                 <c:yVal>
                   <c:numRef>
-                    <c:extLst>
+                    <c:extLst xmlns:c16r2="http://schemas.microsoft.com/office/drawing/2015/06/chart">
                       <c:ext uri="{02D57815-91ED-43cb-92C2-25804820EDAC}">
                         <c15:formulaRef>
                           <c15:sqref>'[Analytical temp.xlsx]slabs'!$W$67:$AA$67</c15:sqref>
@@ -4363,7 +4381,7 @@
                   </c:numRef>
                 </c:yVal>
                 <c:smooth val="0"/>
-                <c:extLst>
+                <c:extLst xmlns:c16r2="http://schemas.microsoft.com/office/drawing/2015/06/chart">
                   <c:ext xmlns:c16="http://schemas.microsoft.com/office/drawing/2014/chart" uri="{C3380CC4-5D6E-409C-BE32-E72D297353CC}">
                     <c16:uniqueId val="{00000004-55F7-4BAC-9ED7-0A0DBC995522}"/>
                   </c:ext>
@@ -4374,7 +4392,7 @@
         </c:extLst>
       </c:scatterChart>
       <c:valAx>
-        <c:axId val="417165312"/>
+        <c:axId val="215215568"/>
         <c:scaling>
           <c:orientation val="minMax"/>
         </c:scaling>
@@ -4415,6 +4433,7 @@
               </a:p>
             </c:rich>
           </c:tx>
+          <c:layout/>
           <c:overlay val="0"/>
           <c:spPr>
             <a:noFill/>
@@ -4481,12 +4500,12 @@
             <a:endParaRPr lang="en-US"/>
           </a:p>
         </c:txPr>
-        <c:crossAx val="422502512"/>
+        <c:crossAx val="215216128"/>
         <c:crosses val="autoZero"/>
         <c:crossBetween val="midCat"/>
       </c:valAx>
       <c:valAx>
-        <c:axId val="422502512"/>
+        <c:axId val="215216128"/>
         <c:scaling>
           <c:orientation val="minMax"/>
           <c:min val="0"/>
@@ -4528,6 +4547,7 @@
               </a:p>
             </c:rich>
           </c:tx>
+          <c:layout/>
           <c:overlay val="0"/>
           <c:spPr>
             <a:noFill/>
@@ -4594,7 +4614,7 @@
             <a:endParaRPr lang="en-US"/>
           </a:p>
         </c:txPr>
-        <c:crossAx val="417165312"/>
+        <c:crossAx val="215215568"/>
         <c:crosses val="autoZero"/>
         <c:crossBetween val="midCat"/>
       </c:valAx>
@@ -4608,6 +4628,7 @@
     </c:plotArea>
     <c:legend>
       <c:legendPos val="r"/>
+      <c:layout/>
       <c:overlay val="0"/>
       <c:spPr>
         <a:noFill/>
@@ -8422,14 +8443,14 @@
           <a:effectLst/>
           <a:extLst>
             <a:ext uri="{909E8E84-426E-40dd-AFC4-6F175D3DCCD1}">
-              <a14:hiddenFill xmlns="" xmlns:a14="http://schemas.microsoft.com/office/drawing/2010/main">
+              <a14:hiddenFill xmlns:a14="http://schemas.microsoft.com/office/drawing/2010/main" xmlns="">
                 <a:solidFill>
                   <a:schemeClr val="accent1"/>
                 </a:solidFill>
               </a14:hiddenFill>
             </a:ext>
             <a:ext uri="{91240B29-F687-4f45-9708-019B960494DF}">
-              <a14:hiddenLine xmlns="" xmlns:a14="http://schemas.microsoft.com/office/drawing/2010/main" w="9525">
+              <a14:hiddenLine xmlns:a14="http://schemas.microsoft.com/office/drawing/2010/main" xmlns="" w="9525">
                 <a:solidFill>
                   <a:schemeClr val="tx1"/>
                 </a:solidFill>
@@ -8439,7 +8460,7 @@
               </a14:hiddenLine>
             </a:ext>
             <a:ext uri="{AF507438-7753-43e0-B8FC-AC1667EBCBE1}">
-              <a14:hiddenEffects xmlns="" xmlns:a14="http://schemas.microsoft.com/office/drawing/2010/main">
+              <a14:hiddenEffects xmlns:a14="http://schemas.microsoft.com/office/drawing/2010/main" xmlns="">
                 <a:effectLst>
                   <a:outerShdw dist="35921" dir="2700000" algn="ctr" rotWithShape="0">
                     <a:schemeClr val="bg2"/>
@@ -9345,7 +9366,7 @@
           <a:noFill/>
           <a:extLst>
             <a:ext uri="{909E8E84-426E-40dd-AFC4-6F175D3DCCD1}">
-              <a14:hiddenFill xmlns="" xmlns:a14="http://schemas.microsoft.com/office/drawing/2010/main">
+              <a14:hiddenFill xmlns:a14="http://schemas.microsoft.com/office/drawing/2010/main" xmlns="">
                 <a:solidFill>
                   <a:srgbClr val="FFFFFF"/>
                 </a:solidFill>
@@ -9527,6 +9548,13 @@
   <p:clrMapOvr>
     <a:masterClrMapping/>
   </p:clrMapOvr>
+  <p:timing>
+    <p:tnLst>
+      <p:par>
+        <p:cTn id="1" dur="indefinite" restart="never" nodeType="tmRoot"/>
+      </p:par>
+    </p:tnLst>
+  </p:timing>
 </p:sld>
 </file>
 
@@ -9666,6 +9694,13 @@
   <p:clrMapOvr>
     <a:masterClrMapping/>
   </p:clrMapOvr>
+  <p:timing>
+    <p:tnLst>
+      <p:par>
+        <p:cTn id="1" dur="indefinite" restart="never" nodeType="tmRoot"/>
+      </p:par>
+    </p:tnLst>
+  </p:timing>
 </p:sld>
 </file>
 
@@ -9798,6 +9833,13 @@
   <p:clrMapOvr>
     <a:masterClrMapping/>
   </p:clrMapOvr>
+  <p:timing>
+    <p:tnLst>
+      <p:par>
+        <p:cTn id="1" dur="indefinite" restart="never" nodeType="tmRoot"/>
+      </p:par>
+    </p:tnLst>
+  </p:timing>
 </p:sld>
 </file>
 
@@ -9929,6 +9971,13 @@
   <p:clrMapOvr>
     <a:masterClrMapping/>
   </p:clrMapOvr>
+  <p:timing>
+    <p:tnLst>
+      <p:par>
+        <p:cTn id="1" dur="indefinite" restart="never" nodeType="tmRoot"/>
+      </p:par>
+    </p:tnLst>
+  </p:timing>
 </p:sld>
 </file>
 
@@ -10109,6 +10158,13 @@
   <p:clrMapOvr>
     <a:masterClrMapping/>
   </p:clrMapOvr>
+  <p:timing>
+    <p:tnLst>
+      <p:par>
+        <p:cTn id="1" dur="indefinite" restart="never" nodeType="tmRoot"/>
+      </p:par>
+    </p:tnLst>
+  </p:timing>
 </p:sld>
 </file>
 
@@ -10283,7 +10339,7 @@
           <p:cNvPr id="5" name="Chart 4">
             <a:extLst>
               <a:ext uri="{FF2B5EF4-FFF2-40B4-BE49-F238E27FC236}">
-                <a16:creationId xmlns:a16="http://schemas.microsoft.com/office/drawing/2014/main" id="{00000000-0008-0000-0100-000003000000}"/>
+                <a16:creationId xmlns:a16="http://schemas.microsoft.com/office/drawing/2014/main" xmlns="" id="{00000000-0008-0000-0100-000003000000}"/>
               </a:ext>
             </a:extLst>
           </p:cNvPr>
@@ -10461,6 +10517,13 @@
   <p:clrMapOvr>
     <a:masterClrMapping/>
   </p:clrMapOvr>
+  <p:timing>
+    <p:tnLst>
+      <p:par>
+        <p:cTn id="1" dur="indefinite" restart="never" nodeType="tmRoot"/>
+      </p:par>
+    </p:tnLst>
+  </p:timing>
 </p:sld>
 </file>
 
@@ -11638,6 +11701,13 @@
   <p:clrMapOvr>
     <a:masterClrMapping/>
   </p:clrMapOvr>
+  <p:timing>
+    <p:tnLst>
+      <p:par>
+        <p:cTn id="1" dur="indefinite" restart="never" nodeType="tmRoot"/>
+      </p:par>
+    </p:tnLst>
+  </p:timing>
 </p:sld>
 </file>
 
@@ -14397,6 +14467,13 @@
   <p:clrMapOvr>
     <a:masterClrMapping/>
   </p:clrMapOvr>
+  <p:timing>
+    <p:tnLst>
+      <p:par>
+        <p:cTn id="1" dur="indefinite" restart="never" nodeType="tmRoot"/>
+      </p:par>
+    </p:tnLst>
+  </p:timing>
 </p:sld>
 </file>
 
@@ -14530,6 +14607,13 @@
   <p:clrMapOvr>
     <a:masterClrMapping/>
   </p:clrMapOvr>
+  <p:timing>
+    <p:tnLst>
+      <p:par>
+        <p:cTn id="1" dur="indefinite" restart="never" nodeType="tmRoot"/>
+      </p:par>
+    </p:tnLst>
+  </p:timing>
 </p:sld>
 </file>
 
@@ -14845,6 +14929,13 @@
   <p:clrMapOvr>
     <a:masterClrMapping/>
   </p:clrMapOvr>
+  <p:timing>
+    <p:tnLst>
+      <p:par>
+        <p:cTn id="1" dur="indefinite" restart="never" nodeType="tmRoot"/>
+      </p:par>
+    </p:tnLst>
+  </p:timing>
 </p:sld>
 </file>
 
@@ -14972,6 +15063,5907 @@
   <p:clrMapOvr>
     <a:masterClrMapping/>
   </p:clrMapOvr>
+  <p:timing>
+    <p:tnLst>
+      <p:par>
+        <p:cTn id="1" dur="indefinite" restart="never" nodeType="tmRoot"/>
+      </p:par>
+    </p:tnLst>
+  </p:timing>
+</p:sld>
+</file>
+
+<file path=ppt/slides/slide22.xml><?xml version="1.0" encoding="utf-8"?>
+<p:sld xmlns:a="http://schemas.openxmlformats.org/drawingml/2006/main" xmlns:r="http://schemas.openxmlformats.org/officeDocument/2006/relationships" xmlns:p="http://schemas.openxmlformats.org/presentationml/2006/main">
+  <p:cSld>
+    <p:spTree>
+      <p:nvGrpSpPr>
+        <p:cNvPr id="1" name=""/>
+        <p:cNvGrpSpPr/>
+        <p:nvPr/>
+      </p:nvGrpSpPr>
+      <p:grpSpPr>
+        <a:xfrm>
+          <a:off x="0" y="0"/>
+          <a:ext cx="0" cy="0"/>
+          <a:chOff x="0" y="0"/>
+          <a:chExt cx="0" cy="0"/>
+        </a:xfrm>
+      </p:grpSpPr>
+      <p:sp>
+        <p:nvSpPr>
+          <p:cNvPr id="2" name="Title 1"/>
+          <p:cNvSpPr>
+            <a:spLocks noGrp="1"/>
+          </p:cNvSpPr>
+          <p:nvPr>
+            <p:ph type="title"/>
+          </p:nvPr>
+        </p:nvSpPr>
+        <p:spPr/>
+        <p:txBody>
+          <a:bodyPr/>
+          <a:lstStyle/>
+          <a:p>
+            <a:r>
+              <a:rPr lang="en-US" dirty="0" smtClean="0"/>
+              <a:t>Econ Analysis Update</a:t>
+            </a:r>
+            <a:endParaRPr lang="en-US" dirty="0"/>
+          </a:p>
+        </p:txBody>
+      </p:sp>
+      <mc:AlternateContent xmlns:mc="http://schemas.openxmlformats.org/markup-compatibility/2006">
+        <mc:Choice xmlns:a14="http://schemas.microsoft.com/office/drawing/2010/main" Requires="a14">
+          <p:sp>
+            <p:nvSpPr>
+              <p:cNvPr id="3" name="Content Placeholder 2"/>
+              <p:cNvSpPr>
+                <a:spLocks noGrp="1"/>
+              </p:cNvSpPr>
+              <p:nvPr>
+                <p:ph idx="1"/>
+              </p:nvPr>
+            </p:nvSpPr>
+            <p:spPr/>
+            <p:txBody>
+              <a:bodyPr>
+                <a:normAutofit fontScale="85000" lnSpcReduction="10000"/>
+              </a:bodyPr>
+              <a:lstStyle/>
+              <a:p>
+                <a:r>
+                  <a:rPr lang="en-US" dirty="0" smtClean="0"/>
+                  <a:t>Switched to G4 ECONS software</a:t>
+                </a:r>
+              </a:p>
+              <a:p>
+                <a:pPr lvl="1"/>
+                <a:r>
+                  <a:rPr lang="en-US" dirty="0" smtClean="0"/>
+                  <a:t>Early design stages -&gt; top down methods</a:t>
+                </a:r>
+              </a:p>
+              <a:p>
+                <a:pPr lvl="2"/>
+                <a:r>
+                  <a:rPr lang="en-US" dirty="0" smtClean="0"/>
+                  <a:t>Data &amp; expertise: </a:t>
+                </a:r>
+                <a14:m>
+                  <m:oMath xmlns:m="http://schemas.openxmlformats.org/officeDocument/2006/math">
+                    <m:r>
+                      <a:rPr lang="en-US" b="0" i="1" smtClean="0">
+                        <a:latin typeface="Cambria Math" panose="02040503050406030204" pitchFamily="18" charset="0"/>
+                      </a:rPr>
+                      <m:t>𝐶</m:t>
+                    </m:r>
+                    <m:r>
+                      <a:rPr lang="en-US" b="0" i="1" smtClean="0">
+                        <a:latin typeface="Cambria Math" panose="02040503050406030204" pitchFamily="18" charset="0"/>
+                      </a:rPr>
+                      <m:t>=</m:t>
+                    </m:r>
+                    <m:r>
+                      <a:rPr lang="en-US" b="0" i="1" smtClean="0">
+                        <a:latin typeface="Cambria Math" panose="02040503050406030204" pitchFamily="18" charset="0"/>
+                      </a:rPr>
+                      <m:t>𝐴</m:t>
+                    </m:r>
+                    <m:r>
+                      <a:rPr lang="en-US" b="0" i="1" smtClean="0">
+                        <a:latin typeface="Cambria Math" panose="02040503050406030204" pitchFamily="18" charset="0"/>
+                      </a:rPr>
+                      <m:t>+</m:t>
+                    </m:r>
+                    <m:r>
+                      <a:rPr lang="en-US" b="0" i="1" smtClean="0">
+                        <a:latin typeface="Cambria Math" panose="02040503050406030204" pitchFamily="18" charset="0"/>
+                      </a:rPr>
+                      <m:t>𝐵</m:t>
+                    </m:r>
+                    <m:r>
+                      <a:rPr lang="en-US" b="0" i="1" smtClean="0">
+                        <a:latin typeface="Cambria Math" panose="02040503050406030204" pitchFamily="18" charset="0"/>
+                      </a:rPr>
+                      <m:t>×</m:t>
+                    </m:r>
+                    <m:sSup>
+                      <m:sSupPr>
+                        <m:ctrlPr>
+                          <a:rPr lang="en-US" b="0" i="1" smtClean="0">
+                            <a:latin typeface="Cambria Math" panose="02040503050406030204" pitchFamily="18" charset="0"/>
+                          </a:rPr>
+                        </m:ctrlPr>
+                      </m:sSupPr>
+                      <m:e>
+                        <m:r>
+                          <a:rPr lang="en-US" b="0" i="1" smtClean="0">
+                            <a:latin typeface="Cambria Math" panose="02040503050406030204" pitchFamily="18" charset="0"/>
+                          </a:rPr>
+                          <m:t>𝑃</m:t>
+                        </m:r>
+                      </m:e>
+                      <m:sup>
+                        <m:r>
+                          <a:rPr lang="en-US" b="0" i="1" smtClean="0">
+                            <a:latin typeface="Cambria Math" panose="02040503050406030204" pitchFamily="18" charset="0"/>
+                          </a:rPr>
+                          <m:t>𝑛</m:t>
+                        </m:r>
+                      </m:sup>
+                    </m:sSup>
+                  </m:oMath>
+                </a14:m>
+                <a:endParaRPr lang="en-US" b="0" dirty="0" smtClean="0"/>
+              </a:p>
+              <a:p>
+                <a:pPr lvl="1"/>
+                <a:r>
+                  <a:rPr lang="en-US" dirty="0" smtClean="0"/>
+                  <a:t>2 digit “code of accounts” (COA)</a:t>
+                </a:r>
+              </a:p>
+              <a:p>
+                <a:r>
+                  <a:rPr lang="en-US" dirty="0" smtClean="0"/>
+                  <a:t>Fuel cycle / cost estimation needs improvement.</a:t>
+                </a:r>
+              </a:p>
+              <a:p>
+                <a:pPr lvl="1"/>
+                <a:r>
+                  <a:rPr lang="en-US" dirty="0" smtClean="0"/>
+                  <a:t>2 fuel types unsupported</a:t>
+                </a:r>
+              </a:p>
+              <a:p>
+                <a:pPr lvl="1"/>
+                <a:r>
+                  <a:rPr lang="en-US" dirty="0" smtClean="0"/>
+                  <a:t>Look at weighted average, other options</a:t>
+                </a:r>
+              </a:p>
+              <a:p>
+                <a:r>
+                  <a:rPr lang="en-US" dirty="0" smtClean="0"/>
+                  <a:t>Replace borrowed values for some cost parameters</a:t>
+                </a:r>
+              </a:p>
+              <a:p>
+                <a:r>
+                  <a:rPr lang="en-US" dirty="0" smtClean="0"/>
+                  <a:t>Ensure viability of simultaneous electrical and industrial processes.</a:t>
+                </a:r>
+              </a:p>
+              <a:p>
+                <a:pPr lvl="1"/>
+                <a:endParaRPr lang="en-US" dirty="0" smtClean="0"/>
+              </a:p>
+              <a:p>
+                <a:endParaRPr lang="en-US" dirty="0"/>
+              </a:p>
+            </p:txBody>
+          </p:sp>
+        </mc:Choice>
+        <mc:Fallback>
+          <p:sp>
+            <p:nvSpPr>
+              <p:cNvPr id="3" name="Content Placeholder 2"/>
+              <p:cNvSpPr>
+                <a:spLocks noGrp="1" noRot="1" noChangeAspect="1" noMove="1" noResize="1" noEditPoints="1" noAdjustHandles="1" noChangeArrowheads="1" noChangeShapeType="1" noTextEdit="1"/>
+              </p:cNvSpPr>
+              <p:nvPr>
+                <p:ph idx="1"/>
+              </p:nvPr>
+            </p:nvSpPr>
+            <p:spPr>
+              <a:blipFill rotWithShape="0">
+                <a:blip r:embed="rId2"/>
+                <a:stretch>
+                  <a:fillRect l="-1259" t="-2156" b="-3100"/>
+                </a:stretch>
+              </a:blipFill>
+            </p:spPr>
+            <p:txBody>
+              <a:bodyPr/>
+              <a:lstStyle/>
+              <a:p>
+                <a:r>
+                  <a:rPr lang="en-US">
+                    <a:noFill/>
+                  </a:rPr>
+                  <a:t> </a:t>
+                </a:r>
+              </a:p>
+            </p:txBody>
+          </p:sp>
+        </mc:Fallback>
+      </mc:AlternateContent>
+      <p:sp>
+        <p:nvSpPr>
+          <p:cNvPr id="4" name="Slide Number Placeholder 3"/>
+          <p:cNvSpPr>
+            <a:spLocks noGrp="1"/>
+          </p:cNvSpPr>
+          <p:nvPr>
+            <p:ph type="sldNum" sz="quarter" idx="10"/>
+          </p:nvPr>
+        </p:nvSpPr>
+        <p:spPr/>
+        <p:txBody>
+          <a:bodyPr/>
+          <a:lstStyle/>
+          <a:p>
+            <a:pPr>
+              <a:defRPr/>
+            </a:pPr>
+            <a:fld id="{639E97B8-4532-408E-A5F7-ACF05B64D361}" type="slidenum">
+              <a:rPr lang="en-US" smtClean="0"/>
+              <a:pPr>
+                <a:defRPr/>
+              </a:pPr>
+              <a:t>22</a:t>
+            </a:fld>
+            <a:endParaRPr lang="en-US" dirty="0"/>
+          </a:p>
+        </p:txBody>
+      </p:sp>
+    </p:spTree>
+    <p:extLst>
+      <p:ext uri="{BB962C8B-B14F-4D97-AF65-F5344CB8AC3E}">
+        <p14:creationId xmlns:p14="http://schemas.microsoft.com/office/powerpoint/2010/main" val="2793902908"/>
+      </p:ext>
+    </p:extLst>
+  </p:cSld>
+  <p:clrMapOvr>
+    <a:masterClrMapping/>
+  </p:clrMapOvr>
+  <p:timing>
+    <p:tnLst>
+      <p:par>
+        <p:cTn id="1" dur="indefinite" restart="never" nodeType="tmRoot"/>
+      </p:par>
+    </p:tnLst>
+  </p:timing>
+</p:sld>
+</file>
+
+<file path=ppt/slides/slide23.xml><?xml version="1.0" encoding="utf-8"?>
+<p:sld xmlns:a="http://schemas.openxmlformats.org/drawingml/2006/main" xmlns:r="http://schemas.openxmlformats.org/officeDocument/2006/relationships" xmlns:p="http://schemas.openxmlformats.org/presentationml/2006/main">
+  <p:cSld>
+    <p:spTree>
+      <p:nvGrpSpPr>
+        <p:cNvPr id="1" name=""/>
+        <p:cNvGrpSpPr/>
+        <p:nvPr/>
+      </p:nvGrpSpPr>
+      <p:grpSpPr>
+        <a:xfrm>
+          <a:off x="0" y="0"/>
+          <a:ext cx="0" cy="0"/>
+          <a:chOff x="0" y="0"/>
+          <a:chExt cx="0" cy="0"/>
+        </a:xfrm>
+      </p:grpSpPr>
+      <p:sp>
+        <p:nvSpPr>
+          <p:cNvPr id="2" name="Title 1"/>
+          <p:cNvSpPr>
+            <a:spLocks noGrp="1"/>
+          </p:cNvSpPr>
+          <p:nvPr>
+            <p:ph type="title"/>
+          </p:nvPr>
+        </p:nvSpPr>
+        <p:spPr/>
+        <p:txBody>
+          <a:bodyPr/>
+          <a:lstStyle/>
+          <a:p>
+            <a:r>
+              <a:rPr lang="en-US" dirty="0" smtClean="0"/>
+              <a:t>Current Results</a:t>
+            </a:r>
+            <a:endParaRPr lang="en-US" dirty="0"/>
+          </a:p>
+        </p:txBody>
+      </p:sp>
+      <p:graphicFrame>
+        <p:nvGraphicFramePr>
+          <p:cNvPr id="6" name="Content Placeholder 5"/>
+          <p:cNvGraphicFramePr>
+            <a:graphicFrameLocks noGrp="1"/>
+          </p:cNvGraphicFramePr>
+          <p:nvPr>
+            <p:ph idx="1"/>
+            <p:extLst>
+              <p:ext uri="{D42A27DB-BD31-4B8C-83A1-F6EECF244321}">
+                <p14:modId xmlns:p14="http://schemas.microsoft.com/office/powerpoint/2010/main" val="467517652"/>
+              </p:ext>
+            </p:extLst>
+          </p:nvPr>
+        </p:nvGraphicFramePr>
+        <p:xfrm>
+          <a:off x="457200" y="2103180"/>
+          <a:ext cx="8229600" cy="3337440"/>
+        </p:xfrm>
+        <a:graphic>
+          <a:graphicData uri="http://schemas.openxmlformats.org/drawingml/2006/table">
+            <a:tbl>
+              <a:tblPr/>
+              <a:tblGrid>
+                <a:gridCol w="1854132"/>
+                <a:gridCol w="681222"/>
+                <a:gridCol w="5694246"/>
+              </a:tblGrid>
+              <a:tr h="173052">
+                <a:tc gridSpan="3">
+                  <a:txBody>
+                    <a:bodyPr/>
+                    <a:lstStyle/>
+                    <a:p>
+                      <a:pPr algn="l" fontAlgn="b"/>
+                      <a:r>
+                        <a:rPr lang="en-US" sz="1000" b="1" i="0" u="none" strike="noStrike" dirty="0">
+                          <a:effectLst/>
+                          <a:latin typeface="Tahoma" panose="020B0604030504040204" pitchFamily="34" charset="0"/>
+                        </a:rPr>
+                        <a:t>REACTOR SUMMARY:  IMPORTANT OUTPUTS and INTERMEDIATE CALCULATED VARIABLES</a:t>
+                      </a:r>
+                    </a:p>
+                  </a:txBody>
+                  <a:tcPr marL="0" marR="0" marT="0" marB="0" anchor="b">
+                    <a:lnL>
+                      <a:noFill/>
+                    </a:lnL>
+                    <a:lnR>
+                      <a:noFill/>
+                    </a:lnR>
+                    <a:lnT>
+                      <a:noFill/>
+                    </a:lnT>
+                    <a:lnB w="6350" cap="flat" cmpd="sng" algn="ctr">
+                      <a:solidFill>
+                        <a:srgbClr val="000000"/>
+                      </a:solidFill>
+                      <a:prstDash val="solid"/>
+                      <a:round/>
+                      <a:headEnd type="none" w="med" len="med"/>
+                      <a:tailEnd type="none" w="med" len="med"/>
+                    </a:lnB>
+                    <a:solidFill>
+                      <a:srgbClr val="FFCC00"/>
+                    </a:solidFill>
+                  </a:tcPr>
+                </a:tc>
+                <a:tc hMerge="1">
+                  <a:txBody>
+                    <a:bodyPr/>
+                    <a:lstStyle/>
+                    <a:p>
+                      <a:endParaRPr lang="en-US"/>
+                    </a:p>
+                  </a:txBody>
+                  <a:tcPr/>
+                </a:tc>
+                <a:tc hMerge="1">
+                  <a:txBody>
+                    <a:bodyPr/>
+                    <a:lstStyle/>
+                    <a:p>
+                      <a:endParaRPr lang="en-US"/>
+                    </a:p>
+                  </a:txBody>
+                  <a:tcPr/>
+                </a:tc>
+              </a:tr>
+              <a:tr h="156571">
+                <a:tc>
+                  <a:txBody>
+                    <a:bodyPr/>
+                    <a:lstStyle/>
+                    <a:p>
+                      <a:pPr algn="l" fontAlgn="b"/>
+                      <a:r>
+                        <a:rPr lang="en-US" sz="900" b="0" i="0" u="none" strike="noStrike">
+                          <a:effectLst/>
+                          <a:latin typeface="Book Antiqua" panose="02040602050305030304" pitchFamily="18" charset="0"/>
+                        </a:rPr>
+                        <a:t>Output Table Variable Names</a:t>
+                      </a:r>
+                    </a:p>
+                  </a:txBody>
+                  <a:tcPr marL="0" marR="0" marT="0" marB="0" anchor="b">
+                    <a:lnL w="6350" cap="flat" cmpd="sng" algn="ctr">
+                      <a:solidFill>
+                        <a:srgbClr val="000000"/>
+                      </a:solidFill>
+                      <a:prstDash val="solid"/>
+                      <a:round/>
+                      <a:headEnd type="none" w="med" len="med"/>
+                      <a:tailEnd type="none" w="med" len="med"/>
+                    </a:lnL>
+                    <a:lnR>
+                      <a:noFill/>
+                    </a:lnR>
+                    <a:lnT w="6350" cap="flat" cmpd="sng" algn="ctr">
+                      <a:solidFill>
+                        <a:srgbClr val="000000"/>
+                      </a:solidFill>
+                      <a:prstDash val="solid"/>
+                      <a:round/>
+                      <a:headEnd type="none" w="med" len="med"/>
+                      <a:tailEnd type="none" w="med" len="med"/>
+                    </a:lnT>
+                    <a:lnB w="12700" cap="flat" cmpd="sng" algn="ctr">
+                      <a:solidFill>
+                        <a:srgbClr val="000000"/>
+                      </a:solidFill>
+                      <a:prstDash val="solid"/>
+                      <a:round/>
+                      <a:headEnd type="none" w="med" len="med"/>
+                      <a:tailEnd type="none" w="med" len="med"/>
+                    </a:lnB>
+                    <a:solidFill>
+                      <a:srgbClr val="FFCC99"/>
+                    </a:solidFill>
+                  </a:tcPr>
+                </a:tc>
+                <a:tc>
+                  <a:txBody>
+                    <a:bodyPr/>
+                    <a:lstStyle/>
+                    <a:p>
+                      <a:pPr algn="l" fontAlgn="b"/>
+                      <a:r>
+                        <a:rPr lang="en-US" sz="900" b="0" i="0" u="none" strike="noStrike" dirty="0">
+                          <a:effectLst/>
+                          <a:latin typeface="Book Antiqua" panose="02040602050305030304" pitchFamily="18" charset="0"/>
+                        </a:rPr>
+                        <a:t> </a:t>
+                      </a:r>
+                    </a:p>
+                  </a:txBody>
+                  <a:tcPr marL="0" marR="0" marT="0" marB="0" anchor="b">
+                    <a:lnL>
+                      <a:noFill/>
+                    </a:lnL>
+                    <a:lnR>
+                      <a:noFill/>
+                    </a:lnR>
+                    <a:lnT w="6350" cap="flat" cmpd="sng" algn="ctr">
+                      <a:solidFill>
+                        <a:srgbClr val="000000"/>
+                      </a:solidFill>
+                      <a:prstDash val="solid"/>
+                      <a:round/>
+                      <a:headEnd type="none" w="med" len="med"/>
+                      <a:tailEnd type="none" w="med" len="med"/>
+                    </a:lnT>
+                    <a:lnB w="12700" cap="flat" cmpd="sng" algn="ctr">
+                      <a:solidFill>
+                        <a:srgbClr val="000000"/>
+                      </a:solidFill>
+                      <a:prstDash val="solid"/>
+                      <a:round/>
+                      <a:headEnd type="none" w="med" len="med"/>
+                      <a:tailEnd type="none" w="med" len="med"/>
+                    </a:lnB>
+                    <a:solidFill>
+                      <a:srgbClr val="FFCC99"/>
+                    </a:solidFill>
+                  </a:tcPr>
+                </a:tc>
+                <a:tc>
+                  <a:txBody>
+                    <a:bodyPr/>
+                    <a:lstStyle/>
+                    <a:p>
+                      <a:pPr algn="l" fontAlgn="b"/>
+                      <a:r>
+                        <a:rPr lang="en-US" sz="900" b="0" i="0" u="none" strike="noStrike">
+                          <a:effectLst/>
+                          <a:latin typeface="Book Antiqua" panose="02040602050305030304" pitchFamily="18" charset="0"/>
+                        </a:rPr>
+                        <a:t> </a:t>
+                      </a:r>
+                    </a:p>
+                  </a:txBody>
+                  <a:tcPr marL="0" marR="0" marT="0" marB="0" anchor="b">
+                    <a:lnL>
+                      <a:noFill/>
+                    </a:lnL>
+                    <a:lnR w="6350" cap="flat" cmpd="sng" algn="ctr">
+                      <a:solidFill>
+                        <a:srgbClr val="000000"/>
+                      </a:solidFill>
+                      <a:prstDash val="solid"/>
+                      <a:round/>
+                      <a:headEnd type="none" w="med" len="med"/>
+                      <a:tailEnd type="none" w="med" len="med"/>
+                    </a:lnR>
+                    <a:lnT w="6350" cap="flat" cmpd="sng" algn="ctr">
+                      <a:solidFill>
+                        <a:srgbClr val="000000"/>
+                      </a:solidFill>
+                      <a:prstDash val="solid"/>
+                      <a:round/>
+                      <a:headEnd type="none" w="med" len="med"/>
+                      <a:tailEnd type="none" w="med" len="med"/>
+                    </a:lnT>
+                    <a:lnB w="12700" cap="flat" cmpd="sng" algn="ctr">
+                      <a:solidFill>
+                        <a:srgbClr val="000000"/>
+                      </a:solidFill>
+                      <a:prstDash val="solid"/>
+                      <a:round/>
+                      <a:headEnd type="none" w="med" len="med"/>
+                      <a:tailEnd type="none" w="med" len="med"/>
+                    </a:lnB>
+                    <a:solidFill>
+                      <a:srgbClr val="FFCC99"/>
+                    </a:solidFill>
+                  </a:tcPr>
+                </a:tc>
+              </a:tr>
+              <a:tr h="609803">
+                <a:tc>
+                  <a:txBody>
+                    <a:bodyPr/>
+                    <a:lstStyle/>
+                    <a:p>
+                      <a:pPr algn="l" fontAlgn="b"/>
+                      <a:r>
+                        <a:rPr lang="en-US" sz="900" b="0" i="0" u="none" strike="noStrike">
+                          <a:effectLst/>
+                          <a:latin typeface="Book Antiqua" panose="02040602050305030304" pitchFamily="18" charset="0"/>
+                        </a:rPr>
+                        <a:t>Description</a:t>
+                      </a:r>
+                    </a:p>
+                  </a:txBody>
+                  <a:tcPr marL="0" marR="0" marT="0" marB="0" anchor="b">
+                    <a:lnL w="6350" cap="flat" cmpd="sng" algn="ctr">
+                      <a:solidFill>
+                        <a:srgbClr val="000000"/>
+                      </a:solidFill>
+                      <a:prstDash val="solid"/>
+                      <a:round/>
+                      <a:headEnd type="none" w="med" len="med"/>
+                      <a:tailEnd type="none" w="med" len="med"/>
+                    </a:lnL>
+                    <a:lnR>
+                      <a:noFill/>
+                    </a:lnR>
+                    <a:lnT w="12700" cap="flat" cmpd="sng" algn="ctr">
+                      <a:solidFill>
+                        <a:srgbClr val="000000"/>
+                      </a:solidFill>
+                      <a:prstDash val="solid"/>
+                      <a:round/>
+                      <a:headEnd type="none" w="med" len="med"/>
+                      <a:tailEnd type="none" w="med" len="med"/>
+                    </a:lnT>
+                    <a:lnB w="6350" cap="flat" cmpd="sng" algn="ctr">
+                      <a:solidFill>
+                        <a:srgbClr val="000000"/>
+                      </a:solidFill>
+                      <a:prstDash val="solid"/>
+                      <a:round/>
+                      <a:headEnd type="none" w="med" len="med"/>
+                      <a:tailEnd type="none" w="med" len="med"/>
+                    </a:lnB>
+                    <a:solidFill>
+                      <a:srgbClr val="FFFFFF"/>
+                    </a:solidFill>
+                  </a:tcPr>
+                </a:tc>
+                <a:tc>
+                  <a:txBody>
+                    <a:bodyPr/>
+                    <a:lstStyle/>
+                    <a:p>
+                      <a:pPr algn="ctr" fontAlgn="b"/>
+                      <a:r>
+                        <a:rPr lang="en-US" sz="900" b="0" i="0" u="none" strike="noStrike">
+                          <a:effectLst/>
+                          <a:latin typeface="Book Antiqua" panose="02040602050305030304" pitchFamily="18" charset="0"/>
+                        </a:rPr>
+                        <a:t>Value in mills/kwh or $/MWh</a:t>
+                      </a:r>
+                    </a:p>
+                  </a:txBody>
+                  <a:tcPr marL="0" marR="0" marT="0" marB="0" anchor="b">
+                    <a:lnL>
+                      <a:noFill/>
+                    </a:lnL>
+                    <a:lnR>
+                      <a:noFill/>
+                    </a:lnR>
+                    <a:lnT w="12700" cap="flat" cmpd="sng" algn="ctr">
+                      <a:solidFill>
+                        <a:srgbClr val="000000"/>
+                      </a:solidFill>
+                      <a:prstDash val="solid"/>
+                      <a:round/>
+                      <a:headEnd type="none" w="med" len="med"/>
+                      <a:tailEnd type="none" w="med" len="med"/>
+                    </a:lnT>
+                    <a:lnB w="6350" cap="flat" cmpd="sng" algn="ctr">
+                      <a:solidFill>
+                        <a:srgbClr val="000000"/>
+                      </a:solidFill>
+                      <a:prstDash val="solid"/>
+                      <a:round/>
+                      <a:headEnd type="none" w="med" len="med"/>
+                      <a:tailEnd type="none" w="med" len="med"/>
+                    </a:lnB>
+                    <a:solidFill>
+                      <a:srgbClr val="FFFFFF"/>
+                    </a:solidFill>
+                  </a:tcPr>
+                </a:tc>
+                <a:tc>
+                  <a:txBody>
+                    <a:bodyPr/>
+                    <a:lstStyle/>
+                    <a:p>
+                      <a:pPr algn="r" fontAlgn="b"/>
+                      <a:r>
+                        <a:rPr lang="en-US" sz="900" b="0" i="1" u="none" strike="noStrike">
+                          <a:effectLst/>
+                          <a:latin typeface="Book Antiqua" panose="02040602050305030304" pitchFamily="18" charset="0"/>
+                        </a:rPr>
+                        <a:t>variableName</a:t>
+                      </a:r>
+                    </a:p>
+                  </a:txBody>
+                  <a:tcPr marL="0" marR="0" marT="0" marB="0" anchor="b">
+                    <a:lnL>
+                      <a:noFill/>
+                    </a:lnL>
+                    <a:lnR w="6350" cap="flat" cmpd="sng" algn="ctr">
+                      <a:solidFill>
+                        <a:srgbClr val="000000"/>
+                      </a:solidFill>
+                      <a:prstDash val="solid"/>
+                      <a:round/>
+                      <a:headEnd type="none" w="med" len="med"/>
+                      <a:tailEnd type="none" w="med" len="med"/>
+                    </a:lnR>
+                    <a:lnT w="12700" cap="flat" cmpd="sng" algn="ctr">
+                      <a:solidFill>
+                        <a:srgbClr val="000000"/>
+                      </a:solidFill>
+                      <a:prstDash val="solid"/>
+                      <a:round/>
+                      <a:headEnd type="none" w="med" len="med"/>
+                      <a:tailEnd type="none" w="med" len="med"/>
+                    </a:lnT>
+                    <a:lnB w="6350" cap="flat" cmpd="sng" algn="ctr">
+                      <a:solidFill>
+                        <a:srgbClr val="000000"/>
+                      </a:solidFill>
+                      <a:prstDash val="solid"/>
+                      <a:round/>
+                      <a:headEnd type="none" w="med" len="med"/>
+                      <a:tailEnd type="none" w="med" len="med"/>
+                    </a:lnB>
+                    <a:solidFill>
+                      <a:srgbClr val="FFFFFF"/>
+                    </a:solidFill>
+                  </a:tcPr>
+                </a:tc>
+              </a:tr>
+              <a:tr h="164812">
+                <a:tc>
+                  <a:txBody>
+                    <a:bodyPr/>
+                    <a:lstStyle/>
+                    <a:p>
+                      <a:pPr algn="l" fontAlgn="b"/>
+                      <a:r>
+                        <a:rPr lang="en-US" sz="900" b="1" i="0" u="none" strike="noStrike" dirty="0">
+                          <a:effectLst/>
+                          <a:latin typeface="Book Antiqua" panose="02040602050305030304" pitchFamily="18" charset="0"/>
+                        </a:rPr>
+                        <a:t>Total LUEC</a:t>
+                      </a:r>
+                    </a:p>
+                  </a:txBody>
+                  <a:tcPr marL="0" marR="0" marT="0" marB="0" anchor="b">
+                    <a:lnL w="6350" cap="flat" cmpd="sng" algn="ctr">
+                      <a:solidFill>
+                        <a:srgbClr val="000000"/>
+                      </a:solidFill>
+                      <a:prstDash val="solid"/>
+                      <a:round/>
+                      <a:headEnd type="none" w="med" len="med"/>
+                      <a:tailEnd type="none" w="med" len="med"/>
+                    </a:lnL>
+                    <a:lnR>
+                      <a:noFill/>
+                    </a:lnR>
+                    <a:lnT w="6350" cap="flat" cmpd="sng" algn="ctr">
+                      <a:solidFill>
+                        <a:srgbClr val="000000"/>
+                      </a:solidFill>
+                      <a:prstDash val="solid"/>
+                      <a:round/>
+                      <a:headEnd type="none" w="med" len="med"/>
+                      <a:tailEnd type="none" w="med" len="med"/>
+                    </a:lnT>
+                    <a:lnB>
+                      <a:noFill/>
+                    </a:lnB>
+                    <a:solidFill>
+                      <a:srgbClr val="FFFF99"/>
+                    </a:solidFill>
+                  </a:tcPr>
+                </a:tc>
+                <a:tc>
+                  <a:txBody>
+                    <a:bodyPr/>
+                    <a:lstStyle/>
+                    <a:p>
+                      <a:pPr algn="ctr" fontAlgn="b"/>
+                      <a:r>
+                        <a:rPr lang="en-US" sz="900" b="1" i="0" u="none" strike="noStrike" dirty="0">
+                          <a:effectLst/>
+                          <a:latin typeface="Book Antiqua" panose="02040602050305030304" pitchFamily="18" charset="0"/>
+                        </a:rPr>
+                        <a:t>110.33</a:t>
+                      </a:r>
+                    </a:p>
+                  </a:txBody>
+                  <a:tcPr marL="0" marR="0" marT="0" marB="0" anchor="b">
+                    <a:lnL>
+                      <a:noFill/>
+                    </a:lnL>
+                    <a:lnR>
+                      <a:noFill/>
+                    </a:lnR>
+                    <a:lnT w="6350" cap="flat" cmpd="sng" algn="ctr">
+                      <a:solidFill>
+                        <a:srgbClr val="000000"/>
+                      </a:solidFill>
+                      <a:prstDash val="solid"/>
+                      <a:round/>
+                      <a:headEnd type="none" w="med" len="med"/>
+                      <a:tailEnd type="none" w="med" len="med"/>
+                    </a:lnT>
+                    <a:lnB>
+                      <a:noFill/>
+                    </a:lnB>
+                    <a:solidFill>
+                      <a:srgbClr val="FFFF99"/>
+                    </a:solidFill>
+                  </a:tcPr>
+                </a:tc>
+                <a:tc>
+                  <a:txBody>
+                    <a:bodyPr/>
+                    <a:lstStyle/>
+                    <a:p>
+                      <a:pPr algn="r" fontAlgn="b"/>
+                      <a:r>
+                        <a:rPr lang="en-US" sz="900" b="0" i="1" u="none" strike="noStrike">
+                          <a:effectLst/>
+                          <a:latin typeface="Book Antiqua" panose="02040602050305030304" pitchFamily="18" charset="0"/>
+                        </a:rPr>
+                        <a:t>totalLuec</a:t>
+                      </a:r>
+                    </a:p>
+                  </a:txBody>
+                  <a:tcPr marL="0" marR="0" marT="0" marB="0" anchor="b">
+                    <a:lnL>
+                      <a:noFill/>
+                    </a:lnL>
+                    <a:lnR w="6350" cap="flat" cmpd="sng" algn="ctr">
+                      <a:solidFill>
+                        <a:srgbClr val="000000"/>
+                      </a:solidFill>
+                      <a:prstDash val="solid"/>
+                      <a:round/>
+                      <a:headEnd type="none" w="med" len="med"/>
+                      <a:tailEnd type="none" w="med" len="med"/>
+                    </a:lnR>
+                    <a:lnT w="6350" cap="flat" cmpd="sng" algn="ctr">
+                      <a:solidFill>
+                        <a:srgbClr val="000000"/>
+                      </a:solidFill>
+                      <a:prstDash val="solid"/>
+                      <a:round/>
+                      <a:headEnd type="none" w="med" len="med"/>
+                      <a:tailEnd type="none" w="med" len="med"/>
+                    </a:lnT>
+                    <a:lnB>
+                      <a:noFill/>
+                    </a:lnB>
+                    <a:solidFill>
+                      <a:srgbClr val="FFFF99"/>
+                    </a:solidFill>
+                  </a:tcPr>
+                </a:tc>
+              </a:tr>
+              <a:tr h="164812">
+                <a:tc>
+                  <a:txBody>
+                    <a:bodyPr/>
+                    <a:lstStyle/>
+                    <a:p>
+                      <a:pPr algn="l" fontAlgn="b"/>
+                      <a:r>
+                        <a:rPr lang="en-US" sz="900" b="0" i="0" u="none" strike="noStrike">
+                          <a:effectLst/>
+                          <a:latin typeface="Book Antiqua" panose="02040602050305030304" pitchFamily="18" charset="0"/>
+                        </a:rPr>
+                        <a:t>Capital (Including Financing)</a:t>
+                      </a:r>
+                    </a:p>
+                  </a:txBody>
+                  <a:tcPr marL="0" marR="0" marT="0" marB="0" anchor="b">
+                    <a:lnL w="6350" cap="flat" cmpd="sng" algn="ctr">
+                      <a:solidFill>
+                        <a:srgbClr val="000000"/>
+                      </a:solidFill>
+                      <a:prstDash val="solid"/>
+                      <a:round/>
+                      <a:headEnd type="none" w="med" len="med"/>
+                      <a:tailEnd type="none" w="med" len="med"/>
+                    </a:lnL>
+                    <a:lnR>
+                      <a:noFill/>
+                    </a:lnR>
+                    <a:lnT>
+                      <a:noFill/>
+                    </a:lnT>
+                    <a:lnB>
+                      <a:noFill/>
+                    </a:lnB>
+                    <a:solidFill>
+                      <a:srgbClr val="FFFFFF"/>
+                    </a:solidFill>
+                  </a:tcPr>
+                </a:tc>
+                <a:tc>
+                  <a:txBody>
+                    <a:bodyPr/>
+                    <a:lstStyle/>
+                    <a:p>
+                      <a:pPr algn="ctr" fontAlgn="b"/>
+                      <a:r>
+                        <a:rPr lang="en-US" sz="900" b="0" i="0" u="none" strike="noStrike">
+                          <a:effectLst/>
+                          <a:latin typeface="Book Antiqua" panose="02040602050305030304" pitchFamily="18" charset="0"/>
+                        </a:rPr>
+                        <a:t>86.59</a:t>
+                      </a:r>
+                    </a:p>
+                  </a:txBody>
+                  <a:tcPr marL="0" marR="0" marT="0" marB="0" anchor="b">
+                    <a:lnL>
+                      <a:noFill/>
+                    </a:lnL>
+                    <a:lnR>
+                      <a:noFill/>
+                    </a:lnR>
+                    <a:lnT>
+                      <a:noFill/>
+                    </a:lnT>
+                    <a:lnB>
+                      <a:noFill/>
+                    </a:lnB>
+                    <a:solidFill>
+                      <a:srgbClr val="FFFFFF"/>
+                    </a:solidFill>
+                  </a:tcPr>
+                </a:tc>
+                <a:tc>
+                  <a:txBody>
+                    <a:bodyPr/>
+                    <a:lstStyle/>
+                    <a:p>
+                      <a:pPr algn="r" fontAlgn="b"/>
+                      <a:r>
+                        <a:rPr lang="en-US" sz="900" b="0" i="1" u="none" strike="noStrike">
+                          <a:effectLst/>
+                          <a:latin typeface="Book Antiqua" panose="02040602050305030304" pitchFamily="18" charset="0"/>
+                        </a:rPr>
+                        <a:t>cap_comp_LUEC</a:t>
+                      </a:r>
+                    </a:p>
+                  </a:txBody>
+                  <a:tcPr marL="0" marR="0" marT="0" marB="0" anchor="b">
+                    <a:lnL>
+                      <a:noFill/>
+                    </a:lnL>
+                    <a:lnR w="6350" cap="flat" cmpd="sng" algn="ctr">
+                      <a:solidFill>
+                        <a:srgbClr val="000000"/>
+                      </a:solidFill>
+                      <a:prstDash val="solid"/>
+                      <a:round/>
+                      <a:headEnd type="none" w="med" len="med"/>
+                      <a:tailEnd type="none" w="med" len="med"/>
+                    </a:lnR>
+                    <a:lnT>
+                      <a:noFill/>
+                    </a:lnT>
+                    <a:lnB>
+                      <a:noFill/>
+                    </a:lnB>
+                    <a:solidFill>
+                      <a:srgbClr val="FFFFFF"/>
+                    </a:solidFill>
+                  </a:tcPr>
+                </a:tc>
+              </a:tr>
+              <a:tr h="164812">
+                <a:tc>
+                  <a:txBody>
+                    <a:bodyPr/>
+                    <a:lstStyle/>
+                    <a:p>
+                      <a:pPr algn="l" fontAlgn="b"/>
+                      <a:r>
+                        <a:rPr lang="en-US" sz="900" b="0" i="0" u="none" strike="noStrike">
+                          <a:effectLst/>
+                          <a:latin typeface="Book Antiqua" panose="02040602050305030304" pitchFamily="18" charset="0"/>
+                        </a:rPr>
+                        <a:t>Operation</a:t>
+                      </a:r>
+                    </a:p>
+                  </a:txBody>
+                  <a:tcPr marL="0" marR="0" marT="0" marB="0" anchor="b">
+                    <a:lnL w="6350" cap="flat" cmpd="sng" algn="ctr">
+                      <a:solidFill>
+                        <a:srgbClr val="000000"/>
+                      </a:solidFill>
+                      <a:prstDash val="solid"/>
+                      <a:round/>
+                      <a:headEnd type="none" w="med" len="med"/>
+                      <a:tailEnd type="none" w="med" len="med"/>
+                    </a:lnL>
+                    <a:lnR>
+                      <a:noFill/>
+                    </a:lnR>
+                    <a:lnT>
+                      <a:noFill/>
+                    </a:lnT>
+                    <a:lnB>
+                      <a:noFill/>
+                    </a:lnB>
+                    <a:solidFill>
+                      <a:srgbClr val="FFFFFF"/>
+                    </a:solidFill>
+                  </a:tcPr>
+                </a:tc>
+                <a:tc>
+                  <a:txBody>
+                    <a:bodyPr/>
+                    <a:lstStyle/>
+                    <a:p>
+                      <a:pPr algn="ctr" fontAlgn="b"/>
+                      <a:r>
+                        <a:rPr lang="en-US" sz="900" b="0" i="0" u="none" strike="noStrike">
+                          <a:effectLst/>
+                          <a:latin typeface="Book Antiqua" panose="02040602050305030304" pitchFamily="18" charset="0"/>
+                        </a:rPr>
+                        <a:t>21.69</a:t>
+                      </a:r>
+                    </a:p>
+                  </a:txBody>
+                  <a:tcPr marL="0" marR="0" marT="0" marB="0" anchor="b">
+                    <a:lnL>
+                      <a:noFill/>
+                    </a:lnL>
+                    <a:lnR>
+                      <a:noFill/>
+                    </a:lnR>
+                    <a:lnT>
+                      <a:noFill/>
+                    </a:lnT>
+                    <a:lnB>
+                      <a:noFill/>
+                    </a:lnB>
+                    <a:solidFill>
+                      <a:srgbClr val="FFFFFF"/>
+                    </a:solidFill>
+                  </a:tcPr>
+                </a:tc>
+                <a:tc>
+                  <a:txBody>
+                    <a:bodyPr/>
+                    <a:lstStyle/>
+                    <a:p>
+                      <a:pPr algn="r" fontAlgn="b"/>
+                      <a:r>
+                        <a:rPr lang="en-US" sz="900" b="0" i="1" u="none" strike="noStrike">
+                          <a:effectLst/>
+                          <a:latin typeface="Book Antiqua" panose="02040602050305030304" pitchFamily="18" charset="0"/>
+                        </a:rPr>
+                        <a:t>om_comp_LUEC</a:t>
+                      </a:r>
+                    </a:p>
+                  </a:txBody>
+                  <a:tcPr marL="0" marR="0" marT="0" marB="0" anchor="b">
+                    <a:lnL>
+                      <a:noFill/>
+                    </a:lnL>
+                    <a:lnR w="6350" cap="flat" cmpd="sng" algn="ctr">
+                      <a:solidFill>
+                        <a:srgbClr val="000000"/>
+                      </a:solidFill>
+                      <a:prstDash val="solid"/>
+                      <a:round/>
+                      <a:headEnd type="none" w="med" len="med"/>
+                      <a:tailEnd type="none" w="med" len="med"/>
+                    </a:lnR>
+                    <a:lnT>
+                      <a:noFill/>
+                    </a:lnT>
+                    <a:lnB>
+                      <a:noFill/>
+                    </a:lnB>
+                    <a:solidFill>
+                      <a:srgbClr val="FFFFFF"/>
+                    </a:solidFill>
+                  </a:tcPr>
+                </a:tc>
+              </a:tr>
+              <a:tr h="164812">
+                <a:tc>
+                  <a:txBody>
+                    <a:bodyPr/>
+                    <a:lstStyle/>
+                    <a:p>
+                      <a:pPr algn="l" fontAlgn="b"/>
+                      <a:r>
+                        <a:rPr lang="en-US" sz="900" b="0" i="0" u="none" strike="noStrike">
+                          <a:effectLst/>
+                          <a:latin typeface="Book Antiqua" panose="02040602050305030304" pitchFamily="18" charset="0"/>
+                        </a:rPr>
+                        <a:t>Fuel Cycle - Front End</a:t>
+                      </a:r>
+                    </a:p>
+                  </a:txBody>
+                  <a:tcPr marL="0" marR="0" marT="0" marB="0" anchor="b">
+                    <a:lnL w="6350" cap="flat" cmpd="sng" algn="ctr">
+                      <a:solidFill>
+                        <a:srgbClr val="000000"/>
+                      </a:solidFill>
+                      <a:prstDash val="solid"/>
+                      <a:round/>
+                      <a:headEnd type="none" w="med" len="med"/>
+                      <a:tailEnd type="none" w="med" len="med"/>
+                    </a:lnL>
+                    <a:lnR>
+                      <a:noFill/>
+                    </a:lnR>
+                    <a:lnT>
+                      <a:noFill/>
+                    </a:lnT>
+                    <a:lnB>
+                      <a:noFill/>
+                    </a:lnB>
+                    <a:solidFill>
+                      <a:srgbClr val="FFFFFF"/>
+                    </a:solidFill>
+                  </a:tcPr>
+                </a:tc>
+                <a:tc>
+                  <a:txBody>
+                    <a:bodyPr/>
+                    <a:lstStyle/>
+                    <a:p>
+                      <a:pPr algn="l" fontAlgn="b"/>
+                      <a:r>
+                        <a:rPr lang="en-US" sz="900" b="0" i="0" u="none" strike="noStrike">
+                          <a:effectLst/>
+                          <a:latin typeface="Book Antiqua" panose="02040602050305030304" pitchFamily="18" charset="0"/>
+                        </a:rPr>
+                        <a:t>0.74</a:t>
+                      </a:r>
+                    </a:p>
+                  </a:txBody>
+                  <a:tcPr marL="0" marR="0" marT="0" marB="0" anchor="b">
+                    <a:lnL>
+                      <a:noFill/>
+                    </a:lnL>
+                    <a:lnR>
+                      <a:noFill/>
+                    </a:lnR>
+                    <a:lnT>
+                      <a:noFill/>
+                    </a:lnT>
+                    <a:lnB>
+                      <a:noFill/>
+                    </a:lnB>
+                    <a:solidFill>
+                      <a:srgbClr val="FFFFFF"/>
+                    </a:solidFill>
+                  </a:tcPr>
+                </a:tc>
+                <a:tc>
+                  <a:txBody>
+                    <a:bodyPr/>
+                    <a:lstStyle/>
+                    <a:p>
+                      <a:pPr algn="r" fontAlgn="b"/>
+                      <a:r>
+                        <a:rPr lang="en-US" sz="900" b="0" i="1" u="none" strike="noStrike">
+                          <a:effectLst/>
+                          <a:latin typeface="Book Antiqua" panose="02040602050305030304" pitchFamily="18" charset="0"/>
+                        </a:rPr>
+                        <a:t>fcFront_comp_LUEC</a:t>
+                      </a:r>
+                    </a:p>
+                  </a:txBody>
+                  <a:tcPr marL="0" marR="0" marT="0" marB="0" anchor="b">
+                    <a:lnL>
+                      <a:noFill/>
+                    </a:lnL>
+                    <a:lnR w="6350" cap="flat" cmpd="sng" algn="ctr">
+                      <a:solidFill>
+                        <a:srgbClr val="000000"/>
+                      </a:solidFill>
+                      <a:prstDash val="solid"/>
+                      <a:round/>
+                      <a:headEnd type="none" w="med" len="med"/>
+                      <a:tailEnd type="none" w="med" len="med"/>
+                    </a:lnR>
+                    <a:lnT>
+                      <a:noFill/>
+                    </a:lnT>
+                    <a:lnB>
+                      <a:noFill/>
+                    </a:lnB>
+                    <a:solidFill>
+                      <a:srgbClr val="FFFFFF"/>
+                    </a:solidFill>
+                  </a:tcPr>
+                </a:tc>
+              </a:tr>
+              <a:tr h="197774">
+                <a:tc>
+                  <a:txBody>
+                    <a:bodyPr/>
+                    <a:lstStyle/>
+                    <a:p>
+                      <a:pPr algn="l" fontAlgn="b"/>
+                      <a:r>
+                        <a:rPr lang="en-US" sz="900" b="0" i="0" u="none" strike="noStrike">
+                          <a:effectLst/>
+                          <a:latin typeface="Book Antiqua" panose="02040602050305030304" pitchFamily="18" charset="0"/>
+                        </a:rPr>
+                        <a:t>Fuel Cycle - Back End</a:t>
+                      </a:r>
+                    </a:p>
+                  </a:txBody>
+                  <a:tcPr marL="0" marR="0" marT="0" marB="0" anchor="b">
+                    <a:lnL w="6350" cap="flat" cmpd="sng" algn="ctr">
+                      <a:solidFill>
+                        <a:srgbClr val="000000"/>
+                      </a:solidFill>
+                      <a:prstDash val="solid"/>
+                      <a:round/>
+                      <a:headEnd type="none" w="med" len="med"/>
+                      <a:tailEnd type="none" w="med" len="med"/>
+                    </a:lnL>
+                    <a:lnR>
+                      <a:noFill/>
+                    </a:lnR>
+                    <a:lnT>
+                      <a:noFill/>
+                    </a:lnT>
+                    <a:lnB>
+                      <a:noFill/>
+                    </a:lnB>
+                    <a:solidFill>
+                      <a:srgbClr val="FFFFFF"/>
+                    </a:solidFill>
+                  </a:tcPr>
+                </a:tc>
+                <a:tc>
+                  <a:txBody>
+                    <a:bodyPr/>
+                    <a:lstStyle/>
+                    <a:p>
+                      <a:pPr algn="l" fontAlgn="b"/>
+                      <a:r>
+                        <a:rPr lang="en-US" sz="900" b="0" i="0" u="none" strike="noStrike">
+                          <a:effectLst/>
+                          <a:latin typeface="Book Antiqua" panose="02040602050305030304" pitchFamily="18" charset="0"/>
+                        </a:rPr>
+                        <a:t>1.01</a:t>
+                      </a:r>
+                    </a:p>
+                  </a:txBody>
+                  <a:tcPr marL="0" marR="0" marT="0" marB="0" anchor="b">
+                    <a:lnL>
+                      <a:noFill/>
+                    </a:lnL>
+                    <a:lnR>
+                      <a:noFill/>
+                    </a:lnR>
+                    <a:lnT>
+                      <a:noFill/>
+                    </a:lnT>
+                    <a:lnB>
+                      <a:noFill/>
+                    </a:lnB>
+                    <a:solidFill>
+                      <a:srgbClr val="FFFFFF"/>
+                    </a:solidFill>
+                  </a:tcPr>
+                </a:tc>
+                <a:tc>
+                  <a:txBody>
+                    <a:bodyPr/>
+                    <a:lstStyle/>
+                    <a:p>
+                      <a:pPr algn="r" fontAlgn="b"/>
+                      <a:r>
+                        <a:rPr lang="en-US" sz="900" b="0" i="1" u="none" strike="noStrike">
+                          <a:effectLst/>
+                          <a:latin typeface="Book Antiqua" panose="02040602050305030304" pitchFamily="18" charset="0"/>
+                        </a:rPr>
+                        <a:t>fcBack_comp_LUEC</a:t>
+                      </a:r>
+                    </a:p>
+                  </a:txBody>
+                  <a:tcPr marL="0" marR="0" marT="0" marB="0" anchor="b">
+                    <a:lnL>
+                      <a:noFill/>
+                    </a:lnL>
+                    <a:lnR w="6350" cap="flat" cmpd="sng" algn="ctr">
+                      <a:solidFill>
+                        <a:srgbClr val="000000"/>
+                      </a:solidFill>
+                      <a:prstDash val="solid"/>
+                      <a:round/>
+                      <a:headEnd type="none" w="med" len="med"/>
+                      <a:tailEnd type="none" w="med" len="med"/>
+                    </a:lnR>
+                    <a:lnT>
+                      <a:noFill/>
+                    </a:lnT>
+                    <a:lnB>
+                      <a:noFill/>
+                    </a:lnB>
+                    <a:solidFill>
+                      <a:srgbClr val="FFFFFF"/>
+                    </a:solidFill>
+                  </a:tcPr>
+                </a:tc>
+              </a:tr>
+              <a:tr h="453232">
+                <a:tc>
+                  <a:txBody>
+                    <a:bodyPr/>
+                    <a:lstStyle/>
+                    <a:p>
+                      <a:pPr algn="l" fontAlgn="b"/>
+                      <a:r>
+                        <a:rPr lang="en-US" sz="900" b="0" i="0" u="none" strike="noStrike">
+                          <a:effectLst/>
+                          <a:latin typeface="Book Antiqua" panose="02040602050305030304" pitchFamily="18" charset="0"/>
+                        </a:rPr>
+                        <a:t>Fuel Cycle - Total</a:t>
+                      </a:r>
+                    </a:p>
+                  </a:txBody>
+                  <a:tcPr marL="0" marR="0" marT="0" marB="0" anchor="b">
+                    <a:lnL w="6350" cap="flat" cmpd="sng" algn="ctr">
+                      <a:solidFill>
+                        <a:srgbClr val="000000"/>
+                      </a:solidFill>
+                      <a:prstDash val="solid"/>
+                      <a:round/>
+                      <a:headEnd type="none" w="med" len="med"/>
+                      <a:tailEnd type="none" w="med" len="med"/>
+                    </a:lnL>
+                    <a:lnR>
+                      <a:noFill/>
+                    </a:lnR>
+                    <a:lnT>
+                      <a:noFill/>
+                    </a:lnT>
+                    <a:lnB>
+                      <a:noFill/>
+                    </a:lnB>
+                    <a:solidFill>
+                      <a:srgbClr val="FFFFFF"/>
+                    </a:solidFill>
+                  </a:tcPr>
+                </a:tc>
+                <a:tc>
+                  <a:txBody>
+                    <a:bodyPr/>
+                    <a:lstStyle/>
+                    <a:p>
+                      <a:pPr algn="ctr" fontAlgn="b"/>
+                      <a:r>
+                        <a:rPr lang="en-US" sz="900" b="0" i="0" u="none" strike="noStrike">
+                          <a:effectLst/>
+                          <a:latin typeface="Book Antiqua" panose="02040602050305030304" pitchFamily="18" charset="0"/>
+                        </a:rPr>
+                        <a:t>1.76</a:t>
+                      </a:r>
+                    </a:p>
+                  </a:txBody>
+                  <a:tcPr marL="0" marR="0" marT="0" marB="0" anchor="b">
+                    <a:lnL>
+                      <a:noFill/>
+                    </a:lnL>
+                    <a:lnR>
+                      <a:noFill/>
+                    </a:lnR>
+                    <a:lnT>
+                      <a:noFill/>
+                    </a:lnT>
+                    <a:lnB>
+                      <a:noFill/>
+                    </a:lnB>
+                    <a:solidFill>
+                      <a:srgbClr val="FFFFFF"/>
+                    </a:solidFill>
+                  </a:tcPr>
+                </a:tc>
+                <a:tc>
+                  <a:txBody>
+                    <a:bodyPr/>
+                    <a:lstStyle/>
+                    <a:p>
+                      <a:pPr algn="r" fontAlgn="b"/>
+                      <a:r>
+                        <a:rPr lang="en-US" sz="900" b="0" i="1" u="none" strike="noStrike">
+                          <a:effectLst/>
+                          <a:latin typeface="Book Antiqua" panose="02040602050305030304" pitchFamily="18" charset="0"/>
+                        </a:rPr>
+                        <a:t> </a:t>
+                      </a:r>
+                    </a:p>
+                  </a:txBody>
+                  <a:tcPr marL="0" marR="0" marT="0" marB="0" anchor="b">
+                    <a:lnL>
+                      <a:noFill/>
+                    </a:lnL>
+                    <a:lnR w="6350" cap="flat" cmpd="sng" algn="ctr">
+                      <a:solidFill>
+                        <a:srgbClr val="000000"/>
+                      </a:solidFill>
+                      <a:prstDash val="solid"/>
+                      <a:round/>
+                      <a:headEnd type="none" w="med" len="med"/>
+                      <a:tailEnd type="none" w="med" len="med"/>
+                    </a:lnR>
+                    <a:lnT>
+                      <a:noFill/>
+                    </a:lnT>
+                    <a:lnB>
+                      <a:noFill/>
+                    </a:lnB>
+                    <a:solidFill>
+                      <a:srgbClr val="FFFFFF"/>
+                    </a:solidFill>
+                  </a:tcPr>
+                </a:tc>
+              </a:tr>
+              <a:tr h="164812">
+                <a:tc>
+                  <a:txBody>
+                    <a:bodyPr/>
+                    <a:lstStyle/>
+                    <a:p>
+                      <a:pPr algn="l" fontAlgn="b"/>
+                      <a:r>
+                        <a:rPr lang="en-US" sz="900" b="0" i="0" u="none" strike="noStrike">
+                          <a:effectLst/>
+                          <a:latin typeface="Book Antiqua" panose="02040602050305030304" pitchFamily="18" charset="0"/>
+                        </a:rPr>
+                        <a:t>D&amp;D Sinking Fund</a:t>
+                      </a:r>
+                    </a:p>
+                  </a:txBody>
+                  <a:tcPr marL="0" marR="0" marT="0" marB="0" anchor="b">
+                    <a:lnL w="6350" cap="flat" cmpd="sng" algn="ctr">
+                      <a:solidFill>
+                        <a:srgbClr val="000000"/>
+                      </a:solidFill>
+                      <a:prstDash val="solid"/>
+                      <a:round/>
+                      <a:headEnd type="none" w="med" len="med"/>
+                      <a:tailEnd type="none" w="med" len="med"/>
+                    </a:lnL>
+                    <a:lnR>
+                      <a:noFill/>
+                    </a:lnR>
+                    <a:lnT>
+                      <a:noFill/>
+                    </a:lnT>
+                    <a:lnB w="6350" cap="flat" cmpd="sng" algn="ctr">
+                      <a:solidFill>
+                        <a:srgbClr val="000000"/>
+                      </a:solidFill>
+                      <a:prstDash val="solid"/>
+                      <a:round/>
+                      <a:headEnd type="none" w="med" len="med"/>
+                      <a:tailEnd type="none" w="med" len="med"/>
+                    </a:lnB>
+                    <a:solidFill>
+                      <a:srgbClr val="FFFFFF"/>
+                    </a:solidFill>
+                  </a:tcPr>
+                </a:tc>
+                <a:tc>
+                  <a:txBody>
+                    <a:bodyPr/>
+                    <a:lstStyle/>
+                    <a:p>
+                      <a:pPr algn="ctr" fontAlgn="b"/>
+                      <a:r>
+                        <a:rPr lang="en-US" sz="900" b="0" i="0" u="none" strike="noStrike">
+                          <a:effectLst/>
+                          <a:latin typeface="Book Antiqua" panose="02040602050305030304" pitchFamily="18" charset="0"/>
+                        </a:rPr>
+                        <a:t>0.29</a:t>
+                      </a:r>
+                    </a:p>
+                  </a:txBody>
+                  <a:tcPr marL="0" marR="0" marT="0" marB="0" anchor="b">
+                    <a:lnL>
+                      <a:noFill/>
+                    </a:lnL>
+                    <a:lnR>
+                      <a:noFill/>
+                    </a:lnR>
+                    <a:lnT>
+                      <a:noFill/>
+                    </a:lnT>
+                    <a:lnB w="6350" cap="flat" cmpd="sng" algn="ctr">
+                      <a:solidFill>
+                        <a:srgbClr val="000000"/>
+                      </a:solidFill>
+                      <a:prstDash val="solid"/>
+                      <a:round/>
+                      <a:headEnd type="none" w="med" len="med"/>
+                      <a:tailEnd type="none" w="med" len="med"/>
+                    </a:lnB>
+                    <a:solidFill>
+                      <a:srgbClr val="FFFFFF"/>
+                    </a:solidFill>
+                  </a:tcPr>
+                </a:tc>
+                <a:tc>
+                  <a:txBody>
+                    <a:bodyPr/>
+                    <a:lstStyle/>
+                    <a:p>
+                      <a:pPr algn="r" fontAlgn="b"/>
+                      <a:r>
+                        <a:rPr lang="en-US" sz="900" b="0" i="1" u="none" strike="noStrike">
+                          <a:effectLst/>
+                          <a:latin typeface="Book Antiqua" panose="02040602050305030304" pitchFamily="18" charset="0"/>
+                        </a:rPr>
+                        <a:t>danddSink_comp_LUEC</a:t>
+                      </a:r>
+                    </a:p>
+                  </a:txBody>
+                  <a:tcPr marL="0" marR="0" marT="0" marB="0" anchor="b">
+                    <a:lnL>
+                      <a:noFill/>
+                    </a:lnL>
+                    <a:lnR w="6350" cap="flat" cmpd="sng" algn="ctr">
+                      <a:solidFill>
+                        <a:srgbClr val="000000"/>
+                      </a:solidFill>
+                      <a:prstDash val="solid"/>
+                      <a:round/>
+                      <a:headEnd type="none" w="med" len="med"/>
+                      <a:tailEnd type="none" w="med" len="med"/>
+                    </a:lnR>
+                    <a:lnT>
+                      <a:noFill/>
+                    </a:lnT>
+                    <a:lnB w="6350" cap="flat" cmpd="sng" algn="ctr">
+                      <a:solidFill>
+                        <a:srgbClr val="000000"/>
+                      </a:solidFill>
+                      <a:prstDash val="solid"/>
+                      <a:round/>
+                      <a:headEnd type="none" w="med" len="med"/>
+                      <a:tailEnd type="none" w="med" len="med"/>
+                    </a:lnB>
+                    <a:solidFill>
+                      <a:srgbClr val="FFFFFF"/>
+                    </a:solidFill>
+                  </a:tcPr>
+                </a:tc>
+              </a:tr>
+              <a:tr h="148331">
+                <a:tc>
+                  <a:txBody>
+                    <a:bodyPr/>
+                    <a:lstStyle/>
+                    <a:p>
+                      <a:pPr algn="l" fontAlgn="b"/>
+                      <a:r>
+                        <a:rPr lang="en-US" sz="900" b="0" i="0" u="none" strike="noStrike">
+                          <a:effectLst/>
+                          <a:latin typeface="Book Antiqua" panose="02040602050305030304" pitchFamily="18" charset="0"/>
+                        </a:rPr>
+                        <a:t>Tails Assay for U-enrichment</a:t>
+                      </a:r>
+                    </a:p>
+                  </a:txBody>
+                  <a:tcPr marL="0" marR="0" marT="0" marB="0" anchor="b">
+                    <a:lnL w="6350" cap="flat" cmpd="sng" algn="ctr">
+                      <a:solidFill>
+                        <a:srgbClr val="000000"/>
+                      </a:solidFill>
+                      <a:prstDash val="solid"/>
+                      <a:round/>
+                      <a:headEnd type="none" w="med" len="med"/>
+                      <a:tailEnd type="none" w="med" len="med"/>
+                    </a:lnL>
+                    <a:lnR>
+                      <a:noFill/>
+                    </a:lnR>
+                    <a:lnT w="6350" cap="flat" cmpd="sng" algn="ctr">
+                      <a:solidFill>
+                        <a:srgbClr val="000000"/>
+                      </a:solidFill>
+                      <a:prstDash val="solid"/>
+                      <a:round/>
+                      <a:headEnd type="none" w="med" len="med"/>
+                      <a:tailEnd type="none" w="med" len="med"/>
+                    </a:lnT>
+                    <a:lnB>
+                      <a:noFill/>
+                    </a:lnB>
+                    <a:solidFill>
+                      <a:srgbClr val="CCFFCC"/>
+                    </a:solidFill>
+                  </a:tcPr>
+                </a:tc>
+                <a:tc>
+                  <a:txBody>
+                    <a:bodyPr/>
+                    <a:lstStyle/>
+                    <a:p>
+                      <a:pPr algn="ctr" fontAlgn="b"/>
+                      <a:r>
+                        <a:rPr lang="en-US" sz="900" b="0" i="0" u="none" strike="noStrike">
+                          <a:effectLst/>
+                          <a:latin typeface="Book Antiqua" panose="02040602050305030304" pitchFamily="18" charset="0"/>
+                        </a:rPr>
+                        <a:t>0.3</a:t>
+                      </a:r>
+                    </a:p>
+                  </a:txBody>
+                  <a:tcPr marL="0" marR="0" marT="0" marB="0" anchor="b">
+                    <a:lnL>
+                      <a:noFill/>
+                    </a:lnL>
+                    <a:lnR>
+                      <a:noFill/>
+                    </a:lnR>
+                    <a:lnT w="6350" cap="flat" cmpd="sng" algn="ctr">
+                      <a:solidFill>
+                        <a:srgbClr val="000000"/>
+                      </a:solidFill>
+                      <a:prstDash val="solid"/>
+                      <a:round/>
+                      <a:headEnd type="none" w="med" len="med"/>
+                      <a:tailEnd type="none" w="med" len="med"/>
+                    </a:lnT>
+                    <a:lnB>
+                      <a:noFill/>
+                    </a:lnB>
+                    <a:solidFill>
+                      <a:srgbClr val="CCFFCC"/>
+                    </a:solidFill>
+                  </a:tcPr>
+                </a:tc>
+                <a:tc>
+                  <a:txBody>
+                    <a:bodyPr/>
+                    <a:lstStyle/>
+                    <a:p>
+                      <a:pPr algn="l" fontAlgn="b"/>
+                      <a:r>
+                        <a:rPr lang="en-US" sz="900" b="0" i="0" u="none" strike="noStrike">
+                          <a:effectLst/>
+                          <a:latin typeface="Book Antiqua" panose="02040602050305030304" pitchFamily="18" charset="0"/>
+                        </a:rPr>
+                        <a:t>% U-235 (optimized if switch is on)                                                                                         Switch position &gt;&gt;&gt;&gt;</a:t>
+                      </a:r>
+                    </a:p>
+                  </a:txBody>
+                  <a:tcPr marL="0" marR="0" marT="0" marB="0" anchor="b">
+                    <a:lnL>
+                      <a:noFill/>
+                    </a:lnL>
+                    <a:lnR w="6350" cap="flat" cmpd="sng" algn="ctr">
+                      <a:solidFill>
+                        <a:srgbClr val="000000"/>
+                      </a:solidFill>
+                      <a:prstDash val="solid"/>
+                      <a:round/>
+                      <a:headEnd type="none" w="med" len="med"/>
+                      <a:tailEnd type="none" w="med" len="med"/>
+                    </a:lnR>
+                    <a:lnT w="6350" cap="flat" cmpd="sng" algn="ctr">
+                      <a:solidFill>
+                        <a:srgbClr val="000000"/>
+                      </a:solidFill>
+                      <a:prstDash val="solid"/>
+                      <a:round/>
+                      <a:headEnd type="none" w="med" len="med"/>
+                      <a:tailEnd type="none" w="med" len="med"/>
+                    </a:lnT>
+                    <a:lnB>
+                      <a:noFill/>
+                    </a:lnB>
+                    <a:solidFill>
+                      <a:srgbClr val="CCFFCC"/>
+                    </a:solidFill>
+                  </a:tcPr>
+                </a:tc>
+              </a:tr>
+              <a:tr h="148331">
+                <a:tc>
+                  <a:txBody>
+                    <a:bodyPr/>
+                    <a:lstStyle/>
+                    <a:p>
+                      <a:pPr algn="l" fontAlgn="b"/>
+                      <a:r>
+                        <a:rPr lang="en-US" sz="900" b="0" i="0" u="none" strike="noStrike">
+                          <a:effectLst/>
+                          <a:latin typeface="Book Antiqua" panose="02040602050305030304" pitchFamily="18" charset="0"/>
+                        </a:rPr>
+                        <a:t>Average fuel burnup </a:t>
+                      </a:r>
+                      <a:r>
+                        <a:rPr lang="en-US" sz="700" b="0" i="0" u="none" strike="noStrike">
+                          <a:effectLst/>
+                          <a:latin typeface="Book Antiqua" panose="02040602050305030304" pitchFamily="18" charset="0"/>
+                        </a:rPr>
+                        <a:t>(Calculated)</a:t>
+                      </a:r>
+                      <a:endParaRPr lang="en-US" sz="900" b="0" i="0" u="none" strike="noStrike">
+                        <a:effectLst/>
+                        <a:latin typeface="Book Antiqua" panose="02040602050305030304" pitchFamily="18" charset="0"/>
+                      </a:endParaRPr>
+                    </a:p>
+                  </a:txBody>
+                  <a:tcPr marL="0" marR="0" marT="0" marB="0" anchor="b">
+                    <a:lnL w="6350" cap="flat" cmpd="sng" algn="ctr">
+                      <a:solidFill>
+                        <a:srgbClr val="000000"/>
+                      </a:solidFill>
+                      <a:prstDash val="solid"/>
+                      <a:round/>
+                      <a:headEnd type="none" w="med" len="med"/>
+                      <a:tailEnd type="none" w="med" len="med"/>
+                    </a:lnL>
+                    <a:lnR>
+                      <a:noFill/>
+                    </a:lnR>
+                    <a:lnT>
+                      <a:noFill/>
+                    </a:lnT>
+                    <a:lnB>
+                      <a:noFill/>
+                    </a:lnB>
+                  </a:tcPr>
+                </a:tc>
+                <a:tc>
+                  <a:txBody>
+                    <a:bodyPr/>
+                    <a:lstStyle/>
+                    <a:p>
+                      <a:pPr algn="ctr" fontAlgn="b"/>
+                      <a:r>
+                        <a:rPr lang="en-US" sz="900" b="0" i="0" u="none" strike="noStrike">
+                          <a:effectLst/>
+                          <a:latin typeface="Book Antiqua" panose="02040602050305030304" pitchFamily="18" charset="0"/>
+                        </a:rPr>
+                        <a:t>1,406,537</a:t>
+                      </a:r>
+                    </a:p>
+                  </a:txBody>
+                  <a:tcPr marL="0" marR="0" marT="0" marB="0" anchor="b">
+                    <a:lnL>
+                      <a:noFill/>
+                    </a:lnL>
+                    <a:lnR>
+                      <a:noFill/>
+                    </a:lnR>
+                    <a:lnT>
+                      <a:noFill/>
+                    </a:lnT>
+                    <a:lnB w="6350" cap="flat" cmpd="sng" algn="ctr">
+                      <a:solidFill>
+                        <a:srgbClr val="000000"/>
+                      </a:solidFill>
+                      <a:prstDash val="solid"/>
+                      <a:round/>
+                      <a:headEnd type="none" w="med" len="med"/>
+                      <a:tailEnd type="none" w="med" len="med"/>
+                    </a:lnB>
+                  </a:tcPr>
+                </a:tc>
+                <a:tc>
+                  <a:txBody>
+                    <a:bodyPr/>
+                    <a:lstStyle/>
+                    <a:p>
+                      <a:pPr algn="l" fontAlgn="b"/>
+                      <a:r>
+                        <a:rPr lang="en-US" sz="900" b="0" i="0" u="none" strike="noStrike">
+                          <a:effectLst/>
+                          <a:latin typeface="Book Antiqua" panose="02040602050305030304" pitchFamily="18" charset="0"/>
+                        </a:rPr>
+                        <a:t>MWd(th)/MTHM</a:t>
+                      </a:r>
+                    </a:p>
+                  </a:txBody>
+                  <a:tcPr marL="0" marR="0" marT="0" marB="0" anchor="b">
+                    <a:lnL>
+                      <a:noFill/>
+                    </a:lnL>
+                    <a:lnR w="6350" cap="flat" cmpd="sng" algn="ctr">
+                      <a:solidFill>
+                        <a:srgbClr val="000000"/>
+                      </a:solidFill>
+                      <a:prstDash val="solid"/>
+                      <a:round/>
+                      <a:headEnd type="none" w="med" len="med"/>
+                      <a:tailEnd type="none" w="med" len="med"/>
+                    </a:lnR>
+                    <a:lnT>
+                      <a:noFill/>
+                    </a:lnT>
+                    <a:lnB>
+                      <a:noFill/>
+                    </a:lnB>
+                  </a:tcPr>
+                </a:tc>
+              </a:tr>
+              <a:tr h="148331">
+                <a:tc>
+                  <a:txBody>
+                    <a:bodyPr/>
+                    <a:lstStyle/>
+                    <a:p>
+                      <a:pPr algn="l" fontAlgn="b"/>
+                      <a:r>
+                        <a:rPr lang="en-US" sz="900" b="0" i="0" u="none" strike="noStrike">
+                          <a:effectLst/>
+                          <a:latin typeface="Book Antiqua" panose="02040602050305030304" pitchFamily="18" charset="0"/>
+                        </a:rPr>
+                        <a:t>Include Cost of 1st Core in Capital</a:t>
+                      </a:r>
+                    </a:p>
+                  </a:txBody>
+                  <a:tcPr marL="0" marR="0" marT="0" marB="0" anchor="b">
+                    <a:lnL w="6350" cap="flat" cmpd="sng" algn="ctr">
+                      <a:solidFill>
+                        <a:srgbClr val="000000"/>
+                      </a:solidFill>
+                      <a:prstDash val="solid"/>
+                      <a:round/>
+                      <a:headEnd type="none" w="med" len="med"/>
+                      <a:tailEnd type="none" w="med" len="med"/>
+                    </a:lnL>
+                    <a:lnR w="6350" cap="flat" cmpd="sng" algn="ctr">
+                      <a:solidFill>
+                        <a:srgbClr val="000000"/>
+                      </a:solidFill>
+                      <a:prstDash val="solid"/>
+                      <a:round/>
+                      <a:headEnd type="none" w="med" len="med"/>
+                      <a:tailEnd type="none" w="med" len="med"/>
+                    </a:lnR>
+                    <a:lnT>
+                      <a:noFill/>
+                    </a:lnT>
+                    <a:lnB>
+                      <a:noFill/>
+                    </a:lnB>
+                    <a:solidFill>
+                      <a:srgbClr val="CCFFCC"/>
+                    </a:solidFill>
+                  </a:tcPr>
+                </a:tc>
+                <a:tc>
+                  <a:txBody>
+                    <a:bodyPr/>
+                    <a:lstStyle/>
+                    <a:p>
+                      <a:pPr algn="ctr" fontAlgn="b"/>
+                      <a:r>
+                        <a:rPr lang="en-US" sz="900" b="0" i="0" u="none" strike="noStrike">
+                          <a:effectLst/>
+                          <a:latin typeface="Book Antiqua" panose="02040602050305030304" pitchFamily="18" charset="0"/>
+                        </a:rPr>
+                        <a:t>Yes</a:t>
+                      </a:r>
+                    </a:p>
+                  </a:txBody>
+                  <a:tcPr marL="0" marR="0" marT="0" marB="0" anchor="b">
+                    <a:lnL w="6350" cap="flat" cmpd="sng" algn="ctr">
+                      <a:solidFill>
+                        <a:srgbClr val="000000"/>
+                      </a:solidFill>
+                      <a:prstDash val="solid"/>
+                      <a:round/>
+                      <a:headEnd type="none" w="med" len="med"/>
+                      <a:tailEnd type="none" w="med" len="med"/>
+                    </a:lnL>
+                    <a:lnR w="6350" cap="flat" cmpd="sng" algn="ctr">
+                      <a:solidFill>
+                        <a:srgbClr val="000000"/>
+                      </a:solidFill>
+                      <a:prstDash val="solid"/>
+                      <a:round/>
+                      <a:headEnd type="none" w="med" len="med"/>
+                      <a:tailEnd type="none" w="med" len="med"/>
+                    </a:lnR>
+                    <a:lnT w="6350" cap="flat" cmpd="sng" algn="ctr">
+                      <a:solidFill>
+                        <a:srgbClr val="000000"/>
+                      </a:solidFill>
+                      <a:prstDash val="solid"/>
+                      <a:round/>
+                      <a:headEnd type="none" w="med" len="med"/>
+                      <a:tailEnd type="none" w="med" len="med"/>
+                    </a:lnT>
+                    <a:lnB w="6350" cap="flat" cmpd="sng" algn="ctr">
+                      <a:solidFill>
+                        <a:srgbClr val="000000"/>
+                      </a:solidFill>
+                      <a:prstDash val="solid"/>
+                      <a:round/>
+                      <a:headEnd type="none" w="med" len="med"/>
+                      <a:tailEnd type="none" w="med" len="med"/>
+                    </a:lnB>
+                    <a:solidFill>
+                      <a:srgbClr val="CCFFCC"/>
+                    </a:solidFill>
+                  </a:tcPr>
+                </a:tc>
+                <a:tc>
+                  <a:txBody>
+                    <a:bodyPr/>
+                    <a:lstStyle/>
+                    <a:p>
+                      <a:pPr algn="l" fontAlgn="b"/>
+                      <a:r>
+                        <a:rPr lang="en-US" sz="900" b="0" i="0" u="none" strike="noStrike">
+                          <a:effectLst/>
+                          <a:latin typeface="Book Antiqua" panose="02040602050305030304" pitchFamily="18" charset="0"/>
+                        </a:rPr>
+                        <a:t> </a:t>
+                      </a:r>
+                    </a:p>
+                  </a:txBody>
+                  <a:tcPr marL="0" marR="0" marT="0" marB="0" anchor="b">
+                    <a:lnL w="6350" cap="flat" cmpd="sng" algn="ctr">
+                      <a:solidFill>
+                        <a:srgbClr val="000000"/>
+                      </a:solidFill>
+                      <a:prstDash val="solid"/>
+                      <a:round/>
+                      <a:headEnd type="none" w="med" len="med"/>
+                      <a:tailEnd type="none" w="med" len="med"/>
+                    </a:lnL>
+                    <a:lnR w="6350" cap="flat" cmpd="sng" algn="ctr">
+                      <a:solidFill>
+                        <a:srgbClr val="000000"/>
+                      </a:solidFill>
+                      <a:prstDash val="solid"/>
+                      <a:round/>
+                      <a:headEnd type="none" w="med" len="med"/>
+                      <a:tailEnd type="none" w="med" len="med"/>
+                    </a:lnR>
+                    <a:lnT>
+                      <a:noFill/>
+                    </a:lnT>
+                    <a:lnB>
+                      <a:noFill/>
+                    </a:lnB>
+                  </a:tcPr>
+                </a:tc>
+              </a:tr>
+              <a:tr h="148331">
+                <a:tc>
+                  <a:txBody>
+                    <a:bodyPr/>
+                    <a:lstStyle/>
+                    <a:p>
+                      <a:pPr algn="l" fontAlgn="b"/>
+                      <a:r>
+                        <a:rPr lang="en-US" sz="900" b="0" i="0" u="none" strike="noStrike">
+                          <a:effectLst/>
+                          <a:latin typeface="Book Antiqua" panose="02040602050305030304" pitchFamily="18" charset="0"/>
+                        </a:rPr>
+                        <a:t>Total Capital Investment Cost </a:t>
+                      </a:r>
+                      <a:r>
+                        <a:rPr lang="en-US" sz="700" b="0" i="0" u="none" strike="noStrike">
+                          <a:effectLst/>
+                          <a:latin typeface="Book Antiqua" panose="02040602050305030304" pitchFamily="18" charset="0"/>
+                        </a:rPr>
+                        <a:t>(TCIC)</a:t>
+                      </a:r>
+                      <a:endParaRPr lang="en-US" sz="900" b="0" i="0" u="none" strike="noStrike">
+                        <a:effectLst/>
+                        <a:latin typeface="Book Antiqua" panose="02040602050305030304" pitchFamily="18" charset="0"/>
+                      </a:endParaRPr>
+                    </a:p>
+                  </a:txBody>
+                  <a:tcPr marL="0" marR="0" marT="0" marB="0" anchor="b">
+                    <a:lnL w="6350" cap="flat" cmpd="sng" algn="ctr">
+                      <a:solidFill>
+                        <a:srgbClr val="000000"/>
+                      </a:solidFill>
+                      <a:prstDash val="solid"/>
+                      <a:round/>
+                      <a:headEnd type="none" w="med" len="med"/>
+                      <a:tailEnd type="none" w="med" len="med"/>
+                    </a:lnL>
+                    <a:lnR>
+                      <a:noFill/>
+                    </a:lnR>
+                    <a:lnT>
+                      <a:noFill/>
+                    </a:lnT>
+                    <a:lnB>
+                      <a:noFill/>
+                    </a:lnB>
+                  </a:tcPr>
+                </a:tc>
+                <a:tc>
+                  <a:txBody>
+                    <a:bodyPr/>
+                    <a:lstStyle/>
+                    <a:p>
+                      <a:pPr algn="ctr" fontAlgn="b"/>
+                      <a:r>
+                        <a:rPr lang="en-US" sz="900" b="0" i="0" u="none" strike="noStrike">
+                          <a:effectLst/>
+                          <a:latin typeface="Book Antiqua" panose="02040602050305030304" pitchFamily="18" charset="0"/>
+                        </a:rPr>
+                        <a:t>14,215</a:t>
+                      </a:r>
+                    </a:p>
+                  </a:txBody>
+                  <a:tcPr marL="0" marR="0" marT="0" marB="0" anchor="b">
+                    <a:lnL>
+                      <a:noFill/>
+                    </a:lnL>
+                    <a:lnR>
+                      <a:noFill/>
+                    </a:lnR>
+                    <a:lnT w="6350" cap="flat" cmpd="sng" algn="ctr">
+                      <a:solidFill>
+                        <a:srgbClr val="000000"/>
+                      </a:solidFill>
+                      <a:prstDash val="solid"/>
+                      <a:round/>
+                      <a:headEnd type="none" w="med" len="med"/>
+                      <a:tailEnd type="none" w="med" len="med"/>
+                    </a:lnT>
+                    <a:lnB>
+                      <a:noFill/>
+                    </a:lnB>
+                  </a:tcPr>
+                </a:tc>
+                <a:tc>
+                  <a:txBody>
+                    <a:bodyPr/>
+                    <a:lstStyle/>
+                    <a:p>
+                      <a:pPr algn="l" fontAlgn="b"/>
+                      <a:r>
+                        <a:rPr lang="en-US" sz="900" b="0" i="0" u="none" strike="noStrike">
+                          <a:effectLst/>
+                          <a:latin typeface="Book Antiqua" panose="02040602050305030304" pitchFamily="18" charset="0"/>
+                        </a:rPr>
+                        <a:t>$/kWe</a:t>
+                      </a:r>
+                    </a:p>
+                  </a:txBody>
+                  <a:tcPr marL="0" marR="0" marT="0" marB="0" anchor="b">
+                    <a:lnL>
+                      <a:noFill/>
+                    </a:lnL>
+                    <a:lnR w="6350" cap="flat" cmpd="sng" algn="ctr">
+                      <a:solidFill>
+                        <a:srgbClr val="000000"/>
+                      </a:solidFill>
+                      <a:prstDash val="solid"/>
+                      <a:round/>
+                      <a:headEnd type="none" w="med" len="med"/>
+                      <a:tailEnd type="none" w="med" len="med"/>
+                    </a:lnR>
+                    <a:lnT>
+                      <a:noFill/>
+                    </a:lnT>
+                    <a:lnB>
+                      <a:noFill/>
+                    </a:lnB>
+                  </a:tcPr>
+                </a:tc>
+              </a:tr>
+              <a:tr h="164812">
+                <a:tc>
+                  <a:txBody>
+                    <a:bodyPr/>
+                    <a:lstStyle/>
+                    <a:p>
+                      <a:pPr algn="l" fontAlgn="b"/>
+                      <a:r>
+                        <a:rPr lang="en-US" sz="900" b="0" i="0" u="none" strike="noStrike">
+                          <a:effectLst/>
+                          <a:latin typeface="Book Antiqua" panose="02040602050305030304" pitchFamily="18" charset="0"/>
+                        </a:rPr>
+                        <a:t>Discount Rate</a:t>
+                      </a:r>
+                    </a:p>
+                  </a:txBody>
+                  <a:tcPr marL="0" marR="0" marT="0" marB="0" anchor="b">
+                    <a:lnL w="6350" cap="flat" cmpd="sng" algn="ctr">
+                      <a:solidFill>
+                        <a:srgbClr val="000000"/>
+                      </a:solidFill>
+                      <a:prstDash val="solid"/>
+                      <a:round/>
+                      <a:headEnd type="none" w="med" len="med"/>
+                      <a:tailEnd type="none" w="med" len="med"/>
+                    </a:lnL>
+                    <a:lnR>
+                      <a:noFill/>
+                    </a:lnR>
+                    <a:lnT>
+                      <a:noFill/>
+                    </a:lnT>
+                    <a:lnB>
+                      <a:noFill/>
+                    </a:lnB>
+                  </a:tcPr>
+                </a:tc>
+                <a:tc>
+                  <a:txBody>
+                    <a:bodyPr/>
+                    <a:lstStyle/>
+                    <a:p>
+                      <a:pPr algn="ctr" fontAlgn="b"/>
+                      <a:r>
+                        <a:rPr lang="en-US" sz="900" b="0" i="0" u="none" strike="noStrike">
+                          <a:effectLst/>
+                          <a:latin typeface="Book Antiqua" panose="02040602050305030304" pitchFamily="18" charset="0"/>
+                        </a:rPr>
+                        <a:t>5.00%</a:t>
+                      </a:r>
+                    </a:p>
+                  </a:txBody>
+                  <a:tcPr marL="0" marR="0" marT="0" marB="0" anchor="b">
+                    <a:lnL>
+                      <a:noFill/>
+                    </a:lnL>
+                    <a:lnR>
+                      <a:noFill/>
+                    </a:lnR>
+                    <a:lnT>
+                      <a:noFill/>
+                    </a:lnT>
+                    <a:lnB>
+                      <a:noFill/>
+                    </a:lnB>
+                  </a:tcPr>
+                </a:tc>
+                <a:tc>
+                  <a:txBody>
+                    <a:bodyPr/>
+                    <a:lstStyle/>
+                    <a:p>
+                      <a:pPr algn="l" fontAlgn="b"/>
+                      <a:r>
+                        <a:rPr lang="en-US" sz="900" b="0" i="0" u="none" strike="noStrike">
+                          <a:effectLst/>
+                          <a:latin typeface="Book Antiqua" panose="02040602050305030304" pitchFamily="18" charset="0"/>
+                        </a:rPr>
+                        <a:t>%/Year</a:t>
+                      </a:r>
+                    </a:p>
+                  </a:txBody>
+                  <a:tcPr marL="0" marR="0" marT="0" marB="0" anchor="b">
+                    <a:lnL>
+                      <a:noFill/>
+                    </a:lnL>
+                    <a:lnR w="6350" cap="flat" cmpd="sng" algn="ctr">
+                      <a:solidFill>
+                        <a:srgbClr val="000000"/>
+                      </a:solidFill>
+                      <a:prstDash val="solid"/>
+                      <a:round/>
+                      <a:headEnd type="none" w="med" len="med"/>
+                      <a:tailEnd type="none" w="med" len="med"/>
+                    </a:lnR>
+                    <a:lnT>
+                      <a:noFill/>
+                    </a:lnT>
+                    <a:lnB>
+                      <a:noFill/>
+                    </a:lnB>
+                  </a:tcPr>
+                </a:tc>
+              </a:tr>
+              <a:tr h="164812">
+                <a:tc>
+                  <a:txBody>
+                    <a:bodyPr/>
+                    <a:lstStyle/>
+                    <a:p>
+                      <a:pPr algn="l" fontAlgn="b"/>
+                      <a:r>
+                        <a:rPr lang="en-US" sz="900" b="0" i="0" u="none" strike="noStrike">
+                          <a:effectLst/>
+                          <a:latin typeface="Book Antiqua" panose="02040602050305030304" pitchFamily="18" charset="0"/>
+                        </a:rPr>
+                        <a:t>Annual Electricity production</a:t>
+                      </a:r>
+                    </a:p>
+                  </a:txBody>
+                  <a:tcPr marL="0" marR="0" marT="0" marB="0" anchor="b">
+                    <a:lnL w="6350" cap="flat" cmpd="sng" algn="ctr">
+                      <a:solidFill>
+                        <a:srgbClr val="000000"/>
+                      </a:solidFill>
+                      <a:prstDash val="solid"/>
+                      <a:round/>
+                      <a:headEnd type="none" w="med" len="med"/>
+                      <a:tailEnd type="none" w="med" len="med"/>
+                    </a:lnL>
+                    <a:lnR>
+                      <a:noFill/>
+                    </a:lnR>
+                    <a:lnT>
+                      <a:noFill/>
+                    </a:lnT>
+                    <a:lnB w="6350" cap="flat" cmpd="sng" algn="ctr">
+                      <a:solidFill>
+                        <a:srgbClr val="000000"/>
+                      </a:solidFill>
+                      <a:prstDash val="solid"/>
+                      <a:round/>
+                      <a:headEnd type="none" w="med" len="med"/>
+                      <a:tailEnd type="none" w="med" len="med"/>
+                    </a:lnB>
+                  </a:tcPr>
+                </a:tc>
+                <a:tc>
+                  <a:txBody>
+                    <a:bodyPr/>
+                    <a:lstStyle/>
+                    <a:p>
+                      <a:pPr algn="ctr" fontAlgn="b"/>
+                      <a:r>
+                        <a:rPr lang="en-US" sz="900" b="0" i="0" u="none" strike="noStrike">
+                          <a:effectLst/>
+                          <a:latin typeface="Book Antiqua" panose="02040602050305030304" pitchFamily="18" charset="0"/>
+                        </a:rPr>
+                        <a:t>2.602E+09</a:t>
+                      </a:r>
+                    </a:p>
+                  </a:txBody>
+                  <a:tcPr marL="0" marR="0" marT="0" marB="0" anchor="b">
+                    <a:lnL>
+                      <a:noFill/>
+                    </a:lnL>
+                    <a:lnR>
+                      <a:noFill/>
+                    </a:lnR>
+                    <a:lnT>
+                      <a:noFill/>
+                    </a:lnT>
+                    <a:lnB w="6350" cap="flat" cmpd="sng" algn="ctr">
+                      <a:solidFill>
+                        <a:srgbClr val="000000"/>
+                      </a:solidFill>
+                      <a:prstDash val="solid"/>
+                      <a:round/>
+                      <a:headEnd type="none" w="med" len="med"/>
+                      <a:tailEnd type="none" w="med" len="med"/>
+                    </a:lnB>
+                  </a:tcPr>
+                </a:tc>
+                <a:tc>
+                  <a:txBody>
+                    <a:bodyPr/>
+                    <a:lstStyle/>
+                    <a:p>
+                      <a:pPr algn="l" fontAlgn="b"/>
+                      <a:r>
+                        <a:rPr lang="en-US" sz="900" b="0" i="0" u="none" strike="noStrike" dirty="0">
+                          <a:effectLst/>
+                          <a:latin typeface="Book Antiqua" panose="02040602050305030304" pitchFamily="18" charset="0"/>
+                        </a:rPr>
+                        <a:t>kwh/</a:t>
+                      </a:r>
+                      <a:r>
+                        <a:rPr lang="en-US" sz="900" b="0" i="0" u="none" strike="noStrike" dirty="0" err="1">
+                          <a:effectLst/>
+                          <a:latin typeface="Book Antiqua" panose="02040602050305030304" pitchFamily="18" charset="0"/>
+                        </a:rPr>
+                        <a:t>yr</a:t>
+                      </a:r>
+                      <a:endParaRPr lang="en-US" sz="900" b="0" i="0" u="none" strike="noStrike" dirty="0">
+                        <a:effectLst/>
+                        <a:latin typeface="Book Antiqua" panose="02040602050305030304" pitchFamily="18" charset="0"/>
+                      </a:endParaRPr>
+                    </a:p>
+                  </a:txBody>
+                  <a:tcPr marL="0" marR="0" marT="0" marB="0" anchor="b">
+                    <a:lnL>
+                      <a:noFill/>
+                    </a:lnL>
+                    <a:lnR w="6350" cap="flat" cmpd="sng" algn="ctr">
+                      <a:solidFill>
+                        <a:srgbClr val="000000"/>
+                      </a:solidFill>
+                      <a:prstDash val="solid"/>
+                      <a:round/>
+                      <a:headEnd type="none" w="med" len="med"/>
+                      <a:tailEnd type="none" w="med" len="med"/>
+                    </a:lnR>
+                    <a:lnT>
+                      <a:noFill/>
+                    </a:lnT>
+                    <a:lnB w="6350" cap="flat" cmpd="sng" algn="ctr">
+                      <a:solidFill>
+                        <a:srgbClr val="000000"/>
+                      </a:solidFill>
+                      <a:prstDash val="solid"/>
+                      <a:round/>
+                      <a:headEnd type="none" w="med" len="med"/>
+                      <a:tailEnd type="none" w="med" len="med"/>
+                    </a:lnB>
+                  </a:tcPr>
+                </a:tc>
+              </a:tr>
+            </a:tbl>
+          </a:graphicData>
+        </a:graphic>
+      </p:graphicFrame>
+      <p:sp>
+        <p:nvSpPr>
+          <p:cNvPr id="4" name="Slide Number Placeholder 3"/>
+          <p:cNvSpPr>
+            <a:spLocks noGrp="1"/>
+          </p:cNvSpPr>
+          <p:nvPr>
+            <p:ph type="sldNum" sz="quarter" idx="10"/>
+          </p:nvPr>
+        </p:nvSpPr>
+        <p:spPr/>
+        <p:txBody>
+          <a:bodyPr/>
+          <a:lstStyle/>
+          <a:p>
+            <a:pPr>
+              <a:defRPr/>
+            </a:pPr>
+            <a:fld id="{639E97B8-4532-408E-A5F7-ACF05B64D361}" type="slidenum">
+              <a:rPr lang="en-US" smtClean="0"/>
+              <a:pPr>
+                <a:defRPr/>
+              </a:pPr>
+              <a:t>23</a:t>
+            </a:fld>
+            <a:endParaRPr lang="en-US" dirty="0"/>
+          </a:p>
+        </p:txBody>
+      </p:sp>
+    </p:spTree>
+    <p:extLst>
+      <p:ext uri="{BB962C8B-B14F-4D97-AF65-F5344CB8AC3E}">
+        <p14:creationId xmlns:p14="http://schemas.microsoft.com/office/powerpoint/2010/main" val="321343219"/>
+      </p:ext>
+    </p:extLst>
+  </p:cSld>
+  <p:clrMapOvr>
+    <a:masterClrMapping/>
+  </p:clrMapOvr>
+  <p:timing>
+    <p:tnLst>
+      <p:par>
+        <p:cTn id="1" dur="indefinite" restart="never" nodeType="tmRoot"/>
+      </p:par>
+    </p:tnLst>
+  </p:timing>
+</p:sld>
+</file>
+
+<file path=ppt/slides/slide24.xml><?xml version="1.0" encoding="utf-8"?>
+<p:sld xmlns:a="http://schemas.openxmlformats.org/drawingml/2006/main" xmlns:r="http://schemas.openxmlformats.org/officeDocument/2006/relationships" xmlns:p="http://schemas.openxmlformats.org/presentationml/2006/main">
+  <p:cSld>
+    <p:spTree>
+      <p:nvGrpSpPr>
+        <p:cNvPr id="1" name=""/>
+        <p:cNvGrpSpPr/>
+        <p:nvPr/>
+      </p:nvGrpSpPr>
+      <p:grpSpPr>
+        <a:xfrm>
+          <a:off x="0" y="0"/>
+          <a:ext cx="0" cy="0"/>
+          <a:chOff x="0" y="0"/>
+          <a:chExt cx="0" cy="0"/>
+        </a:xfrm>
+      </p:grpSpPr>
+      <p:sp>
+        <p:nvSpPr>
+          <p:cNvPr id="2" name="Title 1"/>
+          <p:cNvSpPr>
+            <a:spLocks noGrp="1"/>
+          </p:cNvSpPr>
+          <p:nvPr>
+            <p:ph type="title"/>
+          </p:nvPr>
+        </p:nvSpPr>
+        <p:spPr/>
+        <p:txBody>
+          <a:bodyPr/>
+          <a:lstStyle/>
+          <a:p>
+            <a:r>
+              <a:rPr lang="en-US" dirty="0" smtClean="0"/>
+              <a:t>Comparison</a:t>
+            </a:r>
+            <a:endParaRPr lang="en-US" dirty="0"/>
+          </a:p>
+        </p:txBody>
+      </p:sp>
+      <p:sp>
+        <p:nvSpPr>
+          <p:cNvPr id="4" name="Slide Number Placeholder 3"/>
+          <p:cNvSpPr>
+            <a:spLocks noGrp="1"/>
+          </p:cNvSpPr>
+          <p:nvPr>
+            <p:ph type="sldNum" sz="quarter" idx="10"/>
+          </p:nvPr>
+        </p:nvSpPr>
+        <p:spPr/>
+        <p:txBody>
+          <a:bodyPr/>
+          <a:lstStyle/>
+          <a:p>
+            <a:pPr>
+              <a:defRPr/>
+            </a:pPr>
+            <a:fld id="{639E97B8-4532-408E-A5F7-ACF05B64D361}" type="slidenum">
+              <a:rPr lang="en-US" smtClean="0"/>
+              <a:pPr>
+                <a:defRPr/>
+              </a:pPr>
+              <a:t>24</a:t>
+            </a:fld>
+            <a:endParaRPr lang="en-US" dirty="0"/>
+          </a:p>
+        </p:txBody>
+      </p:sp>
+      <p:graphicFrame>
+        <p:nvGraphicFramePr>
+          <p:cNvPr id="5" name="Content Placeholder 5"/>
+          <p:cNvGraphicFramePr>
+            <a:graphicFrameLocks/>
+          </p:cNvGraphicFramePr>
+          <p:nvPr>
+            <p:extLst>
+              <p:ext uri="{D42A27DB-BD31-4B8C-83A1-F6EECF244321}">
+                <p14:modId xmlns:p14="http://schemas.microsoft.com/office/powerpoint/2010/main" val="1062732646"/>
+              </p:ext>
+            </p:extLst>
+          </p:nvPr>
+        </p:nvGraphicFramePr>
+        <p:xfrm>
+          <a:off x="609600" y="2209800"/>
+          <a:ext cx="7924802" cy="2650856"/>
+        </p:xfrm>
+        <a:graphic>
+          <a:graphicData uri="http://schemas.openxmlformats.org/drawingml/2006/table">
+            <a:tbl>
+              <a:tblPr/>
+              <a:tblGrid>
+                <a:gridCol w="932329"/>
+                <a:gridCol w="932330"/>
+                <a:gridCol w="1165412"/>
+                <a:gridCol w="1223684"/>
+                <a:gridCol w="951752"/>
+                <a:gridCol w="932330"/>
+                <a:gridCol w="854635"/>
+                <a:gridCol w="932330"/>
+              </a:tblGrid>
+              <a:tr h="331357">
+                <a:tc gridSpan="2">
+                  <a:txBody>
+                    <a:bodyPr/>
+                    <a:lstStyle/>
+                    <a:p>
+                      <a:pPr algn="ctr" fontAlgn="ctr"/>
+                      <a:r>
+                        <a:rPr lang="en-US" sz="1600" b="0" i="0" u="none" strike="noStrike" dirty="0">
+                          <a:solidFill>
+                            <a:srgbClr val="000000"/>
+                          </a:solidFill>
+                          <a:effectLst/>
+                          <a:latin typeface="Calibri"/>
+                        </a:rPr>
+                        <a:t>Estimate in $/MWh</a:t>
+                      </a:r>
+                    </a:p>
+                  </a:txBody>
+                  <a:tcPr marL="12700" marR="12700" marT="12700" marB="0" anchor="ctr">
+                    <a:lnL w="6350" cap="flat" cmpd="sng" algn="ctr">
+                      <a:solidFill>
+                        <a:srgbClr val="000000"/>
+                      </a:solidFill>
+                      <a:prstDash val="solid"/>
+                      <a:round/>
+                      <a:headEnd type="none" w="med" len="med"/>
+                      <a:tailEnd type="none" w="med" len="med"/>
+                    </a:lnL>
+                    <a:lnR w="6350" cap="flat" cmpd="sng" algn="ctr">
+                      <a:solidFill>
+                        <a:srgbClr val="000000"/>
+                      </a:solidFill>
+                      <a:prstDash val="solid"/>
+                      <a:round/>
+                      <a:headEnd type="none" w="med" len="med"/>
+                      <a:tailEnd type="none" w="med" len="med"/>
+                    </a:lnR>
+                    <a:lnT w="6350" cap="flat" cmpd="sng" algn="ctr">
+                      <a:solidFill>
+                        <a:srgbClr val="000000"/>
+                      </a:solidFill>
+                      <a:prstDash val="solid"/>
+                      <a:round/>
+                      <a:headEnd type="none" w="med" len="med"/>
+                      <a:tailEnd type="none" w="med" len="med"/>
+                    </a:lnT>
+                    <a:lnB w="6350" cap="flat" cmpd="sng" algn="ctr">
+                      <a:solidFill>
+                        <a:srgbClr val="000000"/>
+                      </a:solidFill>
+                      <a:prstDash val="solid"/>
+                      <a:round/>
+                      <a:headEnd type="none" w="med" len="med"/>
+                      <a:tailEnd type="none" w="med" len="med"/>
+                    </a:lnB>
+                    <a:pattFill prst="trellis">
+                      <a:fgClr>
+                        <a:schemeClr val="bg2"/>
+                      </a:fgClr>
+                      <a:bgClr>
+                        <a:prstClr val="white"/>
+                      </a:bgClr>
+                    </a:pattFill>
+                  </a:tcPr>
+                </a:tc>
+                <a:tc hMerge="1">
+                  <a:txBody>
+                    <a:bodyPr/>
+                    <a:lstStyle/>
+                    <a:p>
+                      <a:endParaRPr lang="en-US"/>
+                    </a:p>
+                  </a:txBody>
+                  <a:tcPr/>
+                </a:tc>
+                <a:tc rowSpan="2">
+                  <a:txBody>
+                    <a:bodyPr/>
+                    <a:lstStyle/>
+                    <a:p>
+                      <a:pPr algn="ctr" fontAlgn="ctr"/>
+                      <a:r>
+                        <a:rPr lang="en-US" sz="1600" b="0" i="0" u="none" strike="noStrike" dirty="0">
+                          <a:solidFill>
+                            <a:srgbClr val="000000"/>
+                          </a:solidFill>
+                          <a:effectLst/>
+                          <a:latin typeface="Calibri"/>
+                        </a:rPr>
+                        <a:t>C</a:t>
+                      </a:r>
+                      <a:r>
+                        <a:rPr lang="en-US" sz="1600" b="0" i="0" u="none" strike="noStrike" dirty="0" smtClean="0">
+                          <a:solidFill>
+                            <a:srgbClr val="000000"/>
+                          </a:solidFill>
+                          <a:effectLst/>
+                          <a:latin typeface="Calibri"/>
+                        </a:rPr>
+                        <a:t>onventional </a:t>
+                      </a:r>
+                      <a:r>
+                        <a:rPr lang="en-US" sz="1600" b="0" i="0" u="none" strike="noStrike" dirty="0">
+                          <a:solidFill>
+                            <a:srgbClr val="000000"/>
+                          </a:solidFill>
+                          <a:effectLst/>
+                          <a:latin typeface="Calibri"/>
+                        </a:rPr>
+                        <a:t>coal</a:t>
+                      </a:r>
+                    </a:p>
+                  </a:txBody>
+                  <a:tcPr marL="12700" marR="12700" marT="12700" marB="0" anchor="ctr">
+                    <a:lnL w="6350" cap="flat" cmpd="sng" algn="ctr">
+                      <a:solidFill>
+                        <a:srgbClr val="000000"/>
+                      </a:solidFill>
+                      <a:prstDash val="solid"/>
+                      <a:round/>
+                      <a:headEnd type="none" w="med" len="med"/>
+                      <a:tailEnd type="none" w="med" len="med"/>
+                    </a:lnL>
+                    <a:lnR w="6350" cap="flat" cmpd="sng" algn="ctr">
+                      <a:solidFill>
+                        <a:srgbClr val="000000"/>
+                      </a:solidFill>
+                      <a:prstDash val="solid"/>
+                      <a:round/>
+                      <a:headEnd type="none" w="med" len="med"/>
+                      <a:tailEnd type="none" w="med" len="med"/>
+                    </a:lnR>
+                    <a:lnT w="6350" cap="flat" cmpd="sng" algn="ctr">
+                      <a:solidFill>
+                        <a:srgbClr val="000000"/>
+                      </a:solidFill>
+                      <a:prstDash val="solid"/>
+                      <a:round/>
+                      <a:headEnd type="none" w="med" len="med"/>
+                      <a:tailEnd type="none" w="med" len="med"/>
+                    </a:lnT>
+                    <a:lnB w="6350" cap="flat" cmpd="sng" algn="ctr">
+                      <a:solidFill>
+                        <a:srgbClr val="000000"/>
+                      </a:solidFill>
+                      <a:prstDash val="solid"/>
+                      <a:round/>
+                      <a:headEnd type="none" w="med" len="med"/>
+                      <a:tailEnd type="none" w="med" len="med"/>
+                    </a:lnB>
+                    <a:pattFill prst="trellis">
+                      <a:fgClr>
+                        <a:schemeClr val="bg2"/>
+                      </a:fgClr>
+                      <a:bgClr>
+                        <a:prstClr val="white"/>
+                      </a:bgClr>
+                    </a:pattFill>
+                  </a:tcPr>
+                </a:tc>
+                <a:tc gridSpan="2">
+                  <a:txBody>
+                    <a:bodyPr/>
+                    <a:lstStyle/>
+                    <a:p>
+                      <a:pPr algn="ctr" fontAlgn="ctr"/>
+                      <a:r>
+                        <a:rPr lang="en-US" sz="1600" b="0" i="0" u="none" strike="noStrike" dirty="0">
+                          <a:solidFill>
+                            <a:srgbClr val="000000"/>
+                          </a:solidFill>
+                          <a:effectLst/>
+                          <a:latin typeface="Calibri"/>
+                        </a:rPr>
+                        <a:t>NG combined cycle</a:t>
+                      </a:r>
+                    </a:p>
+                  </a:txBody>
+                  <a:tcPr marL="12700" marR="12700" marT="12700" marB="0" anchor="ctr">
+                    <a:lnL w="6350" cap="flat" cmpd="sng" algn="ctr">
+                      <a:solidFill>
+                        <a:srgbClr val="000000"/>
+                      </a:solidFill>
+                      <a:prstDash val="solid"/>
+                      <a:round/>
+                      <a:headEnd type="none" w="med" len="med"/>
+                      <a:tailEnd type="none" w="med" len="med"/>
+                    </a:lnL>
+                    <a:lnR w="6350" cap="flat" cmpd="sng" algn="ctr">
+                      <a:solidFill>
+                        <a:srgbClr val="000000"/>
+                      </a:solidFill>
+                      <a:prstDash val="solid"/>
+                      <a:round/>
+                      <a:headEnd type="none" w="med" len="med"/>
+                      <a:tailEnd type="none" w="med" len="med"/>
+                    </a:lnR>
+                    <a:lnT w="6350" cap="flat" cmpd="sng" algn="ctr">
+                      <a:solidFill>
+                        <a:srgbClr val="000000"/>
+                      </a:solidFill>
+                      <a:prstDash val="solid"/>
+                      <a:round/>
+                      <a:headEnd type="none" w="med" len="med"/>
+                      <a:tailEnd type="none" w="med" len="med"/>
+                    </a:lnT>
+                    <a:lnB w="6350" cap="flat" cmpd="sng" algn="ctr">
+                      <a:solidFill>
+                        <a:srgbClr val="000000"/>
+                      </a:solidFill>
+                      <a:prstDash val="solid"/>
+                      <a:round/>
+                      <a:headEnd type="none" w="med" len="med"/>
+                      <a:tailEnd type="none" w="med" len="med"/>
+                    </a:lnB>
+                    <a:pattFill prst="trellis">
+                      <a:fgClr>
+                        <a:schemeClr val="bg2"/>
+                      </a:fgClr>
+                      <a:bgClr>
+                        <a:prstClr val="white"/>
+                      </a:bgClr>
+                    </a:pattFill>
+                  </a:tcPr>
+                </a:tc>
+                <a:tc hMerge="1">
+                  <a:txBody>
+                    <a:bodyPr/>
+                    <a:lstStyle/>
+                    <a:p>
+                      <a:endParaRPr lang="en-US"/>
+                    </a:p>
+                  </a:txBody>
+                  <a:tcPr/>
+                </a:tc>
+                <a:tc rowSpan="2">
+                  <a:txBody>
+                    <a:bodyPr/>
+                    <a:lstStyle/>
+                    <a:p>
+                      <a:pPr algn="ctr" fontAlgn="ctr"/>
+                      <a:r>
+                        <a:rPr lang="en-US" sz="1600" b="0" i="0" u="none" strike="noStrike" dirty="0">
+                          <a:solidFill>
+                            <a:srgbClr val="000000"/>
+                          </a:solidFill>
+                          <a:effectLst/>
+                          <a:latin typeface="Calibri"/>
+                        </a:rPr>
+                        <a:t>N</a:t>
+                      </a:r>
+                      <a:r>
+                        <a:rPr lang="en-US" sz="1600" b="0" i="0" u="none" strike="noStrike" dirty="0" smtClean="0">
+                          <a:solidFill>
+                            <a:srgbClr val="000000"/>
+                          </a:solidFill>
+                          <a:effectLst/>
+                          <a:latin typeface="Calibri"/>
+                        </a:rPr>
+                        <a:t>uclear </a:t>
+                      </a:r>
+                      <a:r>
+                        <a:rPr lang="en-US" sz="1600" b="0" i="0" u="none" strike="noStrike" dirty="0">
+                          <a:solidFill>
+                            <a:srgbClr val="000000"/>
+                          </a:solidFill>
+                          <a:effectLst/>
+                          <a:latin typeface="Calibri"/>
+                        </a:rPr>
+                        <a:t>advanced</a:t>
+                      </a:r>
+                    </a:p>
+                  </a:txBody>
+                  <a:tcPr marL="12700" marR="12700" marT="12700" marB="0" anchor="ctr">
+                    <a:lnL w="6350" cap="flat" cmpd="sng" algn="ctr">
+                      <a:solidFill>
+                        <a:srgbClr val="000000"/>
+                      </a:solidFill>
+                      <a:prstDash val="solid"/>
+                      <a:round/>
+                      <a:headEnd type="none" w="med" len="med"/>
+                      <a:tailEnd type="none" w="med" len="med"/>
+                    </a:lnL>
+                    <a:lnR w="6350" cap="flat" cmpd="sng" algn="ctr">
+                      <a:solidFill>
+                        <a:srgbClr val="000000"/>
+                      </a:solidFill>
+                      <a:prstDash val="solid"/>
+                      <a:round/>
+                      <a:headEnd type="none" w="med" len="med"/>
+                      <a:tailEnd type="none" w="med" len="med"/>
+                    </a:lnR>
+                    <a:lnT w="6350" cap="flat" cmpd="sng" algn="ctr">
+                      <a:solidFill>
+                        <a:srgbClr val="000000"/>
+                      </a:solidFill>
+                      <a:prstDash val="solid"/>
+                      <a:round/>
+                      <a:headEnd type="none" w="med" len="med"/>
+                      <a:tailEnd type="none" w="med" len="med"/>
+                    </a:lnT>
+                    <a:lnB w="6350" cap="flat" cmpd="sng" algn="ctr">
+                      <a:solidFill>
+                        <a:srgbClr val="000000"/>
+                      </a:solidFill>
+                      <a:prstDash val="solid"/>
+                      <a:round/>
+                      <a:headEnd type="none" w="med" len="med"/>
+                      <a:tailEnd type="none" w="med" len="med"/>
+                    </a:lnB>
+                    <a:pattFill prst="trellis">
+                      <a:fgClr>
+                        <a:schemeClr val="bg2"/>
+                      </a:fgClr>
+                      <a:bgClr>
+                        <a:prstClr val="white"/>
+                      </a:bgClr>
+                    </a:pattFill>
+                  </a:tcPr>
+                </a:tc>
+                <a:tc gridSpan="2">
+                  <a:txBody>
+                    <a:bodyPr/>
+                    <a:lstStyle/>
+                    <a:p>
+                      <a:pPr algn="ctr" fontAlgn="ctr"/>
+                      <a:r>
+                        <a:rPr lang="en-US" sz="1600" b="0" i="0" u="none" strike="noStrike">
+                          <a:solidFill>
+                            <a:srgbClr val="000000"/>
+                          </a:solidFill>
+                          <a:effectLst/>
+                          <a:latin typeface="Calibri"/>
+                        </a:rPr>
+                        <a:t>wind</a:t>
+                      </a:r>
+                    </a:p>
+                  </a:txBody>
+                  <a:tcPr marL="12700" marR="12700" marT="12700" marB="0" anchor="ctr">
+                    <a:lnL w="6350" cap="flat" cmpd="sng" algn="ctr">
+                      <a:solidFill>
+                        <a:srgbClr val="000000"/>
+                      </a:solidFill>
+                      <a:prstDash val="solid"/>
+                      <a:round/>
+                      <a:headEnd type="none" w="med" len="med"/>
+                      <a:tailEnd type="none" w="med" len="med"/>
+                    </a:lnL>
+                    <a:lnR w="6350" cap="flat" cmpd="sng" algn="ctr">
+                      <a:solidFill>
+                        <a:srgbClr val="000000"/>
+                      </a:solidFill>
+                      <a:prstDash val="solid"/>
+                      <a:round/>
+                      <a:headEnd type="none" w="med" len="med"/>
+                      <a:tailEnd type="none" w="med" len="med"/>
+                    </a:lnR>
+                    <a:lnT w="6350" cap="flat" cmpd="sng" algn="ctr">
+                      <a:solidFill>
+                        <a:srgbClr val="000000"/>
+                      </a:solidFill>
+                      <a:prstDash val="solid"/>
+                      <a:round/>
+                      <a:headEnd type="none" w="med" len="med"/>
+                      <a:tailEnd type="none" w="med" len="med"/>
+                    </a:lnT>
+                    <a:lnB w="6350" cap="flat" cmpd="sng" algn="ctr">
+                      <a:solidFill>
+                        <a:srgbClr val="000000"/>
+                      </a:solidFill>
+                      <a:prstDash val="solid"/>
+                      <a:round/>
+                      <a:headEnd type="none" w="med" len="med"/>
+                      <a:tailEnd type="none" w="med" len="med"/>
+                    </a:lnB>
+                    <a:pattFill prst="trellis">
+                      <a:fgClr>
+                        <a:schemeClr val="bg2"/>
+                      </a:fgClr>
+                      <a:bgClr>
+                        <a:prstClr val="white"/>
+                      </a:bgClr>
+                    </a:pattFill>
+                  </a:tcPr>
+                </a:tc>
+                <a:tc hMerge="1">
+                  <a:txBody>
+                    <a:bodyPr/>
+                    <a:lstStyle/>
+                    <a:p>
+                      <a:endParaRPr lang="en-US"/>
+                    </a:p>
+                  </a:txBody>
+                  <a:tcPr/>
+                </a:tc>
+              </a:tr>
+              <a:tr h="331357">
+                <a:tc>
+                  <a:txBody>
+                    <a:bodyPr/>
+                    <a:lstStyle/>
+                    <a:p>
+                      <a:pPr algn="ctr" fontAlgn="ctr"/>
+                      <a:r>
+                        <a:rPr lang="en-US" sz="1600" b="0" i="0" u="none" strike="noStrike" dirty="0">
+                          <a:solidFill>
+                            <a:srgbClr val="000000"/>
+                          </a:solidFill>
+                          <a:effectLst/>
+                          <a:latin typeface="Calibri"/>
+                        </a:rPr>
+                        <a:t>year</a:t>
+                      </a:r>
+                    </a:p>
+                  </a:txBody>
+                  <a:tcPr marL="12700" marR="12700" marT="12700" marB="0" anchor="ctr">
+                    <a:lnL w="6350" cap="flat" cmpd="sng" algn="ctr">
+                      <a:solidFill>
+                        <a:srgbClr val="000000"/>
+                      </a:solidFill>
+                      <a:prstDash val="solid"/>
+                      <a:round/>
+                      <a:headEnd type="none" w="med" len="med"/>
+                      <a:tailEnd type="none" w="med" len="med"/>
+                    </a:lnL>
+                    <a:lnR w="6350" cap="flat" cmpd="sng" algn="ctr">
+                      <a:solidFill>
+                        <a:srgbClr val="000000"/>
+                      </a:solidFill>
+                      <a:prstDash val="solid"/>
+                      <a:round/>
+                      <a:headEnd type="none" w="med" len="med"/>
+                      <a:tailEnd type="none" w="med" len="med"/>
+                    </a:lnR>
+                    <a:lnT w="6350" cap="flat" cmpd="sng" algn="ctr">
+                      <a:solidFill>
+                        <a:srgbClr val="000000"/>
+                      </a:solidFill>
+                      <a:prstDash val="solid"/>
+                      <a:round/>
+                      <a:headEnd type="none" w="med" len="med"/>
+                      <a:tailEnd type="none" w="med" len="med"/>
+                    </a:lnT>
+                    <a:lnB w="6350" cap="flat" cmpd="sng" algn="ctr">
+                      <a:solidFill>
+                        <a:srgbClr val="000000"/>
+                      </a:solidFill>
+                      <a:prstDash val="solid"/>
+                      <a:round/>
+                      <a:headEnd type="none" w="med" len="med"/>
+                      <a:tailEnd type="none" w="med" len="med"/>
+                    </a:lnB>
+                    <a:pattFill prst="trellis">
+                      <a:fgClr>
+                        <a:schemeClr val="bg2"/>
+                      </a:fgClr>
+                      <a:bgClr>
+                        <a:prstClr val="white"/>
+                      </a:bgClr>
+                    </a:pattFill>
+                  </a:tcPr>
+                </a:tc>
+                <a:tc>
+                  <a:txBody>
+                    <a:bodyPr/>
+                    <a:lstStyle/>
+                    <a:p>
+                      <a:pPr algn="ctr" fontAlgn="ctr"/>
+                      <a:r>
+                        <a:rPr lang="en-US" sz="1600" b="0" i="0" u="none" strike="noStrike">
+                          <a:solidFill>
+                            <a:srgbClr val="000000"/>
+                          </a:solidFill>
+                          <a:effectLst/>
+                          <a:latin typeface="Calibri"/>
+                        </a:rPr>
+                        <a:t>for year</a:t>
+                      </a:r>
+                    </a:p>
+                  </a:txBody>
+                  <a:tcPr marL="12700" marR="12700" marT="12700" marB="0" anchor="ctr">
+                    <a:lnL w="6350" cap="flat" cmpd="sng" algn="ctr">
+                      <a:solidFill>
+                        <a:srgbClr val="000000"/>
+                      </a:solidFill>
+                      <a:prstDash val="solid"/>
+                      <a:round/>
+                      <a:headEnd type="none" w="med" len="med"/>
+                      <a:tailEnd type="none" w="med" len="med"/>
+                    </a:lnL>
+                    <a:lnR w="6350" cap="flat" cmpd="sng" algn="ctr">
+                      <a:solidFill>
+                        <a:srgbClr val="000000"/>
+                      </a:solidFill>
+                      <a:prstDash val="solid"/>
+                      <a:round/>
+                      <a:headEnd type="none" w="med" len="med"/>
+                      <a:tailEnd type="none" w="med" len="med"/>
+                    </a:lnR>
+                    <a:lnT w="6350" cap="flat" cmpd="sng" algn="ctr">
+                      <a:solidFill>
+                        <a:srgbClr val="000000"/>
+                      </a:solidFill>
+                      <a:prstDash val="solid"/>
+                      <a:round/>
+                      <a:headEnd type="none" w="med" len="med"/>
+                      <a:tailEnd type="none" w="med" len="med"/>
+                    </a:lnT>
+                    <a:lnB w="6350" cap="flat" cmpd="sng" algn="ctr">
+                      <a:solidFill>
+                        <a:srgbClr val="000000"/>
+                      </a:solidFill>
+                      <a:prstDash val="solid"/>
+                      <a:round/>
+                      <a:headEnd type="none" w="med" len="med"/>
+                      <a:tailEnd type="none" w="med" len="med"/>
+                    </a:lnB>
+                    <a:pattFill prst="trellis">
+                      <a:fgClr>
+                        <a:schemeClr val="bg2"/>
+                      </a:fgClr>
+                      <a:bgClr>
+                        <a:prstClr val="white"/>
+                      </a:bgClr>
+                    </a:pattFill>
+                  </a:tcPr>
+                </a:tc>
+                <a:tc vMerge="1">
+                  <a:txBody>
+                    <a:bodyPr/>
+                    <a:lstStyle/>
+                    <a:p>
+                      <a:endParaRPr lang="en-US"/>
+                    </a:p>
+                  </a:txBody>
+                  <a:tcPr/>
+                </a:tc>
+                <a:tc>
+                  <a:txBody>
+                    <a:bodyPr/>
+                    <a:lstStyle/>
+                    <a:p>
+                      <a:pPr algn="ctr" fontAlgn="ctr"/>
+                      <a:r>
+                        <a:rPr lang="en-US" sz="1600" b="0" i="0" u="none" strike="noStrike">
+                          <a:solidFill>
+                            <a:srgbClr val="000000"/>
+                          </a:solidFill>
+                          <a:effectLst/>
+                          <a:latin typeface="Calibri"/>
+                        </a:rPr>
+                        <a:t>conventional</a:t>
+                      </a:r>
+                    </a:p>
+                  </a:txBody>
+                  <a:tcPr marL="12700" marR="12700" marT="12700" marB="0" anchor="ctr">
+                    <a:lnL w="6350" cap="flat" cmpd="sng" algn="ctr">
+                      <a:solidFill>
+                        <a:srgbClr val="000000"/>
+                      </a:solidFill>
+                      <a:prstDash val="solid"/>
+                      <a:round/>
+                      <a:headEnd type="none" w="med" len="med"/>
+                      <a:tailEnd type="none" w="med" len="med"/>
+                    </a:lnL>
+                    <a:lnR w="6350" cap="flat" cmpd="sng" algn="ctr">
+                      <a:solidFill>
+                        <a:srgbClr val="000000"/>
+                      </a:solidFill>
+                      <a:prstDash val="solid"/>
+                      <a:round/>
+                      <a:headEnd type="none" w="med" len="med"/>
+                      <a:tailEnd type="none" w="med" len="med"/>
+                    </a:lnR>
+                    <a:lnT w="6350" cap="flat" cmpd="sng" algn="ctr">
+                      <a:solidFill>
+                        <a:srgbClr val="000000"/>
+                      </a:solidFill>
+                      <a:prstDash val="solid"/>
+                      <a:round/>
+                      <a:headEnd type="none" w="med" len="med"/>
+                      <a:tailEnd type="none" w="med" len="med"/>
+                    </a:lnT>
+                    <a:lnB w="6350" cap="flat" cmpd="sng" algn="ctr">
+                      <a:solidFill>
+                        <a:srgbClr val="000000"/>
+                      </a:solidFill>
+                      <a:prstDash val="solid"/>
+                      <a:round/>
+                      <a:headEnd type="none" w="med" len="med"/>
+                      <a:tailEnd type="none" w="med" len="med"/>
+                    </a:lnB>
+                    <a:pattFill prst="trellis">
+                      <a:fgClr>
+                        <a:schemeClr val="bg2"/>
+                      </a:fgClr>
+                      <a:bgClr>
+                        <a:prstClr val="white"/>
+                      </a:bgClr>
+                    </a:pattFill>
+                  </a:tcPr>
+                </a:tc>
+                <a:tc>
+                  <a:txBody>
+                    <a:bodyPr/>
+                    <a:lstStyle/>
+                    <a:p>
+                      <a:pPr algn="ctr" fontAlgn="ctr"/>
+                      <a:r>
+                        <a:rPr lang="en-US" sz="1600" b="0" i="0" u="none" strike="noStrike">
+                          <a:solidFill>
+                            <a:srgbClr val="000000"/>
+                          </a:solidFill>
+                          <a:effectLst/>
+                          <a:latin typeface="Calibri"/>
+                        </a:rPr>
+                        <a:t>advanced</a:t>
+                      </a:r>
+                    </a:p>
+                  </a:txBody>
+                  <a:tcPr marL="12700" marR="12700" marT="12700" marB="0" anchor="ctr">
+                    <a:lnL w="6350" cap="flat" cmpd="sng" algn="ctr">
+                      <a:solidFill>
+                        <a:srgbClr val="000000"/>
+                      </a:solidFill>
+                      <a:prstDash val="solid"/>
+                      <a:round/>
+                      <a:headEnd type="none" w="med" len="med"/>
+                      <a:tailEnd type="none" w="med" len="med"/>
+                    </a:lnL>
+                    <a:lnR w="6350" cap="flat" cmpd="sng" algn="ctr">
+                      <a:solidFill>
+                        <a:srgbClr val="000000"/>
+                      </a:solidFill>
+                      <a:prstDash val="solid"/>
+                      <a:round/>
+                      <a:headEnd type="none" w="med" len="med"/>
+                      <a:tailEnd type="none" w="med" len="med"/>
+                    </a:lnR>
+                    <a:lnT w="6350" cap="flat" cmpd="sng" algn="ctr">
+                      <a:solidFill>
+                        <a:srgbClr val="000000"/>
+                      </a:solidFill>
+                      <a:prstDash val="solid"/>
+                      <a:round/>
+                      <a:headEnd type="none" w="med" len="med"/>
+                      <a:tailEnd type="none" w="med" len="med"/>
+                    </a:lnT>
+                    <a:lnB w="6350" cap="flat" cmpd="sng" algn="ctr">
+                      <a:solidFill>
+                        <a:srgbClr val="000000"/>
+                      </a:solidFill>
+                      <a:prstDash val="solid"/>
+                      <a:round/>
+                      <a:headEnd type="none" w="med" len="med"/>
+                      <a:tailEnd type="none" w="med" len="med"/>
+                    </a:lnB>
+                    <a:pattFill prst="trellis">
+                      <a:fgClr>
+                        <a:schemeClr val="bg2"/>
+                      </a:fgClr>
+                      <a:bgClr>
+                        <a:prstClr val="white"/>
+                      </a:bgClr>
+                    </a:pattFill>
+                  </a:tcPr>
+                </a:tc>
+                <a:tc vMerge="1">
+                  <a:txBody>
+                    <a:bodyPr/>
+                    <a:lstStyle/>
+                    <a:p>
+                      <a:endParaRPr lang="en-US"/>
+                    </a:p>
+                  </a:txBody>
+                  <a:tcPr/>
+                </a:tc>
+                <a:tc>
+                  <a:txBody>
+                    <a:bodyPr/>
+                    <a:lstStyle/>
+                    <a:p>
+                      <a:pPr algn="ctr" fontAlgn="ctr"/>
+                      <a:r>
+                        <a:rPr lang="en-US" sz="1600" b="0" i="0" u="none" strike="noStrike">
+                          <a:solidFill>
+                            <a:srgbClr val="000000"/>
+                          </a:solidFill>
+                          <a:effectLst/>
+                          <a:latin typeface="Calibri"/>
+                        </a:rPr>
+                        <a:t>onshore</a:t>
+                      </a:r>
+                    </a:p>
+                  </a:txBody>
+                  <a:tcPr marL="12700" marR="12700" marT="12700" marB="0" anchor="ctr">
+                    <a:lnL w="6350" cap="flat" cmpd="sng" algn="ctr">
+                      <a:solidFill>
+                        <a:srgbClr val="000000"/>
+                      </a:solidFill>
+                      <a:prstDash val="solid"/>
+                      <a:round/>
+                      <a:headEnd type="none" w="med" len="med"/>
+                      <a:tailEnd type="none" w="med" len="med"/>
+                    </a:lnL>
+                    <a:lnR w="6350" cap="flat" cmpd="sng" algn="ctr">
+                      <a:solidFill>
+                        <a:srgbClr val="000000"/>
+                      </a:solidFill>
+                      <a:prstDash val="solid"/>
+                      <a:round/>
+                      <a:headEnd type="none" w="med" len="med"/>
+                      <a:tailEnd type="none" w="med" len="med"/>
+                    </a:lnR>
+                    <a:lnT w="6350" cap="flat" cmpd="sng" algn="ctr">
+                      <a:solidFill>
+                        <a:srgbClr val="000000"/>
+                      </a:solidFill>
+                      <a:prstDash val="solid"/>
+                      <a:round/>
+                      <a:headEnd type="none" w="med" len="med"/>
+                      <a:tailEnd type="none" w="med" len="med"/>
+                    </a:lnT>
+                    <a:lnB w="6350" cap="flat" cmpd="sng" algn="ctr">
+                      <a:solidFill>
+                        <a:srgbClr val="000000"/>
+                      </a:solidFill>
+                      <a:prstDash val="solid"/>
+                      <a:round/>
+                      <a:headEnd type="none" w="med" len="med"/>
+                      <a:tailEnd type="none" w="med" len="med"/>
+                    </a:lnB>
+                    <a:pattFill prst="trellis">
+                      <a:fgClr>
+                        <a:schemeClr val="bg2"/>
+                      </a:fgClr>
+                      <a:bgClr>
+                        <a:prstClr val="white"/>
+                      </a:bgClr>
+                    </a:pattFill>
+                  </a:tcPr>
+                </a:tc>
+                <a:tc>
+                  <a:txBody>
+                    <a:bodyPr/>
+                    <a:lstStyle/>
+                    <a:p>
+                      <a:pPr algn="ctr" fontAlgn="ctr"/>
+                      <a:r>
+                        <a:rPr lang="en-US" sz="1600" b="0" i="0" u="none" strike="noStrike" dirty="0">
+                          <a:solidFill>
+                            <a:srgbClr val="000000"/>
+                          </a:solidFill>
+                          <a:effectLst/>
+                          <a:latin typeface="Calibri"/>
+                        </a:rPr>
+                        <a:t>offshore</a:t>
+                      </a:r>
+                    </a:p>
+                  </a:txBody>
+                  <a:tcPr marL="12700" marR="12700" marT="12700" marB="0" anchor="ctr">
+                    <a:lnL w="6350" cap="flat" cmpd="sng" algn="ctr">
+                      <a:solidFill>
+                        <a:srgbClr val="000000"/>
+                      </a:solidFill>
+                      <a:prstDash val="solid"/>
+                      <a:round/>
+                      <a:headEnd type="none" w="med" len="med"/>
+                      <a:tailEnd type="none" w="med" len="med"/>
+                    </a:lnL>
+                    <a:lnR w="6350" cap="flat" cmpd="sng" algn="ctr">
+                      <a:solidFill>
+                        <a:srgbClr val="000000"/>
+                      </a:solidFill>
+                      <a:prstDash val="solid"/>
+                      <a:round/>
+                      <a:headEnd type="none" w="med" len="med"/>
+                      <a:tailEnd type="none" w="med" len="med"/>
+                    </a:lnR>
+                    <a:lnT w="6350" cap="flat" cmpd="sng" algn="ctr">
+                      <a:solidFill>
+                        <a:srgbClr val="000000"/>
+                      </a:solidFill>
+                      <a:prstDash val="solid"/>
+                      <a:round/>
+                      <a:headEnd type="none" w="med" len="med"/>
+                      <a:tailEnd type="none" w="med" len="med"/>
+                    </a:lnT>
+                    <a:lnB w="6350" cap="flat" cmpd="sng" algn="ctr">
+                      <a:solidFill>
+                        <a:srgbClr val="000000"/>
+                      </a:solidFill>
+                      <a:prstDash val="solid"/>
+                      <a:round/>
+                      <a:headEnd type="none" w="med" len="med"/>
+                      <a:tailEnd type="none" w="med" len="med"/>
+                    </a:lnB>
+                    <a:pattFill prst="trellis">
+                      <a:fgClr>
+                        <a:schemeClr val="bg2"/>
+                      </a:fgClr>
+                      <a:bgClr>
+                        <a:prstClr val="white"/>
+                      </a:bgClr>
+                    </a:pattFill>
+                  </a:tcPr>
+                </a:tc>
+              </a:tr>
+              <a:tr h="331357">
+                <a:tc>
+                  <a:txBody>
+                    <a:bodyPr/>
+                    <a:lstStyle/>
+                    <a:p>
+                      <a:pPr algn="ctr" fontAlgn="ctr"/>
+                      <a:r>
+                        <a:rPr lang="is-IS" sz="1600" b="0" i="0" u="none" strike="noStrike" dirty="0">
+                          <a:solidFill>
+                            <a:srgbClr val="000000"/>
+                          </a:solidFill>
+                          <a:effectLst/>
+                          <a:latin typeface="Calibri"/>
+                        </a:rPr>
+                        <a:t>2010</a:t>
+                      </a:r>
+                    </a:p>
+                  </a:txBody>
+                  <a:tcPr marL="12700" marR="12700" marT="12700" marB="0" anchor="ctr">
+                    <a:lnL w="6350" cap="flat" cmpd="sng" algn="ctr">
+                      <a:solidFill>
+                        <a:srgbClr val="000000"/>
+                      </a:solidFill>
+                      <a:prstDash val="solid"/>
+                      <a:round/>
+                      <a:headEnd type="none" w="med" len="med"/>
+                      <a:tailEnd type="none" w="med" len="med"/>
+                    </a:lnL>
+                    <a:lnR w="6350" cap="flat" cmpd="sng" algn="ctr">
+                      <a:solidFill>
+                        <a:srgbClr val="000000"/>
+                      </a:solidFill>
+                      <a:prstDash val="solid"/>
+                      <a:round/>
+                      <a:headEnd type="none" w="med" len="med"/>
+                      <a:tailEnd type="none" w="med" len="med"/>
+                    </a:lnR>
+                    <a:lnT w="6350" cap="flat" cmpd="sng" algn="ctr">
+                      <a:solidFill>
+                        <a:srgbClr val="000000"/>
+                      </a:solidFill>
+                      <a:prstDash val="solid"/>
+                      <a:round/>
+                      <a:headEnd type="none" w="med" len="med"/>
+                      <a:tailEnd type="none" w="med" len="med"/>
+                    </a:lnT>
+                    <a:lnB>
+                      <a:noFill/>
+                    </a:lnB>
+                    <a:pattFill prst="trellis">
+                      <a:fgClr>
+                        <a:schemeClr val="bg2"/>
+                      </a:fgClr>
+                      <a:bgClr>
+                        <a:prstClr val="white"/>
+                      </a:bgClr>
+                    </a:pattFill>
+                  </a:tcPr>
+                </a:tc>
+                <a:tc>
+                  <a:txBody>
+                    <a:bodyPr/>
+                    <a:lstStyle/>
+                    <a:p>
+                      <a:pPr algn="ctr" fontAlgn="ctr"/>
+                      <a:r>
+                        <a:rPr lang="is-IS" sz="1600" b="0" i="0" u="none" strike="noStrike" dirty="0">
+                          <a:solidFill>
+                            <a:srgbClr val="000000"/>
+                          </a:solidFill>
+                          <a:effectLst/>
+                          <a:latin typeface="Calibri"/>
+                        </a:rPr>
+                        <a:t>2016</a:t>
+                      </a:r>
+                    </a:p>
+                  </a:txBody>
+                  <a:tcPr marL="12700" marR="12700" marT="12700" marB="0" anchor="ctr">
+                    <a:lnL w="6350" cap="flat" cmpd="sng" algn="ctr">
+                      <a:solidFill>
+                        <a:srgbClr val="000000"/>
+                      </a:solidFill>
+                      <a:prstDash val="solid"/>
+                      <a:round/>
+                      <a:headEnd type="none" w="med" len="med"/>
+                      <a:tailEnd type="none" w="med" len="med"/>
+                    </a:lnL>
+                    <a:lnR w="6350" cap="flat" cmpd="sng" algn="ctr">
+                      <a:solidFill>
+                        <a:srgbClr val="000000"/>
+                      </a:solidFill>
+                      <a:prstDash val="solid"/>
+                      <a:round/>
+                      <a:headEnd type="none" w="med" len="med"/>
+                      <a:tailEnd type="none" w="med" len="med"/>
+                    </a:lnR>
+                    <a:lnT w="6350" cap="flat" cmpd="sng" algn="ctr">
+                      <a:solidFill>
+                        <a:srgbClr val="000000"/>
+                      </a:solidFill>
+                      <a:prstDash val="solid"/>
+                      <a:round/>
+                      <a:headEnd type="none" w="med" len="med"/>
+                      <a:tailEnd type="none" w="med" len="med"/>
+                    </a:lnT>
+                    <a:lnB>
+                      <a:noFill/>
+                    </a:lnB>
+                    <a:pattFill prst="trellis">
+                      <a:fgClr>
+                        <a:schemeClr val="bg2"/>
+                      </a:fgClr>
+                      <a:bgClr>
+                        <a:prstClr val="white"/>
+                      </a:bgClr>
+                    </a:pattFill>
+                  </a:tcPr>
+                </a:tc>
+                <a:tc>
+                  <a:txBody>
+                    <a:bodyPr/>
+                    <a:lstStyle/>
+                    <a:p>
+                      <a:pPr algn="ctr" fontAlgn="ctr"/>
+                      <a:r>
+                        <a:rPr lang="nb-NO" sz="1600" b="0" i="0" u="none" strike="noStrike">
+                          <a:solidFill>
+                            <a:srgbClr val="000000"/>
+                          </a:solidFill>
+                          <a:effectLst/>
+                          <a:latin typeface="Calibri"/>
+                        </a:rPr>
+                        <a:t>100.4</a:t>
+                      </a:r>
+                    </a:p>
+                  </a:txBody>
+                  <a:tcPr marL="12700" marR="12700" marT="12700" marB="0" anchor="ctr">
+                    <a:lnL w="6350" cap="flat" cmpd="sng" algn="ctr">
+                      <a:solidFill>
+                        <a:srgbClr val="000000"/>
+                      </a:solidFill>
+                      <a:prstDash val="solid"/>
+                      <a:round/>
+                      <a:headEnd type="none" w="med" len="med"/>
+                      <a:tailEnd type="none" w="med" len="med"/>
+                    </a:lnL>
+                    <a:lnR w="6350" cap="flat" cmpd="sng" algn="ctr">
+                      <a:solidFill>
+                        <a:srgbClr val="000000"/>
+                      </a:solidFill>
+                      <a:prstDash val="solid"/>
+                      <a:round/>
+                      <a:headEnd type="none" w="med" len="med"/>
+                      <a:tailEnd type="none" w="med" len="med"/>
+                    </a:lnR>
+                    <a:lnT w="6350" cap="flat" cmpd="sng" algn="ctr">
+                      <a:solidFill>
+                        <a:srgbClr val="000000"/>
+                      </a:solidFill>
+                      <a:prstDash val="solid"/>
+                      <a:round/>
+                      <a:headEnd type="none" w="med" len="med"/>
+                      <a:tailEnd type="none" w="med" len="med"/>
+                    </a:lnT>
+                    <a:lnB>
+                      <a:noFill/>
+                    </a:lnB>
+                    <a:pattFill prst="trellis">
+                      <a:fgClr>
+                        <a:schemeClr val="bg2"/>
+                      </a:fgClr>
+                      <a:bgClr>
+                        <a:prstClr val="white"/>
+                      </a:bgClr>
+                    </a:pattFill>
+                  </a:tcPr>
+                </a:tc>
+                <a:tc>
+                  <a:txBody>
+                    <a:bodyPr/>
+                    <a:lstStyle/>
+                    <a:p>
+                      <a:pPr algn="ctr" fontAlgn="ctr"/>
+                      <a:r>
+                        <a:rPr lang="hr-HR" sz="1600" b="0" i="0" u="none" strike="noStrike" dirty="0">
+                          <a:solidFill>
+                            <a:srgbClr val="000000"/>
+                          </a:solidFill>
+                          <a:effectLst/>
+                          <a:latin typeface="Calibri"/>
+                        </a:rPr>
+                        <a:t>83.1</a:t>
+                      </a:r>
+                    </a:p>
+                  </a:txBody>
+                  <a:tcPr marL="12700" marR="12700" marT="12700" marB="0" anchor="ctr">
+                    <a:lnL w="6350" cap="flat" cmpd="sng" algn="ctr">
+                      <a:solidFill>
+                        <a:srgbClr val="000000"/>
+                      </a:solidFill>
+                      <a:prstDash val="solid"/>
+                      <a:round/>
+                      <a:headEnd type="none" w="med" len="med"/>
+                      <a:tailEnd type="none" w="med" len="med"/>
+                    </a:lnL>
+                    <a:lnR>
+                      <a:noFill/>
+                    </a:lnR>
+                    <a:lnT w="6350" cap="flat" cmpd="sng" algn="ctr">
+                      <a:solidFill>
+                        <a:srgbClr val="000000"/>
+                      </a:solidFill>
+                      <a:prstDash val="solid"/>
+                      <a:round/>
+                      <a:headEnd type="none" w="med" len="med"/>
+                      <a:tailEnd type="none" w="med" len="med"/>
+                    </a:lnT>
+                    <a:lnB>
+                      <a:noFill/>
+                    </a:lnB>
+                    <a:pattFill prst="trellis">
+                      <a:fgClr>
+                        <a:schemeClr val="bg2"/>
+                      </a:fgClr>
+                      <a:bgClr>
+                        <a:prstClr val="white"/>
+                      </a:bgClr>
+                    </a:pattFill>
+                  </a:tcPr>
+                </a:tc>
+                <a:tc>
+                  <a:txBody>
+                    <a:bodyPr/>
+                    <a:lstStyle/>
+                    <a:p>
+                      <a:pPr algn="ctr" fontAlgn="ctr"/>
+                      <a:r>
+                        <a:rPr lang="fi-FI" sz="1600" b="0" i="0" u="none" strike="noStrike">
+                          <a:solidFill>
+                            <a:srgbClr val="000000"/>
+                          </a:solidFill>
+                          <a:effectLst/>
+                          <a:latin typeface="Calibri"/>
+                        </a:rPr>
+                        <a:t>79.3</a:t>
+                      </a:r>
+                    </a:p>
+                  </a:txBody>
+                  <a:tcPr marL="12700" marR="12700" marT="12700" marB="0" anchor="ctr">
+                    <a:lnL>
+                      <a:noFill/>
+                    </a:lnL>
+                    <a:lnR w="6350" cap="flat" cmpd="sng" algn="ctr">
+                      <a:solidFill>
+                        <a:srgbClr val="000000"/>
+                      </a:solidFill>
+                      <a:prstDash val="solid"/>
+                      <a:round/>
+                      <a:headEnd type="none" w="med" len="med"/>
+                      <a:tailEnd type="none" w="med" len="med"/>
+                    </a:lnR>
+                    <a:lnT w="6350" cap="flat" cmpd="sng" algn="ctr">
+                      <a:solidFill>
+                        <a:srgbClr val="000000"/>
+                      </a:solidFill>
+                      <a:prstDash val="solid"/>
+                      <a:round/>
+                      <a:headEnd type="none" w="med" len="med"/>
+                      <a:tailEnd type="none" w="med" len="med"/>
+                    </a:lnT>
+                    <a:lnB>
+                      <a:noFill/>
+                    </a:lnB>
+                    <a:pattFill prst="trellis">
+                      <a:fgClr>
+                        <a:schemeClr val="bg2"/>
+                      </a:fgClr>
+                      <a:bgClr>
+                        <a:prstClr val="white"/>
+                      </a:bgClr>
+                    </a:pattFill>
+                  </a:tcPr>
+                </a:tc>
+                <a:tc>
+                  <a:txBody>
+                    <a:bodyPr/>
+                    <a:lstStyle/>
+                    <a:p>
+                      <a:pPr algn="ctr" fontAlgn="ctr"/>
+                      <a:r>
+                        <a:rPr lang="cs-CZ" sz="1600" b="0" i="0" u="none" strike="noStrike">
+                          <a:solidFill>
+                            <a:srgbClr val="000000"/>
+                          </a:solidFill>
+                          <a:effectLst/>
+                          <a:latin typeface="Calibri"/>
+                        </a:rPr>
+                        <a:t>119</a:t>
+                      </a:r>
+                    </a:p>
+                  </a:txBody>
+                  <a:tcPr marL="12700" marR="12700" marT="12700" marB="0" anchor="ctr">
+                    <a:lnL w="6350" cap="flat" cmpd="sng" algn="ctr">
+                      <a:solidFill>
+                        <a:srgbClr val="000000"/>
+                      </a:solidFill>
+                      <a:prstDash val="solid"/>
+                      <a:round/>
+                      <a:headEnd type="none" w="med" len="med"/>
+                      <a:tailEnd type="none" w="med" len="med"/>
+                    </a:lnL>
+                    <a:lnR w="6350" cap="flat" cmpd="sng" algn="ctr">
+                      <a:solidFill>
+                        <a:srgbClr val="000000"/>
+                      </a:solidFill>
+                      <a:prstDash val="solid"/>
+                      <a:round/>
+                      <a:headEnd type="none" w="med" len="med"/>
+                      <a:tailEnd type="none" w="med" len="med"/>
+                    </a:lnR>
+                    <a:lnT w="6350" cap="flat" cmpd="sng" algn="ctr">
+                      <a:solidFill>
+                        <a:srgbClr val="000000"/>
+                      </a:solidFill>
+                      <a:prstDash val="solid"/>
+                      <a:round/>
+                      <a:headEnd type="none" w="med" len="med"/>
+                      <a:tailEnd type="none" w="med" len="med"/>
+                    </a:lnT>
+                    <a:lnB>
+                      <a:noFill/>
+                    </a:lnB>
+                    <a:pattFill prst="trellis">
+                      <a:fgClr>
+                        <a:schemeClr val="bg2"/>
+                      </a:fgClr>
+                      <a:bgClr>
+                        <a:prstClr val="white"/>
+                      </a:bgClr>
+                    </a:pattFill>
+                  </a:tcPr>
+                </a:tc>
+                <a:tc>
+                  <a:txBody>
+                    <a:bodyPr/>
+                    <a:lstStyle/>
+                    <a:p>
+                      <a:pPr algn="ctr" fontAlgn="ctr"/>
+                      <a:r>
+                        <a:rPr lang="cs-CZ" sz="1600" b="0" i="0" u="none" strike="noStrike">
+                          <a:solidFill>
+                            <a:srgbClr val="000000"/>
+                          </a:solidFill>
+                          <a:effectLst/>
+                          <a:latin typeface="Calibri"/>
+                        </a:rPr>
+                        <a:t>149.3</a:t>
+                      </a:r>
+                    </a:p>
+                  </a:txBody>
+                  <a:tcPr marL="12700" marR="12700" marT="12700" marB="0" anchor="ctr">
+                    <a:lnL w="6350" cap="flat" cmpd="sng" algn="ctr">
+                      <a:solidFill>
+                        <a:srgbClr val="000000"/>
+                      </a:solidFill>
+                      <a:prstDash val="solid"/>
+                      <a:round/>
+                      <a:headEnd type="none" w="med" len="med"/>
+                      <a:tailEnd type="none" w="med" len="med"/>
+                    </a:lnL>
+                    <a:lnR>
+                      <a:noFill/>
+                    </a:lnR>
+                    <a:lnT w="6350" cap="flat" cmpd="sng" algn="ctr">
+                      <a:solidFill>
+                        <a:srgbClr val="000000"/>
+                      </a:solidFill>
+                      <a:prstDash val="solid"/>
+                      <a:round/>
+                      <a:headEnd type="none" w="med" len="med"/>
+                      <a:tailEnd type="none" w="med" len="med"/>
+                    </a:lnT>
+                    <a:lnB>
+                      <a:noFill/>
+                    </a:lnB>
+                    <a:pattFill prst="trellis">
+                      <a:fgClr>
+                        <a:schemeClr val="bg2"/>
+                      </a:fgClr>
+                      <a:bgClr>
+                        <a:prstClr val="white"/>
+                      </a:bgClr>
+                    </a:pattFill>
+                  </a:tcPr>
+                </a:tc>
+                <a:tc>
+                  <a:txBody>
+                    <a:bodyPr/>
+                    <a:lstStyle/>
+                    <a:p>
+                      <a:pPr algn="ctr" fontAlgn="ctr"/>
+                      <a:r>
+                        <a:rPr lang="nb-NO" sz="1600" b="0" i="0" u="none" strike="noStrike">
+                          <a:solidFill>
+                            <a:srgbClr val="000000"/>
+                          </a:solidFill>
+                          <a:effectLst/>
+                          <a:latin typeface="Calibri"/>
+                        </a:rPr>
+                        <a:t>191.1</a:t>
+                      </a:r>
+                    </a:p>
+                  </a:txBody>
+                  <a:tcPr marL="12700" marR="12700" marT="12700" marB="0" anchor="ctr">
+                    <a:lnL>
+                      <a:noFill/>
+                    </a:lnL>
+                    <a:lnR w="6350" cap="flat" cmpd="sng" algn="ctr">
+                      <a:solidFill>
+                        <a:srgbClr val="000000"/>
+                      </a:solidFill>
+                      <a:prstDash val="solid"/>
+                      <a:round/>
+                      <a:headEnd type="none" w="med" len="med"/>
+                      <a:tailEnd type="none" w="med" len="med"/>
+                    </a:lnR>
+                    <a:lnT w="6350" cap="flat" cmpd="sng" algn="ctr">
+                      <a:solidFill>
+                        <a:srgbClr val="000000"/>
+                      </a:solidFill>
+                      <a:prstDash val="solid"/>
+                      <a:round/>
+                      <a:headEnd type="none" w="med" len="med"/>
+                      <a:tailEnd type="none" w="med" len="med"/>
+                    </a:lnT>
+                    <a:lnB>
+                      <a:noFill/>
+                    </a:lnB>
+                    <a:pattFill prst="trellis">
+                      <a:fgClr>
+                        <a:schemeClr val="bg2"/>
+                      </a:fgClr>
+                      <a:bgClr>
+                        <a:prstClr val="white"/>
+                      </a:bgClr>
+                    </a:pattFill>
+                  </a:tcPr>
+                </a:tc>
+              </a:tr>
+              <a:tr h="331357">
+                <a:tc>
+                  <a:txBody>
+                    <a:bodyPr/>
+                    <a:lstStyle/>
+                    <a:p>
+                      <a:pPr algn="ctr" fontAlgn="ctr"/>
+                      <a:r>
+                        <a:rPr lang="is-IS" sz="1600" b="0" i="0" u="none" strike="noStrike">
+                          <a:solidFill>
+                            <a:srgbClr val="000000"/>
+                          </a:solidFill>
+                          <a:effectLst/>
+                          <a:latin typeface="Calibri"/>
+                        </a:rPr>
+                        <a:t>2011</a:t>
+                      </a:r>
+                    </a:p>
+                  </a:txBody>
+                  <a:tcPr marL="12700" marR="12700" marT="12700" marB="0" anchor="ctr">
+                    <a:lnL w="6350" cap="flat" cmpd="sng" algn="ctr">
+                      <a:solidFill>
+                        <a:srgbClr val="000000"/>
+                      </a:solidFill>
+                      <a:prstDash val="solid"/>
+                      <a:round/>
+                      <a:headEnd type="none" w="med" len="med"/>
+                      <a:tailEnd type="none" w="med" len="med"/>
+                    </a:lnL>
+                    <a:lnR w="6350" cap="flat" cmpd="sng" algn="ctr">
+                      <a:solidFill>
+                        <a:srgbClr val="000000"/>
+                      </a:solidFill>
+                      <a:prstDash val="solid"/>
+                      <a:round/>
+                      <a:headEnd type="none" w="med" len="med"/>
+                      <a:tailEnd type="none" w="med" len="med"/>
+                    </a:lnR>
+                    <a:lnT>
+                      <a:noFill/>
+                    </a:lnT>
+                    <a:lnB>
+                      <a:noFill/>
+                    </a:lnB>
+                    <a:pattFill prst="trellis">
+                      <a:fgClr>
+                        <a:schemeClr val="bg2"/>
+                      </a:fgClr>
+                      <a:bgClr>
+                        <a:prstClr val="white"/>
+                      </a:bgClr>
+                    </a:pattFill>
+                  </a:tcPr>
+                </a:tc>
+                <a:tc>
+                  <a:txBody>
+                    <a:bodyPr/>
+                    <a:lstStyle/>
+                    <a:p>
+                      <a:pPr algn="ctr" fontAlgn="ctr"/>
+                      <a:r>
+                        <a:rPr lang="is-IS" sz="1600" b="0" i="0" u="none" strike="noStrike" dirty="0">
+                          <a:solidFill>
+                            <a:srgbClr val="000000"/>
+                          </a:solidFill>
+                          <a:effectLst/>
+                          <a:latin typeface="Calibri"/>
+                        </a:rPr>
+                        <a:t>2016</a:t>
+                      </a:r>
+                    </a:p>
+                  </a:txBody>
+                  <a:tcPr marL="12700" marR="12700" marT="12700" marB="0" anchor="ctr">
+                    <a:lnL w="6350" cap="flat" cmpd="sng" algn="ctr">
+                      <a:solidFill>
+                        <a:srgbClr val="000000"/>
+                      </a:solidFill>
+                      <a:prstDash val="solid"/>
+                      <a:round/>
+                      <a:headEnd type="none" w="med" len="med"/>
+                      <a:tailEnd type="none" w="med" len="med"/>
+                    </a:lnL>
+                    <a:lnR w="6350" cap="flat" cmpd="sng" algn="ctr">
+                      <a:solidFill>
+                        <a:srgbClr val="000000"/>
+                      </a:solidFill>
+                      <a:prstDash val="solid"/>
+                      <a:round/>
+                      <a:headEnd type="none" w="med" len="med"/>
+                      <a:tailEnd type="none" w="med" len="med"/>
+                    </a:lnR>
+                    <a:lnT>
+                      <a:noFill/>
+                    </a:lnT>
+                    <a:lnB>
+                      <a:noFill/>
+                    </a:lnB>
+                    <a:pattFill prst="trellis">
+                      <a:fgClr>
+                        <a:schemeClr val="bg2"/>
+                      </a:fgClr>
+                      <a:bgClr>
+                        <a:prstClr val="white"/>
+                      </a:bgClr>
+                    </a:pattFill>
+                  </a:tcPr>
+                </a:tc>
+                <a:tc>
+                  <a:txBody>
+                    <a:bodyPr/>
+                    <a:lstStyle/>
+                    <a:p>
+                      <a:pPr algn="ctr" fontAlgn="ctr"/>
+                      <a:r>
+                        <a:rPr lang="nb-NO" sz="1600" b="0" i="0" u="none" strike="noStrike" dirty="0">
+                          <a:solidFill>
+                            <a:srgbClr val="000000"/>
+                          </a:solidFill>
+                          <a:effectLst/>
+                          <a:latin typeface="Calibri"/>
+                        </a:rPr>
+                        <a:t>95.1</a:t>
+                      </a:r>
+                    </a:p>
+                  </a:txBody>
+                  <a:tcPr marL="12700" marR="12700" marT="12700" marB="0" anchor="ctr">
+                    <a:lnL w="6350" cap="flat" cmpd="sng" algn="ctr">
+                      <a:solidFill>
+                        <a:srgbClr val="000000"/>
+                      </a:solidFill>
+                      <a:prstDash val="solid"/>
+                      <a:round/>
+                      <a:headEnd type="none" w="med" len="med"/>
+                      <a:tailEnd type="none" w="med" len="med"/>
+                    </a:lnL>
+                    <a:lnR w="6350" cap="flat" cmpd="sng" algn="ctr">
+                      <a:solidFill>
+                        <a:srgbClr val="000000"/>
+                      </a:solidFill>
+                      <a:prstDash val="solid"/>
+                      <a:round/>
+                      <a:headEnd type="none" w="med" len="med"/>
+                      <a:tailEnd type="none" w="med" len="med"/>
+                    </a:lnR>
+                    <a:lnT>
+                      <a:noFill/>
+                    </a:lnT>
+                    <a:lnB>
+                      <a:noFill/>
+                    </a:lnB>
+                    <a:pattFill prst="trellis">
+                      <a:fgClr>
+                        <a:schemeClr val="bg2"/>
+                      </a:fgClr>
+                      <a:bgClr>
+                        <a:prstClr val="white"/>
+                      </a:bgClr>
+                    </a:pattFill>
+                  </a:tcPr>
+                </a:tc>
+                <a:tc>
+                  <a:txBody>
+                    <a:bodyPr/>
+                    <a:lstStyle/>
+                    <a:p>
+                      <a:pPr algn="ctr" fontAlgn="ctr"/>
+                      <a:r>
+                        <a:rPr lang="nb-NO" sz="1600" b="0" i="0" u="none" strike="noStrike" dirty="0">
+                          <a:solidFill>
+                            <a:srgbClr val="000000"/>
+                          </a:solidFill>
+                          <a:effectLst/>
+                          <a:latin typeface="Calibri"/>
+                        </a:rPr>
+                        <a:t>65.1</a:t>
+                      </a:r>
+                    </a:p>
+                  </a:txBody>
+                  <a:tcPr marL="12700" marR="12700" marT="12700" marB="0" anchor="ctr">
+                    <a:lnL w="6350" cap="flat" cmpd="sng" algn="ctr">
+                      <a:solidFill>
+                        <a:srgbClr val="000000"/>
+                      </a:solidFill>
+                      <a:prstDash val="solid"/>
+                      <a:round/>
+                      <a:headEnd type="none" w="med" len="med"/>
+                      <a:tailEnd type="none" w="med" len="med"/>
+                    </a:lnL>
+                    <a:lnR>
+                      <a:noFill/>
+                    </a:lnR>
+                    <a:lnT>
+                      <a:noFill/>
+                    </a:lnT>
+                    <a:lnB>
+                      <a:noFill/>
+                    </a:lnB>
+                    <a:pattFill prst="trellis">
+                      <a:fgClr>
+                        <a:schemeClr val="bg2"/>
+                      </a:fgClr>
+                      <a:bgClr>
+                        <a:prstClr val="white"/>
+                      </a:bgClr>
+                    </a:pattFill>
+                  </a:tcPr>
+                </a:tc>
+                <a:tc>
+                  <a:txBody>
+                    <a:bodyPr/>
+                    <a:lstStyle/>
+                    <a:p>
+                      <a:pPr algn="ctr" fontAlgn="ctr"/>
+                      <a:r>
+                        <a:rPr lang="hr-HR" sz="1600" b="0" i="0" u="none" strike="noStrike">
+                          <a:solidFill>
+                            <a:srgbClr val="000000"/>
+                          </a:solidFill>
+                          <a:effectLst/>
+                          <a:latin typeface="Calibri"/>
+                        </a:rPr>
+                        <a:t>62.2</a:t>
+                      </a:r>
+                    </a:p>
+                  </a:txBody>
+                  <a:tcPr marL="12700" marR="12700" marT="12700" marB="0" anchor="ctr">
+                    <a:lnL>
+                      <a:noFill/>
+                    </a:lnL>
+                    <a:lnR w="6350" cap="flat" cmpd="sng" algn="ctr">
+                      <a:solidFill>
+                        <a:srgbClr val="000000"/>
+                      </a:solidFill>
+                      <a:prstDash val="solid"/>
+                      <a:round/>
+                      <a:headEnd type="none" w="med" len="med"/>
+                      <a:tailEnd type="none" w="med" len="med"/>
+                    </a:lnR>
+                    <a:lnT>
+                      <a:noFill/>
+                    </a:lnT>
+                    <a:lnB>
+                      <a:noFill/>
+                    </a:lnB>
+                    <a:pattFill prst="trellis">
+                      <a:fgClr>
+                        <a:schemeClr val="bg2"/>
+                      </a:fgClr>
+                      <a:bgClr>
+                        <a:prstClr val="white"/>
+                      </a:bgClr>
+                    </a:pattFill>
+                  </a:tcPr>
+                </a:tc>
+                <a:tc>
+                  <a:txBody>
+                    <a:bodyPr/>
+                    <a:lstStyle/>
+                    <a:p>
+                      <a:pPr algn="ctr" fontAlgn="ctr"/>
+                      <a:r>
+                        <a:rPr lang="cs-CZ" sz="1600" b="0" i="0" u="none" strike="noStrike">
+                          <a:solidFill>
+                            <a:srgbClr val="000000"/>
+                          </a:solidFill>
+                          <a:effectLst/>
+                          <a:latin typeface="Calibri"/>
+                        </a:rPr>
+                        <a:t>114</a:t>
+                      </a:r>
+                    </a:p>
+                  </a:txBody>
+                  <a:tcPr marL="12700" marR="12700" marT="12700" marB="0" anchor="ctr">
+                    <a:lnL w="6350" cap="flat" cmpd="sng" algn="ctr">
+                      <a:solidFill>
+                        <a:srgbClr val="000000"/>
+                      </a:solidFill>
+                      <a:prstDash val="solid"/>
+                      <a:round/>
+                      <a:headEnd type="none" w="med" len="med"/>
+                      <a:tailEnd type="none" w="med" len="med"/>
+                    </a:lnL>
+                    <a:lnR w="6350" cap="flat" cmpd="sng" algn="ctr">
+                      <a:solidFill>
+                        <a:srgbClr val="000000"/>
+                      </a:solidFill>
+                      <a:prstDash val="solid"/>
+                      <a:round/>
+                      <a:headEnd type="none" w="med" len="med"/>
+                      <a:tailEnd type="none" w="med" len="med"/>
+                    </a:lnR>
+                    <a:lnT>
+                      <a:noFill/>
+                    </a:lnT>
+                    <a:lnB>
+                      <a:noFill/>
+                    </a:lnB>
+                    <a:pattFill prst="trellis">
+                      <a:fgClr>
+                        <a:schemeClr val="bg2"/>
+                      </a:fgClr>
+                      <a:bgClr>
+                        <a:prstClr val="white"/>
+                      </a:bgClr>
+                    </a:pattFill>
+                  </a:tcPr>
+                </a:tc>
+                <a:tc>
+                  <a:txBody>
+                    <a:bodyPr/>
+                    <a:lstStyle/>
+                    <a:p>
+                      <a:pPr algn="ctr" fontAlgn="ctr"/>
+                      <a:r>
+                        <a:rPr lang="hr-HR" sz="1600" b="0" i="0" u="none" strike="noStrike" dirty="0">
+                          <a:solidFill>
+                            <a:srgbClr val="000000"/>
+                          </a:solidFill>
+                          <a:effectLst/>
+                          <a:latin typeface="Calibri"/>
+                        </a:rPr>
+                        <a:t>96.1</a:t>
+                      </a:r>
+                    </a:p>
+                  </a:txBody>
+                  <a:tcPr marL="12700" marR="12700" marT="12700" marB="0" anchor="ctr">
+                    <a:lnL w="6350" cap="flat" cmpd="sng" algn="ctr">
+                      <a:solidFill>
+                        <a:srgbClr val="000000"/>
+                      </a:solidFill>
+                      <a:prstDash val="solid"/>
+                      <a:round/>
+                      <a:headEnd type="none" w="med" len="med"/>
+                      <a:tailEnd type="none" w="med" len="med"/>
+                    </a:lnL>
+                    <a:lnR>
+                      <a:noFill/>
+                    </a:lnR>
+                    <a:lnT>
+                      <a:noFill/>
+                    </a:lnT>
+                    <a:lnB>
+                      <a:noFill/>
+                    </a:lnB>
+                    <a:pattFill prst="trellis">
+                      <a:fgClr>
+                        <a:schemeClr val="bg2"/>
+                      </a:fgClr>
+                      <a:bgClr>
+                        <a:prstClr val="white"/>
+                      </a:bgClr>
+                    </a:pattFill>
+                  </a:tcPr>
+                </a:tc>
+                <a:tc>
+                  <a:txBody>
+                    <a:bodyPr/>
+                    <a:lstStyle/>
+                    <a:p>
+                      <a:pPr algn="ctr" fontAlgn="ctr"/>
+                      <a:r>
+                        <a:rPr lang="hr-HR" sz="1600" b="0" i="0" u="none" strike="noStrike">
+                          <a:solidFill>
+                            <a:srgbClr val="000000"/>
+                          </a:solidFill>
+                          <a:effectLst/>
+                          <a:latin typeface="Calibri"/>
+                        </a:rPr>
+                        <a:t>243.7</a:t>
+                      </a:r>
+                    </a:p>
+                  </a:txBody>
+                  <a:tcPr marL="12700" marR="12700" marT="12700" marB="0" anchor="ctr">
+                    <a:lnL>
+                      <a:noFill/>
+                    </a:lnL>
+                    <a:lnR w="6350" cap="flat" cmpd="sng" algn="ctr">
+                      <a:solidFill>
+                        <a:srgbClr val="000000"/>
+                      </a:solidFill>
+                      <a:prstDash val="solid"/>
+                      <a:round/>
+                      <a:headEnd type="none" w="med" len="med"/>
+                      <a:tailEnd type="none" w="med" len="med"/>
+                    </a:lnR>
+                    <a:lnT>
+                      <a:noFill/>
+                    </a:lnT>
+                    <a:lnB>
+                      <a:noFill/>
+                    </a:lnB>
+                    <a:pattFill prst="trellis">
+                      <a:fgClr>
+                        <a:schemeClr val="bg2"/>
+                      </a:fgClr>
+                      <a:bgClr>
+                        <a:prstClr val="white"/>
+                      </a:bgClr>
+                    </a:pattFill>
+                  </a:tcPr>
+                </a:tc>
+              </a:tr>
+              <a:tr h="331357">
+                <a:tc>
+                  <a:txBody>
+                    <a:bodyPr/>
+                    <a:lstStyle/>
+                    <a:p>
+                      <a:pPr algn="ctr" fontAlgn="ctr"/>
+                      <a:r>
+                        <a:rPr lang="is-IS" sz="1600" b="0" i="0" u="none" strike="noStrike">
+                          <a:solidFill>
+                            <a:srgbClr val="000000"/>
+                          </a:solidFill>
+                          <a:effectLst/>
+                          <a:latin typeface="Calibri"/>
+                        </a:rPr>
+                        <a:t>2012</a:t>
+                      </a:r>
+                    </a:p>
+                  </a:txBody>
+                  <a:tcPr marL="12700" marR="12700" marT="12700" marB="0" anchor="ctr">
+                    <a:lnL w="6350" cap="flat" cmpd="sng" algn="ctr">
+                      <a:solidFill>
+                        <a:srgbClr val="000000"/>
+                      </a:solidFill>
+                      <a:prstDash val="solid"/>
+                      <a:round/>
+                      <a:headEnd type="none" w="med" len="med"/>
+                      <a:tailEnd type="none" w="med" len="med"/>
+                    </a:lnL>
+                    <a:lnR w="6350" cap="flat" cmpd="sng" algn="ctr">
+                      <a:solidFill>
+                        <a:srgbClr val="000000"/>
+                      </a:solidFill>
+                      <a:prstDash val="solid"/>
+                      <a:round/>
+                      <a:headEnd type="none" w="med" len="med"/>
+                      <a:tailEnd type="none" w="med" len="med"/>
+                    </a:lnR>
+                    <a:lnT>
+                      <a:noFill/>
+                    </a:lnT>
+                    <a:lnB>
+                      <a:noFill/>
+                    </a:lnB>
+                    <a:pattFill prst="trellis">
+                      <a:fgClr>
+                        <a:schemeClr val="bg2"/>
+                      </a:fgClr>
+                      <a:bgClr>
+                        <a:prstClr val="white"/>
+                      </a:bgClr>
+                    </a:pattFill>
+                  </a:tcPr>
+                </a:tc>
+                <a:tc>
+                  <a:txBody>
+                    <a:bodyPr/>
+                    <a:lstStyle/>
+                    <a:p>
+                      <a:pPr algn="ctr" fontAlgn="ctr"/>
+                      <a:r>
+                        <a:rPr lang="is-IS" sz="1600" b="0" i="0" u="none" strike="noStrike">
+                          <a:solidFill>
+                            <a:srgbClr val="000000"/>
+                          </a:solidFill>
+                          <a:effectLst/>
+                          <a:latin typeface="Calibri"/>
+                        </a:rPr>
+                        <a:t>2017</a:t>
+                      </a:r>
+                    </a:p>
+                  </a:txBody>
+                  <a:tcPr marL="12700" marR="12700" marT="12700" marB="0" anchor="ctr">
+                    <a:lnL w="6350" cap="flat" cmpd="sng" algn="ctr">
+                      <a:solidFill>
+                        <a:srgbClr val="000000"/>
+                      </a:solidFill>
+                      <a:prstDash val="solid"/>
+                      <a:round/>
+                      <a:headEnd type="none" w="med" len="med"/>
+                      <a:tailEnd type="none" w="med" len="med"/>
+                    </a:lnL>
+                    <a:lnR w="6350" cap="flat" cmpd="sng" algn="ctr">
+                      <a:solidFill>
+                        <a:srgbClr val="000000"/>
+                      </a:solidFill>
+                      <a:prstDash val="solid"/>
+                      <a:round/>
+                      <a:headEnd type="none" w="med" len="med"/>
+                      <a:tailEnd type="none" w="med" len="med"/>
+                    </a:lnR>
+                    <a:lnT>
+                      <a:noFill/>
+                    </a:lnT>
+                    <a:lnB>
+                      <a:noFill/>
+                    </a:lnB>
+                    <a:pattFill prst="trellis">
+                      <a:fgClr>
+                        <a:schemeClr val="bg2"/>
+                      </a:fgClr>
+                      <a:bgClr>
+                        <a:prstClr val="white"/>
+                      </a:bgClr>
+                    </a:pattFill>
+                  </a:tcPr>
+                </a:tc>
+                <a:tc>
+                  <a:txBody>
+                    <a:bodyPr/>
+                    <a:lstStyle/>
+                    <a:p>
+                      <a:pPr algn="ctr" fontAlgn="ctr"/>
+                      <a:r>
+                        <a:rPr lang="nb-NO" sz="1600" b="0" i="0" u="none" strike="noStrike" dirty="0">
+                          <a:solidFill>
+                            <a:srgbClr val="000000"/>
+                          </a:solidFill>
+                          <a:effectLst/>
+                          <a:latin typeface="Calibri"/>
+                        </a:rPr>
+                        <a:t>97.7</a:t>
+                      </a:r>
+                    </a:p>
+                  </a:txBody>
+                  <a:tcPr marL="12700" marR="12700" marT="12700" marB="0" anchor="ctr">
+                    <a:lnL w="6350" cap="flat" cmpd="sng" algn="ctr">
+                      <a:solidFill>
+                        <a:srgbClr val="000000"/>
+                      </a:solidFill>
+                      <a:prstDash val="solid"/>
+                      <a:round/>
+                      <a:headEnd type="none" w="med" len="med"/>
+                      <a:tailEnd type="none" w="med" len="med"/>
+                    </a:lnL>
+                    <a:lnR w="6350" cap="flat" cmpd="sng" algn="ctr">
+                      <a:solidFill>
+                        <a:srgbClr val="000000"/>
+                      </a:solidFill>
+                      <a:prstDash val="solid"/>
+                      <a:round/>
+                      <a:headEnd type="none" w="med" len="med"/>
+                      <a:tailEnd type="none" w="med" len="med"/>
+                    </a:lnR>
+                    <a:lnT>
+                      <a:noFill/>
+                    </a:lnT>
+                    <a:lnB>
+                      <a:noFill/>
+                    </a:lnB>
+                    <a:pattFill prst="trellis">
+                      <a:fgClr>
+                        <a:schemeClr val="bg2"/>
+                      </a:fgClr>
+                      <a:bgClr>
+                        <a:prstClr val="white"/>
+                      </a:bgClr>
+                    </a:pattFill>
+                  </a:tcPr>
+                </a:tc>
+                <a:tc>
+                  <a:txBody>
+                    <a:bodyPr/>
+                    <a:lstStyle/>
+                    <a:p>
+                      <a:pPr algn="ctr" fontAlgn="ctr"/>
+                      <a:r>
+                        <a:rPr lang="hr-HR" sz="1600" b="0" i="0" u="none" strike="noStrike" dirty="0">
+                          <a:solidFill>
+                            <a:srgbClr val="000000"/>
+                          </a:solidFill>
+                          <a:effectLst/>
+                          <a:latin typeface="Calibri"/>
+                        </a:rPr>
+                        <a:t>66.1</a:t>
+                      </a:r>
+                    </a:p>
+                  </a:txBody>
+                  <a:tcPr marL="12700" marR="12700" marT="12700" marB="0" anchor="ctr">
+                    <a:lnL w="6350" cap="flat" cmpd="sng" algn="ctr">
+                      <a:solidFill>
+                        <a:srgbClr val="000000"/>
+                      </a:solidFill>
+                      <a:prstDash val="solid"/>
+                      <a:round/>
+                      <a:headEnd type="none" w="med" len="med"/>
+                      <a:tailEnd type="none" w="med" len="med"/>
+                    </a:lnL>
+                    <a:lnR>
+                      <a:noFill/>
+                    </a:lnR>
+                    <a:lnT>
+                      <a:noFill/>
+                    </a:lnT>
+                    <a:lnB>
+                      <a:noFill/>
+                    </a:lnB>
+                    <a:pattFill prst="trellis">
+                      <a:fgClr>
+                        <a:schemeClr val="bg2"/>
+                      </a:fgClr>
+                      <a:bgClr>
+                        <a:prstClr val="white"/>
+                      </a:bgClr>
+                    </a:pattFill>
+                  </a:tcPr>
+                </a:tc>
+                <a:tc>
+                  <a:txBody>
+                    <a:bodyPr/>
+                    <a:lstStyle/>
+                    <a:p>
+                      <a:pPr algn="ctr" fontAlgn="ctr"/>
+                      <a:r>
+                        <a:rPr lang="hr-HR" sz="1600" b="0" i="0" u="none" strike="noStrike" dirty="0">
+                          <a:solidFill>
+                            <a:srgbClr val="000000"/>
+                          </a:solidFill>
+                          <a:effectLst/>
+                          <a:latin typeface="Calibri"/>
+                        </a:rPr>
+                        <a:t>63.1</a:t>
+                      </a:r>
+                    </a:p>
+                  </a:txBody>
+                  <a:tcPr marL="12700" marR="12700" marT="12700" marB="0" anchor="ctr">
+                    <a:lnL>
+                      <a:noFill/>
+                    </a:lnL>
+                    <a:lnR w="6350" cap="flat" cmpd="sng" algn="ctr">
+                      <a:solidFill>
+                        <a:srgbClr val="000000"/>
+                      </a:solidFill>
+                      <a:prstDash val="solid"/>
+                      <a:round/>
+                      <a:headEnd type="none" w="med" len="med"/>
+                      <a:tailEnd type="none" w="med" len="med"/>
+                    </a:lnR>
+                    <a:lnT>
+                      <a:noFill/>
+                    </a:lnT>
+                    <a:lnB>
+                      <a:noFill/>
+                    </a:lnB>
+                    <a:pattFill prst="trellis">
+                      <a:fgClr>
+                        <a:schemeClr val="bg2"/>
+                      </a:fgClr>
+                      <a:bgClr>
+                        <a:prstClr val="white"/>
+                      </a:bgClr>
+                    </a:pattFill>
+                  </a:tcPr>
+                </a:tc>
+                <a:tc>
+                  <a:txBody>
+                    <a:bodyPr/>
+                    <a:lstStyle/>
+                    <a:p>
+                      <a:pPr algn="ctr" fontAlgn="ctr"/>
+                      <a:r>
+                        <a:rPr lang="cs-CZ" sz="1600" b="0" i="0" u="none" strike="noStrike">
+                          <a:solidFill>
+                            <a:srgbClr val="000000"/>
+                          </a:solidFill>
+                          <a:effectLst/>
+                          <a:latin typeface="Calibri"/>
+                        </a:rPr>
+                        <a:t>111.4</a:t>
+                      </a:r>
+                    </a:p>
+                  </a:txBody>
+                  <a:tcPr marL="12700" marR="12700" marT="12700" marB="0" anchor="ctr">
+                    <a:lnL w="6350" cap="flat" cmpd="sng" algn="ctr">
+                      <a:solidFill>
+                        <a:srgbClr val="000000"/>
+                      </a:solidFill>
+                      <a:prstDash val="solid"/>
+                      <a:round/>
+                      <a:headEnd type="none" w="med" len="med"/>
+                      <a:tailEnd type="none" w="med" len="med"/>
+                    </a:lnL>
+                    <a:lnR w="6350" cap="flat" cmpd="sng" algn="ctr">
+                      <a:solidFill>
+                        <a:srgbClr val="000000"/>
+                      </a:solidFill>
+                      <a:prstDash val="solid"/>
+                      <a:round/>
+                      <a:headEnd type="none" w="med" len="med"/>
+                      <a:tailEnd type="none" w="med" len="med"/>
+                    </a:lnR>
+                    <a:lnT>
+                      <a:noFill/>
+                    </a:lnT>
+                    <a:lnB>
+                      <a:noFill/>
+                    </a:lnB>
+                    <a:pattFill prst="trellis">
+                      <a:fgClr>
+                        <a:schemeClr val="bg2"/>
+                      </a:fgClr>
+                      <a:bgClr>
+                        <a:prstClr val="white"/>
+                      </a:bgClr>
+                    </a:pattFill>
+                  </a:tcPr>
+                </a:tc>
+                <a:tc>
+                  <a:txBody>
+                    <a:bodyPr/>
+                    <a:lstStyle/>
+                    <a:p>
+                      <a:pPr algn="ctr" fontAlgn="ctr"/>
+                      <a:r>
+                        <a:rPr lang="en-US" sz="1600" b="0" i="0" u="none" strike="noStrike" dirty="0">
+                          <a:solidFill>
+                            <a:srgbClr val="000000"/>
+                          </a:solidFill>
+                          <a:effectLst/>
+                          <a:latin typeface="Calibri"/>
+                        </a:rPr>
+                        <a:t>96</a:t>
+                      </a:r>
+                    </a:p>
+                  </a:txBody>
+                  <a:tcPr marL="12700" marR="12700" marT="12700" marB="0" anchor="ctr">
+                    <a:lnL w="6350" cap="flat" cmpd="sng" algn="ctr">
+                      <a:solidFill>
+                        <a:srgbClr val="000000"/>
+                      </a:solidFill>
+                      <a:prstDash val="solid"/>
+                      <a:round/>
+                      <a:headEnd type="none" w="med" len="med"/>
+                      <a:tailEnd type="none" w="med" len="med"/>
+                    </a:lnL>
+                    <a:lnR>
+                      <a:noFill/>
+                    </a:lnR>
+                    <a:lnT>
+                      <a:noFill/>
+                    </a:lnT>
+                    <a:lnB>
+                      <a:noFill/>
+                    </a:lnB>
+                    <a:pattFill prst="trellis">
+                      <a:fgClr>
+                        <a:schemeClr val="bg2"/>
+                      </a:fgClr>
+                      <a:bgClr>
+                        <a:prstClr val="white"/>
+                      </a:bgClr>
+                    </a:pattFill>
+                  </a:tcPr>
+                </a:tc>
+                <a:tc>
+                  <a:txBody>
+                    <a:bodyPr/>
+                    <a:lstStyle/>
+                    <a:p>
+                      <a:pPr algn="ctr" fontAlgn="ctr"/>
+                      <a:r>
+                        <a:rPr lang="bg-BG" sz="1600" b="0" i="0" u="none" strike="noStrike">
+                          <a:solidFill>
+                            <a:srgbClr val="000000"/>
+                          </a:solidFill>
+                          <a:effectLst/>
+                          <a:latin typeface="Calibri"/>
+                        </a:rPr>
+                        <a:t>N/A</a:t>
+                      </a:r>
+                    </a:p>
+                  </a:txBody>
+                  <a:tcPr marL="12700" marR="12700" marT="12700" marB="0" anchor="ctr">
+                    <a:lnL>
+                      <a:noFill/>
+                    </a:lnL>
+                    <a:lnR w="6350" cap="flat" cmpd="sng" algn="ctr">
+                      <a:solidFill>
+                        <a:srgbClr val="000000"/>
+                      </a:solidFill>
+                      <a:prstDash val="solid"/>
+                      <a:round/>
+                      <a:headEnd type="none" w="med" len="med"/>
+                      <a:tailEnd type="none" w="med" len="med"/>
+                    </a:lnR>
+                    <a:lnT>
+                      <a:noFill/>
+                    </a:lnT>
+                    <a:lnB>
+                      <a:noFill/>
+                    </a:lnB>
+                    <a:pattFill prst="trellis">
+                      <a:fgClr>
+                        <a:schemeClr val="bg2"/>
+                      </a:fgClr>
+                      <a:bgClr>
+                        <a:prstClr val="white"/>
+                      </a:bgClr>
+                    </a:pattFill>
+                  </a:tcPr>
+                </a:tc>
+              </a:tr>
+              <a:tr h="331357">
+                <a:tc>
+                  <a:txBody>
+                    <a:bodyPr/>
+                    <a:lstStyle/>
+                    <a:p>
+                      <a:pPr algn="ctr" fontAlgn="ctr"/>
+                      <a:r>
+                        <a:rPr lang="is-IS" sz="1600" b="0" i="0" u="none" strike="noStrike">
+                          <a:solidFill>
+                            <a:srgbClr val="000000"/>
+                          </a:solidFill>
+                          <a:effectLst/>
+                          <a:latin typeface="Calibri"/>
+                        </a:rPr>
+                        <a:t>2013</a:t>
+                      </a:r>
+                    </a:p>
+                  </a:txBody>
+                  <a:tcPr marL="12700" marR="12700" marT="12700" marB="0" anchor="ctr">
+                    <a:lnL w="6350" cap="flat" cmpd="sng" algn="ctr">
+                      <a:solidFill>
+                        <a:srgbClr val="000000"/>
+                      </a:solidFill>
+                      <a:prstDash val="solid"/>
+                      <a:round/>
+                      <a:headEnd type="none" w="med" len="med"/>
+                      <a:tailEnd type="none" w="med" len="med"/>
+                    </a:lnL>
+                    <a:lnR w="6350" cap="flat" cmpd="sng" algn="ctr">
+                      <a:solidFill>
+                        <a:srgbClr val="000000"/>
+                      </a:solidFill>
+                      <a:prstDash val="solid"/>
+                      <a:round/>
+                      <a:headEnd type="none" w="med" len="med"/>
+                      <a:tailEnd type="none" w="med" len="med"/>
+                    </a:lnR>
+                    <a:lnT>
+                      <a:noFill/>
+                    </a:lnT>
+                    <a:lnB>
+                      <a:noFill/>
+                    </a:lnB>
+                    <a:pattFill prst="trellis">
+                      <a:fgClr>
+                        <a:schemeClr val="bg2"/>
+                      </a:fgClr>
+                      <a:bgClr>
+                        <a:prstClr val="white"/>
+                      </a:bgClr>
+                    </a:pattFill>
+                  </a:tcPr>
+                </a:tc>
+                <a:tc>
+                  <a:txBody>
+                    <a:bodyPr/>
+                    <a:lstStyle/>
+                    <a:p>
+                      <a:pPr algn="ctr" fontAlgn="ctr"/>
+                      <a:r>
+                        <a:rPr lang="is-IS" sz="1600" b="0" i="0" u="none" strike="noStrike">
+                          <a:solidFill>
+                            <a:srgbClr val="000000"/>
+                          </a:solidFill>
+                          <a:effectLst/>
+                          <a:latin typeface="Calibri"/>
+                        </a:rPr>
+                        <a:t>2018</a:t>
+                      </a:r>
+                    </a:p>
+                  </a:txBody>
+                  <a:tcPr marL="12700" marR="12700" marT="12700" marB="0" anchor="ctr">
+                    <a:lnL w="6350" cap="flat" cmpd="sng" algn="ctr">
+                      <a:solidFill>
+                        <a:srgbClr val="000000"/>
+                      </a:solidFill>
+                      <a:prstDash val="solid"/>
+                      <a:round/>
+                      <a:headEnd type="none" w="med" len="med"/>
+                      <a:tailEnd type="none" w="med" len="med"/>
+                    </a:lnL>
+                    <a:lnR w="6350" cap="flat" cmpd="sng" algn="ctr">
+                      <a:solidFill>
+                        <a:srgbClr val="000000"/>
+                      </a:solidFill>
+                      <a:prstDash val="solid"/>
+                      <a:round/>
+                      <a:headEnd type="none" w="med" len="med"/>
+                      <a:tailEnd type="none" w="med" len="med"/>
+                    </a:lnR>
+                    <a:lnT>
+                      <a:noFill/>
+                    </a:lnT>
+                    <a:lnB>
+                      <a:noFill/>
+                    </a:lnB>
+                    <a:pattFill prst="trellis">
+                      <a:fgClr>
+                        <a:schemeClr val="bg2"/>
+                      </a:fgClr>
+                      <a:bgClr>
+                        <a:prstClr val="white"/>
+                      </a:bgClr>
+                    </a:pattFill>
+                  </a:tcPr>
+                </a:tc>
+                <a:tc>
+                  <a:txBody>
+                    <a:bodyPr/>
+                    <a:lstStyle/>
+                    <a:p>
+                      <a:pPr algn="ctr" fontAlgn="ctr"/>
+                      <a:r>
+                        <a:rPr lang="nb-NO" sz="1600" b="0" i="0" u="none" strike="noStrike" dirty="0">
+                          <a:solidFill>
+                            <a:srgbClr val="000000"/>
+                          </a:solidFill>
+                          <a:effectLst/>
+                          <a:latin typeface="Calibri"/>
+                        </a:rPr>
+                        <a:t>100.1</a:t>
+                      </a:r>
+                    </a:p>
+                  </a:txBody>
+                  <a:tcPr marL="12700" marR="12700" marT="12700" marB="0" anchor="ctr">
+                    <a:lnL w="6350" cap="flat" cmpd="sng" algn="ctr">
+                      <a:solidFill>
+                        <a:srgbClr val="000000"/>
+                      </a:solidFill>
+                      <a:prstDash val="solid"/>
+                      <a:round/>
+                      <a:headEnd type="none" w="med" len="med"/>
+                      <a:tailEnd type="none" w="med" len="med"/>
+                    </a:lnL>
+                    <a:lnR w="6350" cap="flat" cmpd="sng" algn="ctr">
+                      <a:solidFill>
+                        <a:srgbClr val="000000"/>
+                      </a:solidFill>
+                      <a:prstDash val="solid"/>
+                      <a:round/>
+                      <a:headEnd type="none" w="med" len="med"/>
+                      <a:tailEnd type="none" w="med" len="med"/>
+                    </a:lnR>
+                    <a:lnT>
+                      <a:noFill/>
+                    </a:lnT>
+                    <a:lnB>
+                      <a:noFill/>
+                    </a:lnB>
+                    <a:pattFill prst="trellis">
+                      <a:fgClr>
+                        <a:schemeClr val="bg2"/>
+                      </a:fgClr>
+                      <a:bgClr>
+                        <a:prstClr val="white"/>
+                      </a:bgClr>
+                    </a:pattFill>
+                  </a:tcPr>
+                </a:tc>
+                <a:tc>
+                  <a:txBody>
+                    <a:bodyPr/>
+                    <a:lstStyle/>
+                    <a:p>
+                      <a:pPr algn="ctr" fontAlgn="ctr"/>
+                      <a:r>
+                        <a:rPr lang="nb-NO" sz="1600" b="0" i="0" u="none" strike="noStrike" dirty="0">
+                          <a:solidFill>
+                            <a:srgbClr val="000000"/>
+                          </a:solidFill>
+                          <a:effectLst/>
+                          <a:latin typeface="Calibri"/>
+                        </a:rPr>
+                        <a:t>67.1</a:t>
+                      </a:r>
+                    </a:p>
+                  </a:txBody>
+                  <a:tcPr marL="12700" marR="12700" marT="12700" marB="0" anchor="ctr">
+                    <a:lnL w="6350" cap="flat" cmpd="sng" algn="ctr">
+                      <a:solidFill>
+                        <a:srgbClr val="000000"/>
+                      </a:solidFill>
+                      <a:prstDash val="solid"/>
+                      <a:round/>
+                      <a:headEnd type="none" w="med" len="med"/>
+                      <a:tailEnd type="none" w="med" len="med"/>
+                    </a:lnL>
+                    <a:lnR>
+                      <a:noFill/>
+                    </a:lnR>
+                    <a:lnT>
+                      <a:noFill/>
+                    </a:lnT>
+                    <a:lnB>
+                      <a:noFill/>
+                    </a:lnB>
+                    <a:pattFill prst="trellis">
+                      <a:fgClr>
+                        <a:schemeClr val="bg2"/>
+                      </a:fgClr>
+                      <a:bgClr>
+                        <a:prstClr val="white"/>
+                      </a:bgClr>
+                    </a:pattFill>
+                  </a:tcPr>
+                </a:tc>
+                <a:tc>
+                  <a:txBody>
+                    <a:bodyPr/>
+                    <a:lstStyle/>
+                    <a:p>
+                      <a:pPr algn="ctr" fontAlgn="ctr"/>
+                      <a:r>
+                        <a:rPr lang="nb-NO" sz="1600" b="0" i="0" u="none" strike="noStrike">
+                          <a:solidFill>
+                            <a:srgbClr val="000000"/>
+                          </a:solidFill>
+                          <a:effectLst/>
+                          <a:latin typeface="Calibri"/>
+                        </a:rPr>
+                        <a:t>65.6</a:t>
+                      </a:r>
+                    </a:p>
+                  </a:txBody>
+                  <a:tcPr marL="12700" marR="12700" marT="12700" marB="0" anchor="ctr">
+                    <a:lnL>
+                      <a:noFill/>
+                    </a:lnL>
+                    <a:lnR w="6350" cap="flat" cmpd="sng" algn="ctr">
+                      <a:solidFill>
+                        <a:srgbClr val="000000"/>
+                      </a:solidFill>
+                      <a:prstDash val="solid"/>
+                      <a:round/>
+                      <a:headEnd type="none" w="med" len="med"/>
+                      <a:tailEnd type="none" w="med" len="med"/>
+                    </a:lnR>
+                    <a:lnT>
+                      <a:noFill/>
+                    </a:lnT>
+                    <a:lnB>
+                      <a:noFill/>
+                    </a:lnB>
+                    <a:pattFill prst="trellis">
+                      <a:fgClr>
+                        <a:schemeClr val="bg2"/>
+                      </a:fgClr>
+                      <a:bgClr>
+                        <a:prstClr val="white"/>
+                      </a:bgClr>
+                    </a:pattFill>
+                  </a:tcPr>
+                </a:tc>
+                <a:tc>
+                  <a:txBody>
+                    <a:bodyPr/>
+                    <a:lstStyle/>
+                    <a:p>
+                      <a:pPr algn="ctr" fontAlgn="ctr"/>
+                      <a:r>
+                        <a:rPr lang="hr-HR" sz="1600" b="0" i="0" u="none" strike="noStrike">
+                          <a:solidFill>
+                            <a:srgbClr val="000000"/>
+                          </a:solidFill>
+                          <a:effectLst/>
+                          <a:latin typeface="Calibri"/>
+                        </a:rPr>
+                        <a:t>108.4</a:t>
+                      </a:r>
+                    </a:p>
+                  </a:txBody>
+                  <a:tcPr marL="12700" marR="12700" marT="12700" marB="0" anchor="ctr">
+                    <a:lnL w="6350" cap="flat" cmpd="sng" algn="ctr">
+                      <a:solidFill>
+                        <a:srgbClr val="000000"/>
+                      </a:solidFill>
+                      <a:prstDash val="solid"/>
+                      <a:round/>
+                      <a:headEnd type="none" w="med" len="med"/>
+                      <a:tailEnd type="none" w="med" len="med"/>
+                    </a:lnL>
+                    <a:lnR w="6350" cap="flat" cmpd="sng" algn="ctr">
+                      <a:solidFill>
+                        <a:srgbClr val="000000"/>
+                      </a:solidFill>
+                      <a:prstDash val="solid"/>
+                      <a:round/>
+                      <a:headEnd type="none" w="med" len="med"/>
+                      <a:tailEnd type="none" w="med" len="med"/>
+                    </a:lnR>
+                    <a:lnT>
+                      <a:noFill/>
+                    </a:lnT>
+                    <a:lnB>
+                      <a:noFill/>
+                    </a:lnB>
+                    <a:pattFill prst="trellis">
+                      <a:fgClr>
+                        <a:schemeClr val="bg2"/>
+                      </a:fgClr>
+                      <a:bgClr>
+                        <a:prstClr val="white"/>
+                      </a:bgClr>
+                    </a:pattFill>
+                  </a:tcPr>
+                </a:tc>
+                <a:tc>
+                  <a:txBody>
+                    <a:bodyPr/>
+                    <a:lstStyle/>
+                    <a:p>
+                      <a:pPr algn="ctr" fontAlgn="ctr"/>
+                      <a:r>
+                        <a:rPr lang="hr-HR" sz="1600" b="0" i="0" u="none" strike="noStrike">
+                          <a:solidFill>
+                            <a:srgbClr val="000000"/>
+                          </a:solidFill>
+                          <a:effectLst/>
+                          <a:latin typeface="Calibri"/>
+                        </a:rPr>
+                        <a:t>86.6</a:t>
+                      </a:r>
+                    </a:p>
+                  </a:txBody>
+                  <a:tcPr marL="12700" marR="12700" marT="12700" marB="0" anchor="ctr">
+                    <a:lnL w="6350" cap="flat" cmpd="sng" algn="ctr">
+                      <a:solidFill>
+                        <a:srgbClr val="000000"/>
+                      </a:solidFill>
+                      <a:prstDash val="solid"/>
+                      <a:round/>
+                      <a:headEnd type="none" w="med" len="med"/>
+                      <a:tailEnd type="none" w="med" len="med"/>
+                    </a:lnL>
+                    <a:lnR>
+                      <a:noFill/>
+                    </a:lnR>
+                    <a:lnT>
+                      <a:noFill/>
+                    </a:lnT>
+                    <a:lnB>
+                      <a:noFill/>
+                    </a:lnB>
+                    <a:pattFill prst="trellis">
+                      <a:fgClr>
+                        <a:schemeClr val="bg2"/>
+                      </a:fgClr>
+                      <a:bgClr>
+                        <a:prstClr val="white"/>
+                      </a:bgClr>
+                    </a:pattFill>
+                  </a:tcPr>
+                </a:tc>
+                <a:tc>
+                  <a:txBody>
+                    <a:bodyPr/>
+                    <a:lstStyle/>
+                    <a:p>
+                      <a:pPr algn="ctr" fontAlgn="ctr"/>
+                      <a:r>
+                        <a:rPr lang="nb-NO" sz="1600" b="0" i="0" u="none" strike="noStrike">
+                          <a:solidFill>
+                            <a:srgbClr val="000000"/>
+                          </a:solidFill>
+                          <a:effectLst/>
+                          <a:latin typeface="Calibri"/>
+                        </a:rPr>
+                        <a:t>221.5</a:t>
+                      </a:r>
+                    </a:p>
+                  </a:txBody>
+                  <a:tcPr marL="12700" marR="12700" marT="12700" marB="0" anchor="ctr">
+                    <a:lnL>
+                      <a:noFill/>
+                    </a:lnL>
+                    <a:lnR w="6350" cap="flat" cmpd="sng" algn="ctr">
+                      <a:solidFill>
+                        <a:srgbClr val="000000"/>
+                      </a:solidFill>
+                      <a:prstDash val="solid"/>
+                      <a:round/>
+                      <a:headEnd type="none" w="med" len="med"/>
+                      <a:tailEnd type="none" w="med" len="med"/>
+                    </a:lnR>
+                    <a:lnT>
+                      <a:noFill/>
+                    </a:lnT>
+                    <a:lnB>
+                      <a:noFill/>
+                    </a:lnB>
+                    <a:pattFill prst="trellis">
+                      <a:fgClr>
+                        <a:schemeClr val="bg2"/>
+                      </a:fgClr>
+                      <a:bgClr>
+                        <a:prstClr val="white"/>
+                      </a:bgClr>
+                    </a:pattFill>
+                  </a:tcPr>
+                </a:tc>
+              </a:tr>
+              <a:tr h="331357">
+                <a:tc>
+                  <a:txBody>
+                    <a:bodyPr/>
+                    <a:lstStyle/>
+                    <a:p>
+                      <a:pPr algn="ctr" fontAlgn="ctr"/>
+                      <a:r>
+                        <a:rPr lang="is-IS" sz="1600" b="0" i="0" u="none" strike="noStrike">
+                          <a:solidFill>
+                            <a:srgbClr val="000000"/>
+                          </a:solidFill>
+                          <a:effectLst/>
+                          <a:latin typeface="Calibri"/>
+                        </a:rPr>
+                        <a:t>2014</a:t>
+                      </a:r>
+                    </a:p>
+                  </a:txBody>
+                  <a:tcPr marL="12700" marR="12700" marT="12700" marB="0" anchor="ctr">
+                    <a:lnL w="6350" cap="flat" cmpd="sng" algn="ctr">
+                      <a:solidFill>
+                        <a:srgbClr val="000000"/>
+                      </a:solidFill>
+                      <a:prstDash val="solid"/>
+                      <a:round/>
+                      <a:headEnd type="none" w="med" len="med"/>
+                      <a:tailEnd type="none" w="med" len="med"/>
+                    </a:lnL>
+                    <a:lnR w="6350" cap="flat" cmpd="sng" algn="ctr">
+                      <a:solidFill>
+                        <a:srgbClr val="000000"/>
+                      </a:solidFill>
+                      <a:prstDash val="solid"/>
+                      <a:round/>
+                      <a:headEnd type="none" w="med" len="med"/>
+                      <a:tailEnd type="none" w="med" len="med"/>
+                    </a:lnR>
+                    <a:lnT>
+                      <a:noFill/>
+                    </a:lnT>
+                    <a:lnB>
+                      <a:noFill/>
+                    </a:lnB>
+                    <a:pattFill prst="trellis">
+                      <a:fgClr>
+                        <a:schemeClr val="bg2"/>
+                      </a:fgClr>
+                      <a:bgClr>
+                        <a:prstClr val="white"/>
+                      </a:bgClr>
+                    </a:pattFill>
+                  </a:tcPr>
+                </a:tc>
+                <a:tc>
+                  <a:txBody>
+                    <a:bodyPr/>
+                    <a:lstStyle/>
+                    <a:p>
+                      <a:pPr algn="ctr" fontAlgn="ctr"/>
+                      <a:r>
+                        <a:rPr lang="is-IS" sz="1600" b="0" i="0" u="none" strike="noStrike">
+                          <a:solidFill>
+                            <a:srgbClr val="000000"/>
+                          </a:solidFill>
+                          <a:effectLst/>
+                          <a:latin typeface="Calibri"/>
+                        </a:rPr>
+                        <a:t>2019</a:t>
+                      </a:r>
+                    </a:p>
+                  </a:txBody>
+                  <a:tcPr marL="12700" marR="12700" marT="12700" marB="0" anchor="ctr">
+                    <a:lnL w="6350" cap="flat" cmpd="sng" algn="ctr">
+                      <a:solidFill>
+                        <a:srgbClr val="000000"/>
+                      </a:solidFill>
+                      <a:prstDash val="solid"/>
+                      <a:round/>
+                      <a:headEnd type="none" w="med" len="med"/>
+                      <a:tailEnd type="none" w="med" len="med"/>
+                    </a:lnL>
+                    <a:lnR w="6350" cap="flat" cmpd="sng" algn="ctr">
+                      <a:solidFill>
+                        <a:srgbClr val="000000"/>
+                      </a:solidFill>
+                      <a:prstDash val="solid"/>
+                      <a:round/>
+                      <a:headEnd type="none" w="med" len="med"/>
+                      <a:tailEnd type="none" w="med" len="med"/>
+                    </a:lnR>
+                    <a:lnT>
+                      <a:noFill/>
+                    </a:lnT>
+                    <a:lnB>
+                      <a:noFill/>
+                    </a:lnB>
+                    <a:pattFill prst="trellis">
+                      <a:fgClr>
+                        <a:schemeClr val="bg2"/>
+                      </a:fgClr>
+                      <a:bgClr>
+                        <a:prstClr val="white"/>
+                      </a:bgClr>
+                    </a:pattFill>
+                  </a:tcPr>
+                </a:tc>
+                <a:tc>
+                  <a:txBody>
+                    <a:bodyPr/>
+                    <a:lstStyle/>
+                    <a:p>
+                      <a:pPr algn="ctr" fontAlgn="ctr"/>
+                      <a:r>
+                        <a:rPr lang="nb-NO" sz="1600" b="0" i="0" u="none" strike="noStrike">
+                          <a:solidFill>
+                            <a:srgbClr val="000000"/>
+                          </a:solidFill>
+                          <a:effectLst/>
+                          <a:latin typeface="Calibri"/>
+                        </a:rPr>
+                        <a:t>95.6</a:t>
+                      </a:r>
+                    </a:p>
+                  </a:txBody>
+                  <a:tcPr marL="12700" marR="12700" marT="12700" marB="0" anchor="ctr">
+                    <a:lnL w="6350" cap="flat" cmpd="sng" algn="ctr">
+                      <a:solidFill>
+                        <a:srgbClr val="000000"/>
+                      </a:solidFill>
+                      <a:prstDash val="solid"/>
+                      <a:round/>
+                      <a:headEnd type="none" w="med" len="med"/>
+                      <a:tailEnd type="none" w="med" len="med"/>
+                    </a:lnL>
+                    <a:lnR w="6350" cap="flat" cmpd="sng" algn="ctr">
+                      <a:solidFill>
+                        <a:srgbClr val="000000"/>
+                      </a:solidFill>
+                      <a:prstDash val="solid"/>
+                      <a:round/>
+                      <a:headEnd type="none" w="med" len="med"/>
+                      <a:tailEnd type="none" w="med" len="med"/>
+                    </a:lnR>
+                    <a:lnT>
+                      <a:noFill/>
+                    </a:lnT>
+                    <a:lnB>
+                      <a:noFill/>
+                    </a:lnB>
+                    <a:pattFill prst="trellis">
+                      <a:fgClr>
+                        <a:schemeClr val="bg2"/>
+                      </a:fgClr>
+                      <a:bgClr>
+                        <a:prstClr val="white"/>
+                      </a:bgClr>
+                    </a:pattFill>
+                  </a:tcPr>
+                </a:tc>
+                <a:tc>
+                  <a:txBody>
+                    <a:bodyPr/>
+                    <a:lstStyle/>
+                    <a:p>
+                      <a:pPr algn="ctr" fontAlgn="ctr"/>
+                      <a:r>
+                        <a:rPr lang="hr-HR" sz="1600" b="0" i="0" u="none" strike="noStrike" dirty="0">
+                          <a:solidFill>
+                            <a:srgbClr val="000000"/>
+                          </a:solidFill>
+                          <a:effectLst/>
+                          <a:latin typeface="Calibri"/>
+                        </a:rPr>
+                        <a:t>66.3</a:t>
+                      </a:r>
+                    </a:p>
+                  </a:txBody>
+                  <a:tcPr marL="12700" marR="12700" marT="12700" marB="0" anchor="ctr">
+                    <a:lnL w="6350" cap="flat" cmpd="sng" algn="ctr">
+                      <a:solidFill>
+                        <a:srgbClr val="000000"/>
+                      </a:solidFill>
+                      <a:prstDash val="solid"/>
+                      <a:round/>
+                      <a:headEnd type="none" w="med" len="med"/>
+                      <a:tailEnd type="none" w="med" len="med"/>
+                    </a:lnL>
+                    <a:lnR>
+                      <a:noFill/>
+                    </a:lnR>
+                    <a:lnT>
+                      <a:noFill/>
+                    </a:lnT>
+                    <a:lnB>
+                      <a:noFill/>
+                    </a:lnB>
+                    <a:pattFill prst="trellis">
+                      <a:fgClr>
+                        <a:schemeClr val="bg2"/>
+                      </a:fgClr>
+                      <a:bgClr>
+                        <a:prstClr val="white"/>
+                      </a:bgClr>
+                    </a:pattFill>
+                  </a:tcPr>
+                </a:tc>
+                <a:tc>
+                  <a:txBody>
+                    <a:bodyPr/>
+                    <a:lstStyle/>
+                    <a:p>
+                      <a:pPr algn="ctr" fontAlgn="ctr"/>
+                      <a:r>
+                        <a:rPr lang="hr-HR" sz="1600" b="0" i="0" u="none" strike="noStrike" dirty="0">
+                          <a:solidFill>
+                            <a:srgbClr val="000000"/>
+                          </a:solidFill>
+                          <a:effectLst/>
+                          <a:latin typeface="Calibri"/>
+                        </a:rPr>
+                        <a:t>64.4</a:t>
+                      </a:r>
+                    </a:p>
+                  </a:txBody>
+                  <a:tcPr marL="12700" marR="12700" marT="12700" marB="0" anchor="ctr">
+                    <a:lnL>
+                      <a:noFill/>
+                    </a:lnL>
+                    <a:lnR w="6350" cap="flat" cmpd="sng" algn="ctr">
+                      <a:solidFill>
+                        <a:srgbClr val="000000"/>
+                      </a:solidFill>
+                      <a:prstDash val="solid"/>
+                      <a:round/>
+                      <a:headEnd type="none" w="med" len="med"/>
+                      <a:tailEnd type="none" w="med" len="med"/>
+                    </a:lnR>
+                    <a:lnT>
+                      <a:noFill/>
+                    </a:lnT>
+                    <a:lnB>
+                      <a:noFill/>
+                    </a:lnB>
+                    <a:pattFill prst="trellis">
+                      <a:fgClr>
+                        <a:schemeClr val="bg2"/>
+                      </a:fgClr>
+                      <a:bgClr>
+                        <a:prstClr val="white"/>
+                      </a:bgClr>
+                    </a:pattFill>
+                  </a:tcPr>
+                </a:tc>
+                <a:tc>
+                  <a:txBody>
+                    <a:bodyPr/>
+                    <a:lstStyle/>
+                    <a:p>
+                      <a:pPr algn="ctr" fontAlgn="ctr"/>
+                      <a:r>
+                        <a:rPr lang="hr-HR" sz="1600" b="0" i="0" u="none" strike="noStrike" dirty="0">
+                          <a:solidFill>
+                            <a:srgbClr val="000000"/>
+                          </a:solidFill>
+                          <a:effectLst/>
+                          <a:latin typeface="Calibri"/>
+                        </a:rPr>
+                        <a:t>96.1</a:t>
+                      </a:r>
+                    </a:p>
+                  </a:txBody>
+                  <a:tcPr marL="12700" marR="12700" marT="12700" marB="0" anchor="ctr">
+                    <a:lnL w="6350" cap="flat" cmpd="sng" algn="ctr">
+                      <a:solidFill>
+                        <a:srgbClr val="000000"/>
+                      </a:solidFill>
+                      <a:prstDash val="solid"/>
+                      <a:round/>
+                      <a:headEnd type="none" w="med" len="med"/>
+                      <a:tailEnd type="none" w="med" len="med"/>
+                    </a:lnL>
+                    <a:lnR w="6350" cap="flat" cmpd="sng" algn="ctr">
+                      <a:solidFill>
+                        <a:srgbClr val="000000"/>
+                      </a:solidFill>
+                      <a:prstDash val="solid"/>
+                      <a:round/>
+                      <a:headEnd type="none" w="med" len="med"/>
+                      <a:tailEnd type="none" w="med" len="med"/>
+                    </a:lnR>
+                    <a:lnT>
+                      <a:noFill/>
+                    </a:lnT>
+                    <a:lnB>
+                      <a:noFill/>
+                    </a:lnB>
+                    <a:pattFill prst="trellis">
+                      <a:fgClr>
+                        <a:schemeClr val="bg2"/>
+                      </a:fgClr>
+                      <a:bgClr>
+                        <a:prstClr val="white"/>
+                      </a:bgClr>
+                    </a:pattFill>
+                  </a:tcPr>
+                </a:tc>
+                <a:tc>
+                  <a:txBody>
+                    <a:bodyPr/>
+                    <a:lstStyle/>
+                    <a:p>
+                      <a:pPr algn="ctr" fontAlgn="ctr"/>
+                      <a:r>
+                        <a:rPr lang="nb-NO" sz="1600" b="0" i="0" u="none" strike="noStrike" dirty="0">
+                          <a:solidFill>
+                            <a:srgbClr val="000000"/>
+                          </a:solidFill>
+                          <a:effectLst/>
+                          <a:latin typeface="Calibri"/>
+                        </a:rPr>
+                        <a:t>80.3</a:t>
+                      </a:r>
+                    </a:p>
+                  </a:txBody>
+                  <a:tcPr marL="12700" marR="12700" marT="12700" marB="0" anchor="ctr">
+                    <a:lnL w="6350" cap="flat" cmpd="sng" algn="ctr">
+                      <a:solidFill>
+                        <a:srgbClr val="000000"/>
+                      </a:solidFill>
+                      <a:prstDash val="solid"/>
+                      <a:round/>
+                      <a:headEnd type="none" w="med" len="med"/>
+                      <a:tailEnd type="none" w="med" len="med"/>
+                    </a:lnL>
+                    <a:lnR>
+                      <a:noFill/>
+                    </a:lnR>
+                    <a:lnT>
+                      <a:noFill/>
+                    </a:lnT>
+                    <a:lnB>
+                      <a:noFill/>
+                    </a:lnB>
+                    <a:pattFill prst="trellis">
+                      <a:fgClr>
+                        <a:schemeClr val="bg2"/>
+                      </a:fgClr>
+                      <a:bgClr>
+                        <a:prstClr val="white"/>
+                      </a:bgClr>
+                    </a:pattFill>
+                  </a:tcPr>
+                </a:tc>
+                <a:tc>
+                  <a:txBody>
+                    <a:bodyPr/>
+                    <a:lstStyle/>
+                    <a:p>
+                      <a:pPr algn="ctr" fontAlgn="ctr"/>
+                      <a:r>
+                        <a:rPr lang="is-IS" sz="1600" b="0" i="0" u="none" strike="noStrike" dirty="0">
+                          <a:solidFill>
+                            <a:srgbClr val="000000"/>
+                          </a:solidFill>
+                          <a:effectLst/>
+                          <a:latin typeface="Calibri"/>
+                        </a:rPr>
+                        <a:t>204.1</a:t>
+                      </a:r>
+                    </a:p>
+                  </a:txBody>
+                  <a:tcPr marL="12700" marR="12700" marT="12700" marB="0" anchor="ctr">
+                    <a:lnL>
+                      <a:noFill/>
+                    </a:lnL>
+                    <a:lnR w="6350" cap="flat" cmpd="sng" algn="ctr">
+                      <a:solidFill>
+                        <a:srgbClr val="000000"/>
+                      </a:solidFill>
+                      <a:prstDash val="solid"/>
+                      <a:round/>
+                      <a:headEnd type="none" w="med" len="med"/>
+                      <a:tailEnd type="none" w="med" len="med"/>
+                    </a:lnR>
+                    <a:lnT>
+                      <a:noFill/>
+                    </a:lnT>
+                    <a:lnB>
+                      <a:noFill/>
+                    </a:lnB>
+                    <a:pattFill prst="trellis">
+                      <a:fgClr>
+                        <a:schemeClr val="bg2"/>
+                      </a:fgClr>
+                      <a:bgClr>
+                        <a:prstClr val="white"/>
+                      </a:bgClr>
+                    </a:pattFill>
+                  </a:tcPr>
+                </a:tc>
+              </a:tr>
+              <a:tr h="331357">
+                <a:tc>
+                  <a:txBody>
+                    <a:bodyPr/>
+                    <a:lstStyle/>
+                    <a:p>
+                      <a:pPr algn="ctr" fontAlgn="ctr"/>
+                      <a:r>
+                        <a:rPr lang="is-IS" sz="1600" b="0" i="0" u="none" strike="noStrike">
+                          <a:solidFill>
+                            <a:srgbClr val="000000"/>
+                          </a:solidFill>
+                          <a:effectLst/>
+                          <a:latin typeface="Calibri"/>
+                        </a:rPr>
+                        <a:t>2015</a:t>
+                      </a:r>
+                    </a:p>
+                  </a:txBody>
+                  <a:tcPr marL="12700" marR="12700" marT="12700" marB="0" anchor="ctr">
+                    <a:lnL w="6350" cap="flat" cmpd="sng" algn="ctr">
+                      <a:solidFill>
+                        <a:srgbClr val="000000"/>
+                      </a:solidFill>
+                      <a:prstDash val="solid"/>
+                      <a:round/>
+                      <a:headEnd type="none" w="med" len="med"/>
+                      <a:tailEnd type="none" w="med" len="med"/>
+                    </a:lnL>
+                    <a:lnR w="6350" cap="flat" cmpd="sng" algn="ctr">
+                      <a:solidFill>
+                        <a:srgbClr val="000000"/>
+                      </a:solidFill>
+                      <a:prstDash val="solid"/>
+                      <a:round/>
+                      <a:headEnd type="none" w="med" len="med"/>
+                      <a:tailEnd type="none" w="med" len="med"/>
+                    </a:lnR>
+                    <a:lnT>
+                      <a:noFill/>
+                    </a:lnT>
+                    <a:lnB w="6350" cap="flat" cmpd="sng" algn="ctr">
+                      <a:solidFill>
+                        <a:srgbClr val="000000"/>
+                      </a:solidFill>
+                      <a:prstDash val="solid"/>
+                      <a:round/>
+                      <a:headEnd type="none" w="med" len="med"/>
+                      <a:tailEnd type="none" w="med" len="med"/>
+                    </a:lnB>
+                    <a:pattFill prst="trellis">
+                      <a:fgClr>
+                        <a:schemeClr val="bg2"/>
+                      </a:fgClr>
+                      <a:bgClr>
+                        <a:prstClr val="white"/>
+                      </a:bgClr>
+                    </a:pattFill>
+                  </a:tcPr>
+                </a:tc>
+                <a:tc>
+                  <a:txBody>
+                    <a:bodyPr/>
+                    <a:lstStyle/>
+                    <a:p>
+                      <a:pPr algn="ctr" fontAlgn="ctr"/>
+                      <a:r>
+                        <a:rPr lang="is-IS" sz="1600" b="0" i="0" u="none" strike="noStrike">
+                          <a:solidFill>
+                            <a:srgbClr val="000000"/>
+                          </a:solidFill>
+                          <a:effectLst/>
+                          <a:latin typeface="Calibri"/>
+                        </a:rPr>
+                        <a:t>2020</a:t>
+                      </a:r>
+                    </a:p>
+                  </a:txBody>
+                  <a:tcPr marL="12700" marR="12700" marT="12700" marB="0" anchor="ctr">
+                    <a:lnL w="6350" cap="flat" cmpd="sng" algn="ctr">
+                      <a:solidFill>
+                        <a:srgbClr val="000000"/>
+                      </a:solidFill>
+                      <a:prstDash val="solid"/>
+                      <a:round/>
+                      <a:headEnd type="none" w="med" len="med"/>
+                      <a:tailEnd type="none" w="med" len="med"/>
+                    </a:lnL>
+                    <a:lnR w="6350" cap="flat" cmpd="sng" algn="ctr">
+                      <a:solidFill>
+                        <a:srgbClr val="000000"/>
+                      </a:solidFill>
+                      <a:prstDash val="solid"/>
+                      <a:round/>
+                      <a:headEnd type="none" w="med" len="med"/>
+                      <a:tailEnd type="none" w="med" len="med"/>
+                    </a:lnR>
+                    <a:lnT>
+                      <a:noFill/>
+                    </a:lnT>
+                    <a:lnB w="6350" cap="flat" cmpd="sng" algn="ctr">
+                      <a:solidFill>
+                        <a:srgbClr val="000000"/>
+                      </a:solidFill>
+                      <a:prstDash val="solid"/>
+                      <a:round/>
+                      <a:headEnd type="none" w="med" len="med"/>
+                      <a:tailEnd type="none" w="med" len="med"/>
+                    </a:lnB>
+                    <a:pattFill prst="trellis">
+                      <a:fgClr>
+                        <a:schemeClr val="bg2"/>
+                      </a:fgClr>
+                      <a:bgClr>
+                        <a:prstClr val="white"/>
+                      </a:bgClr>
+                    </a:pattFill>
+                  </a:tcPr>
+                </a:tc>
+                <a:tc>
+                  <a:txBody>
+                    <a:bodyPr/>
+                    <a:lstStyle/>
+                    <a:p>
+                      <a:pPr algn="ctr" fontAlgn="ctr"/>
+                      <a:r>
+                        <a:rPr lang="nb-NO" sz="1600" b="0" i="0" u="none" strike="noStrike">
+                          <a:solidFill>
+                            <a:srgbClr val="000000"/>
+                          </a:solidFill>
+                          <a:effectLst/>
+                          <a:latin typeface="Calibri"/>
+                        </a:rPr>
+                        <a:t>95.1</a:t>
+                      </a:r>
+                    </a:p>
+                  </a:txBody>
+                  <a:tcPr marL="12700" marR="12700" marT="12700" marB="0" anchor="ctr">
+                    <a:lnL w="6350" cap="flat" cmpd="sng" algn="ctr">
+                      <a:solidFill>
+                        <a:srgbClr val="000000"/>
+                      </a:solidFill>
+                      <a:prstDash val="solid"/>
+                      <a:round/>
+                      <a:headEnd type="none" w="med" len="med"/>
+                      <a:tailEnd type="none" w="med" len="med"/>
+                    </a:lnL>
+                    <a:lnR w="6350" cap="flat" cmpd="sng" algn="ctr">
+                      <a:solidFill>
+                        <a:srgbClr val="000000"/>
+                      </a:solidFill>
+                      <a:prstDash val="solid"/>
+                      <a:round/>
+                      <a:headEnd type="none" w="med" len="med"/>
+                      <a:tailEnd type="none" w="med" len="med"/>
+                    </a:lnR>
+                    <a:lnT>
+                      <a:noFill/>
+                    </a:lnT>
+                    <a:lnB w="6350" cap="flat" cmpd="sng" algn="ctr">
+                      <a:solidFill>
+                        <a:srgbClr val="000000"/>
+                      </a:solidFill>
+                      <a:prstDash val="solid"/>
+                      <a:round/>
+                      <a:headEnd type="none" w="med" len="med"/>
+                      <a:tailEnd type="none" w="med" len="med"/>
+                    </a:lnB>
+                    <a:pattFill prst="trellis">
+                      <a:fgClr>
+                        <a:schemeClr val="bg2"/>
+                      </a:fgClr>
+                      <a:bgClr>
+                        <a:prstClr val="white"/>
+                      </a:bgClr>
+                    </a:pattFill>
+                  </a:tcPr>
+                </a:tc>
+                <a:tc>
+                  <a:txBody>
+                    <a:bodyPr/>
+                    <a:lstStyle/>
+                    <a:p>
+                      <a:pPr algn="ctr" fontAlgn="ctr"/>
+                      <a:r>
+                        <a:rPr lang="nb-NO" sz="1600" b="0" i="0" u="none" strike="noStrike" dirty="0">
+                          <a:solidFill>
+                            <a:srgbClr val="000000"/>
+                          </a:solidFill>
+                          <a:effectLst/>
+                          <a:latin typeface="Calibri"/>
+                        </a:rPr>
+                        <a:t>75.2</a:t>
+                      </a:r>
+                    </a:p>
+                  </a:txBody>
+                  <a:tcPr marL="12700" marR="12700" marT="12700" marB="0" anchor="ctr">
+                    <a:lnL w="6350" cap="flat" cmpd="sng" algn="ctr">
+                      <a:solidFill>
+                        <a:srgbClr val="000000"/>
+                      </a:solidFill>
+                      <a:prstDash val="solid"/>
+                      <a:round/>
+                      <a:headEnd type="none" w="med" len="med"/>
+                      <a:tailEnd type="none" w="med" len="med"/>
+                    </a:lnL>
+                    <a:lnR>
+                      <a:noFill/>
+                    </a:lnR>
+                    <a:lnT>
+                      <a:noFill/>
+                    </a:lnT>
+                    <a:lnB w="6350" cap="flat" cmpd="sng" algn="ctr">
+                      <a:solidFill>
+                        <a:srgbClr val="000000"/>
+                      </a:solidFill>
+                      <a:prstDash val="solid"/>
+                      <a:round/>
+                      <a:headEnd type="none" w="med" len="med"/>
+                      <a:tailEnd type="none" w="med" len="med"/>
+                    </a:lnB>
+                    <a:pattFill prst="trellis">
+                      <a:fgClr>
+                        <a:schemeClr val="bg2"/>
+                      </a:fgClr>
+                      <a:bgClr>
+                        <a:prstClr val="white"/>
+                      </a:bgClr>
+                    </a:pattFill>
+                  </a:tcPr>
+                </a:tc>
+                <a:tc>
+                  <a:txBody>
+                    <a:bodyPr/>
+                    <a:lstStyle/>
+                    <a:p>
+                      <a:pPr algn="ctr" fontAlgn="ctr"/>
+                      <a:r>
+                        <a:rPr lang="hr-HR" sz="1600" b="0" i="0" u="none" strike="noStrike" dirty="0">
+                          <a:solidFill>
+                            <a:srgbClr val="000000"/>
+                          </a:solidFill>
+                          <a:effectLst/>
+                          <a:latin typeface="Calibri"/>
+                        </a:rPr>
+                        <a:t>72.6</a:t>
+                      </a:r>
+                    </a:p>
+                  </a:txBody>
+                  <a:tcPr marL="12700" marR="12700" marT="12700" marB="0" anchor="ctr">
+                    <a:lnL>
+                      <a:noFill/>
+                    </a:lnL>
+                    <a:lnR w="6350" cap="flat" cmpd="sng" algn="ctr">
+                      <a:solidFill>
+                        <a:srgbClr val="000000"/>
+                      </a:solidFill>
+                      <a:prstDash val="solid"/>
+                      <a:round/>
+                      <a:headEnd type="none" w="med" len="med"/>
+                      <a:tailEnd type="none" w="med" len="med"/>
+                    </a:lnR>
+                    <a:lnT>
+                      <a:noFill/>
+                    </a:lnT>
+                    <a:lnB w="6350" cap="flat" cmpd="sng" algn="ctr">
+                      <a:solidFill>
+                        <a:srgbClr val="000000"/>
+                      </a:solidFill>
+                      <a:prstDash val="solid"/>
+                      <a:round/>
+                      <a:headEnd type="none" w="med" len="med"/>
+                      <a:tailEnd type="none" w="med" len="med"/>
+                    </a:lnB>
+                    <a:pattFill prst="trellis">
+                      <a:fgClr>
+                        <a:schemeClr val="bg2"/>
+                      </a:fgClr>
+                      <a:bgClr>
+                        <a:prstClr val="white"/>
+                      </a:bgClr>
+                    </a:pattFill>
+                  </a:tcPr>
+                </a:tc>
+                <a:tc>
+                  <a:txBody>
+                    <a:bodyPr/>
+                    <a:lstStyle/>
+                    <a:p>
+                      <a:pPr algn="ctr" fontAlgn="ctr"/>
+                      <a:r>
+                        <a:rPr lang="nb-NO" sz="1600" b="0" i="0" u="none" strike="noStrike" dirty="0">
+                          <a:solidFill>
+                            <a:srgbClr val="FF0000"/>
+                          </a:solidFill>
+                          <a:effectLst/>
+                          <a:latin typeface="Calibri"/>
+                        </a:rPr>
+                        <a:t>95.2</a:t>
+                      </a:r>
+                    </a:p>
+                  </a:txBody>
+                  <a:tcPr marL="12700" marR="12700" marT="12700" marB="0" anchor="ctr">
+                    <a:lnL w="6350" cap="flat" cmpd="sng" algn="ctr">
+                      <a:solidFill>
+                        <a:srgbClr val="000000"/>
+                      </a:solidFill>
+                      <a:prstDash val="solid"/>
+                      <a:round/>
+                      <a:headEnd type="none" w="med" len="med"/>
+                      <a:tailEnd type="none" w="med" len="med"/>
+                    </a:lnL>
+                    <a:lnR w="6350" cap="flat" cmpd="sng" algn="ctr">
+                      <a:solidFill>
+                        <a:srgbClr val="000000"/>
+                      </a:solidFill>
+                      <a:prstDash val="solid"/>
+                      <a:round/>
+                      <a:headEnd type="none" w="med" len="med"/>
+                      <a:tailEnd type="none" w="med" len="med"/>
+                    </a:lnR>
+                    <a:lnT>
+                      <a:noFill/>
+                    </a:lnT>
+                    <a:lnB w="6350" cap="flat" cmpd="sng" algn="ctr">
+                      <a:solidFill>
+                        <a:srgbClr val="000000"/>
+                      </a:solidFill>
+                      <a:prstDash val="solid"/>
+                      <a:round/>
+                      <a:headEnd type="none" w="med" len="med"/>
+                      <a:tailEnd type="none" w="med" len="med"/>
+                    </a:lnB>
+                    <a:pattFill prst="trellis">
+                      <a:fgClr>
+                        <a:schemeClr val="bg2"/>
+                      </a:fgClr>
+                      <a:bgClr>
+                        <a:prstClr val="white"/>
+                      </a:bgClr>
+                    </a:pattFill>
+                  </a:tcPr>
+                </a:tc>
+                <a:tc>
+                  <a:txBody>
+                    <a:bodyPr/>
+                    <a:lstStyle/>
+                    <a:p>
+                      <a:pPr algn="ctr" fontAlgn="ctr"/>
+                      <a:r>
+                        <a:rPr lang="hr-HR" sz="1600" b="0" i="0" u="none" strike="noStrike">
+                          <a:solidFill>
+                            <a:srgbClr val="000000"/>
+                          </a:solidFill>
+                          <a:effectLst/>
+                          <a:latin typeface="Calibri"/>
+                        </a:rPr>
+                        <a:t>73.6</a:t>
+                      </a:r>
+                    </a:p>
+                  </a:txBody>
+                  <a:tcPr marL="12700" marR="12700" marT="12700" marB="0" anchor="ctr">
+                    <a:lnL w="6350" cap="flat" cmpd="sng" algn="ctr">
+                      <a:solidFill>
+                        <a:srgbClr val="000000"/>
+                      </a:solidFill>
+                      <a:prstDash val="solid"/>
+                      <a:round/>
+                      <a:headEnd type="none" w="med" len="med"/>
+                      <a:tailEnd type="none" w="med" len="med"/>
+                    </a:lnL>
+                    <a:lnR>
+                      <a:noFill/>
+                    </a:lnR>
+                    <a:lnT>
+                      <a:noFill/>
+                    </a:lnT>
+                    <a:lnB w="6350" cap="flat" cmpd="sng" algn="ctr">
+                      <a:solidFill>
+                        <a:srgbClr val="000000"/>
+                      </a:solidFill>
+                      <a:prstDash val="solid"/>
+                      <a:round/>
+                      <a:headEnd type="none" w="med" len="med"/>
+                      <a:tailEnd type="none" w="med" len="med"/>
+                    </a:lnB>
+                    <a:pattFill prst="trellis">
+                      <a:fgClr>
+                        <a:schemeClr val="bg2"/>
+                      </a:fgClr>
+                      <a:bgClr>
+                        <a:prstClr val="white"/>
+                      </a:bgClr>
+                    </a:pattFill>
+                  </a:tcPr>
+                </a:tc>
+                <a:tc>
+                  <a:txBody>
+                    <a:bodyPr/>
+                    <a:lstStyle/>
+                    <a:p>
+                      <a:pPr algn="ctr" fontAlgn="ctr"/>
+                      <a:r>
+                        <a:rPr lang="hr-HR" sz="1600" b="0" i="0" u="none" strike="noStrike" dirty="0">
+                          <a:solidFill>
+                            <a:srgbClr val="000000"/>
+                          </a:solidFill>
+                          <a:effectLst/>
+                          <a:latin typeface="Calibri"/>
+                        </a:rPr>
+                        <a:t>196.9</a:t>
+                      </a:r>
+                    </a:p>
+                  </a:txBody>
+                  <a:tcPr marL="12700" marR="12700" marT="12700" marB="0" anchor="ctr">
+                    <a:lnL>
+                      <a:noFill/>
+                    </a:lnL>
+                    <a:lnR w="6350" cap="flat" cmpd="sng" algn="ctr">
+                      <a:solidFill>
+                        <a:srgbClr val="000000"/>
+                      </a:solidFill>
+                      <a:prstDash val="solid"/>
+                      <a:round/>
+                      <a:headEnd type="none" w="med" len="med"/>
+                      <a:tailEnd type="none" w="med" len="med"/>
+                    </a:lnR>
+                    <a:lnT>
+                      <a:noFill/>
+                    </a:lnT>
+                    <a:lnB w="6350" cap="flat" cmpd="sng" algn="ctr">
+                      <a:solidFill>
+                        <a:srgbClr val="000000"/>
+                      </a:solidFill>
+                      <a:prstDash val="solid"/>
+                      <a:round/>
+                      <a:headEnd type="none" w="med" len="med"/>
+                      <a:tailEnd type="none" w="med" len="med"/>
+                    </a:lnB>
+                    <a:pattFill prst="trellis">
+                      <a:fgClr>
+                        <a:schemeClr val="bg2"/>
+                      </a:fgClr>
+                      <a:bgClr>
+                        <a:prstClr val="white"/>
+                      </a:bgClr>
+                    </a:pattFill>
+                  </a:tcPr>
+                </a:tc>
+              </a:tr>
+            </a:tbl>
+          </a:graphicData>
+        </a:graphic>
+      </p:graphicFrame>
+      <p:sp>
+        <p:nvSpPr>
+          <p:cNvPr id="6" name="TextBox 5"/>
+          <p:cNvSpPr txBox="1"/>
+          <p:nvPr/>
+        </p:nvSpPr>
+        <p:spPr>
+          <a:xfrm>
+            <a:off x="533400" y="4891416"/>
+            <a:ext cx="3666388" cy="253916"/>
+          </a:xfrm>
+          <a:prstGeom prst="rect">
+            <a:avLst/>
+          </a:prstGeom>
+          <a:noFill/>
+        </p:spPr>
+        <p:txBody>
+          <a:bodyPr wrap="none" rtlCol="0">
+            <a:spAutoFit/>
+          </a:bodyPr>
+          <a:lstStyle/>
+          <a:p>
+            <a:r>
+              <a:rPr lang="en-US" sz="1050" dirty="0">
+                <a:solidFill>
+                  <a:schemeClr val="accent5"/>
+                </a:solidFill>
+              </a:rPr>
+              <a:t>https://en.wikipedia.org/wiki/Cost_of_electricity_by_source</a:t>
+            </a:r>
+          </a:p>
+        </p:txBody>
+      </p:sp>
+    </p:spTree>
+    <p:extLst>
+      <p:ext uri="{BB962C8B-B14F-4D97-AF65-F5344CB8AC3E}">
+        <p14:creationId xmlns:p14="http://schemas.microsoft.com/office/powerpoint/2010/main" val="529860447"/>
+      </p:ext>
+    </p:extLst>
+  </p:cSld>
+  <p:clrMapOvr>
+    <a:masterClrMapping/>
+  </p:clrMapOvr>
+  <p:timing>
+    <p:tnLst>
+      <p:par>
+        <p:cTn id="1" dur="indefinite" restart="never" nodeType="tmRoot"/>
+      </p:par>
+    </p:tnLst>
+  </p:timing>
+</p:sld>
+</file>
+
+<file path=ppt/slides/slide25.xml><?xml version="1.0" encoding="utf-8"?>
+<p:sld xmlns:a="http://schemas.openxmlformats.org/drawingml/2006/main" xmlns:r="http://schemas.openxmlformats.org/officeDocument/2006/relationships" xmlns:p="http://schemas.openxmlformats.org/presentationml/2006/main" showMasterSp="0">
+  <p:cSld>
+    <p:bg>
+      <p:bgPr>
+        <a:blipFill dpi="0" rotWithShape="1">
+          <a:blip r:embed="rId2">
+            <a:lum/>
+          </a:blip>
+          <a:srcRect/>
+          <a:stretch>
+            <a:fillRect l="-17000" r="-17000"/>
+          </a:stretch>
+        </a:blipFill>
+        <a:effectLst/>
+      </p:bgPr>
+    </p:bg>
+    <p:spTree>
+      <p:nvGrpSpPr>
+        <p:cNvPr id="1" name=""/>
+        <p:cNvGrpSpPr/>
+        <p:nvPr/>
+      </p:nvGrpSpPr>
+      <p:grpSpPr>
+        <a:xfrm>
+          <a:off x="0" y="0"/>
+          <a:ext cx="0" cy="0"/>
+          <a:chOff x="0" y="0"/>
+          <a:chExt cx="0" cy="0"/>
+        </a:xfrm>
+      </p:grpSpPr>
+      <p:sp>
+        <p:nvSpPr>
+          <p:cNvPr id="4" name="Slide Number Placeholder 3"/>
+          <p:cNvSpPr>
+            <a:spLocks noGrp="1"/>
+          </p:cNvSpPr>
+          <p:nvPr>
+            <p:ph type="sldNum" sz="quarter" idx="10"/>
+          </p:nvPr>
+        </p:nvSpPr>
+        <p:spPr/>
+        <p:txBody>
+          <a:bodyPr/>
+          <a:lstStyle/>
+          <a:p>
+            <a:pPr>
+              <a:defRPr/>
+            </a:pPr>
+            <a:fld id="{639E97B8-4532-408E-A5F7-ACF05B64D361}" type="slidenum">
+              <a:rPr lang="en-US" smtClean="0"/>
+              <a:pPr>
+                <a:defRPr/>
+              </a:pPr>
+              <a:t>25</a:t>
+            </a:fld>
+            <a:endParaRPr lang="en-US" dirty="0"/>
+          </a:p>
+        </p:txBody>
+      </p:sp>
+    </p:spTree>
+    <p:extLst>
+      <p:ext uri="{BB962C8B-B14F-4D97-AF65-F5344CB8AC3E}">
+        <p14:creationId xmlns:p14="http://schemas.microsoft.com/office/powerpoint/2010/main" val="3032700324"/>
+      </p:ext>
+    </p:extLst>
+  </p:cSld>
+  <p:clrMapOvr>
+    <a:masterClrMapping/>
+  </p:clrMapOvr>
+  <p:timing>
+    <p:tnLst>
+      <p:par>
+        <p:cTn id="1" dur="indefinite" restart="never" nodeType="tmRoot"/>
+      </p:par>
+    </p:tnLst>
+  </p:timing>
 </p:sld>
 </file>
 
@@ -15044,42 +21036,42 @@
                 <a:gridCol w="1252220">
                   <a:extLst>
                     <a:ext uri="{9D8B030D-6E8A-4147-A177-3AD203B41FA5}">
-                      <a16:colId xmlns:a16="http://schemas.microsoft.com/office/drawing/2014/main" val="20000"/>
+                      <a16:colId xmlns:a16="http://schemas.microsoft.com/office/drawing/2014/main" xmlns="" val="20000"/>
                     </a:ext>
                   </a:extLst>
                 </a:gridCol>
                 <a:gridCol w="1694180">
                   <a:extLst>
                     <a:ext uri="{9D8B030D-6E8A-4147-A177-3AD203B41FA5}">
-                      <a16:colId xmlns:a16="http://schemas.microsoft.com/office/drawing/2014/main" val="20001"/>
+                      <a16:colId xmlns:a16="http://schemas.microsoft.com/office/drawing/2014/main" xmlns="" val="20001"/>
                     </a:ext>
                   </a:extLst>
                 </a:gridCol>
                 <a:gridCol w="1473200">
                   <a:extLst>
                     <a:ext uri="{9D8B030D-6E8A-4147-A177-3AD203B41FA5}">
-                      <a16:colId xmlns:a16="http://schemas.microsoft.com/office/drawing/2014/main" val="20002"/>
+                      <a16:colId xmlns:a16="http://schemas.microsoft.com/office/drawing/2014/main" xmlns="" val="20002"/>
                     </a:ext>
                   </a:extLst>
                 </a:gridCol>
                 <a:gridCol w="1473200">
                   <a:extLst>
                     <a:ext uri="{9D8B030D-6E8A-4147-A177-3AD203B41FA5}">
-                      <a16:colId xmlns:a16="http://schemas.microsoft.com/office/drawing/2014/main" val="20003"/>
+                      <a16:colId xmlns:a16="http://schemas.microsoft.com/office/drawing/2014/main" xmlns="" val="20003"/>
                     </a:ext>
                   </a:extLst>
                 </a:gridCol>
                 <a:gridCol w="1473200">
                   <a:extLst>
                     <a:ext uri="{9D8B030D-6E8A-4147-A177-3AD203B41FA5}">
-                      <a16:colId xmlns:a16="http://schemas.microsoft.com/office/drawing/2014/main" val="20004"/>
+                      <a16:colId xmlns:a16="http://schemas.microsoft.com/office/drawing/2014/main" xmlns="" val="20004"/>
                     </a:ext>
                   </a:extLst>
                 </a:gridCol>
                 <a:gridCol w="1473200">
                   <a:extLst>
                     <a:ext uri="{9D8B030D-6E8A-4147-A177-3AD203B41FA5}">
-                      <a16:colId xmlns:a16="http://schemas.microsoft.com/office/drawing/2014/main" val="1357031864"/>
+                      <a16:colId xmlns:a16="http://schemas.microsoft.com/office/drawing/2014/main" xmlns="" val="1357031864"/>
                     </a:ext>
                   </a:extLst>
                 </a:gridCol>
@@ -15108,11 +21100,7 @@
                       <a:pPr algn="ctr"/>
                       <a:r>
                         <a:rPr lang="en-US" dirty="0" smtClean="0"/>
-                        <a:t>Axial </a:t>
-                      </a:r>
-                      <a:r>
-                        <a:rPr lang="en-US" dirty="0" smtClean="0"/>
-                        <a:t>Layers between LEU</a:t>
+                        <a:t>Axial Layers between LEU</a:t>
                       </a:r>
                       <a:endParaRPr lang="en-US" dirty="0"/>
                     </a:p>
@@ -15185,7 +21173,7 @@
                 </a:tc>
                 <a:extLst>
                   <a:ext uri="{0D108BD9-81ED-4DB2-BD59-A6C34878D82A}">
-                    <a16:rowId xmlns:a16="http://schemas.microsoft.com/office/drawing/2014/main" val="10000"/>
+                    <a16:rowId xmlns:a16="http://schemas.microsoft.com/office/drawing/2014/main" xmlns="" val="10000"/>
                   </a:ext>
                 </a:extLst>
               </a:tr>
@@ -15281,7 +21269,7 @@
                 </a:tc>
                 <a:extLst>
                   <a:ext uri="{0D108BD9-81ED-4DB2-BD59-A6C34878D82A}">
-                    <a16:rowId xmlns:a16="http://schemas.microsoft.com/office/drawing/2014/main" val="10001"/>
+                    <a16:rowId xmlns:a16="http://schemas.microsoft.com/office/drawing/2014/main" xmlns="" val="10001"/>
                   </a:ext>
                 </a:extLst>
               </a:tr>
@@ -15377,7 +21365,7 @@
                 </a:tc>
                 <a:extLst>
                   <a:ext uri="{0D108BD9-81ED-4DB2-BD59-A6C34878D82A}">
-                    <a16:rowId xmlns:a16="http://schemas.microsoft.com/office/drawing/2014/main" val="10002"/>
+                    <a16:rowId xmlns:a16="http://schemas.microsoft.com/office/drawing/2014/main" xmlns="" val="10002"/>
                   </a:ext>
                 </a:extLst>
               </a:tr>
@@ -15474,7 +21462,7 @@
                 </a:tc>
                 <a:extLst>
                   <a:ext uri="{0D108BD9-81ED-4DB2-BD59-A6C34878D82A}">
-                    <a16:rowId xmlns:a16="http://schemas.microsoft.com/office/drawing/2014/main" val="10003"/>
+                    <a16:rowId xmlns:a16="http://schemas.microsoft.com/office/drawing/2014/main" xmlns="" val="10003"/>
                   </a:ext>
                 </a:extLst>
               </a:tr>
@@ -15571,7 +21559,7 @@
                 </a:tc>
                 <a:extLst>
                   <a:ext uri="{0D108BD9-81ED-4DB2-BD59-A6C34878D82A}">
-                    <a16:rowId xmlns:a16="http://schemas.microsoft.com/office/drawing/2014/main" val="10004"/>
+                    <a16:rowId xmlns:a16="http://schemas.microsoft.com/office/drawing/2014/main" xmlns="" val="10004"/>
                   </a:ext>
                 </a:extLst>
               </a:tr>
@@ -15668,7 +21656,7 @@
                 </a:tc>
                 <a:extLst>
                   <a:ext uri="{0D108BD9-81ED-4DB2-BD59-A6C34878D82A}">
-                    <a16:rowId xmlns:a16="http://schemas.microsoft.com/office/drawing/2014/main" val="10005"/>
+                    <a16:rowId xmlns:a16="http://schemas.microsoft.com/office/drawing/2014/main" xmlns="" val="10005"/>
                   </a:ext>
                 </a:extLst>
               </a:tr>
@@ -15715,6 +21703,13 @@
   <p:clrMapOvr>
     <a:masterClrMapping/>
   </p:clrMapOvr>
+  <p:timing>
+    <p:tnLst>
+      <p:par>
+        <p:cTn id="1" dur="indefinite" restart="never" nodeType="tmRoot"/>
+      </p:par>
+    </p:tnLst>
+  </p:timing>
 </p:sld>
 </file>
 
@@ -15909,6 +21904,13 @@
   <p:clrMapOvr>
     <a:masterClrMapping/>
   </p:clrMapOvr>
+  <p:timing>
+    <p:tnLst>
+      <p:par>
+        <p:cTn id="1" dur="indefinite" restart="never" nodeType="tmRoot"/>
+      </p:par>
+    </p:tnLst>
+  </p:timing>
 </p:sld>
 </file>
 
@@ -16113,6 +22115,13 @@
   <p:clrMapOvr>
     <a:masterClrMapping/>
   </p:clrMapOvr>
+  <p:timing>
+    <p:tnLst>
+      <p:par>
+        <p:cTn id="1" dur="indefinite" restart="never" nodeType="tmRoot"/>
+      </p:par>
+    </p:tnLst>
+  </p:timing>
 </p:sld>
 </file>
 
@@ -16277,6 +22286,13 @@
   <p:clrMapOvr>
     <a:masterClrMapping/>
   </p:clrMapOvr>
+  <p:timing>
+    <p:tnLst>
+      <p:par>
+        <p:cTn id="1" dur="indefinite" restart="never" nodeType="tmRoot"/>
+      </p:par>
+    </p:tnLst>
+  </p:timing>
 </p:sld>
 </file>
 
@@ -16409,6 +22425,13 @@
   <p:clrMapOvr>
     <a:masterClrMapping/>
   </p:clrMapOvr>
+  <p:timing>
+    <p:tnLst>
+      <p:par>
+        <p:cTn id="1" dur="indefinite" restart="never" nodeType="tmRoot"/>
+      </p:par>
+    </p:tnLst>
+  </p:timing>
 </p:sld>
 </file>
 
@@ -16516,6 +22539,13 @@
   <p:clrMapOvr>
     <a:masterClrMapping/>
   </p:clrMapOvr>
+  <p:timing>
+    <p:tnLst>
+      <p:par>
+        <p:cTn id="1" dur="indefinite" restart="never" nodeType="tmRoot"/>
+      </p:par>
+    </p:tnLst>
+  </p:timing>
 </p:sld>
 </file>
 
@@ -16655,6 +22685,13 @@
   <p:clrMapOvr>
     <a:masterClrMapping/>
   </p:clrMapOvr>
+  <p:timing>
+    <p:tnLst>
+      <p:par>
+        <p:cTn id="1" dur="indefinite" restart="never" nodeType="tmRoot"/>
+      </p:par>
+    </p:tnLst>
+  </p:timing>
 </p:sld>
 </file>
 

--- a/presentations/mid2_PP/Jacob.pptx
+++ b/presentations/mid2_PP/Jacob.pptx
@@ -5,10 +5,10 @@
     <p:sldMasterId id="2147483649" r:id="rId1"/>
   </p:sldMasterIdLst>
   <p:notesMasterIdLst>
-    <p:notesMasterId r:id="rId27"/>
+    <p:notesMasterId r:id="rId26"/>
   </p:notesMasterIdLst>
   <p:handoutMasterIdLst>
-    <p:handoutMasterId r:id="rId28"/>
+    <p:handoutMasterId r:id="rId27"/>
   </p:handoutMasterIdLst>
   <p:sldIdLst>
     <p:sldId id="576" r:id="rId2"/>
@@ -35,11 +35,14 @@
     <p:sldId id="598" r:id="rId23"/>
     <p:sldId id="599" r:id="rId24"/>
     <p:sldId id="600" r:id="rId25"/>
-    <p:sldId id="601" r:id="rId26"/>
   </p:sldIdLst>
   <p:sldSz cx="9144000" cy="6858000" type="screen4x3"/>
   <p:notesSz cx="6950075" cy="9236075"/>
   <p:embeddedFontLst>
+    <p:embeddedFont>
+      <p:font typeface="Cambria Math" panose="02040503050406030204" pitchFamily="18" charset="0"/>
+      <p:regular r:id="rId28"/>
+    </p:embeddedFont>
     <p:embeddedFont>
       <p:font typeface="Tahoma" panose="020B0604030504040204" pitchFamily="34" charset="0"/>
       <p:regular r:id="rId29"/>
@@ -65,10 +68,6 @@
       <p:bold r:id="rId40"/>
       <p:italic r:id="rId41"/>
       <p:boldItalic r:id="rId42"/>
-    </p:embeddedFont>
-    <p:embeddedFont>
-      <p:font typeface="Cambria Math" panose="02040503050406030204" pitchFamily="18" charset="0"/>
-      <p:regular r:id="rId43"/>
     </p:embeddedFont>
   </p:embeddedFontLst>
   <p:defaultTextStyle>
@@ -3653,11 +3652,11 @@
           <c:showPercent val="0"/>
           <c:showBubbleSize val="0"/>
         </c:dLbls>
-        <c:axId val="347093456"/>
-        <c:axId val="347094016"/>
+        <c:axId val="160110224"/>
+        <c:axId val="160109664"/>
       </c:scatterChart>
       <c:valAx>
-        <c:axId val="347093456"/>
+        <c:axId val="160110224"/>
         <c:scaling>
           <c:logBase val="10"/>
           <c:orientation val="minMax"/>
@@ -3705,7 +3704,6 @@
               </a:p>
             </c:rich>
           </c:tx>
-          <c:layout/>
           <c:overlay val="0"/>
           <c:spPr>
             <a:noFill/>
@@ -3772,12 +3770,12 @@
             <a:endParaRPr lang="en-US"/>
           </a:p>
         </c:txPr>
-        <c:crossAx val="347094016"/>
+        <c:crossAx val="160109664"/>
         <c:crosses val="autoZero"/>
         <c:crossBetween val="midCat"/>
       </c:valAx>
       <c:valAx>
-        <c:axId val="347094016"/>
+        <c:axId val="160109664"/>
         <c:scaling>
           <c:logBase val="10"/>
           <c:orientation val="minMax"/>
@@ -3837,7 +3835,7 @@
             <a:endParaRPr lang="en-US"/>
           </a:p>
         </c:txPr>
-        <c:crossAx val="347093456"/>
+        <c:crossAx val="160110224"/>
         <c:crosses val="autoZero"/>
         <c:crossBetween val="midCat"/>
       </c:valAx>
@@ -4285,8 +4283,8 @@
           <c:showPercent val="0"/>
           <c:showBubbleSize val="0"/>
         </c:dLbls>
-        <c:axId val="215215568"/>
-        <c:axId val="215216128"/>
+        <c:axId val="208354032"/>
+        <c:axId val="208538960"/>
         <c:extLst xmlns:c16r2="http://schemas.microsoft.com/office/drawing/2015/06/chart">
           <c:ext xmlns:c15="http://schemas.microsoft.com/office/drawing/2012/chart" uri="{02D57815-91ED-43cb-92C2-25804820EDAC}">
             <c15:filteredScatterSeries>
@@ -4392,7 +4390,7 @@
         </c:extLst>
       </c:scatterChart>
       <c:valAx>
-        <c:axId val="215215568"/>
+        <c:axId val="208354032"/>
         <c:scaling>
           <c:orientation val="minMax"/>
         </c:scaling>
@@ -4433,7 +4431,6 @@
               </a:p>
             </c:rich>
           </c:tx>
-          <c:layout/>
           <c:overlay val="0"/>
           <c:spPr>
             <a:noFill/>
@@ -4500,12 +4497,12 @@
             <a:endParaRPr lang="en-US"/>
           </a:p>
         </c:txPr>
-        <c:crossAx val="215216128"/>
+        <c:crossAx val="208538960"/>
         <c:crosses val="autoZero"/>
         <c:crossBetween val="midCat"/>
       </c:valAx>
       <c:valAx>
-        <c:axId val="215216128"/>
+        <c:axId val="208538960"/>
         <c:scaling>
           <c:orientation val="minMax"/>
           <c:min val="0"/>
@@ -4547,7 +4544,6 @@
               </a:p>
             </c:rich>
           </c:tx>
-          <c:layout/>
           <c:overlay val="0"/>
           <c:spPr>
             <a:noFill/>
@@ -4614,7 +4610,7 @@
             <a:endParaRPr lang="en-US"/>
           </a:p>
         </c:txPr>
-        <c:crossAx val="215215568"/>
+        <c:crossAx val="208354032"/>
         <c:crosses val="autoZero"/>
         <c:crossBetween val="midCat"/>
       </c:valAx>
@@ -4628,7 +4624,6 @@
     </c:plotArea>
     <c:legend>
       <c:legendPos val="r"/>
-      <c:layout/>
       <c:overlay val="0"/>
       <c:spPr>
         <a:noFill/>
@@ -8443,14 +8438,14 @@
           <a:effectLst/>
           <a:extLst>
             <a:ext uri="{909E8E84-426E-40dd-AFC4-6F175D3DCCD1}">
-              <a14:hiddenFill xmlns:a14="http://schemas.microsoft.com/office/drawing/2010/main" xmlns="">
+              <a14:hiddenFill xmlns="" xmlns:a14="http://schemas.microsoft.com/office/drawing/2010/main">
                 <a:solidFill>
                   <a:schemeClr val="accent1"/>
                 </a:solidFill>
               </a14:hiddenFill>
             </a:ext>
             <a:ext uri="{91240B29-F687-4f45-9708-019B960494DF}">
-              <a14:hiddenLine xmlns:a14="http://schemas.microsoft.com/office/drawing/2010/main" xmlns="" w="9525">
+              <a14:hiddenLine xmlns="" xmlns:a14="http://schemas.microsoft.com/office/drawing/2010/main" w="9525">
                 <a:solidFill>
                   <a:schemeClr val="tx1"/>
                 </a:solidFill>
@@ -8460,7 +8455,7 @@
               </a14:hiddenLine>
             </a:ext>
             <a:ext uri="{AF507438-7753-43e0-B8FC-AC1667EBCBE1}">
-              <a14:hiddenEffects xmlns:a14="http://schemas.microsoft.com/office/drawing/2010/main" xmlns="">
+              <a14:hiddenEffects xmlns="" xmlns:a14="http://schemas.microsoft.com/office/drawing/2010/main">
                 <a:effectLst>
                   <a:outerShdw dist="35921" dir="2700000" algn="ctr" rotWithShape="0">
                     <a:schemeClr val="bg2"/>
@@ -9366,7 +9361,7 @@
           <a:noFill/>
           <a:extLst>
             <a:ext uri="{909E8E84-426E-40dd-AFC4-6F175D3DCCD1}">
-              <a14:hiddenFill xmlns:a14="http://schemas.microsoft.com/office/drawing/2010/main" xmlns="">
+              <a14:hiddenFill xmlns="" xmlns:a14="http://schemas.microsoft.com/office/drawing/2010/main">
                 <a:solidFill>
                   <a:srgbClr val="FFFFFF"/>
                 </a:solidFill>
@@ -10339,7 +10334,7 @@
           <p:cNvPr id="5" name="Chart 4">
             <a:extLst>
               <a:ext uri="{FF2B5EF4-FFF2-40B4-BE49-F238E27FC236}">
-                <a16:creationId xmlns:a16="http://schemas.microsoft.com/office/drawing/2014/main" xmlns="" id="{00000000-0008-0000-0100-000003000000}"/>
+                <a16:creationId xmlns="" xmlns:a16="http://schemas.microsoft.com/office/drawing/2014/main" id="{00000000-0008-0000-0100-000003000000}"/>
               </a:ext>
             </a:extLst>
           </p:cNvPr>
@@ -15113,8 +15108,8 @@
           </a:p>
         </p:txBody>
       </p:sp>
-      <mc:AlternateContent xmlns:mc="http://schemas.openxmlformats.org/markup-compatibility/2006">
-        <mc:Choice xmlns:a14="http://schemas.microsoft.com/office/drawing/2010/main" Requires="a14">
+      <mc:AlternateContent xmlns:mc="http://schemas.openxmlformats.org/markup-compatibility/2006" xmlns:a14="http://schemas.microsoft.com/office/drawing/2010/main">
+        <mc:Choice Requires="a14">
           <p:sp>
             <p:nvSpPr>
               <p:cNvPr id="3" name="Content Placeholder 2"/>
@@ -15266,7 +15261,7 @@
             </p:txBody>
           </p:sp>
         </mc:Choice>
-        <mc:Fallback>
+        <mc:Fallback xmlns="">
           <p:sp>
             <p:nvSpPr>
               <p:cNvPr id="3" name="Content Placeholder 2"/>
@@ -20887,86 +20882,6 @@
 </p:sld>
 </file>
 
-<file path=ppt/slides/slide25.xml><?xml version="1.0" encoding="utf-8"?>
-<p:sld xmlns:a="http://schemas.openxmlformats.org/drawingml/2006/main" xmlns:r="http://schemas.openxmlformats.org/officeDocument/2006/relationships" xmlns:p="http://schemas.openxmlformats.org/presentationml/2006/main" showMasterSp="0">
-  <p:cSld>
-    <p:bg>
-      <p:bgPr>
-        <a:blipFill dpi="0" rotWithShape="1">
-          <a:blip r:embed="rId2">
-            <a:lum/>
-          </a:blip>
-          <a:srcRect/>
-          <a:stretch>
-            <a:fillRect l="-17000" r="-17000"/>
-          </a:stretch>
-        </a:blipFill>
-        <a:effectLst/>
-      </p:bgPr>
-    </p:bg>
-    <p:spTree>
-      <p:nvGrpSpPr>
-        <p:cNvPr id="1" name=""/>
-        <p:cNvGrpSpPr/>
-        <p:nvPr/>
-      </p:nvGrpSpPr>
-      <p:grpSpPr>
-        <a:xfrm>
-          <a:off x="0" y="0"/>
-          <a:ext cx="0" cy="0"/>
-          <a:chOff x="0" y="0"/>
-          <a:chExt cx="0" cy="0"/>
-        </a:xfrm>
-      </p:grpSpPr>
-      <p:sp>
-        <p:nvSpPr>
-          <p:cNvPr id="4" name="Slide Number Placeholder 3"/>
-          <p:cNvSpPr>
-            <a:spLocks noGrp="1"/>
-          </p:cNvSpPr>
-          <p:nvPr>
-            <p:ph type="sldNum" sz="quarter" idx="10"/>
-          </p:nvPr>
-        </p:nvSpPr>
-        <p:spPr/>
-        <p:txBody>
-          <a:bodyPr/>
-          <a:lstStyle/>
-          <a:p>
-            <a:pPr>
-              <a:defRPr/>
-            </a:pPr>
-            <a:fld id="{639E97B8-4532-408E-A5F7-ACF05B64D361}" type="slidenum">
-              <a:rPr lang="en-US" smtClean="0"/>
-              <a:pPr>
-                <a:defRPr/>
-              </a:pPr>
-              <a:t>25</a:t>
-            </a:fld>
-            <a:endParaRPr lang="en-US" dirty="0"/>
-          </a:p>
-        </p:txBody>
-      </p:sp>
-    </p:spTree>
-    <p:extLst>
-      <p:ext uri="{BB962C8B-B14F-4D97-AF65-F5344CB8AC3E}">
-        <p14:creationId xmlns:p14="http://schemas.microsoft.com/office/powerpoint/2010/main" val="3032700324"/>
-      </p:ext>
-    </p:extLst>
-  </p:cSld>
-  <p:clrMapOvr>
-    <a:masterClrMapping/>
-  </p:clrMapOvr>
-  <p:timing>
-    <p:tnLst>
-      <p:par>
-        <p:cTn id="1" dur="indefinite" restart="never" nodeType="tmRoot"/>
-      </p:par>
-    </p:tnLst>
-  </p:timing>
-</p:sld>
-</file>
-
 <file path=ppt/slides/slide3.xml><?xml version="1.0" encoding="utf-8"?>
 <p:sld xmlns:a="http://schemas.openxmlformats.org/drawingml/2006/main" xmlns:r="http://schemas.openxmlformats.org/officeDocument/2006/relationships" xmlns:p="http://schemas.openxmlformats.org/presentationml/2006/main">
   <p:cSld>
@@ -21036,42 +20951,42 @@
                 <a:gridCol w="1252220">
                   <a:extLst>
                     <a:ext uri="{9D8B030D-6E8A-4147-A177-3AD203B41FA5}">
-                      <a16:colId xmlns:a16="http://schemas.microsoft.com/office/drawing/2014/main" xmlns="" val="20000"/>
+                      <a16:colId xmlns="" xmlns:a16="http://schemas.microsoft.com/office/drawing/2014/main" val="20000"/>
                     </a:ext>
                   </a:extLst>
                 </a:gridCol>
                 <a:gridCol w="1694180">
                   <a:extLst>
                     <a:ext uri="{9D8B030D-6E8A-4147-A177-3AD203B41FA5}">
-                      <a16:colId xmlns:a16="http://schemas.microsoft.com/office/drawing/2014/main" xmlns="" val="20001"/>
+                      <a16:colId xmlns="" xmlns:a16="http://schemas.microsoft.com/office/drawing/2014/main" val="20001"/>
                     </a:ext>
                   </a:extLst>
                 </a:gridCol>
                 <a:gridCol w="1473200">
                   <a:extLst>
                     <a:ext uri="{9D8B030D-6E8A-4147-A177-3AD203B41FA5}">
-                      <a16:colId xmlns:a16="http://schemas.microsoft.com/office/drawing/2014/main" xmlns="" val="20002"/>
+                      <a16:colId xmlns="" xmlns:a16="http://schemas.microsoft.com/office/drawing/2014/main" val="20002"/>
                     </a:ext>
                   </a:extLst>
                 </a:gridCol>
                 <a:gridCol w="1473200">
                   <a:extLst>
                     <a:ext uri="{9D8B030D-6E8A-4147-A177-3AD203B41FA5}">
-                      <a16:colId xmlns:a16="http://schemas.microsoft.com/office/drawing/2014/main" xmlns="" val="20003"/>
+                      <a16:colId xmlns="" xmlns:a16="http://schemas.microsoft.com/office/drawing/2014/main" val="20003"/>
                     </a:ext>
                   </a:extLst>
                 </a:gridCol>
                 <a:gridCol w="1473200">
                   <a:extLst>
                     <a:ext uri="{9D8B030D-6E8A-4147-A177-3AD203B41FA5}">
-                      <a16:colId xmlns:a16="http://schemas.microsoft.com/office/drawing/2014/main" xmlns="" val="20004"/>
+                      <a16:colId xmlns="" xmlns:a16="http://schemas.microsoft.com/office/drawing/2014/main" val="20004"/>
                     </a:ext>
                   </a:extLst>
                 </a:gridCol>
                 <a:gridCol w="1473200">
                   <a:extLst>
                     <a:ext uri="{9D8B030D-6E8A-4147-A177-3AD203B41FA5}">
-                      <a16:colId xmlns:a16="http://schemas.microsoft.com/office/drawing/2014/main" xmlns="" val="1357031864"/>
+                      <a16:colId xmlns="" xmlns:a16="http://schemas.microsoft.com/office/drawing/2014/main" val="1357031864"/>
                     </a:ext>
                   </a:extLst>
                 </a:gridCol>
@@ -21173,7 +21088,7 @@
                 </a:tc>
                 <a:extLst>
                   <a:ext uri="{0D108BD9-81ED-4DB2-BD59-A6C34878D82A}">
-                    <a16:rowId xmlns:a16="http://schemas.microsoft.com/office/drawing/2014/main" xmlns="" val="10000"/>
+                    <a16:rowId xmlns="" xmlns:a16="http://schemas.microsoft.com/office/drawing/2014/main" val="10000"/>
                   </a:ext>
                 </a:extLst>
               </a:tr>
@@ -21269,7 +21184,7 @@
                 </a:tc>
                 <a:extLst>
                   <a:ext uri="{0D108BD9-81ED-4DB2-BD59-A6C34878D82A}">
-                    <a16:rowId xmlns:a16="http://schemas.microsoft.com/office/drawing/2014/main" xmlns="" val="10001"/>
+                    <a16:rowId xmlns="" xmlns:a16="http://schemas.microsoft.com/office/drawing/2014/main" val="10001"/>
                   </a:ext>
                 </a:extLst>
               </a:tr>
@@ -21365,7 +21280,7 @@
                 </a:tc>
                 <a:extLst>
                   <a:ext uri="{0D108BD9-81ED-4DB2-BD59-A6C34878D82A}">
-                    <a16:rowId xmlns:a16="http://schemas.microsoft.com/office/drawing/2014/main" xmlns="" val="10002"/>
+                    <a16:rowId xmlns="" xmlns:a16="http://schemas.microsoft.com/office/drawing/2014/main" val="10002"/>
                   </a:ext>
                 </a:extLst>
               </a:tr>
@@ -21462,7 +21377,7 @@
                 </a:tc>
                 <a:extLst>
                   <a:ext uri="{0D108BD9-81ED-4DB2-BD59-A6C34878D82A}">
-                    <a16:rowId xmlns:a16="http://schemas.microsoft.com/office/drawing/2014/main" xmlns="" val="10003"/>
+                    <a16:rowId xmlns="" xmlns:a16="http://schemas.microsoft.com/office/drawing/2014/main" val="10003"/>
                   </a:ext>
                 </a:extLst>
               </a:tr>
@@ -21559,7 +21474,7 @@
                 </a:tc>
                 <a:extLst>
                   <a:ext uri="{0D108BD9-81ED-4DB2-BD59-A6C34878D82A}">
-                    <a16:rowId xmlns:a16="http://schemas.microsoft.com/office/drawing/2014/main" xmlns="" val="10004"/>
+                    <a16:rowId xmlns="" xmlns:a16="http://schemas.microsoft.com/office/drawing/2014/main" val="10004"/>
                   </a:ext>
                 </a:extLst>
               </a:tr>
@@ -21656,7 +21571,7 @@
                 </a:tc>
                 <a:extLst>
                   <a:ext uri="{0D108BD9-81ED-4DB2-BD59-A6C34878D82A}">
-                    <a16:rowId xmlns:a16="http://schemas.microsoft.com/office/drawing/2014/main" xmlns="" val="10005"/>
+                    <a16:rowId xmlns="" xmlns:a16="http://schemas.microsoft.com/office/drawing/2014/main" val="10005"/>
                   </a:ext>
                 </a:extLst>
               </a:tr>
